--- a/trunk/Presentazione/Atsilo2/Ferrara/Ferrara_M_PresentazioneFinale.pptx
+++ b/trunk/Presentazione/Atsilo2/Ferrara/Ferrara_M_PresentazioneFinale.pptx
@@ -122,6 +122,51 @@
 </p:presentation>
 </file>
 
+<file path=ppt/commentAuthors.xml><?xml version="1.0" encoding="utf-8"?>
+<p:cmAuthorLst xmlns:a="http://schemas.openxmlformats.org/drawingml/2006/main" xmlns:r="http://schemas.openxmlformats.org/officeDocument/2006/relationships" xmlns:p="http://schemas.openxmlformats.org/presentationml/2006/main">
+  <p:cmAuthor id="0" name="Giulio" initials="GF" lastIdx="4" clrIdx="0"/>
+</p:cmAuthorLst>
+</file>
+
+<file path=ppt/comments/comment1.xml><?xml version="1.0" encoding="utf-8"?>
+<p:cmLst xmlns:a="http://schemas.openxmlformats.org/drawingml/2006/main" xmlns:r="http://schemas.openxmlformats.org/officeDocument/2006/relationships" xmlns:p="http://schemas.openxmlformats.org/presentationml/2006/main">
+  <p:cm authorId="0" dt="2012-12-30T14:02:43.578" idx="1">
+    <p:pos x="10" y="10"/>
+    <p:text>Io partirei subito coi disegni. Li puoi affiancare al testo, come già hai fatto nella slide 3.
+E' vero che mettere il disegno rende poi il testo meno leggibile, però un disegno ben fatto riesce a dare subito l'idea di ciò che il testo spiega.</p:text>
+  </p:cm>
+</p:cmLst>
+</file>
+
+<file path=ppt/comments/comment2.xml><?xml version="1.0" encoding="utf-8"?>
+<p:cmLst xmlns:a="http://schemas.openxmlformats.org/drawingml/2006/main" xmlns:r="http://schemas.openxmlformats.org/officeDocument/2006/relationships" xmlns:p="http://schemas.openxmlformats.org/presentationml/2006/main">
+  <p:cm authorId="0" dt="2012-12-30T14:06:06.480" idx="2">
+    <p:pos x="10" y="19"/>
+    <p:text>Eppeffortuna che l'hai fatta di fretta col sonno.. :3
+L'unica cosa è che dovresti cercare di usare la stessa grafica su tutte le slide. Qui hai usato un contorno stondato, con ombra azzurra, mentre prima hai colorato i bordi dei sottosistemi di blu. Prima ancora, invece, hai usato una linea blu prussia spessa.</p:text>
+  </p:cm>
+</p:cmLst>
+</file>
+
+<file path=ppt/comments/comment3.xml><?xml version="1.0" encoding="utf-8"?>
+<p:cmLst xmlns:a="http://schemas.openxmlformats.org/drawingml/2006/main" xmlns:r="http://schemas.openxmlformats.org/officeDocument/2006/relationships" xmlns:p="http://schemas.openxmlformats.org/presentationml/2006/main">
+  <p:cm authorId="0" dt="2012-12-30T14:30:17.172" idx="3">
+    <p:pos x="5427" y="1249"/>
+    <p:text>Non so se è questa la def. che piace alla prof (il corso lo avete fatto voi, quindi lo sapete voi.
+Una definizione alternativa del testing è che lo scopo è di trovare difetti nel software.</p:text>
+  </p:cm>
+</p:cmLst>
+</file>
+
+<file path=ppt/comments/comment4.xml><?xml version="1.0" encoding="utf-8"?>
+<p:cmLst xmlns:a="http://schemas.openxmlformats.org/drawingml/2006/main" xmlns:r="http://schemas.openxmlformats.org/officeDocument/2006/relationships" xmlns:p="http://schemas.openxmlformats.org/presentationml/2006/main">
+  <p:cm authorId="0" dt="2012-12-30T14:31:33.442" idx="4">
+    <p:pos x="10" y="10"/>
+    <p:text>Qui si potrebbe mettere un esempio di incongruenza, però il rischio è cadere nello sputtanamento di Kids, che non so se alla prof va bene.</p:text>
+  </p:cm>
+</p:cmLst>
+</file>
+
 <file path=ppt/notesMasters/notesMaster1.xml><?xml version="1.0" encoding="utf-8"?>
 <p:notesMaster xmlns:a="http://schemas.openxmlformats.org/drawingml/2006/main" xmlns:r="http://schemas.openxmlformats.org/officeDocument/2006/relationships" xmlns:p="http://schemas.openxmlformats.org/presentationml/2006/main">
   <p:cSld>
@@ -205,7 +250,7 @@
             <a:fld id="{38D78F4D-402C-46E0-A4BB-DF91EA86B14C}" type="datetimeFigureOut">
               <a:rPr lang="it-IT" smtClean="0"/>
               <a:pPr/>
-              <a:t>28/12/2012</a:t>
+              <a:t>30/12/2012</a:t>
             </a:fld>
             <a:endParaRPr lang="it-IT"/>
           </a:p>
@@ -374,7 +419,7 @@
     </p:spTree>
     <p:extLst>
       <p:ext uri="{BB962C8B-B14F-4D97-AF65-F5344CB8AC3E}">
-        <p14:creationId xmlns:p14="http://schemas.microsoft.com/office/powerpoint/2010/main" xmlns="" val="2126419590"/>
+        <p14:creationId xmlns="" xmlns:p14="http://schemas.microsoft.com/office/powerpoint/2010/main" val="2126419590"/>
       </p:ext>
     </p:extLst>
   </p:cSld>
@@ -722,7 +767,7 @@
             <a:fld id="{63CABBC0-75E4-43BB-A6A6-84C2A96BDB82}" type="datetimeFigureOut">
               <a:rPr lang="it-IT" smtClean="0"/>
               <a:pPr/>
-              <a:t>28/12/2012</a:t>
+              <a:t>30/12/2012</a:t>
             </a:fld>
             <a:endParaRPr lang="it-IT"/>
           </a:p>
@@ -904,7 +949,7 @@
             <a:fld id="{63CABBC0-75E4-43BB-A6A6-84C2A96BDB82}" type="datetimeFigureOut">
               <a:rPr lang="it-IT" smtClean="0"/>
               <a:pPr/>
-              <a:t>28/12/2012</a:t>
+              <a:t>30/12/2012</a:t>
             </a:fld>
             <a:endParaRPr lang="it-IT"/>
           </a:p>
@@ -1096,7 +1141,7 @@
             <a:fld id="{63CABBC0-75E4-43BB-A6A6-84C2A96BDB82}" type="datetimeFigureOut">
               <a:rPr lang="it-IT" smtClean="0"/>
               <a:pPr/>
-              <a:t>28/12/2012</a:t>
+              <a:t>30/12/2012</a:t>
             </a:fld>
             <a:endParaRPr lang="it-IT"/>
           </a:p>
@@ -1278,7 +1323,7 @@
             <a:fld id="{63CABBC0-75E4-43BB-A6A6-84C2A96BDB82}" type="datetimeFigureOut">
               <a:rPr lang="it-IT" smtClean="0"/>
               <a:pPr/>
-              <a:t>28/12/2012</a:t>
+              <a:t>30/12/2012</a:t>
             </a:fld>
             <a:endParaRPr lang="it-IT"/>
           </a:p>
@@ -1521,7 +1566,7 @@
             <a:fld id="{63CABBC0-75E4-43BB-A6A6-84C2A96BDB82}" type="datetimeFigureOut">
               <a:rPr lang="it-IT" smtClean="0"/>
               <a:pPr/>
-              <a:t>28/12/2012</a:t>
+              <a:t>30/12/2012</a:t>
             </a:fld>
             <a:endParaRPr lang="it-IT"/>
           </a:p>
@@ -1802,7 +1847,7 @@
             <a:fld id="{63CABBC0-75E4-43BB-A6A6-84C2A96BDB82}" type="datetimeFigureOut">
               <a:rPr lang="it-IT" smtClean="0"/>
               <a:pPr/>
-              <a:t>28/12/2012</a:t>
+              <a:t>30/12/2012</a:t>
             </a:fld>
             <a:endParaRPr lang="it-IT"/>
           </a:p>
@@ -2193,7 +2238,7 @@
             <a:fld id="{63CABBC0-75E4-43BB-A6A6-84C2A96BDB82}" type="datetimeFigureOut">
               <a:rPr lang="it-IT" smtClean="0"/>
               <a:pPr/>
-              <a:t>28/12/2012</a:t>
+              <a:t>30/12/2012</a:t>
             </a:fld>
             <a:endParaRPr lang="it-IT"/>
           </a:p>
@@ -2352,7 +2397,7 @@
             <a:fld id="{63CABBC0-75E4-43BB-A6A6-84C2A96BDB82}" type="datetimeFigureOut">
               <a:rPr lang="it-IT" smtClean="0"/>
               <a:pPr/>
-              <a:t>28/12/2012</a:t>
+              <a:t>30/12/2012</a:t>
             </a:fld>
             <a:endParaRPr lang="it-IT"/>
           </a:p>
@@ -2451,7 +2496,7 @@
             <a:fld id="{63CABBC0-75E4-43BB-A6A6-84C2A96BDB82}" type="datetimeFigureOut">
               <a:rPr lang="it-IT" smtClean="0"/>
               <a:pPr/>
-              <a:t>28/12/2012</a:t>
+              <a:t>30/12/2012</a:t>
             </a:fld>
             <a:endParaRPr lang="it-IT"/>
           </a:p>
@@ -2721,7 +2766,7 @@
             <a:fld id="{63CABBC0-75E4-43BB-A6A6-84C2A96BDB82}" type="datetimeFigureOut">
               <a:rPr lang="it-IT" smtClean="0"/>
               <a:pPr/>
-              <a:t>28/12/2012</a:t>
+              <a:t>30/12/2012</a:t>
             </a:fld>
             <a:endParaRPr lang="it-IT"/>
           </a:p>
@@ -3018,7 +3063,7 @@
             <a:fld id="{63CABBC0-75E4-43BB-A6A6-84C2A96BDB82}" type="datetimeFigureOut">
               <a:rPr lang="it-IT" smtClean="0"/>
               <a:pPr/>
-              <a:t>28/12/2012</a:t>
+              <a:t>30/12/2012</a:t>
             </a:fld>
             <a:endParaRPr lang="it-IT"/>
           </a:p>
@@ -3798,7 +3843,7 @@
             <a:fld id="{63CABBC0-75E4-43BB-A6A6-84C2A96BDB82}" type="datetimeFigureOut">
               <a:rPr lang="it-IT" smtClean="0"/>
               <a:pPr/>
-              <a:t>28/12/2012</a:t>
+              <a:t>30/12/2012</a:t>
             </a:fld>
             <a:endParaRPr lang="it-IT"/>
           </a:p>
@@ -4481,14 +4526,14 @@
           <p:nvPr>
             <p:extLst>
               <p:ext uri="{D42A27DB-BD31-4B8C-83A1-F6EECF244321}">
-                <p14:modId xmlns:p14="http://schemas.microsoft.com/office/powerpoint/2010/main" xmlns="" val="3478576524"/>
+                <p14:modId xmlns="" xmlns:p14="http://schemas.microsoft.com/office/powerpoint/2010/main" val="3478576524"/>
               </p:ext>
             </p:extLst>
           </p:nvPr>
         </p:nvGraphicFramePr>
         <p:xfrm>
-          <a:off x="29313" y="5042215"/>
-          <a:ext cx="2051720" cy="1948117"/>
+          <a:off x="179512" y="5589240"/>
+          <a:ext cx="2051720" cy="1122554"/>
         </p:xfrm>
         <a:graphic>
           <a:graphicData uri="http://schemas.openxmlformats.org/drawingml/2006/table">
@@ -4551,7 +4596,7 @@
                         <a:rPr lang="it-IT" sz="1400" dirty="0" smtClean="0">
                           <a:effectLst/>
                         </a:rPr>
-                        <a:t>..</a:t>
+                        <a:t>Mariella Ferrara</a:t>
                       </a:r>
                       <a:endParaRPr lang="it-IT" sz="1400" dirty="0">
                         <a:effectLst/>
@@ -4576,57 +4621,13 @@
                         <a:rPr lang="it-IT" sz="1400" dirty="0" smtClean="0">
                           <a:effectLst/>
                         </a:rPr>
-                        <a:t>..</a:t>
+                        <a:t>&lt;matricola</a:t>
                       </a:r>
-                      <a:endParaRPr lang="it-IT" sz="1400" dirty="0">
-                        <a:effectLst/>
-                      </a:endParaRPr>
-                    </a:p>
-                  </a:txBody>
-                  <a:tcPr marL="38100" marR="38100" marT="38100" marB="38100"/>
-                </a:tc>
-              </a:tr>
-              <a:tr h="0">
-                <a:tc>
-                  <a:txBody>
-                    <a:bodyPr/>
-                    <a:lstStyle/>
-                    <a:p>
-                      <a:pPr algn="ctr" rtl="0">
-                        <a:lnSpc>
-                          <a:spcPct val="150000"/>
-                        </a:lnSpc>
-                      </a:pPr>
                       <a:r>
-                        <a:rPr lang="it-IT" sz="1400" dirty="0" smtClean="0">
+                        <a:rPr lang="it-IT" sz="1400" baseline="0" dirty="0" smtClean="0">
                           <a:effectLst/>
                         </a:rPr>
-                        <a:t>..</a:t>
-                      </a:r>
-                      <a:endParaRPr lang="it-IT" sz="1400" dirty="0">
-                        <a:effectLst/>
-                      </a:endParaRPr>
-                    </a:p>
-                  </a:txBody>
-                  <a:tcPr marL="38100" marR="38100" marT="38100" marB="38100"/>
-                </a:tc>
-              </a:tr>
-              <a:tr h="0">
-                <a:tc>
-                  <a:txBody>
-                    <a:bodyPr/>
-                    <a:lstStyle/>
-                    <a:p>
-                      <a:pPr algn="ctr" rtl="0">
-                        <a:lnSpc>
-                          <a:spcPct val="150000"/>
-                        </a:lnSpc>
-                      </a:pPr>
-                      <a:r>
-                        <a:rPr lang="it-IT" sz="1400" dirty="0" smtClean="0">
-                          <a:effectLst/>
-                        </a:rPr>
-                        <a:t>..</a:t>
+                        <a:t> qui&gt;</a:t>
                       </a:r>
                       <a:endParaRPr lang="it-IT" sz="1400" dirty="0">
                         <a:effectLst/>
@@ -4649,13 +4650,13 @@
           <p:nvPr>
             <p:extLst>
               <p:ext uri="{D42A27DB-BD31-4B8C-83A1-F6EECF244321}">
-                <p14:modId xmlns:p14="http://schemas.microsoft.com/office/powerpoint/2010/main" xmlns="" val="3696521689"/>
+                <p14:modId xmlns="" xmlns:p14="http://schemas.microsoft.com/office/powerpoint/2010/main" val="3696521689"/>
               </p:ext>
             </p:extLst>
           </p:nvPr>
         </p:nvGraphicFramePr>
         <p:xfrm>
-          <a:off x="7092280" y="6060793"/>
+          <a:off x="6948264" y="5877272"/>
           <a:ext cx="2051720" cy="792480"/>
         </p:xfrm>
         <a:graphic>
@@ -4739,7 +4740,7 @@
           <a:blip r:embed="rId2" cstate="print">
             <a:extLst>
               <a:ext uri="{28A0092B-C50C-407E-A947-70E740481C1C}">
-                <a14:useLocalDpi xmlns:a14="http://schemas.microsoft.com/office/drawing/2010/main" xmlns="" val="0"/>
+                <a14:useLocalDpi xmlns="" xmlns:a14="http://schemas.microsoft.com/office/drawing/2010/main" val="0"/>
               </a:ext>
             </a:extLst>
           </a:blip>
@@ -4759,7 +4760,7 @@
           <a:noFill/>
           <a:extLst>
             <a:ext uri="{909E8E84-426E-40DD-AFC4-6F175D3DCCD1}">
-              <a14:hiddenFill xmlns:a14="http://schemas.microsoft.com/office/drawing/2010/main" xmlns="">
+              <a14:hiddenFill xmlns="" xmlns:a14="http://schemas.microsoft.com/office/drawing/2010/main">
                 <a:solidFill>
                   <a:srgbClr val="FFFFFF"/>
                 </a:solidFill>
@@ -4771,7 +4772,7 @@
     </p:spTree>
     <p:extLst>
       <p:ext uri="{BB962C8B-B14F-4D97-AF65-F5344CB8AC3E}">
-        <p14:creationId xmlns:p14="http://schemas.microsoft.com/office/powerpoint/2010/main" xmlns="" val="4165334171"/>
+        <p14:creationId xmlns="" xmlns:p14="http://schemas.microsoft.com/office/powerpoint/2010/main" val="4165334171"/>
       </p:ext>
     </p:extLst>
   </p:cSld>
@@ -4852,9 +4853,6 @@
               </a:rPr>
               <a:t> effettuato su KIDS</a:t>
             </a:r>
-            <a:endParaRPr lang="it-IT" sz="2800" b="1" dirty="0" smtClean="0">
-              <a:latin typeface="+mj-lt"/>
-            </a:endParaRPr>
           </a:p>
           <a:p>
             <a:pPr algn="ctr"/>
@@ -5455,7 +5453,7 @@
     </p:spTree>
     <p:extLst>
       <p:ext uri="{BB962C8B-B14F-4D97-AF65-F5344CB8AC3E}">
-        <p14:creationId xmlns:p14="http://schemas.microsoft.com/office/powerpoint/2010/main" xmlns="" val="155874689"/>
+        <p14:creationId xmlns="" xmlns:p14="http://schemas.microsoft.com/office/powerpoint/2010/main" val="155874689"/>
       </p:ext>
     </p:extLst>
   </p:cSld>
@@ -5463,7 +5461,7 @@
     <a:masterClrMapping/>
   </p:clrMapOvr>
   <mc:AlternateContent xmlns:mc="http://schemas.openxmlformats.org/markup-compatibility/2006">
-    <mc:Choice xmlns:p14="http://schemas.microsoft.com/office/powerpoint/2010/main" xmlns="" Requires="p14">
+    <mc:Choice xmlns="" xmlns:p14="http://schemas.microsoft.com/office/powerpoint/2010/main" Requires="p14">
       <p:transition spd="slow" p14:dur="2000"/>
     </mc:Choice>
     <mc:Fallback>
@@ -5680,15 +5678,7 @@
             <a:pPr marL="0" indent="0"/>
             <a:r>
               <a:rPr lang="it-IT" dirty="0" smtClean="0"/>
-              <a:t> Visto il </a:t>
-            </a:r>
-            <a:r>
-              <a:rPr lang="it-IT" dirty="0" smtClean="0"/>
-              <a:t>poco </a:t>
-            </a:r>
-            <a:r>
-              <a:rPr lang="it-IT" dirty="0" smtClean="0"/>
-              <a:t>tempo a disposizione, ed essendo forniti soltanto di una versione imparziale del sistema, non è stato possibile individuare test case basandosi esclusivamente sul </a:t>
+              <a:t> Visto il poco tempo a disposizione, ed essendo forniti soltanto di una versione imparziale del sistema, non è stato possibile individuare test case basandosi esclusivamente sul </a:t>
             </a:r>
             <a:r>
               <a:rPr lang="it-IT" dirty="0" err="1" smtClean="0"/>
@@ -5739,12 +5729,8 @@
               <a:t>, come previsto </a:t>
             </a:r>
             <a:r>
-              <a:rPr lang="it-IT" dirty="0" err="1" smtClean="0"/>
-              <a:t>dalTest</a:t>
-            </a:r>
-            <a:r>
               <a:rPr lang="it-IT" dirty="0" smtClean="0"/>
-              <a:t> </a:t>
+              <a:t>dal Test </a:t>
             </a:r>
             <a:r>
               <a:rPr lang="it-IT" dirty="0" err="1" smtClean="0"/>
@@ -5861,7 +5847,6 @@
               <a:rPr lang="it-IT" sz="2800" b="1" dirty="0" smtClean="0"/>
               <a:t>Esempio di Test Case</a:t>
             </a:r>
-            <a:endParaRPr lang="it-IT" sz="2800" b="1" dirty="0" smtClean="0"/>
           </a:p>
         </p:txBody>
       </p:sp>
@@ -6114,22 +6099,14 @@
             <a:pPr marL="0" indent="0"/>
             <a:r>
               <a:rPr lang="it-IT" dirty="0" smtClean="0"/>
-              <a:t> </a:t>
-            </a:r>
+              <a:t> Diverse incongruenze tra documentazione fornita e sistema implementato hanno reso difficile:</a:t>
+            </a:r>
+          </a:p>
+          <a:p>
+            <a:pPr marL="365760" lvl="1" indent="0"/>
             <a:r>
               <a:rPr lang="it-IT" dirty="0" smtClean="0"/>
-              <a:t>Diverse incongruenze tra documentazione fornita e sistema implementato hanno reso difficile:</a:t>
-            </a:r>
-          </a:p>
-          <a:p>
-            <a:pPr marL="365760" lvl="1" indent="0"/>
-            <a:r>
-              <a:rPr lang="it-IT" dirty="0" smtClean="0"/>
-              <a:t> </a:t>
-            </a:r>
-            <a:r>
-              <a:rPr lang="it-IT" dirty="0" smtClean="0"/>
-              <a:t>l’organizzazione della fase di </a:t>
+              <a:t> l’organizzazione della fase di </a:t>
             </a:r>
             <a:r>
               <a:rPr lang="it-IT" dirty="0" err="1" smtClean="0"/>
@@ -6144,11 +6121,7 @@
             <a:pPr marL="365760" lvl="1" indent="0"/>
             <a:r>
               <a:rPr lang="it-IT" dirty="0" smtClean="0"/>
-              <a:t> la comprensione della documentazione e del  funzionamento del sistema stesso;</a:t>
-            </a:r>
-            <a:r>
-              <a:rPr lang="it-IT" dirty="0" smtClean="0"/>
-              <a:t>	</a:t>
+              <a:t> la comprensione della documentazione e del  funzionamento del sistema stesso;	</a:t>
             </a:r>
           </a:p>
           <a:p>
@@ -6171,7 +6144,6 @@
               <a:rPr lang="it-IT" dirty="0" smtClean="0"/>
               <a:t> specificati sono diventati inutili, in quanto funzionalità non implementate o non coerenti con la documentazione			</a:t>
             </a:r>
-            <a:endParaRPr lang="it-IT" dirty="0" smtClean="0"/>
           </a:p>
         </p:txBody>
       </p:sp>
@@ -6236,9 +6208,6 @@
               </a:rPr>
               <a:t>Decomposizione in sottosistemi</a:t>
             </a:r>
-            <a:endParaRPr lang="it-IT" sz="4800" b="1" dirty="0" smtClean="0">
-              <a:latin typeface="+mj-lt"/>
-            </a:endParaRPr>
           </a:p>
           <a:p>
             <a:pPr algn="ctr"/>
@@ -6443,7 +6412,6 @@
               <a:rPr lang="it-IT" sz="2400" dirty="0" smtClean="0"/>
               <a:t> :</a:t>
             </a:r>
-            <a:endParaRPr lang="it-IT" sz="2400" dirty="0" smtClean="0"/>
           </a:p>
           <a:p>
             <a:pPr marL="514350" indent="-514350">
@@ -6476,7 +6444,6 @@
               <a:rPr lang="it-IT" sz="2400" dirty="0" smtClean="0"/>
               <a:t>: si occupa della gestione della logica applicativa del sistema;</a:t>
             </a:r>
-            <a:endParaRPr lang="it-IT" sz="2400" dirty="0" smtClean="0"/>
           </a:p>
           <a:p>
             <a:pPr marL="514350" indent="-514350">
@@ -6548,7 +6515,7 @@
     </p:spTree>
     <p:extLst>
       <p:ext uri="{BB962C8B-B14F-4D97-AF65-F5344CB8AC3E}">
-        <p14:creationId xmlns:p14="http://schemas.microsoft.com/office/powerpoint/2010/main" xmlns="" val="155874689"/>
+        <p14:creationId xmlns="" xmlns:p14="http://schemas.microsoft.com/office/powerpoint/2010/main" val="155874689"/>
       </p:ext>
     </p:extLst>
   </p:cSld>
@@ -6556,7 +6523,7 @@
     <a:masterClrMapping/>
   </p:clrMapOvr>
   <mc:AlternateContent xmlns:mc="http://schemas.openxmlformats.org/markup-compatibility/2006">
-    <mc:Choice xmlns:p14="http://schemas.microsoft.com/office/powerpoint/2010/main" xmlns="" Requires="p14">
+    <mc:Choice xmlns="" xmlns:p14="http://schemas.microsoft.com/office/powerpoint/2010/main" Requires="p14">
       <p:transition spd="slow" p14:dur="2000"/>
     </mc:Choice>
     <mc:Fallback>
@@ -6822,11 +6789,7 @@
             </a:pPr>
             <a:r>
               <a:rPr lang="it-IT" sz="2600" i="1" smtClean="0"/>
-              <a:t>Application </a:t>
-            </a:r>
-            <a:r>
-              <a:rPr lang="it-IT" sz="2600" i="1" smtClean="0"/>
-              <a:t>(</a:t>
+              <a:t>Application (</a:t>
             </a:r>
             <a:r>
               <a:rPr lang="it-IT" sz="2600" smtClean="0"/>
@@ -6834,11 +6797,7 @@
             </a:r>
             <a:r>
               <a:rPr lang="it-IT" sz="2600" i="1" smtClean="0"/>
-              <a:t>Presentation</a:t>
-            </a:r>
-            <a:r>
-              <a:rPr lang="it-IT" sz="2600" i="1" smtClean="0"/>
-              <a:t>) </a:t>
+              <a:t>Presentation) </a:t>
             </a:r>
             <a:r>
               <a:rPr lang="it-IT" sz="2600" smtClean="0"/>
@@ -6850,13 +6809,8 @@
             </a:r>
             <a:r>
               <a:rPr lang="it-IT" sz="2600" smtClean="0"/>
-              <a:t> </a:t>
-            </a:r>
-            <a:r>
-              <a:rPr lang="it-IT" sz="2600" smtClean="0"/>
-              <a:t>livelli</a:t>
-            </a:r>
-            <a:endParaRPr lang="it-IT" sz="2600" smtClean="0"/>
+              <a:t> livelli</a:t>
+            </a:r>
           </a:p>
         </p:txBody>
       </p:sp>
@@ -7735,28 +7689,15 @@
             </a:r>
             <a:r>
               <a:rPr lang="it-IT" sz="2600" smtClean="0"/>
-              <a:t> livello trovavamo 3 macro </a:t>
-            </a:r>
-            <a:r>
-              <a:rPr lang="it-IT" sz="2600" smtClean="0"/>
-              <a:t>Gestioni</a:t>
-            </a:r>
-            <a:r>
-              <a:rPr lang="it-IT" sz="2600" smtClean="0"/>
-              <a:t>, che ricordavano la divisione nei vari </a:t>
-            </a:r>
-            <a:r>
-              <a:rPr lang="it-IT" sz="2600" smtClean="0"/>
-              <a:t>team</a:t>
-            </a:r>
-            <a:endParaRPr lang="it-IT" sz="2600" smtClean="0"/>
+              <a:t> livello trovavamo 3 macro Gestioni, che ricordavano la divisione nei vari team</a:t>
+            </a:r>
           </a:p>
         </p:txBody>
       </p:sp>
     </p:spTree>
     <p:extLst>
       <p:ext uri="{BB962C8B-B14F-4D97-AF65-F5344CB8AC3E}">
-        <p14:creationId xmlns:p14="http://schemas.microsoft.com/office/powerpoint/2010/main" xmlns="" val="155874689"/>
+        <p14:creationId xmlns="" xmlns:p14="http://schemas.microsoft.com/office/powerpoint/2010/main" val="155874689"/>
       </p:ext>
     </p:extLst>
   </p:cSld>
@@ -7764,7 +7705,7 @@
     <a:masterClrMapping/>
   </p:clrMapOvr>
   <mc:AlternateContent xmlns:mc="http://schemas.openxmlformats.org/markup-compatibility/2006">
-    <mc:Choice xmlns:p14="http://schemas.microsoft.com/office/powerpoint/2010/main" xmlns="" Requires="p14">
+    <mc:Choice xmlns="" xmlns:p14="http://schemas.microsoft.com/office/powerpoint/2010/main" Requires="p14">
       <p:transition spd="slow" p14:dur="2000"/>
     </mc:Choice>
     <mc:Fallback>
@@ -8574,7 +8515,7 @@
     </p:spTree>
     <p:extLst>
       <p:ext uri="{BB962C8B-B14F-4D97-AF65-F5344CB8AC3E}">
-        <p14:creationId xmlns:p14="http://schemas.microsoft.com/office/powerpoint/2010/main" xmlns="" val="155874689"/>
+        <p14:creationId xmlns="" xmlns:p14="http://schemas.microsoft.com/office/powerpoint/2010/main" val="155874689"/>
       </p:ext>
     </p:extLst>
   </p:cSld>
@@ -8582,7 +8523,7 @@
     <a:masterClrMapping/>
   </p:clrMapOvr>
   <mc:AlternateContent xmlns:mc="http://schemas.openxmlformats.org/markup-compatibility/2006">
-    <mc:Choice xmlns:p14="http://schemas.microsoft.com/office/powerpoint/2010/main" xmlns="" Requires="p14">
+    <mc:Choice xmlns="" xmlns:p14="http://schemas.microsoft.com/office/powerpoint/2010/main" Requires="p14">
       <p:transition spd="slow" p14:dur="2000"/>
     </mc:Choice>
     <mc:Fallback>
@@ -8856,7 +8797,7 @@
     </p:spTree>
     <p:extLst>
       <p:ext uri="{BB962C8B-B14F-4D97-AF65-F5344CB8AC3E}">
-        <p14:creationId xmlns:p14="http://schemas.microsoft.com/office/powerpoint/2010/main" xmlns="" val="155874689"/>
+        <p14:creationId xmlns="" xmlns:p14="http://schemas.microsoft.com/office/powerpoint/2010/main" val="155874689"/>
       </p:ext>
     </p:extLst>
   </p:cSld>
@@ -8864,7 +8805,7 @@
     <a:masterClrMapping/>
   </p:clrMapOvr>
   <mc:AlternateContent xmlns:mc="http://schemas.openxmlformats.org/markup-compatibility/2006">
-    <mc:Choice xmlns:p14="http://schemas.microsoft.com/office/powerpoint/2010/main" xmlns="" Requires="p14">
+    <mc:Choice xmlns="" xmlns:p14="http://schemas.microsoft.com/office/powerpoint/2010/main" Requires="p14">
       <p:transition spd="slow" p14:dur="2000"/>
     </mc:Choice>
     <mc:Fallback>
@@ -8983,7 +8924,6 @@
               <a:rPr lang="it-IT" sz="2800" b="1" dirty="0" smtClean="0"/>
               <a:t>Cosa non andava bene?</a:t>
             </a:r>
-            <a:endParaRPr lang="it-IT" sz="2800" b="1" dirty="0" smtClean="0"/>
           </a:p>
         </p:txBody>
       </p:sp>
@@ -9197,7 +9137,6 @@
               <a:rPr lang="it-IT" dirty="0" smtClean="0"/>
               <a:t> Suddivisione troppo astratta</a:t>
             </a:r>
-            <a:endParaRPr lang="it-IT" dirty="0" smtClean="0"/>
           </a:p>
           <a:p>
             <a:pPr lvl="1"/>
@@ -9403,13 +9342,8 @@
             </a:pPr>
             <a:r>
               <a:rPr lang="it-IT" dirty="0" smtClean="0"/>
-              <a:t>  Bassa coesione nella suddivisione di primo </a:t>
-            </a:r>
-            <a:r>
-              <a:rPr lang="it-IT" dirty="0" smtClean="0"/>
-              <a:t>livello</a:t>
-            </a:r>
-            <a:endParaRPr lang="it-IT" dirty="0" smtClean="0"/>
+              <a:t>  Bassa coesione nella suddivisione di primo livello</a:t>
+            </a:r>
           </a:p>
         </p:txBody>
       </p:sp>
@@ -9918,11 +9852,7 @@
             </a:r>
             <a:r>
               <a:rPr lang="it-IT" sz="2200" dirty="0" err="1" smtClean="0"/>
-              <a:t>Gestione</a:t>
-            </a:r>
-            <a:r>
-              <a:rPr lang="it-IT" sz="2200" dirty="0" err="1" smtClean="0"/>
-              <a:t>Registro</a:t>
+              <a:t>GestioneRegistro</a:t>
             </a:r>
             <a:endParaRPr lang="it-IT" sz="2200" dirty="0" smtClean="0"/>
           </a:p>
@@ -9949,7 +9879,7 @@
     </p:spTree>
     <p:extLst>
       <p:ext uri="{BB962C8B-B14F-4D97-AF65-F5344CB8AC3E}">
-        <p14:creationId xmlns:p14="http://schemas.microsoft.com/office/powerpoint/2010/main" xmlns="" val="155874689"/>
+        <p14:creationId xmlns="" xmlns:p14="http://schemas.microsoft.com/office/powerpoint/2010/main" val="155874689"/>
       </p:ext>
     </p:extLst>
   </p:cSld>
@@ -9957,7 +9887,7 @@
     <a:masterClrMapping/>
   </p:clrMapOvr>
   <mc:AlternateContent xmlns:mc="http://schemas.openxmlformats.org/markup-compatibility/2006">
-    <mc:Choice xmlns:p14="http://schemas.microsoft.com/office/powerpoint/2010/main" xmlns="" Requires="p14">
+    <mc:Choice xmlns="" xmlns:p14="http://schemas.microsoft.com/office/powerpoint/2010/main" Requires="p14">
       <p:transition spd="slow" p14:dur="2000"/>
     </mc:Choice>
     <mc:Fallback>
@@ -10093,7 +10023,6 @@
               <a:rPr lang="it-IT" sz="2800" b="1" dirty="0" smtClean="0"/>
               <a:t>Risultati ottenuti con la seconda versione</a:t>
             </a:r>
-            <a:endParaRPr lang="it-IT" sz="2800" b="1" dirty="0" smtClean="0"/>
           </a:p>
         </p:txBody>
       </p:sp>
@@ -10312,17 +10241,12 @@
               <a:rPr lang="it-IT" dirty="0" smtClean="0"/>
               <a:t>Decomposizione più funzionale e maggiore visibilità, raggiunta tramite sottosistemi di più piccole dimensioni</a:t>
             </a:r>
-            <a:endParaRPr lang="it-IT" dirty="0" smtClean="0"/>
           </a:p>
           <a:p>
             <a:pPr lvl="1"/>
             <a:r>
               <a:rPr lang="it-IT" i="1" dirty="0" smtClean="0"/>
-              <a:t>I sottosistemi sono più indipendenti l’uno </a:t>
-            </a:r>
-            <a:r>
-              <a:rPr lang="it-IT" i="1" dirty="0" smtClean="0"/>
-              <a:t>dall’altro</a:t>
+              <a:t>I sottosistemi sono più indipendenti l’uno dall’altro</a:t>
             </a:r>
           </a:p>
           <a:p>
@@ -10345,7 +10269,7 @@
     </p:spTree>
     <p:extLst>
       <p:ext uri="{BB962C8B-B14F-4D97-AF65-F5344CB8AC3E}">
-        <p14:creationId xmlns:p14="http://schemas.microsoft.com/office/powerpoint/2010/main" xmlns="" val="155874689"/>
+        <p14:creationId xmlns="" xmlns:p14="http://schemas.microsoft.com/office/powerpoint/2010/main" val="155874689"/>
       </p:ext>
     </p:extLst>
   </p:cSld>
@@ -10353,7 +10277,7 @@
     <a:masterClrMapping/>
   </p:clrMapOvr>
   <mc:AlternateContent xmlns:mc="http://schemas.openxmlformats.org/markup-compatibility/2006">
-    <mc:Choice xmlns:p14="http://schemas.microsoft.com/office/powerpoint/2010/main" xmlns="" Requires="p14">
+    <mc:Choice xmlns="" xmlns:p14="http://schemas.microsoft.com/office/powerpoint/2010/main" Requires="p14">
       <p:transition spd="slow" p14:dur="2000"/>
     </mc:Choice>
     <mc:Fallback>
@@ -11071,7 +10995,7 @@
     </p:spTree>
     <p:extLst>
       <p:ext uri="{BB962C8B-B14F-4D97-AF65-F5344CB8AC3E}">
-        <p14:creationId xmlns:p14="http://schemas.microsoft.com/office/powerpoint/2010/main" xmlns="" val="155874689"/>
+        <p14:creationId xmlns="" xmlns:p14="http://schemas.microsoft.com/office/powerpoint/2010/main" val="155874689"/>
       </p:ext>
     </p:extLst>
   </p:cSld>
@@ -11079,7 +11003,7 @@
     <a:masterClrMapping/>
   </p:clrMapOvr>
   <mc:AlternateContent xmlns:mc="http://schemas.openxmlformats.org/markup-compatibility/2006">
-    <mc:Choice xmlns:p14="http://schemas.microsoft.com/office/powerpoint/2010/main" xmlns="" Requires="p14">
+    <mc:Choice xmlns="" xmlns:p14="http://schemas.microsoft.com/office/powerpoint/2010/main" Requires="p14">
       <p:transition spd="slow" p14:dur="2000"/>
     </mc:Choice>
     <mc:Fallback>

--- a/trunk/Presentazione/Atsilo2/Ferrara/Ferrara_M_PresentazioneFinale.pptx
+++ b/trunk/Presentazione/Atsilo2/Ferrara/Ferrara_M_PresentazioneFinale.pptx
@@ -5,22 +5,25 @@
     <p:sldMasterId id="2147483684" r:id="rId1"/>
   </p:sldMasterIdLst>
   <p:notesMasterIdLst>
-    <p:notesMasterId r:id="rId15"/>
+    <p:notesMasterId r:id="rId18"/>
   </p:notesMasterIdLst>
   <p:sldIdLst>
     <p:sldId id="256" r:id="rId2"/>
     <p:sldId id="263" r:id="rId3"/>
-    <p:sldId id="260" r:id="rId4"/>
-    <p:sldId id="264" r:id="rId5"/>
-    <p:sldId id="265" r:id="rId6"/>
-    <p:sldId id="266" r:id="rId7"/>
-    <p:sldId id="262" r:id="rId8"/>
-    <p:sldId id="261" r:id="rId9"/>
-    <p:sldId id="259" r:id="rId10"/>
-    <p:sldId id="267" r:id="rId11"/>
-    <p:sldId id="268" r:id="rId12"/>
-    <p:sldId id="269" r:id="rId13"/>
-    <p:sldId id="270" r:id="rId14"/>
+    <p:sldId id="272" r:id="rId4"/>
+    <p:sldId id="260" r:id="rId5"/>
+    <p:sldId id="264" r:id="rId6"/>
+    <p:sldId id="265" r:id="rId7"/>
+    <p:sldId id="266" r:id="rId8"/>
+    <p:sldId id="262" r:id="rId9"/>
+    <p:sldId id="261" r:id="rId10"/>
+    <p:sldId id="259" r:id="rId11"/>
+    <p:sldId id="267" r:id="rId12"/>
+    <p:sldId id="271" r:id="rId13"/>
+    <p:sldId id="268" r:id="rId14"/>
+    <p:sldId id="269" r:id="rId15"/>
+    <p:sldId id="273" r:id="rId16"/>
+    <p:sldId id="270" r:id="rId17"/>
   </p:sldIdLst>
   <p:sldSz cx="9144000" cy="6858000" type="screen4x3"/>
   <p:notesSz cx="6858000" cy="9144000"/>
@@ -250,7 +253,7 @@
             <a:fld id="{38D78F4D-402C-46E0-A4BB-DF91EA86B14C}" type="datetimeFigureOut">
               <a:rPr lang="it-IT" smtClean="0"/>
               <a:pPr/>
-              <a:t>30/12/2012</a:t>
+              <a:t>02/01/2013</a:t>
             </a:fld>
             <a:endParaRPr lang="it-IT"/>
           </a:p>
@@ -419,7 +422,7 @@
     </p:spTree>
     <p:extLst>
       <p:ext uri="{BB962C8B-B14F-4D97-AF65-F5344CB8AC3E}">
-        <p14:creationId xmlns="" xmlns:p14="http://schemas.microsoft.com/office/powerpoint/2010/main" val="2126419590"/>
+        <p14:creationId xmlns:p14="http://schemas.microsoft.com/office/powerpoint/2010/main" xmlns="" val="2126419590"/>
       </p:ext>
     </p:extLst>
   </p:cSld>
@@ -587,7 +590,7 @@
             <a:fld id="{D70604CA-7593-4640-8FA1-5523937B8510}" type="slidenum">
               <a:rPr lang="it-IT" smtClean="0"/>
               <a:pPr/>
-              <a:t>7</a:t>
+              <a:t>8</a:t>
             </a:fld>
             <a:endParaRPr lang="it-IT"/>
           </a:p>
@@ -767,7 +770,7 @@
             <a:fld id="{63CABBC0-75E4-43BB-A6A6-84C2A96BDB82}" type="datetimeFigureOut">
               <a:rPr lang="it-IT" smtClean="0"/>
               <a:pPr/>
-              <a:t>30/12/2012</a:t>
+              <a:t>02/01/2013</a:t>
             </a:fld>
             <a:endParaRPr lang="it-IT"/>
           </a:p>
@@ -949,7 +952,7 @@
             <a:fld id="{63CABBC0-75E4-43BB-A6A6-84C2A96BDB82}" type="datetimeFigureOut">
               <a:rPr lang="it-IT" smtClean="0"/>
               <a:pPr/>
-              <a:t>30/12/2012</a:t>
+              <a:t>02/01/2013</a:t>
             </a:fld>
             <a:endParaRPr lang="it-IT"/>
           </a:p>
@@ -1141,7 +1144,7 @@
             <a:fld id="{63CABBC0-75E4-43BB-A6A6-84C2A96BDB82}" type="datetimeFigureOut">
               <a:rPr lang="it-IT" smtClean="0"/>
               <a:pPr/>
-              <a:t>30/12/2012</a:t>
+              <a:t>02/01/2013</a:t>
             </a:fld>
             <a:endParaRPr lang="it-IT"/>
           </a:p>
@@ -1323,7 +1326,7 @@
             <a:fld id="{63CABBC0-75E4-43BB-A6A6-84C2A96BDB82}" type="datetimeFigureOut">
               <a:rPr lang="it-IT" smtClean="0"/>
               <a:pPr/>
-              <a:t>30/12/2012</a:t>
+              <a:t>02/01/2013</a:t>
             </a:fld>
             <a:endParaRPr lang="it-IT"/>
           </a:p>
@@ -1566,7 +1569,7 @@
             <a:fld id="{63CABBC0-75E4-43BB-A6A6-84C2A96BDB82}" type="datetimeFigureOut">
               <a:rPr lang="it-IT" smtClean="0"/>
               <a:pPr/>
-              <a:t>30/12/2012</a:t>
+              <a:t>02/01/2013</a:t>
             </a:fld>
             <a:endParaRPr lang="it-IT"/>
           </a:p>
@@ -1847,7 +1850,7 @@
             <a:fld id="{63CABBC0-75E4-43BB-A6A6-84C2A96BDB82}" type="datetimeFigureOut">
               <a:rPr lang="it-IT" smtClean="0"/>
               <a:pPr/>
-              <a:t>30/12/2012</a:t>
+              <a:t>02/01/2013</a:t>
             </a:fld>
             <a:endParaRPr lang="it-IT"/>
           </a:p>
@@ -2238,7 +2241,7 @@
             <a:fld id="{63CABBC0-75E4-43BB-A6A6-84C2A96BDB82}" type="datetimeFigureOut">
               <a:rPr lang="it-IT" smtClean="0"/>
               <a:pPr/>
-              <a:t>30/12/2012</a:t>
+              <a:t>02/01/2013</a:t>
             </a:fld>
             <a:endParaRPr lang="it-IT"/>
           </a:p>
@@ -2397,7 +2400,7 @@
             <a:fld id="{63CABBC0-75E4-43BB-A6A6-84C2A96BDB82}" type="datetimeFigureOut">
               <a:rPr lang="it-IT" smtClean="0"/>
               <a:pPr/>
-              <a:t>30/12/2012</a:t>
+              <a:t>02/01/2013</a:t>
             </a:fld>
             <a:endParaRPr lang="it-IT"/>
           </a:p>
@@ -2496,7 +2499,7 @@
             <a:fld id="{63CABBC0-75E4-43BB-A6A6-84C2A96BDB82}" type="datetimeFigureOut">
               <a:rPr lang="it-IT" smtClean="0"/>
               <a:pPr/>
-              <a:t>30/12/2012</a:t>
+              <a:t>02/01/2013</a:t>
             </a:fld>
             <a:endParaRPr lang="it-IT"/>
           </a:p>
@@ -2766,7 +2769,7 @@
             <a:fld id="{63CABBC0-75E4-43BB-A6A6-84C2A96BDB82}" type="datetimeFigureOut">
               <a:rPr lang="it-IT" smtClean="0"/>
               <a:pPr/>
-              <a:t>30/12/2012</a:t>
+              <a:t>02/01/2013</a:t>
             </a:fld>
             <a:endParaRPr lang="it-IT"/>
           </a:p>
@@ -3063,7 +3066,7 @@
             <a:fld id="{63CABBC0-75E4-43BB-A6A6-84C2A96BDB82}" type="datetimeFigureOut">
               <a:rPr lang="it-IT" smtClean="0"/>
               <a:pPr/>
-              <a:t>30/12/2012</a:t>
+              <a:t>02/01/2013</a:t>
             </a:fld>
             <a:endParaRPr lang="it-IT"/>
           </a:p>
@@ -3843,7 +3846,7 @@
             <a:fld id="{63CABBC0-75E4-43BB-A6A6-84C2A96BDB82}" type="datetimeFigureOut">
               <a:rPr lang="it-IT" smtClean="0"/>
               <a:pPr/>
-              <a:t>30/12/2012</a:t>
+              <a:t>02/01/2013</a:t>
             </a:fld>
             <a:endParaRPr lang="it-IT"/>
           </a:p>
@@ -4526,14 +4529,14 @@
           <p:nvPr>
             <p:extLst>
               <p:ext uri="{D42A27DB-BD31-4B8C-83A1-F6EECF244321}">
-                <p14:modId xmlns="" xmlns:p14="http://schemas.microsoft.com/office/powerpoint/2010/main" val="3478576524"/>
+                <p14:modId xmlns:p14="http://schemas.microsoft.com/office/powerpoint/2010/main" xmlns="" val="3478576524"/>
               </p:ext>
             </p:extLst>
           </p:nvPr>
         </p:nvGraphicFramePr>
         <p:xfrm>
           <a:off x="179512" y="5589240"/>
-          <a:ext cx="2051720" cy="1122554"/>
+          <a:ext cx="2051720" cy="1188720"/>
         </p:xfrm>
         <a:graphic>
           <a:graphicData uri="http://schemas.openxmlformats.org/drawingml/2006/table">
@@ -4621,13 +4624,7 @@
                         <a:rPr lang="it-IT" sz="1400" dirty="0" smtClean="0">
                           <a:effectLst/>
                         </a:rPr>
-                        <a:t>&lt;matricola</a:t>
-                      </a:r>
-                      <a:r>
-                        <a:rPr lang="it-IT" sz="1400" baseline="0" dirty="0" smtClean="0">
-                          <a:effectLst/>
-                        </a:rPr>
-                        <a:t> qui&gt;</a:t>
+                        <a:t>0512100741</a:t>
                       </a:r>
                       <a:endParaRPr lang="it-IT" sz="1400" dirty="0">
                         <a:effectLst/>
@@ -4650,7 +4647,7 @@
           <p:nvPr>
             <p:extLst>
               <p:ext uri="{D42A27DB-BD31-4B8C-83A1-F6EECF244321}">
-                <p14:modId xmlns="" xmlns:p14="http://schemas.microsoft.com/office/powerpoint/2010/main" val="3696521689"/>
+                <p14:modId xmlns:p14="http://schemas.microsoft.com/office/powerpoint/2010/main" xmlns="" val="3696521689"/>
               </p:ext>
             </p:extLst>
           </p:nvPr>
@@ -4740,7 +4737,7 @@
           <a:blip r:embed="rId2" cstate="print">
             <a:extLst>
               <a:ext uri="{28A0092B-C50C-407E-A947-70E740481C1C}">
-                <a14:useLocalDpi xmlns="" xmlns:a14="http://schemas.microsoft.com/office/drawing/2010/main" val="0"/>
+                <a14:useLocalDpi xmlns:a14="http://schemas.microsoft.com/office/drawing/2010/main" xmlns="" val="0"/>
               </a:ext>
             </a:extLst>
           </a:blip>
@@ -4760,7 +4757,7 @@
           <a:noFill/>
           <a:extLst>
             <a:ext uri="{909E8E84-426E-40DD-AFC4-6F175D3DCCD1}">
-              <a14:hiddenFill xmlns="" xmlns:a14="http://schemas.microsoft.com/office/drawing/2010/main">
+              <a14:hiddenFill xmlns:a14="http://schemas.microsoft.com/office/drawing/2010/main" xmlns="">
                 <a:solidFill>
                   <a:srgbClr val="FFFFFF"/>
                 </a:solidFill>
@@ -4772,7 +4769,7 @@
     </p:spTree>
     <p:extLst>
       <p:ext uri="{BB962C8B-B14F-4D97-AF65-F5344CB8AC3E}">
-        <p14:creationId xmlns="" xmlns:p14="http://schemas.microsoft.com/office/powerpoint/2010/main" val="4165334171"/>
+        <p14:creationId xmlns:p14="http://schemas.microsoft.com/office/powerpoint/2010/main" xmlns="" val="4165334171"/>
       </p:ext>
     </p:extLst>
   </p:cSld>
@@ -4790,6 +4787,798 @@
 </file>
 
 <file path=ppt/slides/slide10.xml><?xml version="1.0" encoding="utf-8"?>
+<p:sld xmlns:a="http://schemas.openxmlformats.org/drawingml/2006/main" xmlns:r="http://schemas.openxmlformats.org/officeDocument/2006/relationships" xmlns:p="http://schemas.openxmlformats.org/presentationml/2006/main">
+  <p:cSld>
+    <p:spTree>
+      <p:nvGrpSpPr>
+        <p:cNvPr id="1" name=""/>
+        <p:cNvGrpSpPr/>
+        <p:nvPr/>
+      </p:nvGrpSpPr>
+      <p:grpSpPr>
+        <a:xfrm>
+          <a:off x="0" y="0"/>
+          <a:ext cx="0" cy="0"/>
+          <a:chOff x="0" y="0"/>
+          <a:chExt cx="0" cy="0"/>
+        </a:xfrm>
+      </p:grpSpPr>
+      <p:pic>
+        <p:nvPicPr>
+          <p:cNvPr id="1026" name="Picture 2"/>
+          <p:cNvPicPr>
+            <a:picLocks noChangeAspect="1" noChangeArrowheads="1"/>
+          </p:cNvPicPr>
+          <p:nvPr/>
+        </p:nvPicPr>
+        <p:blipFill>
+          <a:blip r:embed="rId2" cstate="print"/>
+          <a:srcRect/>
+          <a:stretch>
+            <a:fillRect/>
+          </a:stretch>
+        </p:blipFill>
+        <p:spPr bwMode="auto">
+          <a:xfrm>
+            <a:off x="3491880" y="764704"/>
+            <a:ext cx="5472608" cy="5870616"/>
+          </a:xfrm>
+          <a:prstGeom prst="rect">
+            <a:avLst/>
+          </a:prstGeom>
+          <a:noFill/>
+          <a:ln w="9525">
+            <a:noFill/>
+            <a:miter lim="800000"/>
+            <a:headEnd/>
+            <a:tailEnd/>
+          </a:ln>
+        </p:spPr>
+      </p:pic>
+      <p:sp>
+        <p:nvSpPr>
+          <p:cNvPr id="7" name="Content Placeholder 3"/>
+          <p:cNvSpPr txBox="1">
+            <a:spLocks/>
+          </p:cNvSpPr>
+          <p:nvPr/>
+        </p:nvSpPr>
+        <p:spPr>
+          <a:xfrm>
+            <a:off x="323528" y="836712"/>
+            <a:ext cx="3528392" cy="936104"/>
+          </a:xfrm>
+          <a:prstGeom prst="rect">
+            <a:avLst/>
+          </a:prstGeom>
+        </p:spPr>
+        <p:txBody>
+          <a:bodyPr tIns="0"/>
+          <a:lstStyle>
+            <a:lvl1pPr marL="274320" indent="-274320" algn="l" rtl="0" eaLnBrk="1" latinLnBrk="0" hangingPunct="1">
+              <a:spcBef>
+                <a:spcPct val="20000"/>
+              </a:spcBef>
+              <a:buClrTx/>
+              <a:buSzPct val="95000"/>
+              <a:buFont typeface="Wingdings" pitchFamily="2" charset="2"/>
+              <a:buChar char="v"/>
+              <a:defRPr kumimoji="0" sz="2800" kern="1200">
+                <a:solidFill>
+                  <a:schemeClr val="tx1"/>
+                </a:solidFill>
+                <a:latin typeface="+mn-lt"/>
+                <a:ea typeface="+mn-ea"/>
+                <a:cs typeface="+mn-cs"/>
+              </a:defRPr>
+            </a:lvl1pPr>
+            <a:lvl2pPr marL="640080" indent="-246888" algn="l" rtl="0" eaLnBrk="1" latinLnBrk="0" hangingPunct="1">
+              <a:spcBef>
+                <a:spcPct val="20000"/>
+              </a:spcBef>
+              <a:buClrTx/>
+              <a:buSzPct val="85000"/>
+              <a:buFont typeface="Courier New" pitchFamily="49" charset="0"/>
+              <a:buChar char="o"/>
+              <a:defRPr kumimoji="0" sz="2600" kern="1200">
+                <a:solidFill>
+                  <a:schemeClr val="tx1"/>
+                </a:solidFill>
+                <a:latin typeface="+mn-lt"/>
+                <a:ea typeface="+mn-ea"/>
+                <a:cs typeface="+mn-cs"/>
+              </a:defRPr>
+            </a:lvl2pPr>
+            <a:lvl3pPr marL="914400" indent="-246888" algn="l" rtl="0" eaLnBrk="1" latinLnBrk="0" hangingPunct="1">
+              <a:spcBef>
+                <a:spcPct val="20000"/>
+              </a:spcBef>
+              <a:buClrTx/>
+              <a:buSzPct val="70000"/>
+              <a:buFont typeface="Wingdings 2"/>
+              <a:buChar char=""/>
+              <a:defRPr kumimoji="0" sz="2400" kern="1200">
+                <a:solidFill>
+                  <a:schemeClr val="tx1"/>
+                </a:solidFill>
+                <a:latin typeface="+mn-lt"/>
+                <a:ea typeface="+mn-ea"/>
+                <a:cs typeface="+mn-cs"/>
+              </a:defRPr>
+            </a:lvl3pPr>
+            <a:lvl4pPr marL="1188720" indent="-210312" algn="l" rtl="0" eaLnBrk="1" latinLnBrk="0" hangingPunct="1">
+              <a:spcBef>
+                <a:spcPct val="20000"/>
+              </a:spcBef>
+              <a:buClrTx/>
+              <a:buSzPct val="65000"/>
+              <a:buFont typeface="Wingdings 2"/>
+              <a:buChar char=""/>
+              <a:defRPr kumimoji="0" sz="2000" kern="1200">
+                <a:solidFill>
+                  <a:schemeClr val="tx1"/>
+                </a:solidFill>
+                <a:latin typeface="+mn-lt"/>
+                <a:ea typeface="+mn-ea"/>
+                <a:cs typeface="+mn-cs"/>
+              </a:defRPr>
+            </a:lvl4pPr>
+            <a:lvl5pPr marL="1463040" indent="-210312" algn="l" rtl="0" eaLnBrk="1" latinLnBrk="0" hangingPunct="1">
+              <a:spcBef>
+                <a:spcPct val="20000"/>
+              </a:spcBef>
+              <a:buClrTx/>
+              <a:buSzPct val="65000"/>
+              <a:buFont typeface="Wingdings 2"/>
+              <a:buChar char=""/>
+              <a:defRPr kumimoji="0" sz="1800" kern="1200">
+                <a:solidFill>
+                  <a:schemeClr val="tx1"/>
+                </a:solidFill>
+                <a:latin typeface="+mn-lt"/>
+                <a:ea typeface="+mn-ea"/>
+                <a:cs typeface="+mn-cs"/>
+              </a:defRPr>
+            </a:lvl5pPr>
+            <a:lvl6pPr marL="1737360" indent="-210312" algn="l" rtl="0" eaLnBrk="1" latinLnBrk="0" hangingPunct="1">
+              <a:spcBef>
+                <a:spcPct val="20000"/>
+              </a:spcBef>
+              <a:buClr>
+                <a:schemeClr val="accent5"/>
+              </a:buClr>
+              <a:buSzPct val="80000"/>
+              <a:buFont typeface="Wingdings 2"/>
+              <a:buChar char=""/>
+              <a:defRPr kumimoji="0" sz="1800" kern="1200">
+                <a:solidFill>
+                  <a:schemeClr val="tx1"/>
+                </a:solidFill>
+                <a:latin typeface="+mn-lt"/>
+                <a:ea typeface="+mn-ea"/>
+                <a:cs typeface="+mn-cs"/>
+              </a:defRPr>
+            </a:lvl6pPr>
+            <a:lvl7pPr marL="1920240" indent="-182880" algn="l" rtl="0" eaLnBrk="1" latinLnBrk="0" hangingPunct="1">
+              <a:spcBef>
+                <a:spcPct val="20000"/>
+              </a:spcBef>
+              <a:buClr>
+                <a:schemeClr val="accent6"/>
+              </a:buClr>
+              <a:buSzPct val="80000"/>
+              <a:buFont typeface="Wingdings 2"/>
+              <a:buChar char=""/>
+              <a:defRPr kumimoji="0" sz="1600" kern="1200" baseline="0">
+                <a:solidFill>
+                  <a:schemeClr val="tx1"/>
+                </a:solidFill>
+                <a:latin typeface="+mn-lt"/>
+                <a:ea typeface="+mn-ea"/>
+                <a:cs typeface="+mn-cs"/>
+              </a:defRPr>
+            </a:lvl7pPr>
+            <a:lvl8pPr marL="2194560" indent="-182880" algn="l" rtl="0" eaLnBrk="1" latinLnBrk="0" hangingPunct="1">
+              <a:spcBef>
+                <a:spcPct val="20000"/>
+              </a:spcBef>
+              <a:buClr>
+                <a:schemeClr val="tx2"/>
+              </a:buClr>
+              <a:buChar char="•"/>
+              <a:defRPr kumimoji="0" sz="1600" kern="1200">
+                <a:solidFill>
+                  <a:schemeClr val="tx1"/>
+                </a:solidFill>
+                <a:latin typeface="+mn-lt"/>
+                <a:ea typeface="+mn-ea"/>
+                <a:cs typeface="+mn-cs"/>
+              </a:defRPr>
+            </a:lvl8pPr>
+            <a:lvl9pPr marL="2468880" indent="-182880" algn="l" rtl="0" eaLnBrk="1" latinLnBrk="0" hangingPunct="1">
+              <a:spcBef>
+                <a:spcPct val="20000"/>
+              </a:spcBef>
+              <a:buClr>
+                <a:schemeClr val="tx2"/>
+              </a:buClr>
+              <a:buFontTx/>
+              <a:buChar char="•"/>
+              <a:defRPr kumimoji="0" sz="1400" kern="1200" baseline="0">
+                <a:solidFill>
+                  <a:schemeClr val="tx1"/>
+                </a:solidFill>
+                <a:latin typeface="+mn-lt"/>
+                <a:ea typeface="+mn-ea"/>
+                <a:cs typeface="+mn-cs"/>
+              </a:defRPr>
+            </a:lvl9pPr>
+          </a:lstStyle>
+          <a:p>
+            <a:pPr marL="0" indent="0">
+              <a:buNone/>
+            </a:pPr>
+            <a:r>
+              <a:rPr lang="it-IT" b="1" dirty="0" smtClean="0"/>
+              <a:t>TERZA VERSIONE</a:t>
+            </a:r>
+          </a:p>
+          <a:p>
+            <a:pPr marL="0" indent="0">
+              <a:buNone/>
+            </a:pPr>
+            <a:r>
+              <a:rPr lang="it-IT" sz="2600" b="1" i="1" dirty="0" smtClean="0"/>
+              <a:t>definitiva</a:t>
+            </a:r>
+          </a:p>
+          <a:p>
+            <a:pPr marL="0" indent="0">
+              <a:buNone/>
+            </a:pPr>
+            <a:r>
+              <a:rPr lang="it-IT" sz="1000" b="1" dirty="0" smtClean="0"/>
+              <a:t> </a:t>
+            </a:r>
+            <a:endParaRPr lang="it-IT" dirty="0" smtClean="0"/>
+          </a:p>
+          <a:p>
+            <a:pPr marL="0" indent="0">
+              <a:buNone/>
+            </a:pPr>
+            <a:r>
+              <a:rPr lang="it-IT" sz="500" dirty="0" smtClean="0"/>
+              <a:t> </a:t>
+            </a:r>
+          </a:p>
+          <a:p>
+            <a:pPr marL="0" indent="0">
+              <a:buNone/>
+            </a:pPr>
+            <a:endParaRPr lang="it-IT" sz="2600" dirty="0"/>
+          </a:p>
+        </p:txBody>
+      </p:sp>
+      <p:sp>
+        <p:nvSpPr>
+          <p:cNvPr id="12" name="Rettangolo 11"/>
+          <p:cNvSpPr/>
+          <p:nvPr/>
+        </p:nvSpPr>
+        <p:spPr>
+          <a:xfrm>
+            <a:off x="4644008" y="3717032"/>
+            <a:ext cx="3744416" cy="720080"/>
+          </a:xfrm>
+          <a:prstGeom prst="rect">
+            <a:avLst/>
+          </a:prstGeom>
+          <a:noFill/>
+        </p:spPr>
+        <p:style>
+          <a:lnRef idx="2">
+            <a:schemeClr val="accent4"/>
+          </a:lnRef>
+          <a:fillRef idx="1">
+            <a:schemeClr val="lt1"/>
+          </a:fillRef>
+          <a:effectRef idx="0">
+            <a:schemeClr val="accent4"/>
+          </a:effectRef>
+          <a:fontRef idx="minor">
+            <a:schemeClr val="dk1"/>
+          </a:fontRef>
+        </p:style>
+        <p:txBody>
+          <a:bodyPr rtlCol="0" anchor="ctr"/>
+          <a:lstStyle/>
+          <a:p>
+            <a:pPr algn="ctr"/>
+            <a:endParaRPr lang="it-IT"/>
+          </a:p>
+        </p:txBody>
+      </p:sp>
+      <p:sp>
+        <p:nvSpPr>
+          <p:cNvPr id="13" name="Content Placeholder 3"/>
+          <p:cNvSpPr txBox="1">
+            <a:spLocks/>
+          </p:cNvSpPr>
+          <p:nvPr/>
+        </p:nvSpPr>
+        <p:spPr>
+          <a:xfrm>
+            <a:off x="179512" y="2060848"/>
+            <a:ext cx="3528392" cy="4248472"/>
+          </a:xfrm>
+          <a:prstGeom prst="rect">
+            <a:avLst/>
+          </a:prstGeom>
+        </p:spPr>
+        <p:txBody>
+          <a:bodyPr tIns="0"/>
+          <a:lstStyle>
+            <a:lvl1pPr marL="274320" indent="-274320" algn="l" rtl="0" eaLnBrk="1" latinLnBrk="0" hangingPunct="1">
+              <a:spcBef>
+                <a:spcPct val="20000"/>
+              </a:spcBef>
+              <a:buClrTx/>
+              <a:buSzPct val="95000"/>
+              <a:buFont typeface="Wingdings" pitchFamily="2" charset="2"/>
+              <a:buChar char="v"/>
+              <a:defRPr kumimoji="0" sz="2800" kern="1200">
+                <a:solidFill>
+                  <a:schemeClr val="tx1"/>
+                </a:solidFill>
+                <a:latin typeface="+mn-lt"/>
+                <a:ea typeface="+mn-ea"/>
+                <a:cs typeface="+mn-cs"/>
+              </a:defRPr>
+            </a:lvl1pPr>
+            <a:lvl2pPr marL="640080" indent="-246888" algn="l" rtl="0" eaLnBrk="1" latinLnBrk="0" hangingPunct="1">
+              <a:spcBef>
+                <a:spcPct val="20000"/>
+              </a:spcBef>
+              <a:buClrTx/>
+              <a:buSzPct val="85000"/>
+              <a:buFont typeface="Courier New" pitchFamily="49" charset="0"/>
+              <a:buChar char="o"/>
+              <a:defRPr kumimoji="0" sz="2600" kern="1200">
+                <a:solidFill>
+                  <a:schemeClr val="tx1"/>
+                </a:solidFill>
+                <a:latin typeface="+mn-lt"/>
+                <a:ea typeface="+mn-ea"/>
+                <a:cs typeface="+mn-cs"/>
+              </a:defRPr>
+            </a:lvl2pPr>
+            <a:lvl3pPr marL="914400" indent="-246888" algn="l" rtl="0" eaLnBrk="1" latinLnBrk="0" hangingPunct="1">
+              <a:spcBef>
+                <a:spcPct val="20000"/>
+              </a:spcBef>
+              <a:buClrTx/>
+              <a:buSzPct val="70000"/>
+              <a:buFont typeface="Wingdings 2"/>
+              <a:buChar char=""/>
+              <a:defRPr kumimoji="0" sz="2400" kern="1200">
+                <a:solidFill>
+                  <a:schemeClr val="tx1"/>
+                </a:solidFill>
+                <a:latin typeface="+mn-lt"/>
+                <a:ea typeface="+mn-ea"/>
+                <a:cs typeface="+mn-cs"/>
+              </a:defRPr>
+            </a:lvl3pPr>
+            <a:lvl4pPr marL="1188720" indent="-210312" algn="l" rtl="0" eaLnBrk="1" latinLnBrk="0" hangingPunct="1">
+              <a:spcBef>
+                <a:spcPct val="20000"/>
+              </a:spcBef>
+              <a:buClrTx/>
+              <a:buSzPct val="65000"/>
+              <a:buFont typeface="Wingdings 2"/>
+              <a:buChar char=""/>
+              <a:defRPr kumimoji="0" sz="2000" kern="1200">
+                <a:solidFill>
+                  <a:schemeClr val="tx1"/>
+                </a:solidFill>
+                <a:latin typeface="+mn-lt"/>
+                <a:ea typeface="+mn-ea"/>
+                <a:cs typeface="+mn-cs"/>
+              </a:defRPr>
+            </a:lvl4pPr>
+            <a:lvl5pPr marL="1463040" indent="-210312" algn="l" rtl="0" eaLnBrk="1" latinLnBrk="0" hangingPunct="1">
+              <a:spcBef>
+                <a:spcPct val="20000"/>
+              </a:spcBef>
+              <a:buClrTx/>
+              <a:buSzPct val="65000"/>
+              <a:buFont typeface="Wingdings 2"/>
+              <a:buChar char=""/>
+              <a:defRPr kumimoji="0" sz="1800" kern="1200">
+                <a:solidFill>
+                  <a:schemeClr val="tx1"/>
+                </a:solidFill>
+                <a:latin typeface="+mn-lt"/>
+                <a:ea typeface="+mn-ea"/>
+                <a:cs typeface="+mn-cs"/>
+              </a:defRPr>
+            </a:lvl5pPr>
+            <a:lvl6pPr marL="1737360" indent="-210312" algn="l" rtl="0" eaLnBrk="1" latinLnBrk="0" hangingPunct="1">
+              <a:spcBef>
+                <a:spcPct val="20000"/>
+              </a:spcBef>
+              <a:buClr>
+                <a:schemeClr val="accent5"/>
+              </a:buClr>
+              <a:buSzPct val="80000"/>
+              <a:buFont typeface="Wingdings 2"/>
+              <a:buChar char=""/>
+              <a:defRPr kumimoji="0" sz="1800" kern="1200">
+                <a:solidFill>
+                  <a:schemeClr val="tx1"/>
+                </a:solidFill>
+                <a:latin typeface="+mn-lt"/>
+                <a:ea typeface="+mn-ea"/>
+                <a:cs typeface="+mn-cs"/>
+              </a:defRPr>
+            </a:lvl6pPr>
+            <a:lvl7pPr marL="1920240" indent="-182880" algn="l" rtl="0" eaLnBrk="1" latinLnBrk="0" hangingPunct="1">
+              <a:spcBef>
+                <a:spcPct val="20000"/>
+              </a:spcBef>
+              <a:buClr>
+                <a:schemeClr val="accent6"/>
+              </a:buClr>
+              <a:buSzPct val="80000"/>
+              <a:buFont typeface="Wingdings 2"/>
+              <a:buChar char=""/>
+              <a:defRPr kumimoji="0" sz="1600" kern="1200" baseline="0">
+                <a:solidFill>
+                  <a:schemeClr val="tx1"/>
+                </a:solidFill>
+                <a:latin typeface="+mn-lt"/>
+                <a:ea typeface="+mn-ea"/>
+                <a:cs typeface="+mn-cs"/>
+              </a:defRPr>
+            </a:lvl7pPr>
+            <a:lvl8pPr marL="2194560" indent="-182880" algn="l" rtl="0" eaLnBrk="1" latinLnBrk="0" hangingPunct="1">
+              <a:spcBef>
+                <a:spcPct val="20000"/>
+              </a:spcBef>
+              <a:buClr>
+                <a:schemeClr val="tx2"/>
+              </a:buClr>
+              <a:buChar char="•"/>
+              <a:defRPr kumimoji="0" sz="1600" kern="1200">
+                <a:solidFill>
+                  <a:schemeClr val="tx1"/>
+                </a:solidFill>
+                <a:latin typeface="+mn-lt"/>
+                <a:ea typeface="+mn-ea"/>
+                <a:cs typeface="+mn-cs"/>
+              </a:defRPr>
+            </a:lvl8pPr>
+            <a:lvl9pPr marL="2468880" indent="-182880" algn="l" rtl="0" eaLnBrk="1" latinLnBrk="0" hangingPunct="1">
+              <a:spcBef>
+                <a:spcPct val="20000"/>
+              </a:spcBef>
+              <a:buClr>
+                <a:schemeClr val="tx2"/>
+              </a:buClr>
+              <a:buFontTx/>
+              <a:buChar char="•"/>
+              <a:defRPr kumimoji="0" sz="1400" kern="1200" baseline="0">
+                <a:solidFill>
+                  <a:schemeClr val="tx1"/>
+                </a:solidFill>
+                <a:latin typeface="+mn-lt"/>
+                <a:ea typeface="+mn-ea"/>
+                <a:cs typeface="+mn-cs"/>
+              </a:defRPr>
+            </a:lvl9pPr>
+          </a:lstStyle>
+          <a:p>
+            <a:pPr marL="0" indent="0"/>
+            <a:r>
+              <a:rPr lang="it-IT" dirty="0" smtClean="0"/>
+              <a:t> Necessaria con l’aggiunta di nuovi requisiti funzionali</a:t>
+            </a:r>
+          </a:p>
+          <a:p>
+            <a:pPr marL="365760" lvl="1" indent="0"/>
+            <a:r>
+              <a:rPr lang="it-IT" dirty="0" smtClean="0"/>
+              <a:t> Rispetta l’euristica:</a:t>
+            </a:r>
+          </a:p>
+          <a:p>
+            <a:pPr marL="365760" lvl="1" indent="0">
+              <a:buNone/>
+            </a:pPr>
+            <a:r>
+              <a:rPr lang="it-IT" sz="2400" i="1" dirty="0" smtClean="0">
+                <a:solidFill>
+                  <a:schemeClr val="accent5"/>
+                </a:solidFill>
+              </a:rPr>
+              <a:t>“ gli sviluppatori possono trattare ad ogni livello di astrazione un numero di concetti pari a 7±2”</a:t>
+            </a:r>
+          </a:p>
+          <a:p>
+            <a:pPr marL="365760" lvl="1" indent="0">
+              <a:buNone/>
+            </a:pPr>
+            <a:r>
+              <a:rPr lang="it-IT" sz="2400" dirty="0" smtClean="0"/>
+              <a:t>	9 sottosistemi</a:t>
+            </a:r>
+            <a:endParaRPr lang="it-IT" sz="2400" i="1" dirty="0" smtClean="0">
+              <a:solidFill>
+                <a:schemeClr val="accent5"/>
+              </a:solidFill>
+            </a:endParaRPr>
+          </a:p>
+          <a:p>
+            <a:pPr marL="365760" lvl="1" indent="0">
+              <a:buNone/>
+            </a:pPr>
+            <a:endParaRPr lang="it-IT" sz="2400" i="1" dirty="0" smtClean="0">
+              <a:solidFill>
+                <a:schemeClr val="accent5"/>
+              </a:solidFill>
+            </a:endParaRPr>
+          </a:p>
+          <a:p>
+            <a:pPr marL="365760" lvl="1" indent="0"/>
+            <a:endParaRPr lang="it-IT" dirty="0" smtClean="0"/>
+          </a:p>
+          <a:p>
+            <a:pPr marL="0" indent="0">
+              <a:buNone/>
+            </a:pPr>
+            <a:r>
+              <a:rPr lang="it-IT" sz="500" dirty="0" smtClean="0"/>
+              <a:t> </a:t>
+            </a:r>
+          </a:p>
+          <a:p>
+            <a:pPr marL="0" indent="0">
+              <a:buNone/>
+            </a:pPr>
+            <a:endParaRPr lang="it-IT" sz="2600" dirty="0"/>
+          </a:p>
+        </p:txBody>
+      </p:sp>
+      <p:sp>
+        <p:nvSpPr>
+          <p:cNvPr id="14" name="Freccia a destra 13"/>
+          <p:cNvSpPr/>
+          <p:nvPr/>
+        </p:nvSpPr>
+        <p:spPr>
+          <a:xfrm>
+            <a:off x="683568" y="5805264"/>
+            <a:ext cx="432048" cy="288032"/>
+          </a:xfrm>
+          <a:prstGeom prst="rightArrow">
+            <a:avLst>
+              <a:gd name="adj1" fmla="val 57648"/>
+              <a:gd name="adj2" fmla="val 65299"/>
+            </a:avLst>
+          </a:prstGeom>
+        </p:spPr>
+        <p:style>
+          <a:lnRef idx="1">
+            <a:schemeClr val="accent2"/>
+          </a:lnRef>
+          <a:fillRef idx="3">
+            <a:schemeClr val="accent2"/>
+          </a:fillRef>
+          <a:effectRef idx="2">
+            <a:schemeClr val="accent2"/>
+          </a:effectRef>
+          <a:fontRef idx="minor">
+            <a:schemeClr val="lt1"/>
+          </a:fontRef>
+        </p:style>
+        <p:txBody>
+          <a:bodyPr rtlCol="0" anchor="ctr"/>
+          <a:lstStyle/>
+          <a:p>
+            <a:pPr algn="ctr"/>
+            <a:endParaRPr lang="it-IT"/>
+          </a:p>
+        </p:txBody>
+      </p:sp>
+    </p:spTree>
+    <p:extLst>
+      <p:ext uri="{BB962C8B-B14F-4D97-AF65-F5344CB8AC3E}">
+        <p14:creationId xmlns:p14="http://schemas.microsoft.com/office/powerpoint/2010/main" xmlns="" val="155874689"/>
+      </p:ext>
+    </p:extLst>
+  </p:cSld>
+  <p:clrMapOvr>
+    <a:masterClrMapping/>
+  </p:clrMapOvr>
+  <mc:AlternateContent xmlns:mc="http://schemas.openxmlformats.org/markup-compatibility/2006">
+    <mc:Choice xmlns:p14="http://schemas.microsoft.com/office/powerpoint/2010/main" xmlns="" Requires="p14">
+      <p:transition spd="slow" p14:dur="2000"/>
+    </mc:Choice>
+    <mc:Fallback>
+      <p:transition spd="slow"/>
+    </mc:Fallback>
+  </mc:AlternateContent>
+  <p:timing>
+    <p:tnLst>
+      <p:par>
+        <p:cTn id="1" dur="indefinite" restart="never" nodeType="tmRoot">
+          <p:childTnLst>
+            <p:seq concurrent="1" nextAc="seek">
+              <p:cTn id="2" dur="indefinite" nodeType="mainSeq">
+                <p:childTnLst>
+                  <p:par>
+                    <p:cTn id="3" fill="hold">
+                      <p:stCondLst>
+                        <p:cond delay="indefinite"/>
+                      </p:stCondLst>
+                      <p:childTnLst>
+                        <p:par>
+                          <p:cTn id="4" fill="hold">
+                            <p:stCondLst>
+                              <p:cond delay="0"/>
+                            </p:stCondLst>
+                            <p:childTnLst>
+                              <p:par>
+                                <p:cTn id="5" presetID="1" presetClass="entr" presetSubtype="0" fill="hold" grpId="0" nodeType="clickEffect">
+                                  <p:stCondLst>
+                                    <p:cond delay="0"/>
+                                  </p:stCondLst>
+                                  <p:childTnLst>
+                                    <p:set>
+                                      <p:cBhvr>
+                                        <p:cTn id="6" dur="1" fill="hold">
+                                          <p:stCondLst>
+                                            <p:cond delay="0"/>
+                                          </p:stCondLst>
+                                        </p:cTn>
+                                        <p:tgtEl>
+                                          <p:spTgt spid="13"/>
+                                        </p:tgtEl>
+                                        <p:attrNameLst>
+                                          <p:attrName>style.visibility</p:attrName>
+                                        </p:attrNameLst>
+                                      </p:cBhvr>
+                                      <p:to>
+                                        <p:strVal val="visible"/>
+                                      </p:to>
+                                    </p:set>
+                                  </p:childTnLst>
+                                </p:cTn>
+                              </p:par>
+                              <p:par>
+                                <p:cTn id="7" presetID="10" presetClass="entr" presetSubtype="0" fill="hold" nodeType="withEffect">
+                                  <p:stCondLst>
+                                    <p:cond delay="0"/>
+                                  </p:stCondLst>
+                                  <p:childTnLst>
+                                    <p:set>
+                                      <p:cBhvr>
+                                        <p:cTn id="8" dur="1" fill="hold">
+                                          <p:stCondLst>
+                                            <p:cond delay="0"/>
+                                          </p:stCondLst>
+                                        </p:cTn>
+                                        <p:tgtEl>
+                                          <p:spTgt spid="1026"/>
+                                        </p:tgtEl>
+                                        <p:attrNameLst>
+                                          <p:attrName>style.visibility</p:attrName>
+                                        </p:attrNameLst>
+                                      </p:cBhvr>
+                                      <p:to>
+                                        <p:strVal val="visible"/>
+                                      </p:to>
+                                    </p:set>
+                                    <p:animEffect transition="in" filter="fade">
+                                      <p:cBhvr>
+                                        <p:cTn id="9" dur="1000"/>
+                                        <p:tgtEl>
+                                          <p:spTgt spid="1026"/>
+                                        </p:tgtEl>
+                                      </p:cBhvr>
+                                    </p:animEffect>
+                                  </p:childTnLst>
+                                </p:cTn>
+                              </p:par>
+                            </p:childTnLst>
+                          </p:cTn>
+                        </p:par>
+                      </p:childTnLst>
+                    </p:cTn>
+                  </p:par>
+                  <p:par>
+                    <p:cTn id="10" fill="hold">
+                      <p:stCondLst>
+                        <p:cond delay="indefinite"/>
+                      </p:stCondLst>
+                      <p:childTnLst>
+                        <p:par>
+                          <p:cTn id="11" fill="hold">
+                            <p:stCondLst>
+                              <p:cond delay="0"/>
+                            </p:stCondLst>
+                            <p:childTnLst>
+                              <p:par>
+                                <p:cTn id="12" presetID="20" presetClass="entr" presetSubtype="0" fill="hold" grpId="0" nodeType="clickEffect">
+                                  <p:stCondLst>
+                                    <p:cond delay="0"/>
+                                  </p:stCondLst>
+                                  <p:childTnLst>
+                                    <p:set>
+                                      <p:cBhvr>
+                                        <p:cTn id="13" dur="1" fill="hold">
+                                          <p:stCondLst>
+                                            <p:cond delay="0"/>
+                                          </p:stCondLst>
+                                        </p:cTn>
+                                        <p:tgtEl>
+                                          <p:spTgt spid="12"/>
+                                        </p:tgtEl>
+                                        <p:attrNameLst>
+                                          <p:attrName>style.visibility</p:attrName>
+                                        </p:attrNameLst>
+                                      </p:cBhvr>
+                                      <p:to>
+                                        <p:strVal val="visible"/>
+                                      </p:to>
+                                    </p:set>
+                                    <p:animEffect transition="in" filter="wedge">
+                                      <p:cBhvr>
+                                        <p:cTn id="14" dur="2000"/>
+                                        <p:tgtEl>
+                                          <p:spTgt spid="12"/>
+                                        </p:tgtEl>
+                                      </p:cBhvr>
+                                    </p:animEffect>
+                                  </p:childTnLst>
+                                </p:cTn>
+                              </p:par>
+                            </p:childTnLst>
+                          </p:cTn>
+                        </p:par>
+                      </p:childTnLst>
+                    </p:cTn>
+                  </p:par>
+                </p:childTnLst>
+              </p:cTn>
+              <p:prevCondLst>
+                <p:cond evt="onPrev" delay="0">
+                  <p:tgtEl>
+                    <p:sldTgt/>
+                  </p:tgtEl>
+                </p:cond>
+              </p:prevCondLst>
+              <p:nextCondLst>
+                <p:cond evt="onNext" delay="0">
+                  <p:tgtEl>
+                    <p:sldTgt/>
+                  </p:tgtEl>
+                </p:cond>
+              </p:nextCondLst>
+            </p:seq>
+          </p:childTnLst>
+        </p:cTn>
+      </p:par>
+    </p:tnLst>
+    <p:bldLst>
+      <p:bldP spid="12" grpId="0" animBg="1"/>
+      <p:bldP spid="13" grpId="0"/>
+    </p:bldLst>
+  </p:timing>
+</p:sld>
+</file>
+
+<file path=ppt/slides/slide11.xml><?xml version="1.0" encoding="utf-8"?>
 <p:sld xmlns:a="http://schemas.openxmlformats.org/drawingml/2006/main" xmlns:r="http://schemas.openxmlformats.org/officeDocument/2006/relationships" xmlns:p="http://schemas.openxmlformats.org/presentationml/2006/main">
   <p:cSld>
     <p:spTree>
@@ -4872,7 +5661,310 @@
         </p:nvSpPr>
         <p:spPr>
           <a:xfrm>
-            <a:off x="323528" y="1988840"/>
+            <a:off x="3563888" y="3789040"/>
+            <a:ext cx="4968552" cy="2376264"/>
+          </a:xfrm>
+          <a:prstGeom prst="rect">
+            <a:avLst/>
+          </a:prstGeom>
+        </p:spPr>
+        <p:txBody>
+          <a:bodyPr tIns="0"/>
+          <a:lstStyle>
+            <a:lvl1pPr marL="274320" indent="-274320" algn="l" rtl="0" eaLnBrk="1" latinLnBrk="0" hangingPunct="1">
+              <a:spcBef>
+                <a:spcPct val="20000"/>
+              </a:spcBef>
+              <a:buClrTx/>
+              <a:buSzPct val="95000"/>
+              <a:buFont typeface="Wingdings" pitchFamily="2" charset="2"/>
+              <a:buChar char="v"/>
+              <a:defRPr kumimoji="0" sz="2800" kern="1200">
+                <a:solidFill>
+                  <a:schemeClr val="tx1"/>
+                </a:solidFill>
+                <a:latin typeface="+mn-lt"/>
+                <a:ea typeface="+mn-ea"/>
+                <a:cs typeface="+mn-cs"/>
+              </a:defRPr>
+            </a:lvl1pPr>
+            <a:lvl2pPr marL="640080" indent="-246888" algn="l" rtl="0" eaLnBrk="1" latinLnBrk="0" hangingPunct="1">
+              <a:spcBef>
+                <a:spcPct val="20000"/>
+              </a:spcBef>
+              <a:buClrTx/>
+              <a:buSzPct val="85000"/>
+              <a:buFont typeface="Courier New" pitchFamily="49" charset="0"/>
+              <a:buChar char="o"/>
+              <a:defRPr kumimoji="0" sz="2600" kern="1200">
+                <a:solidFill>
+                  <a:schemeClr val="tx1"/>
+                </a:solidFill>
+                <a:latin typeface="+mn-lt"/>
+                <a:ea typeface="+mn-ea"/>
+                <a:cs typeface="+mn-cs"/>
+              </a:defRPr>
+            </a:lvl2pPr>
+            <a:lvl3pPr marL="914400" indent="-246888" algn="l" rtl="0" eaLnBrk="1" latinLnBrk="0" hangingPunct="1">
+              <a:spcBef>
+                <a:spcPct val="20000"/>
+              </a:spcBef>
+              <a:buClrTx/>
+              <a:buSzPct val="70000"/>
+              <a:buFont typeface="Wingdings 2"/>
+              <a:buChar char=""/>
+              <a:defRPr kumimoji="0" sz="2400" kern="1200">
+                <a:solidFill>
+                  <a:schemeClr val="tx1"/>
+                </a:solidFill>
+                <a:latin typeface="+mn-lt"/>
+                <a:ea typeface="+mn-ea"/>
+                <a:cs typeface="+mn-cs"/>
+              </a:defRPr>
+            </a:lvl3pPr>
+            <a:lvl4pPr marL="1188720" indent="-210312" algn="l" rtl="0" eaLnBrk="1" latinLnBrk="0" hangingPunct="1">
+              <a:spcBef>
+                <a:spcPct val="20000"/>
+              </a:spcBef>
+              <a:buClrTx/>
+              <a:buSzPct val="65000"/>
+              <a:buFont typeface="Wingdings 2"/>
+              <a:buChar char=""/>
+              <a:defRPr kumimoji="0" sz="2000" kern="1200">
+                <a:solidFill>
+                  <a:schemeClr val="tx1"/>
+                </a:solidFill>
+                <a:latin typeface="+mn-lt"/>
+                <a:ea typeface="+mn-ea"/>
+                <a:cs typeface="+mn-cs"/>
+              </a:defRPr>
+            </a:lvl4pPr>
+            <a:lvl5pPr marL="1463040" indent="-210312" algn="l" rtl="0" eaLnBrk="1" latinLnBrk="0" hangingPunct="1">
+              <a:spcBef>
+                <a:spcPct val="20000"/>
+              </a:spcBef>
+              <a:buClrTx/>
+              <a:buSzPct val="65000"/>
+              <a:buFont typeface="Wingdings 2"/>
+              <a:buChar char=""/>
+              <a:defRPr kumimoji="0" sz="1800" kern="1200">
+                <a:solidFill>
+                  <a:schemeClr val="tx1"/>
+                </a:solidFill>
+                <a:latin typeface="+mn-lt"/>
+                <a:ea typeface="+mn-ea"/>
+                <a:cs typeface="+mn-cs"/>
+              </a:defRPr>
+            </a:lvl5pPr>
+            <a:lvl6pPr marL="1737360" indent="-210312" algn="l" rtl="0" eaLnBrk="1" latinLnBrk="0" hangingPunct="1">
+              <a:spcBef>
+                <a:spcPct val="20000"/>
+              </a:spcBef>
+              <a:buClr>
+                <a:schemeClr val="accent5"/>
+              </a:buClr>
+              <a:buSzPct val="80000"/>
+              <a:buFont typeface="Wingdings 2"/>
+              <a:buChar char=""/>
+              <a:defRPr kumimoji="0" sz="1800" kern="1200">
+                <a:solidFill>
+                  <a:schemeClr val="tx1"/>
+                </a:solidFill>
+                <a:latin typeface="+mn-lt"/>
+                <a:ea typeface="+mn-ea"/>
+                <a:cs typeface="+mn-cs"/>
+              </a:defRPr>
+            </a:lvl6pPr>
+            <a:lvl7pPr marL="1920240" indent="-182880" algn="l" rtl="0" eaLnBrk="1" latinLnBrk="0" hangingPunct="1">
+              <a:spcBef>
+                <a:spcPct val="20000"/>
+              </a:spcBef>
+              <a:buClr>
+                <a:schemeClr val="accent6"/>
+              </a:buClr>
+              <a:buSzPct val="80000"/>
+              <a:buFont typeface="Wingdings 2"/>
+              <a:buChar char=""/>
+              <a:defRPr kumimoji="0" sz="1600" kern="1200" baseline="0">
+                <a:solidFill>
+                  <a:schemeClr val="tx1"/>
+                </a:solidFill>
+                <a:latin typeface="+mn-lt"/>
+                <a:ea typeface="+mn-ea"/>
+                <a:cs typeface="+mn-cs"/>
+              </a:defRPr>
+            </a:lvl7pPr>
+            <a:lvl8pPr marL="2194560" indent="-182880" algn="l" rtl="0" eaLnBrk="1" latinLnBrk="0" hangingPunct="1">
+              <a:spcBef>
+                <a:spcPct val="20000"/>
+              </a:spcBef>
+              <a:buClr>
+                <a:schemeClr val="tx2"/>
+              </a:buClr>
+              <a:buChar char="•"/>
+              <a:defRPr kumimoji="0" sz="1600" kern="1200">
+                <a:solidFill>
+                  <a:schemeClr val="tx1"/>
+                </a:solidFill>
+                <a:latin typeface="+mn-lt"/>
+                <a:ea typeface="+mn-ea"/>
+                <a:cs typeface="+mn-cs"/>
+              </a:defRPr>
+            </a:lvl8pPr>
+            <a:lvl9pPr marL="2468880" indent="-182880" algn="l" rtl="0" eaLnBrk="1" latinLnBrk="0" hangingPunct="1">
+              <a:spcBef>
+                <a:spcPct val="20000"/>
+              </a:spcBef>
+              <a:buClr>
+                <a:schemeClr val="tx2"/>
+              </a:buClr>
+              <a:buFontTx/>
+              <a:buChar char="•"/>
+              <a:defRPr kumimoji="0" sz="1400" kern="1200" baseline="0">
+                <a:solidFill>
+                  <a:schemeClr val="tx1"/>
+                </a:solidFill>
+                <a:latin typeface="+mn-lt"/>
+                <a:ea typeface="+mn-ea"/>
+                <a:cs typeface="+mn-cs"/>
+              </a:defRPr>
+            </a:lvl9pPr>
+          </a:lstStyle>
+          <a:p>
+            <a:pPr marL="0" indent="0">
+              <a:buNone/>
+            </a:pPr>
+            <a:r>
+              <a:rPr lang="en-US" sz="2600" b="1" dirty="0" err="1" smtClean="0"/>
+              <a:t>Obiettivo</a:t>
+            </a:r>
+            <a:r>
+              <a:rPr lang="en-US" sz="2600" b="1" dirty="0" smtClean="0"/>
+              <a:t> del </a:t>
+            </a:r>
+            <a:r>
+              <a:rPr lang="en-US" sz="2600" b="1" u="sng" dirty="0" err="1" smtClean="0"/>
+              <a:t>nostro</a:t>
+            </a:r>
+            <a:r>
+              <a:rPr lang="en-US" sz="2600" b="1" dirty="0" smtClean="0"/>
+              <a:t> testing</a:t>
+            </a:r>
+            <a:r>
+              <a:rPr lang="en-US" sz="2600" dirty="0" smtClean="0"/>
+              <a:t>: </a:t>
+            </a:r>
+            <a:r>
+              <a:rPr lang="en-US" sz="2600" dirty="0" err="1" smtClean="0"/>
+              <a:t>verificare</a:t>
+            </a:r>
+            <a:r>
+              <a:rPr lang="en-US" sz="2600" dirty="0" smtClean="0"/>
+              <a:t> </a:t>
+            </a:r>
+            <a:r>
+              <a:rPr lang="en-US" sz="2600" dirty="0" err="1" smtClean="0"/>
+              <a:t>l’affidabilità</a:t>
+            </a:r>
+            <a:r>
+              <a:rPr lang="en-US" sz="2600" dirty="0" smtClean="0"/>
+              <a:t> del </a:t>
+            </a:r>
+            <a:r>
+              <a:rPr lang="en-US" sz="2600" dirty="0" err="1" smtClean="0"/>
+              <a:t>sistema</a:t>
+            </a:r>
+            <a:r>
+              <a:rPr lang="en-US" sz="2600" dirty="0" smtClean="0"/>
+              <a:t> Kids, </a:t>
+            </a:r>
+            <a:r>
+              <a:rPr lang="en-US" sz="2600" dirty="0" err="1" smtClean="0"/>
+              <a:t>cioè</a:t>
+            </a:r>
+            <a:r>
+              <a:rPr lang="en-US" sz="2600" dirty="0" smtClean="0"/>
+              <a:t> la </a:t>
+            </a:r>
+            <a:r>
+              <a:rPr lang="en-US" sz="2600" dirty="0" err="1" smtClean="0"/>
+              <a:t>sua</a:t>
+            </a:r>
+            <a:r>
+              <a:rPr lang="en-US" sz="2600" dirty="0" smtClean="0"/>
+              <a:t> </a:t>
+            </a:r>
+            <a:r>
+              <a:rPr lang="en-US" sz="2600" dirty="0" err="1" smtClean="0"/>
+              <a:t>corretta</a:t>
+            </a:r>
+            <a:r>
+              <a:rPr lang="en-US" sz="2600" dirty="0" smtClean="0"/>
+              <a:t> </a:t>
+            </a:r>
+            <a:r>
+              <a:rPr lang="en-US" sz="2600" dirty="0" err="1" smtClean="0"/>
+              <a:t>funzionalità</a:t>
+            </a:r>
+            <a:r>
+              <a:rPr lang="en-US" sz="2600" dirty="0" smtClean="0"/>
+              <a:t> </a:t>
+            </a:r>
+            <a:r>
+              <a:rPr lang="en-US" sz="2600" dirty="0" err="1" smtClean="0"/>
+              <a:t>nella</a:t>
+            </a:r>
+            <a:r>
+              <a:rPr lang="en-US" sz="2600" dirty="0" smtClean="0"/>
+              <a:t> </a:t>
+            </a:r>
+            <a:r>
+              <a:rPr lang="en-US" sz="2600" dirty="0" err="1" smtClean="0"/>
+              <a:t>gestione</a:t>
+            </a:r>
+            <a:r>
+              <a:rPr lang="en-US" sz="2600" dirty="0" smtClean="0"/>
+              <a:t> </a:t>
+            </a:r>
+            <a:r>
+              <a:rPr lang="en-US" sz="2600" dirty="0" err="1" smtClean="0"/>
+              <a:t>degli</a:t>
+            </a:r>
+            <a:r>
+              <a:rPr lang="en-US" sz="2600" dirty="0" smtClean="0"/>
+              <a:t> input (</a:t>
+            </a:r>
+            <a:r>
+              <a:rPr lang="en-US" sz="2600" dirty="0" err="1" smtClean="0"/>
+              <a:t>validi</a:t>
+            </a:r>
+            <a:r>
+              <a:rPr lang="en-US" sz="2600" dirty="0" smtClean="0"/>
+              <a:t> e non </a:t>
+            </a:r>
+            <a:r>
+              <a:rPr lang="en-US" sz="2600" dirty="0" err="1" smtClean="0"/>
+              <a:t>validi</a:t>
+            </a:r>
+            <a:r>
+              <a:rPr lang="en-US" sz="2600" dirty="0" smtClean="0"/>
+              <a:t>)</a:t>
+            </a:r>
+            <a:endParaRPr lang="en-US" sz="2600" dirty="0"/>
+          </a:p>
+        </p:txBody>
+      </p:sp>
+      <p:sp>
+        <p:nvSpPr>
+          <p:cNvPr id="5" name="Content Placeholder 3"/>
+          <p:cNvSpPr txBox="1">
+            <a:spLocks/>
+          </p:cNvSpPr>
+          <p:nvPr/>
+        </p:nvSpPr>
+        <p:spPr>
+          <a:xfrm>
+            <a:off x="395536" y="1988840"/>
             <a:ext cx="8424936" cy="1296144"/>
           </a:xfrm>
           <a:prstGeom prst="rect">
@@ -5046,414 +6138,47 @@
               <a:buNone/>
             </a:pPr>
             <a:r>
-              <a:rPr lang="en-US" b="1" dirty="0" err="1" smtClean="0"/>
-              <a:t>Obiettivo</a:t>
-            </a:r>
-            <a:r>
-              <a:rPr lang="en-US" dirty="0" smtClean="0"/>
-              <a:t>: </a:t>
-            </a:r>
-            <a:r>
-              <a:rPr lang="en-US" dirty="0" err="1" smtClean="0"/>
-              <a:t>verificare</a:t>
-            </a:r>
-            <a:r>
-              <a:rPr lang="en-US" dirty="0" smtClean="0"/>
-              <a:t> </a:t>
-            </a:r>
-            <a:r>
-              <a:rPr lang="en-US" dirty="0" err="1" smtClean="0"/>
-              <a:t>l’affidabilità</a:t>
-            </a:r>
-            <a:r>
-              <a:rPr lang="en-US" dirty="0" smtClean="0"/>
-              <a:t> del </a:t>
-            </a:r>
-            <a:r>
-              <a:rPr lang="en-US" dirty="0" err="1" smtClean="0"/>
-              <a:t>sistema</a:t>
-            </a:r>
-            <a:r>
-              <a:rPr lang="en-US" dirty="0" smtClean="0"/>
-              <a:t> Kids, </a:t>
-            </a:r>
-            <a:r>
-              <a:rPr lang="en-US" dirty="0" err="1" smtClean="0"/>
-              <a:t>cioè</a:t>
-            </a:r>
-            <a:r>
-              <a:rPr lang="en-US" dirty="0" smtClean="0"/>
-              <a:t> la </a:t>
-            </a:r>
-            <a:r>
-              <a:rPr lang="en-US" dirty="0" err="1" smtClean="0"/>
-              <a:t>sua</a:t>
-            </a:r>
-            <a:r>
-              <a:rPr lang="en-US" dirty="0" smtClean="0"/>
-              <a:t> </a:t>
-            </a:r>
-            <a:r>
-              <a:rPr lang="en-US" dirty="0" err="1" smtClean="0"/>
-              <a:t>corretta</a:t>
-            </a:r>
-            <a:r>
-              <a:rPr lang="en-US" dirty="0" smtClean="0"/>
-              <a:t> </a:t>
-            </a:r>
-            <a:r>
-              <a:rPr lang="en-US" dirty="0" err="1" smtClean="0"/>
-              <a:t>funzionalità</a:t>
-            </a:r>
-            <a:r>
-              <a:rPr lang="en-US" dirty="0" smtClean="0"/>
-              <a:t> </a:t>
-            </a:r>
-            <a:r>
-              <a:rPr lang="en-US" dirty="0" err="1" smtClean="0"/>
-              <a:t>nella</a:t>
-            </a:r>
-            <a:r>
-              <a:rPr lang="en-US" dirty="0" smtClean="0"/>
-              <a:t> </a:t>
-            </a:r>
-            <a:r>
-              <a:rPr lang="en-US" dirty="0" err="1" smtClean="0"/>
-              <a:t>gestione</a:t>
-            </a:r>
-            <a:r>
-              <a:rPr lang="en-US" dirty="0" smtClean="0"/>
-              <a:t> </a:t>
-            </a:r>
-            <a:r>
-              <a:rPr lang="en-US" dirty="0" err="1" smtClean="0"/>
-              <a:t>degli</a:t>
-            </a:r>
-            <a:r>
-              <a:rPr lang="en-US" dirty="0" smtClean="0"/>
-              <a:t> input (</a:t>
-            </a:r>
-            <a:r>
-              <a:rPr lang="en-US" dirty="0" err="1" smtClean="0"/>
-              <a:t>validi</a:t>
-            </a:r>
-            <a:r>
-              <a:rPr lang="en-US" dirty="0" smtClean="0"/>
-              <a:t> e non </a:t>
-            </a:r>
-            <a:r>
-              <a:rPr lang="en-US" dirty="0" err="1" smtClean="0"/>
-              <a:t>validi</a:t>
-            </a:r>
-            <a:r>
-              <a:rPr lang="en-US" dirty="0" smtClean="0"/>
-              <a:t>)</a:t>
+              <a:rPr lang="en-US" b="1" dirty="0" smtClean="0"/>
+              <a:t>OBIETTIVO:</a:t>
+            </a:r>
+            <a:r>
+              <a:rPr lang="it-IT" dirty="0" smtClean="0"/>
+              <a:t> trovare le differenze tra il comportamento atteso specificato attraverso il modello del sistema e il comportamento osservato dal sistema implementato.</a:t>
             </a:r>
             <a:endParaRPr lang="en-US" dirty="0"/>
           </a:p>
         </p:txBody>
       </p:sp>
-      <p:sp>
-        <p:nvSpPr>
-          <p:cNvPr id="6" name="Content Placeholder 3"/>
-          <p:cNvSpPr txBox="1">
-            <a:spLocks/>
-          </p:cNvSpPr>
+      <p:pic>
+        <p:nvPicPr>
+          <p:cNvPr id="5122" name="Picture 2" descr="http://www.competence.co.in/images/software-testing.jpg"/>
+          <p:cNvPicPr>
+            <a:picLocks noChangeAspect="1" noChangeArrowheads="1"/>
+          </p:cNvPicPr>
           <p:nvPr/>
-        </p:nvSpPr>
-        <p:spPr>
+        </p:nvPicPr>
+        <p:blipFill>
+          <a:blip r:embed="rId2" cstate="print"/>
+          <a:srcRect/>
+          <a:stretch>
+            <a:fillRect/>
+          </a:stretch>
+        </p:blipFill>
+        <p:spPr bwMode="auto">
           <a:xfrm>
-            <a:off x="395536" y="4077072"/>
-            <a:ext cx="8424936" cy="1296144"/>
+            <a:off x="490364" y="3212976"/>
+            <a:ext cx="2857500" cy="3267075"/>
           </a:xfrm>
           <a:prstGeom prst="rect">
             <a:avLst/>
           </a:prstGeom>
+          <a:noFill/>
         </p:spPr>
-        <p:txBody>
-          <a:bodyPr tIns="0"/>
-          <a:lstStyle>
-            <a:lvl1pPr marL="274320" indent="-274320" algn="l" rtl="0" eaLnBrk="1" latinLnBrk="0" hangingPunct="1">
-              <a:spcBef>
-                <a:spcPct val="20000"/>
-              </a:spcBef>
-              <a:buClrTx/>
-              <a:buSzPct val="95000"/>
-              <a:buFont typeface="Wingdings" pitchFamily="2" charset="2"/>
-              <a:buChar char="v"/>
-              <a:defRPr kumimoji="0" sz="2800" kern="1200">
-                <a:solidFill>
-                  <a:schemeClr val="tx1"/>
-                </a:solidFill>
-                <a:latin typeface="+mn-lt"/>
-                <a:ea typeface="+mn-ea"/>
-                <a:cs typeface="+mn-cs"/>
-              </a:defRPr>
-            </a:lvl1pPr>
-            <a:lvl2pPr marL="640080" indent="-246888" algn="l" rtl="0" eaLnBrk="1" latinLnBrk="0" hangingPunct="1">
-              <a:spcBef>
-                <a:spcPct val="20000"/>
-              </a:spcBef>
-              <a:buClrTx/>
-              <a:buSzPct val="85000"/>
-              <a:buFont typeface="Courier New" pitchFamily="49" charset="0"/>
-              <a:buChar char="o"/>
-              <a:defRPr kumimoji="0" sz="2600" kern="1200">
-                <a:solidFill>
-                  <a:schemeClr val="tx1"/>
-                </a:solidFill>
-                <a:latin typeface="+mn-lt"/>
-                <a:ea typeface="+mn-ea"/>
-                <a:cs typeface="+mn-cs"/>
-              </a:defRPr>
-            </a:lvl2pPr>
-            <a:lvl3pPr marL="914400" indent="-246888" algn="l" rtl="0" eaLnBrk="1" latinLnBrk="0" hangingPunct="1">
-              <a:spcBef>
-                <a:spcPct val="20000"/>
-              </a:spcBef>
-              <a:buClrTx/>
-              <a:buSzPct val="70000"/>
-              <a:buFont typeface="Wingdings 2"/>
-              <a:buChar char=""/>
-              <a:defRPr kumimoji="0" sz="2400" kern="1200">
-                <a:solidFill>
-                  <a:schemeClr val="tx1"/>
-                </a:solidFill>
-                <a:latin typeface="+mn-lt"/>
-                <a:ea typeface="+mn-ea"/>
-                <a:cs typeface="+mn-cs"/>
-              </a:defRPr>
-            </a:lvl3pPr>
-            <a:lvl4pPr marL="1188720" indent="-210312" algn="l" rtl="0" eaLnBrk="1" latinLnBrk="0" hangingPunct="1">
-              <a:spcBef>
-                <a:spcPct val="20000"/>
-              </a:spcBef>
-              <a:buClrTx/>
-              <a:buSzPct val="65000"/>
-              <a:buFont typeface="Wingdings 2"/>
-              <a:buChar char=""/>
-              <a:defRPr kumimoji="0" sz="2000" kern="1200">
-                <a:solidFill>
-                  <a:schemeClr val="tx1"/>
-                </a:solidFill>
-                <a:latin typeface="+mn-lt"/>
-                <a:ea typeface="+mn-ea"/>
-                <a:cs typeface="+mn-cs"/>
-              </a:defRPr>
-            </a:lvl4pPr>
-            <a:lvl5pPr marL="1463040" indent="-210312" algn="l" rtl="0" eaLnBrk="1" latinLnBrk="0" hangingPunct="1">
-              <a:spcBef>
-                <a:spcPct val="20000"/>
-              </a:spcBef>
-              <a:buClrTx/>
-              <a:buSzPct val="65000"/>
-              <a:buFont typeface="Wingdings 2"/>
-              <a:buChar char=""/>
-              <a:defRPr kumimoji="0" sz="1800" kern="1200">
-                <a:solidFill>
-                  <a:schemeClr val="tx1"/>
-                </a:solidFill>
-                <a:latin typeface="+mn-lt"/>
-                <a:ea typeface="+mn-ea"/>
-                <a:cs typeface="+mn-cs"/>
-              </a:defRPr>
-            </a:lvl5pPr>
-            <a:lvl6pPr marL="1737360" indent="-210312" algn="l" rtl="0" eaLnBrk="1" latinLnBrk="0" hangingPunct="1">
-              <a:spcBef>
-                <a:spcPct val="20000"/>
-              </a:spcBef>
-              <a:buClr>
-                <a:schemeClr val="accent5"/>
-              </a:buClr>
-              <a:buSzPct val="80000"/>
-              <a:buFont typeface="Wingdings 2"/>
-              <a:buChar char=""/>
-              <a:defRPr kumimoji="0" sz="1800" kern="1200">
-                <a:solidFill>
-                  <a:schemeClr val="tx1"/>
-                </a:solidFill>
-                <a:latin typeface="+mn-lt"/>
-                <a:ea typeface="+mn-ea"/>
-                <a:cs typeface="+mn-cs"/>
-              </a:defRPr>
-            </a:lvl6pPr>
-            <a:lvl7pPr marL="1920240" indent="-182880" algn="l" rtl="0" eaLnBrk="1" latinLnBrk="0" hangingPunct="1">
-              <a:spcBef>
-                <a:spcPct val="20000"/>
-              </a:spcBef>
-              <a:buClr>
-                <a:schemeClr val="accent6"/>
-              </a:buClr>
-              <a:buSzPct val="80000"/>
-              <a:buFont typeface="Wingdings 2"/>
-              <a:buChar char=""/>
-              <a:defRPr kumimoji="0" sz="1600" kern="1200" baseline="0">
-                <a:solidFill>
-                  <a:schemeClr val="tx1"/>
-                </a:solidFill>
-                <a:latin typeface="+mn-lt"/>
-                <a:ea typeface="+mn-ea"/>
-                <a:cs typeface="+mn-cs"/>
-              </a:defRPr>
-            </a:lvl7pPr>
-            <a:lvl8pPr marL="2194560" indent="-182880" algn="l" rtl="0" eaLnBrk="1" latinLnBrk="0" hangingPunct="1">
-              <a:spcBef>
-                <a:spcPct val="20000"/>
-              </a:spcBef>
-              <a:buClr>
-                <a:schemeClr val="tx2"/>
-              </a:buClr>
-              <a:buChar char="•"/>
-              <a:defRPr kumimoji="0" sz="1600" kern="1200">
-                <a:solidFill>
-                  <a:schemeClr val="tx1"/>
-                </a:solidFill>
-                <a:latin typeface="+mn-lt"/>
-                <a:ea typeface="+mn-ea"/>
-                <a:cs typeface="+mn-cs"/>
-              </a:defRPr>
-            </a:lvl8pPr>
-            <a:lvl9pPr marL="2468880" indent="-182880" algn="l" rtl="0" eaLnBrk="1" latinLnBrk="0" hangingPunct="1">
-              <a:spcBef>
-                <a:spcPct val="20000"/>
-              </a:spcBef>
-              <a:buClr>
-                <a:schemeClr val="tx2"/>
-              </a:buClr>
-              <a:buFontTx/>
-              <a:buChar char="•"/>
-              <a:defRPr kumimoji="0" sz="1400" kern="1200" baseline="0">
-                <a:solidFill>
-                  <a:schemeClr val="tx1"/>
-                </a:solidFill>
-                <a:latin typeface="+mn-lt"/>
-                <a:ea typeface="+mn-ea"/>
-                <a:cs typeface="+mn-cs"/>
-              </a:defRPr>
-            </a:lvl9pPr>
-          </a:lstStyle>
-          <a:p>
-            <a:pPr marL="0" indent="0"/>
-            <a:r>
-              <a:rPr lang="en-US" dirty="0" smtClean="0"/>
-              <a:t>Le </a:t>
-            </a:r>
-            <a:r>
-              <a:rPr lang="en-US" dirty="0" err="1" smtClean="0"/>
-              <a:t>funzionalità</a:t>
-            </a:r>
-            <a:r>
-              <a:rPr lang="en-US" dirty="0" smtClean="0"/>
-              <a:t> testate </a:t>
-            </a:r>
-            <a:r>
-              <a:rPr lang="en-US" dirty="0" err="1" smtClean="0"/>
-              <a:t>sono</a:t>
-            </a:r>
-            <a:r>
-              <a:rPr lang="en-US" dirty="0" smtClean="0"/>
-              <a:t> </a:t>
-            </a:r>
-            <a:r>
-              <a:rPr lang="en-US" dirty="0" err="1" smtClean="0"/>
-              <a:t>quelle</a:t>
-            </a:r>
-            <a:r>
-              <a:rPr lang="en-US" dirty="0" smtClean="0"/>
-              <a:t> indicate </a:t>
-            </a:r>
-            <a:r>
-              <a:rPr lang="en-US" dirty="0" err="1" smtClean="0"/>
-              <a:t>dal</a:t>
-            </a:r>
-            <a:r>
-              <a:rPr lang="en-US" dirty="0" smtClean="0"/>
-              <a:t> team </a:t>
-            </a:r>
-            <a:r>
-              <a:rPr lang="en-US" dirty="0" err="1" smtClean="0"/>
-              <a:t>di</a:t>
-            </a:r>
-            <a:r>
-              <a:rPr lang="en-US" dirty="0" smtClean="0"/>
-              <a:t> </a:t>
-            </a:r>
-            <a:r>
-              <a:rPr lang="en-US" dirty="0" err="1" smtClean="0"/>
-              <a:t>sviluppo</a:t>
-            </a:r>
-            <a:r>
-              <a:rPr lang="en-US" dirty="0" smtClean="0"/>
-              <a:t> </a:t>
-            </a:r>
-            <a:r>
-              <a:rPr lang="en-US" dirty="0" err="1" smtClean="0"/>
-              <a:t>nel</a:t>
-            </a:r>
-            <a:r>
-              <a:rPr lang="en-US" dirty="0" smtClean="0"/>
-              <a:t> Test Plan </a:t>
-            </a:r>
-            <a:r>
-              <a:rPr lang="en-US" dirty="0" err="1" smtClean="0"/>
-              <a:t>attraverso</a:t>
-            </a:r>
-            <a:r>
-              <a:rPr lang="en-US" dirty="0" smtClean="0"/>
-              <a:t> un </a:t>
-            </a:r>
-            <a:r>
-              <a:rPr lang="en-US" dirty="0" err="1" smtClean="0"/>
-              <a:t>approccio</a:t>
-            </a:r>
-            <a:r>
-              <a:rPr lang="en-US" dirty="0" smtClean="0"/>
-              <a:t> </a:t>
-            </a:r>
-            <a:r>
-              <a:rPr lang="en-US" dirty="0" err="1" smtClean="0"/>
-              <a:t>di</a:t>
-            </a:r>
-            <a:r>
-              <a:rPr lang="en-US" dirty="0" smtClean="0"/>
-              <a:t> </a:t>
-            </a:r>
-            <a:r>
-              <a:rPr lang="en-US" dirty="0" err="1" smtClean="0"/>
-              <a:t>tipo</a:t>
-            </a:r>
-            <a:r>
-              <a:rPr lang="en-US" dirty="0" smtClean="0"/>
-              <a:t> </a:t>
-            </a:r>
-            <a:r>
-              <a:rPr lang="en-US" dirty="0" smtClean="0">
-                <a:solidFill>
-                  <a:schemeClr val="accent5"/>
-                </a:solidFill>
-              </a:rPr>
-              <a:t>BLACK BOX</a:t>
-            </a:r>
-            <a:r>
-              <a:rPr lang="en-US" dirty="0" smtClean="0">
-                <a:solidFill>
-                  <a:schemeClr val="bg1"/>
-                </a:solidFill>
-              </a:rPr>
-              <a:t>.</a:t>
-            </a:r>
-            <a:endParaRPr lang="en-US" dirty="0">
-              <a:solidFill>
-                <a:schemeClr val="bg1"/>
-              </a:solidFill>
-            </a:endParaRPr>
-          </a:p>
-        </p:txBody>
-      </p:sp>
+      </p:pic>
     </p:spTree>
     <p:extLst>
       <p:ext uri="{BB962C8B-B14F-4D97-AF65-F5344CB8AC3E}">
-        <p14:creationId xmlns="" xmlns:p14="http://schemas.microsoft.com/office/powerpoint/2010/main" val="155874689"/>
+        <p14:creationId xmlns:p14="http://schemas.microsoft.com/office/powerpoint/2010/main" xmlns="" val="155874689"/>
       </p:ext>
     </p:extLst>
   </p:cSld>
@@ -5461,339 +6186,13 @@
     <a:masterClrMapping/>
   </p:clrMapOvr>
   <mc:AlternateContent xmlns:mc="http://schemas.openxmlformats.org/markup-compatibility/2006">
-    <mc:Choice xmlns="" xmlns:p14="http://schemas.microsoft.com/office/powerpoint/2010/main" Requires="p14">
+    <mc:Choice xmlns:p14="http://schemas.microsoft.com/office/powerpoint/2010/main" xmlns="" Requires="p14">
       <p:transition spd="slow" p14:dur="2000"/>
     </mc:Choice>
     <mc:Fallback>
       <p:transition spd="slow"/>
     </mc:Fallback>
   </mc:AlternateContent>
-  <p:timing>
-    <p:tnLst>
-      <p:par>
-        <p:cTn id="1" dur="indefinite" restart="never" nodeType="tmRoot"/>
-      </p:par>
-    </p:tnLst>
-  </p:timing>
-</p:sld>
-</file>
-
-<file path=ppt/slides/slide11.xml><?xml version="1.0" encoding="utf-8"?>
-<p:sld xmlns:a="http://schemas.openxmlformats.org/drawingml/2006/main" xmlns:r="http://schemas.openxmlformats.org/officeDocument/2006/relationships" xmlns:p="http://schemas.openxmlformats.org/presentationml/2006/main">
-  <p:cSld>
-    <p:spTree>
-      <p:nvGrpSpPr>
-        <p:cNvPr id="1" name=""/>
-        <p:cNvGrpSpPr/>
-        <p:nvPr/>
-      </p:nvGrpSpPr>
-      <p:grpSpPr>
-        <a:xfrm>
-          <a:off x="0" y="0"/>
-          <a:ext cx="0" cy="0"/>
-          <a:chOff x="0" y="0"/>
-          <a:chExt cx="0" cy="0"/>
-        </a:xfrm>
-      </p:grpSpPr>
-      <p:sp>
-        <p:nvSpPr>
-          <p:cNvPr id="3" name="Content Placeholder 3"/>
-          <p:cNvSpPr txBox="1">
-            <a:spLocks/>
-          </p:cNvSpPr>
-          <p:nvPr/>
-        </p:nvSpPr>
-        <p:spPr>
-          <a:xfrm>
-            <a:off x="467544" y="1412776"/>
-            <a:ext cx="8424936" cy="2448272"/>
-          </a:xfrm>
-          <a:prstGeom prst="rect">
-            <a:avLst/>
-          </a:prstGeom>
-        </p:spPr>
-        <p:txBody>
-          <a:bodyPr tIns="0"/>
-          <a:lstStyle>
-            <a:lvl1pPr marL="274320" indent="-274320" algn="l" rtl="0" eaLnBrk="1" latinLnBrk="0" hangingPunct="1">
-              <a:spcBef>
-                <a:spcPct val="20000"/>
-              </a:spcBef>
-              <a:buClrTx/>
-              <a:buSzPct val="95000"/>
-              <a:buFont typeface="Wingdings" pitchFamily="2" charset="2"/>
-              <a:buChar char="v"/>
-              <a:defRPr kumimoji="0" sz="2800" kern="1200">
-                <a:solidFill>
-                  <a:schemeClr val="tx1"/>
-                </a:solidFill>
-                <a:latin typeface="+mn-lt"/>
-                <a:ea typeface="+mn-ea"/>
-                <a:cs typeface="+mn-cs"/>
-              </a:defRPr>
-            </a:lvl1pPr>
-            <a:lvl2pPr marL="640080" indent="-246888" algn="l" rtl="0" eaLnBrk="1" latinLnBrk="0" hangingPunct="1">
-              <a:spcBef>
-                <a:spcPct val="20000"/>
-              </a:spcBef>
-              <a:buClrTx/>
-              <a:buSzPct val="85000"/>
-              <a:buFont typeface="Courier New" pitchFamily="49" charset="0"/>
-              <a:buChar char="o"/>
-              <a:defRPr kumimoji="0" sz="2600" kern="1200">
-                <a:solidFill>
-                  <a:schemeClr val="tx1"/>
-                </a:solidFill>
-                <a:latin typeface="+mn-lt"/>
-                <a:ea typeface="+mn-ea"/>
-                <a:cs typeface="+mn-cs"/>
-              </a:defRPr>
-            </a:lvl2pPr>
-            <a:lvl3pPr marL="914400" indent="-246888" algn="l" rtl="0" eaLnBrk="1" latinLnBrk="0" hangingPunct="1">
-              <a:spcBef>
-                <a:spcPct val="20000"/>
-              </a:spcBef>
-              <a:buClrTx/>
-              <a:buSzPct val="70000"/>
-              <a:buFont typeface="Wingdings 2"/>
-              <a:buChar char=""/>
-              <a:defRPr kumimoji="0" sz="2400" kern="1200">
-                <a:solidFill>
-                  <a:schemeClr val="tx1"/>
-                </a:solidFill>
-                <a:latin typeface="+mn-lt"/>
-                <a:ea typeface="+mn-ea"/>
-                <a:cs typeface="+mn-cs"/>
-              </a:defRPr>
-            </a:lvl3pPr>
-            <a:lvl4pPr marL="1188720" indent="-210312" algn="l" rtl="0" eaLnBrk="1" latinLnBrk="0" hangingPunct="1">
-              <a:spcBef>
-                <a:spcPct val="20000"/>
-              </a:spcBef>
-              <a:buClrTx/>
-              <a:buSzPct val="65000"/>
-              <a:buFont typeface="Wingdings 2"/>
-              <a:buChar char=""/>
-              <a:defRPr kumimoji="0" sz="2000" kern="1200">
-                <a:solidFill>
-                  <a:schemeClr val="tx1"/>
-                </a:solidFill>
-                <a:latin typeface="+mn-lt"/>
-                <a:ea typeface="+mn-ea"/>
-                <a:cs typeface="+mn-cs"/>
-              </a:defRPr>
-            </a:lvl4pPr>
-            <a:lvl5pPr marL="1463040" indent="-210312" algn="l" rtl="0" eaLnBrk="1" latinLnBrk="0" hangingPunct="1">
-              <a:spcBef>
-                <a:spcPct val="20000"/>
-              </a:spcBef>
-              <a:buClrTx/>
-              <a:buSzPct val="65000"/>
-              <a:buFont typeface="Wingdings 2"/>
-              <a:buChar char=""/>
-              <a:defRPr kumimoji="0" sz="1800" kern="1200">
-                <a:solidFill>
-                  <a:schemeClr val="tx1"/>
-                </a:solidFill>
-                <a:latin typeface="+mn-lt"/>
-                <a:ea typeface="+mn-ea"/>
-                <a:cs typeface="+mn-cs"/>
-              </a:defRPr>
-            </a:lvl5pPr>
-            <a:lvl6pPr marL="1737360" indent="-210312" algn="l" rtl="0" eaLnBrk="1" latinLnBrk="0" hangingPunct="1">
-              <a:spcBef>
-                <a:spcPct val="20000"/>
-              </a:spcBef>
-              <a:buClr>
-                <a:schemeClr val="accent5"/>
-              </a:buClr>
-              <a:buSzPct val="80000"/>
-              <a:buFont typeface="Wingdings 2"/>
-              <a:buChar char=""/>
-              <a:defRPr kumimoji="0" sz="1800" kern="1200">
-                <a:solidFill>
-                  <a:schemeClr val="tx1"/>
-                </a:solidFill>
-                <a:latin typeface="+mn-lt"/>
-                <a:ea typeface="+mn-ea"/>
-                <a:cs typeface="+mn-cs"/>
-              </a:defRPr>
-            </a:lvl6pPr>
-            <a:lvl7pPr marL="1920240" indent="-182880" algn="l" rtl="0" eaLnBrk="1" latinLnBrk="0" hangingPunct="1">
-              <a:spcBef>
-                <a:spcPct val="20000"/>
-              </a:spcBef>
-              <a:buClr>
-                <a:schemeClr val="accent6"/>
-              </a:buClr>
-              <a:buSzPct val="80000"/>
-              <a:buFont typeface="Wingdings 2"/>
-              <a:buChar char=""/>
-              <a:defRPr kumimoji="0" sz="1600" kern="1200" baseline="0">
-                <a:solidFill>
-                  <a:schemeClr val="tx1"/>
-                </a:solidFill>
-                <a:latin typeface="+mn-lt"/>
-                <a:ea typeface="+mn-ea"/>
-                <a:cs typeface="+mn-cs"/>
-              </a:defRPr>
-            </a:lvl7pPr>
-            <a:lvl8pPr marL="2194560" indent="-182880" algn="l" rtl="0" eaLnBrk="1" latinLnBrk="0" hangingPunct="1">
-              <a:spcBef>
-                <a:spcPct val="20000"/>
-              </a:spcBef>
-              <a:buClr>
-                <a:schemeClr val="tx2"/>
-              </a:buClr>
-              <a:buChar char="•"/>
-              <a:defRPr kumimoji="0" sz="1600" kern="1200">
-                <a:solidFill>
-                  <a:schemeClr val="tx1"/>
-                </a:solidFill>
-                <a:latin typeface="+mn-lt"/>
-                <a:ea typeface="+mn-ea"/>
-                <a:cs typeface="+mn-cs"/>
-              </a:defRPr>
-            </a:lvl8pPr>
-            <a:lvl9pPr marL="2468880" indent="-182880" algn="l" rtl="0" eaLnBrk="1" latinLnBrk="0" hangingPunct="1">
-              <a:spcBef>
-                <a:spcPct val="20000"/>
-              </a:spcBef>
-              <a:buClr>
-                <a:schemeClr val="tx2"/>
-              </a:buClr>
-              <a:buFontTx/>
-              <a:buChar char="•"/>
-              <a:defRPr kumimoji="0" sz="1400" kern="1200" baseline="0">
-                <a:solidFill>
-                  <a:schemeClr val="tx1"/>
-                </a:solidFill>
-                <a:latin typeface="+mn-lt"/>
-                <a:ea typeface="+mn-ea"/>
-                <a:cs typeface="+mn-cs"/>
-              </a:defRPr>
-            </a:lvl9pPr>
-          </a:lstStyle>
-          <a:p>
-            <a:pPr marL="0" indent="0"/>
-            <a:r>
-              <a:rPr lang="it-IT" dirty="0" smtClean="0"/>
-              <a:t> Visto il poco tempo a disposizione, ed essendo forniti soltanto di una versione imparziale del sistema, non è stato possibile individuare test case basandosi esclusivamente sul </a:t>
-            </a:r>
-            <a:r>
-              <a:rPr lang="it-IT" dirty="0" err="1" smtClean="0"/>
-              <a:t>Weak</a:t>
-            </a:r>
-            <a:r>
-              <a:rPr lang="it-IT" dirty="0" smtClean="0"/>
-              <a:t> </a:t>
-            </a:r>
-            <a:r>
-              <a:rPr lang="it-IT" dirty="0" err="1" smtClean="0"/>
-              <a:t>Equivalance</a:t>
-            </a:r>
-            <a:r>
-              <a:rPr lang="it-IT" dirty="0" smtClean="0"/>
-              <a:t> </a:t>
-            </a:r>
-            <a:r>
-              <a:rPr lang="it-IT" dirty="0" err="1" smtClean="0"/>
-              <a:t>Class</a:t>
-            </a:r>
-            <a:r>
-              <a:rPr lang="it-IT" dirty="0" smtClean="0"/>
-              <a:t> </a:t>
-            </a:r>
-            <a:r>
-              <a:rPr lang="it-IT" dirty="0" err="1" smtClean="0"/>
-              <a:t>Testing</a:t>
-            </a:r>
-            <a:r>
-              <a:rPr lang="it-IT" dirty="0" smtClean="0"/>
-              <a:t> con </a:t>
-            </a:r>
-            <a:r>
-              <a:rPr lang="it-IT" dirty="0" err="1" smtClean="0"/>
-              <a:t>Boundary</a:t>
-            </a:r>
-            <a:r>
-              <a:rPr lang="it-IT" dirty="0" smtClean="0"/>
-              <a:t> </a:t>
-            </a:r>
-            <a:r>
-              <a:rPr lang="it-IT" dirty="0" err="1" smtClean="0"/>
-              <a:t>condition</a:t>
-            </a:r>
-            <a:r>
-              <a:rPr lang="it-IT" dirty="0" smtClean="0"/>
-              <a:t>, come previsto </a:t>
-            </a:r>
-            <a:r>
-              <a:rPr lang="it-IT" dirty="0" smtClean="0"/>
-              <a:t>dal Test </a:t>
-            </a:r>
-            <a:r>
-              <a:rPr lang="it-IT" dirty="0" err="1" smtClean="0"/>
-              <a:t>Plan</a:t>
-            </a:r>
-            <a:r>
-              <a:rPr lang="it-IT" dirty="0" smtClean="0"/>
-              <a:t>.</a:t>
-            </a:r>
-          </a:p>
-          <a:p>
-            <a:pPr marL="0" indent="0">
-              <a:buNone/>
-            </a:pPr>
-            <a:endParaRPr lang="it-IT" dirty="0" smtClean="0"/>
-          </a:p>
-          <a:p>
-            <a:pPr marL="0" indent="0"/>
-            <a:r>
-              <a:rPr lang="it-IT" dirty="0" smtClean="0"/>
-              <a:t>Per ogni </a:t>
-            </a:r>
-            <a:r>
-              <a:rPr lang="it-IT" dirty="0" err="1" smtClean="0"/>
-              <a:t>use</a:t>
-            </a:r>
-            <a:r>
-              <a:rPr lang="it-IT" dirty="0" smtClean="0"/>
-              <a:t> case ad alta priorità sono stati realizzati diversi test </a:t>
-            </a:r>
-            <a:r>
-              <a:rPr lang="it-IT" dirty="0" err="1" smtClean="0"/>
-              <a:t>cases</a:t>
-            </a:r>
-            <a:r>
-              <a:rPr lang="it-IT" dirty="0" smtClean="0"/>
-              <a:t>, basandosi su un </a:t>
-            </a:r>
-            <a:r>
-              <a:rPr lang="it-IT" dirty="0" err="1" smtClean="0"/>
-              <a:t>Boundary</a:t>
-            </a:r>
-            <a:r>
-              <a:rPr lang="it-IT" dirty="0" smtClean="0"/>
-              <a:t> </a:t>
-            </a:r>
-            <a:r>
-              <a:rPr lang="it-IT" dirty="0" err="1" smtClean="0"/>
-              <a:t>Testing</a:t>
-            </a:r>
-            <a:r>
-              <a:rPr lang="it-IT" dirty="0" smtClean="0"/>
-              <a:t> per individuare input errati.</a:t>
-            </a:r>
-            <a:endParaRPr lang="it-IT" dirty="0"/>
-          </a:p>
-        </p:txBody>
-      </p:sp>
-    </p:spTree>
-  </p:cSld>
-  <p:clrMapOvr>
-    <a:masterClrMapping/>
-  </p:clrMapOvr>
   <p:timing>
     <p:tnLst>
       <p:par>
@@ -5823,14 +6222,357 @@
       </p:grpSpPr>
       <p:sp>
         <p:nvSpPr>
-          <p:cNvPr id="3" name="Rettangolo 2"/>
+          <p:cNvPr id="2" name="Content Placeholder 3"/>
+          <p:cNvSpPr txBox="1">
+            <a:spLocks/>
+          </p:cNvSpPr>
+          <p:nvPr/>
+        </p:nvSpPr>
+        <p:spPr>
+          <a:xfrm>
+            <a:off x="323528" y="1484784"/>
+            <a:ext cx="8424936" cy="1296144"/>
+          </a:xfrm>
+          <a:prstGeom prst="rect">
+            <a:avLst/>
+          </a:prstGeom>
+        </p:spPr>
+        <p:txBody>
+          <a:bodyPr tIns="0"/>
+          <a:lstStyle>
+            <a:lvl1pPr marL="274320" indent="-274320" algn="l" rtl="0" eaLnBrk="1" latinLnBrk="0" hangingPunct="1">
+              <a:spcBef>
+                <a:spcPct val="20000"/>
+              </a:spcBef>
+              <a:buClrTx/>
+              <a:buSzPct val="95000"/>
+              <a:buFont typeface="Wingdings" pitchFamily="2" charset="2"/>
+              <a:buChar char="v"/>
+              <a:defRPr kumimoji="0" sz="2800" kern="1200">
+                <a:solidFill>
+                  <a:schemeClr val="tx1"/>
+                </a:solidFill>
+                <a:latin typeface="+mn-lt"/>
+                <a:ea typeface="+mn-ea"/>
+                <a:cs typeface="+mn-cs"/>
+              </a:defRPr>
+            </a:lvl1pPr>
+            <a:lvl2pPr marL="640080" indent="-246888" algn="l" rtl="0" eaLnBrk="1" latinLnBrk="0" hangingPunct="1">
+              <a:spcBef>
+                <a:spcPct val="20000"/>
+              </a:spcBef>
+              <a:buClrTx/>
+              <a:buSzPct val="85000"/>
+              <a:buFont typeface="Courier New" pitchFamily="49" charset="0"/>
+              <a:buChar char="o"/>
+              <a:defRPr kumimoji="0" sz="2600" kern="1200">
+                <a:solidFill>
+                  <a:schemeClr val="tx1"/>
+                </a:solidFill>
+                <a:latin typeface="+mn-lt"/>
+                <a:ea typeface="+mn-ea"/>
+                <a:cs typeface="+mn-cs"/>
+              </a:defRPr>
+            </a:lvl2pPr>
+            <a:lvl3pPr marL="914400" indent="-246888" algn="l" rtl="0" eaLnBrk="1" latinLnBrk="0" hangingPunct="1">
+              <a:spcBef>
+                <a:spcPct val="20000"/>
+              </a:spcBef>
+              <a:buClrTx/>
+              <a:buSzPct val="70000"/>
+              <a:buFont typeface="Wingdings 2"/>
+              <a:buChar char=""/>
+              <a:defRPr kumimoji="0" sz="2400" kern="1200">
+                <a:solidFill>
+                  <a:schemeClr val="tx1"/>
+                </a:solidFill>
+                <a:latin typeface="+mn-lt"/>
+                <a:ea typeface="+mn-ea"/>
+                <a:cs typeface="+mn-cs"/>
+              </a:defRPr>
+            </a:lvl3pPr>
+            <a:lvl4pPr marL="1188720" indent="-210312" algn="l" rtl="0" eaLnBrk="1" latinLnBrk="0" hangingPunct="1">
+              <a:spcBef>
+                <a:spcPct val="20000"/>
+              </a:spcBef>
+              <a:buClrTx/>
+              <a:buSzPct val="65000"/>
+              <a:buFont typeface="Wingdings 2"/>
+              <a:buChar char=""/>
+              <a:defRPr kumimoji="0" sz="2000" kern="1200">
+                <a:solidFill>
+                  <a:schemeClr val="tx1"/>
+                </a:solidFill>
+                <a:latin typeface="+mn-lt"/>
+                <a:ea typeface="+mn-ea"/>
+                <a:cs typeface="+mn-cs"/>
+              </a:defRPr>
+            </a:lvl4pPr>
+            <a:lvl5pPr marL="1463040" indent="-210312" algn="l" rtl="0" eaLnBrk="1" latinLnBrk="0" hangingPunct="1">
+              <a:spcBef>
+                <a:spcPct val="20000"/>
+              </a:spcBef>
+              <a:buClrTx/>
+              <a:buSzPct val="65000"/>
+              <a:buFont typeface="Wingdings 2"/>
+              <a:buChar char=""/>
+              <a:defRPr kumimoji="0" sz="1800" kern="1200">
+                <a:solidFill>
+                  <a:schemeClr val="tx1"/>
+                </a:solidFill>
+                <a:latin typeface="+mn-lt"/>
+                <a:ea typeface="+mn-ea"/>
+                <a:cs typeface="+mn-cs"/>
+              </a:defRPr>
+            </a:lvl5pPr>
+            <a:lvl6pPr marL="1737360" indent="-210312" algn="l" rtl="0" eaLnBrk="1" latinLnBrk="0" hangingPunct="1">
+              <a:spcBef>
+                <a:spcPct val="20000"/>
+              </a:spcBef>
+              <a:buClr>
+                <a:schemeClr val="accent5"/>
+              </a:buClr>
+              <a:buSzPct val="80000"/>
+              <a:buFont typeface="Wingdings 2"/>
+              <a:buChar char=""/>
+              <a:defRPr kumimoji="0" sz="1800" kern="1200">
+                <a:solidFill>
+                  <a:schemeClr val="tx1"/>
+                </a:solidFill>
+                <a:latin typeface="+mn-lt"/>
+                <a:ea typeface="+mn-ea"/>
+                <a:cs typeface="+mn-cs"/>
+              </a:defRPr>
+            </a:lvl6pPr>
+            <a:lvl7pPr marL="1920240" indent="-182880" algn="l" rtl="0" eaLnBrk="1" latinLnBrk="0" hangingPunct="1">
+              <a:spcBef>
+                <a:spcPct val="20000"/>
+              </a:spcBef>
+              <a:buClr>
+                <a:schemeClr val="accent6"/>
+              </a:buClr>
+              <a:buSzPct val="80000"/>
+              <a:buFont typeface="Wingdings 2"/>
+              <a:buChar char=""/>
+              <a:defRPr kumimoji="0" sz="1600" kern="1200" baseline="0">
+                <a:solidFill>
+                  <a:schemeClr val="tx1"/>
+                </a:solidFill>
+                <a:latin typeface="+mn-lt"/>
+                <a:ea typeface="+mn-ea"/>
+                <a:cs typeface="+mn-cs"/>
+              </a:defRPr>
+            </a:lvl7pPr>
+            <a:lvl8pPr marL="2194560" indent="-182880" algn="l" rtl="0" eaLnBrk="1" latinLnBrk="0" hangingPunct="1">
+              <a:spcBef>
+                <a:spcPct val="20000"/>
+              </a:spcBef>
+              <a:buClr>
+                <a:schemeClr val="tx2"/>
+              </a:buClr>
+              <a:buChar char="•"/>
+              <a:defRPr kumimoji="0" sz="1600" kern="1200">
+                <a:solidFill>
+                  <a:schemeClr val="tx1"/>
+                </a:solidFill>
+                <a:latin typeface="+mn-lt"/>
+                <a:ea typeface="+mn-ea"/>
+                <a:cs typeface="+mn-cs"/>
+              </a:defRPr>
+            </a:lvl8pPr>
+            <a:lvl9pPr marL="2468880" indent="-182880" algn="l" rtl="0" eaLnBrk="1" latinLnBrk="0" hangingPunct="1">
+              <a:spcBef>
+                <a:spcPct val="20000"/>
+              </a:spcBef>
+              <a:buClr>
+                <a:schemeClr val="tx2"/>
+              </a:buClr>
+              <a:buFontTx/>
+              <a:buChar char="•"/>
+              <a:defRPr kumimoji="0" sz="1400" kern="1200" baseline="0">
+                <a:solidFill>
+                  <a:schemeClr val="tx1"/>
+                </a:solidFill>
+                <a:latin typeface="+mn-lt"/>
+                <a:ea typeface="+mn-ea"/>
+                <a:cs typeface="+mn-cs"/>
+              </a:defRPr>
+            </a:lvl9pPr>
+          </a:lstStyle>
+          <a:p>
+            <a:pPr marL="0" indent="0"/>
+            <a:r>
+              <a:rPr lang="en-US" dirty="0" smtClean="0"/>
+              <a:t>Le </a:t>
+            </a:r>
+            <a:r>
+              <a:rPr lang="en-US" dirty="0" err="1" smtClean="0"/>
+              <a:t>funzionalità</a:t>
+            </a:r>
+            <a:r>
+              <a:rPr lang="en-US" dirty="0" smtClean="0"/>
+              <a:t> testate </a:t>
+            </a:r>
+            <a:r>
+              <a:rPr lang="en-US" dirty="0" err="1" smtClean="0"/>
+              <a:t>sono</a:t>
+            </a:r>
+            <a:r>
+              <a:rPr lang="en-US" dirty="0" smtClean="0"/>
+              <a:t> </a:t>
+            </a:r>
+            <a:r>
+              <a:rPr lang="en-US" dirty="0" err="1" smtClean="0"/>
+              <a:t>quelle</a:t>
+            </a:r>
+            <a:r>
+              <a:rPr lang="en-US" dirty="0" smtClean="0"/>
+              <a:t> indicate </a:t>
+            </a:r>
+            <a:r>
+              <a:rPr lang="en-US" dirty="0" err="1" smtClean="0"/>
+              <a:t>dal</a:t>
+            </a:r>
+            <a:r>
+              <a:rPr lang="en-US" dirty="0" smtClean="0"/>
+              <a:t> team </a:t>
+            </a:r>
+            <a:r>
+              <a:rPr lang="en-US" dirty="0" err="1" smtClean="0"/>
+              <a:t>di</a:t>
+            </a:r>
+            <a:r>
+              <a:rPr lang="en-US" dirty="0" smtClean="0"/>
+              <a:t> </a:t>
+            </a:r>
+            <a:r>
+              <a:rPr lang="en-US" dirty="0" err="1" smtClean="0"/>
+              <a:t>sviluppo</a:t>
+            </a:r>
+            <a:r>
+              <a:rPr lang="en-US" dirty="0" smtClean="0"/>
+              <a:t> </a:t>
+            </a:r>
+            <a:r>
+              <a:rPr lang="en-US" dirty="0" err="1" smtClean="0"/>
+              <a:t>nel</a:t>
+            </a:r>
+            <a:r>
+              <a:rPr lang="en-US" dirty="0" smtClean="0"/>
+              <a:t> Test </a:t>
+            </a:r>
+            <a:r>
+              <a:rPr lang="en-US" dirty="0" smtClean="0"/>
+              <a:t>Plan, </a:t>
+            </a:r>
+            <a:r>
+              <a:rPr lang="en-US" dirty="0" err="1" smtClean="0"/>
+              <a:t>attraverso</a:t>
+            </a:r>
+            <a:r>
+              <a:rPr lang="en-US" dirty="0" smtClean="0"/>
+              <a:t> un </a:t>
+            </a:r>
+            <a:r>
+              <a:rPr lang="en-US" dirty="0" err="1" smtClean="0"/>
+              <a:t>approccio</a:t>
+            </a:r>
+            <a:r>
+              <a:rPr lang="en-US" dirty="0" smtClean="0"/>
+              <a:t> </a:t>
+            </a:r>
+            <a:r>
+              <a:rPr lang="en-US" dirty="0" err="1" smtClean="0"/>
+              <a:t>di</a:t>
+            </a:r>
+            <a:r>
+              <a:rPr lang="en-US" dirty="0" smtClean="0"/>
+              <a:t> </a:t>
+            </a:r>
+            <a:r>
+              <a:rPr lang="en-US" dirty="0" err="1" smtClean="0"/>
+              <a:t>tipo</a:t>
+            </a:r>
+            <a:r>
+              <a:rPr lang="en-US" dirty="0" smtClean="0"/>
+              <a:t> </a:t>
+            </a:r>
+            <a:r>
+              <a:rPr lang="en-US" dirty="0" smtClean="0">
+                <a:solidFill>
+                  <a:schemeClr val="accent5"/>
+                </a:solidFill>
+                <a:effectLst>
+                  <a:outerShdw blurRad="38100" dist="38100" dir="2700000" algn="tl">
+                    <a:srgbClr val="000000">
+                      <a:alpha val="43137"/>
+                    </a:srgbClr>
+                  </a:outerShdw>
+                </a:effectLst>
+              </a:rPr>
+              <a:t>BLACK BOX</a:t>
+            </a:r>
+            <a:r>
+              <a:rPr lang="en-US" dirty="0" smtClean="0">
+                <a:solidFill>
+                  <a:schemeClr val="bg1"/>
+                </a:solidFill>
+              </a:rPr>
+              <a:t>.</a:t>
+            </a:r>
+            <a:endParaRPr lang="en-US" dirty="0">
+              <a:solidFill>
+                <a:schemeClr val="bg1"/>
+              </a:solidFill>
+            </a:endParaRPr>
+          </a:p>
+        </p:txBody>
+      </p:sp>
+      <p:sp>
+        <p:nvSpPr>
+          <p:cNvPr id="3" name="CasellaDiTesto 2"/>
+          <p:cNvSpPr txBox="1"/>
+          <p:nvPr/>
+        </p:nvSpPr>
+        <p:spPr>
+          <a:xfrm>
+            <a:off x="7236296" y="620688"/>
+            <a:ext cx="1506631" cy="630942"/>
+          </a:xfrm>
+          <a:prstGeom prst="rect">
+            <a:avLst/>
+          </a:prstGeom>
+          <a:noFill/>
+        </p:spPr>
+        <p:txBody>
+          <a:bodyPr wrap="none" rtlCol="0">
+            <a:spAutoFit/>
+          </a:bodyPr>
+          <a:lstStyle/>
+          <a:p>
+            <a:pPr algn="ctr"/>
+            <a:r>
+              <a:rPr lang="it-IT" sz="3500" b="1" i="1" dirty="0" err="1" smtClean="0">
+                <a:latin typeface="+mj-lt"/>
+              </a:rPr>
+              <a:t>Testing</a:t>
+            </a:r>
+            <a:endParaRPr lang="it-IT" sz="3500" b="1" i="1" dirty="0" smtClean="0">
+              <a:latin typeface="+mj-lt"/>
+            </a:endParaRPr>
+          </a:p>
+        </p:txBody>
+      </p:sp>
+      <p:sp>
+        <p:nvSpPr>
+          <p:cNvPr id="4" name="Rettangolo 3"/>
           <p:cNvSpPr/>
           <p:nvPr/>
         </p:nvSpPr>
         <p:spPr>
           <a:xfrm>
-            <a:off x="539552" y="908720"/>
-            <a:ext cx="6428226" cy="523220"/>
+            <a:off x="611560" y="2825060"/>
+            <a:ext cx="8136904" cy="1107996"/>
           </a:xfrm>
           <a:prstGeom prst="rect">
             <a:avLst/>
@@ -5842,11 +6584,383 @@
           </a:bodyPr>
           <a:lstStyle/>
           <a:p>
+            <a:r>
+              <a:rPr lang="it-IT" sz="2400" i="1" dirty="0" smtClean="0">
+                <a:solidFill>
+                  <a:schemeClr val="accent5"/>
+                </a:solidFill>
+              </a:rPr>
+              <a:t>“Si focalizza sul comportamento I/O. Non si preoccupa della</a:t>
+            </a:r>
+          </a:p>
+          <a:p>
+            <a:r>
+              <a:rPr lang="it-IT" sz="2400" i="1" dirty="0" smtClean="0">
+                <a:solidFill>
+                  <a:schemeClr val="accent5"/>
+                </a:solidFill>
+              </a:rPr>
+              <a:t>struttura interna della componente”</a:t>
+            </a:r>
+          </a:p>
+          <a:p>
+            <a:endParaRPr lang="it-IT" dirty="0"/>
+          </a:p>
+        </p:txBody>
+      </p:sp>
+    </p:spTree>
+  </p:cSld>
+  <p:clrMapOvr>
+    <a:masterClrMapping/>
+  </p:clrMapOvr>
+</p:sld>
+</file>
+
+<file path=ppt/slides/slide13.xml><?xml version="1.0" encoding="utf-8"?>
+<p:sld xmlns:a="http://schemas.openxmlformats.org/drawingml/2006/main" xmlns:r="http://schemas.openxmlformats.org/officeDocument/2006/relationships" xmlns:p="http://schemas.openxmlformats.org/presentationml/2006/main">
+  <p:cSld>
+    <p:spTree>
+      <p:nvGrpSpPr>
+        <p:cNvPr id="1" name=""/>
+        <p:cNvGrpSpPr/>
+        <p:nvPr/>
+      </p:nvGrpSpPr>
+      <p:grpSpPr>
+        <a:xfrm>
+          <a:off x="0" y="0"/>
+          <a:ext cx="0" cy="0"/>
+          <a:chOff x="0" y="0"/>
+          <a:chExt cx="0" cy="0"/>
+        </a:xfrm>
+      </p:grpSpPr>
+      <p:sp>
+        <p:nvSpPr>
+          <p:cNvPr id="3" name="Content Placeholder 3"/>
+          <p:cNvSpPr txBox="1">
+            <a:spLocks/>
+          </p:cNvSpPr>
+          <p:nvPr/>
+        </p:nvSpPr>
+        <p:spPr>
+          <a:xfrm>
+            <a:off x="467544" y="1700808"/>
+            <a:ext cx="8424936" cy="2448272"/>
+          </a:xfrm>
+          <a:prstGeom prst="rect">
+            <a:avLst/>
+          </a:prstGeom>
+        </p:spPr>
+        <p:txBody>
+          <a:bodyPr tIns="0"/>
+          <a:lstStyle>
+            <a:lvl1pPr marL="274320" indent="-274320" algn="l" rtl="0" eaLnBrk="1" latinLnBrk="0" hangingPunct="1">
+              <a:spcBef>
+                <a:spcPct val="20000"/>
+              </a:spcBef>
+              <a:buClrTx/>
+              <a:buSzPct val="95000"/>
+              <a:buFont typeface="Wingdings" pitchFamily="2" charset="2"/>
+              <a:buChar char="v"/>
+              <a:defRPr kumimoji="0" sz="2800" kern="1200">
+                <a:solidFill>
+                  <a:schemeClr val="tx1"/>
+                </a:solidFill>
+                <a:latin typeface="+mn-lt"/>
+                <a:ea typeface="+mn-ea"/>
+                <a:cs typeface="+mn-cs"/>
+              </a:defRPr>
+            </a:lvl1pPr>
+            <a:lvl2pPr marL="640080" indent="-246888" algn="l" rtl="0" eaLnBrk="1" latinLnBrk="0" hangingPunct="1">
+              <a:spcBef>
+                <a:spcPct val="20000"/>
+              </a:spcBef>
+              <a:buClrTx/>
+              <a:buSzPct val="85000"/>
+              <a:buFont typeface="Courier New" pitchFamily="49" charset="0"/>
+              <a:buChar char="o"/>
+              <a:defRPr kumimoji="0" sz="2600" kern="1200">
+                <a:solidFill>
+                  <a:schemeClr val="tx1"/>
+                </a:solidFill>
+                <a:latin typeface="+mn-lt"/>
+                <a:ea typeface="+mn-ea"/>
+                <a:cs typeface="+mn-cs"/>
+              </a:defRPr>
+            </a:lvl2pPr>
+            <a:lvl3pPr marL="914400" indent="-246888" algn="l" rtl="0" eaLnBrk="1" latinLnBrk="0" hangingPunct="1">
+              <a:spcBef>
+                <a:spcPct val="20000"/>
+              </a:spcBef>
+              <a:buClrTx/>
+              <a:buSzPct val="70000"/>
+              <a:buFont typeface="Wingdings 2"/>
+              <a:buChar char=""/>
+              <a:defRPr kumimoji="0" sz="2400" kern="1200">
+                <a:solidFill>
+                  <a:schemeClr val="tx1"/>
+                </a:solidFill>
+                <a:latin typeface="+mn-lt"/>
+                <a:ea typeface="+mn-ea"/>
+                <a:cs typeface="+mn-cs"/>
+              </a:defRPr>
+            </a:lvl3pPr>
+            <a:lvl4pPr marL="1188720" indent="-210312" algn="l" rtl="0" eaLnBrk="1" latinLnBrk="0" hangingPunct="1">
+              <a:spcBef>
+                <a:spcPct val="20000"/>
+              </a:spcBef>
+              <a:buClrTx/>
+              <a:buSzPct val="65000"/>
+              <a:buFont typeface="Wingdings 2"/>
+              <a:buChar char=""/>
+              <a:defRPr kumimoji="0" sz="2000" kern="1200">
+                <a:solidFill>
+                  <a:schemeClr val="tx1"/>
+                </a:solidFill>
+                <a:latin typeface="+mn-lt"/>
+                <a:ea typeface="+mn-ea"/>
+                <a:cs typeface="+mn-cs"/>
+              </a:defRPr>
+            </a:lvl4pPr>
+            <a:lvl5pPr marL="1463040" indent="-210312" algn="l" rtl="0" eaLnBrk="1" latinLnBrk="0" hangingPunct="1">
+              <a:spcBef>
+                <a:spcPct val="20000"/>
+              </a:spcBef>
+              <a:buClrTx/>
+              <a:buSzPct val="65000"/>
+              <a:buFont typeface="Wingdings 2"/>
+              <a:buChar char=""/>
+              <a:defRPr kumimoji="0" sz="1800" kern="1200">
+                <a:solidFill>
+                  <a:schemeClr val="tx1"/>
+                </a:solidFill>
+                <a:latin typeface="+mn-lt"/>
+                <a:ea typeface="+mn-ea"/>
+                <a:cs typeface="+mn-cs"/>
+              </a:defRPr>
+            </a:lvl5pPr>
+            <a:lvl6pPr marL="1737360" indent="-210312" algn="l" rtl="0" eaLnBrk="1" latinLnBrk="0" hangingPunct="1">
+              <a:spcBef>
+                <a:spcPct val="20000"/>
+              </a:spcBef>
+              <a:buClr>
+                <a:schemeClr val="accent5"/>
+              </a:buClr>
+              <a:buSzPct val="80000"/>
+              <a:buFont typeface="Wingdings 2"/>
+              <a:buChar char=""/>
+              <a:defRPr kumimoji="0" sz="1800" kern="1200">
+                <a:solidFill>
+                  <a:schemeClr val="tx1"/>
+                </a:solidFill>
+                <a:latin typeface="+mn-lt"/>
+                <a:ea typeface="+mn-ea"/>
+                <a:cs typeface="+mn-cs"/>
+              </a:defRPr>
+            </a:lvl6pPr>
+            <a:lvl7pPr marL="1920240" indent="-182880" algn="l" rtl="0" eaLnBrk="1" latinLnBrk="0" hangingPunct="1">
+              <a:spcBef>
+                <a:spcPct val="20000"/>
+              </a:spcBef>
+              <a:buClr>
+                <a:schemeClr val="accent6"/>
+              </a:buClr>
+              <a:buSzPct val="80000"/>
+              <a:buFont typeface="Wingdings 2"/>
+              <a:buChar char=""/>
+              <a:defRPr kumimoji="0" sz="1600" kern="1200" baseline="0">
+                <a:solidFill>
+                  <a:schemeClr val="tx1"/>
+                </a:solidFill>
+                <a:latin typeface="+mn-lt"/>
+                <a:ea typeface="+mn-ea"/>
+                <a:cs typeface="+mn-cs"/>
+              </a:defRPr>
+            </a:lvl7pPr>
+            <a:lvl8pPr marL="2194560" indent="-182880" algn="l" rtl="0" eaLnBrk="1" latinLnBrk="0" hangingPunct="1">
+              <a:spcBef>
+                <a:spcPct val="20000"/>
+              </a:spcBef>
+              <a:buClr>
+                <a:schemeClr val="tx2"/>
+              </a:buClr>
+              <a:buChar char="•"/>
+              <a:defRPr kumimoji="0" sz="1600" kern="1200">
+                <a:solidFill>
+                  <a:schemeClr val="tx1"/>
+                </a:solidFill>
+                <a:latin typeface="+mn-lt"/>
+                <a:ea typeface="+mn-ea"/>
+                <a:cs typeface="+mn-cs"/>
+              </a:defRPr>
+            </a:lvl8pPr>
+            <a:lvl9pPr marL="2468880" indent="-182880" algn="l" rtl="0" eaLnBrk="1" latinLnBrk="0" hangingPunct="1">
+              <a:spcBef>
+                <a:spcPct val="20000"/>
+              </a:spcBef>
+              <a:buClr>
+                <a:schemeClr val="tx2"/>
+              </a:buClr>
+              <a:buFontTx/>
+              <a:buChar char="•"/>
+              <a:defRPr kumimoji="0" sz="1400" kern="1200" baseline="0">
+                <a:solidFill>
+                  <a:schemeClr val="tx1"/>
+                </a:solidFill>
+                <a:latin typeface="+mn-lt"/>
+                <a:ea typeface="+mn-ea"/>
+                <a:cs typeface="+mn-cs"/>
+              </a:defRPr>
+            </a:lvl9pPr>
+          </a:lstStyle>
+          <a:p>
+            <a:pPr marL="0" indent="0"/>
+            <a:r>
+              <a:rPr lang="it-IT" dirty="0" smtClean="0"/>
+              <a:t> Visto il poco tempo a disposizione, ed essendo forniti soltanto di una versione imparziale del sistema, non è stato possibile individuare test case basandosi esclusivamente sul </a:t>
+            </a:r>
+            <a:r>
+              <a:rPr lang="it-IT" dirty="0" err="1" smtClean="0"/>
+              <a:t>Weak</a:t>
+            </a:r>
+            <a:r>
+              <a:rPr lang="it-IT" dirty="0" smtClean="0"/>
+              <a:t> </a:t>
+            </a:r>
+            <a:r>
+              <a:rPr lang="it-IT" dirty="0" err="1" smtClean="0"/>
+              <a:t>Equivalance</a:t>
+            </a:r>
+            <a:r>
+              <a:rPr lang="it-IT" dirty="0" smtClean="0"/>
+              <a:t> </a:t>
+            </a:r>
+            <a:r>
+              <a:rPr lang="it-IT" dirty="0" err="1" smtClean="0"/>
+              <a:t>Class</a:t>
+            </a:r>
+            <a:r>
+              <a:rPr lang="it-IT" dirty="0" smtClean="0"/>
+              <a:t> </a:t>
+            </a:r>
+            <a:r>
+              <a:rPr lang="it-IT" dirty="0" err="1" smtClean="0"/>
+              <a:t>Testing</a:t>
+            </a:r>
+            <a:r>
+              <a:rPr lang="it-IT" dirty="0" smtClean="0"/>
+              <a:t> con </a:t>
+            </a:r>
+            <a:r>
+              <a:rPr lang="it-IT" dirty="0" err="1" smtClean="0"/>
+              <a:t>Boundary</a:t>
+            </a:r>
+            <a:r>
+              <a:rPr lang="it-IT" dirty="0" smtClean="0"/>
+              <a:t> </a:t>
+            </a:r>
+            <a:r>
+              <a:rPr lang="it-IT" dirty="0" err="1" smtClean="0"/>
+              <a:t>condition</a:t>
+            </a:r>
+            <a:r>
+              <a:rPr lang="it-IT" dirty="0" smtClean="0"/>
+              <a:t>, come previsto dal Test </a:t>
+            </a:r>
+            <a:r>
+              <a:rPr lang="it-IT" dirty="0" err="1" smtClean="0"/>
+              <a:t>Plan</a:t>
+            </a:r>
+            <a:r>
+              <a:rPr lang="it-IT" dirty="0" smtClean="0"/>
+              <a:t>.</a:t>
+            </a:r>
+          </a:p>
+          <a:p>
+            <a:pPr marL="0" indent="0">
+              <a:buNone/>
+            </a:pPr>
+            <a:endParaRPr lang="it-IT" dirty="0" smtClean="0"/>
+          </a:p>
+          <a:p>
+            <a:pPr marL="0" indent="0"/>
+            <a:r>
+              <a:rPr lang="it-IT" dirty="0" smtClean="0"/>
+              <a:t>Per ogni </a:t>
+            </a:r>
+            <a:r>
+              <a:rPr lang="it-IT" dirty="0" err="1" smtClean="0"/>
+              <a:t>use</a:t>
+            </a:r>
+            <a:r>
+              <a:rPr lang="it-IT" dirty="0" smtClean="0"/>
+              <a:t> case ad alta priorità sono stati realizzati diversi test </a:t>
+            </a:r>
+            <a:r>
+              <a:rPr lang="it-IT" dirty="0" err="1" smtClean="0"/>
+              <a:t>cases</a:t>
+            </a:r>
+            <a:r>
+              <a:rPr lang="it-IT" dirty="0" smtClean="0"/>
+              <a:t>, basandosi su un </a:t>
+            </a:r>
+            <a:r>
+              <a:rPr lang="it-IT" dirty="0" err="1" smtClean="0"/>
+              <a:t>Boundary</a:t>
+            </a:r>
+            <a:r>
+              <a:rPr lang="it-IT" dirty="0" smtClean="0"/>
+              <a:t> </a:t>
+            </a:r>
+            <a:r>
+              <a:rPr lang="it-IT" dirty="0" err="1" smtClean="0"/>
+              <a:t>Testing</a:t>
+            </a:r>
+            <a:r>
+              <a:rPr lang="it-IT" dirty="0" smtClean="0"/>
+              <a:t> per individuare input errati.</a:t>
+            </a:r>
+            <a:endParaRPr lang="it-IT" dirty="0"/>
+          </a:p>
+        </p:txBody>
+      </p:sp>
+      <p:sp>
+        <p:nvSpPr>
+          <p:cNvPr id="4" name="CasellaDiTesto 3"/>
+          <p:cNvSpPr txBox="1"/>
+          <p:nvPr/>
+        </p:nvSpPr>
+        <p:spPr>
+          <a:xfrm>
+            <a:off x="611560" y="740604"/>
+            <a:ext cx="5860835" cy="600164"/>
+          </a:xfrm>
+          <a:prstGeom prst="rect">
+            <a:avLst/>
+          </a:prstGeom>
+          <a:noFill/>
+        </p:spPr>
+        <p:txBody>
+          <a:bodyPr wrap="none" rtlCol="0">
+            <a:spAutoFit/>
+          </a:bodyPr>
+          <a:lstStyle/>
+          <a:p>
             <a:pPr algn="ctr"/>
             <a:r>
-              <a:rPr lang="it-IT" sz="2800" b="1" dirty="0" smtClean="0"/>
-              <a:t>Esempio di Test Case</a:t>
-            </a:r>
+              <a:rPr lang="it-IT" sz="3300" b="1" dirty="0" smtClean="0">
+                <a:latin typeface="+mj-lt"/>
+              </a:rPr>
+              <a:t>Come è stato realizzato il </a:t>
+            </a:r>
+            <a:r>
+              <a:rPr lang="it-IT" sz="3300" b="1" dirty="0" err="1" smtClean="0">
+                <a:latin typeface="+mj-lt"/>
+              </a:rPr>
+              <a:t>testing</a:t>
+            </a:r>
+            <a:endParaRPr lang="it-IT" sz="3300" b="1" dirty="0" smtClean="0">
+              <a:latin typeface="+mj-lt"/>
+            </a:endParaRPr>
           </a:p>
         </p:txBody>
       </p:sp>
@@ -5865,7 +6979,156 @@
 </p:sld>
 </file>
 
-<file path=ppt/slides/slide13.xml><?xml version="1.0" encoding="utf-8"?>
+<file path=ppt/slides/slide14.xml><?xml version="1.0" encoding="utf-8"?>
+<p:sld xmlns:a="http://schemas.openxmlformats.org/drawingml/2006/main" xmlns:r="http://schemas.openxmlformats.org/officeDocument/2006/relationships" xmlns:p="http://schemas.openxmlformats.org/presentationml/2006/main">
+  <p:cSld>
+    <p:spTree>
+      <p:nvGrpSpPr>
+        <p:cNvPr id="1" name=""/>
+        <p:cNvGrpSpPr/>
+        <p:nvPr/>
+      </p:nvGrpSpPr>
+      <p:grpSpPr>
+        <a:xfrm>
+          <a:off x="0" y="0"/>
+          <a:ext cx="0" cy="0"/>
+          <a:chOff x="0" y="0"/>
+          <a:chExt cx="0" cy="0"/>
+        </a:xfrm>
+      </p:grpSpPr>
+      <p:sp>
+        <p:nvSpPr>
+          <p:cNvPr id="3" name="Rettangolo 2"/>
+          <p:cNvSpPr/>
+          <p:nvPr/>
+        </p:nvSpPr>
+        <p:spPr>
+          <a:xfrm>
+            <a:off x="251520" y="764704"/>
+            <a:ext cx="2232248" cy="954107"/>
+          </a:xfrm>
+          <a:prstGeom prst="rect">
+            <a:avLst/>
+          </a:prstGeom>
+        </p:spPr>
+        <p:txBody>
+          <a:bodyPr wrap="square">
+            <a:spAutoFit/>
+          </a:bodyPr>
+          <a:lstStyle/>
+          <a:p>
+            <a:pPr algn="ctr"/>
+            <a:r>
+              <a:rPr lang="it-IT" sz="2800" b="1" dirty="0" smtClean="0"/>
+              <a:t>Esempio</a:t>
+            </a:r>
+          </a:p>
+          <a:p>
+            <a:pPr algn="ctr"/>
+            <a:r>
+              <a:rPr lang="it-IT" sz="2800" b="1" dirty="0" smtClean="0"/>
+              <a:t> </a:t>
+            </a:r>
+            <a:r>
+              <a:rPr lang="it-IT" sz="2800" b="1" dirty="0" smtClean="0"/>
+              <a:t>di Test Case</a:t>
+            </a:r>
+          </a:p>
+        </p:txBody>
+      </p:sp>
+      <p:pic>
+        <p:nvPicPr>
+          <p:cNvPr id="2052" name="Picture 4" descr="C:\Users\festaG\Desktop\Bamby\TESTCASE.jpg"/>
+          <p:cNvPicPr>
+            <a:picLocks noChangeAspect="1" noChangeArrowheads="1"/>
+          </p:cNvPicPr>
+          <p:nvPr/>
+        </p:nvPicPr>
+        <p:blipFill>
+          <a:blip r:embed="rId2" cstate="print"/>
+          <a:srcRect/>
+          <a:stretch>
+            <a:fillRect/>
+          </a:stretch>
+        </p:blipFill>
+        <p:spPr bwMode="auto">
+          <a:xfrm>
+            <a:off x="2555776" y="692696"/>
+            <a:ext cx="4755476" cy="6104043"/>
+          </a:xfrm>
+          <a:prstGeom prst="rect">
+            <a:avLst/>
+          </a:prstGeom>
+          <a:noFill/>
+        </p:spPr>
+      </p:pic>
+    </p:spTree>
+  </p:cSld>
+  <p:clrMapOvr>
+    <a:masterClrMapping/>
+  </p:clrMapOvr>
+  <p:timing>
+    <p:tnLst>
+      <p:par>
+        <p:cTn id="1" dur="indefinite" restart="never" nodeType="tmRoot"/>
+      </p:par>
+    </p:tnLst>
+  </p:timing>
+</p:sld>
+</file>
+
+<file path=ppt/slides/slide15.xml><?xml version="1.0" encoding="utf-8"?>
+<p:sld xmlns:a="http://schemas.openxmlformats.org/drawingml/2006/main" xmlns:r="http://schemas.openxmlformats.org/officeDocument/2006/relationships" xmlns:p="http://schemas.openxmlformats.org/presentationml/2006/main">
+  <p:cSld>
+    <p:spTree>
+      <p:nvGrpSpPr>
+        <p:cNvPr id="1" name=""/>
+        <p:cNvGrpSpPr/>
+        <p:nvPr/>
+      </p:nvGrpSpPr>
+      <p:grpSpPr>
+        <a:xfrm>
+          <a:off x="0" y="0"/>
+          <a:ext cx="0" cy="0"/>
+          <a:chOff x="0" y="0"/>
+          <a:chExt cx="0" cy="0"/>
+        </a:xfrm>
+      </p:grpSpPr>
+      <p:pic>
+        <p:nvPicPr>
+          <p:cNvPr id="3074" name="Picture 2" descr="C:\Users\festaG\Desktop\Bamby\TESTCASE2.jpg"/>
+          <p:cNvPicPr>
+            <a:picLocks noChangeAspect="1" noChangeArrowheads="1"/>
+          </p:cNvPicPr>
+          <p:nvPr/>
+        </p:nvPicPr>
+        <p:blipFill>
+          <a:blip r:embed="rId2" cstate="print"/>
+          <a:srcRect/>
+          <a:stretch>
+            <a:fillRect/>
+          </a:stretch>
+        </p:blipFill>
+        <p:spPr bwMode="auto">
+          <a:xfrm>
+            <a:off x="1907704" y="908720"/>
+            <a:ext cx="5821748" cy="5373216"/>
+          </a:xfrm>
+          <a:prstGeom prst="rect">
+            <a:avLst/>
+          </a:prstGeom>
+          <a:noFill/>
+        </p:spPr>
+      </p:pic>
+    </p:spTree>
+  </p:cSld>
+  <p:clrMapOvr>
+    <a:masterClrMapping/>
+  </p:clrMapOvr>
+</p:sld>
+</file>
+
+<file path=ppt/slides/slide16.xml><?xml version="1.0" encoding="utf-8"?>
 <p:sld xmlns:a="http://schemas.openxmlformats.org/drawingml/2006/main" xmlns:r="http://schemas.openxmlformats.org/officeDocument/2006/relationships" xmlns:p="http://schemas.openxmlformats.org/presentationml/2006/main">
   <p:cSld>
     <p:spTree>
@@ -6217,6 +7480,32 @@
           </a:p>
         </p:txBody>
       </p:sp>
+      <p:pic>
+        <p:nvPicPr>
+          <p:cNvPr id="1027" name="Picture 3" descr="C:\Users\festaG\Desktop\Bamby\Università\IS\PROGETTO @silo\@silo\SDD\Sottosistemi\Divisione Sott.png"/>
+          <p:cNvPicPr>
+            <a:picLocks noChangeAspect="1" noChangeArrowheads="1"/>
+          </p:cNvPicPr>
+          <p:nvPr/>
+        </p:nvPicPr>
+        <p:blipFill>
+          <a:blip r:embed="rId2" cstate="print"/>
+          <a:srcRect/>
+          <a:stretch>
+            <a:fillRect/>
+          </a:stretch>
+        </p:blipFill>
+        <p:spPr bwMode="auto">
+          <a:xfrm>
+            <a:off x="3275856" y="1628800"/>
+            <a:ext cx="5612294" cy="4896544"/>
+          </a:xfrm>
+          <a:prstGeom prst="rect">
+            <a:avLst/>
+          </a:prstGeom>
+          <a:noFill/>
+        </p:spPr>
+      </p:pic>
       <p:sp>
         <p:nvSpPr>
           <p:cNvPr id="6" name="Content Placeholder 3"/>
@@ -6227,8 +7516,8 @@
         </p:nvSpPr>
         <p:spPr>
           <a:xfrm>
-            <a:off x="467544" y="1556792"/>
-            <a:ext cx="8280920" cy="4752528"/>
+            <a:off x="251520" y="1556792"/>
+            <a:ext cx="3168352" cy="4824536"/>
           </a:xfrm>
           <a:prstGeom prst="rect">
             <a:avLst/>
@@ -6401,15 +7690,48 @@
               <a:buNone/>
             </a:pPr>
             <a:r>
-              <a:rPr lang="it-IT" sz="2400" dirty="0" smtClean="0"/>
-              <a:t>La decomposizione prevista per il sistema è composta da cinque </a:t>
-            </a:r>
-            <a:r>
-              <a:rPr lang="it-IT" sz="2400" dirty="0" err="1" smtClean="0"/>
+              <a:rPr lang="it-IT" sz="2200" dirty="0" smtClean="0"/>
+              <a:t>La </a:t>
+            </a:r>
+            <a:r>
+              <a:rPr lang="it-IT" sz="2200" dirty="0" smtClean="0"/>
+              <a:t>decomposizione</a:t>
+            </a:r>
+          </a:p>
+          <a:p>
+            <a:pPr>
+              <a:buNone/>
+            </a:pPr>
+            <a:r>
+              <a:rPr lang="it-IT" sz="2200" dirty="0" smtClean="0"/>
+              <a:t>prevista </a:t>
+            </a:r>
+            <a:r>
+              <a:rPr lang="it-IT" sz="2200" dirty="0" smtClean="0"/>
+              <a:t>per il sistema </a:t>
+            </a:r>
+            <a:r>
+              <a:rPr lang="it-IT" sz="2200" dirty="0" smtClean="0"/>
+              <a:t>è composta </a:t>
+            </a:r>
+            <a:r>
+              <a:rPr lang="it-IT" sz="2200" dirty="0" smtClean="0"/>
+              <a:t>da </a:t>
+            </a:r>
+            <a:r>
+              <a:rPr lang="it-IT" sz="2200" i="1" dirty="0" smtClean="0"/>
+              <a:t>cinque</a:t>
+            </a:r>
+            <a:r>
+              <a:rPr lang="it-IT" sz="2200" dirty="0" smtClean="0"/>
+              <a:t> </a:t>
+            </a:r>
+            <a:r>
+              <a:rPr lang="it-IT" sz="2200" dirty="0" err="1" smtClean="0"/>
               <a:t>layer</a:t>
             </a:r>
             <a:r>
-              <a:rPr lang="it-IT" sz="2400" dirty="0" smtClean="0"/>
+              <a:rPr lang="it-IT" sz="2200" dirty="0" smtClean="0"/>
               <a:t> :</a:t>
             </a:r>
           </a:p>
@@ -6419,15 +7741,15 @@
               <a:buAutoNum type="arabicParenR"/>
             </a:pPr>
             <a:r>
-              <a:rPr lang="it-IT" sz="2400" b="1" dirty="0" err="1" smtClean="0"/>
+              <a:rPr lang="it-IT" sz="2200" b="1" dirty="0" err="1" smtClean="0"/>
               <a:t>Presentation</a:t>
             </a:r>
             <a:r>
-              <a:rPr lang="it-IT" sz="2400" b="1" dirty="0" smtClean="0"/>
+              <a:rPr lang="it-IT" sz="2200" b="1" dirty="0" smtClean="0"/>
               <a:t>: </a:t>
             </a:r>
             <a:r>
-              <a:rPr lang="it-IT" sz="2400" dirty="0" smtClean="0"/>
+              <a:rPr lang="it-IT" sz="2200" dirty="0" smtClean="0"/>
               <a:t>raccoglie i sottosistemi adibiti alla gestione delle interfacce grafiche:</a:t>
             </a:r>
           </a:p>
@@ -6437,85 +7759,25 @@
               <a:buAutoNum type="arabicParenR"/>
             </a:pPr>
             <a:r>
-              <a:rPr lang="it-IT" sz="2400" b="1" dirty="0" err="1" smtClean="0"/>
+              <a:rPr lang="it-IT" sz="2200" b="1" dirty="0" err="1" smtClean="0"/>
               <a:t>Application</a:t>
             </a:r>
             <a:r>
-              <a:rPr lang="it-IT" sz="2400" dirty="0" smtClean="0"/>
-              <a:t>: si occupa della gestione della logica applicativa del sistema;</a:t>
-            </a:r>
-          </a:p>
-          <a:p>
-            <a:pPr marL="514350" indent="-514350">
-              <a:buFont typeface="+mj-lt"/>
-              <a:buAutoNum type="arabicParenR"/>
-            </a:pPr>
-            <a:r>
-              <a:rPr lang="it-IT" sz="2400" b="1" dirty="0" err="1" smtClean="0"/>
-              <a:t>Beans</a:t>
-            </a:r>
-            <a:r>
-              <a:rPr lang="it-IT" sz="2400" b="1" dirty="0" smtClean="0"/>
-              <a:t>: </a:t>
-            </a:r>
-            <a:r>
-              <a:rPr lang="it-IT" sz="2400" dirty="0" smtClean="0"/>
-              <a:t>si occupa della gestione e dello scambio dei dati tra i sistemi</a:t>
-            </a:r>
-            <a:r>
-              <a:rPr lang="it-IT" sz="2400" b="1" dirty="0" smtClean="0"/>
-              <a:t>; </a:t>
-            </a:r>
-          </a:p>
-          <a:p>
-            <a:pPr marL="514350" indent="-514350">
-              <a:buFont typeface="+mj-lt"/>
-              <a:buAutoNum type="arabicParenR"/>
-            </a:pPr>
-            <a:r>
-              <a:rPr lang="it-IT" sz="2400" b="1" dirty="0" err="1" smtClean="0"/>
-              <a:t>Storage</a:t>
-            </a:r>
-            <a:r>
-              <a:rPr lang="it-IT" sz="2400" b="1" dirty="0" smtClean="0"/>
-              <a:t>: </a:t>
-            </a:r>
-            <a:r>
-              <a:rPr lang="it-IT" sz="2400" dirty="0" smtClean="0"/>
-              <a:t>sistema che gestisce ed immagazzina i dati persistenti:</a:t>
-            </a:r>
-          </a:p>
-          <a:p>
-            <a:pPr marL="514350" indent="-514350">
-              <a:buFont typeface="+mj-lt"/>
-              <a:buAutoNum type="arabicParenR"/>
-            </a:pPr>
-            <a:r>
-              <a:rPr lang="it-IT" sz="2400" b="1" dirty="0" err="1" smtClean="0"/>
-              <a:t>Exception</a:t>
-            </a:r>
-            <a:r>
-              <a:rPr lang="it-IT" sz="2400" b="1" dirty="0" smtClean="0"/>
-              <a:t>: </a:t>
-            </a:r>
-            <a:r>
-              <a:rPr lang="it-IT" sz="2400" dirty="0" smtClean="0"/>
-              <a:t>gestione delle eccezioni del sistema.</a:t>
-            </a:r>
-          </a:p>
-          <a:p>
-            <a:pPr marL="514350" indent="-514350">
-              <a:buFont typeface="+mj-lt"/>
-              <a:buAutoNum type="arabicParenR"/>
-            </a:pPr>
-            <a:endParaRPr lang="it-IT" sz="2600" b="1" dirty="0" smtClean="0"/>
+              <a:rPr lang="it-IT" sz="2200" dirty="0" smtClean="0"/>
+              <a:t>: si occupa della gestione della logica applicativa del sistema</a:t>
+            </a:r>
+            <a:r>
+              <a:rPr lang="it-IT" sz="2200" dirty="0" smtClean="0"/>
+              <a:t>;</a:t>
+            </a:r>
+            <a:endParaRPr lang="it-IT" sz="2200" b="1" dirty="0" smtClean="0"/>
           </a:p>
         </p:txBody>
       </p:sp>
     </p:spTree>
     <p:extLst>
       <p:ext uri="{BB962C8B-B14F-4D97-AF65-F5344CB8AC3E}">
-        <p14:creationId xmlns="" xmlns:p14="http://schemas.microsoft.com/office/powerpoint/2010/main" val="155874689"/>
+        <p14:creationId xmlns:p14="http://schemas.microsoft.com/office/powerpoint/2010/main" xmlns="" val="155874689"/>
       </p:ext>
     </p:extLst>
   </p:cSld>
@@ -6523,7 +7785,7 @@
     <a:masterClrMapping/>
   </p:clrMapOvr>
   <mc:AlternateContent xmlns:mc="http://schemas.openxmlformats.org/markup-compatibility/2006">
-    <mc:Choice xmlns="" xmlns:p14="http://schemas.microsoft.com/office/powerpoint/2010/main" Requires="p14">
+    <mc:Choice xmlns:p14="http://schemas.microsoft.com/office/powerpoint/2010/main" xmlns="" Requires="p14">
       <p:transition spd="slow" p14:dur="2000"/>
     </mc:Choice>
     <mc:Fallback>
@@ -6541,6 +7803,135 @@
 </file>
 
 <file path=ppt/slides/slide3.xml><?xml version="1.0" encoding="utf-8"?>
+<p:sld xmlns:a="http://schemas.openxmlformats.org/drawingml/2006/main" xmlns:r="http://schemas.openxmlformats.org/officeDocument/2006/relationships" xmlns:p="http://schemas.openxmlformats.org/presentationml/2006/main">
+  <p:cSld>
+    <p:spTree>
+      <p:nvGrpSpPr>
+        <p:cNvPr id="1" name=""/>
+        <p:cNvGrpSpPr/>
+        <p:nvPr/>
+      </p:nvGrpSpPr>
+      <p:grpSpPr>
+        <a:xfrm>
+          <a:off x="0" y="0"/>
+          <a:ext cx="0" cy="0"/>
+          <a:chOff x="0" y="0"/>
+          <a:chExt cx="0" cy="0"/>
+        </a:xfrm>
+      </p:grpSpPr>
+      <p:pic>
+        <p:nvPicPr>
+          <p:cNvPr id="3" name="Picture 3" descr="C:\Users\festaG\Desktop\Bamby\Università\IS\PROGETTO @silo\@silo\SDD\Sottosistemi\Divisione Sott.png"/>
+          <p:cNvPicPr>
+            <a:picLocks noChangeAspect="1" noChangeArrowheads="1"/>
+          </p:cNvPicPr>
+          <p:nvPr/>
+        </p:nvPicPr>
+        <p:blipFill>
+          <a:blip r:embed="rId2" cstate="print"/>
+          <a:srcRect/>
+          <a:stretch>
+            <a:fillRect/>
+          </a:stretch>
+        </p:blipFill>
+        <p:spPr bwMode="auto">
+          <a:xfrm>
+            <a:off x="1907704" y="2083161"/>
+            <a:ext cx="5256584" cy="4586199"/>
+          </a:xfrm>
+          <a:prstGeom prst="rect">
+            <a:avLst/>
+          </a:prstGeom>
+          <a:noFill/>
+        </p:spPr>
+      </p:pic>
+      <p:sp>
+        <p:nvSpPr>
+          <p:cNvPr id="2" name="Rettangolo 1"/>
+          <p:cNvSpPr/>
+          <p:nvPr/>
+        </p:nvSpPr>
+        <p:spPr>
+          <a:xfrm>
+            <a:off x="539552" y="891877"/>
+            <a:ext cx="8424936" cy="1384995"/>
+          </a:xfrm>
+          <a:prstGeom prst="rect">
+            <a:avLst/>
+          </a:prstGeom>
+        </p:spPr>
+        <p:txBody>
+          <a:bodyPr wrap="square">
+            <a:spAutoFit/>
+          </a:bodyPr>
+          <a:lstStyle/>
+          <a:p>
+            <a:pPr marL="514350" indent="-514350"/>
+            <a:r>
+              <a:rPr lang="it-IT" sz="2200" b="1" dirty="0" smtClean="0"/>
+              <a:t>4) </a:t>
+            </a:r>
+            <a:r>
+              <a:rPr lang="it-IT" sz="2200" b="1" dirty="0" smtClean="0"/>
+              <a:t>	</a:t>
+            </a:r>
+            <a:r>
+              <a:rPr lang="it-IT" sz="2200" b="1" dirty="0" err="1" smtClean="0"/>
+              <a:t>Beans</a:t>
+            </a:r>
+            <a:r>
+              <a:rPr lang="it-IT" sz="2200" dirty="0" smtClean="0"/>
+              <a:t>: si occupa della gestione e dello scambio dei dati tra i sistemi; </a:t>
+            </a:r>
+          </a:p>
+          <a:p>
+            <a:pPr marL="514350" indent="-514350"/>
+            <a:r>
+              <a:rPr lang="it-IT" sz="2200" b="1" dirty="0" smtClean="0"/>
+              <a:t>5)	</a:t>
+            </a:r>
+            <a:r>
+              <a:rPr lang="it-IT" sz="2200" b="1" dirty="0" err="1" smtClean="0"/>
+              <a:t>Storage</a:t>
+            </a:r>
+            <a:r>
+              <a:rPr lang="it-IT" sz="2200" dirty="0" smtClean="0"/>
+              <a:t>: sistema che gestisce ed immagazzina i dati persistenti:</a:t>
+            </a:r>
+          </a:p>
+          <a:p>
+            <a:pPr marL="514350" indent="-514350"/>
+            <a:r>
+              <a:rPr lang="it-IT" sz="2200" b="1" dirty="0" smtClean="0"/>
+              <a:t>6)	</a:t>
+            </a:r>
+            <a:r>
+              <a:rPr lang="it-IT" sz="2200" b="1" dirty="0" err="1" smtClean="0"/>
+              <a:t>Exception</a:t>
+            </a:r>
+            <a:r>
+              <a:rPr lang="it-IT" sz="2200" dirty="0" smtClean="0"/>
+              <a:t>: gestione delle eccezioni del sistema.</a:t>
+            </a:r>
+          </a:p>
+          <a:p>
+            <a:pPr marL="514350" indent="-514350">
+              <a:buFont typeface="+mj-lt"/>
+              <a:buAutoNum type="arabicParenR"/>
+            </a:pPr>
+            <a:endParaRPr lang="it-IT" b="1" dirty="0" smtClean="0"/>
+          </a:p>
+        </p:txBody>
+      </p:sp>
+    </p:spTree>
+  </p:cSld>
+  <p:clrMapOvr>
+    <a:masterClrMapping/>
+  </p:clrMapOvr>
+</p:sld>
+</file>
+
+<file path=ppt/slides/slide4.xml><?xml version="1.0" encoding="utf-8"?>
 <p:sld xmlns:a="http://schemas.openxmlformats.org/drawingml/2006/main" xmlns:r="http://schemas.openxmlformats.org/officeDocument/2006/relationships" xmlns:p="http://schemas.openxmlformats.org/presentationml/2006/main">
   <p:cSld>
     <p:spTree>
@@ -7697,7 +9088,7 @@
     </p:spTree>
     <p:extLst>
       <p:ext uri="{BB962C8B-B14F-4D97-AF65-F5344CB8AC3E}">
-        <p14:creationId xmlns="" xmlns:p14="http://schemas.microsoft.com/office/powerpoint/2010/main" val="155874689"/>
+        <p14:creationId xmlns:p14="http://schemas.microsoft.com/office/powerpoint/2010/main" xmlns="" val="155874689"/>
       </p:ext>
     </p:extLst>
   </p:cSld>
@@ -7705,7 +9096,7 @@
     <a:masterClrMapping/>
   </p:clrMapOvr>
   <mc:AlternateContent xmlns:mc="http://schemas.openxmlformats.org/markup-compatibility/2006">
-    <mc:Choice xmlns="" xmlns:p14="http://schemas.microsoft.com/office/powerpoint/2010/main" Requires="p14">
+    <mc:Choice xmlns:p14="http://schemas.microsoft.com/office/powerpoint/2010/main" xmlns="" Requires="p14">
       <p:transition spd="slow" p14:dur="2000"/>
     </mc:Choice>
     <mc:Fallback>
@@ -8221,7 +9612,7 @@
 </p:sld>
 </file>
 
-<file path=ppt/slides/slide4.xml><?xml version="1.0" encoding="utf-8"?>
+<file path=ppt/slides/slide5.xml><?xml version="1.0" encoding="utf-8"?>
 <p:sld xmlns:a="http://schemas.openxmlformats.org/drawingml/2006/main" xmlns:r="http://schemas.openxmlformats.org/officeDocument/2006/relationships" xmlns:p="http://schemas.openxmlformats.org/presentationml/2006/main">
   <p:cSld>
     <p:spTree>
@@ -8515,7 +9906,7 @@
     </p:spTree>
     <p:extLst>
       <p:ext uri="{BB962C8B-B14F-4D97-AF65-F5344CB8AC3E}">
-        <p14:creationId xmlns="" xmlns:p14="http://schemas.microsoft.com/office/powerpoint/2010/main" val="155874689"/>
+        <p14:creationId xmlns:p14="http://schemas.microsoft.com/office/powerpoint/2010/main" xmlns="" val="155874689"/>
       </p:ext>
     </p:extLst>
   </p:cSld>
@@ -8523,7 +9914,7 @@
     <a:masterClrMapping/>
   </p:clrMapOvr>
   <mc:AlternateContent xmlns:mc="http://schemas.openxmlformats.org/markup-compatibility/2006">
-    <mc:Choice xmlns="" xmlns:p14="http://schemas.microsoft.com/office/powerpoint/2010/main" Requires="p14">
+    <mc:Choice xmlns:p14="http://schemas.microsoft.com/office/powerpoint/2010/main" xmlns="" Requires="p14">
       <p:transition spd="slow" p14:dur="2000"/>
     </mc:Choice>
     <mc:Fallback>
@@ -8540,7 +9931,7 @@
 </p:sld>
 </file>
 
-<file path=ppt/slides/slide5.xml><?xml version="1.0" encoding="utf-8"?>
+<file path=ppt/slides/slide6.xml><?xml version="1.0" encoding="utf-8"?>
 <p:sld xmlns:a="http://schemas.openxmlformats.org/drawingml/2006/main" xmlns:r="http://schemas.openxmlformats.org/officeDocument/2006/relationships" xmlns:p="http://schemas.openxmlformats.org/presentationml/2006/main">
   <p:cSld>
     <p:spTree>
@@ -8797,7 +10188,7 @@
     </p:spTree>
     <p:extLst>
       <p:ext uri="{BB962C8B-B14F-4D97-AF65-F5344CB8AC3E}">
-        <p14:creationId xmlns="" xmlns:p14="http://schemas.microsoft.com/office/powerpoint/2010/main" val="155874689"/>
+        <p14:creationId xmlns:p14="http://schemas.microsoft.com/office/powerpoint/2010/main" xmlns="" val="155874689"/>
       </p:ext>
     </p:extLst>
   </p:cSld>
@@ -8805,7 +10196,7 @@
     <a:masterClrMapping/>
   </p:clrMapOvr>
   <mc:AlternateContent xmlns:mc="http://schemas.openxmlformats.org/markup-compatibility/2006">
-    <mc:Choice xmlns="" xmlns:p14="http://schemas.microsoft.com/office/powerpoint/2010/main" Requires="p14">
+    <mc:Choice xmlns:p14="http://schemas.microsoft.com/office/powerpoint/2010/main" xmlns="" Requires="p14">
       <p:transition spd="slow" p14:dur="2000"/>
     </mc:Choice>
     <mc:Fallback>
@@ -8881,7 +10272,7 @@
 </p:sld>
 </file>
 
-<file path=ppt/slides/slide6.xml><?xml version="1.0" encoding="utf-8"?>
+<file path=ppt/slides/slide7.xml><?xml version="1.0" encoding="utf-8"?>
 <p:sld xmlns:a="http://schemas.openxmlformats.org/drawingml/2006/main" xmlns:r="http://schemas.openxmlformats.org/officeDocument/2006/relationships" xmlns:p="http://schemas.openxmlformats.org/presentationml/2006/main">
   <p:cSld>
     <p:spTree>
@@ -9495,7 +10886,7 @@
 </p:sld>
 </file>
 
-<file path=ppt/slides/slide7.xml><?xml version="1.0" encoding="utf-8"?>
+<file path=ppt/slides/slide8.xml><?xml version="1.0" encoding="utf-8"?>
 <p:sld xmlns:a="http://schemas.openxmlformats.org/drawingml/2006/main" xmlns:r="http://schemas.openxmlformats.org/officeDocument/2006/relationships" xmlns:p="http://schemas.openxmlformats.org/presentationml/2006/main">
   <p:cSld>
     <p:spTree>
@@ -9879,7 +11270,7 @@
     </p:spTree>
     <p:extLst>
       <p:ext uri="{BB962C8B-B14F-4D97-AF65-F5344CB8AC3E}">
-        <p14:creationId xmlns="" xmlns:p14="http://schemas.microsoft.com/office/powerpoint/2010/main" val="155874689"/>
+        <p14:creationId xmlns:p14="http://schemas.microsoft.com/office/powerpoint/2010/main" xmlns="" val="155874689"/>
       </p:ext>
     </p:extLst>
   </p:cSld>
@@ -9887,7 +11278,7 @@
     <a:masterClrMapping/>
   </p:clrMapOvr>
   <mc:AlternateContent xmlns:mc="http://schemas.openxmlformats.org/markup-compatibility/2006">
-    <mc:Choice xmlns="" xmlns:p14="http://schemas.microsoft.com/office/powerpoint/2010/main" Requires="p14">
+    <mc:Choice xmlns:p14="http://schemas.microsoft.com/office/powerpoint/2010/main" xmlns="" Requires="p14">
       <p:transition spd="slow" p14:dur="2000"/>
     </mc:Choice>
     <mc:Fallback>
@@ -9980,7 +11371,7 @@
 </p:sld>
 </file>
 
-<file path=ppt/slides/slide8.xml><?xml version="1.0" encoding="utf-8"?>
+<file path=ppt/slides/slide9.xml><?xml version="1.0" encoding="utf-8"?>
 <p:sld xmlns:a="http://schemas.openxmlformats.org/drawingml/2006/main" xmlns:r="http://schemas.openxmlformats.org/officeDocument/2006/relationships" xmlns:p="http://schemas.openxmlformats.org/presentationml/2006/main">
   <p:cSld>
     <p:spTree>
@@ -10269,7 +11660,7 @@
     </p:spTree>
     <p:extLst>
       <p:ext uri="{BB962C8B-B14F-4D97-AF65-F5344CB8AC3E}">
-        <p14:creationId xmlns="" xmlns:p14="http://schemas.microsoft.com/office/powerpoint/2010/main" val="155874689"/>
+        <p14:creationId xmlns:p14="http://schemas.microsoft.com/office/powerpoint/2010/main" xmlns="" val="155874689"/>
       </p:ext>
     </p:extLst>
   </p:cSld>
@@ -10277,7 +11668,7 @@
     <a:masterClrMapping/>
   </p:clrMapOvr>
   <mc:AlternateContent xmlns:mc="http://schemas.openxmlformats.org/markup-compatibility/2006">
-    <mc:Choice xmlns="" xmlns:p14="http://schemas.microsoft.com/office/powerpoint/2010/main" Requires="p14">
+    <mc:Choice xmlns:p14="http://schemas.microsoft.com/office/powerpoint/2010/main" xmlns="" Requires="p14">
       <p:transition spd="slow" p14:dur="2000"/>
     </mc:Choice>
     <mc:Fallback>
@@ -10368,813 +11759,6 @@
     </p:tnLst>
     <p:bldLst>
       <p:bldP spid="6" grpId="0"/>
-    </p:bldLst>
-  </p:timing>
-</p:sld>
-</file>
-
-<file path=ppt/slides/slide9.xml><?xml version="1.0" encoding="utf-8"?>
-<p:sld xmlns:a="http://schemas.openxmlformats.org/drawingml/2006/main" xmlns:r="http://schemas.openxmlformats.org/officeDocument/2006/relationships" xmlns:p="http://schemas.openxmlformats.org/presentationml/2006/main">
-  <p:cSld>
-    <p:spTree>
-      <p:nvGrpSpPr>
-        <p:cNvPr id="1" name=""/>
-        <p:cNvGrpSpPr/>
-        <p:nvPr/>
-      </p:nvGrpSpPr>
-      <p:grpSpPr>
-        <a:xfrm>
-          <a:off x="0" y="0"/>
-          <a:ext cx="0" cy="0"/>
-          <a:chOff x="0" y="0"/>
-          <a:chExt cx="0" cy="0"/>
-        </a:xfrm>
-      </p:grpSpPr>
-      <p:pic>
-        <p:nvPicPr>
-          <p:cNvPr id="1026" name="Picture 2"/>
-          <p:cNvPicPr>
-            <a:picLocks noChangeAspect="1" noChangeArrowheads="1"/>
-          </p:cNvPicPr>
-          <p:nvPr/>
-        </p:nvPicPr>
-        <p:blipFill>
-          <a:blip r:embed="rId2" cstate="print"/>
-          <a:srcRect/>
-          <a:stretch>
-            <a:fillRect/>
-          </a:stretch>
-        </p:blipFill>
-        <p:spPr bwMode="auto">
-          <a:xfrm>
-            <a:off x="3491880" y="764704"/>
-            <a:ext cx="5472608" cy="5870616"/>
-          </a:xfrm>
-          <a:prstGeom prst="rect">
-            <a:avLst/>
-          </a:prstGeom>
-          <a:noFill/>
-          <a:ln w="9525">
-            <a:noFill/>
-            <a:miter lim="800000"/>
-            <a:headEnd/>
-            <a:tailEnd/>
-          </a:ln>
-        </p:spPr>
-      </p:pic>
-      <p:sp>
-        <p:nvSpPr>
-          <p:cNvPr id="7" name="Content Placeholder 3"/>
-          <p:cNvSpPr txBox="1">
-            <a:spLocks/>
-          </p:cNvSpPr>
-          <p:nvPr/>
-        </p:nvSpPr>
-        <p:spPr>
-          <a:xfrm>
-            <a:off x="323528" y="836712"/>
-            <a:ext cx="3528392" cy="936104"/>
-          </a:xfrm>
-          <a:prstGeom prst="rect">
-            <a:avLst/>
-          </a:prstGeom>
-        </p:spPr>
-        <p:txBody>
-          <a:bodyPr tIns="0"/>
-          <a:lstStyle>
-            <a:lvl1pPr marL="274320" indent="-274320" algn="l" rtl="0" eaLnBrk="1" latinLnBrk="0" hangingPunct="1">
-              <a:spcBef>
-                <a:spcPct val="20000"/>
-              </a:spcBef>
-              <a:buClrTx/>
-              <a:buSzPct val="95000"/>
-              <a:buFont typeface="Wingdings" pitchFamily="2" charset="2"/>
-              <a:buChar char="v"/>
-              <a:defRPr kumimoji="0" sz="2800" kern="1200">
-                <a:solidFill>
-                  <a:schemeClr val="tx1"/>
-                </a:solidFill>
-                <a:latin typeface="+mn-lt"/>
-                <a:ea typeface="+mn-ea"/>
-                <a:cs typeface="+mn-cs"/>
-              </a:defRPr>
-            </a:lvl1pPr>
-            <a:lvl2pPr marL="640080" indent="-246888" algn="l" rtl="0" eaLnBrk="1" latinLnBrk="0" hangingPunct="1">
-              <a:spcBef>
-                <a:spcPct val="20000"/>
-              </a:spcBef>
-              <a:buClrTx/>
-              <a:buSzPct val="85000"/>
-              <a:buFont typeface="Courier New" pitchFamily="49" charset="0"/>
-              <a:buChar char="o"/>
-              <a:defRPr kumimoji="0" sz="2600" kern="1200">
-                <a:solidFill>
-                  <a:schemeClr val="tx1"/>
-                </a:solidFill>
-                <a:latin typeface="+mn-lt"/>
-                <a:ea typeface="+mn-ea"/>
-                <a:cs typeface="+mn-cs"/>
-              </a:defRPr>
-            </a:lvl2pPr>
-            <a:lvl3pPr marL="914400" indent="-246888" algn="l" rtl="0" eaLnBrk="1" latinLnBrk="0" hangingPunct="1">
-              <a:spcBef>
-                <a:spcPct val="20000"/>
-              </a:spcBef>
-              <a:buClrTx/>
-              <a:buSzPct val="70000"/>
-              <a:buFont typeface="Wingdings 2"/>
-              <a:buChar char=""/>
-              <a:defRPr kumimoji="0" sz="2400" kern="1200">
-                <a:solidFill>
-                  <a:schemeClr val="tx1"/>
-                </a:solidFill>
-                <a:latin typeface="+mn-lt"/>
-                <a:ea typeface="+mn-ea"/>
-                <a:cs typeface="+mn-cs"/>
-              </a:defRPr>
-            </a:lvl3pPr>
-            <a:lvl4pPr marL="1188720" indent="-210312" algn="l" rtl="0" eaLnBrk="1" latinLnBrk="0" hangingPunct="1">
-              <a:spcBef>
-                <a:spcPct val="20000"/>
-              </a:spcBef>
-              <a:buClrTx/>
-              <a:buSzPct val="65000"/>
-              <a:buFont typeface="Wingdings 2"/>
-              <a:buChar char=""/>
-              <a:defRPr kumimoji="0" sz="2000" kern="1200">
-                <a:solidFill>
-                  <a:schemeClr val="tx1"/>
-                </a:solidFill>
-                <a:latin typeface="+mn-lt"/>
-                <a:ea typeface="+mn-ea"/>
-                <a:cs typeface="+mn-cs"/>
-              </a:defRPr>
-            </a:lvl4pPr>
-            <a:lvl5pPr marL="1463040" indent="-210312" algn="l" rtl="0" eaLnBrk="1" latinLnBrk="0" hangingPunct="1">
-              <a:spcBef>
-                <a:spcPct val="20000"/>
-              </a:spcBef>
-              <a:buClrTx/>
-              <a:buSzPct val="65000"/>
-              <a:buFont typeface="Wingdings 2"/>
-              <a:buChar char=""/>
-              <a:defRPr kumimoji="0" sz="1800" kern="1200">
-                <a:solidFill>
-                  <a:schemeClr val="tx1"/>
-                </a:solidFill>
-                <a:latin typeface="+mn-lt"/>
-                <a:ea typeface="+mn-ea"/>
-                <a:cs typeface="+mn-cs"/>
-              </a:defRPr>
-            </a:lvl5pPr>
-            <a:lvl6pPr marL="1737360" indent="-210312" algn="l" rtl="0" eaLnBrk="1" latinLnBrk="0" hangingPunct="1">
-              <a:spcBef>
-                <a:spcPct val="20000"/>
-              </a:spcBef>
-              <a:buClr>
-                <a:schemeClr val="accent5"/>
-              </a:buClr>
-              <a:buSzPct val="80000"/>
-              <a:buFont typeface="Wingdings 2"/>
-              <a:buChar char=""/>
-              <a:defRPr kumimoji="0" sz="1800" kern="1200">
-                <a:solidFill>
-                  <a:schemeClr val="tx1"/>
-                </a:solidFill>
-                <a:latin typeface="+mn-lt"/>
-                <a:ea typeface="+mn-ea"/>
-                <a:cs typeface="+mn-cs"/>
-              </a:defRPr>
-            </a:lvl6pPr>
-            <a:lvl7pPr marL="1920240" indent="-182880" algn="l" rtl="0" eaLnBrk="1" latinLnBrk="0" hangingPunct="1">
-              <a:spcBef>
-                <a:spcPct val="20000"/>
-              </a:spcBef>
-              <a:buClr>
-                <a:schemeClr val="accent6"/>
-              </a:buClr>
-              <a:buSzPct val="80000"/>
-              <a:buFont typeface="Wingdings 2"/>
-              <a:buChar char=""/>
-              <a:defRPr kumimoji="0" sz="1600" kern="1200" baseline="0">
-                <a:solidFill>
-                  <a:schemeClr val="tx1"/>
-                </a:solidFill>
-                <a:latin typeface="+mn-lt"/>
-                <a:ea typeface="+mn-ea"/>
-                <a:cs typeface="+mn-cs"/>
-              </a:defRPr>
-            </a:lvl7pPr>
-            <a:lvl8pPr marL="2194560" indent="-182880" algn="l" rtl="0" eaLnBrk="1" latinLnBrk="0" hangingPunct="1">
-              <a:spcBef>
-                <a:spcPct val="20000"/>
-              </a:spcBef>
-              <a:buClr>
-                <a:schemeClr val="tx2"/>
-              </a:buClr>
-              <a:buChar char="•"/>
-              <a:defRPr kumimoji="0" sz="1600" kern="1200">
-                <a:solidFill>
-                  <a:schemeClr val="tx1"/>
-                </a:solidFill>
-                <a:latin typeface="+mn-lt"/>
-                <a:ea typeface="+mn-ea"/>
-                <a:cs typeface="+mn-cs"/>
-              </a:defRPr>
-            </a:lvl8pPr>
-            <a:lvl9pPr marL="2468880" indent="-182880" algn="l" rtl="0" eaLnBrk="1" latinLnBrk="0" hangingPunct="1">
-              <a:spcBef>
-                <a:spcPct val="20000"/>
-              </a:spcBef>
-              <a:buClr>
-                <a:schemeClr val="tx2"/>
-              </a:buClr>
-              <a:buFontTx/>
-              <a:buChar char="•"/>
-              <a:defRPr kumimoji="0" sz="1400" kern="1200" baseline="0">
-                <a:solidFill>
-                  <a:schemeClr val="tx1"/>
-                </a:solidFill>
-                <a:latin typeface="+mn-lt"/>
-                <a:ea typeface="+mn-ea"/>
-                <a:cs typeface="+mn-cs"/>
-              </a:defRPr>
-            </a:lvl9pPr>
-          </a:lstStyle>
-          <a:p>
-            <a:pPr marL="0" indent="0">
-              <a:buNone/>
-            </a:pPr>
-            <a:r>
-              <a:rPr lang="it-IT" b="1" dirty="0" smtClean="0"/>
-              <a:t>TERZA VERSIONE</a:t>
-            </a:r>
-          </a:p>
-          <a:p>
-            <a:pPr marL="0" indent="0">
-              <a:buNone/>
-            </a:pPr>
-            <a:r>
-              <a:rPr lang="it-IT" sz="2600" b="1" i="1" dirty="0" smtClean="0"/>
-              <a:t>definitiva</a:t>
-            </a:r>
-          </a:p>
-          <a:p>
-            <a:pPr marL="0" indent="0">
-              <a:buNone/>
-            </a:pPr>
-            <a:r>
-              <a:rPr lang="it-IT" sz="1000" b="1" dirty="0" smtClean="0"/>
-              <a:t> </a:t>
-            </a:r>
-            <a:endParaRPr lang="it-IT" dirty="0" smtClean="0"/>
-          </a:p>
-          <a:p>
-            <a:pPr marL="0" indent="0">
-              <a:buNone/>
-            </a:pPr>
-            <a:r>
-              <a:rPr lang="it-IT" sz="500" dirty="0" smtClean="0"/>
-              <a:t> </a:t>
-            </a:r>
-          </a:p>
-          <a:p>
-            <a:pPr marL="0" indent="0">
-              <a:buNone/>
-            </a:pPr>
-            <a:endParaRPr lang="it-IT" sz="2600" dirty="0"/>
-          </a:p>
-        </p:txBody>
-      </p:sp>
-      <p:sp>
-        <p:nvSpPr>
-          <p:cNvPr id="12" name="Rettangolo arrotondato 11"/>
-          <p:cNvSpPr/>
-          <p:nvPr/>
-        </p:nvSpPr>
-        <p:spPr>
-          <a:xfrm>
-            <a:off x="4644008" y="3717032"/>
-            <a:ext cx="3744416" cy="720080"/>
-          </a:xfrm>
-          <a:prstGeom prst="roundRect">
-            <a:avLst/>
-          </a:prstGeom>
-          <a:noFill/>
-          <a:effectLst>
-            <a:glow rad="63500">
-              <a:schemeClr val="accent1">
-                <a:satMod val="175000"/>
-                <a:alpha val="40000"/>
-              </a:schemeClr>
-            </a:glow>
-            <a:outerShdw blurRad="57150" dist="38100" dir="5400000" algn="ctr" rotWithShape="0">
-              <a:schemeClr val="accent2">
-                <a:shade val="9000"/>
-                <a:alpha val="48000"/>
-                <a:satMod val="105000"/>
-              </a:schemeClr>
-            </a:outerShdw>
-          </a:effectLst>
-        </p:spPr>
-        <p:style>
-          <a:lnRef idx="1">
-            <a:schemeClr val="accent2"/>
-          </a:lnRef>
-          <a:fillRef idx="2">
-            <a:schemeClr val="accent2"/>
-          </a:fillRef>
-          <a:effectRef idx="1">
-            <a:schemeClr val="accent2"/>
-          </a:effectRef>
-          <a:fontRef idx="minor">
-            <a:schemeClr val="dk1"/>
-          </a:fontRef>
-        </p:style>
-        <p:txBody>
-          <a:bodyPr rtlCol="0" anchor="ctr"/>
-          <a:lstStyle/>
-          <a:p>
-            <a:pPr algn="ctr"/>
-            <a:endParaRPr lang="it-IT"/>
-          </a:p>
-        </p:txBody>
-      </p:sp>
-      <p:sp>
-        <p:nvSpPr>
-          <p:cNvPr id="13" name="Content Placeholder 3"/>
-          <p:cNvSpPr txBox="1">
-            <a:spLocks/>
-          </p:cNvSpPr>
-          <p:nvPr/>
-        </p:nvSpPr>
-        <p:spPr>
-          <a:xfrm>
-            <a:off x="179512" y="2060848"/>
-            <a:ext cx="3528392" cy="4248472"/>
-          </a:xfrm>
-          <a:prstGeom prst="rect">
-            <a:avLst/>
-          </a:prstGeom>
-        </p:spPr>
-        <p:txBody>
-          <a:bodyPr tIns="0"/>
-          <a:lstStyle>
-            <a:lvl1pPr marL="274320" indent="-274320" algn="l" rtl="0" eaLnBrk="1" latinLnBrk="0" hangingPunct="1">
-              <a:spcBef>
-                <a:spcPct val="20000"/>
-              </a:spcBef>
-              <a:buClrTx/>
-              <a:buSzPct val="95000"/>
-              <a:buFont typeface="Wingdings" pitchFamily="2" charset="2"/>
-              <a:buChar char="v"/>
-              <a:defRPr kumimoji="0" sz="2800" kern="1200">
-                <a:solidFill>
-                  <a:schemeClr val="tx1"/>
-                </a:solidFill>
-                <a:latin typeface="+mn-lt"/>
-                <a:ea typeface="+mn-ea"/>
-                <a:cs typeface="+mn-cs"/>
-              </a:defRPr>
-            </a:lvl1pPr>
-            <a:lvl2pPr marL="640080" indent="-246888" algn="l" rtl="0" eaLnBrk="1" latinLnBrk="0" hangingPunct="1">
-              <a:spcBef>
-                <a:spcPct val="20000"/>
-              </a:spcBef>
-              <a:buClrTx/>
-              <a:buSzPct val="85000"/>
-              <a:buFont typeface="Courier New" pitchFamily="49" charset="0"/>
-              <a:buChar char="o"/>
-              <a:defRPr kumimoji="0" sz="2600" kern="1200">
-                <a:solidFill>
-                  <a:schemeClr val="tx1"/>
-                </a:solidFill>
-                <a:latin typeface="+mn-lt"/>
-                <a:ea typeface="+mn-ea"/>
-                <a:cs typeface="+mn-cs"/>
-              </a:defRPr>
-            </a:lvl2pPr>
-            <a:lvl3pPr marL="914400" indent="-246888" algn="l" rtl="0" eaLnBrk="1" latinLnBrk="0" hangingPunct="1">
-              <a:spcBef>
-                <a:spcPct val="20000"/>
-              </a:spcBef>
-              <a:buClrTx/>
-              <a:buSzPct val="70000"/>
-              <a:buFont typeface="Wingdings 2"/>
-              <a:buChar char=""/>
-              <a:defRPr kumimoji="0" sz="2400" kern="1200">
-                <a:solidFill>
-                  <a:schemeClr val="tx1"/>
-                </a:solidFill>
-                <a:latin typeface="+mn-lt"/>
-                <a:ea typeface="+mn-ea"/>
-                <a:cs typeface="+mn-cs"/>
-              </a:defRPr>
-            </a:lvl3pPr>
-            <a:lvl4pPr marL="1188720" indent="-210312" algn="l" rtl="0" eaLnBrk="1" latinLnBrk="0" hangingPunct="1">
-              <a:spcBef>
-                <a:spcPct val="20000"/>
-              </a:spcBef>
-              <a:buClrTx/>
-              <a:buSzPct val="65000"/>
-              <a:buFont typeface="Wingdings 2"/>
-              <a:buChar char=""/>
-              <a:defRPr kumimoji="0" sz="2000" kern="1200">
-                <a:solidFill>
-                  <a:schemeClr val="tx1"/>
-                </a:solidFill>
-                <a:latin typeface="+mn-lt"/>
-                <a:ea typeface="+mn-ea"/>
-                <a:cs typeface="+mn-cs"/>
-              </a:defRPr>
-            </a:lvl4pPr>
-            <a:lvl5pPr marL="1463040" indent="-210312" algn="l" rtl="0" eaLnBrk="1" latinLnBrk="0" hangingPunct="1">
-              <a:spcBef>
-                <a:spcPct val="20000"/>
-              </a:spcBef>
-              <a:buClrTx/>
-              <a:buSzPct val="65000"/>
-              <a:buFont typeface="Wingdings 2"/>
-              <a:buChar char=""/>
-              <a:defRPr kumimoji="0" sz="1800" kern="1200">
-                <a:solidFill>
-                  <a:schemeClr val="tx1"/>
-                </a:solidFill>
-                <a:latin typeface="+mn-lt"/>
-                <a:ea typeface="+mn-ea"/>
-                <a:cs typeface="+mn-cs"/>
-              </a:defRPr>
-            </a:lvl5pPr>
-            <a:lvl6pPr marL="1737360" indent="-210312" algn="l" rtl="0" eaLnBrk="1" latinLnBrk="0" hangingPunct="1">
-              <a:spcBef>
-                <a:spcPct val="20000"/>
-              </a:spcBef>
-              <a:buClr>
-                <a:schemeClr val="accent5"/>
-              </a:buClr>
-              <a:buSzPct val="80000"/>
-              <a:buFont typeface="Wingdings 2"/>
-              <a:buChar char=""/>
-              <a:defRPr kumimoji="0" sz="1800" kern="1200">
-                <a:solidFill>
-                  <a:schemeClr val="tx1"/>
-                </a:solidFill>
-                <a:latin typeface="+mn-lt"/>
-                <a:ea typeface="+mn-ea"/>
-                <a:cs typeface="+mn-cs"/>
-              </a:defRPr>
-            </a:lvl6pPr>
-            <a:lvl7pPr marL="1920240" indent="-182880" algn="l" rtl="0" eaLnBrk="1" latinLnBrk="0" hangingPunct="1">
-              <a:spcBef>
-                <a:spcPct val="20000"/>
-              </a:spcBef>
-              <a:buClr>
-                <a:schemeClr val="accent6"/>
-              </a:buClr>
-              <a:buSzPct val="80000"/>
-              <a:buFont typeface="Wingdings 2"/>
-              <a:buChar char=""/>
-              <a:defRPr kumimoji="0" sz="1600" kern="1200" baseline="0">
-                <a:solidFill>
-                  <a:schemeClr val="tx1"/>
-                </a:solidFill>
-                <a:latin typeface="+mn-lt"/>
-                <a:ea typeface="+mn-ea"/>
-                <a:cs typeface="+mn-cs"/>
-              </a:defRPr>
-            </a:lvl7pPr>
-            <a:lvl8pPr marL="2194560" indent="-182880" algn="l" rtl="0" eaLnBrk="1" latinLnBrk="0" hangingPunct="1">
-              <a:spcBef>
-                <a:spcPct val="20000"/>
-              </a:spcBef>
-              <a:buClr>
-                <a:schemeClr val="tx2"/>
-              </a:buClr>
-              <a:buChar char="•"/>
-              <a:defRPr kumimoji="0" sz="1600" kern="1200">
-                <a:solidFill>
-                  <a:schemeClr val="tx1"/>
-                </a:solidFill>
-                <a:latin typeface="+mn-lt"/>
-                <a:ea typeface="+mn-ea"/>
-                <a:cs typeface="+mn-cs"/>
-              </a:defRPr>
-            </a:lvl8pPr>
-            <a:lvl9pPr marL="2468880" indent="-182880" algn="l" rtl="0" eaLnBrk="1" latinLnBrk="0" hangingPunct="1">
-              <a:spcBef>
-                <a:spcPct val="20000"/>
-              </a:spcBef>
-              <a:buClr>
-                <a:schemeClr val="tx2"/>
-              </a:buClr>
-              <a:buFontTx/>
-              <a:buChar char="•"/>
-              <a:defRPr kumimoji="0" sz="1400" kern="1200" baseline="0">
-                <a:solidFill>
-                  <a:schemeClr val="tx1"/>
-                </a:solidFill>
-                <a:latin typeface="+mn-lt"/>
-                <a:ea typeface="+mn-ea"/>
-                <a:cs typeface="+mn-cs"/>
-              </a:defRPr>
-            </a:lvl9pPr>
-          </a:lstStyle>
-          <a:p>
-            <a:pPr marL="0" indent="0"/>
-            <a:r>
-              <a:rPr lang="it-IT" dirty="0" smtClean="0"/>
-              <a:t> Necessaria con l’aggiunta di nuovi requisiti funzionali</a:t>
-            </a:r>
-          </a:p>
-          <a:p>
-            <a:pPr marL="365760" lvl="1" indent="0"/>
-            <a:r>
-              <a:rPr lang="it-IT" dirty="0" smtClean="0"/>
-              <a:t> Rispetta l’euristica:</a:t>
-            </a:r>
-          </a:p>
-          <a:p>
-            <a:pPr marL="365760" lvl="1" indent="0">
-              <a:buNone/>
-            </a:pPr>
-            <a:r>
-              <a:rPr lang="it-IT" sz="2400" i="1" dirty="0" smtClean="0">
-                <a:solidFill>
-                  <a:schemeClr val="accent5"/>
-                </a:solidFill>
-              </a:rPr>
-              <a:t>“ gli sviluppatori possono trattare ad ogni livello di astrazione un numero di concetti pari a 7±2”</a:t>
-            </a:r>
-          </a:p>
-          <a:p>
-            <a:pPr marL="365760" lvl="1" indent="0">
-              <a:buNone/>
-            </a:pPr>
-            <a:r>
-              <a:rPr lang="it-IT" sz="2400" dirty="0" smtClean="0"/>
-              <a:t>	9 sottosistemi</a:t>
-            </a:r>
-            <a:endParaRPr lang="it-IT" sz="2400" i="1" dirty="0" smtClean="0">
-              <a:solidFill>
-                <a:schemeClr val="accent5"/>
-              </a:solidFill>
-            </a:endParaRPr>
-          </a:p>
-          <a:p>
-            <a:pPr marL="365760" lvl="1" indent="0">
-              <a:buNone/>
-            </a:pPr>
-            <a:endParaRPr lang="it-IT" sz="2400" i="1" dirty="0" smtClean="0">
-              <a:solidFill>
-                <a:schemeClr val="accent5"/>
-              </a:solidFill>
-            </a:endParaRPr>
-          </a:p>
-          <a:p>
-            <a:pPr marL="365760" lvl="1" indent="0"/>
-            <a:endParaRPr lang="it-IT" dirty="0" smtClean="0"/>
-          </a:p>
-          <a:p>
-            <a:pPr marL="0" indent="0">
-              <a:buNone/>
-            </a:pPr>
-            <a:r>
-              <a:rPr lang="it-IT" sz="500" dirty="0" smtClean="0"/>
-              <a:t> </a:t>
-            </a:r>
-          </a:p>
-          <a:p>
-            <a:pPr marL="0" indent="0">
-              <a:buNone/>
-            </a:pPr>
-            <a:endParaRPr lang="it-IT" sz="2600" dirty="0"/>
-          </a:p>
-        </p:txBody>
-      </p:sp>
-      <p:sp>
-        <p:nvSpPr>
-          <p:cNvPr id="14" name="Freccia a destra 13"/>
-          <p:cNvSpPr/>
-          <p:nvPr/>
-        </p:nvSpPr>
-        <p:spPr>
-          <a:xfrm>
-            <a:off x="683568" y="5805264"/>
-            <a:ext cx="432048" cy="288032"/>
-          </a:xfrm>
-          <a:prstGeom prst="rightArrow">
-            <a:avLst>
-              <a:gd name="adj1" fmla="val 57648"/>
-              <a:gd name="adj2" fmla="val 65299"/>
-            </a:avLst>
-          </a:prstGeom>
-        </p:spPr>
-        <p:style>
-          <a:lnRef idx="1">
-            <a:schemeClr val="accent2"/>
-          </a:lnRef>
-          <a:fillRef idx="3">
-            <a:schemeClr val="accent2"/>
-          </a:fillRef>
-          <a:effectRef idx="2">
-            <a:schemeClr val="accent2"/>
-          </a:effectRef>
-          <a:fontRef idx="minor">
-            <a:schemeClr val="lt1"/>
-          </a:fontRef>
-        </p:style>
-        <p:txBody>
-          <a:bodyPr rtlCol="0" anchor="ctr"/>
-          <a:lstStyle/>
-          <a:p>
-            <a:pPr algn="ctr"/>
-            <a:endParaRPr lang="it-IT"/>
-          </a:p>
-        </p:txBody>
-      </p:sp>
-    </p:spTree>
-    <p:extLst>
-      <p:ext uri="{BB962C8B-B14F-4D97-AF65-F5344CB8AC3E}">
-        <p14:creationId xmlns="" xmlns:p14="http://schemas.microsoft.com/office/powerpoint/2010/main" val="155874689"/>
-      </p:ext>
-    </p:extLst>
-  </p:cSld>
-  <p:clrMapOvr>
-    <a:masterClrMapping/>
-  </p:clrMapOvr>
-  <mc:AlternateContent xmlns:mc="http://schemas.openxmlformats.org/markup-compatibility/2006">
-    <mc:Choice xmlns="" xmlns:p14="http://schemas.microsoft.com/office/powerpoint/2010/main" Requires="p14">
-      <p:transition spd="slow" p14:dur="2000"/>
-    </mc:Choice>
-    <mc:Fallback>
-      <p:transition spd="slow"/>
-    </mc:Fallback>
-  </mc:AlternateContent>
-  <p:timing>
-    <p:tnLst>
-      <p:par>
-        <p:cTn id="1" dur="indefinite" restart="never" nodeType="tmRoot">
-          <p:childTnLst>
-            <p:seq concurrent="1" nextAc="seek">
-              <p:cTn id="2" dur="indefinite" nodeType="mainSeq">
-                <p:childTnLst>
-                  <p:par>
-                    <p:cTn id="3" fill="hold">
-                      <p:stCondLst>
-                        <p:cond delay="indefinite"/>
-                      </p:stCondLst>
-                      <p:childTnLst>
-                        <p:par>
-                          <p:cTn id="4" fill="hold">
-                            <p:stCondLst>
-                              <p:cond delay="0"/>
-                            </p:stCondLst>
-                            <p:childTnLst>
-                              <p:par>
-                                <p:cTn id="5" presetID="1" presetClass="entr" presetSubtype="0" fill="hold" grpId="0" nodeType="clickEffect">
-                                  <p:stCondLst>
-                                    <p:cond delay="0"/>
-                                  </p:stCondLst>
-                                  <p:childTnLst>
-                                    <p:set>
-                                      <p:cBhvr>
-                                        <p:cTn id="6" dur="1" fill="hold">
-                                          <p:stCondLst>
-                                            <p:cond delay="0"/>
-                                          </p:stCondLst>
-                                        </p:cTn>
-                                        <p:tgtEl>
-                                          <p:spTgt spid="13"/>
-                                        </p:tgtEl>
-                                        <p:attrNameLst>
-                                          <p:attrName>style.visibility</p:attrName>
-                                        </p:attrNameLst>
-                                      </p:cBhvr>
-                                      <p:to>
-                                        <p:strVal val="visible"/>
-                                      </p:to>
-                                    </p:set>
-                                  </p:childTnLst>
-                                </p:cTn>
-                              </p:par>
-                              <p:par>
-                                <p:cTn id="7" presetID="10" presetClass="entr" presetSubtype="0" fill="hold" nodeType="withEffect">
-                                  <p:stCondLst>
-                                    <p:cond delay="0"/>
-                                  </p:stCondLst>
-                                  <p:childTnLst>
-                                    <p:set>
-                                      <p:cBhvr>
-                                        <p:cTn id="8" dur="1" fill="hold">
-                                          <p:stCondLst>
-                                            <p:cond delay="0"/>
-                                          </p:stCondLst>
-                                        </p:cTn>
-                                        <p:tgtEl>
-                                          <p:spTgt spid="1026"/>
-                                        </p:tgtEl>
-                                        <p:attrNameLst>
-                                          <p:attrName>style.visibility</p:attrName>
-                                        </p:attrNameLst>
-                                      </p:cBhvr>
-                                      <p:to>
-                                        <p:strVal val="visible"/>
-                                      </p:to>
-                                    </p:set>
-                                    <p:animEffect transition="in" filter="fade">
-                                      <p:cBhvr>
-                                        <p:cTn id="9" dur="1000"/>
-                                        <p:tgtEl>
-                                          <p:spTgt spid="1026"/>
-                                        </p:tgtEl>
-                                      </p:cBhvr>
-                                    </p:animEffect>
-                                  </p:childTnLst>
-                                </p:cTn>
-                              </p:par>
-                            </p:childTnLst>
-                          </p:cTn>
-                        </p:par>
-                      </p:childTnLst>
-                    </p:cTn>
-                  </p:par>
-                  <p:par>
-                    <p:cTn id="10" fill="hold">
-                      <p:stCondLst>
-                        <p:cond delay="indefinite"/>
-                      </p:stCondLst>
-                      <p:childTnLst>
-                        <p:par>
-                          <p:cTn id="11" fill="hold">
-                            <p:stCondLst>
-                              <p:cond delay="0"/>
-                            </p:stCondLst>
-                            <p:childTnLst>
-                              <p:par>
-                                <p:cTn id="12" presetID="20" presetClass="entr" presetSubtype="0" fill="hold" grpId="0" nodeType="clickEffect">
-                                  <p:stCondLst>
-                                    <p:cond delay="0"/>
-                                  </p:stCondLst>
-                                  <p:childTnLst>
-                                    <p:set>
-                                      <p:cBhvr>
-                                        <p:cTn id="13" dur="1" fill="hold">
-                                          <p:stCondLst>
-                                            <p:cond delay="0"/>
-                                          </p:stCondLst>
-                                        </p:cTn>
-                                        <p:tgtEl>
-                                          <p:spTgt spid="12"/>
-                                        </p:tgtEl>
-                                        <p:attrNameLst>
-                                          <p:attrName>style.visibility</p:attrName>
-                                        </p:attrNameLst>
-                                      </p:cBhvr>
-                                      <p:to>
-                                        <p:strVal val="visible"/>
-                                      </p:to>
-                                    </p:set>
-                                    <p:animEffect transition="in" filter="wedge">
-                                      <p:cBhvr>
-                                        <p:cTn id="14" dur="2000"/>
-                                        <p:tgtEl>
-                                          <p:spTgt spid="12"/>
-                                        </p:tgtEl>
-                                      </p:cBhvr>
-                                    </p:animEffect>
-                                  </p:childTnLst>
-                                </p:cTn>
-                              </p:par>
-                            </p:childTnLst>
-                          </p:cTn>
-                        </p:par>
-                      </p:childTnLst>
-                    </p:cTn>
-                  </p:par>
-                </p:childTnLst>
-              </p:cTn>
-              <p:prevCondLst>
-                <p:cond evt="onPrev" delay="0">
-                  <p:tgtEl>
-                    <p:sldTgt/>
-                  </p:tgtEl>
-                </p:cond>
-              </p:prevCondLst>
-              <p:nextCondLst>
-                <p:cond evt="onNext" delay="0">
-                  <p:tgtEl>
-                    <p:sldTgt/>
-                  </p:tgtEl>
-                </p:cond>
-              </p:nextCondLst>
-            </p:seq>
-          </p:childTnLst>
-        </p:cTn>
-      </p:par>
-    </p:tnLst>
-    <p:bldLst>
-      <p:bldP spid="12" grpId="0" animBg="1"/>
-      <p:bldP spid="13" grpId="0"/>
     </p:bldLst>
   </p:timing>
 </p:sld>

--- a/trunk/Presentazione/Atsilo2/Ferrara/Ferrara_M_PresentazioneFinale.pptx
+++ b/trunk/Presentazione/Atsilo2/Ferrara/Ferrara_M_PresentazioneFinale.pptx
@@ -5,10 +5,10 @@
     <p:sldMasterId id="2147483684" r:id="rId1"/>
   </p:sldMasterIdLst>
   <p:notesMasterIdLst>
-    <p:notesMasterId r:id="rId20"/>
+    <p:notesMasterId r:id="rId22"/>
   </p:notesMasterIdLst>
   <p:handoutMasterIdLst>
-    <p:handoutMasterId r:id="rId21"/>
+    <p:handoutMasterId r:id="rId23"/>
   </p:handoutMasterIdLst>
   <p:sldIdLst>
     <p:sldId id="256" r:id="rId2"/>
@@ -27,8 +27,10 @@
     <p:sldId id="269" r:id="rId15"/>
     <p:sldId id="273" r:id="rId16"/>
     <p:sldId id="270" r:id="rId17"/>
-    <p:sldId id="274" r:id="rId18"/>
-    <p:sldId id="275" r:id="rId19"/>
+    <p:sldId id="275" r:id="rId18"/>
+    <p:sldId id="274" r:id="rId19"/>
+    <p:sldId id="277" r:id="rId20"/>
+    <p:sldId id="276" r:id="rId21"/>
   </p:sldIdLst>
   <p:sldSz cx="9144000" cy="6858000" type="screen4x3"/>
   <p:notesSz cx="6858000" cy="9144000"/>
@@ -133,46 +135,8 @@
 <file path=ppt/commentAuthors.xml><?xml version="1.0" encoding="utf-8"?>
 <p:cmAuthorLst xmlns:a="http://schemas.openxmlformats.org/drawingml/2006/main" xmlns:r="http://schemas.openxmlformats.org/officeDocument/2006/relationships" xmlns:p="http://schemas.openxmlformats.org/presentationml/2006/main">
   <p:cmAuthor id="0" name="Giulio" initials="GF" lastIdx="4" clrIdx="0"/>
+  <p:cmAuthor id="1" name="festaG" initials="f" lastIdx="1" clrIdx="1"/>
 </p:cmAuthorLst>
-</file>
-
-<file path=ppt/comments/comment1.xml><?xml version="1.0" encoding="utf-8"?>
-<p:cmLst xmlns:a="http://schemas.openxmlformats.org/drawingml/2006/main" xmlns:r="http://schemas.openxmlformats.org/officeDocument/2006/relationships" xmlns:p="http://schemas.openxmlformats.org/presentationml/2006/main">
-  <p:cm authorId="0" dt="2012-12-30T14:02:43.578" idx="1">
-    <p:pos x="10" y="10"/>
-    <p:text>Io partirei subito coi disegni. Li puoi affiancare al testo, come già hai fatto nella slide 3.
-E' vero che mettere il disegno rende poi il testo meno leggibile, però un disegno ben fatto riesce a dare subito l'idea di ciò che il testo spiega.</p:text>
-  </p:cm>
-</p:cmLst>
-</file>
-
-<file path=ppt/comments/comment2.xml><?xml version="1.0" encoding="utf-8"?>
-<p:cmLst xmlns:a="http://schemas.openxmlformats.org/drawingml/2006/main" xmlns:r="http://schemas.openxmlformats.org/officeDocument/2006/relationships" xmlns:p="http://schemas.openxmlformats.org/presentationml/2006/main">
-  <p:cm authorId="0" dt="2012-12-30T14:06:06.480" idx="2">
-    <p:pos x="10" y="19"/>
-    <p:text>Eppeffortuna che l'hai fatta di fretta col sonno.. :3
-L'unica cosa è che dovresti cercare di usare la stessa grafica su tutte le slide. Qui hai usato un contorno stondato, con ombra azzurra, mentre prima hai colorato i bordi dei sottosistemi di blu. Prima ancora, invece, hai usato una linea blu prussia spessa.</p:text>
-  </p:cm>
-</p:cmLst>
-</file>
-
-<file path=ppt/comments/comment3.xml><?xml version="1.0" encoding="utf-8"?>
-<p:cmLst xmlns:a="http://schemas.openxmlformats.org/drawingml/2006/main" xmlns:r="http://schemas.openxmlformats.org/officeDocument/2006/relationships" xmlns:p="http://schemas.openxmlformats.org/presentationml/2006/main">
-  <p:cm authorId="0" dt="2012-12-30T14:30:17.172" idx="3">
-    <p:pos x="5427" y="1249"/>
-    <p:text>Non so se è questa la def. che piace alla prof (il corso lo avete fatto voi, quindi lo sapete voi.
-Una definizione alternativa del testing è che lo scopo è di trovare difetti nel software.</p:text>
-  </p:cm>
-</p:cmLst>
-</file>
-
-<file path=ppt/comments/comment4.xml><?xml version="1.0" encoding="utf-8"?>
-<p:cmLst xmlns:a="http://schemas.openxmlformats.org/drawingml/2006/main" xmlns:r="http://schemas.openxmlformats.org/officeDocument/2006/relationships" xmlns:p="http://schemas.openxmlformats.org/presentationml/2006/main">
-  <p:cm authorId="0" dt="2012-12-30T14:31:33.442" idx="4">
-    <p:pos x="10" y="10"/>
-    <p:text>Qui si potrebbe mettere un esempio di incongruenza, però il rischio è cadere nello sputtanamento di Kids, che non so se alla prof va bene.</p:text>
-  </p:cm>
-</p:cmLst>
 </file>
 
 <file path=ppt/handoutMasters/handoutMaster1.xml><?xml version="1.0" encoding="utf-8"?>
@@ -258,7 +222,7 @@
             <a:fld id="{705C5A1B-A5E8-491F-B313-6FCE15D5E4D4}" type="datetimeFigureOut">
               <a:rPr lang="it-IT" smtClean="0"/>
               <a:pPr/>
-              <a:t>03/01/2013</a:t>
+              <a:t>04/01/2013</a:t>
             </a:fld>
             <a:endParaRPr lang="it-IT"/>
           </a:p>
@@ -421,7 +385,7 @@
             <a:fld id="{38D78F4D-402C-46E0-A4BB-DF91EA86B14C}" type="datetimeFigureOut">
               <a:rPr lang="it-IT" smtClean="0"/>
               <a:pPr/>
-              <a:t>03/01/2013</a:t>
+              <a:t>04/01/2013</a:t>
             </a:fld>
             <a:endParaRPr lang="it-IT"/>
           </a:p>
@@ -590,7 +554,7 @@
     </p:spTree>
     <p:extLst>
       <p:ext uri="{BB962C8B-B14F-4D97-AF65-F5344CB8AC3E}">
-        <p14:creationId xmlns:p14="http://schemas.microsoft.com/office/powerpoint/2010/main" xmlns="" val="2126419590"/>
+        <p14:creationId xmlns="" xmlns:p14="http://schemas.microsoft.com/office/powerpoint/2010/main" val="2126419590"/>
       </p:ext>
     </p:extLst>
   </p:cSld>
@@ -792,6 +756,124 @@
 </p:notes>
 </file>
 
+<file path=ppt/notesSlides/notesSlide10.xml><?xml version="1.0" encoding="utf-8"?>
+<p:notes xmlns:a="http://schemas.openxmlformats.org/drawingml/2006/main" xmlns:r="http://schemas.openxmlformats.org/officeDocument/2006/relationships" xmlns:p="http://schemas.openxmlformats.org/presentationml/2006/main">
+  <p:cSld>
+    <p:spTree>
+      <p:nvGrpSpPr>
+        <p:cNvPr id="1" name=""/>
+        <p:cNvGrpSpPr/>
+        <p:nvPr/>
+      </p:nvGrpSpPr>
+      <p:grpSpPr>
+        <a:xfrm>
+          <a:off x="0" y="0"/>
+          <a:ext cx="0" cy="0"/>
+          <a:chOff x="0" y="0"/>
+          <a:chExt cx="0" cy="0"/>
+        </a:xfrm>
+      </p:grpSpPr>
+      <p:sp>
+        <p:nvSpPr>
+          <p:cNvPr id="2" name="Segnaposto immagine diapositiva 1"/>
+          <p:cNvSpPr>
+            <a:spLocks noGrp="1" noRot="1" noChangeAspect="1"/>
+          </p:cNvSpPr>
+          <p:nvPr>
+            <p:ph type="sldImg"/>
+          </p:nvPr>
+        </p:nvSpPr>
+        <p:spPr/>
+      </p:sp>
+      <p:sp>
+        <p:nvSpPr>
+          <p:cNvPr id="3" name="Segnaposto note 2"/>
+          <p:cNvSpPr>
+            <a:spLocks noGrp="1"/>
+          </p:cNvSpPr>
+          <p:nvPr>
+            <p:ph type="body" idx="1"/>
+          </p:nvPr>
+        </p:nvSpPr>
+        <p:spPr/>
+        <p:txBody>
+          <a:bodyPr>
+            <a:normAutofit/>
+          </a:bodyPr>
+          <a:lstStyle/>
+          <a:p>
+            <a:pPr marL="0" marR="0" indent="0" algn="l" defTabSz="914400" rtl="0" eaLnBrk="1" fontAlgn="auto" latinLnBrk="0" hangingPunct="1">
+              <a:lnSpc>
+                <a:spcPct val="100000"/>
+              </a:lnSpc>
+              <a:spcBef>
+                <a:spcPts val="0"/>
+              </a:spcBef>
+              <a:spcAft>
+                <a:spcPts val="0"/>
+              </a:spcAft>
+              <a:buClrTx/>
+              <a:buSzTx/>
+              <a:buFontTx/>
+              <a:buChar char="-"/>
+              <a:tabLst/>
+              <a:defRPr/>
+            </a:pPr>
+            <a:endParaRPr lang="it-IT" dirty="0" smtClean="0"/>
+          </a:p>
+        </p:txBody>
+      </p:sp>
+      <p:sp>
+        <p:nvSpPr>
+          <p:cNvPr id="4" name="Segnaposto piè di pagina 3"/>
+          <p:cNvSpPr>
+            <a:spLocks noGrp="1"/>
+          </p:cNvSpPr>
+          <p:nvPr>
+            <p:ph type="ftr" sz="quarter" idx="10"/>
+          </p:nvPr>
+        </p:nvSpPr>
+        <p:spPr/>
+        <p:txBody>
+          <a:bodyPr/>
+          <a:lstStyle/>
+          <a:p>
+            <a:endParaRPr lang="it-IT"/>
+          </a:p>
+        </p:txBody>
+      </p:sp>
+      <p:sp>
+        <p:nvSpPr>
+          <p:cNvPr id="5" name="Segnaposto numero diapositiva 4"/>
+          <p:cNvSpPr>
+            <a:spLocks noGrp="1"/>
+          </p:cNvSpPr>
+          <p:nvPr>
+            <p:ph type="sldNum" sz="quarter" idx="11"/>
+          </p:nvPr>
+        </p:nvSpPr>
+        <p:spPr/>
+        <p:txBody>
+          <a:bodyPr/>
+          <a:lstStyle/>
+          <a:p>
+            <a:fld id="{D70604CA-7593-4640-8FA1-5523937B8510}" type="slidenum">
+              <a:rPr lang="it-IT" smtClean="0"/>
+              <a:pPr/>
+              <a:t>19</a:t>
+            </a:fld>
+            <a:endParaRPr lang="it-IT"/>
+          </a:p>
+        </p:txBody>
+      </p:sp>
+    </p:spTree>
+  </p:cSld>
+  <p:clrMapOvr>
+    <a:masterClrMapping/>
+  </p:clrMapOvr>
+</p:notes>
+</file>
+
 <file path=ppt/notesSlides/notesSlide2.xml><?xml version="1.0" encoding="utf-8"?>
 <p:notes xmlns:a="http://schemas.openxmlformats.org/drawingml/2006/main" xmlns:r="http://schemas.openxmlformats.org/officeDocument/2006/relationships" xmlns:p="http://schemas.openxmlformats.org/presentationml/2006/main">
   <p:cSld>
@@ -1522,6 +1604,49 @@
             </a:r>
           </a:p>
           <a:p>
+            <a:pPr marL="0" marR="0" indent="0" algn="l" defTabSz="914400" rtl="0" eaLnBrk="1" fontAlgn="auto" latinLnBrk="0" hangingPunct="1">
+              <a:lnSpc>
+                <a:spcPct val="100000"/>
+              </a:lnSpc>
+              <a:spcBef>
+                <a:spcPts val="0"/>
+              </a:spcBef>
+              <a:spcAft>
+                <a:spcPts val="0"/>
+              </a:spcAft>
+              <a:buClrTx/>
+              <a:buSzTx/>
+              <a:buFontTx/>
+              <a:buNone/>
+              <a:tabLst/>
+              <a:defRPr/>
+            </a:pPr>
+            <a:r>
+              <a:rPr lang="it-IT" sz="1200" dirty="0" smtClean="0"/>
+              <a:t>Eseguito con il criterio di copertura debole(WECT): un input non valido per volta, tutti gli altri input corretti.</a:t>
+            </a:r>
+          </a:p>
+          <a:p>
+            <a:pPr marL="0" marR="0" indent="0" algn="l" defTabSz="914400" rtl="0" eaLnBrk="1" fontAlgn="auto" latinLnBrk="0" hangingPunct="1">
+              <a:lnSpc>
+                <a:spcPct val="100000"/>
+              </a:lnSpc>
+              <a:spcBef>
+                <a:spcPts val="0"/>
+              </a:spcBef>
+              <a:spcAft>
+                <a:spcPts val="0"/>
+              </a:spcAft>
+              <a:buClrTx/>
+              <a:buSzTx/>
+              <a:buFontTx/>
+              <a:buNone/>
+              <a:tabLst/>
+              <a:defRPr/>
+            </a:pPr>
+            <a:endParaRPr lang="it-IT" dirty="0" smtClean="0"/>
+          </a:p>
+          <a:p>
             <a:r>
               <a:rPr lang="it-IT" sz="1200" b="1" dirty="0" smtClean="0"/>
               <a:t>SOLUTION</a:t>
@@ -1788,13 +1913,22 @@
           <a:p>
             <a:r>
               <a:rPr lang="it-IT" dirty="0" smtClean="0"/>
-              <a:t>- Abbiamo cercato</a:t>
+              <a:t>Difficoltà dovuta ad </a:t>
+            </a:r>
+          </a:p>
+          <a:p>
+            <a:r>
+              <a:rPr lang="it-IT" dirty="0" smtClean="0"/>
+              <a:t>- inesperienza (è</a:t>
             </a:r>
             <a:r>
               <a:rPr lang="it-IT" baseline="0" dirty="0" smtClean="0"/>
-              <a:t> di attenerci il più possibile al sistema di riferimento</a:t>
-            </a:r>
-            <a:endParaRPr lang="it-IT" dirty="0" smtClean="0"/>
+              <a:t> stata la prima esperienza progettuale per tutti noi)</a:t>
+            </a:r>
+            <a:r>
+              <a:rPr lang="it-IT" dirty="0" smtClean="0"/>
+              <a:t>, </a:t>
+            </a:r>
           </a:p>
           <a:p>
             <a:pPr>
@@ -1802,26 +1936,21 @@
               <a:buChar char="-"/>
             </a:pPr>
             <a:r>
+              <a:rPr lang="it-IT" dirty="0" err="1" smtClean="0"/>
+              <a:t>greenfield</a:t>
+            </a:r>
+            <a:r>
               <a:rPr lang="it-IT" dirty="0" smtClean="0"/>
-              <a:t>La divisione </a:t>
-            </a:r>
-            <a:r>
-              <a:rPr lang="it-IT" b="1" dirty="0" smtClean="0">
-                <a:solidFill>
-                  <a:schemeClr val="bg1"/>
-                </a:solidFill>
-              </a:rPr>
-              <a:t>orizzontale</a:t>
-            </a:r>
-            <a:r>
-              <a:rPr lang="it-IT" dirty="0" smtClean="0"/>
-              <a:t> delle responsabilità ha comportato una conoscenza quasi globale dei requisiti del sottosistema a tutti i team </a:t>
+              <a:t> </a:t>
             </a:r>
             <a:r>
               <a:rPr lang="it-IT" dirty="0" err="1" smtClean="0"/>
-              <a:t>members</a:t>
-            </a:r>
-            <a:endParaRPr lang="it-IT" dirty="0" smtClean="0"/>
+              <a:t>engeneering</a:t>
+            </a:r>
+            <a:r>
+              <a:rPr lang="it-IT" baseline="0" dirty="0" smtClean="0"/>
+              <a:t> (ambiente non noto e sistema realizzato completamente da capo), </a:t>
+            </a:r>
           </a:p>
           <a:p>
             <a:pPr>
@@ -1830,7 +1959,17 @@
             </a:pPr>
             <a:r>
               <a:rPr lang="it-IT" baseline="0" dirty="0" smtClean="0"/>
-              <a:t> Dopo diverse consultazioni con il committente, i requisiti sono cambiati</a:t>
+              <a:t>tempo a disposizione</a:t>
+            </a:r>
+          </a:p>
+          <a:p>
+            <a:pPr>
+              <a:buFontTx/>
+              <a:buChar char="-"/>
+            </a:pPr>
+            <a:r>
+              <a:rPr lang="it-IT" baseline="0" dirty="0" smtClean="0"/>
+              <a:t> comunicazione tra 3 sottoteam</a:t>
             </a:r>
             <a:endParaRPr lang="it-IT" dirty="0"/>
           </a:p>
@@ -1933,13 +2072,26 @@
           </a:bodyPr>
           <a:lstStyle/>
           <a:p>
-            <a:r>
-              <a:rPr lang="it-IT" dirty="0" smtClean="0"/>
-              <a:t>- Abbiamo cercato</a:t>
-            </a:r>
+            <a:pPr marL="0" marR="0" indent="0" algn="l" defTabSz="914400" rtl="0" eaLnBrk="1" fontAlgn="auto" latinLnBrk="0" hangingPunct="1">
+              <a:lnSpc>
+                <a:spcPct val="100000"/>
+              </a:lnSpc>
+              <a:spcBef>
+                <a:spcPts val="0"/>
+              </a:spcBef>
+              <a:spcAft>
+                <a:spcPts val="0"/>
+              </a:spcAft>
+              <a:buClrTx/>
+              <a:buSzTx/>
+              <a:buFontTx/>
+              <a:buChar char="-"/>
+              <a:tabLst/>
+              <a:defRPr/>
+            </a:pPr>
             <a:r>
               <a:rPr lang="it-IT" baseline="0" dirty="0" smtClean="0"/>
-              <a:t> di attenerci il più possibile al sistema di riferimento</a:t>
+              <a:t>Dopo diverse consultazioni con il committente, i requisiti sono cambiati, ma alla fine è stata realizzata una documentazione solida, flessibile. Per il team 2 le funzionalità dei tirocinanti, pagamenti e servizi rispettano questo requisito e sono quasi aderenti alle richieste del committente. La semplicità e  chiarezza sono i nostri punti di forza</a:t>
             </a:r>
             <a:endParaRPr lang="it-IT" dirty="0" smtClean="0"/>
           </a:p>
@@ -1950,23 +2102,15 @@
             </a:pPr>
             <a:r>
               <a:rPr lang="it-IT" dirty="0" smtClean="0"/>
-              <a:t>La divisione </a:t>
-            </a:r>
-            <a:r>
-              <a:rPr lang="it-IT" b="1" dirty="0" smtClean="0">
-                <a:solidFill>
-                  <a:schemeClr val="bg1"/>
-                </a:solidFill>
-              </a:rPr>
-              <a:t>orizzontale</a:t>
+              <a:t>- </a:t>
             </a:r>
             <a:r>
               <a:rPr lang="it-IT" dirty="0" smtClean="0"/>
-              <a:t> delle responsabilità ha comportato una conoscenza quasi globale dei requisiti del sottosistema a tutti i team </a:t>
-            </a:r>
-            <a:r>
-              <a:rPr lang="it-IT" dirty="0" err="1" smtClean="0"/>
-              <a:t>members</a:t>
+              <a:t>Abbiamo cercato</a:t>
+            </a:r>
+            <a:r>
+              <a:rPr lang="it-IT" baseline="0" dirty="0" smtClean="0"/>
+              <a:t> di attenerci il più possibile al sistema di riferimento</a:t>
             </a:r>
             <a:endParaRPr lang="it-IT" dirty="0" smtClean="0"/>
           </a:p>
@@ -1976,10 +2120,26 @@
               <a:buChar char="-"/>
             </a:pPr>
             <a:r>
-              <a:rPr lang="it-IT" baseline="0" dirty="0" smtClean="0"/>
-              <a:t> Dopo diverse consultazioni con il committente, i requisiti sono cambiati</a:t>
-            </a:r>
-            <a:endParaRPr lang="it-IT" dirty="0"/>
+              <a:rPr lang="it-IT" dirty="0" smtClean="0"/>
+              <a:t>La divisione </a:t>
+            </a:r>
+            <a:r>
+              <a:rPr lang="it-IT" b="1" dirty="0" smtClean="0">
+                <a:solidFill>
+                  <a:schemeClr val="bg1"/>
+                </a:solidFill>
+              </a:rPr>
+              <a:t>orizzontale</a:t>
+            </a:r>
+            <a:r>
+              <a:rPr lang="it-IT" dirty="0" smtClean="0"/>
+              <a:t> delle responsabilità ha comportato una conoscenza quasi globale dei requisiti del sottosistema a tutti i team </a:t>
+            </a:r>
+            <a:r>
+              <a:rPr lang="it-IT" dirty="0" err="1" smtClean="0"/>
+              <a:t>members</a:t>
+            </a:r>
+            <a:endParaRPr lang="it-IT" dirty="0" smtClean="0"/>
           </a:p>
         </p:txBody>
       </p:sp>
@@ -2200,7 +2360,7 @@
             <a:fld id="{A6D3D738-C1D5-4C0F-9A1E-7C088B866E87}" type="datetime1">
               <a:rPr lang="it-IT" smtClean="0"/>
               <a:pPr/>
-              <a:t>03/01/2013</a:t>
+              <a:t>04/01/2013</a:t>
             </a:fld>
             <a:endParaRPr lang="it-IT"/>
           </a:p>
@@ -2382,7 +2542,7 @@
             <a:fld id="{737DB4FF-C3C0-47CD-BD78-073B9292DD40}" type="datetime1">
               <a:rPr lang="it-IT" smtClean="0"/>
               <a:pPr/>
-              <a:t>03/01/2013</a:t>
+              <a:t>04/01/2013</a:t>
             </a:fld>
             <a:endParaRPr lang="it-IT"/>
           </a:p>
@@ -2574,7 +2734,7 @@
             <a:fld id="{018E5E1C-E53C-4471-AF39-77E4C2343FCF}" type="datetime1">
               <a:rPr lang="it-IT" smtClean="0"/>
               <a:pPr/>
-              <a:t>03/01/2013</a:t>
+              <a:t>04/01/2013</a:t>
             </a:fld>
             <a:endParaRPr lang="it-IT"/>
           </a:p>
@@ -2756,7 +2916,7 @@
             <a:fld id="{E4B12AED-89CE-44D5-BB78-0BFCBDE11F8F}" type="datetime1">
               <a:rPr lang="it-IT" smtClean="0"/>
               <a:pPr/>
-              <a:t>03/01/2013</a:t>
+              <a:t>04/01/2013</a:t>
             </a:fld>
             <a:endParaRPr lang="it-IT"/>
           </a:p>
@@ -2999,7 +3159,7 @@
             <a:fld id="{3A9BAFD7-DBC1-4A2E-8498-937F2559B7E3}" type="datetime1">
               <a:rPr lang="it-IT" smtClean="0"/>
               <a:pPr/>
-              <a:t>03/01/2013</a:t>
+              <a:t>04/01/2013</a:t>
             </a:fld>
             <a:endParaRPr lang="it-IT"/>
           </a:p>
@@ -3280,7 +3440,7 @@
             <a:fld id="{22E3FB7D-D67F-45CF-A7F9-A6D9C6F34263}" type="datetime1">
               <a:rPr lang="it-IT" smtClean="0"/>
               <a:pPr/>
-              <a:t>03/01/2013</a:t>
+              <a:t>04/01/2013</a:t>
             </a:fld>
             <a:endParaRPr lang="it-IT"/>
           </a:p>
@@ -3671,7 +3831,7 @@
             <a:fld id="{C39ACEBC-8580-402B-9961-B0FD7CB6CFD7}" type="datetime1">
               <a:rPr lang="it-IT" smtClean="0"/>
               <a:pPr/>
-              <a:t>03/01/2013</a:t>
+              <a:t>04/01/2013</a:t>
             </a:fld>
             <a:endParaRPr lang="it-IT"/>
           </a:p>
@@ -3830,7 +3990,7 @@
             <a:fld id="{04D15FB3-320C-4134-9144-CB9F176A4427}" type="datetime1">
               <a:rPr lang="it-IT" smtClean="0"/>
               <a:pPr/>
-              <a:t>03/01/2013</a:t>
+              <a:t>04/01/2013</a:t>
             </a:fld>
             <a:endParaRPr lang="it-IT"/>
           </a:p>
@@ -3929,7 +4089,7 @@
             <a:fld id="{A36B5FEA-3DB0-414B-9C43-87C22C3AB054}" type="datetime1">
               <a:rPr lang="it-IT" smtClean="0"/>
               <a:pPr/>
-              <a:t>03/01/2013</a:t>
+              <a:t>04/01/2013</a:t>
             </a:fld>
             <a:endParaRPr lang="it-IT"/>
           </a:p>
@@ -4199,7 +4359,7 @@
             <a:fld id="{B1D24467-4081-4EEA-B0D2-2988DF533D77}" type="datetime1">
               <a:rPr lang="it-IT" smtClean="0"/>
               <a:pPr/>
-              <a:t>03/01/2013</a:t>
+              <a:t>04/01/2013</a:t>
             </a:fld>
             <a:endParaRPr lang="it-IT"/>
           </a:p>
@@ -4496,7 +4656,7 @@
             <a:fld id="{E7AA30AB-FA2C-4338-B654-D49B9CF4B4FD}" type="datetime1">
               <a:rPr lang="it-IT" smtClean="0"/>
               <a:pPr/>
-              <a:t>03/01/2013</a:t>
+              <a:t>04/01/2013</a:t>
             </a:fld>
             <a:endParaRPr lang="it-IT"/>
           </a:p>
@@ -5276,7 +5436,7 @@
             <a:fld id="{E0F1FD18-C973-4BFE-9DC8-614B050EAE48}" type="datetime1">
               <a:rPr lang="it-IT" smtClean="0"/>
               <a:pPr/>
-              <a:t>03/01/2013</a:t>
+              <a:t>04/01/2013</a:t>
             </a:fld>
             <a:endParaRPr lang="it-IT"/>
           </a:p>
@@ -5960,7 +6120,7 @@
           <p:nvPr>
             <p:extLst>
               <p:ext uri="{D42A27DB-BD31-4B8C-83A1-F6EECF244321}">
-                <p14:modId xmlns:p14="http://schemas.microsoft.com/office/powerpoint/2010/main" xmlns="" val="3478576524"/>
+                <p14:modId xmlns="" xmlns:p14="http://schemas.microsoft.com/office/powerpoint/2010/main" val="3478576524"/>
               </p:ext>
             </p:extLst>
           </p:nvPr>
@@ -6078,7 +6238,7 @@
           <p:nvPr>
             <p:extLst>
               <p:ext uri="{D42A27DB-BD31-4B8C-83A1-F6EECF244321}">
-                <p14:modId xmlns:p14="http://schemas.microsoft.com/office/powerpoint/2010/main" xmlns="" val="3696521689"/>
+                <p14:modId xmlns="" xmlns:p14="http://schemas.microsoft.com/office/powerpoint/2010/main" val="3696521689"/>
               </p:ext>
             </p:extLst>
           </p:nvPr>
@@ -6168,7 +6328,7 @@
           <a:blip r:embed="rId3" cstate="print">
             <a:extLst>
               <a:ext uri="{28A0092B-C50C-407E-A947-70E740481C1C}">
-                <a14:useLocalDpi xmlns:a14="http://schemas.microsoft.com/office/drawing/2010/main" xmlns="" val="0"/>
+                <a14:useLocalDpi xmlns="" xmlns:a14="http://schemas.microsoft.com/office/drawing/2010/main" val="0"/>
               </a:ext>
             </a:extLst>
           </a:blip>
@@ -6188,7 +6348,7 @@
           <a:noFill/>
           <a:extLst>
             <a:ext uri="{909E8E84-426E-40DD-AFC4-6F175D3DCCD1}">
-              <a14:hiddenFill xmlns:a14="http://schemas.microsoft.com/office/drawing/2010/main" xmlns="">
+              <a14:hiddenFill xmlns="" xmlns:a14="http://schemas.microsoft.com/office/drawing/2010/main">
                 <a:solidFill>
                   <a:srgbClr val="FFFFFF"/>
                 </a:solidFill>
@@ -6224,7 +6384,7 @@
     </p:spTree>
     <p:extLst>
       <p:ext uri="{BB962C8B-B14F-4D97-AF65-F5344CB8AC3E}">
-        <p14:creationId xmlns:p14="http://schemas.microsoft.com/office/powerpoint/2010/main" xmlns="" val="4165334171"/>
+        <p14:creationId xmlns="" xmlns:p14="http://schemas.microsoft.com/office/powerpoint/2010/main" val="4165334171"/>
       </p:ext>
     </p:extLst>
   </p:cSld>
@@ -6739,11 +6899,7 @@
             <a:pPr marL="0" indent="0"/>
             <a:r>
               <a:rPr lang="it-IT" dirty="0" smtClean="0"/>
-              <a:t> Necessaria con l’aggiunta di nuovi requisiti </a:t>
-            </a:r>
-            <a:r>
-              <a:rPr lang="it-IT" dirty="0" smtClean="0"/>
-              <a:t>funzionali</a:t>
+              <a:t> Necessaria con l’aggiunta di nuovi requisiti funzionali</a:t>
             </a:r>
             <a:endParaRPr lang="it-IT" sz="2400" i="1" dirty="0" smtClean="0">
               <a:solidFill>
@@ -7244,11 +7400,7 @@
             <a:pPr marL="0" indent="0"/>
             <a:r>
               <a:rPr lang="it-IT" dirty="0" smtClean="0"/>
-              <a:t>Rispetta </a:t>
-            </a:r>
-            <a:r>
-              <a:rPr lang="it-IT" dirty="0" smtClean="0"/>
-              <a:t>l’euristica:</a:t>
+              <a:t>Rispetta l’euristica:</a:t>
             </a:r>
           </a:p>
           <a:p>
@@ -7300,7 +7452,7 @@
     </p:spTree>
     <p:extLst>
       <p:ext uri="{BB962C8B-B14F-4D97-AF65-F5344CB8AC3E}">
-        <p14:creationId xmlns:p14="http://schemas.microsoft.com/office/powerpoint/2010/main" xmlns="" val="155874689"/>
+        <p14:creationId xmlns="" xmlns:p14="http://schemas.microsoft.com/office/powerpoint/2010/main" val="155874689"/>
       </p:ext>
     </p:extLst>
   </p:cSld>
@@ -7308,7 +7460,7 @@
     <a:masterClrMapping/>
   </p:clrMapOvr>
   <mc:AlternateContent xmlns:mc="http://schemas.openxmlformats.org/markup-compatibility/2006">
-    <mc:Choice xmlns:p14="http://schemas.microsoft.com/office/powerpoint/2010/main" xmlns="" Requires="p14">
+    <mc:Choice xmlns="" xmlns:p14="http://schemas.microsoft.com/office/powerpoint/2010/main" Requires="p14">
       <p:transition spd="slow" p14:dur="2000"/>
     </mc:Choice>
     <mc:Fallback>
@@ -7551,33 +7703,15 @@
                                   </p:childTnLst>
                                 </p:cTn>
                               </p:par>
-                            </p:childTnLst>
-                          </p:cTn>
-                        </p:par>
-                      </p:childTnLst>
-                    </p:cTn>
-                  </p:par>
-                  <p:par>
-                    <p:cTn id="24" fill="hold">
-                      <p:stCondLst>
-                        <p:cond delay="indefinite"/>
-                      </p:stCondLst>
-                      <p:childTnLst>
-                        <p:par>
-                          <p:cTn id="25" fill="hold">
-                            <p:stCondLst>
-                              <p:cond delay="0"/>
-                            </p:stCondLst>
-                            <p:childTnLst>
                               <p:par>
-                                <p:cTn id="26" presetID="1" presetClass="entr" presetSubtype="0" fill="hold" grpId="0" nodeType="clickEffect">
+                                <p:cTn id="24" presetID="1" presetClass="entr" presetSubtype="0" fill="hold" grpId="0" nodeType="withEffect">
                                   <p:stCondLst>
                                     <p:cond delay="0"/>
                                   </p:stCondLst>
                                   <p:childTnLst>
                                     <p:set>
                                       <p:cBhvr>
-                                        <p:cTn id="27" dur="1" fill="hold">
+                                        <p:cTn id="25" dur="1" fill="hold">
                                           <p:stCondLst>
                                             <p:cond delay="0"/>
                                           </p:stCondLst>
@@ -7597,14 +7731,14 @@
                                 </p:cTn>
                               </p:par>
                               <p:par>
-                                <p:cTn id="28" presetID="1" presetClass="entr" presetSubtype="0" fill="hold" grpId="0" nodeType="withEffect">
+                                <p:cTn id="26" presetID="13" presetClass="entr" presetSubtype="16" fill="hold" grpId="0" nodeType="withEffect">
                                   <p:stCondLst>
                                     <p:cond delay="0"/>
                                   </p:stCondLst>
                                   <p:childTnLst>
                                     <p:set>
                                       <p:cBhvr>
-                                        <p:cTn id="29" dur="1" fill="hold">
+                                        <p:cTn id="27" dur="1" fill="hold">
                                           <p:stCondLst>
                                             <p:cond delay="0"/>
                                           </p:stCondLst>
@@ -7620,6 +7754,14 @@
                                         <p:strVal val="visible"/>
                                       </p:to>
                                     </p:set>
+                                    <p:animEffect transition="in" filter="plus(in)">
+                                      <p:cBhvr>
+                                        <p:cTn id="28" dur="1000"/>
+                                        <p:tgtEl>
+                                          <p:spTgt spid="8"/>
+                                        </p:tgtEl>
+                                      </p:cBhvr>
+                                    </p:animEffect>
                                   </p:childTnLst>
                                 </p:cTn>
                               </p:par>
@@ -8016,11 +8158,7 @@
             </a:r>
             <a:r>
               <a:rPr lang="en-US" sz="2600" dirty="0" smtClean="0"/>
-              <a:t> </a:t>
-            </a:r>
-            <a:r>
-              <a:rPr lang="en-US" sz="2600" dirty="0" smtClean="0"/>
-              <a:t>input</a:t>
+              <a:t> input</a:t>
             </a:r>
             <a:endParaRPr lang="en-US" sz="2600" dirty="0"/>
           </a:p>
@@ -8036,7 +8174,7 @@
         </p:nvSpPr>
         <p:spPr>
           <a:xfrm>
-            <a:off x="395536" y="1988840"/>
+            <a:off x="539552" y="1988840"/>
             <a:ext cx="8424936" cy="1296144"/>
           </a:xfrm>
           <a:prstGeom prst="rect">
@@ -8215,9 +8353,13 @@
             </a:r>
             <a:r>
               <a:rPr lang="it-IT" dirty="0" smtClean="0"/>
-              <a:t> trovare le differenze tra il comportamento atteso specificato attraverso il modello del sistema e il comportamento osservato dal sistema implementato.</a:t>
-            </a:r>
-            <a:endParaRPr lang="en-US" dirty="0"/>
+              <a:t> </a:t>
+            </a:r>
+            <a:r>
+              <a:rPr lang="it-IT" sz="2700" dirty="0" smtClean="0"/>
+              <a:t>trovare le differenze tra il comportamento atteso specificato attraverso il modello del sistema e il comportamento osservato dal sistema implementato.</a:t>
+            </a:r>
+            <a:endParaRPr lang="en-US" sz="2700" dirty="0"/>
           </a:p>
         </p:txBody>
       </p:sp>
@@ -8316,7 +8458,7 @@
     </p:spTree>
     <p:extLst>
       <p:ext uri="{BB962C8B-B14F-4D97-AF65-F5344CB8AC3E}">
-        <p14:creationId xmlns:p14="http://schemas.microsoft.com/office/powerpoint/2010/main" xmlns="" val="155874689"/>
+        <p14:creationId xmlns="" xmlns:p14="http://schemas.microsoft.com/office/powerpoint/2010/main" val="155874689"/>
       </p:ext>
     </p:extLst>
   </p:cSld>
@@ -8324,7 +8466,7 @@
     <a:masterClrMapping/>
   </p:clrMapOvr>
   <mc:AlternateContent xmlns:mc="http://schemas.openxmlformats.org/markup-compatibility/2006">
-    <mc:Choice xmlns:p14="http://schemas.microsoft.com/office/powerpoint/2010/main" xmlns="" Requires="p14">
+    <mc:Choice xmlns="" xmlns:p14="http://schemas.microsoft.com/office/powerpoint/2010/main" Requires="p14">
       <p:transition spd="slow" p14:dur="2000"/>
     </mc:Choice>
     <mc:Fallback>
@@ -8343,6 +8485,9 @@
                     <p:cTn id="3" fill="hold">
                       <p:stCondLst>
                         <p:cond delay="indefinite"/>
+                        <p:cond evt="onBegin" delay="0">
+                          <p:tn val="2"/>
+                        </p:cond>
                       </p:stCondLst>
                       <p:childTnLst>
                         <p:par>
@@ -8352,7 +8497,7 @@
                             </p:stCondLst>
                             <p:childTnLst>
                               <p:par>
-                                <p:cTn id="5" presetID="10" presetClass="entr" presetSubtype="0" fill="hold" grpId="0" nodeType="clickEffect">
+                                <p:cTn id="5" presetID="10" presetClass="entr" presetSubtype="0" fill="hold" grpId="0" nodeType="afterEffect">
                                   <p:stCondLst>
                                     <p:cond delay="0"/>
                                   </p:stCondLst>
@@ -8772,7 +8917,7 @@
         </p:nvSpPr>
         <p:spPr>
           <a:xfrm>
-            <a:off x="755576" y="1916832"/>
+            <a:off x="755576" y="1628800"/>
             <a:ext cx="7488832" cy="1296144"/>
           </a:xfrm>
           <a:prstGeom prst="rect">
@@ -9074,7 +9219,7 @@
         </p:nvSpPr>
         <p:spPr>
           <a:xfrm>
-            <a:off x="7236296" y="853842"/>
+            <a:off x="7236296" y="620688"/>
             <a:ext cx="1506631" cy="630942"/>
           </a:xfrm>
           <a:prstGeom prst="rect">
@@ -9109,7 +9254,7 @@
         </p:nvSpPr>
         <p:spPr>
           <a:xfrm>
-            <a:off x="899592" y="3645024"/>
+            <a:off x="971600" y="3212976"/>
             <a:ext cx="6912768" cy="1107996"/>
           </a:xfrm>
           <a:prstGeom prst="rect">
@@ -9160,6 +9305,32 @@
           </a:p>
         </p:txBody>
       </p:sp>
+      <p:pic>
+        <p:nvPicPr>
+          <p:cNvPr id="13314" name="Picture 2" descr="http://qainsights.com/wp-content/uploads/2012/11/Black-Box-Testing-QAInsights.png"/>
+          <p:cNvPicPr>
+            <a:picLocks noChangeAspect="1" noChangeArrowheads="1"/>
+          </p:cNvPicPr>
+          <p:nvPr/>
+        </p:nvPicPr>
+        <p:blipFill>
+          <a:blip r:embed="rId2" cstate="print"/>
+          <a:srcRect/>
+          <a:stretch>
+            <a:fillRect/>
+          </a:stretch>
+        </p:blipFill>
+        <p:spPr bwMode="auto">
+          <a:xfrm>
+            <a:off x="2411759" y="4221088"/>
+            <a:ext cx="3944001" cy="2091359"/>
+          </a:xfrm>
+          <a:prstGeom prst="rect">
+            <a:avLst/>
+          </a:prstGeom>
+          <a:noFill/>
+        </p:spPr>
+      </p:pic>
     </p:spTree>
   </p:cSld>
   <p:clrMapOvr>
@@ -9311,6 +9482,41 @@
                                   </p:childTnLst>
                                 </p:cTn>
                               </p:par>
+                              <p:par>
+                                <p:cTn id="14" presetID="10" presetClass="entr" presetSubtype="0" fill="hold" nodeType="withEffect">
+                                  <p:stCondLst>
+                                    <p:cond delay="0"/>
+                                  </p:stCondLst>
+                                  <p:childTnLst>
+                                    <p:set>
+                                      <p:cBhvr>
+                                        <p:cTn id="15" dur="1" fill="hold">
+                                          <p:stCondLst>
+                                            <p:cond delay="0"/>
+                                          </p:stCondLst>
+                                        </p:cTn>
+                                        <p:tgtEl>
+                                          <p:spTgt spid="13314"/>
+                                        </p:tgtEl>
+                                        <p:attrNameLst>
+                                          <p:attrName>style.visibility</p:attrName>
+                                        </p:attrNameLst>
+                                      </p:cBhvr>
+                                      <p:to>
+                                        <p:strVal val="visible"/>
+                                      </p:to>
+                                    </p:set>
+                                    <p:animEffect transition="in" filter="fade">
+                                      <p:cBhvr>
+                                        <p:cTn id="16" dur="2000"/>
+                                        <p:tgtEl>
+                                          <p:spTgt spid="13314"/>
+                                        </p:tgtEl>
+                                      </p:cBhvr>
+                                    </p:animEffect>
+                                  </p:childTnLst>
+                                </p:cTn>
+                              </p:par>
                             </p:childTnLst>
                           </p:cTn>
                         </p:par>
@@ -9373,7 +9579,7 @@
         </p:nvSpPr>
         <p:spPr>
           <a:xfrm>
-            <a:off x="467544" y="1556792"/>
+            <a:off x="467544" y="1772816"/>
             <a:ext cx="8676456" cy="1656184"/>
           </a:xfrm>
           <a:prstGeom prst="rect">
@@ -9566,19 +9772,7 @@
             <a:pPr marL="0" indent="0"/>
             <a:r>
               <a:rPr lang="it-IT" sz="2700" dirty="0" smtClean="0"/>
-              <a:t> </a:t>
-            </a:r>
-            <a:r>
-              <a:rPr lang="it-IT" sz="2700" dirty="0" smtClean="0"/>
-              <a:t>Versione </a:t>
-            </a:r>
-            <a:r>
-              <a:rPr lang="it-IT" sz="2700" dirty="0" smtClean="0"/>
-              <a:t>incompleta </a:t>
-            </a:r>
-            <a:r>
-              <a:rPr lang="it-IT" sz="2700" dirty="0" smtClean="0"/>
-              <a:t>del sistema</a:t>
+              <a:t> Versione incompleta del sistema</a:t>
             </a:r>
           </a:p>
           <a:p>
@@ -9656,55 +9850,14 @@
       </p:sp>
       <p:sp>
         <p:nvSpPr>
-          <p:cNvPr id="6" name="Freccia a destra 5"/>
+          <p:cNvPr id="8" name="Rettangolo 7"/>
           <p:cNvSpPr/>
           <p:nvPr/>
         </p:nvSpPr>
         <p:spPr>
           <a:xfrm>
-            <a:off x="611560" y="3212976"/>
-            <a:ext cx="432048" cy="288032"/>
-          </a:xfrm>
-          <a:prstGeom prst="rightArrow">
-            <a:avLst>
-              <a:gd name="adj1" fmla="val 57648"/>
-              <a:gd name="adj2" fmla="val 65299"/>
-            </a:avLst>
-          </a:prstGeom>
-        </p:spPr>
-        <p:style>
-          <a:lnRef idx="0">
-            <a:schemeClr val="accent5"/>
-          </a:lnRef>
-          <a:fillRef idx="3">
-            <a:schemeClr val="accent5"/>
-          </a:fillRef>
-          <a:effectRef idx="3">
-            <a:schemeClr val="accent5"/>
-          </a:effectRef>
-          <a:fontRef idx="minor">
-            <a:schemeClr val="lt1"/>
-          </a:fontRef>
-        </p:style>
-        <p:txBody>
-          <a:bodyPr rtlCol="0" anchor="ctr"/>
-          <a:lstStyle/>
-          <a:p>
-            <a:pPr algn="ctr"/>
-            <a:endParaRPr lang="it-IT"/>
-          </a:p>
-        </p:txBody>
-      </p:sp>
-      <p:sp>
-        <p:nvSpPr>
-          <p:cNvPr id="7" name="Rettangolo 6"/>
-          <p:cNvSpPr/>
-          <p:nvPr/>
-        </p:nvSpPr>
-        <p:spPr>
-          <a:xfrm>
-            <a:off x="1115616" y="3140968"/>
-            <a:ext cx="7632848" cy="830997"/>
+            <a:off x="395536" y="3645024"/>
+            <a:ext cx="8208912" cy="2046714"/>
           </a:xfrm>
           <a:prstGeom prst="rect">
             <a:avLst/>
@@ -9717,79 +9870,6 @@
           <a:lstStyle/>
           <a:p>
             <a:r>
-              <a:rPr lang="it-IT" sz="2400" i="1" dirty="0" smtClean="0"/>
-              <a:t>Impossibilità di individuare test case basandosi sul </a:t>
-            </a:r>
-            <a:r>
-              <a:rPr lang="it-IT" sz="2400" i="1" dirty="0" err="1" smtClean="0"/>
-              <a:t>Weak</a:t>
-            </a:r>
-            <a:r>
-              <a:rPr lang="it-IT" sz="2400" i="1" dirty="0" smtClean="0"/>
-              <a:t> </a:t>
-            </a:r>
-            <a:r>
-              <a:rPr lang="it-IT" sz="2400" i="1" dirty="0" err="1" smtClean="0"/>
-              <a:t>Equivalance</a:t>
-            </a:r>
-            <a:r>
-              <a:rPr lang="it-IT" sz="2400" i="1" dirty="0" smtClean="0"/>
-              <a:t> </a:t>
-            </a:r>
-            <a:r>
-              <a:rPr lang="it-IT" sz="2400" i="1" dirty="0" err="1" smtClean="0"/>
-              <a:t>Class</a:t>
-            </a:r>
-            <a:r>
-              <a:rPr lang="it-IT" sz="2400" i="1" dirty="0" smtClean="0"/>
-              <a:t> </a:t>
-            </a:r>
-            <a:r>
-              <a:rPr lang="it-IT" sz="2400" i="1" dirty="0" err="1" smtClean="0"/>
-              <a:t>Testing</a:t>
-            </a:r>
-            <a:r>
-              <a:rPr lang="it-IT" sz="2400" i="1" dirty="0" smtClean="0"/>
-              <a:t> con </a:t>
-            </a:r>
-            <a:r>
-              <a:rPr lang="it-IT" sz="2400" i="1" dirty="0" err="1" smtClean="0"/>
-              <a:t>Boundary</a:t>
-            </a:r>
-            <a:r>
-              <a:rPr lang="it-IT" sz="2400" i="1" dirty="0" smtClean="0"/>
-              <a:t> </a:t>
-            </a:r>
-            <a:r>
-              <a:rPr lang="it-IT" sz="2400" i="1" dirty="0" err="1" smtClean="0"/>
-              <a:t>Condition</a:t>
-            </a:r>
-            <a:endParaRPr lang="it-IT" sz="2400" i="1" dirty="0" smtClean="0"/>
-          </a:p>
-        </p:txBody>
-      </p:sp>
-      <p:sp>
-        <p:nvSpPr>
-          <p:cNvPr id="8" name="Rettangolo 7"/>
-          <p:cNvSpPr/>
-          <p:nvPr/>
-        </p:nvSpPr>
-        <p:spPr>
-          <a:xfrm>
-            <a:off x="323528" y="4365104"/>
-            <a:ext cx="8208912" cy="1708160"/>
-          </a:xfrm>
-          <a:prstGeom prst="rect">
-            <a:avLst/>
-          </a:prstGeom>
-        </p:spPr>
-        <p:txBody>
-          <a:bodyPr wrap="square">
-            <a:spAutoFit/>
-          </a:bodyPr>
-          <a:lstStyle/>
-          <a:p>
-            <a:r>
               <a:rPr lang="it-IT" sz="2700" b="1" dirty="0" smtClean="0"/>
               <a:t>SOLUTION</a:t>
             </a:r>
@@ -9800,44 +9880,52 @@
           </a:p>
           <a:p>
             <a:r>
-              <a:rPr lang="it-IT" sz="2600" dirty="0" smtClean="0"/>
-              <a:t>Per </a:t>
-            </a:r>
-            <a:r>
-              <a:rPr lang="it-IT" sz="2600" dirty="0" smtClean="0"/>
-              <a:t>ogni </a:t>
-            </a:r>
-            <a:r>
-              <a:rPr lang="it-IT" sz="2600" dirty="0" err="1" smtClean="0"/>
+              <a:rPr lang="it-IT" sz="2500" dirty="0" smtClean="0"/>
+              <a:t>Per ogni </a:t>
+            </a:r>
+            <a:r>
+              <a:rPr lang="it-IT" sz="2500" dirty="0" err="1" smtClean="0"/>
               <a:t>use</a:t>
             </a:r>
             <a:r>
-              <a:rPr lang="it-IT" sz="2600" dirty="0" smtClean="0"/>
+              <a:rPr lang="it-IT" sz="2500" dirty="0" smtClean="0"/>
               <a:t> case ad alta priorità sono stati realizzati diversi test </a:t>
             </a:r>
             <a:r>
-              <a:rPr lang="it-IT" sz="2600" dirty="0" err="1" smtClean="0"/>
+              <a:rPr lang="it-IT" sz="2500" dirty="0" err="1" smtClean="0"/>
               <a:t>cases</a:t>
             </a:r>
             <a:r>
-              <a:rPr lang="it-IT" sz="2600" dirty="0" smtClean="0"/>
-              <a:t>, basandosi su </a:t>
-            </a:r>
-            <a:r>
-              <a:rPr lang="it-IT" sz="2600" dirty="0" err="1" smtClean="0"/>
-              <a:t>Boundary</a:t>
-            </a:r>
-            <a:r>
-              <a:rPr lang="it-IT" sz="2600" dirty="0" smtClean="0"/>
-              <a:t> </a:t>
-            </a:r>
-            <a:r>
-              <a:rPr lang="it-IT" sz="2600" dirty="0" err="1" smtClean="0"/>
-              <a:t>Testing</a:t>
-            </a:r>
-            <a:r>
-              <a:rPr lang="it-IT" sz="2600" dirty="0" smtClean="0"/>
-              <a:t> per individuare input errati.</a:t>
+              <a:rPr lang="it-IT" sz="2500" dirty="0" smtClean="0"/>
+              <a:t>, </a:t>
+            </a:r>
+            <a:r>
+              <a:rPr lang="it-IT" sz="2500" dirty="0" smtClean="0"/>
+              <a:t>realizzati seguendo il </a:t>
+            </a:r>
+            <a:r>
+              <a:rPr lang="it-IT" sz="2500" dirty="0" smtClean="0"/>
+              <a:t>criterio di copertura </a:t>
+            </a:r>
+            <a:r>
+              <a:rPr lang="it-IT" sz="2500" dirty="0" smtClean="0"/>
+              <a:t>debole (</a:t>
+            </a:r>
+            <a:r>
+              <a:rPr lang="it-IT" sz="2500" b="1" dirty="0" smtClean="0"/>
+              <a:t>WECT</a:t>
+            </a:r>
+            <a:r>
+              <a:rPr lang="it-IT" sz="2500" dirty="0" smtClean="0"/>
+              <a:t>): </a:t>
+            </a:r>
+            <a:r>
+              <a:rPr lang="it-IT" sz="2500" i="1" dirty="0" smtClean="0"/>
+              <a:t>un input non valido per volta, tutti gli altri input corretti</a:t>
+            </a:r>
+            <a:r>
+              <a:rPr lang="it-IT" sz="2500" i="1" dirty="0" smtClean="0"/>
+              <a:t>.</a:t>
             </a:r>
             <a:endParaRPr lang="it-IT" sz="2600" dirty="0"/>
           </a:p>
@@ -9995,7 +10083,7 @@
                             </p:stCondLst>
                             <p:childTnLst>
                               <p:par>
-                                <p:cTn id="13" presetID="8" presetClass="entr" presetSubtype="16" fill="hold" grpId="0" nodeType="clickEffect">
+                                <p:cTn id="13" presetID="37" presetClass="entr" presetSubtype="0" fill="hold" grpId="0" nodeType="clickEffect">
                                   <p:stCondLst>
                                     <p:cond delay="0"/>
                                   </p:stCondLst>
@@ -10003,94 +10091,6 @@
                                     <p:set>
                                       <p:cBhvr>
                                         <p:cTn id="14" dur="1" fill="hold">
-                                          <p:stCondLst>
-                                            <p:cond delay="0"/>
-                                          </p:stCondLst>
-                                        </p:cTn>
-                                        <p:tgtEl>
-                                          <p:spTgt spid="6"/>
-                                        </p:tgtEl>
-                                        <p:attrNameLst>
-                                          <p:attrName>style.visibility</p:attrName>
-                                        </p:attrNameLst>
-                                      </p:cBhvr>
-                                      <p:to>
-                                        <p:strVal val="visible"/>
-                                      </p:to>
-                                    </p:set>
-                                    <p:animEffect transition="in" filter="diamond(in)">
-                                      <p:cBhvr>
-                                        <p:cTn id="15" dur="1000"/>
-                                        <p:tgtEl>
-                                          <p:spTgt spid="6"/>
-                                        </p:tgtEl>
-                                      </p:cBhvr>
-                                    </p:animEffect>
-                                  </p:childTnLst>
-                                </p:cTn>
-                              </p:par>
-                              <p:par>
-                                <p:cTn id="16" presetID="8" presetClass="entr" presetSubtype="16" fill="hold" grpId="0" nodeType="withEffect">
-                                  <p:stCondLst>
-                                    <p:cond delay="0"/>
-                                  </p:stCondLst>
-                                  <p:childTnLst>
-                                    <p:set>
-                                      <p:cBhvr>
-                                        <p:cTn id="17" dur="1" fill="hold">
-                                          <p:stCondLst>
-                                            <p:cond delay="0"/>
-                                          </p:stCondLst>
-                                        </p:cTn>
-                                        <p:tgtEl>
-                                          <p:spTgt spid="7"/>
-                                        </p:tgtEl>
-                                        <p:attrNameLst>
-                                          <p:attrName>style.visibility</p:attrName>
-                                        </p:attrNameLst>
-                                      </p:cBhvr>
-                                      <p:to>
-                                        <p:strVal val="visible"/>
-                                      </p:to>
-                                    </p:set>
-                                    <p:animEffect transition="in" filter="diamond(in)">
-                                      <p:cBhvr>
-                                        <p:cTn id="18" dur="1000"/>
-                                        <p:tgtEl>
-                                          <p:spTgt spid="7"/>
-                                        </p:tgtEl>
-                                      </p:cBhvr>
-                                    </p:animEffect>
-                                  </p:childTnLst>
-                                </p:cTn>
-                              </p:par>
-                            </p:childTnLst>
-                          </p:cTn>
-                        </p:par>
-                      </p:childTnLst>
-                    </p:cTn>
-                  </p:par>
-                  <p:par>
-                    <p:cTn id="19" fill="hold">
-                      <p:stCondLst>
-                        <p:cond delay="indefinite"/>
-                      </p:stCondLst>
-                      <p:childTnLst>
-                        <p:par>
-                          <p:cTn id="20" fill="hold">
-                            <p:stCondLst>
-                              <p:cond delay="0"/>
-                            </p:stCondLst>
-                            <p:childTnLst>
-                              <p:par>
-                                <p:cTn id="21" presetID="37" presetClass="entr" presetSubtype="0" fill="hold" grpId="0" nodeType="clickEffect">
-                                  <p:stCondLst>
-                                    <p:cond delay="0"/>
-                                  </p:stCondLst>
-                                  <p:childTnLst>
-                                    <p:set>
-                                      <p:cBhvr>
-                                        <p:cTn id="22" dur="1" fill="hold">
                                           <p:stCondLst>
                                             <p:cond delay="0"/>
                                           </p:stCondLst>
@@ -10108,7 +10108,7 @@
                                     </p:set>
                                     <p:animEffect transition="in" filter="fade">
                                       <p:cBhvr>
-                                        <p:cTn id="23" dur="1000"/>
+                                        <p:cTn id="15" dur="1000"/>
                                         <p:tgtEl>
                                           <p:spTgt spid="8"/>
                                         </p:tgtEl>
@@ -10116,7 +10116,7 @@
                                     </p:animEffect>
                                     <p:anim calcmode="lin" valueType="num">
                                       <p:cBhvr>
-                                        <p:cTn id="24" dur="1000" fill="hold"/>
+                                        <p:cTn id="16" dur="1000" fill="hold"/>
                                         <p:tgtEl>
                                           <p:spTgt spid="8"/>
                                         </p:tgtEl>
@@ -10139,7 +10139,7 @@
                                     </p:anim>
                                     <p:anim calcmode="lin" valueType="num">
                                       <p:cBhvr>
-                                        <p:cTn id="25" dur="900" decel="100000" fill="hold"/>
+                                        <p:cTn id="17" dur="900" decel="100000" fill="hold"/>
                                         <p:tgtEl>
                                           <p:spTgt spid="8"/>
                                         </p:tgtEl>
@@ -10162,7 +10162,7 @@
                                     </p:anim>
                                     <p:anim calcmode="lin" valueType="num">
                                       <p:cBhvr>
-                                        <p:cTn id="26" dur="100" accel="100000" fill="hold">
+                                        <p:cTn id="18" dur="100" accel="100000" fill="hold">
                                           <p:stCondLst>
                                             <p:cond delay="900"/>
                                           </p:stCondLst>
@@ -10219,8 +10219,6 @@
     </p:tnLst>
     <p:bldLst>
       <p:bldP spid="3" grpId="0"/>
-      <p:bldP spid="6" grpId="0" animBg="1"/>
-      <p:bldP spid="7" grpId="0"/>
       <p:bldP spid="8" grpId="0"/>
     </p:bldLst>
   </p:timing>
@@ -10319,7 +10317,6 @@
               <a:rPr lang="it-IT" b="1" dirty="0" smtClean="0"/>
               <a:t>NOME</a:t>
             </a:r>
-            <a:endParaRPr lang="it-IT" b="1" dirty="0" smtClean="0"/>
           </a:p>
         </p:txBody>
       </p:sp>
@@ -10348,7 +10345,6 @@
               <a:rPr lang="it-IT" b="1" dirty="0" smtClean="0"/>
               <a:t>IDENTIFICATORE</a:t>
             </a:r>
-            <a:endParaRPr lang="it-IT" b="1" dirty="0" smtClean="0"/>
           </a:p>
         </p:txBody>
       </p:sp>
@@ -10377,7 +10373,6 @@
               <a:rPr lang="it-IT" b="1" dirty="0" smtClean="0"/>
               <a:t>ELEMENTI TESTATI</a:t>
             </a:r>
-            <a:endParaRPr lang="it-IT" b="1" dirty="0" smtClean="0"/>
           </a:p>
         </p:txBody>
       </p:sp>
@@ -10406,7 +10401,6 @@
               <a:rPr lang="it-IT" b="1" dirty="0" smtClean="0"/>
               <a:t>INPUT</a:t>
             </a:r>
-            <a:endParaRPr lang="it-IT" b="1" dirty="0" smtClean="0"/>
           </a:p>
         </p:txBody>
       </p:sp>
@@ -10972,7 +10966,7 @@
         </p:blipFill>
         <p:spPr bwMode="auto">
           <a:xfrm>
-            <a:off x="1907704" y="908720"/>
+            <a:off x="2278644" y="908720"/>
             <a:ext cx="5821748" cy="5373216"/>
           </a:xfrm>
           <a:prstGeom prst="rect">
@@ -11013,7 +11007,7 @@
         </p:nvSpPr>
         <p:spPr>
           <a:xfrm>
-            <a:off x="395536" y="1412776"/>
+            <a:off x="766476" y="1412776"/>
             <a:ext cx="1008112" cy="369332"/>
           </a:xfrm>
           <a:prstGeom prst="rect">
@@ -11030,7 +11024,6 @@
               <a:rPr lang="it-IT" b="1" dirty="0" smtClean="0"/>
               <a:t>OUTPUT</a:t>
             </a:r>
-            <a:endParaRPr lang="it-IT" b="1" dirty="0" smtClean="0"/>
           </a:p>
         </p:txBody>
       </p:sp>
@@ -11042,7 +11035,7 @@
         </p:nvCxnSpPr>
         <p:spPr>
           <a:xfrm flipV="1">
-            <a:off x="1403648" y="1124744"/>
+            <a:off x="1774588" y="1124744"/>
             <a:ext cx="720080" cy="432048"/>
           </a:xfrm>
           <a:prstGeom prst="straightConnector1">
@@ -11075,7 +11068,7 @@
         </p:nvSpPr>
         <p:spPr>
           <a:xfrm>
-            <a:off x="251520" y="3645024"/>
+            <a:off x="622460" y="3645024"/>
             <a:ext cx="1440160" cy="369332"/>
           </a:xfrm>
           <a:prstGeom prst="rect">
@@ -11092,7 +11085,6 @@
               <a:rPr lang="it-IT" b="1" dirty="0" smtClean="0"/>
               <a:t>TEST FRAME</a:t>
             </a:r>
-            <a:endParaRPr lang="it-IT" b="1" dirty="0" smtClean="0"/>
           </a:p>
         </p:txBody>
       </p:sp>
@@ -11106,7 +11098,7 @@
         </p:nvCxnSpPr>
         <p:spPr>
           <a:xfrm>
-            <a:off x="1691680" y="3829690"/>
+            <a:off x="2062620" y="3829690"/>
             <a:ext cx="504056" cy="175374"/>
           </a:xfrm>
           <a:prstGeom prst="straightConnector1">
@@ -11139,7 +11131,7 @@
         </p:nvSpPr>
         <p:spPr>
           <a:xfrm>
-            <a:off x="539552" y="4509120"/>
+            <a:off x="910492" y="4509120"/>
             <a:ext cx="1152128" cy="369332"/>
           </a:xfrm>
           <a:prstGeom prst="rect">
@@ -11156,7 +11148,6 @@
               <a:rPr lang="it-IT" b="1" dirty="0" smtClean="0"/>
               <a:t>VINCOLI</a:t>
             </a:r>
-            <a:endParaRPr lang="it-IT" b="1" dirty="0" smtClean="0"/>
           </a:p>
         </p:txBody>
       </p:sp>
@@ -11170,7 +11161,7 @@
         </p:nvCxnSpPr>
         <p:spPr>
           <a:xfrm>
-            <a:off x="1691680" y="4693786"/>
+            <a:off x="2062620" y="4693786"/>
             <a:ext cx="504056" cy="247382"/>
           </a:xfrm>
           <a:prstGeom prst="straightConnector1">
@@ -11203,7 +11194,7 @@
         </p:nvSpPr>
         <p:spPr>
           <a:xfrm>
-            <a:off x="179512" y="5157192"/>
+            <a:off x="550452" y="5157192"/>
             <a:ext cx="1656184" cy="646331"/>
           </a:xfrm>
           <a:prstGeom prst="rect">
@@ -11226,7 +11217,6 @@
               <a:rPr lang="it-IT" b="1" dirty="0" smtClean="0"/>
               <a:t>PROCEDURALI</a:t>
             </a:r>
-            <a:endParaRPr lang="it-IT" b="1" dirty="0" smtClean="0"/>
           </a:p>
         </p:txBody>
       </p:sp>
@@ -11240,7 +11230,7 @@
         </p:nvCxnSpPr>
         <p:spPr>
           <a:xfrm flipV="1">
-            <a:off x="1835696" y="5445226"/>
+            <a:off x="2206636" y="5445226"/>
             <a:ext cx="360040" cy="35132"/>
           </a:xfrm>
           <a:prstGeom prst="straightConnector1">
@@ -11273,7 +11263,7 @@
         </p:nvSpPr>
         <p:spPr>
           <a:xfrm>
-            <a:off x="323528" y="5949280"/>
+            <a:off x="694468" y="5949280"/>
             <a:ext cx="1656184" cy="369332"/>
           </a:xfrm>
           <a:prstGeom prst="rect">
@@ -11290,7 +11280,6 @@
               <a:rPr lang="it-IT" b="1" dirty="0" smtClean="0"/>
               <a:t>DIPENDENZE</a:t>
             </a:r>
-            <a:endParaRPr lang="it-IT" b="1" dirty="0" smtClean="0"/>
           </a:p>
         </p:txBody>
       </p:sp>
@@ -11302,7 +11291,7 @@
         </p:nvCxnSpPr>
         <p:spPr>
           <a:xfrm flipV="1">
-            <a:off x="1763688" y="5877272"/>
+            <a:off x="2134628" y="5877272"/>
             <a:ext cx="432048" cy="251156"/>
           </a:xfrm>
           <a:prstGeom prst="straightConnector1">
@@ -11980,31 +11969,39 @@
           <a:p>
             <a:pPr marL="365760" lvl="1" indent="0"/>
             <a:r>
-              <a:rPr lang="it-IT" dirty="0" smtClean="0"/>
+              <a:rPr lang="it-IT" sz="2400" dirty="0" smtClean="0"/>
               <a:t> </a:t>
             </a:r>
             <a:r>
-              <a:rPr lang="it-IT" i="1" dirty="0" smtClean="0"/>
+              <a:rPr lang="it-IT" sz="2400" i="1" dirty="0" smtClean="0"/>
               <a:t>l’organizzazione della fase di </a:t>
             </a:r>
             <a:r>
-              <a:rPr lang="it-IT" i="1" dirty="0" err="1" smtClean="0"/>
+              <a:rPr lang="it-IT" sz="2400" i="1" dirty="0" err="1" smtClean="0"/>
               <a:t>testing</a:t>
             </a:r>
             <a:r>
-              <a:rPr lang="it-IT" i="1" dirty="0" smtClean="0"/>
+              <a:rPr lang="it-IT" sz="2400" i="1" dirty="0" smtClean="0"/>
               <a:t>;</a:t>
             </a:r>
           </a:p>
           <a:p>
             <a:pPr marL="365760" lvl="1" indent="0"/>
             <a:r>
-              <a:rPr lang="it-IT" dirty="0" smtClean="0"/>
+              <a:rPr lang="it-IT" sz="2400" dirty="0" smtClean="0"/>
               <a:t> </a:t>
             </a:r>
             <a:r>
-              <a:rPr lang="it-IT" i="1" dirty="0" smtClean="0"/>
-              <a:t>la comprensione della documentazione e del  funzionamento del sistema stesso;</a:t>
+              <a:rPr lang="it-IT" sz="2400" i="1" dirty="0" smtClean="0"/>
+              <a:t>la comprensione della documentazione e del  </a:t>
+            </a:r>
+            <a:r>
+              <a:rPr lang="it-IT" sz="2400" i="1" dirty="0" smtClean="0"/>
+              <a:t>funzionamento </a:t>
+            </a:r>
+            <a:r>
+              <a:rPr lang="it-IT" sz="2400" i="1" dirty="0" smtClean="0"/>
+              <a:t>del sistema stesso;</a:t>
             </a:r>
             <a:r>
               <a:rPr lang="it-IT" dirty="0" smtClean="0"/>
@@ -12257,16 +12254,52 @@
             </a:r>
           </a:p>
           <a:p>
-            <a:pPr marL="0" indent="0">
-              <a:buNone/>
-            </a:pPr>
+            <a:pPr marL="365760" lvl="1" indent="0"/>
+            <a:r>
+              <a:rPr lang="it-IT" sz="2400" i="1" dirty="0" smtClean="0"/>
+              <a:t> </a:t>
+            </a:r>
+            <a:r>
+              <a:rPr lang="it-IT" sz="2400" i="1" dirty="0" smtClean="0"/>
+              <a:t>funzionalità </a:t>
+            </a:r>
+            <a:r>
+              <a:rPr lang="it-IT" sz="2400" i="1" dirty="0" smtClean="0"/>
+              <a:t>non implementate o non coerenti con la documentazione	</a:t>
+            </a:r>
             <a:r>
               <a:rPr lang="it-IT" dirty="0" smtClean="0"/>
-              <a:t>funzionalità non implementate o non coerenti con la documentazione			</a:t>
+              <a:t>		</a:t>
             </a:r>
           </a:p>
         </p:txBody>
       </p:sp>
+      <p:pic>
+        <p:nvPicPr>
+          <p:cNvPr id="8194" name="Picture 2" descr="http://www.koinecoopsociale.it/upload/ssnbslyv0xlaf1gfiyvi1a0la344201104281452omino.jpg"/>
+          <p:cNvPicPr>
+            <a:picLocks noChangeAspect="1" noChangeArrowheads="1"/>
+          </p:cNvPicPr>
+          <p:nvPr/>
+        </p:nvPicPr>
+        <p:blipFill>
+          <a:blip r:embed="rId3" cstate="print"/>
+          <a:srcRect/>
+          <a:stretch>
+            <a:fillRect/>
+          </a:stretch>
+        </p:blipFill>
+        <p:spPr bwMode="auto">
+          <a:xfrm>
+            <a:off x="6876256" y="2420888"/>
+            <a:ext cx="1429993" cy="2011686"/>
+          </a:xfrm>
+          <a:prstGeom prst="rect">
+            <a:avLst/>
+          </a:prstGeom>
+          <a:noFill/>
+        </p:spPr>
+      </p:pic>
     </p:spTree>
   </p:cSld>
   <p:clrMapOvr>
@@ -12296,7 +12329,7 @@
                             </p:stCondLst>
                             <p:childTnLst>
                               <p:par>
-                                <p:cTn id="5" presetID="16" presetClass="entr" presetSubtype="26" fill="hold" grpId="0" nodeType="afterEffect">
+                                <p:cTn id="5" presetID="10" presetClass="entr" presetSubtype="0" fill="hold" nodeType="withEffect">
                                   <p:stCondLst>
                                     <p:cond delay="0"/>
                                   </p:stCondLst>
@@ -12304,6 +12337,50 @@
                                     <p:set>
                                       <p:cBhvr>
                                         <p:cTn id="6" dur="1" fill="hold">
+                                          <p:stCondLst>
+                                            <p:cond delay="0"/>
+                                          </p:stCondLst>
+                                        </p:cTn>
+                                        <p:tgtEl>
+                                          <p:spTgt spid="8194"/>
+                                        </p:tgtEl>
+                                        <p:attrNameLst>
+                                          <p:attrName>style.visibility</p:attrName>
+                                        </p:attrNameLst>
+                                      </p:cBhvr>
+                                      <p:to>
+                                        <p:strVal val="visible"/>
+                                      </p:to>
+                                    </p:set>
+                                    <p:animEffect transition="in" filter="fade">
+                                      <p:cBhvr>
+                                        <p:cTn id="7" dur="1000"/>
+                                        <p:tgtEl>
+                                          <p:spTgt spid="8194"/>
+                                        </p:tgtEl>
+                                      </p:cBhvr>
+                                    </p:animEffect>
+                                  </p:childTnLst>
+                                </p:cTn>
+                              </p:par>
+                            </p:childTnLst>
+                          </p:cTn>
+                        </p:par>
+                        <p:par>
+                          <p:cTn id="8" fill="hold">
+                            <p:stCondLst>
+                              <p:cond delay="1000"/>
+                            </p:stCondLst>
+                            <p:childTnLst>
+                              <p:par>
+                                <p:cTn id="9" presetID="16" presetClass="entr" presetSubtype="26" fill="hold" grpId="0" nodeType="afterEffect">
+                                  <p:stCondLst>
+                                    <p:cond delay="0"/>
+                                  </p:stCondLst>
+                                  <p:childTnLst>
+                                    <p:set>
+                                      <p:cBhvr>
+                                        <p:cTn id="10" dur="1" fill="hold">
                                           <p:stCondLst>
                                             <p:cond delay="0"/>
                                           </p:stCondLst>
@@ -12321,7 +12398,7 @@
                                     </p:set>
                                     <p:animEffect transition="in" filter="barn(inHorizontal)">
                                       <p:cBhvr>
-                                        <p:cTn id="7" dur="500"/>
+                                        <p:cTn id="11" dur="500"/>
                                         <p:tgtEl>
                                           <p:spTgt spid="3"/>
                                         </p:tgtEl>
@@ -12337,26 +12414,26 @@
                     </p:cTn>
                   </p:par>
                   <p:par>
-                    <p:cTn id="8" fill="hold">
+                    <p:cTn id="12" fill="hold">
                       <p:stCondLst>
                         <p:cond delay="indefinite"/>
                       </p:stCondLst>
                       <p:childTnLst>
                         <p:par>
-                          <p:cTn id="9" fill="hold">
+                          <p:cTn id="13" fill="hold">
                             <p:stCondLst>
                               <p:cond delay="0"/>
                             </p:stCondLst>
                             <p:childTnLst>
                               <p:par>
-                                <p:cTn id="10" presetID="16" presetClass="entr" presetSubtype="26" fill="hold" grpId="0" nodeType="clickEffect">
+                                <p:cTn id="14" presetID="16" presetClass="entr" presetSubtype="26" fill="hold" grpId="0" nodeType="clickEffect">
                                   <p:stCondLst>
                                     <p:cond delay="0"/>
                                   </p:stCondLst>
                                   <p:childTnLst>
                                     <p:set>
                                       <p:cBhvr>
-                                        <p:cTn id="11" dur="1" fill="hold">
+                                        <p:cTn id="15" dur="1" fill="hold">
                                           <p:stCondLst>
                                             <p:cond delay="0"/>
                                           </p:stCondLst>
@@ -12374,7 +12451,7 @@
                                     </p:set>
                                     <p:animEffect transition="in" filter="barn(inHorizontal)">
                                       <p:cBhvr>
-                                        <p:cTn id="12" dur="500"/>
+                                        <p:cTn id="16" dur="500"/>
                                         <p:tgtEl>
                                           <p:spTgt spid="5"/>
                                         </p:tgtEl>
@@ -12435,32 +12512,6 @@
           <a:chExt cx="0" cy="0"/>
         </a:xfrm>
       </p:grpSpPr>
-      <p:pic>
-        <p:nvPicPr>
-          <p:cNvPr id="3074" name="Picture 2" descr="http://www.cataloghierivistedigitali.it/supporto/images/omino.jpg"/>
-          <p:cNvPicPr>
-            <a:picLocks noChangeAspect="1" noChangeArrowheads="1"/>
-          </p:cNvPicPr>
-          <p:nvPr/>
-        </p:nvPicPr>
-        <p:blipFill>
-          <a:blip r:embed="rId3" cstate="print"/>
-          <a:srcRect/>
-          <a:stretch>
-            <a:fillRect/>
-          </a:stretch>
-        </p:blipFill>
-        <p:spPr bwMode="auto">
-          <a:xfrm>
-            <a:off x="35496" y="3573016"/>
-            <a:ext cx="2448272" cy="2819222"/>
-          </a:xfrm>
-          <a:prstGeom prst="rect">
-            <a:avLst/>
-          </a:prstGeom>
-          <a:noFill/>
-        </p:spPr>
-      </p:pic>
       <p:sp>
         <p:nvSpPr>
           <p:cNvPr id="2" name="Segnaposto numero diapositiva 1"/>
@@ -12531,8 +12582,8 @@
         </p:nvSpPr>
         <p:spPr>
           <a:xfrm>
-            <a:off x="611560" y="1476073"/>
-            <a:ext cx="3530517" cy="584775"/>
+            <a:off x="299291" y="1476073"/>
+            <a:ext cx="4272709" cy="584775"/>
           </a:xfrm>
           <a:prstGeom prst="rect">
             <a:avLst/>
@@ -12551,7 +12602,7 @@
                   <a:schemeClr val="accent5"/>
                 </a:solidFill>
               </a:rPr>
-              <a:t>Cosa è andato bene</a:t>
+              <a:t>Cosa non è andato bene</a:t>
             </a:r>
           </a:p>
         </p:txBody>
@@ -12566,8 +12617,8 @@
         </p:nvSpPr>
         <p:spPr>
           <a:xfrm>
-            <a:off x="323528" y="2276872"/>
-            <a:ext cx="8676456" cy="1008112"/>
+            <a:off x="611560" y="2420888"/>
+            <a:ext cx="5040560" cy="1656184"/>
           </a:xfrm>
           <a:prstGeom prst="rect">
             <a:avLst/>
@@ -12739,15 +12790,19 @@
             <a:pPr marL="0" indent="0"/>
             <a:r>
               <a:rPr lang="it-IT" dirty="0" smtClean="0"/>
-              <a:t> Rispetto del </a:t>
-            </a:r>
-            <a:r>
-              <a:rPr lang="it-IT" b="1" dirty="0" smtClean="0"/>
-              <a:t>modello</a:t>
+              <a:t> </a:t>
             </a:r>
             <a:r>
               <a:rPr lang="it-IT" dirty="0" smtClean="0"/>
-              <a:t> di riferimento: </a:t>
+              <a:t>Sottosistema </a:t>
+            </a:r>
+            <a:r>
+              <a:rPr lang="it-IT" dirty="0" smtClean="0"/>
+              <a:t>non </a:t>
+            </a:r>
+            <a:r>
+              <a:rPr lang="it-IT" dirty="0" smtClean="0"/>
+              <a:t>implementato: </a:t>
             </a:r>
           </a:p>
           <a:p>
@@ -12756,7 +12811,11 @@
             </a:pPr>
             <a:r>
               <a:rPr lang="it-IT" i="1" dirty="0" smtClean="0"/>
-              <a:t>nessuna fase saltata né eseguita parallelamente</a:t>
+              <a:t>bassa </a:t>
+            </a:r>
+            <a:r>
+              <a:rPr lang="it-IT" i="1" dirty="0" smtClean="0"/>
+              <a:t>priorità e tempo scarso</a:t>
             </a:r>
           </a:p>
           <a:p>
@@ -12767,1061 +12826,9 @@
           </a:p>
         </p:txBody>
       </p:sp>
-      <p:sp>
-        <p:nvSpPr>
-          <p:cNvPr id="6" name="Content Placeholder 3"/>
-          <p:cNvSpPr txBox="1">
-            <a:spLocks/>
-          </p:cNvSpPr>
-          <p:nvPr/>
-        </p:nvSpPr>
-        <p:spPr>
-          <a:xfrm>
-            <a:off x="2051720" y="3645024"/>
-            <a:ext cx="6840760" cy="1224136"/>
-          </a:xfrm>
-          <a:prstGeom prst="rect">
-            <a:avLst/>
-          </a:prstGeom>
-        </p:spPr>
-        <p:txBody>
-          <a:bodyPr tIns="0"/>
-          <a:lstStyle>
-            <a:lvl1pPr marL="274320" indent="-274320" algn="l" rtl="0" eaLnBrk="1" latinLnBrk="0" hangingPunct="1">
-              <a:spcBef>
-                <a:spcPct val="20000"/>
-              </a:spcBef>
-              <a:buClrTx/>
-              <a:buSzPct val="95000"/>
-              <a:buFont typeface="Wingdings" pitchFamily="2" charset="2"/>
-              <a:buChar char="v"/>
-              <a:defRPr kumimoji="0" sz="2800" kern="1200">
-                <a:solidFill>
-                  <a:schemeClr val="tx1"/>
-                </a:solidFill>
-                <a:latin typeface="+mn-lt"/>
-                <a:ea typeface="+mn-ea"/>
-                <a:cs typeface="+mn-cs"/>
-              </a:defRPr>
-            </a:lvl1pPr>
-            <a:lvl2pPr marL="640080" indent="-246888" algn="l" rtl="0" eaLnBrk="1" latinLnBrk="0" hangingPunct="1">
-              <a:spcBef>
-                <a:spcPct val="20000"/>
-              </a:spcBef>
-              <a:buClrTx/>
-              <a:buSzPct val="85000"/>
-              <a:buFont typeface="Courier New" pitchFamily="49" charset="0"/>
-              <a:buChar char="o"/>
-              <a:defRPr kumimoji="0" sz="2600" kern="1200">
-                <a:solidFill>
-                  <a:schemeClr val="tx1"/>
-                </a:solidFill>
-                <a:latin typeface="+mn-lt"/>
-                <a:ea typeface="+mn-ea"/>
-                <a:cs typeface="+mn-cs"/>
-              </a:defRPr>
-            </a:lvl2pPr>
-            <a:lvl3pPr marL="914400" indent="-246888" algn="l" rtl="0" eaLnBrk="1" latinLnBrk="0" hangingPunct="1">
-              <a:spcBef>
-                <a:spcPct val="20000"/>
-              </a:spcBef>
-              <a:buClrTx/>
-              <a:buSzPct val="70000"/>
-              <a:buFont typeface="Wingdings 2"/>
-              <a:buChar char=""/>
-              <a:defRPr kumimoji="0" sz="2400" kern="1200">
-                <a:solidFill>
-                  <a:schemeClr val="tx1"/>
-                </a:solidFill>
-                <a:latin typeface="+mn-lt"/>
-                <a:ea typeface="+mn-ea"/>
-                <a:cs typeface="+mn-cs"/>
-              </a:defRPr>
-            </a:lvl3pPr>
-            <a:lvl4pPr marL="1188720" indent="-210312" algn="l" rtl="0" eaLnBrk="1" latinLnBrk="0" hangingPunct="1">
-              <a:spcBef>
-                <a:spcPct val="20000"/>
-              </a:spcBef>
-              <a:buClrTx/>
-              <a:buSzPct val="65000"/>
-              <a:buFont typeface="Wingdings 2"/>
-              <a:buChar char=""/>
-              <a:defRPr kumimoji="0" sz="2000" kern="1200">
-                <a:solidFill>
-                  <a:schemeClr val="tx1"/>
-                </a:solidFill>
-                <a:latin typeface="+mn-lt"/>
-                <a:ea typeface="+mn-ea"/>
-                <a:cs typeface="+mn-cs"/>
-              </a:defRPr>
-            </a:lvl4pPr>
-            <a:lvl5pPr marL="1463040" indent="-210312" algn="l" rtl="0" eaLnBrk="1" latinLnBrk="0" hangingPunct="1">
-              <a:spcBef>
-                <a:spcPct val="20000"/>
-              </a:spcBef>
-              <a:buClrTx/>
-              <a:buSzPct val="65000"/>
-              <a:buFont typeface="Wingdings 2"/>
-              <a:buChar char=""/>
-              <a:defRPr kumimoji="0" sz="1800" kern="1200">
-                <a:solidFill>
-                  <a:schemeClr val="tx1"/>
-                </a:solidFill>
-                <a:latin typeface="+mn-lt"/>
-                <a:ea typeface="+mn-ea"/>
-                <a:cs typeface="+mn-cs"/>
-              </a:defRPr>
-            </a:lvl5pPr>
-            <a:lvl6pPr marL="1737360" indent="-210312" algn="l" rtl="0" eaLnBrk="1" latinLnBrk="0" hangingPunct="1">
-              <a:spcBef>
-                <a:spcPct val="20000"/>
-              </a:spcBef>
-              <a:buClr>
-                <a:schemeClr val="accent5"/>
-              </a:buClr>
-              <a:buSzPct val="80000"/>
-              <a:buFont typeface="Wingdings 2"/>
-              <a:buChar char=""/>
-              <a:defRPr kumimoji="0" sz="1800" kern="1200">
-                <a:solidFill>
-                  <a:schemeClr val="tx1"/>
-                </a:solidFill>
-                <a:latin typeface="+mn-lt"/>
-                <a:ea typeface="+mn-ea"/>
-                <a:cs typeface="+mn-cs"/>
-              </a:defRPr>
-            </a:lvl6pPr>
-            <a:lvl7pPr marL="1920240" indent="-182880" algn="l" rtl="0" eaLnBrk="1" latinLnBrk="0" hangingPunct="1">
-              <a:spcBef>
-                <a:spcPct val="20000"/>
-              </a:spcBef>
-              <a:buClr>
-                <a:schemeClr val="accent6"/>
-              </a:buClr>
-              <a:buSzPct val="80000"/>
-              <a:buFont typeface="Wingdings 2"/>
-              <a:buChar char=""/>
-              <a:defRPr kumimoji="0" sz="1600" kern="1200" baseline="0">
-                <a:solidFill>
-                  <a:schemeClr val="tx1"/>
-                </a:solidFill>
-                <a:latin typeface="+mn-lt"/>
-                <a:ea typeface="+mn-ea"/>
-                <a:cs typeface="+mn-cs"/>
-              </a:defRPr>
-            </a:lvl7pPr>
-            <a:lvl8pPr marL="2194560" indent="-182880" algn="l" rtl="0" eaLnBrk="1" latinLnBrk="0" hangingPunct="1">
-              <a:spcBef>
-                <a:spcPct val="20000"/>
-              </a:spcBef>
-              <a:buClr>
-                <a:schemeClr val="tx2"/>
-              </a:buClr>
-              <a:buChar char="•"/>
-              <a:defRPr kumimoji="0" sz="1600" kern="1200">
-                <a:solidFill>
-                  <a:schemeClr val="tx1"/>
-                </a:solidFill>
-                <a:latin typeface="+mn-lt"/>
-                <a:ea typeface="+mn-ea"/>
-                <a:cs typeface="+mn-cs"/>
-              </a:defRPr>
-            </a:lvl8pPr>
-            <a:lvl9pPr marL="2468880" indent="-182880" algn="l" rtl="0" eaLnBrk="1" latinLnBrk="0" hangingPunct="1">
-              <a:spcBef>
-                <a:spcPct val="20000"/>
-              </a:spcBef>
-              <a:buClr>
-                <a:schemeClr val="tx2"/>
-              </a:buClr>
-              <a:buFontTx/>
-              <a:buChar char="•"/>
-              <a:defRPr kumimoji="0" sz="1400" kern="1200" baseline="0">
-                <a:solidFill>
-                  <a:schemeClr val="tx1"/>
-                </a:solidFill>
-                <a:latin typeface="+mn-lt"/>
-                <a:ea typeface="+mn-ea"/>
-                <a:cs typeface="+mn-cs"/>
-              </a:defRPr>
-            </a:lvl9pPr>
-          </a:lstStyle>
-          <a:p>
-            <a:pPr marL="0" indent="0"/>
-            <a:r>
-              <a:rPr lang="it-IT" dirty="0" smtClean="0"/>
-              <a:t> Divisione </a:t>
-            </a:r>
-            <a:r>
-              <a:rPr lang="it-IT" b="1" dirty="0" smtClean="0">
-                <a:solidFill>
-                  <a:schemeClr val="bg1"/>
-                </a:solidFill>
-              </a:rPr>
-              <a:t>orizzontale</a:t>
-            </a:r>
-            <a:r>
-              <a:rPr lang="it-IT" dirty="0" smtClean="0"/>
-              <a:t> delle responsabilità: </a:t>
-            </a:r>
-            <a:r>
-              <a:rPr lang="it-IT" i="1" dirty="0" smtClean="0"/>
-              <a:t>buona</a:t>
-            </a:r>
-            <a:r>
-              <a:rPr lang="it-IT" dirty="0" smtClean="0"/>
-              <a:t> </a:t>
-            </a:r>
-            <a:r>
-              <a:rPr lang="it-IT" i="1" dirty="0" smtClean="0"/>
-              <a:t>conoscenza </a:t>
-            </a:r>
-            <a:r>
-              <a:rPr lang="it-IT" i="1" dirty="0" smtClean="0"/>
-              <a:t>di tutti i requisiti del </a:t>
-            </a:r>
-            <a:r>
-              <a:rPr lang="it-IT" i="1" dirty="0" smtClean="0"/>
-              <a:t>proprio sottosistema</a:t>
-            </a:r>
-            <a:endParaRPr lang="it-IT" i="1" dirty="0" smtClean="0"/>
-          </a:p>
-          <a:p>
-            <a:pPr marL="0" indent="0">
-              <a:buNone/>
-            </a:pPr>
-            <a:endParaRPr lang="it-IT" dirty="0" smtClean="0"/>
-          </a:p>
-        </p:txBody>
-      </p:sp>
-      <p:sp>
-        <p:nvSpPr>
-          <p:cNvPr id="7" name="Content Placeholder 3"/>
-          <p:cNvSpPr txBox="1">
-            <a:spLocks/>
-          </p:cNvSpPr>
-          <p:nvPr/>
-        </p:nvSpPr>
-        <p:spPr>
-          <a:xfrm>
-            <a:off x="3239344" y="5229200"/>
-            <a:ext cx="5904656" cy="864096"/>
-          </a:xfrm>
-          <a:prstGeom prst="rect">
-            <a:avLst/>
-          </a:prstGeom>
-        </p:spPr>
-        <p:txBody>
-          <a:bodyPr tIns="0"/>
-          <a:lstStyle>
-            <a:lvl1pPr marL="274320" indent="-274320" algn="l" rtl="0" eaLnBrk="1" latinLnBrk="0" hangingPunct="1">
-              <a:spcBef>
-                <a:spcPct val="20000"/>
-              </a:spcBef>
-              <a:buClrTx/>
-              <a:buSzPct val="95000"/>
-              <a:buFont typeface="Wingdings" pitchFamily="2" charset="2"/>
-              <a:buChar char="v"/>
-              <a:defRPr kumimoji="0" sz="2800" kern="1200">
-                <a:solidFill>
-                  <a:schemeClr val="tx1"/>
-                </a:solidFill>
-                <a:latin typeface="+mn-lt"/>
-                <a:ea typeface="+mn-ea"/>
-                <a:cs typeface="+mn-cs"/>
-              </a:defRPr>
-            </a:lvl1pPr>
-            <a:lvl2pPr marL="640080" indent="-246888" algn="l" rtl="0" eaLnBrk="1" latinLnBrk="0" hangingPunct="1">
-              <a:spcBef>
-                <a:spcPct val="20000"/>
-              </a:spcBef>
-              <a:buClrTx/>
-              <a:buSzPct val="85000"/>
-              <a:buFont typeface="Courier New" pitchFamily="49" charset="0"/>
-              <a:buChar char="o"/>
-              <a:defRPr kumimoji="0" sz="2600" kern="1200">
-                <a:solidFill>
-                  <a:schemeClr val="tx1"/>
-                </a:solidFill>
-                <a:latin typeface="+mn-lt"/>
-                <a:ea typeface="+mn-ea"/>
-                <a:cs typeface="+mn-cs"/>
-              </a:defRPr>
-            </a:lvl2pPr>
-            <a:lvl3pPr marL="914400" indent="-246888" algn="l" rtl="0" eaLnBrk="1" latinLnBrk="0" hangingPunct="1">
-              <a:spcBef>
-                <a:spcPct val="20000"/>
-              </a:spcBef>
-              <a:buClrTx/>
-              <a:buSzPct val="70000"/>
-              <a:buFont typeface="Wingdings 2"/>
-              <a:buChar char=""/>
-              <a:defRPr kumimoji="0" sz="2400" kern="1200">
-                <a:solidFill>
-                  <a:schemeClr val="tx1"/>
-                </a:solidFill>
-                <a:latin typeface="+mn-lt"/>
-                <a:ea typeface="+mn-ea"/>
-                <a:cs typeface="+mn-cs"/>
-              </a:defRPr>
-            </a:lvl3pPr>
-            <a:lvl4pPr marL="1188720" indent="-210312" algn="l" rtl="0" eaLnBrk="1" latinLnBrk="0" hangingPunct="1">
-              <a:spcBef>
-                <a:spcPct val="20000"/>
-              </a:spcBef>
-              <a:buClrTx/>
-              <a:buSzPct val="65000"/>
-              <a:buFont typeface="Wingdings 2"/>
-              <a:buChar char=""/>
-              <a:defRPr kumimoji="0" sz="2000" kern="1200">
-                <a:solidFill>
-                  <a:schemeClr val="tx1"/>
-                </a:solidFill>
-                <a:latin typeface="+mn-lt"/>
-                <a:ea typeface="+mn-ea"/>
-                <a:cs typeface="+mn-cs"/>
-              </a:defRPr>
-            </a:lvl4pPr>
-            <a:lvl5pPr marL="1463040" indent="-210312" algn="l" rtl="0" eaLnBrk="1" latinLnBrk="0" hangingPunct="1">
-              <a:spcBef>
-                <a:spcPct val="20000"/>
-              </a:spcBef>
-              <a:buClrTx/>
-              <a:buSzPct val="65000"/>
-              <a:buFont typeface="Wingdings 2"/>
-              <a:buChar char=""/>
-              <a:defRPr kumimoji="0" sz="1800" kern="1200">
-                <a:solidFill>
-                  <a:schemeClr val="tx1"/>
-                </a:solidFill>
-                <a:latin typeface="+mn-lt"/>
-                <a:ea typeface="+mn-ea"/>
-                <a:cs typeface="+mn-cs"/>
-              </a:defRPr>
-            </a:lvl5pPr>
-            <a:lvl6pPr marL="1737360" indent="-210312" algn="l" rtl="0" eaLnBrk="1" latinLnBrk="0" hangingPunct="1">
-              <a:spcBef>
-                <a:spcPct val="20000"/>
-              </a:spcBef>
-              <a:buClr>
-                <a:schemeClr val="accent5"/>
-              </a:buClr>
-              <a:buSzPct val="80000"/>
-              <a:buFont typeface="Wingdings 2"/>
-              <a:buChar char=""/>
-              <a:defRPr kumimoji="0" sz="1800" kern="1200">
-                <a:solidFill>
-                  <a:schemeClr val="tx1"/>
-                </a:solidFill>
-                <a:latin typeface="+mn-lt"/>
-                <a:ea typeface="+mn-ea"/>
-                <a:cs typeface="+mn-cs"/>
-              </a:defRPr>
-            </a:lvl6pPr>
-            <a:lvl7pPr marL="1920240" indent="-182880" algn="l" rtl="0" eaLnBrk="1" latinLnBrk="0" hangingPunct="1">
-              <a:spcBef>
-                <a:spcPct val="20000"/>
-              </a:spcBef>
-              <a:buClr>
-                <a:schemeClr val="accent6"/>
-              </a:buClr>
-              <a:buSzPct val="80000"/>
-              <a:buFont typeface="Wingdings 2"/>
-              <a:buChar char=""/>
-              <a:defRPr kumimoji="0" sz="1600" kern="1200" baseline="0">
-                <a:solidFill>
-                  <a:schemeClr val="tx1"/>
-                </a:solidFill>
-                <a:latin typeface="+mn-lt"/>
-                <a:ea typeface="+mn-ea"/>
-                <a:cs typeface="+mn-cs"/>
-              </a:defRPr>
-            </a:lvl7pPr>
-            <a:lvl8pPr marL="2194560" indent="-182880" algn="l" rtl="0" eaLnBrk="1" latinLnBrk="0" hangingPunct="1">
-              <a:spcBef>
-                <a:spcPct val="20000"/>
-              </a:spcBef>
-              <a:buClr>
-                <a:schemeClr val="tx2"/>
-              </a:buClr>
-              <a:buChar char="•"/>
-              <a:defRPr kumimoji="0" sz="1600" kern="1200">
-                <a:solidFill>
-                  <a:schemeClr val="tx1"/>
-                </a:solidFill>
-                <a:latin typeface="+mn-lt"/>
-                <a:ea typeface="+mn-ea"/>
-                <a:cs typeface="+mn-cs"/>
-              </a:defRPr>
-            </a:lvl8pPr>
-            <a:lvl9pPr marL="2468880" indent="-182880" algn="l" rtl="0" eaLnBrk="1" latinLnBrk="0" hangingPunct="1">
-              <a:spcBef>
-                <a:spcPct val="20000"/>
-              </a:spcBef>
-              <a:buClr>
-                <a:schemeClr val="tx2"/>
-              </a:buClr>
-              <a:buFontTx/>
-              <a:buChar char="•"/>
-              <a:defRPr kumimoji="0" sz="1400" kern="1200" baseline="0">
-                <a:solidFill>
-                  <a:schemeClr val="tx1"/>
-                </a:solidFill>
-                <a:latin typeface="+mn-lt"/>
-                <a:ea typeface="+mn-ea"/>
-                <a:cs typeface="+mn-cs"/>
-              </a:defRPr>
-            </a:lvl9pPr>
-          </a:lstStyle>
-          <a:p>
-            <a:pPr marL="0" indent="0"/>
-            <a:r>
-              <a:rPr lang="it-IT" dirty="0" smtClean="0"/>
-              <a:t> Funzionalità concettualmente </a:t>
-            </a:r>
-            <a:r>
-              <a:rPr lang="it-IT" b="1" dirty="0" smtClean="0"/>
-              <a:t>ben</a:t>
-            </a:r>
-            <a:r>
-              <a:rPr lang="it-IT" dirty="0" smtClean="0"/>
-              <a:t> </a:t>
-            </a:r>
-            <a:r>
-              <a:rPr lang="it-IT" b="1" dirty="0" smtClean="0"/>
-              <a:t>definite</a:t>
-            </a:r>
-            <a:r>
-              <a:rPr lang="it-IT" dirty="0" smtClean="0"/>
-              <a:t> e chiare: </a:t>
-            </a:r>
-            <a:r>
-              <a:rPr lang="it-IT" i="1" dirty="0" smtClean="0"/>
-              <a:t>tirocinanti e servizi</a:t>
-            </a:r>
-          </a:p>
-          <a:p>
-            <a:pPr marL="0" indent="0">
-              <a:buNone/>
-            </a:pPr>
-            <a:endParaRPr lang="it-IT" dirty="0" smtClean="0"/>
-          </a:p>
-        </p:txBody>
-      </p:sp>
-    </p:spTree>
-  </p:cSld>
-  <p:clrMapOvr>
-    <a:masterClrMapping/>
-  </p:clrMapOvr>
-  <p:timing>
-    <p:tnLst>
-      <p:par>
-        <p:cTn id="1" dur="indefinite" restart="never" nodeType="tmRoot">
-          <p:childTnLst>
-            <p:seq concurrent="1" nextAc="seek">
-              <p:cTn id="2" dur="indefinite" nodeType="mainSeq">
-                <p:childTnLst>
-                  <p:par>
-                    <p:cTn id="3" fill="hold">
-                      <p:stCondLst>
-                        <p:cond delay="indefinite"/>
-                        <p:cond evt="onBegin" delay="0">
-                          <p:tn val="2"/>
-                        </p:cond>
-                      </p:stCondLst>
-                      <p:childTnLst>
-                        <p:par>
-                          <p:cTn id="4" fill="hold">
-                            <p:stCondLst>
-                              <p:cond delay="0"/>
-                            </p:stCondLst>
-                            <p:childTnLst>
-                              <p:par>
-                                <p:cTn id="5" presetID="1" presetClass="entr" presetSubtype="0" fill="hold" grpId="1" nodeType="withEffect">
-                                  <p:stCondLst>
-                                    <p:cond delay="0"/>
-                                  </p:stCondLst>
-                                  <p:childTnLst>
-                                    <p:set>
-                                      <p:cBhvr>
-                                        <p:cTn id="6" dur="1" fill="hold">
-                                          <p:stCondLst>
-                                            <p:cond delay="0"/>
-                                          </p:stCondLst>
-                                        </p:cTn>
-                                        <p:tgtEl>
-                                          <p:spTgt spid="3"/>
-                                        </p:tgtEl>
-                                        <p:attrNameLst>
-                                          <p:attrName>style.visibility</p:attrName>
-                                        </p:attrNameLst>
-                                      </p:cBhvr>
-                                      <p:to>
-                                        <p:strVal val="visible"/>
-                                      </p:to>
-                                    </p:set>
-                                  </p:childTnLst>
-                                </p:cTn>
-                              </p:par>
-                            </p:childTnLst>
-                          </p:cTn>
-                        </p:par>
-                      </p:childTnLst>
-                    </p:cTn>
-                  </p:par>
-                  <p:par>
-                    <p:cTn id="7" fill="hold">
-                      <p:stCondLst>
-                        <p:cond delay="indefinite"/>
-                      </p:stCondLst>
-                      <p:childTnLst>
-                        <p:par>
-                          <p:cTn id="8" fill="hold">
-                            <p:stCondLst>
-                              <p:cond delay="0"/>
-                            </p:stCondLst>
-                            <p:childTnLst>
-                              <p:par>
-                                <p:cTn id="9" presetID="5" presetClass="entr" presetSubtype="10" fill="hold" grpId="0" nodeType="clickEffect">
-                                  <p:stCondLst>
-                                    <p:cond delay="0"/>
-                                  </p:stCondLst>
-                                  <p:childTnLst>
-                                    <p:set>
-                                      <p:cBhvr>
-                                        <p:cTn id="10" dur="1" fill="hold">
-                                          <p:stCondLst>
-                                            <p:cond delay="0"/>
-                                          </p:stCondLst>
-                                        </p:cTn>
-                                        <p:tgtEl>
-                                          <p:spTgt spid="4"/>
-                                        </p:tgtEl>
-                                        <p:attrNameLst>
-                                          <p:attrName>style.visibility</p:attrName>
-                                        </p:attrNameLst>
-                                      </p:cBhvr>
-                                      <p:to>
-                                        <p:strVal val="visible"/>
-                                      </p:to>
-                                    </p:set>
-                                    <p:animEffect transition="in" filter="checkerboard(across)">
-                                      <p:cBhvr>
-                                        <p:cTn id="11" dur="500"/>
-                                        <p:tgtEl>
-                                          <p:spTgt spid="4"/>
-                                        </p:tgtEl>
-                                      </p:cBhvr>
-                                    </p:animEffect>
-                                  </p:childTnLst>
-                                </p:cTn>
-                              </p:par>
-                              <p:par>
-                                <p:cTn id="12" presetID="23" presetClass="entr" presetSubtype="16" fill="hold" nodeType="withEffect">
-                                  <p:stCondLst>
-                                    <p:cond delay="0"/>
-                                  </p:stCondLst>
-                                  <p:childTnLst>
-                                    <p:set>
-                                      <p:cBhvr>
-                                        <p:cTn id="13" dur="1" fill="hold">
-                                          <p:stCondLst>
-                                            <p:cond delay="0"/>
-                                          </p:stCondLst>
-                                        </p:cTn>
-                                        <p:tgtEl>
-                                          <p:spTgt spid="3074"/>
-                                        </p:tgtEl>
-                                        <p:attrNameLst>
-                                          <p:attrName>style.visibility</p:attrName>
-                                        </p:attrNameLst>
-                                      </p:cBhvr>
-                                      <p:to>
-                                        <p:strVal val="visible"/>
-                                      </p:to>
-                                    </p:set>
-                                    <p:anim calcmode="lin" valueType="num">
-                                      <p:cBhvr>
-                                        <p:cTn id="14" dur="500" fill="hold"/>
-                                        <p:tgtEl>
-                                          <p:spTgt spid="3074"/>
-                                        </p:tgtEl>
-                                        <p:attrNameLst>
-                                          <p:attrName>ppt_w</p:attrName>
-                                        </p:attrNameLst>
-                                      </p:cBhvr>
-                                      <p:tavLst>
-                                        <p:tav tm="0">
-                                          <p:val>
-                                            <p:fltVal val="0"/>
-                                          </p:val>
-                                        </p:tav>
-                                        <p:tav tm="100000">
-                                          <p:val>
-                                            <p:strVal val="#ppt_w"/>
-                                          </p:val>
-                                        </p:tav>
-                                      </p:tavLst>
-                                    </p:anim>
-                                    <p:anim calcmode="lin" valueType="num">
-                                      <p:cBhvr>
-                                        <p:cTn id="15" dur="500" fill="hold"/>
-                                        <p:tgtEl>
-                                          <p:spTgt spid="3074"/>
-                                        </p:tgtEl>
-                                        <p:attrNameLst>
-                                          <p:attrName>ppt_h</p:attrName>
-                                        </p:attrNameLst>
-                                      </p:cBhvr>
-                                      <p:tavLst>
-                                        <p:tav tm="0">
-                                          <p:val>
-                                            <p:fltVal val="0"/>
-                                          </p:val>
-                                        </p:tav>
-                                        <p:tav tm="100000">
-                                          <p:val>
-                                            <p:strVal val="#ppt_h"/>
-                                          </p:val>
-                                        </p:tav>
-                                      </p:tavLst>
-                                    </p:anim>
-                                  </p:childTnLst>
-                                </p:cTn>
-                              </p:par>
-                            </p:childTnLst>
-                          </p:cTn>
-                        </p:par>
-                      </p:childTnLst>
-                    </p:cTn>
-                  </p:par>
-                  <p:par>
-                    <p:cTn id="16" fill="hold">
-                      <p:stCondLst>
-                        <p:cond delay="indefinite"/>
-                      </p:stCondLst>
-                      <p:childTnLst>
-                        <p:par>
-                          <p:cTn id="17" fill="hold">
-                            <p:stCondLst>
-                              <p:cond delay="0"/>
-                            </p:stCondLst>
-                            <p:childTnLst>
-                              <p:par>
-                                <p:cTn id="18" presetID="31" presetClass="entr" presetSubtype="0" fill="hold" grpId="1" nodeType="clickEffect">
-                                  <p:stCondLst>
-                                    <p:cond delay="0"/>
-                                  </p:stCondLst>
-                                  <p:iterate type="lt">
-                                    <p:tmPct val="5000"/>
-                                  </p:iterate>
-                                  <p:childTnLst>
-                                    <p:set>
-                                      <p:cBhvr>
-                                        <p:cTn id="19" dur="1" fill="hold">
-                                          <p:stCondLst>
-                                            <p:cond delay="0"/>
-                                          </p:stCondLst>
-                                        </p:cTn>
-                                        <p:tgtEl>
-                                          <p:spTgt spid="5"/>
-                                        </p:tgtEl>
-                                        <p:attrNameLst>
-                                          <p:attrName>style.visibility</p:attrName>
-                                        </p:attrNameLst>
-                                      </p:cBhvr>
-                                      <p:to>
-                                        <p:strVal val="visible"/>
-                                      </p:to>
-                                    </p:set>
-                                    <p:anim calcmode="lin" valueType="num">
-                                      <p:cBhvr>
-                                        <p:cTn id="20" dur="500" fill="hold"/>
-                                        <p:tgtEl>
-                                          <p:spTgt spid="5"/>
-                                        </p:tgtEl>
-                                        <p:attrNameLst>
-                                          <p:attrName>ppt_w</p:attrName>
-                                        </p:attrNameLst>
-                                      </p:cBhvr>
-                                      <p:tavLst>
-                                        <p:tav tm="0">
-                                          <p:val>
-                                            <p:fltVal val="0"/>
-                                          </p:val>
-                                        </p:tav>
-                                        <p:tav tm="100000">
-                                          <p:val>
-                                            <p:strVal val="#ppt_w"/>
-                                          </p:val>
-                                        </p:tav>
-                                      </p:tavLst>
-                                    </p:anim>
-                                    <p:anim calcmode="lin" valueType="num">
-                                      <p:cBhvr>
-                                        <p:cTn id="21" dur="500" fill="hold"/>
-                                        <p:tgtEl>
-                                          <p:spTgt spid="5"/>
-                                        </p:tgtEl>
-                                        <p:attrNameLst>
-                                          <p:attrName>ppt_h</p:attrName>
-                                        </p:attrNameLst>
-                                      </p:cBhvr>
-                                      <p:tavLst>
-                                        <p:tav tm="0">
-                                          <p:val>
-                                            <p:fltVal val="0"/>
-                                          </p:val>
-                                        </p:tav>
-                                        <p:tav tm="100000">
-                                          <p:val>
-                                            <p:strVal val="#ppt_h"/>
-                                          </p:val>
-                                        </p:tav>
-                                      </p:tavLst>
-                                    </p:anim>
-                                    <p:anim calcmode="lin" valueType="num">
-                                      <p:cBhvr>
-                                        <p:cTn id="22" dur="500" fill="hold"/>
-                                        <p:tgtEl>
-                                          <p:spTgt spid="5"/>
-                                        </p:tgtEl>
-                                        <p:attrNameLst>
-                                          <p:attrName>style.rotation</p:attrName>
-                                        </p:attrNameLst>
-                                      </p:cBhvr>
-                                      <p:tavLst>
-                                        <p:tav tm="0">
-                                          <p:val>
-                                            <p:fltVal val="90"/>
-                                          </p:val>
-                                        </p:tav>
-                                        <p:tav tm="100000">
-                                          <p:val>
-                                            <p:fltVal val="0"/>
-                                          </p:val>
-                                        </p:tav>
-                                      </p:tavLst>
-                                    </p:anim>
-                                    <p:animEffect transition="in" filter="fade">
-                                      <p:cBhvr>
-                                        <p:cTn id="23" dur="500"/>
-                                        <p:tgtEl>
-                                          <p:spTgt spid="5"/>
-                                        </p:tgtEl>
-                                      </p:cBhvr>
-                                    </p:animEffect>
-                                  </p:childTnLst>
-                                </p:cTn>
-                              </p:par>
-                            </p:childTnLst>
-                          </p:cTn>
-                        </p:par>
-                      </p:childTnLst>
-                    </p:cTn>
-                  </p:par>
-                  <p:par>
-                    <p:cTn id="24" fill="hold">
-                      <p:stCondLst>
-                        <p:cond delay="indefinite"/>
-                      </p:stCondLst>
-                      <p:childTnLst>
-                        <p:par>
-                          <p:cTn id="25" fill="hold">
-                            <p:stCondLst>
-                              <p:cond delay="0"/>
-                            </p:stCondLst>
-                            <p:childTnLst>
-                              <p:par>
-                                <p:cTn id="26" presetID="31" presetClass="entr" presetSubtype="0" fill="hold" grpId="0" nodeType="clickEffect">
-                                  <p:stCondLst>
-                                    <p:cond delay="0"/>
-                                  </p:stCondLst>
-                                  <p:iterate type="lt">
-                                    <p:tmPct val="5000"/>
-                                  </p:iterate>
-                                  <p:childTnLst>
-                                    <p:set>
-                                      <p:cBhvr>
-                                        <p:cTn id="27" dur="1" fill="hold">
-                                          <p:stCondLst>
-                                            <p:cond delay="0"/>
-                                          </p:stCondLst>
-                                        </p:cTn>
-                                        <p:tgtEl>
-                                          <p:spTgt spid="6"/>
-                                        </p:tgtEl>
-                                        <p:attrNameLst>
-                                          <p:attrName>style.visibility</p:attrName>
-                                        </p:attrNameLst>
-                                      </p:cBhvr>
-                                      <p:to>
-                                        <p:strVal val="visible"/>
-                                      </p:to>
-                                    </p:set>
-                                    <p:anim calcmode="lin" valueType="num">
-                                      <p:cBhvr>
-                                        <p:cTn id="28" dur="500" fill="hold"/>
-                                        <p:tgtEl>
-                                          <p:spTgt spid="6"/>
-                                        </p:tgtEl>
-                                        <p:attrNameLst>
-                                          <p:attrName>ppt_w</p:attrName>
-                                        </p:attrNameLst>
-                                      </p:cBhvr>
-                                      <p:tavLst>
-                                        <p:tav tm="0">
-                                          <p:val>
-                                            <p:fltVal val="0"/>
-                                          </p:val>
-                                        </p:tav>
-                                        <p:tav tm="100000">
-                                          <p:val>
-                                            <p:strVal val="#ppt_w"/>
-                                          </p:val>
-                                        </p:tav>
-                                      </p:tavLst>
-                                    </p:anim>
-                                    <p:anim calcmode="lin" valueType="num">
-                                      <p:cBhvr>
-                                        <p:cTn id="29" dur="500" fill="hold"/>
-                                        <p:tgtEl>
-                                          <p:spTgt spid="6"/>
-                                        </p:tgtEl>
-                                        <p:attrNameLst>
-                                          <p:attrName>ppt_h</p:attrName>
-                                        </p:attrNameLst>
-                                      </p:cBhvr>
-                                      <p:tavLst>
-                                        <p:tav tm="0">
-                                          <p:val>
-                                            <p:fltVal val="0"/>
-                                          </p:val>
-                                        </p:tav>
-                                        <p:tav tm="100000">
-                                          <p:val>
-                                            <p:strVal val="#ppt_h"/>
-                                          </p:val>
-                                        </p:tav>
-                                      </p:tavLst>
-                                    </p:anim>
-                                    <p:anim calcmode="lin" valueType="num">
-                                      <p:cBhvr>
-                                        <p:cTn id="30" dur="500" fill="hold"/>
-                                        <p:tgtEl>
-                                          <p:spTgt spid="6"/>
-                                        </p:tgtEl>
-                                        <p:attrNameLst>
-                                          <p:attrName>style.rotation</p:attrName>
-                                        </p:attrNameLst>
-                                      </p:cBhvr>
-                                      <p:tavLst>
-                                        <p:tav tm="0">
-                                          <p:val>
-                                            <p:fltVal val="90"/>
-                                          </p:val>
-                                        </p:tav>
-                                        <p:tav tm="100000">
-                                          <p:val>
-                                            <p:fltVal val="0"/>
-                                          </p:val>
-                                        </p:tav>
-                                      </p:tavLst>
-                                    </p:anim>
-                                    <p:animEffect transition="in" filter="fade">
-                                      <p:cBhvr>
-                                        <p:cTn id="31" dur="500"/>
-                                        <p:tgtEl>
-                                          <p:spTgt spid="6"/>
-                                        </p:tgtEl>
-                                      </p:cBhvr>
-                                    </p:animEffect>
-                                  </p:childTnLst>
-                                </p:cTn>
-                              </p:par>
-                            </p:childTnLst>
-                          </p:cTn>
-                        </p:par>
-                      </p:childTnLst>
-                    </p:cTn>
-                  </p:par>
-                  <p:par>
-                    <p:cTn id="32" fill="hold">
-                      <p:stCondLst>
-                        <p:cond delay="indefinite"/>
-                      </p:stCondLst>
-                      <p:childTnLst>
-                        <p:par>
-                          <p:cTn id="33" fill="hold">
-                            <p:stCondLst>
-                              <p:cond delay="0"/>
-                            </p:stCondLst>
-                            <p:childTnLst>
-                              <p:par>
-                                <p:cTn id="34" presetID="31" presetClass="entr" presetSubtype="0" fill="hold" grpId="0" nodeType="clickEffect">
-                                  <p:stCondLst>
-                                    <p:cond delay="0"/>
-                                  </p:stCondLst>
-                                  <p:iterate type="lt">
-                                    <p:tmPct val="5000"/>
-                                  </p:iterate>
-                                  <p:childTnLst>
-                                    <p:set>
-                                      <p:cBhvr>
-                                        <p:cTn id="35" dur="1" fill="hold">
-                                          <p:stCondLst>
-                                            <p:cond delay="0"/>
-                                          </p:stCondLst>
-                                        </p:cTn>
-                                        <p:tgtEl>
-                                          <p:spTgt spid="7"/>
-                                        </p:tgtEl>
-                                        <p:attrNameLst>
-                                          <p:attrName>style.visibility</p:attrName>
-                                        </p:attrNameLst>
-                                      </p:cBhvr>
-                                      <p:to>
-                                        <p:strVal val="visible"/>
-                                      </p:to>
-                                    </p:set>
-                                    <p:anim calcmode="lin" valueType="num">
-                                      <p:cBhvr>
-                                        <p:cTn id="36" dur="500" fill="hold"/>
-                                        <p:tgtEl>
-                                          <p:spTgt spid="7"/>
-                                        </p:tgtEl>
-                                        <p:attrNameLst>
-                                          <p:attrName>ppt_w</p:attrName>
-                                        </p:attrNameLst>
-                                      </p:cBhvr>
-                                      <p:tavLst>
-                                        <p:tav tm="0">
-                                          <p:val>
-                                            <p:fltVal val="0"/>
-                                          </p:val>
-                                        </p:tav>
-                                        <p:tav tm="100000">
-                                          <p:val>
-                                            <p:strVal val="#ppt_w"/>
-                                          </p:val>
-                                        </p:tav>
-                                      </p:tavLst>
-                                    </p:anim>
-                                    <p:anim calcmode="lin" valueType="num">
-                                      <p:cBhvr>
-                                        <p:cTn id="37" dur="500" fill="hold"/>
-                                        <p:tgtEl>
-                                          <p:spTgt spid="7"/>
-                                        </p:tgtEl>
-                                        <p:attrNameLst>
-                                          <p:attrName>ppt_h</p:attrName>
-                                        </p:attrNameLst>
-                                      </p:cBhvr>
-                                      <p:tavLst>
-                                        <p:tav tm="0">
-                                          <p:val>
-                                            <p:fltVal val="0"/>
-                                          </p:val>
-                                        </p:tav>
-                                        <p:tav tm="100000">
-                                          <p:val>
-                                            <p:strVal val="#ppt_h"/>
-                                          </p:val>
-                                        </p:tav>
-                                      </p:tavLst>
-                                    </p:anim>
-                                    <p:anim calcmode="lin" valueType="num">
-                                      <p:cBhvr>
-                                        <p:cTn id="38" dur="500" fill="hold"/>
-                                        <p:tgtEl>
-                                          <p:spTgt spid="7"/>
-                                        </p:tgtEl>
-                                        <p:attrNameLst>
-                                          <p:attrName>style.rotation</p:attrName>
-                                        </p:attrNameLst>
-                                      </p:cBhvr>
-                                      <p:tavLst>
-                                        <p:tav tm="0">
-                                          <p:val>
-                                            <p:fltVal val="90"/>
-                                          </p:val>
-                                        </p:tav>
-                                        <p:tav tm="100000">
-                                          <p:val>
-                                            <p:fltVal val="0"/>
-                                          </p:val>
-                                        </p:tav>
-                                      </p:tavLst>
-                                    </p:anim>
-                                    <p:animEffect transition="in" filter="fade">
-                                      <p:cBhvr>
-                                        <p:cTn id="39" dur="500"/>
-                                        <p:tgtEl>
-                                          <p:spTgt spid="7"/>
-                                        </p:tgtEl>
-                                      </p:cBhvr>
-                                    </p:animEffect>
-                                  </p:childTnLst>
-                                </p:cTn>
-                              </p:par>
-                            </p:childTnLst>
-                          </p:cTn>
-                        </p:par>
-                      </p:childTnLst>
-                    </p:cTn>
-                  </p:par>
-                </p:childTnLst>
-              </p:cTn>
-              <p:prevCondLst>
-                <p:cond evt="onPrev" delay="0">
-                  <p:tgtEl>
-                    <p:sldTgt/>
-                  </p:tgtEl>
-                </p:cond>
-              </p:prevCondLst>
-              <p:nextCondLst>
-                <p:cond evt="onNext" delay="0">
-                  <p:tgtEl>
-                    <p:sldTgt/>
-                  </p:tgtEl>
-                </p:cond>
-              </p:nextCondLst>
-            </p:seq>
-          </p:childTnLst>
-        </p:cTn>
-      </p:par>
-    </p:tnLst>
-    <p:bldLst>
-      <p:bldP spid="3" grpId="1"/>
-      <p:bldP spid="4" grpId="0"/>
-      <p:bldP spid="5" grpId="1"/>
-      <p:bldP spid="6" grpId="0"/>
-      <p:bldP spid="7" grpId="0"/>
-    </p:bldLst>
-  </p:timing>
-</p:sld>
-</file>
-
-<file path=ppt/slides/slide18.xml><?xml version="1.0" encoding="utf-8"?>
-<p:sld xmlns:a="http://schemas.openxmlformats.org/drawingml/2006/main" xmlns:r="http://schemas.openxmlformats.org/officeDocument/2006/relationships" xmlns:p="http://schemas.openxmlformats.org/presentationml/2006/main">
-  <p:cSld>
-    <p:spTree>
-      <p:nvGrpSpPr>
-        <p:cNvPr id="1" name=""/>
-        <p:cNvGrpSpPr/>
-        <p:nvPr/>
-      </p:nvGrpSpPr>
-      <p:grpSpPr>
-        <a:xfrm>
-          <a:off x="0" y="0"/>
-          <a:ext cx="0" cy="0"/>
-          <a:chOff x="0" y="0"/>
-          <a:chExt cx="0" cy="0"/>
-        </a:xfrm>
-      </p:grpSpPr>
       <p:pic>
         <p:nvPicPr>
-          <p:cNvPr id="3074" name="Picture 2" descr="http://www.cataloghierivistedigitali.it/supporto/images/omino.jpg"/>
+          <p:cNvPr id="4098" name="Picture 2" descr="http://www.stressdalavoro.it/images/Fotolia_13977964_XS.jpg"/>
           <p:cNvPicPr>
             <a:picLocks noChangeAspect="1" noChangeArrowheads="1"/>
           </p:cNvPicPr>
@@ -13836,8 +12843,8 @@
         </p:blipFill>
         <p:spPr bwMode="auto">
           <a:xfrm>
-            <a:off x="35496" y="3573016"/>
-            <a:ext cx="2448272" cy="2819222"/>
+            <a:off x="5436096" y="1916832"/>
+            <a:ext cx="2857500" cy="3810000"/>
           </a:xfrm>
           <a:prstGeom prst="rect">
             <a:avLst/>
@@ -13847,126 +12854,7 @@
       </p:pic>
       <p:sp>
         <p:nvSpPr>
-          <p:cNvPr id="2" name="Segnaposto numero diapositiva 1"/>
-          <p:cNvSpPr>
-            <a:spLocks noGrp="1"/>
-          </p:cNvSpPr>
-          <p:nvPr>
-            <p:ph type="sldNum" sz="quarter" idx="12"/>
-          </p:nvPr>
-        </p:nvSpPr>
-        <p:spPr/>
-        <p:txBody>
-          <a:bodyPr/>
-          <a:lstStyle/>
-          <a:p>
-            <a:fld id="{F89AEA99-3E91-4C58-9AD4-045DB5619AC3}" type="slidenum">
-              <a:rPr lang="it-IT" smtClean="0"/>
-              <a:pPr/>
-              <a:t>18</a:t>
-            </a:fld>
-            <a:endParaRPr lang="it-IT"/>
-          </a:p>
-        </p:txBody>
-      </p:sp>
-      <p:sp>
-        <p:nvSpPr>
-          <p:cNvPr id="3" name="CasellaDiTesto 2"/>
-          <p:cNvSpPr txBox="1"/>
-          <p:nvPr/>
-        </p:nvSpPr>
-        <p:spPr>
-          <a:xfrm>
-            <a:off x="3171198" y="404664"/>
-            <a:ext cx="3116559" cy="1107996"/>
-          </a:xfrm>
-          <a:prstGeom prst="rect">
-            <a:avLst/>
-          </a:prstGeom>
-          <a:noFill/>
-        </p:spPr>
-        <p:txBody>
-          <a:bodyPr wrap="square" rtlCol="0">
-            <a:spAutoFit/>
-          </a:bodyPr>
-          <a:lstStyle/>
-          <a:p>
-            <a:pPr algn="ctr"/>
-            <a:r>
-              <a:rPr lang="it-IT" sz="4800" b="1" dirty="0" smtClean="0">
-                <a:latin typeface="+mj-lt"/>
-              </a:rPr>
-              <a:t>Conclusioni</a:t>
-            </a:r>
-          </a:p>
-          <a:p>
-            <a:pPr algn="ctr"/>
-            <a:endParaRPr lang="it-IT" dirty="0">
-              <a:latin typeface="+mj-lt"/>
-            </a:endParaRPr>
-          </a:p>
-        </p:txBody>
-      </p:sp>
-      <p:sp>
-        <p:nvSpPr>
-          <p:cNvPr id="4" name="Rettangolo 3"/>
-          <p:cNvSpPr/>
-          <p:nvPr/>
-        </p:nvSpPr>
-        <p:spPr>
-          <a:xfrm>
-            <a:off x="299291" y="1476073"/>
-            <a:ext cx="4272709" cy="584775"/>
-          </a:xfrm>
-          <a:prstGeom prst="rect">
-            <a:avLst/>
-          </a:prstGeom>
-        </p:spPr>
-        <p:txBody>
-          <a:bodyPr wrap="none">
-            <a:spAutoFit/>
-          </a:bodyPr>
-          <a:lstStyle/>
-          <a:p>
-            <a:pPr algn="ctr"/>
-            <a:r>
-              <a:rPr lang="it-IT" sz="3200" b="1" i="1" dirty="0" smtClean="0">
-                <a:solidFill>
-                  <a:schemeClr val="accent5"/>
-                </a:solidFill>
-              </a:rPr>
-              <a:t>Cosa </a:t>
-            </a:r>
-            <a:r>
-              <a:rPr lang="it-IT" sz="3200" b="1" i="1" dirty="0" smtClean="0">
-                <a:solidFill>
-                  <a:schemeClr val="accent5"/>
-                </a:solidFill>
-              </a:rPr>
-              <a:t>non è</a:t>
-            </a:r>
-            <a:r>
-              <a:rPr lang="it-IT" sz="3200" b="1" i="1" dirty="0" smtClean="0">
-                <a:solidFill>
-                  <a:schemeClr val="accent5"/>
-                </a:solidFill>
-              </a:rPr>
-              <a:t> </a:t>
-            </a:r>
-            <a:r>
-              <a:rPr lang="it-IT" sz="3200" b="1" i="1" dirty="0" smtClean="0">
-                <a:solidFill>
-                  <a:schemeClr val="accent5"/>
-                </a:solidFill>
-              </a:rPr>
-              <a:t>andato bene</a:t>
-            </a:r>
-          </a:p>
-        </p:txBody>
-      </p:sp>
-      <p:sp>
-        <p:nvSpPr>
-          <p:cNvPr id="5" name="Content Placeholder 3"/>
+          <p:cNvPr id="10" name="Content Placeholder 3"/>
           <p:cNvSpPr txBox="1">
             <a:spLocks/>
           </p:cNvSpPr>
@@ -13974,8 +12862,8 @@
         </p:nvSpPr>
         <p:spPr>
           <a:xfrm>
-            <a:off x="323528" y="2276872"/>
-            <a:ext cx="8676456" cy="1008112"/>
+            <a:off x="827584" y="4365104"/>
+            <a:ext cx="4536504" cy="792088"/>
           </a:xfrm>
           <a:prstGeom prst="rect">
             <a:avLst/>
@@ -14151,463 +13039,9 @@
             </a:r>
             <a:r>
               <a:rPr lang="it-IT" dirty="0" smtClean="0"/>
-              <a:t>Sistema non implementato</a:t>
-            </a:r>
-          </a:p>
-          <a:p>
-            <a:pPr marL="0" indent="0">
-              <a:buNone/>
-            </a:pPr>
-            <a:r>
-              <a:rPr lang="it-IT" i="1" dirty="0" smtClean="0"/>
-              <a:t> </a:t>
-            </a:r>
-            <a:r>
-              <a:rPr lang="it-IT" i="1" dirty="0" smtClean="0"/>
-              <a:t>   bassa priorità e tempo scarso</a:t>
+              <a:t>Varie difficoltà incontrate durante il progetto</a:t>
             </a:r>
             <a:endParaRPr lang="it-IT" i="1" dirty="0" smtClean="0"/>
-          </a:p>
-          <a:p>
-            <a:pPr marL="0" indent="0">
-              <a:buNone/>
-            </a:pPr>
-            <a:endParaRPr lang="it-IT" dirty="0" smtClean="0"/>
-          </a:p>
-        </p:txBody>
-      </p:sp>
-      <p:sp>
-        <p:nvSpPr>
-          <p:cNvPr id="6" name="Content Placeholder 3"/>
-          <p:cNvSpPr txBox="1">
-            <a:spLocks/>
-          </p:cNvSpPr>
-          <p:nvPr/>
-        </p:nvSpPr>
-        <p:spPr>
-          <a:xfrm>
-            <a:off x="2051720" y="3645024"/>
-            <a:ext cx="6840760" cy="1224136"/>
-          </a:xfrm>
-          <a:prstGeom prst="rect">
-            <a:avLst/>
-          </a:prstGeom>
-        </p:spPr>
-        <p:txBody>
-          <a:bodyPr tIns="0"/>
-          <a:lstStyle>
-            <a:lvl1pPr marL="274320" indent="-274320" algn="l" rtl="0" eaLnBrk="1" latinLnBrk="0" hangingPunct="1">
-              <a:spcBef>
-                <a:spcPct val="20000"/>
-              </a:spcBef>
-              <a:buClrTx/>
-              <a:buSzPct val="95000"/>
-              <a:buFont typeface="Wingdings" pitchFamily="2" charset="2"/>
-              <a:buChar char="v"/>
-              <a:defRPr kumimoji="0" sz="2800" kern="1200">
-                <a:solidFill>
-                  <a:schemeClr val="tx1"/>
-                </a:solidFill>
-                <a:latin typeface="+mn-lt"/>
-                <a:ea typeface="+mn-ea"/>
-                <a:cs typeface="+mn-cs"/>
-              </a:defRPr>
-            </a:lvl1pPr>
-            <a:lvl2pPr marL="640080" indent="-246888" algn="l" rtl="0" eaLnBrk="1" latinLnBrk="0" hangingPunct="1">
-              <a:spcBef>
-                <a:spcPct val="20000"/>
-              </a:spcBef>
-              <a:buClrTx/>
-              <a:buSzPct val="85000"/>
-              <a:buFont typeface="Courier New" pitchFamily="49" charset="0"/>
-              <a:buChar char="o"/>
-              <a:defRPr kumimoji="0" sz="2600" kern="1200">
-                <a:solidFill>
-                  <a:schemeClr val="tx1"/>
-                </a:solidFill>
-                <a:latin typeface="+mn-lt"/>
-                <a:ea typeface="+mn-ea"/>
-                <a:cs typeface="+mn-cs"/>
-              </a:defRPr>
-            </a:lvl2pPr>
-            <a:lvl3pPr marL="914400" indent="-246888" algn="l" rtl="0" eaLnBrk="1" latinLnBrk="0" hangingPunct="1">
-              <a:spcBef>
-                <a:spcPct val="20000"/>
-              </a:spcBef>
-              <a:buClrTx/>
-              <a:buSzPct val="70000"/>
-              <a:buFont typeface="Wingdings 2"/>
-              <a:buChar char=""/>
-              <a:defRPr kumimoji="0" sz="2400" kern="1200">
-                <a:solidFill>
-                  <a:schemeClr val="tx1"/>
-                </a:solidFill>
-                <a:latin typeface="+mn-lt"/>
-                <a:ea typeface="+mn-ea"/>
-                <a:cs typeface="+mn-cs"/>
-              </a:defRPr>
-            </a:lvl3pPr>
-            <a:lvl4pPr marL="1188720" indent="-210312" algn="l" rtl="0" eaLnBrk="1" latinLnBrk="0" hangingPunct="1">
-              <a:spcBef>
-                <a:spcPct val="20000"/>
-              </a:spcBef>
-              <a:buClrTx/>
-              <a:buSzPct val="65000"/>
-              <a:buFont typeface="Wingdings 2"/>
-              <a:buChar char=""/>
-              <a:defRPr kumimoji="0" sz="2000" kern="1200">
-                <a:solidFill>
-                  <a:schemeClr val="tx1"/>
-                </a:solidFill>
-                <a:latin typeface="+mn-lt"/>
-                <a:ea typeface="+mn-ea"/>
-                <a:cs typeface="+mn-cs"/>
-              </a:defRPr>
-            </a:lvl4pPr>
-            <a:lvl5pPr marL="1463040" indent="-210312" algn="l" rtl="0" eaLnBrk="1" latinLnBrk="0" hangingPunct="1">
-              <a:spcBef>
-                <a:spcPct val="20000"/>
-              </a:spcBef>
-              <a:buClrTx/>
-              <a:buSzPct val="65000"/>
-              <a:buFont typeface="Wingdings 2"/>
-              <a:buChar char=""/>
-              <a:defRPr kumimoji="0" sz="1800" kern="1200">
-                <a:solidFill>
-                  <a:schemeClr val="tx1"/>
-                </a:solidFill>
-                <a:latin typeface="+mn-lt"/>
-                <a:ea typeface="+mn-ea"/>
-                <a:cs typeface="+mn-cs"/>
-              </a:defRPr>
-            </a:lvl5pPr>
-            <a:lvl6pPr marL="1737360" indent="-210312" algn="l" rtl="0" eaLnBrk="1" latinLnBrk="0" hangingPunct="1">
-              <a:spcBef>
-                <a:spcPct val="20000"/>
-              </a:spcBef>
-              <a:buClr>
-                <a:schemeClr val="accent5"/>
-              </a:buClr>
-              <a:buSzPct val="80000"/>
-              <a:buFont typeface="Wingdings 2"/>
-              <a:buChar char=""/>
-              <a:defRPr kumimoji="0" sz="1800" kern="1200">
-                <a:solidFill>
-                  <a:schemeClr val="tx1"/>
-                </a:solidFill>
-                <a:latin typeface="+mn-lt"/>
-                <a:ea typeface="+mn-ea"/>
-                <a:cs typeface="+mn-cs"/>
-              </a:defRPr>
-            </a:lvl6pPr>
-            <a:lvl7pPr marL="1920240" indent="-182880" algn="l" rtl="0" eaLnBrk="1" latinLnBrk="0" hangingPunct="1">
-              <a:spcBef>
-                <a:spcPct val="20000"/>
-              </a:spcBef>
-              <a:buClr>
-                <a:schemeClr val="accent6"/>
-              </a:buClr>
-              <a:buSzPct val="80000"/>
-              <a:buFont typeface="Wingdings 2"/>
-              <a:buChar char=""/>
-              <a:defRPr kumimoji="0" sz="1600" kern="1200" baseline="0">
-                <a:solidFill>
-                  <a:schemeClr val="tx1"/>
-                </a:solidFill>
-                <a:latin typeface="+mn-lt"/>
-                <a:ea typeface="+mn-ea"/>
-                <a:cs typeface="+mn-cs"/>
-              </a:defRPr>
-            </a:lvl7pPr>
-            <a:lvl8pPr marL="2194560" indent="-182880" algn="l" rtl="0" eaLnBrk="1" latinLnBrk="0" hangingPunct="1">
-              <a:spcBef>
-                <a:spcPct val="20000"/>
-              </a:spcBef>
-              <a:buClr>
-                <a:schemeClr val="tx2"/>
-              </a:buClr>
-              <a:buChar char="•"/>
-              <a:defRPr kumimoji="0" sz="1600" kern="1200">
-                <a:solidFill>
-                  <a:schemeClr val="tx1"/>
-                </a:solidFill>
-                <a:latin typeface="+mn-lt"/>
-                <a:ea typeface="+mn-ea"/>
-                <a:cs typeface="+mn-cs"/>
-              </a:defRPr>
-            </a:lvl8pPr>
-            <a:lvl9pPr marL="2468880" indent="-182880" algn="l" rtl="0" eaLnBrk="1" latinLnBrk="0" hangingPunct="1">
-              <a:spcBef>
-                <a:spcPct val="20000"/>
-              </a:spcBef>
-              <a:buClr>
-                <a:schemeClr val="tx2"/>
-              </a:buClr>
-              <a:buFontTx/>
-              <a:buChar char="•"/>
-              <a:defRPr kumimoji="0" sz="1400" kern="1200" baseline="0">
-                <a:solidFill>
-                  <a:schemeClr val="tx1"/>
-                </a:solidFill>
-                <a:latin typeface="+mn-lt"/>
-                <a:ea typeface="+mn-ea"/>
-                <a:cs typeface="+mn-cs"/>
-              </a:defRPr>
-            </a:lvl9pPr>
-          </a:lstStyle>
-          <a:p>
-            <a:pPr marL="0" indent="0"/>
-            <a:r>
-              <a:rPr lang="it-IT" dirty="0" smtClean="0"/>
-              <a:t> Divisione </a:t>
-            </a:r>
-            <a:r>
-              <a:rPr lang="it-IT" b="1" dirty="0" smtClean="0">
-                <a:solidFill>
-                  <a:schemeClr val="bg1"/>
-                </a:solidFill>
-              </a:rPr>
-              <a:t>orizzontale</a:t>
-            </a:r>
-            <a:r>
-              <a:rPr lang="it-IT" dirty="0" smtClean="0"/>
-              <a:t> delle responsabilità: </a:t>
-            </a:r>
-            <a:r>
-              <a:rPr lang="it-IT" i="1" dirty="0" smtClean="0"/>
-              <a:t>buona</a:t>
-            </a:r>
-            <a:r>
-              <a:rPr lang="it-IT" dirty="0" smtClean="0"/>
-              <a:t> </a:t>
-            </a:r>
-            <a:r>
-              <a:rPr lang="it-IT" i="1" dirty="0" smtClean="0"/>
-              <a:t>conoscenza </a:t>
-            </a:r>
-            <a:r>
-              <a:rPr lang="it-IT" i="1" dirty="0" smtClean="0"/>
-              <a:t>di tutti i requisiti del </a:t>
-            </a:r>
-            <a:r>
-              <a:rPr lang="it-IT" i="1" dirty="0" smtClean="0"/>
-              <a:t>proprio sottosistema</a:t>
-            </a:r>
-            <a:endParaRPr lang="it-IT" i="1" dirty="0" smtClean="0"/>
-          </a:p>
-          <a:p>
-            <a:pPr marL="0" indent="0">
-              <a:buNone/>
-            </a:pPr>
-            <a:endParaRPr lang="it-IT" dirty="0" smtClean="0"/>
-          </a:p>
-        </p:txBody>
-      </p:sp>
-      <p:sp>
-        <p:nvSpPr>
-          <p:cNvPr id="7" name="Content Placeholder 3"/>
-          <p:cNvSpPr txBox="1">
-            <a:spLocks/>
-          </p:cNvSpPr>
-          <p:nvPr/>
-        </p:nvSpPr>
-        <p:spPr>
-          <a:xfrm>
-            <a:off x="3239344" y="5229200"/>
-            <a:ext cx="5904656" cy="864096"/>
-          </a:xfrm>
-          <a:prstGeom prst="rect">
-            <a:avLst/>
-          </a:prstGeom>
-        </p:spPr>
-        <p:txBody>
-          <a:bodyPr tIns="0"/>
-          <a:lstStyle>
-            <a:lvl1pPr marL="274320" indent="-274320" algn="l" rtl="0" eaLnBrk="1" latinLnBrk="0" hangingPunct="1">
-              <a:spcBef>
-                <a:spcPct val="20000"/>
-              </a:spcBef>
-              <a:buClrTx/>
-              <a:buSzPct val="95000"/>
-              <a:buFont typeface="Wingdings" pitchFamily="2" charset="2"/>
-              <a:buChar char="v"/>
-              <a:defRPr kumimoji="0" sz="2800" kern="1200">
-                <a:solidFill>
-                  <a:schemeClr val="tx1"/>
-                </a:solidFill>
-                <a:latin typeface="+mn-lt"/>
-                <a:ea typeface="+mn-ea"/>
-                <a:cs typeface="+mn-cs"/>
-              </a:defRPr>
-            </a:lvl1pPr>
-            <a:lvl2pPr marL="640080" indent="-246888" algn="l" rtl="0" eaLnBrk="1" latinLnBrk="0" hangingPunct="1">
-              <a:spcBef>
-                <a:spcPct val="20000"/>
-              </a:spcBef>
-              <a:buClrTx/>
-              <a:buSzPct val="85000"/>
-              <a:buFont typeface="Courier New" pitchFamily="49" charset="0"/>
-              <a:buChar char="o"/>
-              <a:defRPr kumimoji="0" sz="2600" kern="1200">
-                <a:solidFill>
-                  <a:schemeClr val="tx1"/>
-                </a:solidFill>
-                <a:latin typeface="+mn-lt"/>
-                <a:ea typeface="+mn-ea"/>
-                <a:cs typeface="+mn-cs"/>
-              </a:defRPr>
-            </a:lvl2pPr>
-            <a:lvl3pPr marL="914400" indent="-246888" algn="l" rtl="0" eaLnBrk="1" latinLnBrk="0" hangingPunct="1">
-              <a:spcBef>
-                <a:spcPct val="20000"/>
-              </a:spcBef>
-              <a:buClrTx/>
-              <a:buSzPct val="70000"/>
-              <a:buFont typeface="Wingdings 2"/>
-              <a:buChar char=""/>
-              <a:defRPr kumimoji="0" sz="2400" kern="1200">
-                <a:solidFill>
-                  <a:schemeClr val="tx1"/>
-                </a:solidFill>
-                <a:latin typeface="+mn-lt"/>
-                <a:ea typeface="+mn-ea"/>
-                <a:cs typeface="+mn-cs"/>
-              </a:defRPr>
-            </a:lvl3pPr>
-            <a:lvl4pPr marL="1188720" indent="-210312" algn="l" rtl="0" eaLnBrk="1" latinLnBrk="0" hangingPunct="1">
-              <a:spcBef>
-                <a:spcPct val="20000"/>
-              </a:spcBef>
-              <a:buClrTx/>
-              <a:buSzPct val="65000"/>
-              <a:buFont typeface="Wingdings 2"/>
-              <a:buChar char=""/>
-              <a:defRPr kumimoji="0" sz="2000" kern="1200">
-                <a:solidFill>
-                  <a:schemeClr val="tx1"/>
-                </a:solidFill>
-                <a:latin typeface="+mn-lt"/>
-                <a:ea typeface="+mn-ea"/>
-                <a:cs typeface="+mn-cs"/>
-              </a:defRPr>
-            </a:lvl4pPr>
-            <a:lvl5pPr marL="1463040" indent="-210312" algn="l" rtl="0" eaLnBrk="1" latinLnBrk="0" hangingPunct="1">
-              <a:spcBef>
-                <a:spcPct val="20000"/>
-              </a:spcBef>
-              <a:buClrTx/>
-              <a:buSzPct val="65000"/>
-              <a:buFont typeface="Wingdings 2"/>
-              <a:buChar char=""/>
-              <a:defRPr kumimoji="0" sz="1800" kern="1200">
-                <a:solidFill>
-                  <a:schemeClr val="tx1"/>
-                </a:solidFill>
-                <a:latin typeface="+mn-lt"/>
-                <a:ea typeface="+mn-ea"/>
-                <a:cs typeface="+mn-cs"/>
-              </a:defRPr>
-            </a:lvl5pPr>
-            <a:lvl6pPr marL="1737360" indent="-210312" algn="l" rtl="0" eaLnBrk="1" latinLnBrk="0" hangingPunct="1">
-              <a:spcBef>
-                <a:spcPct val="20000"/>
-              </a:spcBef>
-              <a:buClr>
-                <a:schemeClr val="accent5"/>
-              </a:buClr>
-              <a:buSzPct val="80000"/>
-              <a:buFont typeface="Wingdings 2"/>
-              <a:buChar char=""/>
-              <a:defRPr kumimoji="0" sz="1800" kern="1200">
-                <a:solidFill>
-                  <a:schemeClr val="tx1"/>
-                </a:solidFill>
-                <a:latin typeface="+mn-lt"/>
-                <a:ea typeface="+mn-ea"/>
-                <a:cs typeface="+mn-cs"/>
-              </a:defRPr>
-            </a:lvl6pPr>
-            <a:lvl7pPr marL="1920240" indent="-182880" algn="l" rtl="0" eaLnBrk="1" latinLnBrk="0" hangingPunct="1">
-              <a:spcBef>
-                <a:spcPct val="20000"/>
-              </a:spcBef>
-              <a:buClr>
-                <a:schemeClr val="accent6"/>
-              </a:buClr>
-              <a:buSzPct val="80000"/>
-              <a:buFont typeface="Wingdings 2"/>
-              <a:buChar char=""/>
-              <a:defRPr kumimoji="0" sz="1600" kern="1200" baseline="0">
-                <a:solidFill>
-                  <a:schemeClr val="tx1"/>
-                </a:solidFill>
-                <a:latin typeface="+mn-lt"/>
-                <a:ea typeface="+mn-ea"/>
-                <a:cs typeface="+mn-cs"/>
-              </a:defRPr>
-            </a:lvl7pPr>
-            <a:lvl8pPr marL="2194560" indent="-182880" algn="l" rtl="0" eaLnBrk="1" latinLnBrk="0" hangingPunct="1">
-              <a:spcBef>
-                <a:spcPct val="20000"/>
-              </a:spcBef>
-              <a:buClr>
-                <a:schemeClr val="tx2"/>
-              </a:buClr>
-              <a:buChar char="•"/>
-              <a:defRPr kumimoji="0" sz="1600" kern="1200">
-                <a:solidFill>
-                  <a:schemeClr val="tx1"/>
-                </a:solidFill>
-                <a:latin typeface="+mn-lt"/>
-                <a:ea typeface="+mn-ea"/>
-                <a:cs typeface="+mn-cs"/>
-              </a:defRPr>
-            </a:lvl8pPr>
-            <a:lvl9pPr marL="2468880" indent="-182880" algn="l" rtl="0" eaLnBrk="1" latinLnBrk="0" hangingPunct="1">
-              <a:spcBef>
-                <a:spcPct val="20000"/>
-              </a:spcBef>
-              <a:buClr>
-                <a:schemeClr val="tx2"/>
-              </a:buClr>
-              <a:buFontTx/>
-              <a:buChar char="•"/>
-              <a:defRPr kumimoji="0" sz="1400" kern="1200" baseline="0">
-                <a:solidFill>
-                  <a:schemeClr val="tx1"/>
-                </a:solidFill>
-                <a:latin typeface="+mn-lt"/>
-                <a:ea typeface="+mn-ea"/>
-                <a:cs typeface="+mn-cs"/>
-              </a:defRPr>
-            </a:lvl9pPr>
-          </a:lstStyle>
-          <a:p>
-            <a:pPr marL="0" indent="0"/>
-            <a:r>
-              <a:rPr lang="it-IT" dirty="0" smtClean="0"/>
-              <a:t> Funzionalità concettualmente </a:t>
-            </a:r>
-            <a:r>
-              <a:rPr lang="it-IT" b="1" dirty="0" smtClean="0"/>
-              <a:t>ben</a:t>
-            </a:r>
-            <a:r>
-              <a:rPr lang="it-IT" dirty="0" smtClean="0"/>
-              <a:t> </a:t>
-            </a:r>
-            <a:r>
-              <a:rPr lang="it-IT" b="1" dirty="0" smtClean="0"/>
-              <a:t>definite</a:t>
-            </a:r>
-            <a:r>
-              <a:rPr lang="it-IT" dirty="0" smtClean="0"/>
-              <a:t> e chiare: </a:t>
-            </a:r>
-            <a:r>
-              <a:rPr lang="it-IT" i="1" dirty="0" smtClean="0"/>
-              <a:t>tirocinanti e servizi</a:t>
-            </a:r>
           </a:p>
           <a:p>
             <a:pPr marL="0" indent="0">
@@ -14726,7 +13160,7 @@
                                 </p:cTn>
                               </p:par>
                               <p:par>
-                                <p:cTn id="12" presetID="23" presetClass="entr" presetSubtype="16" fill="hold" nodeType="withEffect">
+                                <p:cTn id="12" presetID="10" presetClass="entr" presetSubtype="0" fill="hold" nodeType="withEffect">
                                   <p:stCondLst>
                                     <p:cond delay="0"/>
                                   </p:stCondLst>
@@ -14739,7 +13173,7 @@
                                           </p:stCondLst>
                                         </p:cTn>
                                         <p:tgtEl>
-                                          <p:spTgt spid="3074"/>
+                                          <p:spTgt spid="4098"/>
                                         </p:tgtEl>
                                         <p:attrNameLst>
                                           <p:attrName>style.visibility</p:attrName>
@@ -14749,52 +13183,14 @@
                                         <p:strVal val="visible"/>
                                       </p:to>
                                     </p:set>
-                                    <p:anim calcmode="lin" valueType="num">
+                                    <p:animEffect transition="in" filter="fade">
                                       <p:cBhvr>
-                                        <p:cTn id="14" dur="500" fill="hold"/>
+                                        <p:cTn id="14" dur="1000"/>
                                         <p:tgtEl>
-                                          <p:spTgt spid="3074"/>
+                                          <p:spTgt spid="4098"/>
                                         </p:tgtEl>
-                                        <p:attrNameLst>
-                                          <p:attrName>ppt_w</p:attrName>
-                                        </p:attrNameLst>
                                       </p:cBhvr>
-                                      <p:tavLst>
-                                        <p:tav tm="0">
-                                          <p:val>
-                                            <p:fltVal val="0"/>
-                                          </p:val>
-                                        </p:tav>
-                                        <p:tav tm="100000">
-                                          <p:val>
-                                            <p:strVal val="#ppt_w"/>
-                                          </p:val>
-                                        </p:tav>
-                                      </p:tavLst>
-                                    </p:anim>
-                                    <p:anim calcmode="lin" valueType="num">
-                                      <p:cBhvr>
-                                        <p:cTn id="15" dur="500" fill="hold"/>
-                                        <p:tgtEl>
-                                          <p:spTgt spid="3074"/>
-                                        </p:tgtEl>
-                                        <p:attrNameLst>
-                                          <p:attrName>ppt_h</p:attrName>
-                                        </p:attrNameLst>
-                                      </p:cBhvr>
-                                      <p:tavLst>
-                                        <p:tav tm="0">
-                                          <p:val>
-                                            <p:fltVal val="0"/>
-                                          </p:val>
-                                        </p:tav>
-                                        <p:tav tm="100000">
-                                          <p:val>
-                                            <p:strVal val="#ppt_h"/>
-                                          </p:val>
-                                        </p:tav>
-                                      </p:tavLst>
-                                    </p:anim>
+                                    </p:animEffect>
                                   </p:childTnLst>
                                 </p:cTn>
                               </p:par>
@@ -14805,29 +13201,29 @@
                     </p:cTn>
                   </p:par>
                   <p:par>
-                    <p:cTn id="16" fill="hold">
+                    <p:cTn id="15" fill="hold">
                       <p:stCondLst>
                         <p:cond delay="indefinite"/>
                       </p:stCondLst>
                       <p:childTnLst>
                         <p:par>
-                          <p:cTn id="17" fill="hold">
+                          <p:cTn id="16" fill="hold">
                             <p:stCondLst>
                               <p:cond delay="0"/>
                             </p:stCondLst>
                             <p:childTnLst>
                               <p:par>
-                                <p:cTn id="18" presetID="31" presetClass="entr" presetSubtype="0" fill="hold" grpId="0" nodeType="clickEffect">
+                                <p:cTn id="17" presetID="10" presetClass="entr" presetSubtype="0" fill="hold" grpId="0" nodeType="clickEffect">
                                   <p:stCondLst>
                                     <p:cond delay="0"/>
                                   </p:stCondLst>
                                   <p:iterate type="lt">
-                                    <p:tmPct val="5000"/>
+                                    <p:tmPct val="0"/>
                                   </p:iterate>
                                   <p:childTnLst>
                                     <p:set>
                                       <p:cBhvr>
-                                        <p:cTn id="19" dur="1" fill="hold">
+                                        <p:cTn id="18" dur="1" fill="hold">
                                           <p:stCondLst>
                                             <p:cond delay="0"/>
                                           </p:stCondLst>
@@ -14843,78 +13239,9 @@
                                         <p:strVal val="visible"/>
                                       </p:to>
                                     </p:set>
-                                    <p:anim calcmode="lin" valueType="num">
-                                      <p:cBhvr>
-                                        <p:cTn id="20" dur="500" fill="hold"/>
-                                        <p:tgtEl>
-                                          <p:spTgt spid="5"/>
-                                        </p:tgtEl>
-                                        <p:attrNameLst>
-                                          <p:attrName>ppt_w</p:attrName>
-                                        </p:attrNameLst>
-                                      </p:cBhvr>
-                                      <p:tavLst>
-                                        <p:tav tm="0">
-                                          <p:val>
-                                            <p:fltVal val="0"/>
-                                          </p:val>
-                                        </p:tav>
-                                        <p:tav tm="100000">
-                                          <p:val>
-                                            <p:strVal val="#ppt_w"/>
-                                          </p:val>
-                                        </p:tav>
-                                      </p:tavLst>
-                                    </p:anim>
-                                    <p:anim calcmode="lin" valueType="num">
-                                      <p:cBhvr>
-                                        <p:cTn id="21" dur="500" fill="hold"/>
-                                        <p:tgtEl>
-                                          <p:spTgt spid="5"/>
-                                        </p:tgtEl>
-                                        <p:attrNameLst>
-                                          <p:attrName>ppt_h</p:attrName>
-                                        </p:attrNameLst>
-                                      </p:cBhvr>
-                                      <p:tavLst>
-                                        <p:tav tm="0">
-                                          <p:val>
-                                            <p:fltVal val="0"/>
-                                          </p:val>
-                                        </p:tav>
-                                        <p:tav tm="100000">
-                                          <p:val>
-                                            <p:strVal val="#ppt_h"/>
-                                          </p:val>
-                                        </p:tav>
-                                      </p:tavLst>
-                                    </p:anim>
-                                    <p:anim calcmode="lin" valueType="num">
-                                      <p:cBhvr>
-                                        <p:cTn id="22" dur="500" fill="hold"/>
-                                        <p:tgtEl>
-                                          <p:spTgt spid="5"/>
-                                        </p:tgtEl>
-                                        <p:attrNameLst>
-                                          <p:attrName>style.rotation</p:attrName>
-                                        </p:attrNameLst>
-                                      </p:cBhvr>
-                                      <p:tavLst>
-                                        <p:tav tm="0">
-                                          <p:val>
-                                            <p:fltVal val="90"/>
-                                          </p:val>
-                                        </p:tav>
-                                        <p:tav tm="100000">
-                                          <p:val>
-                                            <p:fltVal val="0"/>
-                                          </p:val>
-                                        </p:tav>
-                                      </p:tavLst>
-                                    </p:anim>
                                     <p:animEffect transition="in" filter="fade">
                                       <p:cBhvr>
-                                        <p:cTn id="23" dur="500"/>
+                                        <p:cTn id="19" dur="1000"/>
                                         <p:tgtEl>
                                           <p:spTgt spid="5"/>
                                         </p:tgtEl>
@@ -14923,42 +13250,21 @@
                                   </p:childTnLst>
                                 </p:cTn>
                               </p:par>
-                            </p:childTnLst>
-                          </p:cTn>
-                        </p:par>
-                      </p:childTnLst>
-                    </p:cTn>
-                  </p:par>
-                  <p:par>
-                    <p:cTn id="24" fill="hold">
-                      <p:stCondLst>
-                        <p:cond delay="indefinite"/>
-                      </p:stCondLst>
-                      <p:childTnLst>
-                        <p:par>
-                          <p:cTn id="25" fill="hold">
-                            <p:stCondLst>
-                              <p:cond delay="0"/>
-                            </p:stCondLst>
-                            <p:childTnLst>
                               <p:par>
-                                <p:cTn id="26" presetID="31" presetClass="entr" presetSubtype="0" fill="hold" grpId="0" nodeType="clickEffect">
+                                <p:cTn id="20" presetID="10" presetClass="entr" presetSubtype="0" fill="hold" grpId="0" nodeType="withEffect">
                                   <p:stCondLst>
                                     <p:cond delay="0"/>
                                   </p:stCondLst>
-                                  <p:iterate type="lt">
-                                    <p:tmPct val="5000"/>
-                                  </p:iterate>
                                   <p:childTnLst>
                                     <p:set>
                                       <p:cBhvr>
-                                        <p:cTn id="27" dur="1" fill="hold">
+                                        <p:cTn id="21" dur="1" fill="hold">
                                           <p:stCondLst>
                                             <p:cond delay="0"/>
                                           </p:stCondLst>
                                         </p:cTn>
                                         <p:tgtEl>
-                                          <p:spTgt spid="6"/>
+                                          <p:spTgt spid="10"/>
                                         </p:tgtEl>
                                         <p:attrNameLst>
                                           <p:attrName>style.visibility</p:attrName>
@@ -14968,205 +13274,11 @@
                                         <p:strVal val="visible"/>
                                       </p:to>
                                     </p:set>
-                                    <p:anim calcmode="lin" valueType="num">
-                                      <p:cBhvr>
-                                        <p:cTn id="28" dur="500" fill="hold"/>
-                                        <p:tgtEl>
-                                          <p:spTgt spid="6"/>
-                                        </p:tgtEl>
-                                        <p:attrNameLst>
-                                          <p:attrName>ppt_w</p:attrName>
-                                        </p:attrNameLst>
-                                      </p:cBhvr>
-                                      <p:tavLst>
-                                        <p:tav tm="0">
-                                          <p:val>
-                                            <p:fltVal val="0"/>
-                                          </p:val>
-                                        </p:tav>
-                                        <p:tav tm="100000">
-                                          <p:val>
-                                            <p:strVal val="#ppt_w"/>
-                                          </p:val>
-                                        </p:tav>
-                                      </p:tavLst>
-                                    </p:anim>
-                                    <p:anim calcmode="lin" valueType="num">
-                                      <p:cBhvr>
-                                        <p:cTn id="29" dur="500" fill="hold"/>
-                                        <p:tgtEl>
-                                          <p:spTgt spid="6"/>
-                                        </p:tgtEl>
-                                        <p:attrNameLst>
-                                          <p:attrName>ppt_h</p:attrName>
-                                        </p:attrNameLst>
-                                      </p:cBhvr>
-                                      <p:tavLst>
-                                        <p:tav tm="0">
-                                          <p:val>
-                                            <p:fltVal val="0"/>
-                                          </p:val>
-                                        </p:tav>
-                                        <p:tav tm="100000">
-                                          <p:val>
-                                            <p:strVal val="#ppt_h"/>
-                                          </p:val>
-                                        </p:tav>
-                                      </p:tavLst>
-                                    </p:anim>
-                                    <p:anim calcmode="lin" valueType="num">
-                                      <p:cBhvr>
-                                        <p:cTn id="30" dur="500" fill="hold"/>
-                                        <p:tgtEl>
-                                          <p:spTgt spid="6"/>
-                                        </p:tgtEl>
-                                        <p:attrNameLst>
-                                          <p:attrName>style.rotation</p:attrName>
-                                        </p:attrNameLst>
-                                      </p:cBhvr>
-                                      <p:tavLst>
-                                        <p:tav tm="0">
-                                          <p:val>
-                                            <p:fltVal val="90"/>
-                                          </p:val>
-                                        </p:tav>
-                                        <p:tav tm="100000">
-                                          <p:val>
-                                            <p:fltVal val="0"/>
-                                          </p:val>
-                                        </p:tav>
-                                      </p:tavLst>
-                                    </p:anim>
                                     <p:animEffect transition="in" filter="fade">
                                       <p:cBhvr>
-                                        <p:cTn id="31" dur="500"/>
+                                        <p:cTn id="22" dur="1000"/>
                                         <p:tgtEl>
-                                          <p:spTgt spid="6"/>
-                                        </p:tgtEl>
-                                      </p:cBhvr>
-                                    </p:animEffect>
-                                  </p:childTnLst>
-                                </p:cTn>
-                              </p:par>
-                            </p:childTnLst>
-                          </p:cTn>
-                        </p:par>
-                      </p:childTnLst>
-                    </p:cTn>
-                  </p:par>
-                  <p:par>
-                    <p:cTn id="32" fill="hold">
-                      <p:stCondLst>
-                        <p:cond delay="indefinite"/>
-                      </p:stCondLst>
-                      <p:childTnLst>
-                        <p:par>
-                          <p:cTn id="33" fill="hold">
-                            <p:stCondLst>
-                              <p:cond delay="0"/>
-                            </p:stCondLst>
-                            <p:childTnLst>
-                              <p:par>
-                                <p:cTn id="34" presetID="31" presetClass="entr" presetSubtype="0" fill="hold" grpId="0" nodeType="clickEffect">
-                                  <p:stCondLst>
-                                    <p:cond delay="0"/>
-                                  </p:stCondLst>
-                                  <p:iterate type="lt">
-                                    <p:tmPct val="5000"/>
-                                  </p:iterate>
-                                  <p:childTnLst>
-                                    <p:set>
-                                      <p:cBhvr>
-                                        <p:cTn id="35" dur="1" fill="hold">
-                                          <p:stCondLst>
-                                            <p:cond delay="0"/>
-                                          </p:stCondLst>
-                                        </p:cTn>
-                                        <p:tgtEl>
-                                          <p:spTgt spid="7"/>
-                                        </p:tgtEl>
-                                        <p:attrNameLst>
-                                          <p:attrName>style.visibility</p:attrName>
-                                        </p:attrNameLst>
-                                      </p:cBhvr>
-                                      <p:to>
-                                        <p:strVal val="visible"/>
-                                      </p:to>
-                                    </p:set>
-                                    <p:anim calcmode="lin" valueType="num">
-                                      <p:cBhvr>
-                                        <p:cTn id="36" dur="500" fill="hold"/>
-                                        <p:tgtEl>
-                                          <p:spTgt spid="7"/>
-                                        </p:tgtEl>
-                                        <p:attrNameLst>
-                                          <p:attrName>ppt_w</p:attrName>
-                                        </p:attrNameLst>
-                                      </p:cBhvr>
-                                      <p:tavLst>
-                                        <p:tav tm="0">
-                                          <p:val>
-                                            <p:fltVal val="0"/>
-                                          </p:val>
-                                        </p:tav>
-                                        <p:tav tm="100000">
-                                          <p:val>
-                                            <p:strVal val="#ppt_w"/>
-                                          </p:val>
-                                        </p:tav>
-                                      </p:tavLst>
-                                    </p:anim>
-                                    <p:anim calcmode="lin" valueType="num">
-                                      <p:cBhvr>
-                                        <p:cTn id="37" dur="500" fill="hold"/>
-                                        <p:tgtEl>
-                                          <p:spTgt spid="7"/>
-                                        </p:tgtEl>
-                                        <p:attrNameLst>
-                                          <p:attrName>ppt_h</p:attrName>
-                                        </p:attrNameLst>
-                                      </p:cBhvr>
-                                      <p:tavLst>
-                                        <p:tav tm="0">
-                                          <p:val>
-                                            <p:fltVal val="0"/>
-                                          </p:val>
-                                        </p:tav>
-                                        <p:tav tm="100000">
-                                          <p:val>
-                                            <p:strVal val="#ppt_h"/>
-                                          </p:val>
-                                        </p:tav>
-                                      </p:tavLst>
-                                    </p:anim>
-                                    <p:anim calcmode="lin" valueType="num">
-                                      <p:cBhvr>
-                                        <p:cTn id="38" dur="500" fill="hold"/>
-                                        <p:tgtEl>
-                                          <p:spTgt spid="7"/>
-                                        </p:tgtEl>
-                                        <p:attrNameLst>
-                                          <p:attrName>style.rotation</p:attrName>
-                                        </p:attrNameLst>
-                                      </p:cBhvr>
-                                      <p:tavLst>
-                                        <p:tav tm="0">
-                                          <p:val>
-                                            <p:fltVal val="90"/>
-                                          </p:val>
-                                        </p:tav>
-                                        <p:tav tm="100000">
-                                          <p:val>
-                                            <p:fltVal val="0"/>
-                                          </p:val>
-                                        </p:tav>
-                                      </p:tavLst>
-                                    </p:anim>
-                                    <p:animEffect transition="in" filter="fade">
-                                      <p:cBhvr>
-                                        <p:cTn id="39" dur="500"/>
-                                        <p:tgtEl>
-                                          <p:spTgt spid="7"/>
+                                          <p:spTgt spid="10"/>
                                         </p:tgtEl>
                                       </p:cBhvr>
                                     </p:animEffect>
@@ -15204,8 +13316,1726 @@
       <p:bldP spid="3" grpId="0"/>
       <p:bldP spid="4" grpId="0"/>
       <p:bldP spid="5" grpId="0"/>
+      <p:bldP spid="10" grpId="0"/>
+    </p:bldLst>
+  </p:timing>
+</p:sld>
+</file>
+
+<file path=ppt/slides/slide18.xml><?xml version="1.0" encoding="utf-8"?>
+<p:sld xmlns:a="http://schemas.openxmlformats.org/drawingml/2006/main" xmlns:r="http://schemas.openxmlformats.org/officeDocument/2006/relationships" xmlns:p="http://schemas.openxmlformats.org/presentationml/2006/main">
+  <p:cSld>
+    <p:spTree>
+      <p:nvGrpSpPr>
+        <p:cNvPr id="1" name=""/>
+        <p:cNvGrpSpPr/>
+        <p:nvPr/>
+      </p:nvGrpSpPr>
+      <p:grpSpPr>
+        <a:xfrm>
+          <a:off x="0" y="0"/>
+          <a:ext cx="0" cy="0"/>
+          <a:chOff x="0" y="0"/>
+          <a:chExt cx="0" cy="0"/>
+        </a:xfrm>
+      </p:grpSpPr>
+      <p:pic>
+        <p:nvPicPr>
+          <p:cNvPr id="3074" name="Picture 2" descr="http://www.cataloghierivistedigitali.it/supporto/images/omino.jpg"/>
+          <p:cNvPicPr>
+            <a:picLocks noChangeAspect="1" noChangeArrowheads="1"/>
+          </p:cNvPicPr>
+          <p:nvPr/>
+        </p:nvPicPr>
+        <p:blipFill>
+          <a:blip r:embed="rId3" cstate="print"/>
+          <a:srcRect/>
+          <a:stretch>
+            <a:fillRect/>
+          </a:stretch>
+        </p:blipFill>
+        <p:spPr bwMode="auto">
+          <a:xfrm>
+            <a:off x="35496" y="3284984"/>
+            <a:ext cx="2448272" cy="2819222"/>
+          </a:xfrm>
+          <a:prstGeom prst="rect">
+            <a:avLst/>
+          </a:prstGeom>
+          <a:noFill/>
+        </p:spPr>
+      </p:pic>
+      <p:sp>
+        <p:nvSpPr>
+          <p:cNvPr id="2" name="Segnaposto numero diapositiva 1"/>
+          <p:cNvSpPr>
+            <a:spLocks noGrp="1"/>
+          </p:cNvSpPr>
+          <p:nvPr>
+            <p:ph type="sldNum" sz="quarter" idx="12"/>
+          </p:nvPr>
+        </p:nvSpPr>
+        <p:spPr/>
+        <p:txBody>
+          <a:bodyPr/>
+          <a:lstStyle/>
+          <a:p>
+            <a:fld id="{F89AEA99-3E91-4C58-9AD4-045DB5619AC3}" type="slidenum">
+              <a:rPr lang="it-IT" smtClean="0"/>
+              <a:pPr/>
+              <a:t>18</a:t>
+            </a:fld>
+            <a:endParaRPr lang="it-IT"/>
+          </a:p>
+        </p:txBody>
+      </p:sp>
+      <p:sp>
+        <p:nvSpPr>
+          <p:cNvPr id="3" name="CasellaDiTesto 2"/>
+          <p:cNvSpPr txBox="1"/>
+          <p:nvPr/>
+        </p:nvSpPr>
+        <p:spPr>
+          <a:xfrm>
+            <a:off x="3171198" y="404664"/>
+            <a:ext cx="3116559" cy="1107996"/>
+          </a:xfrm>
+          <a:prstGeom prst="rect">
+            <a:avLst/>
+          </a:prstGeom>
+          <a:noFill/>
+        </p:spPr>
+        <p:txBody>
+          <a:bodyPr wrap="square" rtlCol="0">
+            <a:spAutoFit/>
+          </a:bodyPr>
+          <a:lstStyle/>
+          <a:p>
+            <a:pPr algn="ctr"/>
+            <a:r>
+              <a:rPr lang="it-IT" sz="4800" b="1" dirty="0" smtClean="0">
+                <a:latin typeface="+mj-lt"/>
+              </a:rPr>
+              <a:t>Conclusioni</a:t>
+            </a:r>
+          </a:p>
+          <a:p>
+            <a:pPr algn="ctr"/>
+            <a:endParaRPr lang="it-IT" dirty="0">
+              <a:latin typeface="+mj-lt"/>
+            </a:endParaRPr>
+          </a:p>
+        </p:txBody>
+      </p:sp>
+      <p:sp>
+        <p:nvSpPr>
+          <p:cNvPr id="4" name="Rettangolo 3"/>
+          <p:cNvSpPr/>
+          <p:nvPr/>
+        </p:nvSpPr>
+        <p:spPr>
+          <a:xfrm>
+            <a:off x="611560" y="1340768"/>
+            <a:ext cx="3530517" cy="584775"/>
+          </a:xfrm>
+          <a:prstGeom prst="rect">
+            <a:avLst/>
+          </a:prstGeom>
+        </p:spPr>
+        <p:txBody>
+          <a:bodyPr wrap="none">
+            <a:spAutoFit/>
+          </a:bodyPr>
+          <a:lstStyle/>
+          <a:p>
+            <a:pPr algn="ctr"/>
+            <a:r>
+              <a:rPr lang="it-IT" sz="3200" b="1" i="1" dirty="0" smtClean="0">
+                <a:solidFill>
+                  <a:schemeClr val="accent5"/>
+                </a:solidFill>
+              </a:rPr>
+              <a:t>Cosa è andato bene</a:t>
+            </a:r>
+          </a:p>
+        </p:txBody>
+      </p:sp>
+      <p:sp>
+        <p:nvSpPr>
+          <p:cNvPr id="5" name="Content Placeholder 3"/>
+          <p:cNvSpPr txBox="1">
+            <a:spLocks/>
+          </p:cNvSpPr>
+          <p:nvPr/>
+        </p:nvSpPr>
+        <p:spPr>
+          <a:xfrm>
+            <a:off x="2699792" y="3212976"/>
+            <a:ext cx="6372200" cy="1440160"/>
+          </a:xfrm>
+          <a:prstGeom prst="rect">
+            <a:avLst/>
+          </a:prstGeom>
+        </p:spPr>
+        <p:txBody>
+          <a:bodyPr tIns="0"/>
+          <a:lstStyle>
+            <a:lvl1pPr marL="274320" indent="-274320" algn="l" rtl="0" eaLnBrk="1" latinLnBrk="0" hangingPunct="1">
+              <a:spcBef>
+                <a:spcPct val="20000"/>
+              </a:spcBef>
+              <a:buClrTx/>
+              <a:buSzPct val="95000"/>
+              <a:buFont typeface="Wingdings" pitchFamily="2" charset="2"/>
+              <a:buChar char="v"/>
+              <a:defRPr kumimoji="0" sz="2800" kern="1200">
+                <a:solidFill>
+                  <a:schemeClr val="tx1"/>
+                </a:solidFill>
+                <a:latin typeface="+mn-lt"/>
+                <a:ea typeface="+mn-ea"/>
+                <a:cs typeface="+mn-cs"/>
+              </a:defRPr>
+            </a:lvl1pPr>
+            <a:lvl2pPr marL="640080" indent="-246888" algn="l" rtl="0" eaLnBrk="1" latinLnBrk="0" hangingPunct="1">
+              <a:spcBef>
+                <a:spcPct val="20000"/>
+              </a:spcBef>
+              <a:buClrTx/>
+              <a:buSzPct val="85000"/>
+              <a:buFont typeface="Courier New" pitchFamily="49" charset="0"/>
+              <a:buChar char="o"/>
+              <a:defRPr kumimoji="0" sz="2600" kern="1200">
+                <a:solidFill>
+                  <a:schemeClr val="tx1"/>
+                </a:solidFill>
+                <a:latin typeface="+mn-lt"/>
+                <a:ea typeface="+mn-ea"/>
+                <a:cs typeface="+mn-cs"/>
+              </a:defRPr>
+            </a:lvl2pPr>
+            <a:lvl3pPr marL="914400" indent="-246888" algn="l" rtl="0" eaLnBrk="1" latinLnBrk="0" hangingPunct="1">
+              <a:spcBef>
+                <a:spcPct val="20000"/>
+              </a:spcBef>
+              <a:buClrTx/>
+              <a:buSzPct val="70000"/>
+              <a:buFont typeface="Wingdings 2"/>
+              <a:buChar char=""/>
+              <a:defRPr kumimoji="0" sz="2400" kern="1200">
+                <a:solidFill>
+                  <a:schemeClr val="tx1"/>
+                </a:solidFill>
+                <a:latin typeface="+mn-lt"/>
+                <a:ea typeface="+mn-ea"/>
+                <a:cs typeface="+mn-cs"/>
+              </a:defRPr>
+            </a:lvl3pPr>
+            <a:lvl4pPr marL="1188720" indent="-210312" algn="l" rtl="0" eaLnBrk="1" latinLnBrk="0" hangingPunct="1">
+              <a:spcBef>
+                <a:spcPct val="20000"/>
+              </a:spcBef>
+              <a:buClrTx/>
+              <a:buSzPct val="65000"/>
+              <a:buFont typeface="Wingdings 2"/>
+              <a:buChar char=""/>
+              <a:defRPr kumimoji="0" sz="2000" kern="1200">
+                <a:solidFill>
+                  <a:schemeClr val="tx1"/>
+                </a:solidFill>
+                <a:latin typeface="+mn-lt"/>
+                <a:ea typeface="+mn-ea"/>
+                <a:cs typeface="+mn-cs"/>
+              </a:defRPr>
+            </a:lvl4pPr>
+            <a:lvl5pPr marL="1463040" indent="-210312" algn="l" rtl="0" eaLnBrk="1" latinLnBrk="0" hangingPunct="1">
+              <a:spcBef>
+                <a:spcPct val="20000"/>
+              </a:spcBef>
+              <a:buClrTx/>
+              <a:buSzPct val="65000"/>
+              <a:buFont typeface="Wingdings 2"/>
+              <a:buChar char=""/>
+              <a:defRPr kumimoji="0" sz="1800" kern="1200">
+                <a:solidFill>
+                  <a:schemeClr val="tx1"/>
+                </a:solidFill>
+                <a:latin typeface="+mn-lt"/>
+                <a:ea typeface="+mn-ea"/>
+                <a:cs typeface="+mn-cs"/>
+              </a:defRPr>
+            </a:lvl5pPr>
+            <a:lvl6pPr marL="1737360" indent="-210312" algn="l" rtl="0" eaLnBrk="1" latinLnBrk="0" hangingPunct="1">
+              <a:spcBef>
+                <a:spcPct val="20000"/>
+              </a:spcBef>
+              <a:buClr>
+                <a:schemeClr val="accent5"/>
+              </a:buClr>
+              <a:buSzPct val="80000"/>
+              <a:buFont typeface="Wingdings 2"/>
+              <a:buChar char=""/>
+              <a:defRPr kumimoji="0" sz="1800" kern="1200">
+                <a:solidFill>
+                  <a:schemeClr val="tx1"/>
+                </a:solidFill>
+                <a:latin typeface="+mn-lt"/>
+                <a:ea typeface="+mn-ea"/>
+                <a:cs typeface="+mn-cs"/>
+              </a:defRPr>
+            </a:lvl6pPr>
+            <a:lvl7pPr marL="1920240" indent="-182880" algn="l" rtl="0" eaLnBrk="1" latinLnBrk="0" hangingPunct="1">
+              <a:spcBef>
+                <a:spcPct val="20000"/>
+              </a:spcBef>
+              <a:buClr>
+                <a:schemeClr val="accent6"/>
+              </a:buClr>
+              <a:buSzPct val="80000"/>
+              <a:buFont typeface="Wingdings 2"/>
+              <a:buChar char=""/>
+              <a:defRPr kumimoji="0" sz="1600" kern="1200" baseline="0">
+                <a:solidFill>
+                  <a:schemeClr val="tx1"/>
+                </a:solidFill>
+                <a:latin typeface="+mn-lt"/>
+                <a:ea typeface="+mn-ea"/>
+                <a:cs typeface="+mn-cs"/>
+              </a:defRPr>
+            </a:lvl7pPr>
+            <a:lvl8pPr marL="2194560" indent="-182880" algn="l" rtl="0" eaLnBrk="1" latinLnBrk="0" hangingPunct="1">
+              <a:spcBef>
+                <a:spcPct val="20000"/>
+              </a:spcBef>
+              <a:buClr>
+                <a:schemeClr val="tx2"/>
+              </a:buClr>
+              <a:buChar char="•"/>
+              <a:defRPr kumimoji="0" sz="1600" kern="1200">
+                <a:solidFill>
+                  <a:schemeClr val="tx1"/>
+                </a:solidFill>
+                <a:latin typeface="+mn-lt"/>
+                <a:ea typeface="+mn-ea"/>
+                <a:cs typeface="+mn-cs"/>
+              </a:defRPr>
+            </a:lvl8pPr>
+            <a:lvl9pPr marL="2468880" indent="-182880" algn="l" rtl="0" eaLnBrk="1" latinLnBrk="0" hangingPunct="1">
+              <a:spcBef>
+                <a:spcPct val="20000"/>
+              </a:spcBef>
+              <a:buClr>
+                <a:schemeClr val="tx2"/>
+              </a:buClr>
+              <a:buFontTx/>
+              <a:buChar char="•"/>
+              <a:defRPr kumimoji="0" sz="1400" kern="1200" baseline="0">
+                <a:solidFill>
+                  <a:schemeClr val="tx1"/>
+                </a:solidFill>
+                <a:latin typeface="+mn-lt"/>
+                <a:ea typeface="+mn-ea"/>
+                <a:cs typeface="+mn-cs"/>
+              </a:defRPr>
+            </a:lvl9pPr>
+          </a:lstStyle>
+          <a:p>
+            <a:pPr marL="0" indent="0"/>
+            <a:r>
+              <a:rPr lang="it-IT" dirty="0" smtClean="0"/>
+              <a:t> Rispetto del </a:t>
+            </a:r>
+            <a:r>
+              <a:rPr lang="it-IT" b="1" dirty="0" smtClean="0"/>
+              <a:t>modello</a:t>
+            </a:r>
+            <a:r>
+              <a:rPr lang="it-IT" dirty="0" smtClean="0"/>
+              <a:t> di riferimento: </a:t>
+            </a:r>
+          </a:p>
+          <a:p>
+            <a:pPr marL="0" indent="0">
+              <a:buNone/>
+            </a:pPr>
+            <a:r>
+              <a:rPr lang="it-IT" i="1" dirty="0" smtClean="0"/>
+              <a:t>nessuna fase saltata né eseguita parallelamente</a:t>
+            </a:r>
+          </a:p>
+          <a:p>
+            <a:pPr marL="0" indent="0">
+              <a:buNone/>
+            </a:pPr>
+            <a:endParaRPr lang="it-IT" dirty="0" smtClean="0"/>
+          </a:p>
+        </p:txBody>
+      </p:sp>
+      <p:sp>
+        <p:nvSpPr>
+          <p:cNvPr id="6" name="Content Placeholder 3"/>
+          <p:cNvSpPr txBox="1">
+            <a:spLocks/>
+          </p:cNvSpPr>
+          <p:nvPr/>
+        </p:nvSpPr>
+        <p:spPr>
+          <a:xfrm>
+            <a:off x="2267744" y="4941168"/>
+            <a:ext cx="6589240" cy="1224136"/>
+          </a:xfrm>
+          <a:prstGeom prst="rect">
+            <a:avLst/>
+          </a:prstGeom>
+        </p:spPr>
+        <p:txBody>
+          <a:bodyPr tIns="0"/>
+          <a:lstStyle>
+            <a:lvl1pPr marL="274320" indent="-274320" algn="l" rtl="0" eaLnBrk="1" latinLnBrk="0" hangingPunct="1">
+              <a:spcBef>
+                <a:spcPct val="20000"/>
+              </a:spcBef>
+              <a:buClrTx/>
+              <a:buSzPct val="95000"/>
+              <a:buFont typeface="Wingdings" pitchFamily="2" charset="2"/>
+              <a:buChar char="v"/>
+              <a:defRPr kumimoji="0" sz="2800" kern="1200">
+                <a:solidFill>
+                  <a:schemeClr val="tx1"/>
+                </a:solidFill>
+                <a:latin typeface="+mn-lt"/>
+                <a:ea typeface="+mn-ea"/>
+                <a:cs typeface="+mn-cs"/>
+              </a:defRPr>
+            </a:lvl1pPr>
+            <a:lvl2pPr marL="640080" indent="-246888" algn="l" rtl="0" eaLnBrk="1" latinLnBrk="0" hangingPunct="1">
+              <a:spcBef>
+                <a:spcPct val="20000"/>
+              </a:spcBef>
+              <a:buClrTx/>
+              <a:buSzPct val="85000"/>
+              <a:buFont typeface="Courier New" pitchFamily="49" charset="0"/>
+              <a:buChar char="o"/>
+              <a:defRPr kumimoji="0" sz="2600" kern="1200">
+                <a:solidFill>
+                  <a:schemeClr val="tx1"/>
+                </a:solidFill>
+                <a:latin typeface="+mn-lt"/>
+                <a:ea typeface="+mn-ea"/>
+                <a:cs typeface="+mn-cs"/>
+              </a:defRPr>
+            </a:lvl2pPr>
+            <a:lvl3pPr marL="914400" indent="-246888" algn="l" rtl="0" eaLnBrk="1" latinLnBrk="0" hangingPunct="1">
+              <a:spcBef>
+                <a:spcPct val="20000"/>
+              </a:spcBef>
+              <a:buClrTx/>
+              <a:buSzPct val="70000"/>
+              <a:buFont typeface="Wingdings 2"/>
+              <a:buChar char=""/>
+              <a:defRPr kumimoji="0" sz="2400" kern="1200">
+                <a:solidFill>
+                  <a:schemeClr val="tx1"/>
+                </a:solidFill>
+                <a:latin typeface="+mn-lt"/>
+                <a:ea typeface="+mn-ea"/>
+                <a:cs typeface="+mn-cs"/>
+              </a:defRPr>
+            </a:lvl3pPr>
+            <a:lvl4pPr marL="1188720" indent="-210312" algn="l" rtl="0" eaLnBrk="1" latinLnBrk="0" hangingPunct="1">
+              <a:spcBef>
+                <a:spcPct val="20000"/>
+              </a:spcBef>
+              <a:buClrTx/>
+              <a:buSzPct val="65000"/>
+              <a:buFont typeface="Wingdings 2"/>
+              <a:buChar char=""/>
+              <a:defRPr kumimoji="0" sz="2000" kern="1200">
+                <a:solidFill>
+                  <a:schemeClr val="tx1"/>
+                </a:solidFill>
+                <a:latin typeface="+mn-lt"/>
+                <a:ea typeface="+mn-ea"/>
+                <a:cs typeface="+mn-cs"/>
+              </a:defRPr>
+            </a:lvl4pPr>
+            <a:lvl5pPr marL="1463040" indent="-210312" algn="l" rtl="0" eaLnBrk="1" latinLnBrk="0" hangingPunct="1">
+              <a:spcBef>
+                <a:spcPct val="20000"/>
+              </a:spcBef>
+              <a:buClrTx/>
+              <a:buSzPct val="65000"/>
+              <a:buFont typeface="Wingdings 2"/>
+              <a:buChar char=""/>
+              <a:defRPr kumimoji="0" sz="1800" kern="1200">
+                <a:solidFill>
+                  <a:schemeClr val="tx1"/>
+                </a:solidFill>
+                <a:latin typeface="+mn-lt"/>
+                <a:ea typeface="+mn-ea"/>
+                <a:cs typeface="+mn-cs"/>
+              </a:defRPr>
+            </a:lvl5pPr>
+            <a:lvl6pPr marL="1737360" indent="-210312" algn="l" rtl="0" eaLnBrk="1" latinLnBrk="0" hangingPunct="1">
+              <a:spcBef>
+                <a:spcPct val="20000"/>
+              </a:spcBef>
+              <a:buClr>
+                <a:schemeClr val="accent5"/>
+              </a:buClr>
+              <a:buSzPct val="80000"/>
+              <a:buFont typeface="Wingdings 2"/>
+              <a:buChar char=""/>
+              <a:defRPr kumimoji="0" sz="1800" kern="1200">
+                <a:solidFill>
+                  <a:schemeClr val="tx1"/>
+                </a:solidFill>
+                <a:latin typeface="+mn-lt"/>
+                <a:ea typeface="+mn-ea"/>
+                <a:cs typeface="+mn-cs"/>
+              </a:defRPr>
+            </a:lvl6pPr>
+            <a:lvl7pPr marL="1920240" indent="-182880" algn="l" rtl="0" eaLnBrk="1" latinLnBrk="0" hangingPunct="1">
+              <a:spcBef>
+                <a:spcPct val="20000"/>
+              </a:spcBef>
+              <a:buClr>
+                <a:schemeClr val="accent6"/>
+              </a:buClr>
+              <a:buSzPct val="80000"/>
+              <a:buFont typeface="Wingdings 2"/>
+              <a:buChar char=""/>
+              <a:defRPr kumimoji="0" sz="1600" kern="1200" baseline="0">
+                <a:solidFill>
+                  <a:schemeClr val="tx1"/>
+                </a:solidFill>
+                <a:latin typeface="+mn-lt"/>
+                <a:ea typeface="+mn-ea"/>
+                <a:cs typeface="+mn-cs"/>
+              </a:defRPr>
+            </a:lvl7pPr>
+            <a:lvl8pPr marL="2194560" indent="-182880" algn="l" rtl="0" eaLnBrk="1" latinLnBrk="0" hangingPunct="1">
+              <a:spcBef>
+                <a:spcPct val="20000"/>
+              </a:spcBef>
+              <a:buClr>
+                <a:schemeClr val="tx2"/>
+              </a:buClr>
+              <a:buChar char="•"/>
+              <a:defRPr kumimoji="0" sz="1600" kern="1200">
+                <a:solidFill>
+                  <a:schemeClr val="tx1"/>
+                </a:solidFill>
+                <a:latin typeface="+mn-lt"/>
+                <a:ea typeface="+mn-ea"/>
+                <a:cs typeface="+mn-cs"/>
+              </a:defRPr>
+            </a:lvl8pPr>
+            <a:lvl9pPr marL="2468880" indent="-182880" algn="l" rtl="0" eaLnBrk="1" latinLnBrk="0" hangingPunct="1">
+              <a:spcBef>
+                <a:spcPct val="20000"/>
+              </a:spcBef>
+              <a:buClr>
+                <a:schemeClr val="tx2"/>
+              </a:buClr>
+              <a:buFontTx/>
+              <a:buChar char="•"/>
+              <a:defRPr kumimoji="0" sz="1400" kern="1200" baseline="0">
+                <a:solidFill>
+                  <a:schemeClr val="tx1"/>
+                </a:solidFill>
+                <a:latin typeface="+mn-lt"/>
+                <a:ea typeface="+mn-ea"/>
+                <a:cs typeface="+mn-cs"/>
+              </a:defRPr>
+            </a:lvl9pPr>
+          </a:lstStyle>
+          <a:p>
+            <a:pPr marL="0" indent="0"/>
+            <a:r>
+              <a:rPr lang="it-IT" dirty="0" smtClean="0"/>
+              <a:t> Divisione </a:t>
+            </a:r>
+            <a:r>
+              <a:rPr lang="it-IT" b="1" dirty="0" smtClean="0">
+                <a:solidFill>
+                  <a:schemeClr val="bg1"/>
+                </a:solidFill>
+              </a:rPr>
+              <a:t>orizzontale</a:t>
+            </a:r>
+            <a:r>
+              <a:rPr lang="it-IT" dirty="0" smtClean="0"/>
+              <a:t> delle responsabilità: </a:t>
+            </a:r>
+            <a:r>
+              <a:rPr lang="it-IT" i="1" dirty="0" smtClean="0"/>
+              <a:t>buona</a:t>
+            </a:r>
+            <a:r>
+              <a:rPr lang="it-IT" dirty="0" smtClean="0"/>
+              <a:t> </a:t>
+            </a:r>
+            <a:r>
+              <a:rPr lang="it-IT" i="1" dirty="0" smtClean="0"/>
+              <a:t>conoscenza di tutti i requisiti del proprio sottosistema</a:t>
+            </a:r>
+          </a:p>
+          <a:p>
+            <a:pPr marL="0" indent="0">
+              <a:buNone/>
+            </a:pPr>
+            <a:endParaRPr lang="it-IT" dirty="0" smtClean="0"/>
+          </a:p>
+        </p:txBody>
+      </p:sp>
+      <p:sp>
+        <p:nvSpPr>
+          <p:cNvPr id="7" name="Content Placeholder 3"/>
+          <p:cNvSpPr txBox="1">
+            <a:spLocks/>
+          </p:cNvSpPr>
+          <p:nvPr/>
+        </p:nvSpPr>
+        <p:spPr>
+          <a:xfrm>
+            <a:off x="683568" y="2132856"/>
+            <a:ext cx="8064896" cy="1008112"/>
+          </a:xfrm>
+          <a:prstGeom prst="rect">
+            <a:avLst/>
+          </a:prstGeom>
+        </p:spPr>
+        <p:txBody>
+          <a:bodyPr tIns="0"/>
+          <a:lstStyle>
+            <a:lvl1pPr marL="274320" indent="-274320" algn="l" rtl="0" eaLnBrk="1" latinLnBrk="0" hangingPunct="1">
+              <a:spcBef>
+                <a:spcPct val="20000"/>
+              </a:spcBef>
+              <a:buClrTx/>
+              <a:buSzPct val="95000"/>
+              <a:buFont typeface="Wingdings" pitchFamily="2" charset="2"/>
+              <a:buChar char="v"/>
+              <a:defRPr kumimoji="0" sz="2800" kern="1200">
+                <a:solidFill>
+                  <a:schemeClr val="tx1"/>
+                </a:solidFill>
+                <a:latin typeface="+mn-lt"/>
+                <a:ea typeface="+mn-ea"/>
+                <a:cs typeface="+mn-cs"/>
+              </a:defRPr>
+            </a:lvl1pPr>
+            <a:lvl2pPr marL="640080" indent="-246888" algn="l" rtl="0" eaLnBrk="1" latinLnBrk="0" hangingPunct="1">
+              <a:spcBef>
+                <a:spcPct val="20000"/>
+              </a:spcBef>
+              <a:buClrTx/>
+              <a:buSzPct val="85000"/>
+              <a:buFont typeface="Courier New" pitchFamily="49" charset="0"/>
+              <a:buChar char="o"/>
+              <a:defRPr kumimoji="0" sz="2600" kern="1200">
+                <a:solidFill>
+                  <a:schemeClr val="tx1"/>
+                </a:solidFill>
+                <a:latin typeface="+mn-lt"/>
+                <a:ea typeface="+mn-ea"/>
+                <a:cs typeface="+mn-cs"/>
+              </a:defRPr>
+            </a:lvl2pPr>
+            <a:lvl3pPr marL="914400" indent="-246888" algn="l" rtl="0" eaLnBrk="1" latinLnBrk="0" hangingPunct="1">
+              <a:spcBef>
+                <a:spcPct val="20000"/>
+              </a:spcBef>
+              <a:buClrTx/>
+              <a:buSzPct val="70000"/>
+              <a:buFont typeface="Wingdings 2"/>
+              <a:buChar char=""/>
+              <a:defRPr kumimoji="0" sz="2400" kern="1200">
+                <a:solidFill>
+                  <a:schemeClr val="tx1"/>
+                </a:solidFill>
+                <a:latin typeface="+mn-lt"/>
+                <a:ea typeface="+mn-ea"/>
+                <a:cs typeface="+mn-cs"/>
+              </a:defRPr>
+            </a:lvl3pPr>
+            <a:lvl4pPr marL="1188720" indent="-210312" algn="l" rtl="0" eaLnBrk="1" latinLnBrk="0" hangingPunct="1">
+              <a:spcBef>
+                <a:spcPct val="20000"/>
+              </a:spcBef>
+              <a:buClrTx/>
+              <a:buSzPct val="65000"/>
+              <a:buFont typeface="Wingdings 2"/>
+              <a:buChar char=""/>
+              <a:defRPr kumimoji="0" sz="2000" kern="1200">
+                <a:solidFill>
+                  <a:schemeClr val="tx1"/>
+                </a:solidFill>
+                <a:latin typeface="+mn-lt"/>
+                <a:ea typeface="+mn-ea"/>
+                <a:cs typeface="+mn-cs"/>
+              </a:defRPr>
+            </a:lvl4pPr>
+            <a:lvl5pPr marL="1463040" indent="-210312" algn="l" rtl="0" eaLnBrk="1" latinLnBrk="0" hangingPunct="1">
+              <a:spcBef>
+                <a:spcPct val="20000"/>
+              </a:spcBef>
+              <a:buClrTx/>
+              <a:buSzPct val="65000"/>
+              <a:buFont typeface="Wingdings 2"/>
+              <a:buChar char=""/>
+              <a:defRPr kumimoji="0" sz="1800" kern="1200">
+                <a:solidFill>
+                  <a:schemeClr val="tx1"/>
+                </a:solidFill>
+                <a:latin typeface="+mn-lt"/>
+                <a:ea typeface="+mn-ea"/>
+                <a:cs typeface="+mn-cs"/>
+              </a:defRPr>
+            </a:lvl5pPr>
+            <a:lvl6pPr marL="1737360" indent="-210312" algn="l" rtl="0" eaLnBrk="1" latinLnBrk="0" hangingPunct="1">
+              <a:spcBef>
+                <a:spcPct val="20000"/>
+              </a:spcBef>
+              <a:buClr>
+                <a:schemeClr val="accent5"/>
+              </a:buClr>
+              <a:buSzPct val="80000"/>
+              <a:buFont typeface="Wingdings 2"/>
+              <a:buChar char=""/>
+              <a:defRPr kumimoji="0" sz="1800" kern="1200">
+                <a:solidFill>
+                  <a:schemeClr val="tx1"/>
+                </a:solidFill>
+                <a:latin typeface="+mn-lt"/>
+                <a:ea typeface="+mn-ea"/>
+                <a:cs typeface="+mn-cs"/>
+              </a:defRPr>
+            </a:lvl6pPr>
+            <a:lvl7pPr marL="1920240" indent="-182880" algn="l" rtl="0" eaLnBrk="1" latinLnBrk="0" hangingPunct="1">
+              <a:spcBef>
+                <a:spcPct val="20000"/>
+              </a:spcBef>
+              <a:buClr>
+                <a:schemeClr val="accent6"/>
+              </a:buClr>
+              <a:buSzPct val="80000"/>
+              <a:buFont typeface="Wingdings 2"/>
+              <a:buChar char=""/>
+              <a:defRPr kumimoji="0" sz="1600" kern="1200" baseline="0">
+                <a:solidFill>
+                  <a:schemeClr val="tx1"/>
+                </a:solidFill>
+                <a:latin typeface="+mn-lt"/>
+                <a:ea typeface="+mn-ea"/>
+                <a:cs typeface="+mn-cs"/>
+              </a:defRPr>
+            </a:lvl7pPr>
+            <a:lvl8pPr marL="2194560" indent="-182880" algn="l" rtl="0" eaLnBrk="1" latinLnBrk="0" hangingPunct="1">
+              <a:spcBef>
+                <a:spcPct val="20000"/>
+              </a:spcBef>
+              <a:buClr>
+                <a:schemeClr val="tx2"/>
+              </a:buClr>
+              <a:buChar char="•"/>
+              <a:defRPr kumimoji="0" sz="1600" kern="1200">
+                <a:solidFill>
+                  <a:schemeClr val="tx1"/>
+                </a:solidFill>
+                <a:latin typeface="+mn-lt"/>
+                <a:ea typeface="+mn-ea"/>
+                <a:cs typeface="+mn-cs"/>
+              </a:defRPr>
+            </a:lvl8pPr>
+            <a:lvl9pPr marL="2468880" indent="-182880" algn="l" rtl="0" eaLnBrk="1" latinLnBrk="0" hangingPunct="1">
+              <a:spcBef>
+                <a:spcPct val="20000"/>
+              </a:spcBef>
+              <a:buClr>
+                <a:schemeClr val="tx2"/>
+              </a:buClr>
+              <a:buFontTx/>
+              <a:buChar char="•"/>
+              <a:defRPr kumimoji="0" sz="1400" kern="1200" baseline="0">
+                <a:solidFill>
+                  <a:schemeClr val="tx1"/>
+                </a:solidFill>
+                <a:latin typeface="+mn-lt"/>
+                <a:ea typeface="+mn-ea"/>
+                <a:cs typeface="+mn-cs"/>
+              </a:defRPr>
+            </a:lvl9pPr>
+          </a:lstStyle>
+          <a:p>
+            <a:pPr marL="0" indent="0"/>
+            <a:r>
+              <a:rPr lang="it-IT" dirty="0" smtClean="0"/>
+              <a:t> Funzionalità concettualmente </a:t>
+            </a:r>
+            <a:r>
+              <a:rPr lang="it-IT" b="1" dirty="0" smtClean="0"/>
+              <a:t>ben</a:t>
+            </a:r>
+            <a:r>
+              <a:rPr lang="it-IT" dirty="0" smtClean="0"/>
+              <a:t> </a:t>
+            </a:r>
+            <a:r>
+              <a:rPr lang="it-IT" b="1" dirty="0" smtClean="0"/>
+              <a:t>definite</a:t>
+            </a:r>
+            <a:r>
+              <a:rPr lang="it-IT" dirty="0" smtClean="0"/>
+              <a:t> e </a:t>
+            </a:r>
+            <a:r>
+              <a:rPr lang="it-IT" dirty="0" smtClean="0"/>
+              <a:t>chiare </a:t>
+            </a:r>
+            <a:r>
+              <a:rPr lang="it-IT" i="1" dirty="0" smtClean="0"/>
+              <a:t>robustezza ai cambiamenti</a:t>
+            </a:r>
+            <a:endParaRPr lang="it-IT" i="1" dirty="0" smtClean="0"/>
+          </a:p>
+          <a:p>
+            <a:pPr marL="0" indent="0">
+              <a:buNone/>
+            </a:pPr>
+            <a:endParaRPr lang="it-IT" dirty="0" smtClean="0"/>
+          </a:p>
+        </p:txBody>
+      </p:sp>
+    </p:spTree>
+  </p:cSld>
+  <p:clrMapOvr>
+    <a:masterClrMapping/>
+  </p:clrMapOvr>
+  <p:timing>
+    <p:tnLst>
+      <p:par>
+        <p:cTn id="1" dur="indefinite" restart="never" nodeType="tmRoot">
+          <p:childTnLst>
+            <p:seq concurrent="1" nextAc="seek">
+              <p:cTn id="2" dur="indefinite" nodeType="mainSeq">
+                <p:childTnLst>
+                  <p:par>
+                    <p:cTn id="3" fill="hold">
+                      <p:stCondLst>
+                        <p:cond delay="indefinite"/>
+                        <p:cond evt="onBegin" delay="0">
+                          <p:tn val="2"/>
+                        </p:cond>
+                      </p:stCondLst>
+                      <p:childTnLst>
+                        <p:par>
+                          <p:cTn id="4" fill="hold">
+                            <p:stCondLst>
+                              <p:cond delay="0"/>
+                            </p:stCondLst>
+                            <p:childTnLst>
+                              <p:par>
+                                <p:cTn id="5" presetID="1" presetClass="entr" presetSubtype="0" fill="hold" grpId="1" nodeType="withEffect">
+                                  <p:stCondLst>
+                                    <p:cond delay="0"/>
+                                  </p:stCondLst>
+                                  <p:childTnLst>
+                                    <p:set>
+                                      <p:cBhvr>
+                                        <p:cTn id="6" dur="1" fill="hold">
+                                          <p:stCondLst>
+                                            <p:cond delay="0"/>
+                                          </p:stCondLst>
+                                        </p:cTn>
+                                        <p:tgtEl>
+                                          <p:spTgt spid="3"/>
+                                        </p:tgtEl>
+                                        <p:attrNameLst>
+                                          <p:attrName>style.visibility</p:attrName>
+                                        </p:attrNameLst>
+                                      </p:cBhvr>
+                                      <p:to>
+                                        <p:strVal val="visible"/>
+                                      </p:to>
+                                    </p:set>
+                                  </p:childTnLst>
+                                </p:cTn>
+                              </p:par>
+                              <p:par>
+                                <p:cTn id="7" presetID="5" presetClass="entr" presetSubtype="10" fill="hold" grpId="0" nodeType="withEffect">
+                                  <p:stCondLst>
+                                    <p:cond delay="0"/>
+                                  </p:stCondLst>
+                                  <p:childTnLst>
+                                    <p:set>
+                                      <p:cBhvr>
+                                        <p:cTn id="8" dur="1" fill="hold">
+                                          <p:stCondLst>
+                                            <p:cond delay="0"/>
+                                          </p:stCondLst>
+                                        </p:cTn>
+                                        <p:tgtEl>
+                                          <p:spTgt spid="4"/>
+                                        </p:tgtEl>
+                                        <p:attrNameLst>
+                                          <p:attrName>style.visibility</p:attrName>
+                                        </p:attrNameLst>
+                                      </p:cBhvr>
+                                      <p:to>
+                                        <p:strVal val="visible"/>
+                                      </p:to>
+                                    </p:set>
+                                    <p:animEffect transition="in" filter="checkerboard(across)">
+                                      <p:cBhvr>
+                                        <p:cTn id="9" dur="500"/>
+                                        <p:tgtEl>
+                                          <p:spTgt spid="4"/>
+                                        </p:tgtEl>
+                                      </p:cBhvr>
+                                    </p:animEffect>
+                                  </p:childTnLst>
+                                </p:cTn>
+                              </p:par>
+                              <p:par>
+                                <p:cTn id="10" presetID="23" presetClass="entr" presetSubtype="16" fill="hold" nodeType="withEffect">
+                                  <p:stCondLst>
+                                    <p:cond delay="0"/>
+                                  </p:stCondLst>
+                                  <p:childTnLst>
+                                    <p:set>
+                                      <p:cBhvr>
+                                        <p:cTn id="11" dur="1" fill="hold">
+                                          <p:stCondLst>
+                                            <p:cond delay="0"/>
+                                          </p:stCondLst>
+                                        </p:cTn>
+                                        <p:tgtEl>
+                                          <p:spTgt spid="3074"/>
+                                        </p:tgtEl>
+                                        <p:attrNameLst>
+                                          <p:attrName>style.visibility</p:attrName>
+                                        </p:attrNameLst>
+                                      </p:cBhvr>
+                                      <p:to>
+                                        <p:strVal val="visible"/>
+                                      </p:to>
+                                    </p:set>
+                                    <p:anim calcmode="lin" valueType="num">
+                                      <p:cBhvr>
+                                        <p:cTn id="12" dur="500" fill="hold"/>
+                                        <p:tgtEl>
+                                          <p:spTgt spid="3074"/>
+                                        </p:tgtEl>
+                                        <p:attrNameLst>
+                                          <p:attrName>ppt_w</p:attrName>
+                                        </p:attrNameLst>
+                                      </p:cBhvr>
+                                      <p:tavLst>
+                                        <p:tav tm="0">
+                                          <p:val>
+                                            <p:fltVal val="0"/>
+                                          </p:val>
+                                        </p:tav>
+                                        <p:tav tm="100000">
+                                          <p:val>
+                                            <p:strVal val="#ppt_w"/>
+                                          </p:val>
+                                        </p:tav>
+                                      </p:tavLst>
+                                    </p:anim>
+                                    <p:anim calcmode="lin" valueType="num">
+                                      <p:cBhvr>
+                                        <p:cTn id="13" dur="500" fill="hold"/>
+                                        <p:tgtEl>
+                                          <p:spTgt spid="3074"/>
+                                        </p:tgtEl>
+                                        <p:attrNameLst>
+                                          <p:attrName>ppt_h</p:attrName>
+                                        </p:attrNameLst>
+                                      </p:cBhvr>
+                                      <p:tavLst>
+                                        <p:tav tm="0">
+                                          <p:val>
+                                            <p:fltVal val="0"/>
+                                          </p:val>
+                                        </p:tav>
+                                        <p:tav tm="100000">
+                                          <p:val>
+                                            <p:strVal val="#ppt_h"/>
+                                          </p:val>
+                                        </p:tav>
+                                      </p:tavLst>
+                                    </p:anim>
+                                  </p:childTnLst>
+                                </p:cTn>
+                              </p:par>
+                            </p:childTnLst>
+                          </p:cTn>
+                        </p:par>
+                      </p:childTnLst>
+                    </p:cTn>
+                  </p:par>
+                  <p:par>
+                    <p:cTn id="14" fill="hold">
+                      <p:stCondLst>
+                        <p:cond delay="indefinite"/>
+                      </p:stCondLst>
+                      <p:childTnLst>
+                        <p:par>
+                          <p:cTn id="15" fill="hold">
+                            <p:stCondLst>
+                              <p:cond delay="0"/>
+                            </p:stCondLst>
+                            <p:childTnLst>
+                              <p:par>
+                                <p:cTn id="16" presetID="10" presetClass="entr" presetSubtype="0" fill="hold" grpId="0" nodeType="clickEffect">
+                                  <p:stCondLst>
+                                    <p:cond delay="0"/>
+                                  </p:stCondLst>
+                                  <p:childTnLst>
+                                    <p:set>
+                                      <p:cBhvr>
+                                        <p:cTn id="17" dur="1" fill="hold">
+                                          <p:stCondLst>
+                                            <p:cond delay="0"/>
+                                          </p:stCondLst>
+                                        </p:cTn>
+                                        <p:tgtEl>
+                                          <p:spTgt spid="7"/>
+                                        </p:tgtEl>
+                                        <p:attrNameLst>
+                                          <p:attrName>style.visibility</p:attrName>
+                                        </p:attrNameLst>
+                                      </p:cBhvr>
+                                      <p:to>
+                                        <p:strVal val="visible"/>
+                                      </p:to>
+                                    </p:set>
+                                    <p:animEffect transition="in" filter="fade">
+                                      <p:cBhvr>
+                                        <p:cTn id="18" dur="1000"/>
+                                        <p:tgtEl>
+                                          <p:spTgt spid="7"/>
+                                        </p:tgtEl>
+                                      </p:cBhvr>
+                                    </p:animEffect>
+                                  </p:childTnLst>
+                                </p:cTn>
+                              </p:par>
+                              <p:par>
+                                <p:cTn id="19" presetID="10" presetClass="entr" presetSubtype="0" fill="hold" grpId="0" nodeType="withEffect">
+                                  <p:stCondLst>
+                                    <p:cond delay="0"/>
+                                  </p:stCondLst>
+                                  <p:childTnLst>
+                                    <p:set>
+                                      <p:cBhvr>
+                                        <p:cTn id="20" dur="1" fill="hold">
+                                          <p:stCondLst>
+                                            <p:cond delay="0"/>
+                                          </p:stCondLst>
+                                        </p:cTn>
+                                        <p:tgtEl>
+                                          <p:spTgt spid="6"/>
+                                        </p:tgtEl>
+                                        <p:attrNameLst>
+                                          <p:attrName>style.visibility</p:attrName>
+                                        </p:attrNameLst>
+                                      </p:cBhvr>
+                                      <p:to>
+                                        <p:strVal val="visible"/>
+                                      </p:to>
+                                    </p:set>
+                                    <p:animEffect transition="in" filter="fade">
+                                      <p:cBhvr>
+                                        <p:cTn id="21" dur="1000"/>
+                                        <p:tgtEl>
+                                          <p:spTgt spid="6"/>
+                                        </p:tgtEl>
+                                      </p:cBhvr>
+                                    </p:animEffect>
+                                  </p:childTnLst>
+                                </p:cTn>
+                              </p:par>
+                              <p:par>
+                                <p:cTn id="22" presetID="10" presetClass="entr" presetSubtype="0" fill="hold" grpId="1" nodeType="withEffect">
+                                  <p:stCondLst>
+                                    <p:cond delay="0"/>
+                                  </p:stCondLst>
+                                  <p:childTnLst>
+                                    <p:set>
+                                      <p:cBhvr>
+                                        <p:cTn id="23" dur="1" fill="hold">
+                                          <p:stCondLst>
+                                            <p:cond delay="0"/>
+                                          </p:stCondLst>
+                                        </p:cTn>
+                                        <p:tgtEl>
+                                          <p:spTgt spid="5"/>
+                                        </p:tgtEl>
+                                        <p:attrNameLst>
+                                          <p:attrName>style.visibility</p:attrName>
+                                        </p:attrNameLst>
+                                      </p:cBhvr>
+                                      <p:to>
+                                        <p:strVal val="visible"/>
+                                      </p:to>
+                                    </p:set>
+                                    <p:animEffect transition="in" filter="fade">
+                                      <p:cBhvr>
+                                        <p:cTn id="24" dur="1000"/>
+                                        <p:tgtEl>
+                                          <p:spTgt spid="5"/>
+                                        </p:tgtEl>
+                                      </p:cBhvr>
+                                    </p:animEffect>
+                                  </p:childTnLst>
+                                </p:cTn>
+                              </p:par>
+                            </p:childTnLst>
+                          </p:cTn>
+                        </p:par>
+                      </p:childTnLst>
+                    </p:cTn>
+                  </p:par>
+                </p:childTnLst>
+              </p:cTn>
+              <p:prevCondLst>
+                <p:cond evt="onPrev" delay="0">
+                  <p:tgtEl>
+                    <p:sldTgt/>
+                  </p:tgtEl>
+                </p:cond>
+              </p:prevCondLst>
+              <p:nextCondLst>
+                <p:cond evt="onNext" delay="0">
+                  <p:tgtEl>
+                    <p:sldTgt/>
+                  </p:tgtEl>
+                </p:cond>
+              </p:nextCondLst>
+            </p:seq>
+          </p:childTnLst>
+        </p:cTn>
+      </p:par>
+    </p:tnLst>
+    <p:bldLst>
+      <p:bldP spid="3" grpId="1"/>
+      <p:bldP spid="4" grpId="0"/>
+      <p:bldP spid="5" grpId="1"/>
       <p:bldP spid="6" grpId="0"/>
       <p:bldP spid="7" grpId="0"/>
+    </p:bldLst>
+  </p:timing>
+</p:sld>
+</file>
+
+<file path=ppt/slides/slide19.xml><?xml version="1.0" encoding="utf-8"?>
+<p:sld xmlns:a="http://schemas.openxmlformats.org/drawingml/2006/main" xmlns:r="http://schemas.openxmlformats.org/officeDocument/2006/relationships" xmlns:p="http://schemas.openxmlformats.org/presentationml/2006/main">
+  <p:cSld>
+    <p:spTree>
+      <p:nvGrpSpPr>
+        <p:cNvPr id="1" name=""/>
+        <p:cNvGrpSpPr/>
+        <p:nvPr/>
+      </p:nvGrpSpPr>
+      <p:grpSpPr>
+        <a:xfrm>
+          <a:off x="0" y="0"/>
+          <a:ext cx="0" cy="0"/>
+          <a:chOff x="0" y="0"/>
+          <a:chExt cx="0" cy="0"/>
+        </a:xfrm>
+      </p:grpSpPr>
+      <p:pic>
+        <p:nvPicPr>
+          <p:cNvPr id="45058" name="Picture 2" descr="http://www.amthewinersclub.com/Resources/gruppo.jpg"/>
+          <p:cNvPicPr>
+            <a:picLocks noChangeAspect="1" noChangeArrowheads="1"/>
+          </p:cNvPicPr>
+          <p:nvPr/>
+        </p:nvPicPr>
+        <p:blipFill>
+          <a:blip r:embed="rId3" cstate="print"/>
+          <a:srcRect/>
+          <a:stretch>
+            <a:fillRect/>
+          </a:stretch>
+        </p:blipFill>
+        <p:spPr bwMode="auto">
+          <a:xfrm>
+            <a:off x="4539458" y="4293096"/>
+            <a:ext cx="3920974" cy="2210198"/>
+          </a:xfrm>
+          <a:prstGeom prst="rect">
+            <a:avLst/>
+          </a:prstGeom>
+          <a:noFill/>
+        </p:spPr>
+      </p:pic>
+      <p:sp>
+        <p:nvSpPr>
+          <p:cNvPr id="2" name="Segnaposto numero diapositiva 1"/>
+          <p:cNvSpPr>
+            <a:spLocks noGrp="1"/>
+          </p:cNvSpPr>
+          <p:nvPr>
+            <p:ph type="sldNum" sz="quarter" idx="12"/>
+          </p:nvPr>
+        </p:nvSpPr>
+        <p:spPr/>
+        <p:txBody>
+          <a:bodyPr/>
+          <a:lstStyle/>
+          <a:p>
+            <a:fld id="{F89AEA99-3E91-4C58-9AD4-045DB5619AC3}" type="slidenum">
+              <a:rPr lang="it-IT" smtClean="0"/>
+              <a:pPr/>
+              <a:t>19</a:t>
+            </a:fld>
+            <a:endParaRPr lang="it-IT"/>
+          </a:p>
+        </p:txBody>
+      </p:sp>
+      <p:sp>
+        <p:nvSpPr>
+          <p:cNvPr id="3" name="CasellaDiTesto 2"/>
+          <p:cNvSpPr txBox="1"/>
+          <p:nvPr/>
+        </p:nvSpPr>
+        <p:spPr>
+          <a:xfrm>
+            <a:off x="3171198" y="448796"/>
+            <a:ext cx="3116559" cy="1107996"/>
+          </a:xfrm>
+          <a:prstGeom prst="rect">
+            <a:avLst/>
+          </a:prstGeom>
+          <a:noFill/>
+        </p:spPr>
+        <p:txBody>
+          <a:bodyPr wrap="square" rtlCol="0">
+            <a:spAutoFit/>
+          </a:bodyPr>
+          <a:lstStyle/>
+          <a:p>
+            <a:pPr algn="ctr"/>
+            <a:r>
+              <a:rPr lang="it-IT" sz="4800" b="1" dirty="0" smtClean="0">
+                <a:latin typeface="+mj-lt"/>
+              </a:rPr>
+              <a:t>Conclusioni</a:t>
+            </a:r>
+          </a:p>
+          <a:p>
+            <a:pPr algn="ctr"/>
+            <a:endParaRPr lang="it-IT" dirty="0">
+              <a:latin typeface="+mj-lt"/>
+            </a:endParaRPr>
+          </a:p>
+        </p:txBody>
+      </p:sp>
+      <p:sp>
+        <p:nvSpPr>
+          <p:cNvPr id="4" name="Rettangolo 3"/>
+          <p:cNvSpPr/>
+          <p:nvPr/>
+        </p:nvSpPr>
+        <p:spPr>
+          <a:xfrm>
+            <a:off x="467546" y="1484784"/>
+            <a:ext cx="4271106" cy="584775"/>
+          </a:xfrm>
+          <a:prstGeom prst="rect">
+            <a:avLst/>
+          </a:prstGeom>
+        </p:spPr>
+        <p:txBody>
+          <a:bodyPr wrap="none">
+            <a:spAutoFit/>
+          </a:bodyPr>
+          <a:lstStyle/>
+          <a:p>
+            <a:pPr algn="ctr"/>
+            <a:r>
+              <a:rPr lang="it-IT" sz="3200" b="1" i="1" dirty="0" smtClean="0">
+                <a:solidFill>
+                  <a:schemeClr val="accent5"/>
+                </a:solidFill>
+              </a:rPr>
+              <a:t>Cosa </a:t>
+            </a:r>
+            <a:r>
+              <a:rPr lang="it-IT" sz="3200" b="1" i="1" dirty="0" smtClean="0">
+                <a:solidFill>
+                  <a:schemeClr val="accent5"/>
+                </a:solidFill>
+              </a:rPr>
+              <a:t>abbiamo imparato</a:t>
+            </a:r>
+            <a:endParaRPr lang="it-IT" sz="3200" b="1" i="1" dirty="0" smtClean="0">
+              <a:solidFill>
+                <a:schemeClr val="accent5"/>
+              </a:solidFill>
+            </a:endParaRPr>
+          </a:p>
+        </p:txBody>
+      </p:sp>
+      <p:sp>
+        <p:nvSpPr>
+          <p:cNvPr id="10" name="Content Placeholder 3"/>
+          <p:cNvSpPr txBox="1">
+            <a:spLocks/>
+          </p:cNvSpPr>
+          <p:nvPr/>
+        </p:nvSpPr>
+        <p:spPr>
+          <a:xfrm>
+            <a:off x="539552" y="2348880"/>
+            <a:ext cx="5536232" cy="2592288"/>
+          </a:xfrm>
+          <a:prstGeom prst="rect">
+            <a:avLst/>
+          </a:prstGeom>
+        </p:spPr>
+        <p:txBody>
+          <a:bodyPr tIns="0"/>
+          <a:lstStyle>
+            <a:lvl1pPr marL="274320" indent="-274320" algn="l" rtl="0" eaLnBrk="1" latinLnBrk="0" hangingPunct="1">
+              <a:spcBef>
+                <a:spcPct val="20000"/>
+              </a:spcBef>
+              <a:buClrTx/>
+              <a:buSzPct val="95000"/>
+              <a:buFont typeface="Wingdings" pitchFamily="2" charset="2"/>
+              <a:buChar char="v"/>
+              <a:defRPr kumimoji="0" sz="2800" kern="1200">
+                <a:solidFill>
+                  <a:schemeClr val="tx1"/>
+                </a:solidFill>
+                <a:latin typeface="+mn-lt"/>
+                <a:ea typeface="+mn-ea"/>
+                <a:cs typeface="+mn-cs"/>
+              </a:defRPr>
+            </a:lvl1pPr>
+            <a:lvl2pPr marL="640080" indent="-246888" algn="l" rtl="0" eaLnBrk="1" latinLnBrk="0" hangingPunct="1">
+              <a:spcBef>
+                <a:spcPct val="20000"/>
+              </a:spcBef>
+              <a:buClrTx/>
+              <a:buSzPct val="85000"/>
+              <a:buFont typeface="Courier New" pitchFamily="49" charset="0"/>
+              <a:buChar char="o"/>
+              <a:defRPr kumimoji="0" sz="2600" kern="1200">
+                <a:solidFill>
+                  <a:schemeClr val="tx1"/>
+                </a:solidFill>
+                <a:latin typeface="+mn-lt"/>
+                <a:ea typeface="+mn-ea"/>
+                <a:cs typeface="+mn-cs"/>
+              </a:defRPr>
+            </a:lvl2pPr>
+            <a:lvl3pPr marL="914400" indent="-246888" algn="l" rtl="0" eaLnBrk="1" latinLnBrk="0" hangingPunct="1">
+              <a:spcBef>
+                <a:spcPct val="20000"/>
+              </a:spcBef>
+              <a:buClrTx/>
+              <a:buSzPct val="70000"/>
+              <a:buFont typeface="Wingdings 2"/>
+              <a:buChar char=""/>
+              <a:defRPr kumimoji="0" sz="2400" kern="1200">
+                <a:solidFill>
+                  <a:schemeClr val="tx1"/>
+                </a:solidFill>
+                <a:latin typeface="+mn-lt"/>
+                <a:ea typeface="+mn-ea"/>
+                <a:cs typeface="+mn-cs"/>
+              </a:defRPr>
+            </a:lvl3pPr>
+            <a:lvl4pPr marL="1188720" indent="-210312" algn="l" rtl="0" eaLnBrk="1" latinLnBrk="0" hangingPunct="1">
+              <a:spcBef>
+                <a:spcPct val="20000"/>
+              </a:spcBef>
+              <a:buClrTx/>
+              <a:buSzPct val="65000"/>
+              <a:buFont typeface="Wingdings 2"/>
+              <a:buChar char=""/>
+              <a:defRPr kumimoji="0" sz="2000" kern="1200">
+                <a:solidFill>
+                  <a:schemeClr val="tx1"/>
+                </a:solidFill>
+                <a:latin typeface="+mn-lt"/>
+                <a:ea typeface="+mn-ea"/>
+                <a:cs typeface="+mn-cs"/>
+              </a:defRPr>
+            </a:lvl4pPr>
+            <a:lvl5pPr marL="1463040" indent="-210312" algn="l" rtl="0" eaLnBrk="1" latinLnBrk="0" hangingPunct="1">
+              <a:spcBef>
+                <a:spcPct val="20000"/>
+              </a:spcBef>
+              <a:buClrTx/>
+              <a:buSzPct val="65000"/>
+              <a:buFont typeface="Wingdings 2"/>
+              <a:buChar char=""/>
+              <a:defRPr kumimoji="0" sz="1800" kern="1200">
+                <a:solidFill>
+                  <a:schemeClr val="tx1"/>
+                </a:solidFill>
+                <a:latin typeface="+mn-lt"/>
+                <a:ea typeface="+mn-ea"/>
+                <a:cs typeface="+mn-cs"/>
+              </a:defRPr>
+            </a:lvl5pPr>
+            <a:lvl6pPr marL="1737360" indent="-210312" algn="l" rtl="0" eaLnBrk="1" latinLnBrk="0" hangingPunct="1">
+              <a:spcBef>
+                <a:spcPct val="20000"/>
+              </a:spcBef>
+              <a:buClr>
+                <a:schemeClr val="accent5"/>
+              </a:buClr>
+              <a:buSzPct val="80000"/>
+              <a:buFont typeface="Wingdings 2"/>
+              <a:buChar char=""/>
+              <a:defRPr kumimoji="0" sz="1800" kern="1200">
+                <a:solidFill>
+                  <a:schemeClr val="tx1"/>
+                </a:solidFill>
+                <a:latin typeface="+mn-lt"/>
+                <a:ea typeface="+mn-ea"/>
+                <a:cs typeface="+mn-cs"/>
+              </a:defRPr>
+            </a:lvl6pPr>
+            <a:lvl7pPr marL="1920240" indent="-182880" algn="l" rtl="0" eaLnBrk="1" latinLnBrk="0" hangingPunct="1">
+              <a:spcBef>
+                <a:spcPct val="20000"/>
+              </a:spcBef>
+              <a:buClr>
+                <a:schemeClr val="accent6"/>
+              </a:buClr>
+              <a:buSzPct val="80000"/>
+              <a:buFont typeface="Wingdings 2"/>
+              <a:buChar char=""/>
+              <a:defRPr kumimoji="0" sz="1600" kern="1200" baseline="0">
+                <a:solidFill>
+                  <a:schemeClr val="tx1"/>
+                </a:solidFill>
+                <a:latin typeface="+mn-lt"/>
+                <a:ea typeface="+mn-ea"/>
+                <a:cs typeface="+mn-cs"/>
+              </a:defRPr>
+            </a:lvl7pPr>
+            <a:lvl8pPr marL="2194560" indent="-182880" algn="l" rtl="0" eaLnBrk="1" latinLnBrk="0" hangingPunct="1">
+              <a:spcBef>
+                <a:spcPct val="20000"/>
+              </a:spcBef>
+              <a:buClr>
+                <a:schemeClr val="tx2"/>
+              </a:buClr>
+              <a:buChar char="•"/>
+              <a:defRPr kumimoji="0" sz="1600" kern="1200">
+                <a:solidFill>
+                  <a:schemeClr val="tx1"/>
+                </a:solidFill>
+                <a:latin typeface="+mn-lt"/>
+                <a:ea typeface="+mn-ea"/>
+                <a:cs typeface="+mn-cs"/>
+              </a:defRPr>
+            </a:lvl8pPr>
+            <a:lvl9pPr marL="2468880" indent="-182880" algn="l" rtl="0" eaLnBrk="1" latinLnBrk="0" hangingPunct="1">
+              <a:spcBef>
+                <a:spcPct val="20000"/>
+              </a:spcBef>
+              <a:buClr>
+                <a:schemeClr val="tx2"/>
+              </a:buClr>
+              <a:buFontTx/>
+              <a:buChar char="•"/>
+              <a:defRPr kumimoji="0" sz="1400" kern="1200" baseline="0">
+                <a:solidFill>
+                  <a:schemeClr val="tx1"/>
+                </a:solidFill>
+                <a:latin typeface="+mn-lt"/>
+                <a:ea typeface="+mn-ea"/>
+                <a:cs typeface="+mn-cs"/>
+              </a:defRPr>
+            </a:lvl9pPr>
+          </a:lstStyle>
+          <a:p>
+            <a:pPr marL="0" indent="0"/>
+            <a:r>
+              <a:rPr lang="it-IT" dirty="0" smtClean="0"/>
+              <a:t> Primo approccio professionale</a:t>
+            </a:r>
+          </a:p>
+          <a:p>
+            <a:pPr marL="0" indent="0"/>
+            <a:r>
+              <a:rPr lang="it-IT" dirty="0" smtClean="0"/>
+              <a:t> Ciclo di vita del </a:t>
+            </a:r>
+            <a:r>
+              <a:rPr lang="it-IT" dirty="0" smtClean="0"/>
+              <a:t>software</a:t>
+            </a:r>
+          </a:p>
+          <a:p>
+            <a:pPr marL="0" indent="0"/>
+            <a:r>
+              <a:rPr lang="it-IT" dirty="0" smtClean="0"/>
+              <a:t> Utilizzo di nuovi </a:t>
+            </a:r>
+            <a:r>
+              <a:rPr lang="it-IT" dirty="0" err="1" smtClean="0"/>
+              <a:t>tools</a:t>
+            </a:r>
+            <a:endParaRPr lang="it-IT" dirty="0" smtClean="0"/>
+          </a:p>
+          <a:p>
+            <a:pPr marL="0" indent="0"/>
+            <a:r>
+              <a:rPr lang="it-IT" dirty="0" smtClean="0"/>
+              <a:t> Rispetto delle </a:t>
+            </a:r>
+            <a:r>
+              <a:rPr lang="it-IT" dirty="0" smtClean="0"/>
+              <a:t>scadenze</a:t>
+            </a:r>
+          </a:p>
+          <a:p>
+            <a:pPr marL="0" indent="0"/>
+            <a:r>
+              <a:rPr lang="it-IT" dirty="0" smtClean="0"/>
+              <a:t>Lavoro di squadra</a:t>
+            </a:r>
+            <a:endParaRPr lang="it-IT" dirty="0" smtClean="0"/>
+          </a:p>
+          <a:p>
+            <a:pPr marL="0" indent="0"/>
+            <a:endParaRPr lang="it-IT" i="1" dirty="0" smtClean="0"/>
+          </a:p>
+          <a:p>
+            <a:pPr marL="0" indent="0"/>
+            <a:endParaRPr lang="it-IT" i="1" dirty="0" smtClean="0"/>
+          </a:p>
+          <a:p>
+            <a:pPr marL="0" indent="0">
+              <a:buNone/>
+            </a:pPr>
+            <a:endParaRPr lang="it-IT" dirty="0" smtClean="0"/>
+          </a:p>
+        </p:txBody>
+      </p:sp>
+    </p:spTree>
+  </p:cSld>
+  <p:clrMapOvr>
+    <a:masterClrMapping/>
+  </p:clrMapOvr>
+  <p:timing>
+    <p:tnLst>
+      <p:par>
+        <p:cTn id="1" dur="indefinite" restart="never" nodeType="tmRoot">
+          <p:childTnLst>
+            <p:seq concurrent="1" nextAc="seek">
+              <p:cTn id="2" dur="indefinite" nodeType="mainSeq">
+                <p:childTnLst>
+                  <p:par>
+                    <p:cTn id="3" fill="hold">
+                      <p:stCondLst>
+                        <p:cond delay="indefinite"/>
+                        <p:cond evt="onBegin" delay="0">
+                          <p:tn val="2"/>
+                        </p:cond>
+                      </p:stCondLst>
+                      <p:childTnLst>
+                        <p:par>
+                          <p:cTn id="4" fill="hold">
+                            <p:stCondLst>
+                              <p:cond delay="0"/>
+                            </p:stCondLst>
+                            <p:childTnLst>
+                              <p:par>
+                                <p:cTn id="5" presetID="1" presetClass="entr" presetSubtype="0" fill="hold" grpId="0" nodeType="withEffect">
+                                  <p:stCondLst>
+                                    <p:cond delay="0"/>
+                                  </p:stCondLst>
+                                  <p:childTnLst>
+                                    <p:set>
+                                      <p:cBhvr>
+                                        <p:cTn id="6" dur="1" fill="hold">
+                                          <p:stCondLst>
+                                            <p:cond delay="0"/>
+                                          </p:stCondLst>
+                                        </p:cTn>
+                                        <p:tgtEl>
+                                          <p:spTgt spid="3"/>
+                                        </p:tgtEl>
+                                        <p:attrNameLst>
+                                          <p:attrName>style.visibility</p:attrName>
+                                        </p:attrNameLst>
+                                      </p:cBhvr>
+                                      <p:to>
+                                        <p:strVal val="visible"/>
+                                      </p:to>
+                                    </p:set>
+                                  </p:childTnLst>
+                                </p:cTn>
+                              </p:par>
+                              <p:par>
+                                <p:cTn id="7" presetID="5" presetClass="entr" presetSubtype="10" fill="hold" grpId="0" nodeType="withEffect">
+                                  <p:stCondLst>
+                                    <p:cond delay="0"/>
+                                  </p:stCondLst>
+                                  <p:childTnLst>
+                                    <p:set>
+                                      <p:cBhvr>
+                                        <p:cTn id="8" dur="1" fill="hold">
+                                          <p:stCondLst>
+                                            <p:cond delay="0"/>
+                                          </p:stCondLst>
+                                        </p:cTn>
+                                        <p:tgtEl>
+                                          <p:spTgt spid="4"/>
+                                        </p:tgtEl>
+                                        <p:attrNameLst>
+                                          <p:attrName>style.visibility</p:attrName>
+                                        </p:attrNameLst>
+                                      </p:cBhvr>
+                                      <p:to>
+                                        <p:strVal val="visible"/>
+                                      </p:to>
+                                    </p:set>
+                                    <p:animEffect transition="in" filter="checkerboard(across)">
+                                      <p:cBhvr>
+                                        <p:cTn id="9" dur="500"/>
+                                        <p:tgtEl>
+                                          <p:spTgt spid="4"/>
+                                        </p:tgtEl>
+                                      </p:cBhvr>
+                                    </p:animEffect>
+                                  </p:childTnLst>
+                                </p:cTn>
+                              </p:par>
+                            </p:childTnLst>
+                          </p:cTn>
+                        </p:par>
+                      </p:childTnLst>
+                    </p:cTn>
+                  </p:par>
+                  <p:par>
+                    <p:cTn id="10" fill="hold">
+                      <p:stCondLst>
+                        <p:cond delay="indefinite"/>
+                      </p:stCondLst>
+                      <p:childTnLst>
+                        <p:par>
+                          <p:cTn id="11" fill="hold">
+                            <p:stCondLst>
+                              <p:cond delay="0"/>
+                            </p:stCondLst>
+                            <p:childTnLst>
+                              <p:par>
+                                <p:cTn id="12" presetID="10" presetClass="entr" presetSubtype="0" fill="hold" grpId="0" nodeType="clickEffect">
+                                  <p:stCondLst>
+                                    <p:cond delay="0"/>
+                                  </p:stCondLst>
+                                  <p:childTnLst>
+                                    <p:set>
+                                      <p:cBhvr>
+                                        <p:cTn id="13" dur="1" fill="hold">
+                                          <p:stCondLst>
+                                            <p:cond delay="0"/>
+                                          </p:stCondLst>
+                                        </p:cTn>
+                                        <p:tgtEl>
+                                          <p:spTgt spid="10"/>
+                                        </p:tgtEl>
+                                        <p:attrNameLst>
+                                          <p:attrName>style.visibility</p:attrName>
+                                        </p:attrNameLst>
+                                      </p:cBhvr>
+                                      <p:to>
+                                        <p:strVal val="visible"/>
+                                      </p:to>
+                                    </p:set>
+                                    <p:animEffect transition="in" filter="fade">
+                                      <p:cBhvr>
+                                        <p:cTn id="14" dur="2000"/>
+                                        <p:tgtEl>
+                                          <p:spTgt spid="10"/>
+                                        </p:tgtEl>
+                                      </p:cBhvr>
+                                    </p:animEffect>
+                                  </p:childTnLst>
+                                </p:cTn>
+                              </p:par>
+                              <p:par>
+                                <p:cTn id="15" presetID="10" presetClass="entr" presetSubtype="0" fill="hold" nodeType="withEffect">
+                                  <p:stCondLst>
+                                    <p:cond delay="0"/>
+                                  </p:stCondLst>
+                                  <p:childTnLst>
+                                    <p:set>
+                                      <p:cBhvr>
+                                        <p:cTn id="16" dur="1" fill="hold">
+                                          <p:stCondLst>
+                                            <p:cond delay="0"/>
+                                          </p:stCondLst>
+                                        </p:cTn>
+                                        <p:tgtEl>
+                                          <p:spTgt spid="45058"/>
+                                        </p:tgtEl>
+                                        <p:attrNameLst>
+                                          <p:attrName>style.visibility</p:attrName>
+                                        </p:attrNameLst>
+                                      </p:cBhvr>
+                                      <p:to>
+                                        <p:strVal val="visible"/>
+                                      </p:to>
+                                    </p:set>
+                                    <p:animEffect transition="in" filter="fade">
+                                      <p:cBhvr>
+                                        <p:cTn id="17" dur="1000"/>
+                                        <p:tgtEl>
+                                          <p:spTgt spid="45058"/>
+                                        </p:tgtEl>
+                                      </p:cBhvr>
+                                    </p:animEffect>
+                                  </p:childTnLst>
+                                </p:cTn>
+                              </p:par>
+                            </p:childTnLst>
+                          </p:cTn>
+                        </p:par>
+                      </p:childTnLst>
+                    </p:cTn>
+                  </p:par>
+                </p:childTnLst>
+              </p:cTn>
+              <p:prevCondLst>
+                <p:cond evt="onPrev" delay="0">
+                  <p:tgtEl>
+                    <p:sldTgt/>
+                  </p:tgtEl>
+                </p:cond>
+              </p:prevCondLst>
+              <p:nextCondLst>
+                <p:cond evt="onNext" delay="0">
+                  <p:tgtEl>
+                    <p:sldTgt/>
+                  </p:tgtEl>
+                </p:cond>
+              </p:nextCondLst>
+            </p:seq>
+          </p:childTnLst>
+        </p:cTn>
+      </p:par>
+    </p:tnLst>
+    <p:bldLst>
+      <p:bldP spid="3" grpId="0"/>
+      <p:bldP spid="4" grpId="0"/>
+      <p:bldP spid="10" grpId="0"/>
     </p:bldLst>
   </p:timing>
 </p:sld>
@@ -15228,6 +15058,32 @@
           <a:chExt cx="0" cy="0"/>
         </a:xfrm>
       </p:grpSpPr>
+      <p:pic>
+        <p:nvPicPr>
+          <p:cNvPr id="3" name="Picture 2" descr="C:\Users\festaG\Desktop\Bamby\Università\IS\PROGETTO @silo\@silo\SDD\Sottosistemi\Divisione SottOSISTEMI2.png"/>
+          <p:cNvPicPr>
+            <a:picLocks noChangeAspect="1" noChangeArrowheads="1"/>
+          </p:cNvPicPr>
+          <p:nvPr/>
+        </p:nvPicPr>
+        <p:blipFill>
+          <a:blip r:embed="rId3" cstate="print"/>
+          <a:srcRect/>
+          <a:stretch>
+            <a:fillRect/>
+          </a:stretch>
+        </p:blipFill>
+        <p:spPr bwMode="auto">
+          <a:xfrm>
+            <a:off x="1043608" y="1550136"/>
+            <a:ext cx="6768752" cy="5119224"/>
+          </a:xfrm>
+          <a:prstGeom prst="rect">
+            <a:avLst/>
+          </a:prstGeom>
+          <a:noFill/>
+        </p:spPr>
+      </p:pic>
       <p:sp>
         <p:nvSpPr>
           <p:cNvPr id="2" name="CasellaDiTesto 1"/>
@@ -15236,7 +15092,7 @@
         </p:nvSpPr>
         <p:spPr>
           <a:xfrm>
-            <a:off x="467544" y="592812"/>
+            <a:off x="467544" y="664820"/>
             <a:ext cx="8268353" cy="1107996"/>
           </a:xfrm>
           <a:prstGeom prst="rect">
@@ -15290,36 +15146,10 @@
           </a:p>
         </p:txBody>
       </p:sp>
-      <p:pic>
-        <p:nvPicPr>
-          <p:cNvPr id="1026" name="Picture 2" descr="C:\Users\festaG\Desktop\Bamby\Università\IS\PROGETTO @silo\@silo\SDD\Sottosistemi\Divisione SottOSISTEMI.png"/>
-          <p:cNvPicPr>
-            <a:picLocks noChangeAspect="1" noChangeArrowheads="1"/>
-          </p:cNvPicPr>
-          <p:nvPr/>
-        </p:nvPicPr>
-        <p:blipFill>
-          <a:blip r:embed="rId3" cstate="print"/>
-          <a:srcRect/>
-          <a:stretch>
-            <a:fillRect/>
-          </a:stretch>
-        </p:blipFill>
-        <p:spPr bwMode="auto">
-          <a:xfrm>
-            <a:off x="1988022" y="1413490"/>
-            <a:ext cx="5104258" cy="5255870"/>
-          </a:xfrm>
-          <a:prstGeom prst="rect">
-            <a:avLst/>
-          </a:prstGeom>
-          <a:noFill/>
-        </p:spPr>
-      </p:pic>
     </p:spTree>
     <p:extLst>
       <p:ext uri="{BB962C8B-B14F-4D97-AF65-F5344CB8AC3E}">
-        <p14:creationId xmlns:p14="http://schemas.microsoft.com/office/powerpoint/2010/main" xmlns="" val="155874689"/>
+        <p14:creationId xmlns="" xmlns:p14="http://schemas.microsoft.com/office/powerpoint/2010/main" val="155874689"/>
       </p:ext>
     </p:extLst>
   </p:cSld>
@@ -15510,21 +15340,30 @@
                                   </p:childTnLst>
                                 </p:cTn>
                               </p:par>
+                            </p:childTnLst>
+                          </p:cTn>
+                        </p:par>
+                        <p:par>
+                          <p:cTn id="13" fill="hold">
+                            <p:stCondLst>
+                              <p:cond delay="1000"/>
+                            </p:stCondLst>
+                            <p:childTnLst>
                               <p:par>
-                                <p:cTn id="13" presetID="10" presetClass="entr" presetSubtype="0" fill="hold" nodeType="withEffect">
+                                <p:cTn id="14" presetID="16" presetClass="entr" presetSubtype="26" fill="hold" nodeType="afterEffect">
                                   <p:stCondLst>
                                     <p:cond delay="0"/>
                                   </p:stCondLst>
                                   <p:childTnLst>
                                     <p:set>
                                       <p:cBhvr>
-                                        <p:cTn id="14" dur="1" fill="hold">
+                                        <p:cTn id="15" dur="1" fill="hold">
                                           <p:stCondLst>
                                             <p:cond delay="0"/>
                                           </p:stCondLst>
                                         </p:cTn>
                                         <p:tgtEl>
-                                          <p:spTgt spid="1026"/>
+                                          <p:spTgt spid="3"/>
                                         </p:tgtEl>
                                         <p:attrNameLst>
                                           <p:attrName>style.visibility</p:attrName>
@@ -15534,11 +15373,11 @@
                                         <p:strVal val="visible"/>
                                       </p:to>
                                     </p:set>
-                                    <p:animEffect transition="in" filter="fade">
+                                    <p:animEffect transition="in" filter="barn(inHorizontal)">
                                       <p:cBhvr>
-                                        <p:cTn id="15" dur="1000"/>
+                                        <p:cTn id="16" dur="2000"/>
                                         <p:tgtEl>
-                                          <p:spTgt spid="1026"/>
+                                          <p:spTgt spid="3"/>
                                         </p:tgtEl>
                                       </p:cBhvr>
                                     </p:animEffect>
@@ -15579,6 +15418,174 @@
 </p:sld>
 </file>
 
+<file path=ppt/slides/slide20.xml><?xml version="1.0" encoding="utf-8"?>
+<p:sld xmlns:a="http://schemas.openxmlformats.org/drawingml/2006/main" xmlns:r="http://schemas.openxmlformats.org/officeDocument/2006/relationships" xmlns:p="http://schemas.openxmlformats.org/presentationml/2006/main">
+  <p:cSld>
+    <p:spTree>
+      <p:nvGrpSpPr>
+        <p:cNvPr id="1" name=""/>
+        <p:cNvGrpSpPr/>
+        <p:nvPr/>
+      </p:nvGrpSpPr>
+      <p:grpSpPr>
+        <a:xfrm>
+          <a:off x="0" y="0"/>
+          <a:ext cx="0" cy="0"/>
+          <a:chOff x="0" y="0"/>
+          <a:chExt cx="0" cy="0"/>
+        </a:xfrm>
+      </p:grpSpPr>
+      <p:pic>
+        <p:nvPicPr>
+          <p:cNvPr id="43010" name="Picture 2" descr="http://www.carsharingpalermo.it/abbonamenti/omini-incontro.jpg"/>
+          <p:cNvPicPr>
+            <a:picLocks noChangeAspect="1" noChangeArrowheads="1"/>
+          </p:cNvPicPr>
+          <p:nvPr/>
+        </p:nvPicPr>
+        <p:blipFill>
+          <a:blip r:embed="rId2" cstate="print"/>
+          <a:srcRect/>
+          <a:stretch>
+            <a:fillRect/>
+          </a:stretch>
+        </p:blipFill>
+        <p:spPr bwMode="auto">
+          <a:xfrm>
+            <a:off x="5508104" y="2852936"/>
+            <a:ext cx="3178639" cy="2781309"/>
+          </a:xfrm>
+          <a:prstGeom prst="rect">
+            <a:avLst/>
+          </a:prstGeom>
+          <a:noFill/>
+        </p:spPr>
+      </p:pic>
+      <p:sp>
+        <p:nvSpPr>
+          <p:cNvPr id="2" name="Segnaposto numero diapositiva 1"/>
+          <p:cNvSpPr>
+            <a:spLocks noGrp="1"/>
+          </p:cNvSpPr>
+          <p:nvPr>
+            <p:ph type="sldNum" sz="quarter" idx="12"/>
+          </p:nvPr>
+        </p:nvSpPr>
+        <p:spPr/>
+        <p:txBody>
+          <a:bodyPr/>
+          <a:lstStyle/>
+          <a:p>
+            <a:fld id="{F89AEA99-3E91-4C58-9AD4-045DB5619AC3}" type="slidenum">
+              <a:rPr lang="it-IT" smtClean="0"/>
+              <a:pPr/>
+              <a:t>20</a:t>
+            </a:fld>
+            <a:endParaRPr lang="it-IT"/>
+          </a:p>
+        </p:txBody>
+      </p:sp>
+      <p:pic>
+        <p:nvPicPr>
+          <p:cNvPr id="3" name="Picture 3" descr="C:\linda\uni\esami_da_svolgere\gps\progetto_gps\Atsilo\documenti_comuni\loghi\logo.png"/>
+          <p:cNvPicPr>
+            <a:picLocks noChangeAspect="1" noChangeArrowheads="1"/>
+          </p:cNvPicPr>
+          <p:nvPr/>
+        </p:nvPicPr>
+        <p:blipFill>
+          <a:blip r:embed="rId3" cstate="print">
+            <a:extLst>
+              <a:ext uri="{28A0092B-C50C-407E-A947-70E740481C1C}">
+                <a14:useLocalDpi xmlns="" xmlns:a14="http://schemas.microsoft.com/office/drawing/2010/main" val="0"/>
+              </a:ext>
+            </a:extLst>
+          </a:blip>
+          <a:srcRect/>
+          <a:stretch>
+            <a:fillRect/>
+          </a:stretch>
+        </p:blipFill>
+        <p:spPr bwMode="auto">
+          <a:xfrm>
+            <a:off x="1475655" y="1268760"/>
+            <a:ext cx="3471657" cy="2161611"/>
+          </a:xfrm>
+          <a:prstGeom prst="rect">
+            <a:avLst/>
+          </a:prstGeom>
+          <a:noFill/>
+          <a:extLst>
+            <a:ext uri="{909E8E84-426E-40DD-AFC4-6F175D3DCCD1}">
+              <a14:hiddenFill xmlns="" xmlns:a14="http://schemas.microsoft.com/office/drawing/2010/main">
+                <a:solidFill>
+                  <a:srgbClr val="FFFFFF"/>
+                </a:solidFill>
+              </a14:hiddenFill>
+            </a:ext>
+          </a:extLst>
+        </p:spPr>
+      </p:pic>
+      <p:sp>
+        <p:nvSpPr>
+          <p:cNvPr id="5" name="Rettangolo 4"/>
+          <p:cNvSpPr/>
+          <p:nvPr/>
+        </p:nvSpPr>
+        <p:spPr>
+          <a:xfrm>
+            <a:off x="796043" y="3933056"/>
+            <a:ext cx="4568045" cy="677108"/>
+          </a:xfrm>
+          <a:prstGeom prst="rect">
+            <a:avLst/>
+          </a:prstGeom>
+        </p:spPr>
+        <p:txBody>
+          <a:bodyPr wrap="none">
+            <a:spAutoFit/>
+          </a:bodyPr>
+          <a:lstStyle/>
+          <a:p>
+            <a:r>
+              <a:rPr lang="it-IT" sz="3800" b="1" i="1" dirty="0" smtClean="0">
+                <a:effectLst>
+                  <a:outerShdw blurRad="38100" dist="38100" dir="2700000" algn="tl">
+                    <a:srgbClr val="000000">
+                      <a:alpha val="43137"/>
+                    </a:srgbClr>
+                  </a:outerShdw>
+                </a:effectLst>
+              </a:rPr>
+              <a:t>Grazie dell’attenzione</a:t>
+            </a:r>
+            <a:endParaRPr lang="it-IT" sz="3800" i="1" dirty="0">
+              <a:effectLst>
+                <a:outerShdw blurRad="38100" dist="38100" dir="2700000" algn="tl">
+                  <a:srgbClr val="000000">
+                    <a:alpha val="43137"/>
+                  </a:srgbClr>
+                </a:outerShdw>
+              </a:effectLst>
+            </a:endParaRPr>
+          </a:p>
+        </p:txBody>
+      </p:sp>
+    </p:spTree>
+  </p:cSld>
+  <p:clrMapOvr>
+    <a:masterClrMapping/>
+  </p:clrMapOvr>
+  <p:timing>
+    <p:tnLst>
+      <p:par>
+        <p:cTn id="1" dur="indefinite" restart="never" nodeType="tmRoot"/>
+      </p:par>
+    </p:tnLst>
+  </p:timing>
+</p:sld>
+</file>
+
 <file path=ppt/slides/slide3.xml><?xml version="1.0" encoding="utf-8"?>
 <p:sld xmlns:a="http://schemas.openxmlformats.org/drawingml/2006/main" xmlns:r="http://schemas.openxmlformats.org/officeDocument/2006/relationships" xmlns:p="http://schemas.openxmlformats.org/presentationml/2006/main">
   <p:cSld>
@@ -15620,9 +15627,259 @@
           </a:p>
         </p:txBody>
       </p:sp>
+      <p:sp>
+        <p:nvSpPr>
+          <p:cNvPr id="6" name="Content Placeholder 3"/>
+          <p:cNvSpPr txBox="1">
+            <a:spLocks/>
+          </p:cNvSpPr>
+          <p:nvPr/>
+        </p:nvSpPr>
+        <p:spPr>
+          <a:xfrm>
+            <a:off x="5724128" y="1916832"/>
+            <a:ext cx="3240360" cy="3888432"/>
+          </a:xfrm>
+          <a:prstGeom prst="rect">
+            <a:avLst/>
+          </a:prstGeom>
+        </p:spPr>
+        <p:txBody>
+          <a:bodyPr tIns="0"/>
+          <a:lstStyle>
+            <a:lvl1pPr marL="274320" indent="-274320" algn="l" rtl="0" eaLnBrk="1" latinLnBrk="0" hangingPunct="1">
+              <a:spcBef>
+                <a:spcPct val="20000"/>
+              </a:spcBef>
+              <a:buClrTx/>
+              <a:buSzPct val="95000"/>
+              <a:buFont typeface="Wingdings" pitchFamily="2" charset="2"/>
+              <a:buChar char="v"/>
+              <a:defRPr kumimoji="0" sz="2800" kern="1200">
+                <a:solidFill>
+                  <a:schemeClr val="tx1"/>
+                </a:solidFill>
+                <a:latin typeface="+mn-lt"/>
+                <a:ea typeface="+mn-ea"/>
+                <a:cs typeface="+mn-cs"/>
+              </a:defRPr>
+            </a:lvl1pPr>
+            <a:lvl2pPr marL="640080" indent="-246888" algn="l" rtl="0" eaLnBrk="1" latinLnBrk="0" hangingPunct="1">
+              <a:spcBef>
+                <a:spcPct val="20000"/>
+              </a:spcBef>
+              <a:buClrTx/>
+              <a:buSzPct val="85000"/>
+              <a:buFont typeface="Courier New" pitchFamily="49" charset="0"/>
+              <a:buChar char="o"/>
+              <a:defRPr kumimoji="0" sz="2600" kern="1200">
+                <a:solidFill>
+                  <a:schemeClr val="tx1"/>
+                </a:solidFill>
+                <a:latin typeface="+mn-lt"/>
+                <a:ea typeface="+mn-ea"/>
+                <a:cs typeface="+mn-cs"/>
+              </a:defRPr>
+            </a:lvl2pPr>
+            <a:lvl3pPr marL="914400" indent="-246888" algn="l" rtl="0" eaLnBrk="1" latinLnBrk="0" hangingPunct="1">
+              <a:spcBef>
+                <a:spcPct val="20000"/>
+              </a:spcBef>
+              <a:buClrTx/>
+              <a:buSzPct val="70000"/>
+              <a:buFont typeface="Wingdings 2"/>
+              <a:buChar char=""/>
+              <a:defRPr kumimoji="0" sz="2400" kern="1200">
+                <a:solidFill>
+                  <a:schemeClr val="tx1"/>
+                </a:solidFill>
+                <a:latin typeface="+mn-lt"/>
+                <a:ea typeface="+mn-ea"/>
+                <a:cs typeface="+mn-cs"/>
+              </a:defRPr>
+            </a:lvl3pPr>
+            <a:lvl4pPr marL="1188720" indent="-210312" algn="l" rtl="0" eaLnBrk="1" latinLnBrk="0" hangingPunct="1">
+              <a:spcBef>
+                <a:spcPct val="20000"/>
+              </a:spcBef>
+              <a:buClrTx/>
+              <a:buSzPct val="65000"/>
+              <a:buFont typeface="Wingdings 2"/>
+              <a:buChar char=""/>
+              <a:defRPr kumimoji="0" sz="2000" kern="1200">
+                <a:solidFill>
+                  <a:schemeClr val="tx1"/>
+                </a:solidFill>
+                <a:latin typeface="+mn-lt"/>
+                <a:ea typeface="+mn-ea"/>
+                <a:cs typeface="+mn-cs"/>
+              </a:defRPr>
+            </a:lvl4pPr>
+            <a:lvl5pPr marL="1463040" indent="-210312" algn="l" rtl="0" eaLnBrk="1" latinLnBrk="0" hangingPunct="1">
+              <a:spcBef>
+                <a:spcPct val="20000"/>
+              </a:spcBef>
+              <a:buClrTx/>
+              <a:buSzPct val="65000"/>
+              <a:buFont typeface="Wingdings 2"/>
+              <a:buChar char=""/>
+              <a:defRPr kumimoji="0" sz="1800" kern="1200">
+                <a:solidFill>
+                  <a:schemeClr val="tx1"/>
+                </a:solidFill>
+                <a:latin typeface="+mn-lt"/>
+                <a:ea typeface="+mn-ea"/>
+                <a:cs typeface="+mn-cs"/>
+              </a:defRPr>
+            </a:lvl5pPr>
+            <a:lvl6pPr marL="1737360" indent="-210312" algn="l" rtl="0" eaLnBrk="1" latinLnBrk="0" hangingPunct="1">
+              <a:spcBef>
+                <a:spcPct val="20000"/>
+              </a:spcBef>
+              <a:buClr>
+                <a:schemeClr val="accent5"/>
+              </a:buClr>
+              <a:buSzPct val="80000"/>
+              <a:buFont typeface="Wingdings 2"/>
+              <a:buChar char=""/>
+              <a:defRPr kumimoji="0" sz="1800" kern="1200">
+                <a:solidFill>
+                  <a:schemeClr val="tx1"/>
+                </a:solidFill>
+                <a:latin typeface="+mn-lt"/>
+                <a:ea typeface="+mn-ea"/>
+                <a:cs typeface="+mn-cs"/>
+              </a:defRPr>
+            </a:lvl6pPr>
+            <a:lvl7pPr marL="1920240" indent="-182880" algn="l" rtl="0" eaLnBrk="1" latinLnBrk="0" hangingPunct="1">
+              <a:spcBef>
+                <a:spcPct val="20000"/>
+              </a:spcBef>
+              <a:buClr>
+                <a:schemeClr val="accent6"/>
+              </a:buClr>
+              <a:buSzPct val="80000"/>
+              <a:buFont typeface="Wingdings 2"/>
+              <a:buChar char=""/>
+              <a:defRPr kumimoji="0" sz="1600" kern="1200" baseline="0">
+                <a:solidFill>
+                  <a:schemeClr val="tx1"/>
+                </a:solidFill>
+                <a:latin typeface="+mn-lt"/>
+                <a:ea typeface="+mn-ea"/>
+                <a:cs typeface="+mn-cs"/>
+              </a:defRPr>
+            </a:lvl7pPr>
+            <a:lvl8pPr marL="2194560" indent="-182880" algn="l" rtl="0" eaLnBrk="1" latinLnBrk="0" hangingPunct="1">
+              <a:spcBef>
+                <a:spcPct val="20000"/>
+              </a:spcBef>
+              <a:buClr>
+                <a:schemeClr val="tx2"/>
+              </a:buClr>
+              <a:buChar char="•"/>
+              <a:defRPr kumimoji="0" sz="1600" kern="1200">
+                <a:solidFill>
+                  <a:schemeClr val="tx1"/>
+                </a:solidFill>
+                <a:latin typeface="+mn-lt"/>
+                <a:ea typeface="+mn-ea"/>
+                <a:cs typeface="+mn-cs"/>
+              </a:defRPr>
+            </a:lvl8pPr>
+            <a:lvl9pPr marL="2468880" indent="-182880" algn="l" rtl="0" eaLnBrk="1" latinLnBrk="0" hangingPunct="1">
+              <a:spcBef>
+                <a:spcPct val="20000"/>
+              </a:spcBef>
+              <a:buClr>
+                <a:schemeClr val="tx2"/>
+              </a:buClr>
+              <a:buFontTx/>
+              <a:buChar char="•"/>
+              <a:defRPr kumimoji="0" sz="1400" kern="1200" baseline="0">
+                <a:solidFill>
+                  <a:schemeClr val="tx1"/>
+                </a:solidFill>
+                <a:latin typeface="+mn-lt"/>
+                <a:ea typeface="+mn-ea"/>
+                <a:cs typeface="+mn-cs"/>
+              </a:defRPr>
+            </a:lvl9pPr>
+          </a:lstStyle>
+          <a:p>
+            <a:pPr marL="514350" indent="-514350">
+              <a:buFont typeface="+mj-lt"/>
+              <a:buAutoNum type="arabicParenR"/>
+            </a:pPr>
+            <a:r>
+              <a:rPr lang="it-IT" b="1" dirty="0" err="1" smtClean="0"/>
+              <a:t>Presentation</a:t>
+            </a:r>
+            <a:endParaRPr lang="it-IT" b="1" dirty="0" smtClean="0"/>
+          </a:p>
+          <a:p>
+            <a:pPr marL="514350" indent="-514350">
+              <a:buFont typeface="+mj-lt"/>
+              <a:buAutoNum type="arabicParenR"/>
+            </a:pPr>
+            <a:r>
+              <a:rPr lang="it-IT" b="1" dirty="0" err="1" smtClean="0"/>
+              <a:t>Application</a:t>
+            </a:r>
+            <a:endParaRPr lang="it-IT" b="1" dirty="0" smtClean="0"/>
+          </a:p>
+          <a:p>
+            <a:pPr marL="514350" indent="-514350">
+              <a:buFont typeface="+mj-lt"/>
+              <a:buAutoNum type="arabicParenR"/>
+            </a:pPr>
+            <a:r>
+              <a:rPr lang="it-IT" b="1" dirty="0" err="1" smtClean="0"/>
+              <a:t>Storage</a:t>
+            </a:r>
+            <a:r>
+              <a:rPr lang="it-IT" b="1" dirty="0" smtClean="0"/>
+              <a:t> </a:t>
+            </a:r>
+            <a:r>
+              <a:rPr lang="it-IT" dirty="0" smtClean="0"/>
+              <a:t>(comprende </a:t>
+            </a:r>
+            <a:r>
+              <a:rPr lang="it-IT" b="1" dirty="0" err="1" smtClean="0"/>
+              <a:t>Beans</a:t>
+            </a:r>
+            <a:r>
+              <a:rPr lang="it-IT" dirty="0" smtClean="0"/>
+              <a:t>)</a:t>
+            </a:r>
+          </a:p>
+          <a:p>
+            <a:pPr marL="514350" indent="-514350">
+              <a:buFont typeface="+mj-lt"/>
+              <a:buAutoNum type="arabicParenR"/>
+            </a:pPr>
+            <a:endParaRPr lang="it-IT" dirty="0" smtClean="0"/>
+          </a:p>
+          <a:p>
+            <a:pPr marL="514350" indent="-514350">
+              <a:buNone/>
+            </a:pPr>
+            <a:r>
+              <a:rPr lang="it-IT" dirty="0" smtClean="0"/>
+              <a:t>Infine troviamo </a:t>
+            </a:r>
+            <a:r>
+              <a:rPr lang="it-IT" b="1" dirty="0" err="1" smtClean="0"/>
+              <a:t>Exception</a:t>
+            </a:r>
+            <a:endParaRPr lang="it-IT" b="1" dirty="0" smtClean="0"/>
+          </a:p>
+        </p:txBody>
+      </p:sp>
       <p:pic>
         <p:nvPicPr>
-          <p:cNvPr id="5" name="Picture 2" descr="C:\Users\festaG\Desktop\Bamby\Università\IS\PROGETTO @silo\@silo\SDD\Sottosistemi\Divisione SottOSISTEMI.png"/>
+          <p:cNvPr id="7" name="Picture 2" descr="C:\Users\festaG\Desktop\Bamby\Università\IS\PROGETTO @silo\@silo\SDD\Sottosistemi\Divisione SottOSISTEMI2.png"/>
           <p:cNvPicPr>
             <a:picLocks noChangeAspect="1" noChangeArrowheads="1"/>
           </p:cNvPicPr>
@@ -15637,8 +15894,8 @@
         </p:blipFill>
         <p:spPr bwMode="auto">
           <a:xfrm>
-            <a:off x="251520" y="1196752"/>
-            <a:ext cx="4608512" cy="4745399"/>
+            <a:off x="179512" y="2204864"/>
+            <a:ext cx="5389399" cy="4076016"/>
           </a:xfrm>
           <a:prstGeom prst="rect">
             <a:avLst/>
@@ -15648,287 +15905,52 @@
       </p:pic>
       <p:sp>
         <p:nvSpPr>
-          <p:cNvPr id="6" name="Content Placeholder 3"/>
-          <p:cNvSpPr txBox="1">
-            <a:spLocks/>
-          </p:cNvSpPr>
+          <p:cNvPr id="8" name="Rettangolo 7"/>
+          <p:cNvSpPr/>
           <p:nvPr/>
         </p:nvSpPr>
         <p:spPr>
           <a:xfrm>
-            <a:off x="5148064" y="476672"/>
-            <a:ext cx="3816424" cy="5904656"/>
+            <a:off x="611560" y="890717"/>
+            <a:ext cx="8136904" cy="954107"/>
           </a:xfrm>
           <a:prstGeom prst="rect">
             <a:avLst/>
           </a:prstGeom>
         </p:spPr>
         <p:txBody>
-          <a:bodyPr tIns="0"/>
-          <a:lstStyle>
-            <a:lvl1pPr marL="274320" indent="-274320" algn="l" rtl="0" eaLnBrk="1" latinLnBrk="0" hangingPunct="1">
-              <a:spcBef>
-                <a:spcPct val="20000"/>
-              </a:spcBef>
-              <a:buClrTx/>
-              <a:buSzPct val="95000"/>
-              <a:buFont typeface="Wingdings" pitchFamily="2" charset="2"/>
-              <a:buChar char="v"/>
-              <a:defRPr kumimoji="0" sz="2800" kern="1200">
-                <a:solidFill>
-                  <a:schemeClr val="tx1"/>
-                </a:solidFill>
-                <a:latin typeface="+mn-lt"/>
-                <a:ea typeface="+mn-ea"/>
-                <a:cs typeface="+mn-cs"/>
-              </a:defRPr>
-            </a:lvl1pPr>
-            <a:lvl2pPr marL="640080" indent="-246888" algn="l" rtl="0" eaLnBrk="1" latinLnBrk="0" hangingPunct="1">
-              <a:spcBef>
-                <a:spcPct val="20000"/>
-              </a:spcBef>
-              <a:buClrTx/>
-              <a:buSzPct val="85000"/>
-              <a:buFont typeface="Courier New" pitchFamily="49" charset="0"/>
-              <a:buChar char="o"/>
-              <a:defRPr kumimoji="0" sz="2600" kern="1200">
-                <a:solidFill>
-                  <a:schemeClr val="tx1"/>
-                </a:solidFill>
-                <a:latin typeface="+mn-lt"/>
-                <a:ea typeface="+mn-ea"/>
-                <a:cs typeface="+mn-cs"/>
-              </a:defRPr>
-            </a:lvl2pPr>
-            <a:lvl3pPr marL="914400" indent="-246888" algn="l" rtl="0" eaLnBrk="1" latinLnBrk="0" hangingPunct="1">
-              <a:spcBef>
-                <a:spcPct val="20000"/>
-              </a:spcBef>
-              <a:buClrTx/>
-              <a:buSzPct val="70000"/>
-              <a:buFont typeface="Wingdings 2"/>
-              <a:buChar char=""/>
-              <a:defRPr kumimoji="0" sz="2400" kern="1200">
-                <a:solidFill>
-                  <a:schemeClr val="tx1"/>
-                </a:solidFill>
-                <a:latin typeface="+mn-lt"/>
-                <a:ea typeface="+mn-ea"/>
-                <a:cs typeface="+mn-cs"/>
-              </a:defRPr>
-            </a:lvl3pPr>
-            <a:lvl4pPr marL="1188720" indent="-210312" algn="l" rtl="0" eaLnBrk="1" latinLnBrk="0" hangingPunct="1">
-              <a:spcBef>
-                <a:spcPct val="20000"/>
-              </a:spcBef>
-              <a:buClrTx/>
-              <a:buSzPct val="65000"/>
-              <a:buFont typeface="Wingdings 2"/>
-              <a:buChar char=""/>
-              <a:defRPr kumimoji="0" sz="2000" kern="1200">
-                <a:solidFill>
-                  <a:schemeClr val="tx1"/>
-                </a:solidFill>
-                <a:latin typeface="+mn-lt"/>
-                <a:ea typeface="+mn-ea"/>
-                <a:cs typeface="+mn-cs"/>
-              </a:defRPr>
-            </a:lvl4pPr>
-            <a:lvl5pPr marL="1463040" indent="-210312" algn="l" rtl="0" eaLnBrk="1" latinLnBrk="0" hangingPunct="1">
-              <a:spcBef>
-                <a:spcPct val="20000"/>
-              </a:spcBef>
-              <a:buClrTx/>
-              <a:buSzPct val="65000"/>
-              <a:buFont typeface="Wingdings 2"/>
-              <a:buChar char=""/>
-              <a:defRPr kumimoji="0" sz="1800" kern="1200">
-                <a:solidFill>
-                  <a:schemeClr val="tx1"/>
-                </a:solidFill>
-                <a:latin typeface="+mn-lt"/>
-                <a:ea typeface="+mn-ea"/>
-                <a:cs typeface="+mn-cs"/>
-              </a:defRPr>
-            </a:lvl5pPr>
-            <a:lvl6pPr marL="1737360" indent="-210312" algn="l" rtl="0" eaLnBrk="1" latinLnBrk="0" hangingPunct="1">
-              <a:spcBef>
-                <a:spcPct val="20000"/>
-              </a:spcBef>
-              <a:buClr>
-                <a:schemeClr val="accent5"/>
-              </a:buClr>
-              <a:buSzPct val="80000"/>
-              <a:buFont typeface="Wingdings 2"/>
-              <a:buChar char=""/>
-              <a:defRPr kumimoji="0" sz="1800" kern="1200">
-                <a:solidFill>
-                  <a:schemeClr val="tx1"/>
-                </a:solidFill>
-                <a:latin typeface="+mn-lt"/>
-                <a:ea typeface="+mn-ea"/>
-                <a:cs typeface="+mn-cs"/>
-              </a:defRPr>
-            </a:lvl6pPr>
-            <a:lvl7pPr marL="1920240" indent="-182880" algn="l" rtl="0" eaLnBrk="1" latinLnBrk="0" hangingPunct="1">
-              <a:spcBef>
-                <a:spcPct val="20000"/>
-              </a:spcBef>
-              <a:buClr>
-                <a:schemeClr val="accent6"/>
-              </a:buClr>
-              <a:buSzPct val="80000"/>
-              <a:buFont typeface="Wingdings 2"/>
-              <a:buChar char=""/>
-              <a:defRPr kumimoji="0" sz="1600" kern="1200" baseline="0">
-                <a:solidFill>
-                  <a:schemeClr val="tx1"/>
-                </a:solidFill>
-                <a:latin typeface="+mn-lt"/>
-                <a:ea typeface="+mn-ea"/>
-                <a:cs typeface="+mn-cs"/>
-              </a:defRPr>
-            </a:lvl7pPr>
-            <a:lvl8pPr marL="2194560" indent="-182880" algn="l" rtl="0" eaLnBrk="1" latinLnBrk="0" hangingPunct="1">
-              <a:spcBef>
-                <a:spcPct val="20000"/>
-              </a:spcBef>
-              <a:buClr>
-                <a:schemeClr val="tx2"/>
-              </a:buClr>
-              <a:buChar char="•"/>
-              <a:defRPr kumimoji="0" sz="1600" kern="1200">
-                <a:solidFill>
-                  <a:schemeClr val="tx1"/>
-                </a:solidFill>
-                <a:latin typeface="+mn-lt"/>
-                <a:ea typeface="+mn-ea"/>
-                <a:cs typeface="+mn-cs"/>
-              </a:defRPr>
-            </a:lvl8pPr>
-            <a:lvl9pPr marL="2468880" indent="-182880" algn="l" rtl="0" eaLnBrk="1" latinLnBrk="0" hangingPunct="1">
-              <a:spcBef>
-                <a:spcPct val="20000"/>
-              </a:spcBef>
-              <a:buClr>
-                <a:schemeClr val="tx2"/>
-              </a:buClr>
-              <a:buFontTx/>
-              <a:buChar char="•"/>
-              <a:defRPr kumimoji="0" sz="1400" kern="1200" baseline="0">
-                <a:solidFill>
-                  <a:schemeClr val="tx1"/>
-                </a:solidFill>
-                <a:latin typeface="+mn-lt"/>
-                <a:ea typeface="+mn-ea"/>
-                <a:cs typeface="+mn-cs"/>
-              </a:defRPr>
-            </a:lvl9pPr>
-          </a:lstStyle>
+          <a:bodyPr wrap="square">
+            <a:spAutoFit/>
+          </a:bodyPr>
+          <a:lstStyle/>
           <a:p>
             <a:pPr>
               <a:buNone/>
             </a:pPr>
             <a:r>
-              <a:rPr lang="it-IT" dirty="0" smtClean="0"/>
-              <a:t>La decomposizione</a:t>
-            </a:r>
-          </a:p>
-          <a:p>
-            <a:pPr>
-              <a:buNone/>
-            </a:pPr>
-            <a:r>
-              <a:rPr lang="it-IT" dirty="0" smtClean="0"/>
-              <a:t>prevista per il sistema è composta da </a:t>
-            </a:r>
-            <a:r>
-              <a:rPr lang="it-IT" i="1" dirty="0" smtClean="0"/>
+              <a:rPr lang="it-IT" sz="2800" dirty="0" smtClean="0"/>
+              <a:t>La </a:t>
+            </a:r>
+            <a:r>
+              <a:rPr lang="it-IT" sz="2800" dirty="0" smtClean="0"/>
+              <a:t>decomposizione prevista </a:t>
+            </a:r>
+            <a:r>
+              <a:rPr lang="it-IT" sz="2800" dirty="0" smtClean="0"/>
+              <a:t>per il sistema è composta da </a:t>
+            </a:r>
+            <a:r>
+              <a:rPr lang="it-IT" sz="2800" i="1" dirty="0" smtClean="0"/>
               <a:t>tre </a:t>
             </a:r>
             <a:r>
-              <a:rPr lang="it-IT" dirty="0" err="1" smtClean="0"/>
+              <a:rPr lang="it-IT" sz="2800" dirty="0" err="1" smtClean="0"/>
               <a:t>layer</a:t>
             </a:r>
             <a:r>
-              <a:rPr lang="it-IT" dirty="0" smtClean="0"/>
+              <a:rPr lang="it-IT" sz="2800" dirty="0" smtClean="0"/>
               <a:t>:</a:t>
             </a:r>
-          </a:p>
-          <a:p>
-            <a:pPr>
-              <a:buNone/>
-            </a:pPr>
-            <a:endParaRPr lang="it-IT" dirty="0" smtClean="0"/>
-          </a:p>
-          <a:p>
-            <a:pPr marL="514350" indent="-514350">
-              <a:buFont typeface="+mj-lt"/>
-              <a:buAutoNum type="arabicParenR"/>
-            </a:pPr>
-            <a:r>
-              <a:rPr lang="it-IT" b="1" dirty="0" err="1" smtClean="0"/>
-              <a:t>Presentation</a:t>
-            </a:r>
-            <a:endParaRPr lang="it-IT" b="1" dirty="0" smtClean="0"/>
-          </a:p>
-          <a:p>
-            <a:pPr marL="514350" indent="-514350">
-              <a:buFont typeface="+mj-lt"/>
-              <a:buAutoNum type="arabicParenR"/>
-            </a:pPr>
-            <a:r>
-              <a:rPr lang="it-IT" b="1" dirty="0" err="1" smtClean="0"/>
-              <a:t>Application</a:t>
-            </a:r>
-            <a:endParaRPr lang="it-IT" b="1" dirty="0" smtClean="0"/>
-          </a:p>
-          <a:p>
-            <a:pPr marL="514350" indent="-514350">
-              <a:buFont typeface="+mj-lt"/>
-              <a:buAutoNum type="arabicParenR"/>
-            </a:pPr>
-            <a:r>
-              <a:rPr lang="it-IT" b="1" dirty="0" err="1" smtClean="0"/>
-              <a:t>Storage</a:t>
-            </a:r>
-            <a:r>
-              <a:rPr lang="it-IT" b="1" dirty="0" smtClean="0"/>
-              <a:t> </a:t>
-            </a:r>
-            <a:r>
-              <a:rPr lang="it-IT" dirty="0" smtClean="0"/>
-              <a:t>(comprende </a:t>
-            </a:r>
-            <a:r>
-              <a:rPr lang="it-IT" b="1" dirty="0" err="1" smtClean="0"/>
-              <a:t>Beans</a:t>
-            </a:r>
-            <a:r>
-              <a:rPr lang="it-IT" dirty="0" smtClean="0"/>
-              <a:t>)</a:t>
-            </a:r>
-          </a:p>
-          <a:p>
-            <a:pPr marL="514350" indent="-514350">
-              <a:buFont typeface="+mj-lt"/>
-              <a:buAutoNum type="arabicParenR"/>
-            </a:pPr>
-            <a:endParaRPr lang="it-IT" dirty="0" smtClean="0"/>
-          </a:p>
-          <a:p>
-            <a:pPr marL="514350" indent="-514350">
-              <a:buNone/>
-            </a:pPr>
-            <a:r>
-              <a:rPr lang="it-IT" dirty="0" smtClean="0"/>
-              <a:t>Infine troviamo </a:t>
-            </a:r>
-            <a:r>
-              <a:rPr lang="it-IT" b="1" dirty="0" err="1" smtClean="0"/>
-              <a:t>Exception</a:t>
-            </a:r>
-            <a:endParaRPr lang="it-IT" b="1" dirty="0" smtClean="0"/>
           </a:p>
         </p:txBody>
       </p:sp>
@@ -15961,7 +15983,7 @@
                             </p:stCondLst>
                             <p:childTnLst>
                               <p:par>
-                                <p:cTn id="5" presetID="10" presetClass="entr" presetSubtype="0" fill="hold" nodeType="withEffect">
+                                <p:cTn id="5" presetID="1" presetClass="entr" presetSubtype="0" fill="hold" grpId="0" nodeType="withEffect">
                                   <p:stCondLst>
                                     <p:cond delay="0"/>
                                   </p:stCondLst>
@@ -15974,7 +15996,7 @@
                                           </p:stCondLst>
                                         </p:cTn>
                                         <p:tgtEl>
-                                          <p:spTgt spid="5"/>
+                                          <p:spTgt spid="8"/>
                                         </p:tgtEl>
                                         <p:attrNameLst>
                                           <p:attrName>style.visibility</p:attrName>
@@ -15984,44 +16006,62 @@
                                         <p:strVal val="visible"/>
                                       </p:to>
                                     </p:set>
-                                    <p:animEffect transition="in" filter="fade">
+                                  </p:childTnLst>
+                                </p:cTn>
+                              </p:par>
+                            </p:childTnLst>
+                          </p:cTn>
+                        </p:par>
+                        <p:par>
+                          <p:cTn id="7" fill="hold">
+                            <p:stCondLst>
+                              <p:cond delay="0"/>
+                            </p:stCondLst>
+                            <p:childTnLst>
+                              <p:par>
+                                <p:cTn id="8" presetID="13" presetClass="entr" presetSubtype="16" fill="hold" nodeType="afterEffect">
+                                  <p:stCondLst>
+                                    <p:cond delay="0"/>
+                                  </p:stCondLst>
+                                  <p:childTnLst>
+                                    <p:set>
                                       <p:cBhvr>
-                                        <p:cTn id="7" dur="1000"/>
+                                        <p:cTn id="9" dur="1" fill="hold">
+                                          <p:stCondLst>
+                                            <p:cond delay="0"/>
+                                          </p:stCondLst>
+                                        </p:cTn>
                                         <p:tgtEl>
-                                          <p:spTgt spid="5"/>
+                                          <p:spTgt spid="7"/>
+                                        </p:tgtEl>
+                                        <p:attrNameLst>
+                                          <p:attrName>style.visibility</p:attrName>
+                                        </p:attrNameLst>
+                                      </p:cBhvr>
+                                      <p:to>
+                                        <p:strVal val="visible"/>
+                                      </p:to>
+                                    </p:set>
+                                    <p:animEffect transition="in" filter="plus(in)">
+                                      <p:cBhvr>
+                                        <p:cTn id="10" dur="2000"/>
+                                        <p:tgtEl>
+                                          <p:spTgt spid="7"/>
                                         </p:tgtEl>
                                       </p:cBhvr>
                                     </p:animEffect>
                                   </p:childTnLst>
                                 </p:cTn>
                               </p:par>
-                            </p:childTnLst>
-                          </p:cTn>
-                        </p:par>
-                      </p:childTnLst>
-                    </p:cTn>
-                  </p:par>
-                  <p:par>
-                    <p:cTn id="8" fill="hold">
-                      <p:stCondLst>
-                        <p:cond delay="indefinite"/>
-                      </p:stCondLst>
-                      <p:childTnLst>
-                        <p:par>
-                          <p:cTn id="9" fill="hold">
-                            <p:stCondLst>
-                              <p:cond delay="0"/>
-                            </p:stCondLst>
-                            <p:childTnLst>
                               <p:par>
-                                <p:cTn id="10" presetID="42" presetClass="entr" presetSubtype="0" fill="hold" grpId="0" nodeType="clickEffect">
+                                <p:cTn id="11" presetID="42" presetClass="entr" presetSubtype="0" fill="hold" grpId="0" nodeType="withEffect">
                                   <p:stCondLst>
                                     <p:cond delay="0"/>
                                   </p:stCondLst>
                                   <p:childTnLst>
                                     <p:set>
                                       <p:cBhvr>
-                                        <p:cTn id="11" dur="1" fill="hold">
+                                        <p:cTn id="12" dur="1" fill="hold">
                                           <p:stCondLst>
                                             <p:cond delay="0"/>
                                           </p:stCondLst>
@@ -16039,7 +16079,7 @@
                                     </p:set>
                                     <p:animEffect transition="in" filter="fade">
                                       <p:cBhvr>
-                                        <p:cTn id="12" dur="1000"/>
+                                        <p:cTn id="13" dur="1000"/>
                                         <p:tgtEl>
                                           <p:spTgt spid="6"/>
                                         </p:tgtEl>
@@ -16047,7 +16087,7 @@
                                     </p:animEffect>
                                     <p:anim calcmode="lin" valueType="num">
                                       <p:cBhvr>
-                                        <p:cTn id="13" dur="1000" fill="hold"/>
+                                        <p:cTn id="14" dur="1000" fill="hold"/>
                                         <p:tgtEl>
                                           <p:spTgt spid="6"/>
                                         </p:tgtEl>
@@ -16070,7 +16110,7 @@
                                     </p:anim>
                                     <p:anim calcmode="lin" valueType="num">
                                       <p:cBhvr>
-                                        <p:cTn id="14" dur="1000" fill="hold"/>
+                                        <p:cTn id="15" dur="1000" fill="hold"/>
                                         <p:tgtEl>
                                           <p:spTgt spid="6"/>
                                         </p:tgtEl>
@@ -16123,6 +16163,7 @@
     </p:tnLst>
     <p:bldLst>
       <p:bldP spid="6" grpId="0"/>
+      <p:bldP spid="8" grpId="0"/>
     </p:bldLst>
   </p:timing>
 </p:sld>
@@ -17331,7 +17372,7 @@
     </p:spTree>
     <p:extLst>
       <p:ext uri="{BB962C8B-B14F-4D97-AF65-F5344CB8AC3E}">
-        <p14:creationId xmlns:p14="http://schemas.microsoft.com/office/powerpoint/2010/main" xmlns="" val="155874689"/>
+        <p14:creationId xmlns="" xmlns:p14="http://schemas.microsoft.com/office/powerpoint/2010/main" val="155874689"/>
       </p:ext>
     </p:extLst>
   </p:cSld>
@@ -17339,7 +17380,7 @@
     <a:masterClrMapping/>
   </p:clrMapOvr>
   <mc:AlternateContent xmlns:mc="http://schemas.openxmlformats.org/markup-compatibility/2006">
-    <mc:Choice xmlns:p14="http://schemas.microsoft.com/office/powerpoint/2010/main" xmlns="" Requires="p14">
+    <mc:Choice xmlns="" xmlns:p14="http://schemas.microsoft.com/office/powerpoint/2010/main" Requires="p14">
       <p:transition spd="slow" p14:dur="2000"/>
     </mc:Choice>
     <mc:Fallback>
@@ -17358,6 +17399,9 @@
                     <p:cTn id="3" fill="hold">
                       <p:stCondLst>
                         <p:cond delay="indefinite"/>
+                        <p:cond evt="onBegin" delay="0">
+                          <p:tn val="2"/>
+                        </p:cond>
                       </p:stCondLst>
                       <p:childTnLst>
                         <p:par>
@@ -17367,7 +17411,7 @@
                             </p:stCondLst>
                             <p:childTnLst>
                               <p:par>
-                                <p:cTn id="5" presetID="1" presetClass="entr" presetSubtype="0" fill="hold" nodeType="clickEffect">
+                                <p:cTn id="5" presetID="10" presetClass="entr" presetSubtype="0" fill="hold" grpId="0" nodeType="withEffect">
                                   <p:stCondLst>
                                     <p:cond delay="0"/>
                                   </p:stCondLst>
@@ -17375,6 +17419,59 @@
                                     <p:set>
                                       <p:cBhvr>
                                         <p:cTn id="6" dur="1" fill="hold">
+                                          <p:stCondLst>
+                                            <p:cond delay="0"/>
+                                          </p:stCondLst>
+                                        </p:cTn>
+                                        <p:tgtEl>
+                                          <p:spTgt spid="10"/>
+                                        </p:tgtEl>
+                                        <p:attrNameLst>
+                                          <p:attrName>style.visibility</p:attrName>
+                                        </p:attrNameLst>
+                                      </p:cBhvr>
+                                      <p:to>
+                                        <p:strVal val="visible"/>
+                                      </p:to>
+                                    </p:set>
+                                    <p:animEffect transition="in" filter="fade">
+                                      <p:cBhvr>
+                                        <p:cTn id="7" dur="2000"/>
+                                        <p:tgtEl>
+                                          <p:spTgt spid="10"/>
+                                        </p:tgtEl>
+                                      </p:cBhvr>
+                                    </p:animEffect>
+                                  </p:childTnLst>
+                                </p:cTn>
+                              </p:par>
+                            </p:childTnLst>
+                          </p:cTn>
+                        </p:par>
+                      </p:childTnLst>
+                    </p:cTn>
+                  </p:par>
+                  <p:par>
+                    <p:cTn id="8" fill="hold">
+                      <p:stCondLst>
+                        <p:cond delay="indefinite"/>
+                      </p:stCondLst>
+                      <p:childTnLst>
+                        <p:par>
+                          <p:cTn id="9" fill="hold">
+                            <p:stCondLst>
+                              <p:cond delay="0"/>
+                            </p:stCondLst>
+                            <p:childTnLst>
+                              <p:par>
+                                <p:cTn id="10" presetID="1" presetClass="entr" presetSubtype="0" fill="hold" nodeType="clickEffect">
+                                  <p:stCondLst>
+                                    <p:cond delay="0"/>
+                                  </p:stCondLst>
+                                  <p:childTnLst>
+                                    <p:set>
+                                      <p:cBhvr>
+                                        <p:cTn id="11" dur="1" fill="hold">
                                           <p:stCondLst>
                                             <p:cond delay="0"/>
                                           </p:stCondLst>
@@ -17393,33 +17490,15 @@
                                   </p:childTnLst>
                                 </p:cTn>
                               </p:par>
-                            </p:childTnLst>
-                          </p:cTn>
-                        </p:par>
-                      </p:childTnLst>
-                    </p:cTn>
-                  </p:par>
-                  <p:par>
-                    <p:cTn id="7" fill="hold">
-                      <p:stCondLst>
-                        <p:cond delay="indefinite"/>
-                      </p:stCondLst>
-                      <p:childTnLst>
-                        <p:par>
-                          <p:cTn id="8" fill="hold">
-                            <p:stCondLst>
-                              <p:cond delay="0"/>
-                            </p:stCondLst>
-                            <p:childTnLst>
                               <p:par>
-                                <p:cTn id="9" presetID="10" presetClass="entr" presetSubtype="0" fill="hold" grpId="0" nodeType="clickEffect">
+                                <p:cTn id="12" presetID="10" presetClass="entr" presetSubtype="0" fill="hold" grpId="0" nodeType="withEffect">
                                   <p:stCondLst>
                                     <p:cond delay="0"/>
                                   </p:stCondLst>
                                   <p:childTnLst>
                                     <p:set>
                                       <p:cBhvr>
-                                        <p:cTn id="10" dur="1" fill="hold">
+                                        <p:cTn id="13" dur="1" fill="hold">
                                           <p:stCondLst>
                                             <p:cond delay="0"/>
                                           </p:stCondLst>
@@ -17437,7 +17516,7 @@
                                     </p:set>
                                     <p:animEffect transition="in" filter="fade">
                                       <p:cBhvr>
-                                        <p:cTn id="11" dur="500"/>
+                                        <p:cTn id="14" dur="500"/>
                                         <p:tgtEl>
                                           <p:spTgt spid="28"/>
                                         </p:tgtEl>
@@ -17453,26 +17532,26 @@
                     </p:cTn>
                   </p:par>
                   <p:par>
-                    <p:cTn id="12" fill="hold">
+                    <p:cTn id="15" fill="hold">
                       <p:stCondLst>
                         <p:cond delay="indefinite"/>
                       </p:stCondLst>
                       <p:childTnLst>
                         <p:par>
-                          <p:cTn id="13" fill="hold">
+                          <p:cTn id="16" fill="hold">
                             <p:stCondLst>
                               <p:cond delay="0"/>
                             </p:stCondLst>
                             <p:childTnLst>
                               <p:par>
-                                <p:cTn id="14" presetID="10" presetClass="entr" presetSubtype="0" fill="hold" grpId="0" nodeType="clickEffect">
+                                <p:cTn id="17" presetID="10" presetClass="entr" presetSubtype="0" fill="hold" grpId="0" nodeType="clickEffect">
                                   <p:stCondLst>
                                     <p:cond delay="0"/>
                                   </p:stCondLst>
                                   <p:childTnLst>
                                     <p:set>
                                       <p:cBhvr>
-                                        <p:cTn id="15" dur="1" fill="hold">
+                                        <p:cTn id="18" dur="1" fill="hold">
                                           <p:stCondLst>
                                             <p:cond delay="0"/>
                                           </p:stCondLst>
@@ -17490,7 +17569,7 @@
                                     </p:set>
                                     <p:animEffect transition="in" filter="fade">
                                       <p:cBhvr>
-                                        <p:cTn id="16" dur="1000"/>
+                                        <p:cTn id="19" dur="1000"/>
                                         <p:tgtEl>
                                           <p:spTgt spid="9"/>
                                         </p:tgtEl>
@@ -17500,14 +17579,14 @@
                                 </p:cTn>
                               </p:par>
                               <p:par>
-                                <p:cTn id="17" presetID="10" presetClass="entr" presetSubtype="0" fill="hold" nodeType="withEffect">
+                                <p:cTn id="20" presetID="10" presetClass="entr" presetSubtype="0" fill="hold" nodeType="withEffect">
                                   <p:stCondLst>
                                     <p:cond delay="0"/>
                                   </p:stCondLst>
                                   <p:childTnLst>
                                     <p:set>
                                       <p:cBhvr>
-                                        <p:cTn id="18" dur="1" fill="hold">
+                                        <p:cTn id="21" dur="1" fill="hold">
                                           <p:stCondLst>
                                             <p:cond delay="0"/>
                                           </p:stCondLst>
@@ -17525,7 +17604,7 @@
                                     </p:set>
                                     <p:animEffect transition="in" filter="fade">
                                       <p:cBhvr>
-                                        <p:cTn id="19" dur="1000"/>
+                                        <p:cTn id="22" dur="1000"/>
                                         <p:tgtEl>
                                           <p:spTgt spid="7"/>
                                         </p:tgtEl>
@@ -17535,14 +17614,14 @@
                                 </p:cTn>
                               </p:par>
                               <p:par>
-                                <p:cTn id="20" presetID="4" presetClass="entr" presetSubtype="16" fill="hold" grpId="0" nodeType="withEffect">
+                                <p:cTn id="23" presetID="4" presetClass="entr" presetSubtype="16" fill="hold" grpId="0" nodeType="withEffect">
                                   <p:stCondLst>
                                     <p:cond delay="0"/>
                                   </p:stCondLst>
                                   <p:childTnLst>
                                     <p:set>
                                       <p:cBhvr>
-                                        <p:cTn id="21" dur="1" fill="hold">
+                                        <p:cTn id="24" dur="1" fill="hold">
                                           <p:stCondLst>
                                             <p:cond delay="0"/>
                                           </p:stCondLst>
@@ -17560,7 +17639,7 @@
                                     </p:set>
                                     <p:animEffect transition="in" filter="box(in)">
                                       <p:cBhvr>
-                                        <p:cTn id="22" dur="500"/>
+                                        <p:cTn id="25" dur="500"/>
                                         <p:tgtEl>
                                           <p:spTgt spid="24"/>
                                         </p:tgtEl>
@@ -17569,33 +17648,15 @@
                                   </p:childTnLst>
                                 </p:cTn>
                               </p:par>
-                            </p:childTnLst>
-                          </p:cTn>
-                        </p:par>
-                      </p:childTnLst>
-                    </p:cTn>
-                  </p:par>
-                  <p:par>
-                    <p:cTn id="23" fill="hold">
-                      <p:stCondLst>
-                        <p:cond delay="indefinite"/>
-                      </p:stCondLst>
-                      <p:childTnLst>
-                        <p:par>
-                          <p:cTn id="24" fill="hold">
-                            <p:stCondLst>
-                              <p:cond delay="0"/>
-                            </p:stCondLst>
-                            <p:childTnLst>
                               <p:par>
-                                <p:cTn id="25" presetID="10" presetClass="entr" presetSubtype="0" fill="hold" grpId="0" nodeType="clickEffect">
+                                <p:cTn id="26" presetID="10" presetClass="entr" presetSubtype="0" fill="hold" grpId="0" nodeType="withEffect">
                                   <p:stCondLst>
                                     <p:cond delay="0"/>
                                   </p:stCondLst>
                                   <p:childTnLst>
                                     <p:set>
                                       <p:cBhvr>
-                                        <p:cTn id="26" dur="1" fill="hold">
+                                        <p:cTn id="27" dur="1" fill="hold">
                                           <p:stCondLst>
                                             <p:cond delay="0"/>
                                           </p:stCondLst>
@@ -17613,7 +17674,7 @@
                                     </p:set>
                                     <p:animEffect transition="in" filter="fade">
                                       <p:cBhvr>
-                                        <p:cTn id="27" dur="1000"/>
+                                        <p:cTn id="28" dur="1000"/>
                                         <p:tgtEl>
                                           <p:spTgt spid="11"/>
                                         </p:tgtEl>
@@ -17623,14 +17684,14 @@
                                 </p:cTn>
                               </p:par>
                               <p:par>
-                                <p:cTn id="28" presetID="10" presetClass="entr" presetSubtype="0" fill="hold" nodeType="withEffect">
+                                <p:cTn id="29" presetID="10" presetClass="entr" presetSubtype="0" fill="hold" nodeType="withEffect">
                                   <p:stCondLst>
                                     <p:cond delay="0"/>
                                   </p:stCondLst>
                                   <p:childTnLst>
                                     <p:set>
                                       <p:cBhvr>
-                                        <p:cTn id="29" dur="1" fill="hold">
+                                        <p:cTn id="30" dur="1" fill="hold">
                                           <p:stCondLst>
                                             <p:cond delay="0"/>
                                           </p:stCondLst>
@@ -17648,7 +17709,7 @@
                                     </p:set>
                                     <p:animEffect transition="in" filter="fade">
                                       <p:cBhvr>
-                                        <p:cTn id="30" dur="1000"/>
+                                        <p:cTn id="31" dur="1000"/>
                                         <p:tgtEl>
                                           <p:spTgt spid="13"/>
                                         </p:tgtEl>
@@ -17658,14 +17719,14 @@
                                 </p:cTn>
                               </p:par>
                               <p:par>
-                                <p:cTn id="31" presetID="4" presetClass="entr" presetSubtype="16" fill="hold" grpId="0" nodeType="withEffect">
+                                <p:cTn id="32" presetID="4" presetClass="entr" presetSubtype="16" fill="hold" grpId="0" nodeType="withEffect">
                                   <p:stCondLst>
                                     <p:cond delay="0"/>
                                   </p:stCondLst>
                                   <p:childTnLst>
                                     <p:set>
                                       <p:cBhvr>
-                                        <p:cTn id="32" dur="1" fill="hold">
+                                        <p:cTn id="33" dur="1" fill="hold">
                                           <p:stCondLst>
                                             <p:cond delay="0"/>
                                           </p:stCondLst>
@@ -17683,7 +17744,7 @@
                                     </p:set>
                                     <p:animEffect transition="in" filter="box(in)">
                                       <p:cBhvr>
-                                        <p:cTn id="33" dur="500"/>
+                                        <p:cTn id="34" dur="500"/>
                                         <p:tgtEl>
                                           <p:spTgt spid="25"/>
                                         </p:tgtEl>
@@ -17692,33 +17753,15 @@
                                   </p:childTnLst>
                                 </p:cTn>
                               </p:par>
-                            </p:childTnLst>
-                          </p:cTn>
-                        </p:par>
-                      </p:childTnLst>
-                    </p:cTn>
-                  </p:par>
-                  <p:par>
-                    <p:cTn id="34" fill="hold">
-                      <p:stCondLst>
-                        <p:cond delay="indefinite"/>
-                      </p:stCondLst>
-                      <p:childTnLst>
-                        <p:par>
-                          <p:cTn id="35" fill="hold">
-                            <p:stCondLst>
-                              <p:cond delay="0"/>
-                            </p:stCondLst>
-                            <p:childTnLst>
                               <p:par>
-                                <p:cTn id="36" presetID="10" presetClass="entr" presetSubtype="0" fill="hold" grpId="0" nodeType="clickEffect">
+                                <p:cTn id="35" presetID="10" presetClass="entr" presetSubtype="0" fill="hold" grpId="0" nodeType="withEffect">
                                   <p:stCondLst>
                                     <p:cond delay="0"/>
                                   </p:stCondLst>
                                   <p:childTnLst>
                                     <p:set>
                                       <p:cBhvr>
-                                        <p:cTn id="37" dur="1" fill="hold">
+                                        <p:cTn id="36" dur="1" fill="hold">
                                           <p:stCondLst>
                                             <p:cond delay="0"/>
                                           </p:stCondLst>
@@ -17736,7 +17779,7 @@
                                     </p:set>
                                     <p:animEffect transition="in" filter="fade">
                                       <p:cBhvr>
-                                        <p:cTn id="38" dur="1000"/>
+                                        <p:cTn id="37" dur="1000"/>
                                         <p:tgtEl>
                                           <p:spTgt spid="12"/>
                                         </p:tgtEl>
@@ -17746,14 +17789,14 @@
                                 </p:cTn>
                               </p:par>
                               <p:par>
-                                <p:cTn id="39" presetID="10" presetClass="entr" presetSubtype="0" fill="hold" nodeType="withEffect">
+                                <p:cTn id="38" presetID="10" presetClass="entr" presetSubtype="0" fill="hold" nodeType="withEffect">
                                   <p:stCondLst>
                                     <p:cond delay="0"/>
                                   </p:stCondLst>
                                   <p:childTnLst>
                                     <p:set>
                                       <p:cBhvr>
-                                        <p:cTn id="40" dur="1" fill="hold">
+                                        <p:cTn id="39" dur="1" fill="hold">
                                           <p:stCondLst>
                                             <p:cond delay="0"/>
                                           </p:stCondLst>
@@ -17771,7 +17814,7 @@
                                     </p:set>
                                     <p:animEffect transition="in" filter="fade">
                                       <p:cBhvr>
-                                        <p:cTn id="41" dur="1000"/>
+                                        <p:cTn id="40" dur="1000"/>
                                         <p:tgtEl>
                                           <p:spTgt spid="16"/>
                                         </p:tgtEl>
@@ -17781,14 +17824,14 @@
                                 </p:cTn>
                               </p:par>
                               <p:par>
-                                <p:cTn id="42" presetID="4" presetClass="entr" presetSubtype="16" fill="hold" grpId="0" nodeType="withEffect">
+                                <p:cTn id="41" presetID="4" presetClass="entr" presetSubtype="16" fill="hold" grpId="0" nodeType="withEffect">
                                   <p:stCondLst>
                                     <p:cond delay="0"/>
                                   </p:stCondLst>
                                   <p:childTnLst>
                                     <p:set>
                                       <p:cBhvr>
-                                        <p:cTn id="43" dur="1" fill="hold">
+                                        <p:cTn id="42" dur="1" fill="hold">
                                           <p:stCondLst>
                                             <p:cond delay="0"/>
                                           </p:stCondLst>
@@ -17806,7 +17849,7 @@
                                     </p:set>
                                     <p:animEffect transition="in" filter="box(in)">
                                       <p:cBhvr>
-                                        <p:cTn id="44" dur="500"/>
+                                        <p:cTn id="43" dur="500"/>
                                         <p:tgtEl>
                                           <p:spTgt spid="26"/>
                                         </p:tgtEl>
@@ -17843,6 +17886,7 @@
       </p:par>
     </p:tnLst>
     <p:bldLst>
+      <p:bldP spid="10" grpId="0"/>
       <p:bldP spid="9" grpId="0" animBg="1"/>
       <p:bldP spid="11" grpId="0" animBg="1"/>
       <p:bldP spid="12" grpId="0" animBg="1"/>
@@ -18393,7 +18437,7 @@
     </p:spTree>
     <p:extLst>
       <p:ext uri="{BB962C8B-B14F-4D97-AF65-F5344CB8AC3E}">
-        <p14:creationId xmlns:p14="http://schemas.microsoft.com/office/powerpoint/2010/main" xmlns="" val="155874689"/>
+        <p14:creationId xmlns="" xmlns:p14="http://schemas.microsoft.com/office/powerpoint/2010/main" val="155874689"/>
       </p:ext>
     </p:extLst>
   </p:cSld>
@@ -18401,7 +18445,7 @@
     <a:masterClrMapping/>
   </p:clrMapOvr>
   <mc:AlternateContent xmlns:mc="http://schemas.openxmlformats.org/markup-compatibility/2006">
-    <mc:Choice xmlns:p14="http://schemas.microsoft.com/office/powerpoint/2010/main" xmlns="" Requires="p14">
+    <mc:Choice xmlns="" xmlns:p14="http://schemas.microsoft.com/office/powerpoint/2010/main" Requires="p14">
       <p:transition spd="slow" p14:dur="2000"/>
     </mc:Choice>
     <mc:Fallback>
@@ -18835,7 +18879,7 @@
     </p:spTree>
     <p:extLst>
       <p:ext uri="{BB962C8B-B14F-4D97-AF65-F5344CB8AC3E}">
-        <p14:creationId xmlns:p14="http://schemas.microsoft.com/office/powerpoint/2010/main" xmlns="" val="155874689"/>
+        <p14:creationId xmlns="" xmlns:p14="http://schemas.microsoft.com/office/powerpoint/2010/main" val="155874689"/>
       </p:ext>
     </p:extLst>
   </p:cSld>
@@ -18843,7 +18887,7 @@
     <a:masterClrMapping/>
   </p:clrMapOvr>
   <mc:AlternateContent xmlns:mc="http://schemas.openxmlformats.org/markup-compatibility/2006">
-    <mc:Choice xmlns:p14="http://schemas.microsoft.com/office/powerpoint/2010/main" xmlns="" Requires="p14">
+    <mc:Choice xmlns="" xmlns:p14="http://schemas.microsoft.com/office/powerpoint/2010/main" Requires="p14">
       <p:transition spd="slow" p14:dur="2000"/>
     </mc:Choice>
     <mc:Fallback>
@@ -18862,6 +18906,9 @@
                     <p:cTn id="3" fill="hold">
                       <p:stCondLst>
                         <p:cond delay="indefinite"/>
+                        <p:cond evt="onBegin" delay="0">
+                          <p:tn val="2"/>
+                        </p:cond>
                       </p:stCondLst>
                       <p:childTnLst>
                         <p:par>
@@ -18871,7 +18918,7 @@
                             </p:stCondLst>
                             <p:childTnLst>
                               <p:par>
-                                <p:cTn id="5" presetID="6" presetClass="emph" presetSubtype="0" fill="hold" nodeType="clickEffect">
+                                <p:cTn id="5" presetID="6" presetClass="emph" presetSubtype="0" fill="hold" nodeType="afterEffect">
                                   <p:stCondLst>
                                     <p:cond delay="0"/>
                                   </p:stCondLst>
@@ -18936,6 +18983,32 @@
           <a:chExt cx="0" cy="0"/>
         </a:xfrm>
       </p:grpSpPr>
+      <p:pic>
+        <p:nvPicPr>
+          <p:cNvPr id="20482" name="Picture 2" descr="http://t2.gstatic.com/images?q=tbn:ANd9GcT6YqZyA9nlPVkxi6YJL7K_fZEotKEgs1dZCuikjSK3ns2SJPAnsIJwfWjxmw"/>
+          <p:cNvPicPr>
+            <a:picLocks noChangeAspect="1" noChangeArrowheads="1"/>
+          </p:cNvPicPr>
+          <p:nvPr/>
+        </p:nvPicPr>
+        <p:blipFill>
+          <a:blip r:embed="rId2" cstate="print"/>
+          <a:srcRect/>
+          <a:stretch>
+            <a:fillRect/>
+          </a:stretch>
+        </p:blipFill>
+        <p:spPr bwMode="auto">
+          <a:xfrm>
+            <a:off x="6300192" y="3356992"/>
+            <a:ext cx="1914525" cy="2390775"/>
+          </a:xfrm>
+          <a:prstGeom prst="rect">
+            <a:avLst/>
+          </a:prstGeom>
+          <a:noFill/>
+        </p:spPr>
+      </p:pic>
       <p:sp>
         <p:nvSpPr>
           <p:cNvPr id="3" name="Rettangolo 2"/>
@@ -18974,7 +19047,7 @@
           <p:nvPr/>
         </p:nvPicPr>
         <p:blipFill>
-          <a:blip r:embed="rId2" cstate="print"/>
+          <a:blip r:embed="rId3" cstate="print"/>
           <a:srcRect/>
           <a:stretch>
             <a:fillRect/>
@@ -19380,7 +19453,34 @@
             </a:pPr>
             <a:r>
               <a:rPr lang="it-IT" dirty="0" smtClean="0"/>
-              <a:t>  Bassa coesione nella suddivisione di primo livello</a:t>
+              <a:t>  </a:t>
+            </a:r>
+            <a:r>
+              <a:rPr lang="it-IT" sz="2800" dirty="0" smtClean="0"/>
+              <a:t>Bassa coesione nella suddivisione </a:t>
+            </a:r>
+            <a:endParaRPr lang="it-IT" sz="2800" dirty="0" smtClean="0"/>
+          </a:p>
+          <a:p>
+            <a:pPr marL="274320" lvl="1" indent="-274320">
+              <a:buSzPct val="95000"/>
+              <a:buNone/>
+            </a:pPr>
+            <a:r>
+              <a:rPr lang="it-IT" sz="2800" dirty="0" smtClean="0"/>
+              <a:t> </a:t>
+            </a:r>
+            <a:r>
+              <a:rPr lang="it-IT" sz="2800" dirty="0" smtClean="0"/>
+              <a:t>     </a:t>
+            </a:r>
+            <a:r>
+              <a:rPr lang="it-IT" sz="2800" dirty="0" smtClean="0"/>
+              <a:t>di </a:t>
+            </a:r>
+            <a:r>
+              <a:rPr lang="it-IT" sz="2800" dirty="0" smtClean="0"/>
+              <a:t>primo livello</a:t>
             </a:r>
           </a:p>
         </p:txBody>
@@ -19426,6 +19526,9 @@
                     <p:cTn id="3" fill="hold">
                       <p:stCondLst>
                         <p:cond delay="indefinite"/>
+                        <p:cond evt="onBegin" delay="0">
+                          <p:tn val="2"/>
+                        </p:cond>
                       </p:stCondLst>
                       <p:childTnLst>
                         <p:par>
@@ -19435,7 +19538,7 @@
                             </p:stCondLst>
                             <p:childTnLst>
                               <p:par>
-                                <p:cTn id="5" presetID="16" presetClass="entr" presetSubtype="26" fill="hold" grpId="0" nodeType="clickEffect">
+                                <p:cTn id="5" presetID="10" presetClass="entr" presetSubtype="0" fill="hold" nodeType="withEffect">
                                   <p:stCondLst>
                                     <p:cond delay="0"/>
                                   </p:stCondLst>
@@ -19448,7 +19551,7 @@
                                           </p:stCondLst>
                                         </p:cTn>
                                         <p:tgtEl>
-                                          <p:spTgt spid="6"/>
+                                          <p:spTgt spid="20482"/>
                                         </p:tgtEl>
                                         <p:attrNameLst>
                                           <p:attrName>style.visibility</p:attrName>
@@ -19458,11 +19561,11 @@
                                         <p:strVal val="visible"/>
                                       </p:to>
                                     </p:set>
-                                    <p:animEffect transition="in" filter="barn(inHorizontal)">
+                                    <p:animEffect transition="in" filter="fade">
                                       <p:cBhvr>
                                         <p:cTn id="7" dur="1000"/>
                                         <p:tgtEl>
-                                          <p:spTgt spid="6"/>
+                                          <p:spTgt spid="20482"/>
                                         </p:tgtEl>
                                       </p:cBhvr>
                                     </p:animEffect>
@@ -19501,6 +19604,50 @@
                                           </p:stCondLst>
                                         </p:cTn>
                                         <p:tgtEl>
+                                          <p:spTgt spid="6"/>
+                                        </p:tgtEl>
+                                        <p:attrNameLst>
+                                          <p:attrName>style.visibility</p:attrName>
+                                        </p:attrNameLst>
+                                      </p:cBhvr>
+                                      <p:to>
+                                        <p:strVal val="visible"/>
+                                      </p:to>
+                                    </p:set>
+                                    <p:animEffect transition="in" filter="barn(inHorizontal)">
+                                      <p:cBhvr>
+                                        <p:cTn id="12" dur="500"/>
+                                        <p:tgtEl>
+                                          <p:spTgt spid="6"/>
+                                        </p:tgtEl>
+                                      </p:cBhvr>
+                                    </p:animEffect>
+                                  </p:childTnLst>
+                                </p:cTn>
+                              </p:par>
+                            </p:childTnLst>
+                          </p:cTn>
+                        </p:par>
+                        <p:par>
+                          <p:cTn id="13" fill="hold">
+                            <p:stCondLst>
+                              <p:cond delay="500"/>
+                            </p:stCondLst>
+                            <p:childTnLst>
+                              <p:par>
+                                <p:cTn id="14" presetID="16" presetClass="entr" presetSubtype="26" fill="hold" grpId="0" nodeType="afterEffect">
+                                  <p:stCondLst>
+                                    <p:cond delay="0"/>
+                                  </p:stCondLst>
+                                  <p:childTnLst>
+                                    <p:set>
+                                      <p:cBhvr>
+                                        <p:cTn id="15" dur="1" fill="hold">
+                                          <p:stCondLst>
+                                            <p:cond delay="0"/>
+                                          </p:stCondLst>
+                                        </p:cTn>
+                                        <p:tgtEl>
                                           <p:spTgt spid="8"/>
                                         </p:tgtEl>
                                         <p:attrNameLst>
@@ -19513,7 +19660,7 @@
                                     </p:set>
                                     <p:animEffect transition="in" filter="barn(inHorizontal)">
                                       <p:cBhvr>
-                                        <p:cTn id="12" dur="1000"/>
+                                        <p:cTn id="16" dur="500"/>
                                         <p:tgtEl>
                                           <p:spTgt spid="8"/>
                                         </p:tgtEl>
@@ -20144,19 +20291,7 @@
             <a:pPr marL="0" indent="0"/>
             <a:r>
               <a:rPr lang="it-IT" dirty="0" smtClean="0"/>
-              <a:t>I </a:t>
-            </a:r>
-            <a:r>
-              <a:rPr lang="it-IT" dirty="0" smtClean="0"/>
-              <a:t>sottosistemi da 3 </a:t>
-            </a:r>
-            <a:r>
-              <a:rPr lang="it-IT" dirty="0" smtClean="0"/>
-              <a:t>diventano6</a:t>
-            </a:r>
-            <a:r>
-              <a:rPr lang="it-IT" dirty="0" smtClean="0"/>
-              <a:t>:</a:t>
+              <a:t>I sottosistemi da 3 diventano6:</a:t>
             </a:r>
           </a:p>
           <a:p>
@@ -20242,7 +20377,7 @@
     </p:spTree>
     <p:extLst>
       <p:ext uri="{BB962C8B-B14F-4D97-AF65-F5344CB8AC3E}">
-        <p14:creationId xmlns:p14="http://schemas.microsoft.com/office/powerpoint/2010/main" xmlns="" val="155874689"/>
+        <p14:creationId xmlns="" xmlns:p14="http://schemas.microsoft.com/office/powerpoint/2010/main" val="155874689"/>
       </p:ext>
     </p:extLst>
   </p:cSld>
@@ -20250,7 +20385,7 @@
     <a:masterClrMapping/>
   </p:clrMapOvr>
   <mc:AlternateContent xmlns:mc="http://schemas.openxmlformats.org/markup-compatibility/2006">
-    <mc:Choice xmlns:p14="http://schemas.microsoft.com/office/powerpoint/2010/main" xmlns="" Requires="p14">
+    <mc:Choice xmlns="" xmlns:p14="http://schemas.microsoft.com/office/powerpoint/2010/main" Requires="p14">
       <p:transition spd="slow" p14:dur="2000"/>
     </mc:Choice>
     <mc:Fallback>
@@ -20378,7 +20513,7 @@
                             </p:stCondLst>
                             <p:childTnLst>
                               <p:par>
-                                <p:cTn id="14" presetID="10" presetClass="entr" presetSubtype="0" fill="hold" grpId="0" nodeType="clickEffect">
+                                <p:cTn id="14" presetID="10" presetClass="entr" presetSubtype="0" fill="hold" nodeType="clickEffect">
                                   <p:stCondLst>
                                     <p:cond delay="0"/>
                                   </p:stCondLst>
@@ -20386,6 +20521,41 @@
                                     <p:set>
                                       <p:cBhvr>
                                         <p:cTn id="15" dur="1" fill="hold">
+                                          <p:stCondLst>
+                                            <p:cond delay="0"/>
+                                          </p:stCondLst>
+                                        </p:cTn>
+                                        <p:tgtEl>
+                                          <p:spTgt spid="3074"/>
+                                        </p:tgtEl>
+                                        <p:attrNameLst>
+                                          <p:attrName>style.visibility</p:attrName>
+                                        </p:attrNameLst>
+                                      </p:cBhvr>
+                                      <p:to>
+                                        <p:strVal val="visible"/>
+                                      </p:to>
+                                    </p:set>
+                                    <p:animEffect transition="in" filter="fade">
+                                      <p:cBhvr>
+                                        <p:cTn id="16" dur="2000"/>
+                                        <p:tgtEl>
+                                          <p:spTgt spid="3074"/>
+                                        </p:tgtEl>
+                                      </p:cBhvr>
+                                    </p:animEffect>
+                                  </p:childTnLst>
+                                </p:cTn>
+                              </p:par>
+                              <p:par>
+                                <p:cTn id="17" presetID="10" presetClass="entr" presetSubtype="0" fill="hold" grpId="0" nodeType="withEffect">
+                                  <p:stCondLst>
+                                    <p:cond delay="0"/>
+                                  </p:stCondLst>
+                                  <p:childTnLst>
+                                    <p:set>
+                                      <p:cBhvr>
+                                        <p:cTn id="18" dur="1" fill="hold">
                                           <p:stCondLst>
                                             <p:cond delay="0"/>
                                           </p:stCondLst>
@@ -20403,44 +20573,9 @@
                                     </p:set>
                                     <p:animEffect transition="in" filter="fade">
                                       <p:cBhvr>
-                                        <p:cTn id="16" dur="2000"/>
+                                        <p:cTn id="19" dur="2000"/>
                                         <p:tgtEl>
                                           <p:spTgt spid="8"/>
-                                        </p:tgtEl>
-                                      </p:cBhvr>
-                                    </p:animEffect>
-                                  </p:childTnLst>
-                                </p:cTn>
-                              </p:par>
-                              <p:par>
-                                <p:cTn id="17" presetID="10" presetClass="entr" presetSubtype="0" fill="hold" nodeType="withEffect">
-                                  <p:stCondLst>
-                                    <p:cond delay="0"/>
-                                  </p:stCondLst>
-                                  <p:childTnLst>
-                                    <p:set>
-                                      <p:cBhvr>
-                                        <p:cTn id="18" dur="1" fill="hold">
-                                          <p:stCondLst>
-                                            <p:cond delay="0"/>
-                                          </p:stCondLst>
-                                        </p:cTn>
-                                        <p:tgtEl>
-                                          <p:spTgt spid="3074"/>
-                                        </p:tgtEl>
-                                        <p:attrNameLst>
-                                          <p:attrName>style.visibility</p:attrName>
-                                        </p:attrNameLst>
-                                      </p:cBhvr>
-                                      <p:to>
-                                        <p:strVal val="visible"/>
-                                      </p:to>
-                                    </p:set>
-                                    <p:animEffect transition="in" filter="fade">
-                                      <p:cBhvr>
-                                        <p:cTn id="19" dur="2000"/>
-                                        <p:tgtEl>
-                                          <p:spTgt spid="3074"/>
                                         </p:tgtEl>
                                       </p:cBhvr>
                                     </p:animEffect>
@@ -20589,6 +20724,32 @@
           <a:chExt cx="0" cy="0"/>
         </a:xfrm>
       </p:grpSpPr>
+      <p:pic>
+        <p:nvPicPr>
+          <p:cNvPr id="17410" name="Picture 2" descr="http://unpizzicodisalis.files.wordpress.com/2012/06/omino_bianco.jpg"/>
+          <p:cNvPicPr>
+            <a:picLocks noChangeAspect="1" noChangeArrowheads="1"/>
+          </p:cNvPicPr>
+          <p:nvPr/>
+        </p:nvPicPr>
+        <p:blipFill>
+          <a:blip r:embed="rId2" cstate="print"/>
+          <a:srcRect/>
+          <a:stretch>
+            <a:fillRect/>
+          </a:stretch>
+        </p:blipFill>
+        <p:spPr bwMode="auto">
+          <a:xfrm>
+            <a:off x="6588225" y="4221088"/>
+            <a:ext cx="2013760" cy="2129433"/>
+          </a:xfrm>
+          <a:prstGeom prst="rect">
+            <a:avLst/>
+          </a:prstGeom>
+          <a:noFill/>
+        </p:spPr>
+      </p:pic>
       <p:sp>
         <p:nvSpPr>
           <p:cNvPr id="3" name="Rettangolo 2"/>
@@ -20627,7 +20788,7 @@
           <p:nvPr/>
         </p:nvPicPr>
         <p:blipFill>
-          <a:blip r:embed="rId2" cstate="print"/>
+          <a:blip r:embed="rId3" cstate="print"/>
           <a:srcRect/>
           <a:stretch>
             <a:fillRect/>
@@ -20833,7 +20994,6 @@
               <a:rPr lang="it-IT" dirty="0" smtClean="0"/>
               <a:t> Decomposizione più funzionale </a:t>
             </a:r>
-            <a:endParaRPr lang="it-IT" dirty="0" smtClean="0"/>
           </a:p>
           <a:p>
             <a:pPr>
@@ -20841,13 +21001,8 @@
             </a:pPr>
             <a:r>
               <a:rPr lang="it-IT" sz="1600" dirty="0" smtClean="0"/>
-              <a:t> </a:t>
-            </a:r>
-            <a:r>
-              <a:rPr lang="it-IT" sz="1600" dirty="0" smtClean="0"/>
-              <a:t> </a:t>
-            </a:r>
-            <a:endParaRPr lang="it-IT" sz="1600" dirty="0" smtClean="0"/>
+              <a:t>  </a:t>
+            </a:r>
           </a:p>
           <a:p>
             <a:r>
@@ -20868,27 +21023,7 @@
             <a:pPr lvl="1"/>
             <a:r>
               <a:rPr lang="it-IT" i="1" dirty="0" smtClean="0"/>
-              <a:t>I </a:t>
-            </a:r>
-            <a:r>
-              <a:rPr lang="it-IT" i="1" dirty="0" smtClean="0"/>
-              <a:t>sottosistemi </a:t>
-            </a:r>
-            <a:r>
-              <a:rPr lang="it-IT" i="1" dirty="0" smtClean="0"/>
-              <a:t>sono di più piccole dimensioni e </a:t>
-            </a:r>
-            <a:r>
-              <a:rPr lang="it-IT" i="1" dirty="0" smtClean="0"/>
-              <a:t>più </a:t>
-            </a:r>
-            <a:r>
-              <a:rPr lang="it-IT" i="1" dirty="0" smtClean="0"/>
-              <a:t>indipendenti l’uno </a:t>
-            </a:r>
-            <a:r>
-              <a:rPr lang="it-IT" i="1" dirty="0" smtClean="0"/>
-              <a:t>dall’altro</a:t>
+              <a:t>I sottosistemi sono di più piccole dimensioni e più indipendenti l’uno dall’altro</a:t>
             </a:r>
           </a:p>
           <a:p>
@@ -20899,7 +21034,6 @@
               <a:rPr lang="it-IT" sz="700" i="1" dirty="0" smtClean="0"/>
               <a:t> </a:t>
             </a:r>
-            <a:endParaRPr lang="it-IT" sz="700" i="1" dirty="0" smtClean="0"/>
           </a:p>
           <a:p>
             <a:pPr lvl="2"/>
@@ -20945,7 +21079,7 @@
     </p:spTree>
     <p:extLst>
       <p:ext uri="{BB962C8B-B14F-4D97-AF65-F5344CB8AC3E}">
-        <p14:creationId xmlns:p14="http://schemas.microsoft.com/office/powerpoint/2010/main" xmlns="" val="155874689"/>
+        <p14:creationId xmlns="" xmlns:p14="http://schemas.microsoft.com/office/powerpoint/2010/main" val="155874689"/>
       </p:ext>
     </p:extLst>
   </p:cSld>
@@ -20953,7 +21087,7 @@
     <a:masterClrMapping/>
   </p:clrMapOvr>
   <mc:AlternateContent xmlns:mc="http://schemas.openxmlformats.org/markup-compatibility/2006">
-    <mc:Choice xmlns:p14="http://schemas.microsoft.com/office/powerpoint/2010/main" xmlns="" Requires="p14">
+    <mc:Choice xmlns="" xmlns:p14="http://schemas.microsoft.com/office/powerpoint/2010/main" Requires="p14">
       <p:transition spd="slow" p14:dur="2000"/>
     </mc:Choice>
     <mc:Fallback>
@@ -20972,6 +21106,9 @@
                     <p:cTn id="3" fill="hold">
                       <p:stCondLst>
                         <p:cond delay="indefinite"/>
+                        <p:cond evt="onBegin" delay="0">
+                          <p:tn val="2"/>
+                        </p:cond>
                       </p:stCondLst>
                       <p:childTnLst>
                         <p:par>
@@ -20981,7 +21118,7 @@
                             </p:stCondLst>
                             <p:childTnLst>
                               <p:par>
-                                <p:cTn id="5" presetID="16" presetClass="entr" presetSubtype="26" fill="hold" grpId="0" nodeType="clickEffect">
+                                <p:cTn id="5" presetID="10" presetClass="entr" presetSubtype="0" fill="hold" nodeType="withEffect">
                                   <p:stCondLst>
                                     <p:cond delay="0"/>
                                   </p:stCondLst>
@@ -20989,6 +21126,59 @@
                                     <p:set>
                                       <p:cBhvr>
                                         <p:cTn id="6" dur="1" fill="hold">
+                                          <p:stCondLst>
+                                            <p:cond delay="0"/>
+                                          </p:stCondLst>
+                                        </p:cTn>
+                                        <p:tgtEl>
+                                          <p:spTgt spid="17410"/>
+                                        </p:tgtEl>
+                                        <p:attrNameLst>
+                                          <p:attrName>style.visibility</p:attrName>
+                                        </p:attrNameLst>
+                                      </p:cBhvr>
+                                      <p:to>
+                                        <p:strVal val="visible"/>
+                                      </p:to>
+                                    </p:set>
+                                    <p:animEffect transition="in" filter="fade">
+                                      <p:cBhvr>
+                                        <p:cTn id="7" dur="1000"/>
+                                        <p:tgtEl>
+                                          <p:spTgt spid="17410"/>
+                                        </p:tgtEl>
+                                      </p:cBhvr>
+                                    </p:animEffect>
+                                  </p:childTnLst>
+                                </p:cTn>
+                              </p:par>
+                            </p:childTnLst>
+                          </p:cTn>
+                        </p:par>
+                      </p:childTnLst>
+                    </p:cTn>
+                  </p:par>
+                  <p:par>
+                    <p:cTn id="8" fill="hold">
+                      <p:stCondLst>
+                        <p:cond delay="indefinite"/>
+                      </p:stCondLst>
+                      <p:childTnLst>
+                        <p:par>
+                          <p:cTn id="9" fill="hold">
+                            <p:stCondLst>
+                              <p:cond delay="0"/>
+                            </p:stCondLst>
+                            <p:childTnLst>
+                              <p:par>
+                                <p:cTn id="10" presetID="16" presetClass="entr" presetSubtype="26" fill="hold" grpId="0" nodeType="clickEffect">
+                                  <p:stCondLst>
+                                    <p:cond delay="0"/>
+                                  </p:stCondLst>
+                                  <p:childTnLst>
+                                    <p:set>
+                                      <p:cBhvr>
+                                        <p:cTn id="11" dur="1" fill="hold">
                                           <p:stCondLst>
                                             <p:cond delay="0"/>
                                           </p:stCondLst>
@@ -21006,7 +21196,7 @@
                                     </p:set>
                                     <p:animEffect transition="in" filter="barn(inHorizontal)">
                                       <p:cBhvr>
-                                        <p:cTn id="7" dur="1000"/>
+                                        <p:cTn id="12" dur="1000"/>
                                         <p:tgtEl>
                                           <p:spTgt spid="6"/>
                                         </p:tgtEl>

--- a/trunk/Presentazione/Atsilo2/Ferrara/Ferrara_M_PresentazioneFinale.pptx
+++ b/trunk/Presentazione/Atsilo2/Ferrara/Ferrara_M_PresentazioneFinale.pptx
@@ -5,10 +5,10 @@
     <p:sldMasterId id="2147483684" r:id="rId1"/>
   </p:sldMasterIdLst>
   <p:notesMasterIdLst>
-    <p:notesMasterId r:id="rId22"/>
+    <p:notesMasterId r:id="rId21"/>
   </p:notesMasterIdLst>
   <p:handoutMasterIdLst>
-    <p:handoutMasterId r:id="rId23"/>
+    <p:handoutMasterId r:id="rId22"/>
   </p:handoutMasterIdLst>
   <p:sldIdLst>
     <p:sldId id="256" r:id="rId2"/>
@@ -16,21 +16,20 @@
     <p:sldId id="272" r:id="rId4"/>
     <p:sldId id="260" r:id="rId5"/>
     <p:sldId id="264" r:id="rId6"/>
-    <p:sldId id="265" r:id="rId7"/>
-    <p:sldId id="266" r:id="rId8"/>
-    <p:sldId id="262" r:id="rId9"/>
-    <p:sldId id="261" r:id="rId10"/>
-    <p:sldId id="259" r:id="rId11"/>
-    <p:sldId id="267" r:id="rId12"/>
-    <p:sldId id="271" r:id="rId13"/>
-    <p:sldId id="268" r:id="rId14"/>
-    <p:sldId id="269" r:id="rId15"/>
-    <p:sldId id="273" r:id="rId16"/>
-    <p:sldId id="270" r:id="rId17"/>
-    <p:sldId id="275" r:id="rId18"/>
-    <p:sldId id="274" r:id="rId19"/>
-    <p:sldId id="277" r:id="rId20"/>
-    <p:sldId id="276" r:id="rId21"/>
+    <p:sldId id="266" r:id="rId7"/>
+    <p:sldId id="262" r:id="rId8"/>
+    <p:sldId id="261" r:id="rId9"/>
+    <p:sldId id="259" r:id="rId10"/>
+    <p:sldId id="267" r:id="rId11"/>
+    <p:sldId id="271" r:id="rId12"/>
+    <p:sldId id="268" r:id="rId13"/>
+    <p:sldId id="269" r:id="rId14"/>
+    <p:sldId id="273" r:id="rId15"/>
+    <p:sldId id="270" r:id="rId16"/>
+    <p:sldId id="275" r:id="rId17"/>
+    <p:sldId id="274" r:id="rId18"/>
+    <p:sldId id="277" r:id="rId19"/>
+    <p:sldId id="276" r:id="rId20"/>
   </p:sldIdLst>
   <p:sldSz cx="9144000" cy="6858000" type="screen4x3"/>
   <p:notesSz cx="6858000" cy="9144000"/>
@@ -860,7 +859,7 @@
             <a:fld id="{D70604CA-7593-4640-8FA1-5523937B8510}" type="slidenum">
               <a:rPr lang="it-IT" smtClean="0"/>
               <a:pPr/>
-              <a:t>19</a:t>
+              <a:t>18</a:t>
             </a:fld>
             <a:endParaRPr lang="it-IT"/>
           </a:p>
@@ -1317,7 +1316,7 @@
             <a:fld id="{D70604CA-7593-4640-8FA1-5523937B8510}" type="slidenum">
               <a:rPr lang="it-IT" smtClean="0"/>
               <a:pPr/>
-              <a:t>8</a:t>
+              <a:t>7</a:t>
             </a:fld>
             <a:endParaRPr lang="it-IT"/>
           </a:p>
@@ -1457,7 +1456,7 @@
             <a:fld id="{D70604CA-7593-4640-8FA1-5523937B8510}" type="slidenum">
               <a:rPr lang="it-IT" smtClean="0"/>
               <a:pPr/>
-              <a:t>11</a:t>
+              <a:t>10</a:t>
             </a:fld>
             <a:endParaRPr lang="it-IT"/>
           </a:p>
@@ -1734,7 +1733,7 @@
             <a:fld id="{D70604CA-7593-4640-8FA1-5523937B8510}" type="slidenum">
               <a:rPr lang="it-IT" smtClean="0"/>
               <a:pPr/>
-              <a:t>13</a:t>
+              <a:t>12</a:t>
             </a:fld>
             <a:endParaRPr lang="it-IT"/>
           </a:p>
@@ -1851,7 +1850,7 @@
             <a:fld id="{D70604CA-7593-4640-8FA1-5523937B8510}" type="slidenum">
               <a:rPr lang="it-IT" smtClean="0"/>
               <a:pPr/>
-              <a:t>16</a:t>
+              <a:t>15</a:t>
             </a:fld>
             <a:endParaRPr lang="it-IT"/>
           </a:p>
@@ -2012,7 +2011,7 @@
             <a:fld id="{D70604CA-7593-4640-8FA1-5523937B8510}" type="slidenum">
               <a:rPr lang="it-IT" smtClean="0"/>
               <a:pPr/>
-              <a:t>17</a:t>
+              <a:t>16</a:t>
             </a:fld>
             <a:endParaRPr lang="it-IT"/>
           </a:p>
@@ -2102,11 +2101,7 @@
             </a:pPr>
             <a:r>
               <a:rPr lang="it-IT" dirty="0" smtClean="0"/>
-              <a:t>- </a:t>
-            </a:r>
-            <a:r>
-              <a:rPr lang="it-IT" dirty="0" smtClean="0"/>
-              <a:t>Abbiamo cercato</a:t>
+              <a:t>- Abbiamo cercato</a:t>
             </a:r>
             <a:r>
               <a:rPr lang="it-IT" baseline="0" dirty="0" smtClean="0"/>
@@ -2180,7 +2175,7 @@
             <a:fld id="{D70604CA-7593-4640-8FA1-5523937B8510}" type="slidenum">
               <a:rPr lang="it-IT" smtClean="0"/>
               <a:pPr/>
-              <a:t>18</a:t>
+              <a:t>17</a:t>
             </a:fld>
             <a:endParaRPr lang="it-IT"/>
           </a:p>
@@ -6421,1406 +6416,6 @@
           <a:chExt cx="0" cy="0"/>
         </a:xfrm>
       </p:grpSpPr>
-      <p:pic>
-        <p:nvPicPr>
-          <p:cNvPr id="1026" name="Picture 2"/>
-          <p:cNvPicPr>
-            <a:picLocks noChangeAspect="1" noChangeArrowheads="1"/>
-          </p:cNvPicPr>
-          <p:nvPr/>
-        </p:nvPicPr>
-        <p:blipFill>
-          <a:blip r:embed="rId2" cstate="print"/>
-          <a:srcRect/>
-          <a:stretch>
-            <a:fillRect/>
-          </a:stretch>
-        </p:blipFill>
-        <p:spPr bwMode="auto">
-          <a:xfrm>
-            <a:off x="3491880" y="726736"/>
-            <a:ext cx="5472608" cy="5870616"/>
-          </a:xfrm>
-          <a:prstGeom prst="rect">
-            <a:avLst/>
-          </a:prstGeom>
-          <a:noFill/>
-          <a:ln w="9525">
-            <a:noFill/>
-            <a:miter lim="800000"/>
-            <a:headEnd/>
-            <a:tailEnd/>
-          </a:ln>
-        </p:spPr>
-      </p:pic>
-      <p:sp>
-        <p:nvSpPr>
-          <p:cNvPr id="7" name="Content Placeholder 3"/>
-          <p:cNvSpPr txBox="1">
-            <a:spLocks/>
-          </p:cNvSpPr>
-          <p:nvPr/>
-        </p:nvSpPr>
-        <p:spPr>
-          <a:xfrm>
-            <a:off x="539552" y="692696"/>
-            <a:ext cx="3528392" cy="936104"/>
-          </a:xfrm>
-          <a:prstGeom prst="rect">
-            <a:avLst/>
-          </a:prstGeom>
-        </p:spPr>
-        <p:txBody>
-          <a:bodyPr tIns="0"/>
-          <a:lstStyle>
-            <a:lvl1pPr marL="274320" indent="-274320" algn="l" rtl="0" eaLnBrk="1" latinLnBrk="0" hangingPunct="1">
-              <a:spcBef>
-                <a:spcPct val="20000"/>
-              </a:spcBef>
-              <a:buClrTx/>
-              <a:buSzPct val="95000"/>
-              <a:buFont typeface="Wingdings" pitchFamily="2" charset="2"/>
-              <a:buChar char="v"/>
-              <a:defRPr kumimoji="0" sz="2800" kern="1200">
-                <a:solidFill>
-                  <a:schemeClr val="tx1"/>
-                </a:solidFill>
-                <a:latin typeface="+mn-lt"/>
-                <a:ea typeface="+mn-ea"/>
-                <a:cs typeface="+mn-cs"/>
-              </a:defRPr>
-            </a:lvl1pPr>
-            <a:lvl2pPr marL="640080" indent="-246888" algn="l" rtl="0" eaLnBrk="1" latinLnBrk="0" hangingPunct="1">
-              <a:spcBef>
-                <a:spcPct val="20000"/>
-              </a:spcBef>
-              <a:buClrTx/>
-              <a:buSzPct val="85000"/>
-              <a:buFont typeface="Courier New" pitchFamily="49" charset="0"/>
-              <a:buChar char="o"/>
-              <a:defRPr kumimoji="0" sz="2600" kern="1200">
-                <a:solidFill>
-                  <a:schemeClr val="tx1"/>
-                </a:solidFill>
-                <a:latin typeface="+mn-lt"/>
-                <a:ea typeface="+mn-ea"/>
-                <a:cs typeface="+mn-cs"/>
-              </a:defRPr>
-            </a:lvl2pPr>
-            <a:lvl3pPr marL="914400" indent="-246888" algn="l" rtl="0" eaLnBrk="1" latinLnBrk="0" hangingPunct="1">
-              <a:spcBef>
-                <a:spcPct val="20000"/>
-              </a:spcBef>
-              <a:buClrTx/>
-              <a:buSzPct val="70000"/>
-              <a:buFont typeface="Wingdings 2"/>
-              <a:buChar char=""/>
-              <a:defRPr kumimoji="0" sz="2400" kern="1200">
-                <a:solidFill>
-                  <a:schemeClr val="tx1"/>
-                </a:solidFill>
-                <a:latin typeface="+mn-lt"/>
-                <a:ea typeface="+mn-ea"/>
-                <a:cs typeface="+mn-cs"/>
-              </a:defRPr>
-            </a:lvl3pPr>
-            <a:lvl4pPr marL="1188720" indent="-210312" algn="l" rtl="0" eaLnBrk="1" latinLnBrk="0" hangingPunct="1">
-              <a:spcBef>
-                <a:spcPct val="20000"/>
-              </a:spcBef>
-              <a:buClrTx/>
-              <a:buSzPct val="65000"/>
-              <a:buFont typeface="Wingdings 2"/>
-              <a:buChar char=""/>
-              <a:defRPr kumimoji="0" sz="2000" kern="1200">
-                <a:solidFill>
-                  <a:schemeClr val="tx1"/>
-                </a:solidFill>
-                <a:latin typeface="+mn-lt"/>
-                <a:ea typeface="+mn-ea"/>
-                <a:cs typeface="+mn-cs"/>
-              </a:defRPr>
-            </a:lvl4pPr>
-            <a:lvl5pPr marL="1463040" indent="-210312" algn="l" rtl="0" eaLnBrk="1" latinLnBrk="0" hangingPunct="1">
-              <a:spcBef>
-                <a:spcPct val="20000"/>
-              </a:spcBef>
-              <a:buClrTx/>
-              <a:buSzPct val="65000"/>
-              <a:buFont typeface="Wingdings 2"/>
-              <a:buChar char=""/>
-              <a:defRPr kumimoji="0" sz="1800" kern="1200">
-                <a:solidFill>
-                  <a:schemeClr val="tx1"/>
-                </a:solidFill>
-                <a:latin typeface="+mn-lt"/>
-                <a:ea typeface="+mn-ea"/>
-                <a:cs typeface="+mn-cs"/>
-              </a:defRPr>
-            </a:lvl5pPr>
-            <a:lvl6pPr marL="1737360" indent="-210312" algn="l" rtl="0" eaLnBrk="1" latinLnBrk="0" hangingPunct="1">
-              <a:spcBef>
-                <a:spcPct val="20000"/>
-              </a:spcBef>
-              <a:buClr>
-                <a:schemeClr val="accent5"/>
-              </a:buClr>
-              <a:buSzPct val="80000"/>
-              <a:buFont typeface="Wingdings 2"/>
-              <a:buChar char=""/>
-              <a:defRPr kumimoji="0" sz="1800" kern="1200">
-                <a:solidFill>
-                  <a:schemeClr val="tx1"/>
-                </a:solidFill>
-                <a:latin typeface="+mn-lt"/>
-                <a:ea typeface="+mn-ea"/>
-                <a:cs typeface="+mn-cs"/>
-              </a:defRPr>
-            </a:lvl6pPr>
-            <a:lvl7pPr marL="1920240" indent="-182880" algn="l" rtl="0" eaLnBrk="1" latinLnBrk="0" hangingPunct="1">
-              <a:spcBef>
-                <a:spcPct val="20000"/>
-              </a:spcBef>
-              <a:buClr>
-                <a:schemeClr val="accent6"/>
-              </a:buClr>
-              <a:buSzPct val="80000"/>
-              <a:buFont typeface="Wingdings 2"/>
-              <a:buChar char=""/>
-              <a:defRPr kumimoji="0" sz="1600" kern="1200" baseline="0">
-                <a:solidFill>
-                  <a:schemeClr val="tx1"/>
-                </a:solidFill>
-                <a:latin typeface="+mn-lt"/>
-                <a:ea typeface="+mn-ea"/>
-                <a:cs typeface="+mn-cs"/>
-              </a:defRPr>
-            </a:lvl7pPr>
-            <a:lvl8pPr marL="2194560" indent="-182880" algn="l" rtl="0" eaLnBrk="1" latinLnBrk="0" hangingPunct="1">
-              <a:spcBef>
-                <a:spcPct val="20000"/>
-              </a:spcBef>
-              <a:buClr>
-                <a:schemeClr val="tx2"/>
-              </a:buClr>
-              <a:buChar char="•"/>
-              <a:defRPr kumimoji="0" sz="1600" kern="1200">
-                <a:solidFill>
-                  <a:schemeClr val="tx1"/>
-                </a:solidFill>
-                <a:latin typeface="+mn-lt"/>
-                <a:ea typeface="+mn-ea"/>
-                <a:cs typeface="+mn-cs"/>
-              </a:defRPr>
-            </a:lvl8pPr>
-            <a:lvl9pPr marL="2468880" indent="-182880" algn="l" rtl="0" eaLnBrk="1" latinLnBrk="0" hangingPunct="1">
-              <a:spcBef>
-                <a:spcPct val="20000"/>
-              </a:spcBef>
-              <a:buClr>
-                <a:schemeClr val="tx2"/>
-              </a:buClr>
-              <a:buFontTx/>
-              <a:buChar char="•"/>
-              <a:defRPr kumimoji="0" sz="1400" kern="1200" baseline="0">
-                <a:solidFill>
-                  <a:schemeClr val="tx1"/>
-                </a:solidFill>
-                <a:latin typeface="+mn-lt"/>
-                <a:ea typeface="+mn-ea"/>
-                <a:cs typeface="+mn-cs"/>
-              </a:defRPr>
-            </a:lvl9pPr>
-          </a:lstStyle>
-          <a:p>
-            <a:pPr marL="0" indent="0">
-              <a:buNone/>
-            </a:pPr>
-            <a:r>
-              <a:rPr lang="it-IT" b="1" dirty="0" smtClean="0"/>
-              <a:t>TERZA VERSIONE</a:t>
-            </a:r>
-          </a:p>
-          <a:p>
-            <a:pPr marL="0" indent="0">
-              <a:buNone/>
-            </a:pPr>
-            <a:r>
-              <a:rPr lang="it-IT" sz="2600" b="1" i="1" dirty="0" smtClean="0"/>
-              <a:t>definitiva</a:t>
-            </a:r>
-          </a:p>
-          <a:p>
-            <a:pPr marL="0" indent="0">
-              <a:buNone/>
-            </a:pPr>
-            <a:r>
-              <a:rPr lang="it-IT" sz="1000" b="1" dirty="0" smtClean="0"/>
-              <a:t> </a:t>
-            </a:r>
-            <a:endParaRPr lang="it-IT" dirty="0" smtClean="0"/>
-          </a:p>
-          <a:p>
-            <a:pPr marL="0" indent="0">
-              <a:buNone/>
-            </a:pPr>
-            <a:r>
-              <a:rPr lang="it-IT" sz="500" dirty="0" smtClean="0"/>
-              <a:t> </a:t>
-            </a:r>
-          </a:p>
-          <a:p>
-            <a:pPr marL="0" indent="0">
-              <a:buNone/>
-            </a:pPr>
-            <a:endParaRPr lang="it-IT" sz="2600" dirty="0"/>
-          </a:p>
-        </p:txBody>
-      </p:sp>
-      <p:sp>
-        <p:nvSpPr>
-          <p:cNvPr id="12" name="Rettangolo 11"/>
-          <p:cNvSpPr/>
-          <p:nvPr/>
-        </p:nvSpPr>
-        <p:spPr>
-          <a:xfrm>
-            <a:off x="4644008" y="3717032"/>
-            <a:ext cx="3744416" cy="720080"/>
-          </a:xfrm>
-          <a:prstGeom prst="rect">
-            <a:avLst/>
-          </a:prstGeom>
-          <a:noFill/>
-        </p:spPr>
-        <p:style>
-          <a:lnRef idx="2">
-            <a:schemeClr val="accent4"/>
-          </a:lnRef>
-          <a:fillRef idx="1">
-            <a:schemeClr val="lt1"/>
-          </a:fillRef>
-          <a:effectRef idx="0">
-            <a:schemeClr val="accent4"/>
-          </a:effectRef>
-          <a:fontRef idx="minor">
-            <a:schemeClr val="dk1"/>
-          </a:fontRef>
-        </p:style>
-        <p:txBody>
-          <a:bodyPr rtlCol="0" anchor="ctr"/>
-          <a:lstStyle/>
-          <a:p>
-            <a:pPr algn="ctr"/>
-            <a:endParaRPr lang="it-IT"/>
-          </a:p>
-        </p:txBody>
-      </p:sp>
-      <p:sp>
-        <p:nvSpPr>
-          <p:cNvPr id="13" name="Content Placeholder 3"/>
-          <p:cNvSpPr txBox="1">
-            <a:spLocks/>
-          </p:cNvSpPr>
-          <p:nvPr/>
-        </p:nvSpPr>
-        <p:spPr>
-          <a:xfrm>
-            <a:off x="251520" y="1916832"/>
-            <a:ext cx="3528392" cy="1296144"/>
-          </a:xfrm>
-          <a:prstGeom prst="rect">
-            <a:avLst/>
-          </a:prstGeom>
-        </p:spPr>
-        <p:txBody>
-          <a:bodyPr tIns="0"/>
-          <a:lstStyle>
-            <a:lvl1pPr marL="274320" indent="-274320" algn="l" rtl="0" eaLnBrk="1" latinLnBrk="0" hangingPunct="1">
-              <a:spcBef>
-                <a:spcPct val="20000"/>
-              </a:spcBef>
-              <a:buClrTx/>
-              <a:buSzPct val="95000"/>
-              <a:buFont typeface="Wingdings" pitchFamily="2" charset="2"/>
-              <a:buChar char="v"/>
-              <a:defRPr kumimoji="0" sz="2800" kern="1200">
-                <a:solidFill>
-                  <a:schemeClr val="tx1"/>
-                </a:solidFill>
-                <a:latin typeface="+mn-lt"/>
-                <a:ea typeface="+mn-ea"/>
-                <a:cs typeface="+mn-cs"/>
-              </a:defRPr>
-            </a:lvl1pPr>
-            <a:lvl2pPr marL="640080" indent="-246888" algn="l" rtl="0" eaLnBrk="1" latinLnBrk="0" hangingPunct="1">
-              <a:spcBef>
-                <a:spcPct val="20000"/>
-              </a:spcBef>
-              <a:buClrTx/>
-              <a:buSzPct val="85000"/>
-              <a:buFont typeface="Courier New" pitchFamily="49" charset="0"/>
-              <a:buChar char="o"/>
-              <a:defRPr kumimoji="0" sz="2600" kern="1200">
-                <a:solidFill>
-                  <a:schemeClr val="tx1"/>
-                </a:solidFill>
-                <a:latin typeface="+mn-lt"/>
-                <a:ea typeface="+mn-ea"/>
-                <a:cs typeface="+mn-cs"/>
-              </a:defRPr>
-            </a:lvl2pPr>
-            <a:lvl3pPr marL="914400" indent="-246888" algn="l" rtl="0" eaLnBrk="1" latinLnBrk="0" hangingPunct="1">
-              <a:spcBef>
-                <a:spcPct val="20000"/>
-              </a:spcBef>
-              <a:buClrTx/>
-              <a:buSzPct val="70000"/>
-              <a:buFont typeface="Wingdings 2"/>
-              <a:buChar char=""/>
-              <a:defRPr kumimoji="0" sz="2400" kern="1200">
-                <a:solidFill>
-                  <a:schemeClr val="tx1"/>
-                </a:solidFill>
-                <a:latin typeface="+mn-lt"/>
-                <a:ea typeface="+mn-ea"/>
-                <a:cs typeface="+mn-cs"/>
-              </a:defRPr>
-            </a:lvl3pPr>
-            <a:lvl4pPr marL="1188720" indent="-210312" algn="l" rtl="0" eaLnBrk="1" latinLnBrk="0" hangingPunct="1">
-              <a:spcBef>
-                <a:spcPct val="20000"/>
-              </a:spcBef>
-              <a:buClrTx/>
-              <a:buSzPct val="65000"/>
-              <a:buFont typeface="Wingdings 2"/>
-              <a:buChar char=""/>
-              <a:defRPr kumimoji="0" sz="2000" kern="1200">
-                <a:solidFill>
-                  <a:schemeClr val="tx1"/>
-                </a:solidFill>
-                <a:latin typeface="+mn-lt"/>
-                <a:ea typeface="+mn-ea"/>
-                <a:cs typeface="+mn-cs"/>
-              </a:defRPr>
-            </a:lvl4pPr>
-            <a:lvl5pPr marL="1463040" indent="-210312" algn="l" rtl="0" eaLnBrk="1" latinLnBrk="0" hangingPunct="1">
-              <a:spcBef>
-                <a:spcPct val="20000"/>
-              </a:spcBef>
-              <a:buClrTx/>
-              <a:buSzPct val="65000"/>
-              <a:buFont typeface="Wingdings 2"/>
-              <a:buChar char=""/>
-              <a:defRPr kumimoji="0" sz="1800" kern="1200">
-                <a:solidFill>
-                  <a:schemeClr val="tx1"/>
-                </a:solidFill>
-                <a:latin typeface="+mn-lt"/>
-                <a:ea typeface="+mn-ea"/>
-                <a:cs typeface="+mn-cs"/>
-              </a:defRPr>
-            </a:lvl5pPr>
-            <a:lvl6pPr marL="1737360" indent="-210312" algn="l" rtl="0" eaLnBrk="1" latinLnBrk="0" hangingPunct="1">
-              <a:spcBef>
-                <a:spcPct val="20000"/>
-              </a:spcBef>
-              <a:buClr>
-                <a:schemeClr val="accent5"/>
-              </a:buClr>
-              <a:buSzPct val="80000"/>
-              <a:buFont typeface="Wingdings 2"/>
-              <a:buChar char=""/>
-              <a:defRPr kumimoji="0" sz="1800" kern="1200">
-                <a:solidFill>
-                  <a:schemeClr val="tx1"/>
-                </a:solidFill>
-                <a:latin typeface="+mn-lt"/>
-                <a:ea typeface="+mn-ea"/>
-                <a:cs typeface="+mn-cs"/>
-              </a:defRPr>
-            </a:lvl6pPr>
-            <a:lvl7pPr marL="1920240" indent="-182880" algn="l" rtl="0" eaLnBrk="1" latinLnBrk="0" hangingPunct="1">
-              <a:spcBef>
-                <a:spcPct val="20000"/>
-              </a:spcBef>
-              <a:buClr>
-                <a:schemeClr val="accent6"/>
-              </a:buClr>
-              <a:buSzPct val="80000"/>
-              <a:buFont typeface="Wingdings 2"/>
-              <a:buChar char=""/>
-              <a:defRPr kumimoji="0" sz="1600" kern="1200" baseline="0">
-                <a:solidFill>
-                  <a:schemeClr val="tx1"/>
-                </a:solidFill>
-                <a:latin typeface="+mn-lt"/>
-                <a:ea typeface="+mn-ea"/>
-                <a:cs typeface="+mn-cs"/>
-              </a:defRPr>
-            </a:lvl7pPr>
-            <a:lvl8pPr marL="2194560" indent="-182880" algn="l" rtl="0" eaLnBrk="1" latinLnBrk="0" hangingPunct="1">
-              <a:spcBef>
-                <a:spcPct val="20000"/>
-              </a:spcBef>
-              <a:buClr>
-                <a:schemeClr val="tx2"/>
-              </a:buClr>
-              <a:buChar char="•"/>
-              <a:defRPr kumimoji="0" sz="1600" kern="1200">
-                <a:solidFill>
-                  <a:schemeClr val="tx1"/>
-                </a:solidFill>
-                <a:latin typeface="+mn-lt"/>
-                <a:ea typeface="+mn-ea"/>
-                <a:cs typeface="+mn-cs"/>
-              </a:defRPr>
-            </a:lvl8pPr>
-            <a:lvl9pPr marL="2468880" indent="-182880" algn="l" rtl="0" eaLnBrk="1" latinLnBrk="0" hangingPunct="1">
-              <a:spcBef>
-                <a:spcPct val="20000"/>
-              </a:spcBef>
-              <a:buClr>
-                <a:schemeClr val="tx2"/>
-              </a:buClr>
-              <a:buFontTx/>
-              <a:buChar char="•"/>
-              <a:defRPr kumimoji="0" sz="1400" kern="1200" baseline="0">
-                <a:solidFill>
-                  <a:schemeClr val="tx1"/>
-                </a:solidFill>
-                <a:latin typeface="+mn-lt"/>
-                <a:ea typeface="+mn-ea"/>
-                <a:cs typeface="+mn-cs"/>
-              </a:defRPr>
-            </a:lvl9pPr>
-          </a:lstStyle>
-          <a:p>
-            <a:pPr marL="0" indent="0"/>
-            <a:r>
-              <a:rPr lang="it-IT" dirty="0" smtClean="0"/>
-              <a:t> Necessaria con l’aggiunta di nuovi requisiti funzionali</a:t>
-            </a:r>
-            <a:endParaRPr lang="it-IT" sz="2400" i="1" dirty="0" smtClean="0">
-              <a:solidFill>
-                <a:schemeClr val="accent5"/>
-              </a:solidFill>
-            </a:endParaRPr>
-          </a:p>
-          <a:p>
-            <a:pPr marL="365760" lvl="1" indent="0"/>
-            <a:endParaRPr lang="it-IT" dirty="0" smtClean="0"/>
-          </a:p>
-          <a:p>
-            <a:pPr marL="0" indent="0">
-              <a:buNone/>
-            </a:pPr>
-            <a:r>
-              <a:rPr lang="it-IT" sz="500" dirty="0" smtClean="0"/>
-              <a:t> </a:t>
-            </a:r>
-          </a:p>
-          <a:p>
-            <a:pPr marL="0" indent="0">
-              <a:buNone/>
-            </a:pPr>
-            <a:endParaRPr lang="it-IT" sz="2600" dirty="0"/>
-          </a:p>
-        </p:txBody>
-      </p:sp>
-      <p:sp>
-        <p:nvSpPr>
-          <p:cNvPr id="14" name="Freccia a destra 13"/>
-          <p:cNvSpPr/>
-          <p:nvPr/>
-        </p:nvSpPr>
-        <p:spPr>
-          <a:xfrm>
-            <a:off x="683568" y="5949280"/>
-            <a:ext cx="432048" cy="288032"/>
-          </a:xfrm>
-          <a:prstGeom prst="rightArrow">
-            <a:avLst>
-              <a:gd name="adj1" fmla="val 57648"/>
-              <a:gd name="adj2" fmla="val 65299"/>
-            </a:avLst>
-          </a:prstGeom>
-        </p:spPr>
-        <p:style>
-          <a:lnRef idx="1">
-            <a:schemeClr val="accent2"/>
-          </a:lnRef>
-          <a:fillRef idx="3">
-            <a:schemeClr val="accent2"/>
-          </a:fillRef>
-          <a:effectRef idx="2">
-            <a:schemeClr val="accent2"/>
-          </a:effectRef>
-          <a:fontRef idx="minor">
-            <a:schemeClr val="lt1"/>
-          </a:fontRef>
-        </p:style>
-        <p:txBody>
-          <a:bodyPr rtlCol="0" anchor="ctr"/>
-          <a:lstStyle/>
-          <a:p>
-            <a:pPr algn="ctr"/>
-            <a:endParaRPr lang="it-IT"/>
-          </a:p>
-        </p:txBody>
-      </p:sp>
-      <p:sp>
-        <p:nvSpPr>
-          <p:cNvPr id="8" name="Content Placeholder 3"/>
-          <p:cNvSpPr txBox="1">
-            <a:spLocks/>
-          </p:cNvSpPr>
-          <p:nvPr/>
-        </p:nvSpPr>
-        <p:spPr>
-          <a:xfrm>
-            <a:off x="1115616" y="5877272"/>
-            <a:ext cx="2376264" cy="504056"/>
-          </a:xfrm>
-          <a:prstGeom prst="rect">
-            <a:avLst/>
-          </a:prstGeom>
-        </p:spPr>
-        <p:txBody>
-          <a:bodyPr tIns="0"/>
-          <a:lstStyle>
-            <a:lvl1pPr marL="274320" indent="-274320" algn="l" rtl="0" eaLnBrk="1" latinLnBrk="0" hangingPunct="1">
-              <a:spcBef>
-                <a:spcPct val="20000"/>
-              </a:spcBef>
-              <a:buClrTx/>
-              <a:buSzPct val="95000"/>
-              <a:buFont typeface="Wingdings" pitchFamily="2" charset="2"/>
-              <a:buChar char="v"/>
-              <a:defRPr kumimoji="0" sz="2800" kern="1200">
-                <a:solidFill>
-                  <a:schemeClr val="tx1"/>
-                </a:solidFill>
-                <a:latin typeface="+mn-lt"/>
-                <a:ea typeface="+mn-ea"/>
-                <a:cs typeface="+mn-cs"/>
-              </a:defRPr>
-            </a:lvl1pPr>
-            <a:lvl2pPr marL="640080" indent="-246888" algn="l" rtl="0" eaLnBrk="1" latinLnBrk="0" hangingPunct="1">
-              <a:spcBef>
-                <a:spcPct val="20000"/>
-              </a:spcBef>
-              <a:buClrTx/>
-              <a:buSzPct val="85000"/>
-              <a:buFont typeface="Courier New" pitchFamily="49" charset="0"/>
-              <a:buChar char="o"/>
-              <a:defRPr kumimoji="0" sz="2600" kern="1200">
-                <a:solidFill>
-                  <a:schemeClr val="tx1"/>
-                </a:solidFill>
-                <a:latin typeface="+mn-lt"/>
-                <a:ea typeface="+mn-ea"/>
-                <a:cs typeface="+mn-cs"/>
-              </a:defRPr>
-            </a:lvl2pPr>
-            <a:lvl3pPr marL="914400" indent="-246888" algn="l" rtl="0" eaLnBrk="1" latinLnBrk="0" hangingPunct="1">
-              <a:spcBef>
-                <a:spcPct val="20000"/>
-              </a:spcBef>
-              <a:buClrTx/>
-              <a:buSzPct val="70000"/>
-              <a:buFont typeface="Wingdings 2"/>
-              <a:buChar char=""/>
-              <a:defRPr kumimoji="0" sz="2400" kern="1200">
-                <a:solidFill>
-                  <a:schemeClr val="tx1"/>
-                </a:solidFill>
-                <a:latin typeface="+mn-lt"/>
-                <a:ea typeface="+mn-ea"/>
-                <a:cs typeface="+mn-cs"/>
-              </a:defRPr>
-            </a:lvl3pPr>
-            <a:lvl4pPr marL="1188720" indent="-210312" algn="l" rtl="0" eaLnBrk="1" latinLnBrk="0" hangingPunct="1">
-              <a:spcBef>
-                <a:spcPct val="20000"/>
-              </a:spcBef>
-              <a:buClrTx/>
-              <a:buSzPct val="65000"/>
-              <a:buFont typeface="Wingdings 2"/>
-              <a:buChar char=""/>
-              <a:defRPr kumimoji="0" sz="2000" kern="1200">
-                <a:solidFill>
-                  <a:schemeClr val="tx1"/>
-                </a:solidFill>
-                <a:latin typeface="+mn-lt"/>
-                <a:ea typeface="+mn-ea"/>
-                <a:cs typeface="+mn-cs"/>
-              </a:defRPr>
-            </a:lvl4pPr>
-            <a:lvl5pPr marL="1463040" indent="-210312" algn="l" rtl="0" eaLnBrk="1" latinLnBrk="0" hangingPunct="1">
-              <a:spcBef>
-                <a:spcPct val="20000"/>
-              </a:spcBef>
-              <a:buClrTx/>
-              <a:buSzPct val="65000"/>
-              <a:buFont typeface="Wingdings 2"/>
-              <a:buChar char=""/>
-              <a:defRPr kumimoji="0" sz="1800" kern="1200">
-                <a:solidFill>
-                  <a:schemeClr val="tx1"/>
-                </a:solidFill>
-                <a:latin typeface="+mn-lt"/>
-                <a:ea typeface="+mn-ea"/>
-                <a:cs typeface="+mn-cs"/>
-              </a:defRPr>
-            </a:lvl5pPr>
-            <a:lvl6pPr marL="1737360" indent="-210312" algn="l" rtl="0" eaLnBrk="1" latinLnBrk="0" hangingPunct="1">
-              <a:spcBef>
-                <a:spcPct val="20000"/>
-              </a:spcBef>
-              <a:buClr>
-                <a:schemeClr val="accent5"/>
-              </a:buClr>
-              <a:buSzPct val="80000"/>
-              <a:buFont typeface="Wingdings 2"/>
-              <a:buChar char=""/>
-              <a:defRPr kumimoji="0" sz="1800" kern="1200">
-                <a:solidFill>
-                  <a:schemeClr val="tx1"/>
-                </a:solidFill>
-                <a:latin typeface="+mn-lt"/>
-                <a:ea typeface="+mn-ea"/>
-                <a:cs typeface="+mn-cs"/>
-              </a:defRPr>
-            </a:lvl6pPr>
-            <a:lvl7pPr marL="1920240" indent="-182880" algn="l" rtl="0" eaLnBrk="1" latinLnBrk="0" hangingPunct="1">
-              <a:spcBef>
-                <a:spcPct val="20000"/>
-              </a:spcBef>
-              <a:buClr>
-                <a:schemeClr val="accent6"/>
-              </a:buClr>
-              <a:buSzPct val="80000"/>
-              <a:buFont typeface="Wingdings 2"/>
-              <a:buChar char=""/>
-              <a:defRPr kumimoji="0" sz="1600" kern="1200" baseline="0">
-                <a:solidFill>
-                  <a:schemeClr val="tx1"/>
-                </a:solidFill>
-                <a:latin typeface="+mn-lt"/>
-                <a:ea typeface="+mn-ea"/>
-                <a:cs typeface="+mn-cs"/>
-              </a:defRPr>
-            </a:lvl7pPr>
-            <a:lvl8pPr marL="2194560" indent="-182880" algn="l" rtl="0" eaLnBrk="1" latinLnBrk="0" hangingPunct="1">
-              <a:spcBef>
-                <a:spcPct val="20000"/>
-              </a:spcBef>
-              <a:buClr>
-                <a:schemeClr val="tx2"/>
-              </a:buClr>
-              <a:buChar char="•"/>
-              <a:defRPr kumimoji="0" sz="1600" kern="1200">
-                <a:solidFill>
-                  <a:schemeClr val="tx1"/>
-                </a:solidFill>
-                <a:latin typeface="+mn-lt"/>
-                <a:ea typeface="+mn-ea"/>
-                <a:cs typeface="+mn-cs"/>
-              </a:defRPr>
-            </a:lvl8pPr>
-            <a:lvl9pPr marL="2468880" indent="-182880" algn="l" rtl="0" eaLnBrk="1" latinLnBrk="0" hangingPunct="1">
-              <a:spcBef>
-                <a:spcPct val="20000"/>
-              </a:spcBef>
-              <a:buClr>
-                <a:schemeClr val="tx2"/>
-              </a:buClr>
-              <a:buFontTx/>
-              <a:buChar char="•"/>
-              <a:defRPr kumimoji="0" sz="1400" kern="1200" baseline="0">
-                <a:solidFill>
-                  <a:schemeClr val="tx1"/>
-                </a:solidFill>
-                <a:latin typeface="+mn-lt"/>
-                <a:ea typeface="+mn-ea"/>
-                <a:cs typeface="+mn-cs"/>
-              </a:defRPr>
-            </a:lvl9pPr>
-          </a:lstStyle>
-          <a:p>
-            <a:pPr marL="0" indent="0">
-              <a:buNone/>
-            </a:pPr>
-            <a:r>
-              <a:rPr lang="it-IT" dirty="0" smtClean="0"/>
-              <a:t>9 sottosistemi</a:t>
-            </a:r>
-            <a:endParaRPr lang="it-IT" sz="2400" i="1" dirty="0" smtClean="0">
-              <a:solidFill>
-                <a:schemeClr val="accent5"/>
-              </a:solidFill>
-            </a:endParaRPr>
-          </a:p>
-          <a:p>
-            <a:pPr marL="365760" lvl="1" indent="0">
-              <a:buNone/>
-            </a:pPr>
-            <a:endParaRPr lang="it-IT" sz="2400" i="1" dirty="0" smtClean="0">
-              <a:solidFill>
-                <a:schemeClr val="accent5"/>
-              </a:solidFill>
-            </a:endParaRPr>
-          </a:p>
-          <a:p>
-            <a:pPr marL="365760" lvl="1" indent="0"/>
-            <a:endParaRPr lang="it-IT" dirty="0" smtClean="0"/>
-          </a:p>
-          <a:p>
-            <a:pPr marL="0" indent="0">
-              <a:buNone/>
-            </a:pPr>
-            <a:r>
-              <a:rPr lang="it-IT" sz="500" dirty="0" smtClean="0"/>
-              <a:t> </a:t>
-            </a:r>
-          </a:p>
-          <a:p>
-            <a:pPr marL="0" indent="0">
-              <a:buNone/>
-            </a:pPr>
-            <a:endParaRPr lang="it-IT" sz="2600" dirty="0"/>
-          </a:p>
-        </p:txBody>
-      </p:sp>
-      <p:sp>
-        <p:nvSpPr>
-          <p:cNvPr id="9" name="Segnaposto numero diapositiva 8"/>
-          <p:cNvSpPr>
-            <a:spLocks noGrp="1"/>
-          </p:cNvSpPr>
-          <p:nvPr>
-            <p:ph type="sldNum" sz="quarter" idx="12"/>
-          </p:nvPr>
-        </p:nvSpPr>
-        <p:spPr/>
-        <p:txBody>
-          <a:bodyPr/>
-          <a:lstStyle/>
-          <a:p>
-            <a:fld id="{F89AEA99-3E91-4C58-9AD4-045DB5619AC3}" type="slidenum">
-              <a:rPr lang="it-IT" smtClean="0"/>
-              <a:pPr/>
-              <a:t>10</a:t>
-            </a:fld>
-            <a:endParaRPr lang="it-IT"/>
-          </a:p>
-        </p:txBody>
-      </p:sp>
-      <p:sp>
-        <p:nvSpPr>
-          <p:cNvPr id="10" name="Content Placeholder 3"/>
-          <p:cNvSpPr txBox="1">
-            <a:spLocks/>
-          </p:cNvSpPr>
-          <p:nvPr/>
-        </p:nvSpPr>
-        <p:spPr>
-          <a:xfrm>
-            <a:off x="251520" y="3501008"/>
-            <a:ext cx="3528392" cy="2304256"/>
-          </a:xfrm>
-          <a:prstGeom prst="rect">
-            <a:avLst/>
-          </a:prstGeom>
-        </p:spPr>
-        <p:txBody>
-          <a:bodyPr tIns="0"/>
-          <a:lstStyle>
-            <a:lvl1pPr marL="274320" indent="-274320" algn="l" rtl="0" eaLnBrk="1" latinLnBrk="0" hangingPunct="1">
-              <a:spcBef>
-                <a:spcPct val="20000"/>
-              </a:spcBef>
-              <a:buClrTx/>
-              <a:buSzPct val="95000"/>
-              <a:buFont typeface="Wingdings" pitchFamily="2" charset="2"/>
-              <a:buChar char="v"/>
-              <a:defRPr kumimoji="0" sz="2800" kern="1200">
-                <a:solidFill>
-                  <a:schemeClr val="tx1"/>
-                </a:solidFill>
-                <a:latin typeface="+mn-lt"/>
-                <a:ea typeface="+mn-ea"/>
-                <a:cs typeface="+mn-cs"/>
-              </a:defRPr>
-            </a:lvl1pPr>
-            <a:lvl2pPr marL="640080" indent="-246888" algn="l" rtl="0" eaLnBrk="1" latinLnBrk="0" hangingPunct="1">
-              <a:spcBef>
-                <a:spcPct val="20000"/>
-              </a:spcBef>
-              <a:buClrTx/>
-              <a:buSzPct val="85000"/>
-              <a:buFont typeface="Courier New" pitchFamily="49" charset="0"/>
-              <a:buChar char="o"/>
-              <a:defRPr kumimoji="0" sz="2600" kern="1200">
-                <a:solidFill>
-                  <a:schemeClr val="tx1"/>
-                </a:solidFill>
-                <a:latin typeface="+mn-lt"/>
-                <a:ea typeface="+mn-ea"/>
-                <a:cs typeface="+mn-cs"/>
-              </a:defRPr>
-            </a:lvl2pPr>
-            <a:lvl3pPr marL="914400" indent="-246888" algn="l" rtl="0" eaLnBrk="1" latinLnBrk="0" hangingPunct="1">
-              <a:spcBef>
-                <a:spcPct val="20000"/>
-              </a:spcBef>
-              <a:buClrTx/>
-              <a:buSzPct val="70000"/>
-              <a:buFont typeface="Wingdings 2"/>
-              <a:buChar char=""/>
-              <a:defRPr kumimoji="0" sz="2400" kern="1200">
-                <a:solidFill>
-                  <a:schemeClr val="tx1"/>
-                </a:solidFill>
-                <a:latin typeface="+mn-lt"/>
-                <a:ea typeface="+mn-ea"/>
-                <a:cs typeface="+mn-cs"/>
-              </a:defRPr>
-            </a:lvl3pPr>
-            <a:lvl4pPr marL="1188720" indent="-210312" algn="l" rtl="0" eaLnBrk="1" latinLnBrk="0" hangingPunct="1">
-              <a:spcBef>
-                <a:spcPct val="20000"/>
-              </a:spcBef>
-              <a:buClrTx/>
-              <a:buSzPct val="65000"/>
-              <a:buFont typeface="Wingdings 2"/>
-              <a:buChar char=""/>
-              <a:defRPr kumimoji="0" sz="2000" kern="1200">
-                <a:solidFill>
-                  <a:schemeClr val="tx1"/>
-                </a:solidFill>
-                <a:latin typeface="+mn-lt"/>
-                <a:ea typeface="+mn-ea"/>
-                <a:cs typeface="+mn-cs"/>
-              </a:defRPr>
-            </a:lvl4pPr>
-            <a:lvl5pPr marL="1463040" indent="-210312" algn="l" rtl="0" eaLnBrk="1" latinLnBrk="0" hangingPunct="1">
-              <a:spcBef>
-                <a:spcPct val="20000"/>
-              </a:spcBef>
-              <a:buClrTx/>
-              <a:buSzPct val="65000"/>
-              <a:buFont typeface="Wingdings 2"/>
-              <a:buChar char=""/>
-              <a:defRPr kumimoji="0" sz="1800" kern="1200">
-                <a:solidFill>
-                  <a:schemeClr val="tx1"/>
-                </a:solidFill>
-                <a:latin typeface="+mn-lt"/>
-                <a:ea typeface="+mn-ea"/>
-                <a:cs typeface="+mn-cs"/>
-              </a:defRPr>
-            </a:lvl5pPr>
-            <a:lvl6pPr marL="1737360" indent="-210312" algn="l" rtl="0" eaLnBrk="1" latinLnBrk="0" hangingPunct="1">
-              <a:spcBef>
-                <a:spcPct val="20000"/>
-              </a:spcBef>
-              <a:buClr>
-                <a:schemeClr val="accent5"/>
-              </a:buClr>
-              <a:buSzPct val="80000"/>
-              <a:buFont typeface="Wingdings 2"/>
-              <a:buChar char=""/>
-              <a:defRPr kumimoji="0" sz="1800" kern="1200">
-                <a:solidFill>
-                  <a:schemeClr val="tx1"/>
-                </a:solidFill>
-                <a:latin typeface="+mn-lt"/>
-                <a:ea typeface="+mn-ea"/>
-                <a:cs typeface="+mn-cs"/>
-              </a:defRPr>
-            </a:lvl6pPr>
-            <a:lvl7pPr marL="1920240" indent="-182880" algn="l" rtl="0" eaLnBrk="1" latinLnBrk="0" hangingPunct="1">
-              <a:spcBef>
-                <a:spcPct val="20000"/>
-              </a:spcBef>
-              <a:buClr>
-                <a:schemeClr val="accent6"/>
-              </a:buClr>
-              <a:buSzPct val="80000"/>
-              <a:buFont typeface="Wingdings 2"/>
-              <a:buChar char=""/>
-              <a:defRPr kumimoji="0" sz="1600" kern="1200" baseline="0">
-                <a:solidFill>
-                  <a:schemeClr val="tx1"/>
-                </a:solidFill>
-                <a:latin typeface="+mn-lt"/>
-                <a:ea typeface="+mn-ea"/>
-                <a:cs typeface="+mn-cs"/>
-              </a:defRPr>
-            </a:lvl7pPr>
-            <a:lvl8pPr marL="2194560" indent="-182880" algn="l" rtl="0" eaLnBrk="1" latinLnBrk="0" hangingPunct="1">
-              <a:spcBef>
-                <a:spcPct val="20000"/>
-              </a:spcBef>
-              <a:buClr>
-                <a:schemeClr val="tx2"/>
-              </a:buClr>
-              <a:buChar char="•"/>
-              <a:defRPr kumimoji="0" sz="1600" kern="1200">
-                <a:solidFill>
-                  <a:schemeClr val="tx1"/>
-                </a:solidFill>
-                <a:latin typeface="+mn-lt"/>
-                <a:ea typeface="+mn-ea"/>
-                <a:cs typeface="+mn-cs"/>
-              </a:defRPr>
-            </a:lvl8pPr>
-            <a:lvl9pPr marL="2468880" indent="-182880" algn="l" rtl="0" eaLnBrk="1" latinLnBrk="0" hangingPunct="1">
-              <a:spcBef>
-                <a:spcPct val="20000"/>
-              </a:spcBef>
-              <a:buClr>
-                <a:schemeClr val="tx2"/>
-              </a:buClr>
-              <a:buFontTx/>
-              <a:buChar char="•"/>
-              <a:defRPr kumimoji="0" sz="1400" kern="1200" baseline="0">
-                <a:solidFill>
-                  <a:schemeClr val="tx1"/>
-                </a:solidFill>
-                <a:latin typeface="+mn-lt"/>
-                <a:ea typeface="+mn-ea"/>
-                <a:cs typeface="+mn-cs"/>
-              </a:defRPr>
-            </a:lvl9pPr>
-          </a:lstStyle>
-          <a:p>
-            <a:pPr marL="0" indent="0"/>
-            <a:r>
-              <a:rPr lang="it-IT" dirty="0" smtClean="0"/>
-              <a:t>Rispetta l’euristica:</a:t>
-            </a:r>
-          </a:p>
-          <a:p>
-            <a:pPr marL="365760" lvl="1" indent="0">
-              <a:buNone/>
-            </a:pPr>
-            <a:r>
-              <a:rPr lang="it-IT" sz="2400" i="1" dirty="0" smtClean="0">
-                <a:solidFill>
-                  <a:schemeClr val="accent5"/>
-                </a:solidFill>
-              </a:rPr>
-              <a:t>“ gli sviluppatori possono trattare ad ogni livello di astrazione un numero di concetti pari a 7±2”</a:t>
-            </a:r>
-          </a:p>
-          <a:p>
-            <a:pPr marL="365760" lvl="1" indent="0">
-              <a:buNone/>
-            </a:pPr>
-            <a:endParaRPr lang="it-IT" sz="2400" i="1" dirty="0" smtClean="0">
-              <a:solidFill>
-                <a:schemeClr val="accent5"/>
-              </a:solidFill>
-            </a:endParaRPr>
-          </a:p>
-          <a:p>
-            <a:pPr marL="365760" lvl="1" indent="0">
-              <a:buNone/>
-            </a:pPr>
-            <a:endParaRPr lang="it-IT" dirty="0" smtClean="0"/>
-          </a:p>
-          <a:p>
-            <a:pPr marL="0" indent="0">
-              <a:buNone/>
-            </a:pPr>
-            <a:r>
-              <a:rPr lang="it-IT" sz="500" dirty="0" smtClean="0"/>
-              <a:t> </a:t>
-            </a:r>
-          </a:p>
-          <a:p>
-            <a:pPr marL="0" indent="0">
-              <a:buNone/>
-            </a:pPr>
-            <a:endParaRPr lang="it-IT" sz="2600" dirty="0"/>
-          </a:p>
-        </p:txBody>
-      </p:sp>
-    </p:spTree>
-    <p:extLst>
-      <p:ext uri="{BB962C8B-B14F-4D97-AF65-F5344CB8AC3E}">
-        <p14:creationId xmlns="" xmlns:p14="http://schemas.microsoft.com/office/powerpoint/2010/main" val="155874689"/>
-      </p:ext>
-    </p:extLst>
-  </p:cSld>
-  <p:clrMapOvr>
-    <a:masterClrMapping/>
-  </p:clrMapOvr>
-  <mc:AlternateContent xmlns:mc="http://schemas.openxmlformats.org/markup-compatibility/2006">
-    <mc:Choice xmlns="" xmlns:p14="http://schemas.microsoft.com/office/powerpoint/2010/main" Requires="p14">
-      <p:transition spd="slow" p14:dur="2000"/>
-    </mc:Choice>
-    <mc:Fallback>
-      <p:transition spd="slow"/>
-    </mc:Fallback>
-  </mc:AlternateContent>
-  <p:timing>
-    <p:tnLst>
-      <p:par>
-        <p:cTn id="1" dur="indefinite" restart="never" nodeType="tmRoot">
-          <p:childTnLst>
-            <p:seq concurrent="1" nextAc="seek">
-              <p:cTn id="2" dur="indefinite" nodeType="mainSeq">
-                <p:childTnLst>
-                  <p:par>
-                    <p:cTn id="3" fill="hold">
-                      <p:stCondLst>
-                        <p:cond delay="indefinite"/>
-                        <p:cond evt="onBegin" delay="0">
-                          <p:tn val="2"/>
-                        </p:cond>
-                      </p:stCondLst>
-                      <p:childTnLst>
-                        <p:par>
-                          <p:cTn id="4" fill="hold">
-                            <p:stCondLst>
-                              <p:cond delay="0"/>
-                            </p:stCondLst>
-                            <p:childTnLst>
-                              <p:par>
-                                <p:cTn id="5" presetID="1" presetClass="entr" presetSubtype="0" fill="hold" grpId="0" nodeType="afterEffect">
-                                  <p:stCondLst>
-                                    <p:cond delay="0"/>
-                                  </p:stCondLst>
-                                  <p:childTnLst>
-                                    <p:set>
-                                      <p:cBhvr>
-                                        <p:cTn id="6" dur="1" fill="hold">
-                                          <p:stCondLst>
-                                            <p:cond delay="0"/>
-                                          </p:stCondLst>
-                                        </p:cTn>
-                                        <p:tgtEl>
-                                          <p:spTgt spid="7"/>
-                                        </p:tgtEl>
-                                        <p:attrNameLst>
-                                          <p:attrName>style.visibility</p:attrName>
-                                        </p:attrNameLst>
-                                      </p:cBhvr>
-                                      <p:to>
-                                        <p:strVal val="visible"/>
-                                      </p:to>
-                                    </p:set>
-                                  </p:childTnLst>
-                                </p:cTn>
-                              </p:par>
-                            </p:childTnLst>
-                          </p:cTn>
-                        </p:par>
-                        <p:par>
-                          <p:cTn id="7" fill="hold">
-                            <p:stCondLst>
-                              <p:cond delay="0"/>
-                            </p:stCondLst>
-                            <p:childTnLst>
-                              <p:par>
-                                <p:cTn id="8" presetID="10" presetClass="entr" presetSubtype="0" fill="hold" nodeType="afterEffect">
-                                  <p:stCondLst>
-                                    <p:cond delay="0"/>
-                                  </p:stCondLst>
-                                  <p:childTnLst>
-                                    <p:set>
-                                      <p:cBhvr>
-                                        <p:cTn id="9" dur="1" fill="hold">
-                                          <p:stCondLst>
-                                            <p:cond delay="0"/>
-                                          </p:stCondLst>
-                                        </p:cTn>
-                                        <p:tgtEl>
-                                          <p:spTgt spid="1026"/>
-                                        </p:tgtEl>
-                                        <p:attrNameLst>
-                                          <p:attrName>style.visibility</p:attrName>
-                                        </p:attrNameLst>
-                                      </p:cBhvr>
-                                      <p:to>
-                                        <p:strVal val="visible"/>
-                                      </p:to>
-                                    </p:set>
-                                    <p:animEffect transition="in" filter="fade">
-                                      <p:cBhvr>
-                                        <p:cTn id="10" dur="500"/>
-                                        <p:tgtEl>
-                                          <p:spTgt spid="1026"/>
-                                        </p:tgtEl>
-                                      </p:cBhvr>
-                                    </p:animEffect>
-                                  </p:childTnLst>
-                                </p:cTn>
-                              </p:par>
-                            </p:childTnLst>
-                          </p:cTn>
-                        </p:par>
-                      </p:childTnLst>
-                    </p:cTn>
-                  </p:par>
-                  <p:par>
-                    <p:cTn id="11" fill="hold">
-                      <p:stCondLst>
-                        <p:cond delay="indefinite"/>
-                      </p:stCondLst>
-                      <p:childTnLst>
-                        <p:par>
-                          <p:cTn id="12" fill="hold">
-                            <p:stCondLst>
-                              <p:cond delay="0"/>
-                            </p:stCondLst>
-                            <p:childTnLst>
-                              <p:par>
-                                <p:cTn id="13" presetID="1" presetClass="entr" presetSubtype="0" fill="hold" grpId="0" nodeType="clickEffect">
-                                  <p:stCondLst>
-                                    <p:cond delay="0"/>
-                                  </p:stCondLst>
-                                  <p:childTnLst>
-                                    <p:set>
-                                      <p:cBhvr>
-                                        <p:cTn id="14" dur="1" fill="hold">
-                                          <p:stCondLst>
-                                            <p:cond delay="0"/>
-                                          </p:stCondLst>
-                                        </p:cTn>
-                                        <p:tgtEl>
-                                          <p:spTgt spid="13"/>
-                                        </p:tgtEl>
-                                        <p:attrNameLst>
-                                          <p:attrName>style.visibility</p:attrName>
-                                        </p:attrNameLst>
-                                      </p:cBhvr>
-                                      <p:to>
-                                        <p:strVal val="visible"/>
-                                      </p:to>
-                                    </p:set>
-                                  </p:childTnLst>
-                                </p:cTn>
-                              </p:par>
-                            </p:childTnLst>
-                          </p:cTn>
-                        </p:par>
-                        <p:par>
-                          <p:cTn id="15" fill="hold">
-                            <p:stCondLst>
-                              <p:cond delay="0"/>
-                            </p:stCondLst>
-                            <p:childTnLst>
-                              <p:par>
-                                <p:cTn id="16" presetID="20" presetClass="entr" presetSubtype="0" fill="hold" grpId="0" nodeType="afterEffect">
-                                  <p:stCondLst>
-                                    <p:cond delay="0"/>
-                                  </p:stCondLst>
-                                  <p:childTnLst>
-                                    <p:set>
-                                      <p:cBhvr>
-                                        <p:cTn id="17" dur="1" fill="hold">
-                                          <p:stCondLst>
-                                            <p:cond delay="0"/>
-                                          </p:stCondLst>
-                                        </p:cTn>
-                                        <p:tgtEl>
-                                          <p:spTgt spid="12"/>
-                                        </p:tgtEl>
-                                        <p:attrNameLst>
-                                          <p:attrName>style.visibility</p:attrName>
-                                        </p:attrNameLst>
-                                      </p:cBhvr>
-                                      <p:to>
-                                        <p:strVal val="visible"/>
-                                      </p:to>
-                                    </p:set>
-                                    <p:animEffect transition="in" filter="wedge">
-                                      <p:cBhvr>
-                                        <p:cTn id="18" dur="2000"/>
-                                        <p:tgtEl>
-                                          <p:spTgt spid="12"/>
-                                        </p:tgtEl>
-                                      </p:cBhvr>
-                                    </p:animEffect>
-                                  </p:childTnLst>
-                                </p:cTn>
-                              </p:par>
-                            </p:childTnLst>
-                          </p:cTn>
-                        </p:par>
-                      </p:childTnLst>
-                    </p:cTn>
-                  </p:par>
-                  <p:par>
-                    <p:cTn id="19" fill="hold">
-                      <p:stCondLst>
-                        <p:cond delay="indefinite"/>
-                      </p:stCondLst>
-                      <p:childTnLst>
-                        <p:par>
-                          <p:cTn id="20" fill="hold">
-                            <p:stCondLst>
-                              <p:cond delay="0"/>
-                            </p:stCondLst>
-                            <p:childTnLst>
-                              <p:par>
-                                <p:cTn id="21" presetID="13" presetClass="entr" presetSubtype="16" fill="hold" grpId="0" nodeType="clickEffect">
-                                  <p:stCondLst>
-                                    <p:cond delay="0"/>
-                                  </p:stCondLst>
-                                  <p:childTnLst>
-                                    <p:set>
-                                      <p:cBhvr>
-                                        <p:cTn id="22" dur="1" fill="hold">
-                                          <p:stCondLst>
-                                            <p:cond delay="0"/>
-                                          </p:stCondLst>
-                                        </p:cTn>
-                                        <p:tgtEl>
-                                          <p:spTgt spid="10"/>
-                                        </p:tgtEl>
-                                        <p:attrNameLst>
-                                          <p:attrName>style.visibility</p:attrName>
-                                        </p:attrNameLst>
-                                      </p:cBhvr>
-                                      <p:to>
-                                        <p:strVal val="visible"/>
-                                      </p:to>
-                                    </p:set>
-                                    <p:animEffect transition="in" filter="plus(in)">
-                                      <p:cBhvr>
-                                        <p:cTn id="23" dur="1000"/>
-                                        <p:tgtEl>
-                                          <p:spTgt spid="10"/>
-                                        </p:tgtEl>
-                                      </p:cBhvr>
-                                    </p:animEffect>
-                                  </p:childTnLst>
-                                </p:cTn>
-                              </p:par>
-                              <p:par>
-                                <p:cTn id="24" presetID="1" presetClass="entr" presetSubtype="0" fill="hold" grpId="0" nodeType="withEffect">
-                                  <p:stCondLst>
-                                    <p:cond delay="0"/>
-                                  </p:stCondLst>
-                                  <p:childTnLst>
-                                    <p:set>
-                                      <p:cBhvr>
-                                        <p:cTn id="25" dur="1" fill="hold">
-                                          <p:stCondLst>
-                                            <p:cond delay="0"/>
-                                          </p:stCondLst>
-                                        </p:cTn>
-                                        <p:tgtEl>
-                                          <p:spTgt spid="14"/>
-                                        </p:tgtEl>
-                                        <p:attrNameLst>
-                                          <p:attrName>style.visibility</p:attrName>
-                                        </p:attrNameLst>
-                                      </p:cBhvr>
-                                      <p:to>
-                                        <p:strVal val="visible"/>
-                                      </p:to>
-                                    </p:set>
-                                  </p:childTnLst>
-                                </p:cTn>
-                              </p:par>
-                              <p:par>
-                                <p:cTn id="26" presetID="13" presetClass="entr" presetSubtype="16" fill="hold" grpId="0" nodeType="withEffect">
-                                  <p:stCondLst>
-                                    <p:cond delay="0"/>
-                                  </p:stCondLst>
-                                  <p:childTnLst>
-                                    <p:set>
-                                      <p:cBhvr>
-                                        <p:cTn id="27" dur="1" fill="hold">
-                                          <p:stCondLst>
-                                            <p:cond delay="0"/>
-                                          </p:stCondLst>
-                                        </p:cTn>
-                                        <p:tgtEl>
-                                          <p:spTgt spid="8"/>
-                                        </p:tgtEl>
-                                        <p:attrNameLst>
-                                          <p:attrName>style.visibility</p:attrName>
-                                        </p:attrNameLst>
-                                      </p:cBhvr>
-                                      <p:to>
-                                        <p:strVal val="visible"/>
-                                      </p:to>
-                                    </p:set>
-                                    <p:animEffect transition="in" filter="plus(in)">
-                                      <p:cBhvr>
-                                        <p:cTn id="28" dur="1000"/>
-                                        <p:tgtEl>
-                                          <p:spTgt spid="8"/>
-                                        </p:tgtEl>
-                                      </p:cBhvr>
-                                    </p:animEffect>
-                                  </p:childTnLst>
-                                </p:cTn>
-                              </p:par>
-                            </p:childTnLst>
-                          </p:cTn>
-                        </p:par>
-                      </p:childTnLst>
-                    </p:cTn>
-                  </p:par>
-                </p:childTnLst>
-              </p:cTn>
-              <p:prevCondLst>
-                <p:cond evt="onPrev" delay="0">
-                  <p:tgtEl>
-                    <p:sldTgt/>
-                  </p:tgtEl>
-                </p:cond>
-              </p:prevCondLst>
-              <p:nextCondLst>
-                <p:cond evt="onNext" delay="0">
-                  <p:tgtEl>
-                    <p:sldTgt/>
-                  </p:tgtEl>
-                </p:cond>
-              </p:nextCondLst>
-            </p:seq>
-          </p:childTnLst>
-        </p:cTn>
-      </p:par>
-    </p:tnLst>
-    <p:bldLst>
-      <p:bldP spid="7" grpId="0"/>
-      <p:bldP spid="12" grpId="0" animBg="1"/>
-      <p:bldP spid="13" grpId="0"/>
-      <p:bldP spid="14" grpId="0" animBg="1"/>
-      <p:bldP spid="8" grpId="0"/>
-      <p:bldP spid="10" grpId="0"/>
-    </p:bldLst>
-  </p:timing>
-</p:sld>
-</file>
-
-<file path=ppt/slides/slide11.xml><?xml version="1.0" encoding="utf-8"?>
-<p:sld xmlns:a="http://schemas.openxmlformats.org/drawingml/2006/main" xmlns:r="http://schemas.openxmlformats.org/officeDocument/2006/relationships" xmlns:p="http://schemas.openxmlformats.org/presentationml/2006/main">
-  <p:cSld>
-    <p:spTree>
-      <p:nvGrpSpPr>
-        <p:cNvPr id="1" name=""/>
-        <p:cNvGrpSpPr/>
-        <p:nvPr/>
-      </p:nvGrpSpPr>
-      <p:grpSpPr>
-        <a:xfrm>
-          <a:off x="0" y="0"/>
-          <a:ext cx="0" cy="0"/>
-          <a:chOff x="0" y="0"/>
-          <a:chExt cx="0" cy="0"/>
-        </a:xfrm>
-      </p:grpSpPr>
       <p:sp>
         <p:nvSpPr>
           <p:cNvPr id="2" name="CasellaDiTesto 1"/>
@@ -8407,7 +7002,7 @@
             <a:fld id="{F89AEA99-3E91-4C58-9AD4-045DB5619AC3}" type="slidenum">
               <a:rPr lang="it-IT" smtClean="0"/>
               <a:pPr/>
-              <a:t>11</a:t>
+              <a:t>10</a:t>
             </a:fld>
             <a:endParaRPr lang="it-IT"/>
           </a:p>
@@ -8890,7 +7485,7 @@
 </p:sld>
 </file>
 
-<file path=ppt/slides/slide12.xml><?xml version="1.0" encoding="utf-8"?>
+<file path=ppt/slides/slide11.xml><?xml version="1.0" encoding="utf-8"?>
 <p:sld xmlns:a="http://schemas.openxmlformats.org/drawingml/2006/main" xmlns:r="http://schemas.openxmlformats.org/officeDocument/2006/relationships" xmlns:p="http://schemas.openxmlformats.org/presentationml/2006/main">
   <p:cSld>
     <p:spTree>
@@ -9299,7 +7894,7 @@
             <a:fld id="{F89AEA99-3E91-4C58-9AD4-045DB5619AC3}" type="slidenum">
               <a:rPr lang="it-IT" smtClean="0"/>
               <a:pPr/>
-              <a:t>12</a:t>
+              <a:t>11</a:t>
             </a:fld>
             <a:endParaRPr lang="it-IT"/>
           </a:p>
@@ -9348,6 +7943,9 @@
                     <p:cTn id="3" fill="hold">
                       <p:stCondLst>
                         <p:cond delay="indefinite"/>
+                        <p:cond evt="onBegin" delay="0">
+                          <p:tn val="2"/>
+                        </p:cond>
                       </p:stCondLst>
                       <p:childTnLst>
                         <p:par>
@@ -9357,7 +7955,7 @@
                             </p:stCondLst>
                             <p:childTnLst>
                               <p:par>
-                                <p:cTn id="5" presetID="16" presetClass="entr" presetSubtype="26" fill="hold" grpId="0" nodeType="clickEffect">
+                                <p:cTn id="5" presetID="16" presetClass="entr" presetSubtype="26" fill="hold" grpId="0" nodeType="withEffect">
                                   <p:stCondLst>
                                     <p:cond delay="0"/>
                                   </p:stCondLst>
@@ -9552,7 +8150,7 @@
 </p:sld>
 </file>
 
-<file path=ppt/slides/slide13.xml><?xml version="1.0" encoding="utf-8"?>
+<file path=ppt/slides/slide12.xml><?xml version="1.0" encoding="utf-8"?>
 <p:sld xmlns:a="http://schemas.openxmlformats.org/drawingml/2006/main" xmlns:r="http://schemas.openxmlformats.org/officeDocument/2006/relationships" xmlns:p="http://schemas.openxmlformats.org/presentationml/2006/main">
   <p:cSld>
     <p:spTree>
@@ -9842,7 +8440,7 @@
             <a:fld id="{F89AEA99-3E91-4C58-9AD4-045DB5619AC3}" type="slidenum">
               <a:rPr lang="it-IT" smtClean="0"/>
               <a:pPr/>
-              <a:t>13</a:t>
+              <a:t>12</a:t>
             </a:fld>
             <a:endParaRPr lang="it-IT"/>
           </a:p>
@@ -9897,19 +8495,7 @@
             </a:r>
             <a:r>
               <a:rPr lang="it-IT" sz="2500" dirty="0" smtClean="0"/>
-              <a:t>, </a:t>
-            </a:r>
-            <a:r>
-              <a:rPr lang="it-IT" sz="2500" dirty="0" smtClean="0"/>
-              <a:t>realizzati seguendo il </a:t>
-            </a:r>
-            <a:r>
-              <a:rPr lang="it-IT" sz="2500" dirty="0" smtClean="0"/>
-              <a:t>criterio di copertura </a:t>
-            </a:r>
-            <a:r>
-              <a:rPr lang="it-IT" sz="2500" dirty="0" smtClean="0"/>
-              <a:t>debole (</a:t>
+              <a:t>, realizzati seguendo il criterio di copertura debole (</a:t>
             </a:r>
             <a:r>
               <a:rPr lang="it-IT" sz="2500" b="1" dirty="0" smtClean="0"/>
@@ -9921,11 +8507,7 @@
             </a:r>
             <a:r>
               <a:rPr lang="it-IT" sz="2500" i="1" dirty="0" smtClean="0"/>
-              <a:t>un input non valido per volta, tutti gli altri input corretti</a:t>
-            </a:r>
-            <a:r>
-              <a:rPr lang="it-IT" sz="2500" i="1" dirty="0" smtClean="0"/>
-              <a:t>.</a:t>
+              <a:t>un input non valido per volta, tutti gli altri input corretti.</a:t>
             </a:r>
             <a:endParaRPr lang="it-IT" sz="2600" dirty="0"/>
           </a:p>
@@ -10225,7 +8807,7 @@
 </p:sld>
 </file>
 
-<file path=ppt/slides/slide14.xml><?xml version="1.0" encoding="utf-8"?>
+<file path=ppt/slides/slide13.xml><?xml version="1.0" encoding="utf-8"?>
 <p:sld xmlns:a="http://schemas.openxmlformats.org/drawingml/2006/main" xmlns:r="http://schemas.openxmlformats.org/officeDocument/2006/relationships" xmlns:p="http://schemas.openxmlformats.org/presentationml/2006/main">
   <p:cSld>
     <p:spTree>
@@ -10286,264 +8868,12 @@
             <a:fld id="{F89AEA99-3E91-4C58-9AD4-045DB5619AC3}" type="slidenum">
               <a:rPr lang="it-IT" smtClean="0"/>
               <a:pPr/>
-              <a:t>14</a:t>
+              <a:t>13</a:t>
             </a:fld>
             <a:endParaRPr lang="it-IT"/>
           </a:p>
         </p:txBody>
       </p:sp>
-      <p:sp>
-        <p:nvSpPr>
-          <p:cNvPr id="5" name="Rettangolo 4"/>
-          <p:cNvSpPr/>
-          <p:nvPr/>
-        </p:nvSpPr>
-        <p:spPr>
-          <a:xfrm>
-            <a:off x="1187624" y="980728"/>
-            <a:ext cx="806631" cy="369332"/>
-          </a:xfrm>
-          <a:prstGeom prst="rect">
-            <a:avLst/>
-          </a:prstGeom>
-        </p:spPr>
-        <p:txBody>
-          <a:bodyPr wrap="none">
-            <a:spAutoFit/>
-          </a:bodyPr>
-          <a:lstStyle/>
-          <a:p>
-            <a:r>
-              <a:rPr lang="it-IT" b="1" dirty="0" smtClean="0"/>
-              <a:t>NOME</a:t>
-            </a:r>
-          </a:p>
-        </p:txBody>
-      </p:sp>
-      <p:sp>
-        <p:nvSpPr>
-          <p:cNvPr id="6" name="Rettangolo 5"/>
-          <p:cNvSpPr/>
-          <p:nvPr/>
-        </p:nvSpPr>
-        <p:spPr>
-          <a:xfrm>
-            <a:off x="467544" y="1772816"/>
-            <a:ext cx="1745799" cy="369332"/>
-          </a:xfrm>
-          <a:prstGeom prst="rect">
-            <a:avLst/>
-          </a:prstGeom>
-        </p:spPr>
-        <p:txBody>
-          <a:bodyPr wrap="none">
-            <a:spAutoFit/>
-          </a:bodyPr>
-          <a:lstStyle/>
-          <a:p>
-            <a:r>
-              <a:rPr lang="it-IT" b="1" dirty="0" smtClean="0"/>
-              <a:t>IDENTIFICATORE</a:t>
-            </a:r>
-          </a:p>
-        </p:txBody>
-      </p:sp>
-      <p:sp>
-        <p:nvSpPr>
-          <p:cNvPr id="7" name="Rettangolo 6"/>
-          <p:cNvSpPr/>
-          <p:nvPr/>
-        </p:nvSpPr>
-        <p:spPr>
-          <a:xfrm>
-            <a:off x="467544" y="2780928"/>
-            <a:ext cx="1923347" cy="369332"/>
-          </a:xfrm>
-          <a:prstGeom prst="rect">
-            <a:avLst/>
-          </a:prstGeom>
-        </p:spPr>
-        <p:txBody>
-          <a:bodyPr wrap="none">
-            <a:spAutoFit/>
-          </a:bodyPr>
-          <a:lstStyle/>
-          <a:p>
-            <a:r>
-              <a:rPr lang="it-IT" b="1" dirty="0" smtClean="0"/>
-              <a:t>ELEMENTI TESTATI</a:t>
-            </a:r>
-          </a:p>
-        </p:txBody>
-      </p:sp>
-      <p:sp>
-        <p:nvSpPr>
-          <p:cNvPr id="8" name="Rettangolo 7"/>
-          <p:cNvSpPr/>
-          <p:nvPr/>
-        </p:nvSpPr>
-        <p:spPr>
-          <a:xfrm>
-            <a:off x="1115616" y="4005064"/>
-            <a:ext cx="785793" cy="369332"/>
-          </a:xfrm>
-          <a:prstGeom prst="rect">
-            <a:avLst/>
-          </a:prstGeom>
-        </p:spPr>
-        <p:txBody>
-          <a:bodyPr wrap="none">
-            <a:spAutoFit/>
-          </a:bodyPr>
-          <a:lstStyle/>
-          <a:p>
-            <a:r>
-              <a:rPr lang="it-IT" b="1" dirty="0" smtClean="0"/>
-              <a:t>INPUT</a:t>
-            </a:r>
-          </a:p>
-        </p:txBody>
-      </p:sp>
-      <p:cxnSp>
-        <p:nvCxnSpPr>
-          <p:cNvPr id="10" name="Connettore 2 9"/>
-          <p:cNvCxnSpPr>
-            <a:stCxn id="5" idx="3"/>
-          </p:cNvCxnSpPr>
-          <p:nvPr/>
-        </p:nvCxnSpPr>
-        <p:spPr>
-          <a:xfrm flipV="1">
-            <a:off x="1994255" y="1052736"/>
-            <a:ext cx="993569" cy="112658"/>
-          </a:xfrm>
-          <a:prstGeom prst="straightConnector1">
-            <a:avLst/>
-          </a:prstGeom>
-          <a:ln w="28575">
-            <a:tailEnd type="arrow"/>
-          </a:ln>
-        </p:spPr>
-        <p:style>
-          <a:lnRef idx="1">
-            <a:schemeClr val="accent1"/>
-          </a:lnRef>
-          <a:fillRef idx="0">
-            <a:schemeClr val="accent1"/>
-          </a:fillRef>
-          <a:effectRef idx="0">
-            <a:schemeClr val="accent1"/>
-          </a:effectRef>
-          <a:fontRef idx="minor">
-            <a:schemeClr val="tx1"/>
-          </a:fontRef>
-        </p:style>
-      </p:cxnSp>
-      <p:cxnSp>
-        <p:nvCxnSpPr>
-          <p:cNvPr id="11" name="Connettore 2 10"/>
-          <p:cNvCxnSpPr>
-            <a:stCxn id="6" idx="3"/>
-          </p:cNvCxnSpPr>
-          <p:nvPr/>
-        </p:nvCxnSpPr>
-        <p:spPr>
-          <a:xfrm flipV="1">
-            <a:off x="2213343" y="1412776"/>
-            <a:ext cx="774481" cy="544706"/>
-          </a:xfrm>
-          <a:prstGeom prst="straightConnector1">
-            <a:avLst/>
-          </a:prstGeom>
-          <a:ln w="28575">
-            <a:tailEnd type="arrow"/>
-          </a:ln>
-        </p:spPr>
-        <p:style>
-          <a:lnRef idx="1">
-            <a:schemeClr val="accent1"/>
-          </a:lnRef>
-          <a:fillRef idx="0">
-            <a:schemeClr val="accent1"/>
-          </a:fillRef>
-          <a:effectRef idx="0">
-            <a:schemeClr val="accent1"/>
-          </a:effectRef>
-          <a:fontRef idx="minor">
-            <a:schemeClr val="tx1"/>
-          </a:fontRef>
-        </p:style>
-      </p:cxnSp>
-      <p:cxnSp>
-        <p:nvCxnSpPr>
-          <p:cNvPr id="15" name="Connettore 2 14"/>
-          <p:cNvCxnSpPr>
-            <a:stCxn id="7" idx="3"/>
-          </p:cNvCxnSpPr>
-          <p:nvPr/>
-        </p:nvCxnSpPr>
-        <p:spPr>
-          <a:xfrm flipV="1">
-            <a:off x="2390891" y="2636912"/>
-            <a:ext cx="596933" cy="328682"/>
-          </a:xfrm>
-          <a:prstGeom prst="straightConnector1">
-            <a:avLst/>
-          </a:prstGeom>
-          <a:ln w="28575">
-            <a:tailEnd type="arrow"/>
-          </a:ln>
-        </p:spPr>
-        <p:style>
-          <a:lnRef idx="1">
-            <a:schemeClr val="accent1"/>
-          </a:lnRef>
-          <a:fillRef idx="0">
-            <a:schemeClr val="accent1"/>
-          </a:fillRef>
-          <a:effectRef idx="0">
-            <a:schemeClr val="accent1"/>
-          </a:effectRef>
-          <a:fontRef idx="minor">
-            <a:schemeClr val="tx1"/>
-          </a:fontRef>
-        </p:style>
-      </p:cxnSp>
-      <p:cxnSp>
-        <p:nvCxnSpPr>
-          <p:cNvPr id="19" name="Connettore 2 18"/>
-          <p:cNvCxnSpPr>
-            <a:stCxn id="8" idx="3"/>
-          </p:cNvCxnSpPr>
-          <p:nvPr/>
-        </p:nvCxnSpPr>
-        <p:spPr>
-          <a:xfrm flipV="1">
-            <a:off x="1901409" y="3429000"/>
-            <a:ext cx="1014407" cy="760730"/>
-          </a:xfrm>
-          <a:prstGeom prst="straightConnector1">
-            <a:avLst/>
-          </a:prstGeom>
-          <a:ln w="28575">
-            <a:tailEnd type="arrow"/>
-          </a:ln>
-        </p:spPr>
-        <p:style>
-          <a:lnRef idx="1">
-            <a:schemeClr val="accent1"/>
-          </a:lnRef>
-          <a:fillRef idx="0">
-            <a:schemeClr val="accent1"/>
-          </a:fillRef>
-          <a:effectRef idx="0">
-            <a:schemeClr val="accent1"/>
-          </a:effectRef>
-          <a:fontRef idx="minor">
-            <a:schemeClr val="tx1"/>
-          </a:fontRef>
-        </p:style>
-      </p:cxnSp>
     </p:spTree>
   </p:cSld>
   <p:clrMapOvr>
@@ -10552,387 +8882,14 @@
   <p:timing>
     <p:tnLst>
       <p:par>
-        <p:cTn id="1" dur="indefinite" restart="never" nodeType="tmRoot">
-          <p:childTnLst>
-            <p:seq concurrent="1" nextAc="seek">
-              <p:cTn id="2" dur="indefinite" nodeType="mainSeq">
-                <p:childTnLst>
-                  <p:par>
-                    <p:cTn id="3" fill="hold">
-                      <p:stCondLst>
-                        <p:cond delay="indefinite"/>
-                        <p:cond evt="onBegin" delay="0">
-                          <p:tn val="2"/>
-                        </p:cond>
-                      </p:stCondLst>
-                      <p:childTnLst>
-                        <p:par>
-                          <p:cTn id="4" fill="hold">
-                            <p:stCondLst>
-                              <p:cond delay="0"/>
-                            </p:stCondLst>
-                            <p:childTnLst>
-                              <p:par>
-                                <p:cTn id="5" presetID="6" presetClass="entr" presetSubtype="16" fill="hold" nodeType="withEffect">
-                                  <p:stCondLst>
-                                    <p:cond delay="0"/>
-                                  </p:stCondLst>
-                                  <p:childTnLst>
-                                    <p:set>
-                                      <p:cBhvr>
-                                        <p:cTn id="6" dur="1" fill="hold">
-                                          <p:stCondLst>
-                                            <p:cond delay="0"/>
-                                          </p:stCondLst>
-                                        </p:cTn>
-                                        <p:tgtEl>
-                                          <p:spTgt spid="2052"/>
-                                        </p:tgtEl>
-                                        <p:attrNameLst>
-                                          <p:attrName>style.visibility</p:attrName>
-                                        </p:attrNameLst>
-                                      </p:cBhvr>
-                                      <p:to>
-                                        <p:strVal val="visible"/>
-                                      </p:to>
-                                    </p:set>
-                                    <p:animEffect transition="in" filter="circle(in)">
-                                      <p:cBhvr>
-                                        <p:cTn id="7" dur="1000"/>
-                                        <p:tgtEl>
-                                          <p:spTgt spid="2052"/>
-                                        </p:tgtEl>
-                                      </p:cBhvr>
-                                    </p:animEffect>
-                                  </p:childTnLst>
-                                </p:cTn>
-                              </p:par>
-                            </p:childTnLst>
-                          </p:cTn>
-                        </p:par>
-                      </p:childTnLst>
-                    </p:cTn>
-                  </p:par>
-                  <p:par>
-                    <p:cTn id="8" fill="hold">
-                      <p:stCondLst>
-                        <p:cond delay="indefinite"/>
-                      </p:stCondLst>
-                      <p:childTnLst>
-                        <p:par>
-                          <p:cTn id="9" fill="hold">
-                            <p:stCondLst>
-                              <p:cond delay="0"/>
-                            </p:stCondLst>
-                            <p:childTnLst>
-                              <p:par>
-                                <p:cTn id="10" presetID="1" presetClass="entr" presetSubtype="0" fill="hold" grpId="0" nodeType="clickEffect">
-                                  <p:stCondLst>
-                                    <p:cond delay="0"/>
-                                  </p:stCondLst>
-                                  <p:childTnLst>
-                                    <p:set>
-                                      <p:cBhvr>
-                                        <p:cTn id="11" dur="1" fill="hold">
-                                          <p:stCondLst>
-                                            <p:cond delay="0"/>
-                                          </p:stCondLst>
-                                        </p:cTn>
-                                        <p:tgtEl>
-                                          <p:spTgt spid="5"/>
-                                        </p:tgtEl>
-                                        <p:attrNameLst>
-                                          <p:attrName>style.visibility</p:attrName>
-                                        </p:attrNameLst>
-                                      </p:cBhvr>
-                                      <p:to>
-                                        <p:strVal val="visible"/>
-                                      </p:to>
-                                    </p:set>
-                                  </p:childTnLst>
-                                </p:cTn>
-                              </p:par>
-                              <p:par>
-                                <p:cTn id="12" presetID="1" presetClass="entr" presetSubtype="0" fill="hold" nodeType="withEffect">
-                                  <p:stCondLst>
-                                    <p:cond delay="0"/>
-                                  </p:stCondLst>
-                                  <p:childTnLst>
-                                    <p:set>
-                                      <p:cBhvr>
-                                        <p:cTn id="13" dur="1" fill="hold">
-                                          <p:stCondLst>
-                                            <p:cond delay="0"/>
-                                          </p:stCondLst>
-                                        </p:cTn>
-                                        <p:tgtEl>
-                                          <p:spTgt spid="10"/>
-                                        </p:tgtEl>
-                                        <p:attrNameLst>
-                                          <p:attrName>style.visibility</p:attrName>
-                                        </p:attrNameLst>
-                                      </p:cBhvr>
-                                      <p:to>
-                                        <p:strVal val="visible"/>
-                                      </p:to>
-                                    </p:set>
-                                  </p:childTnLst>
-                                </p:cTn>
-                              </p:par>
-                            </p:childTnLst>
-                          </p:cTn>
-                        </p:par>
-                      </p:childTnLst>
-                    </p:cTn>
-                  </p:par>
-                  <p:par>
-                    <p:cTn id="14" fill="hold">
-                      <p:stCondLst>
-                        <p:cond delay="indefinite"/>
-                      </p:stCondLst>
-                      <p:childTnLst>
-                        <p:par>
-                          <p:cTn id="15" fill="hold">
-                            <p:stCondLst>
-                              <p:cond delay="0"/>
-                            </p:stCondLst>
-                            <p:childTnLst>
-                              <p:par>
-                                <p:cTn id="16" presetID="1" presetClass="entr" presetSubtype="0" fill="hold" grpId="0" nodeType="clickEffect">
-                                  <p:stCondLst>
-                                    <p:cond delay="0"/>
-                                  </p:stCondLst>
-                                  <p:childTnLst>
-                                    <p:set>
-                                      <p:cBhvr>
-                                        <p:cTn id="17" dur="1" fill="hold">
-                                          <p:stCondLst>
-                                            <p:cond delay="0"/>
-                                          </p:stCondLst>
-                                        </p:cTn>
-                                        <p:tgtEl>
-                                          <p:spTgt spid="6"/>
-                                        </p:tgtEl>
-                                        <p:attrNameLst>
-                                          <p:attrName>style.visibility</p:attrName>
-                                        </p:attrNameLst>
-                                      </p:cBhvr>
-                                      <p:to>
-                                        <p:strVal val="visible"/>
-                                      </p:to>
-                                    </p:set>
-                                  </p:childTnLst>
-                                </p:cTn>
-                              </p:par>
-                              <p:par>
-                                <p:cTn id="18" presetID="1" presetClass="entr" presetSubtype="0" fill="hold" nodeType="withEffect">
-                                  <p:stCondLst>
-                                    <p:cond delay="0"/>
-                                  </p:stCondLst>
-                                  <p:childTnLst>
-                                    <p:set>
-                                      <p:cBhvr>
-                                        <p:cTn id="19" dur="1" fill="hold">
-                                          <p:stCondLst>
-                                            <p:cond delay="0"/>
-                                          </p:stCondLst>
-                                        </p:cTn>
-                                        <p:tgtEl>
-                                          <p:spTgt spid="11"/>
-                                        </p:tgtEl>
-                                        <p:attrNameLst>
-                                          <p:attrName>style.visibility</p:attrName>
-                                        </p:attrNameLst>
-                                      </p:cBhvr>
-                                      <p:to>
-                                        <p:strVal val="visible"/>
-                                      </p:to>
-                                    </p:set>
-                                  </p:childTnLst>
-                                </p:cTn>
-                              </p:par>
-                            </p:childTnLst>
-                          </p:cTn>
-                        </p:par>
-                      </p:childTnLst>
-                    </p:cTn>
-                  </p:par>
-                  <p:par>
-                    <p:cTn id="20" fill="hold">
-                      <p:stCondLst>
-                        <p:cond delay="indefinite"/>
-                      </p:stCondLst>
-                      <p:childTnLst>
-                        <p:par>
-                          <p:cTn id="21" fill="hold">
-                            <p:stCondLst>
-                              <p:cond delay="0"/>
-                            </p:stCondLst>
-                            <p:childTnLst>
-                              <p:par>
-                                <p:cTn id="22" presetID="1" presetClass="entr" presetSubtype="0" fill="hold" grpId="0" nodeType="clickEffect">
-                                  <p:stCondLst>
-                                    <p:cond delay="0"/>
-                                  </p:stCondLst>
-                                  <p:childTnLst>
-                                    <p:set>
-                                      <p:cBhvr>
-                                        <p:cTn id="23" dur="1" fill="hold">
-                                          <p:stCondLst>
-                                            <p:cond delay="0"/>
-                                          </p:stCondLst>
-                                        </p:cTn>
-                                        <p:tgtEl>
-                                          <p:spTgt spid="7"/>
-                                        </p:tgtEl>
-                                        <p:attrNameLst>
-                                          <p:attrName>style.visibility</p:attrName>
-                                        </p:attrNameLst>
-                                      </p:cBhvr>
-                                      <p:to>
-                                        <p:strVal val="visible"/>
-                                      </p:to>
-                                    </p:set>
-                                  </p:childTnLst>
-                                </p:cTn>
-                              </p:par>
-                              <p:par>
-                                <p:cTn id="24" presetID="1" presetClass="entr" presetSubtype="0" fill="hold" nodeType="withEffect">
-                                  <p:stCondLst>
-                                    <p:cond delay="0"/>
-                                  </p:stCondLst>
-                                  <p:childTnLst>
-                                    <p:set>
-                                      <p:cBhvr>
-                                        <p:cTn id="25" dur="1" fill="hold">
-                                          <p:stCondLst>
-                                            <p:cond delay="0"/>
-                                          </p:stCondLst>
-                                        </p:cTn>
-                                        <p:tgtEl>
-                                          <p:spTgt spid="15"/>
-                                        </p:tgtEl>
-                                        <p:attrNameLst>
-                                          <p:attrName>style.visibility</p:attrName>
-                                        </p:attrNameLst>
-                                      </p:cBhvr>
-                                      <p:to>
-                                        <p:strVal val="visible"/>
-                                      </p:to>
-                                    </p:set>
-                                  </p:childTnLst>
-                                </p:cTn>
-                              </p:par>
-                            </p:childTnLst>
-                          </p:cTn>
-                        </p:par>
-                      </p:childTnLst>
-                    </p:cTn>
-                  </p:par>
-                  <p:par>
-                    <p:cTn id="26" fill="hold">
-                      <p:stCondLst>
-                        <p:cond delay="indefinite"/>
-                      </p:stCondLst>
-                      <p:childTnLst>
-                        <p:par>
-                          <p:cTn id="27" fill="hold">
-                            <p:stCondLst>
-                              <p:cond delay="0"/>
-                            </p:stCondLst>
-                            <p:childTnLst>
-                              <p:par>
-                                <p:cTn id="28" presetID="1" presetClass="entr" presetSubtype="0" fill="hold" grpId="0" nodeType="clickEffect">
-                                  <p:stCondLst>
-                                    <p:cond delay="0"/>
-                                  </p:stCondLst>
-                                  <p:childTnLst>
-                                    <p:set>
-                                      <p:cBhvr>
-                                        <p:cTn id="29" dur="1" fill="hold">
-                                          <p:stCondLst>
-                                            <p:cond delay="0"/>
-                                          </p:stCondLst>
-                                        </p:cTn>
-                                        <p:tgtEl>
-                                          <p:spTgt spid="8"/>
-                                        </p:tgtEl>
-                                        <p:attrNameLst>
-                                          <p:attrName>style.visibility</p:attrName>
-                                        </p:attrNameLst>
-                                      </p:cBhvr>
-                                      <p:to>
-                                        <p:strVal val="visible"/>
-                                      </p:to>
-                                    </p:set>
-                                  </p:childTnLst>
-                                </p:cTn>
-                              </p:par>
-                              <p:par>
-                                <p:cTn id="30" presetID="1" presetClass="entr" presetSubtype="0" fill="hold" nodeType="withEffect">
-                                  <p:stCondLst>
-                                    <p:cond delay="0"/>
-                                  </p:stCondLst>
-                                  <p:childTnLst>
-                                    <p:set>
-                                      <p:cBhvr>
-                                        <p:cTn id="31" dur="1" fill="hold">
-                                          <p:stCondLst>
-                                            <p:cond delay="0"/>
-                                          </p:stCondLst>
-                                        </p:cTn>
-                                        <p:tgtEl>
-                                          <p:spTgt spid="19"/>
-                                        </p:tgtEl>
-                                        <p:attrNameLst>
-                                          <p:attrName>style.visibility</p:attrName>
-                                        </p:attrNameLst>
-                                      </p:cBhvr>
-                                      <p:to>
-                                        <p:strVal val="visible"/>
-                                      </p:to>
-                                    </p:set>
-                                  </p:childTnLst>
-                                </p:cTn>
-                              </p:par>
-                            </p:childTnLst>
-                          </p:cTn>
-                        </p:par>
-                      </p:childTnLst>
-                    </p:cTn>
-                  </p:par>
-                </p:childTnLst>
-              </p:cTn>
-              <p:prevCondLst>
-                <p:cond evt="onPrev" delay="0">
-                  <p:tgtEl>
-                    <p:sldTgt/>
-                  </p:tgtEl>
-                </p:cond>
-              </p:prevCondLst>
-              <p:nextCondLst>
-                <p:cond evt="onNext" delay="0">
-                  <p:tgtEl>
-                    <p:sldTgt/>
-                  </p:tgtEl>
-                </p:cond>
-              </p:nextCondLst>
-            </p:seq>
-          </p:childTnLst>
-        </p:cTn>
+        <p:cTn id="1" dur="indefinite" restart="never" nodeType="tmRoot"/>
       </p:par>
     </p:tnLst>
-    <p:bldLst>
-      <p:bldP spid="5" grpId="0"/>
-      <p:bldP spid="6" grpId="0"/>
-      <p:bldP spid="7" grpId="0"/>
-      <p:bldP spid="8" grpId="0"/>
-    </p:bldLst>
   </p:timing>
 </p:sld>
 </file>
 
-<file path=ppt/slides/slide15.xml><?xml version="1.0" encoding="utf-8"?>
+<file path=ppt/slides/slide14.xml><?xml version="1.0" encoding="utf-8"?>
 <p:sld xmlns:a="http://schemas.openxmlformats.org/drawingml/2006/main" xmlns:r="http://schemas.openxmlformats.org/officeDocument/2006/relationships" xmlns:p="http://schemas.openxmlformats.org/presentationml/2006/main">
   <p:cSld>
     <p:spTree>
@@ -10993,329 +8950,12 @@
             <a:fld id="{F89AEA99-3E91-4C58-9AD4-045DB5619AC3}" type="slidenum">
               <a:rPr lang="it-IT" smtClean="0"/>
               <a:pPr/>
-              <a:t>15</a:t>
+              <a:t>14</a:t>
             </a:fld>
             <a:endParaRPr lang="it-IT"/>
           </a:p>
         </p:txBody>
       </p:sp>
-      <p:sp>
-        <p:nvSpPr>
-          <p:cNvPr id="5" name="Rettangolo 4"/>
-          <p:cNvSpPr/>
-          <p:nvPr/>
-        </p:nvSpPr>
-        <p:spPr>
-          <a:xfrm>
-            <a:off x="766476" y="1412776"/>
-            <a:ext cx="1008112" cy="369332"/>
-          </a:xfrm>
-          <a:prstGeom prst="rect">
-            <a:avLst/>
-          </a:prstGeom>
-        </p:spPr>
-        <p:txBody>
-          <a:bodyPr wrap="square">
-            <a:spAutoFit/>
-          </a:bodyPr>
-          <a:lstStyle/>
-          <a:p>
-            <a:r>
-              <a:rPr lang="it-IT" b="1" dirty="0" smtClean="0"/>
-              <a:t>OUTPUT</a:t>
-            </a:r>
-          </a:p>
-        </p:txBody>
-      </p:sp>
-      <p:cxnSp>
-        <p:nvCxnSpPr>
-          <p:cNvPr id="6" name="Connettore 2 5"/>
-          <p:cNvCxnSpPr/>
-          <p:nvPr/>
-        </p:nvCxnSpPr>
-        <p:spPr>
-          <a:xfrm flipV="1">
-            <a:off x="1774588" y="1124744"/>
-            <a:ext cx="720080" cy="432048"/>
-          </a:xfrm>
-          <a:prstGeom prst="straightConnector1">
-            <a:avLst/>
-          </a:prstGeom>
-          <a:ln w="28575">
-            <a:tailEnd type="arrow"/>
-          </a:ln>
-        </p:spPr>
-        <p:style>
-          <a:lnRef idx="1">
-            <a:schemeClr val="accent1"/>
-          </a:lnRef>
-          <a:fillRef idx="0">
-            <a:schemeClr val="accent1"/>
-          </a:fillRef>
-          <a:effectRef idx="0">
-            <a:schemeClr val="accent1"/>
-          </a:effectRef>
-          <a:fontRef idx="minor">
-            <a:schemeClr val="tx1"/>
-          </a:fontRef>
-        </p:style>
-      </p:cxnSp>
-      <p:sp>
-        <p:nvSpPr>
-          <p:cNvPr id="10" name="Rettangolo 9"/>
-          <p:cNvSpPr/>
-          <p:nvPr/>
-        </p:nvSpPr>
-        <p:spPr>
-          <a:xfrm>
-            <a:off x="622460" y="3645024"/>
-            <a:ext cx="1440160" cy="369332"/>
-          </a:xfrm>
-          <a:prstGeom prst="rect">
-            <a:avLst/>
-          </a:prstGeom>
-        </p:spPr>
-        <p:txBody>
-          <a:bodyPr wrap="square">
-            <a:spAutoFit/>
-          </a:bodyPr>
-          <a:lstStyle/>
-          <a:p>
-            <a:r>
-              <a:rPr lang="it-IT" b="1" dirty="0" smtClean="0"/>
-              <a:t>TEST FRAME</a:t>
-            </a:r>
-          </a:p>
-        </p:txBody>
-      </p:sp>
-      <p:cxnSp>
-        <p:nvCxnSpPr>
-          <p:cNvPr id="11" name="Connettore 2 10"/>
-          <p:cNvCxnSpPr>
-            <a:stCxn id="10" idx="3"/>
-          </p:cNvCxnSpPr>
-          <p:nvPr/>
-        </p:nvCxnSpPr>
-        <p:spPr>
-          <a:xfrm>
-            <a:off x="2062620" y="3829690"/>
-            <a:ext cx="504056" cy="175374"/>
-          </a:xfrm>
-          <a:prstGeom prst="straightConnector1">
-            <a:avLst/>
-          </a:prstGeom>
-          <a:ln w="28575">
-            <a:tailEnd type="arrow"/>
-          </a:ln>
-        </p:spPr>
-        <p:style>
-          <a:lnRef idx="1">
-            <a:schemeClr val="accent1"/>
-          </a:lnRef>
-          <a:fillRef idx="0">
-            <a:schemeClr val="accent1"/>
-          </a:fillRef>
-          <a:effectRef idx="0">
-            <a:schemeClr val="accent1"/>
-          </a:effectRef>
-          <a:fontRef idx="minor">
-            <a:schemeClr val="tx1"/>
-          </a:fontRef>
-        </p:style>
-      </p:cxnSp>
-      <p:sp>
-        <p:nvSpPr>
-          <p:cNvPr id="20" name="Rettangolo 19"/>
-          <p:cNvSpPr/>
-          <p:nvPr/>
-        </p:nvSpPr>
-        <p:spPr>
-          <a:xfrm>
-            <a:off x="910492" y="4509120"/>
-            <a:ext cx="1152128" cy="369332"/>
-          </a:xfrm>
-          <a:prstGeom prst="rect">
-            <a:avLst/>
-          </a:prstGeom>
-        </p:spPr>
-        <p:txBody>
-          <a:bodyPr wrap="square">
-            <a:spAutoFit/>
-          </a:bodyPr>
-          <a:lstStyle/>
-          <a:p>
-            <a:r>
-              <a:rPr lang="it-IT" b="1" dirty="0" smtClean="0"/>
-              <a:t>VINCOLI</a:t>
-            </a:r>
-          </a:p>
-        </p:txBody>
-      </p:sp>
-      <p:cxnSp>
-        <p:nvCxnSpPr>
-          <p:cNvPr id="21" name="Connettore 2 20"/>
-          <p:cNvCxnSpPr>
-            <a:stCxn id="20" idx="3"/>
-          </p:cNvCxnSpPr>
-          <p:nvPr/>
-        </p:nvCxnSpPr>
-        <p:spPr>
-          <a:xfrm>
-            <a:off x="2062620" y="4693786"/>
-            <a:ext cx="504056" cy="247382"/>
-          </a:xfrm>
-          <a:prstGeom prst="straightConnector1">
-            <a:avLst/>
-          </a:prstGeom>
-          <a:ln w="28575">
-            <a:tailEnd type="arrow"/>
-          </a:ln>
-        </p:spPr>
-        <p:style>
-          <a:lnRef idx="1">
-            <a:schemeClr val="accent1"/>
-          </a:lnRef>
-          <a:fillRef idx="0">
-            <a:schemeClr val="accent1"/>
-          </a:fillRef>
-          <a:effectRef idx="0">
-            <a:schemeClr val="accent1"/>
-          </a:effectRef>
-          <a:fontRef idx="minor">
-            <a:schemeClr val="tx1"/>
-          </a:fontRef>
-        </p:style>
-      </p:cxnSp>
-      <p:sp>
-        <p:nvSpPr>
-          <p:cNvPr id="23" name="Rettangolo 22"/>
-          <p:cNvSpPr/>
-          <p:nvPr/>
-        </p:nvSpPr>
-        <p:spPr>
-          <a:xfrm>
-            <a:off x="550452" y="5157192"/>
-            <a:ext cx="1656184" cy="646331"/>
-          </a:xfrm>
-          <a:prstGeom prst="rect">
-            <a:avLst/>
-          </a:prstGeom>
-        </p:spPr>
-        <p:txBody>
-          <a:bodyPr wrap="square">
-            <a:spAutoFit/>
-          </a:bodyPr>
-          <a:lstStyle/>
-          <a:p>
-            <a:r>
-              <a:rPr lang="it-IT" b="1" dirty="0" smtClean="0"/>
-              <a:t>REQUISITI</a:t>
-            </a:r>
-          </a:p>
-          <a:p>
-            <a:r>
-              <a:rPr lang="it-IT" b="1" dirty="0" smtClean="0"/>
-              <a:t>PROCEDURALI</a:t>
-            </a:r>
-          </a:p>
-        </p:txBody>
-      </p:sp>
-      <p:cxnSp>
-        <p:nvCxnSpPr>
-          <p:cNvPr id="24" name="Connettore 2 23"/>
-          <p:cNvCxnSpPr>
-            <a:stCxn id="23" idx="3"/>
-          </p:cNvCxnSpPr>
-          <p:nvPr/>
-        </p:nvCxnSpPr>
-        <p:spPr>
-          <a:xfrm flipV="1">
-            <a:off x="2206636" y="5445226"/>
-            <a:ext cx="360040" cy="35132"/>
-          </a:xfrm>
-          <a:prstGeom prst="straightConnector1">
-            <a:avLst/>
-          </a:prstGeom>
-          <a:ln w="28575">
-            <a:tailEnd type="arrow"/>
-          </a:ln>
-        </p:spPr>
-        <p:style>
-          <a:lnRef idx="1">
-            <a:schemeClr val="accent1"/>
-          </a:lnRef>
-          <a:fillRef idx="0">
-            <a:schemeClr val="accent1"/>
-          </a:fillRef>
-          <a:effectRef idx="0">
-            <a:schemeClr val="accent1"/>
-          </a:effectRef>
-          <a:fontRef idx="minor">
-            <a:schemeClr val="tx1"/>
-          </a:fontRef>
-        </p:style>
-      </p:cxnSp>
-      <p:sp>
-        <p:nvSpPr>
-          <p:cNvPr id="31" name="Rettangolo 30"/>
-          <p:cNvSpPr/>
-          <p:nvPr/>
-        </p:nvSpPr>
-        <p:spPr>
-          <a:xfrm>
-            <a:off x="694468" y="5949280"/>
-            <a:ext cx="1656184" cy="369332"/>
-          </a:xfrm>
-          <a:prstGeom prst="rect">
-            <a:avLst/>
-          </a:prstGeom>
-        </p:spPr>
-        <p:txBody>
-          <a:bodyPr wrap="square">
-            <a:spAutoFit/>
-          </a:bodyPr>
-          <a:lstStyle/>
-          <a:p>
-            <a:r>
-              <a:rPr lang="it-IT" b="1" dirty="0" smtClean="0"/>
-              <a:t>DIPENDENZE</a:t>
-            </a:r>
-          </a:p>
-        </p:txBody>
-      </p:sp>
-      <p:cxnSp>
-        <p:nvCxnSpPr>
-          <p:cNvPr id="32" name="Connettore 2 31"/>
-          <p:cNvCxnSpPr/>
-          <p:nvPr/>
-        </p:nvCxnSpPr>
-        <p:spPr>
-          <a:xfrm flipV="1">
-            <a:off x="2134628" y="5877272"/>
-            <a:ext cx="432048" cy="251156"/>
-          </a:xfrm>
-          <a:prstGeom prst="straightConnector1">
-            <a:avLst/>
-          </a:prstGeom>
-          <a:ln w="28575">
-            <a:tailEnd type="arrow"/>
-          </a:ln>
-        </p:spPr>
-        <p:style>
-          <a:lnRef idx="1">
-            <a:schemeClr val="accent1"/>
-          </a:lnRef>
-          <a:fillRef idx="0">
-            <a:schemeClr val="accent1"/>
-          </a:fillRef>
-          <a:effectRef idx="0">
-            <a:schemeClr val="accent1"/>
-          </a:effectRef>
-          <a:fontRef idx="minor">
-            <a:schemeClr val="tx1"/>
-          </a:fontRef>
-        </p:style>
-      </p:cxnSp>
     </p:spTree>
   </p:cSld>
   <p:clrMapOvr>
@@ -11324,404 +8964,14 @@
   <p:timing>
     <p:tnLst>
       <p:par>
-        <p:cTn id="1" dur="indefinite" restart="never" nodeType="tmRoot">
-          <p:childTnLst>
-            <p:seq concurrent="1" nextAc="seek">
-              <p:cTn id="2" dur="indefinite" nodeType="mainSeq">
-                <p:childTnLst>
-                  <p:par>
-                    <p:cTn id="3" fill="hold">
-                      <p:stCondLst>
-                        <p:cond delay="indefinite"/>
-                      </p:stCondLst>
-                      <p:childTnLst>
-                        <p:par>
-                          <p:cTn id="4" fill="hold">
-                            <p:stCondLst>
-                              <p:cond delay="0"/>
-                            </p:stCondLst>
-                            <p:childTnLst>
-                              <p:par>
-                                <p:cTn id="5" presetID="1" presetClass="entr" presetSubtype="0" fill="hold" grpId="0" nodeType="clickEffect">
-                                  <p:stCondLst>
-                                    <p:cond delay="0"/>
-                                  </p:stCondLst>
-                                  <p:childTnLst>
-                                    <p:set>
-                                      <p:cBhvr>
-                                        <p:cTn id="6" dur="1" fill="hold">
-                                          <p:stCondLst>
-                                            <p:cond delay="0"/>
-                                          </p:stCondLst>
-                                        </p:cTn>
-                                        <p:tgtEl>
-                                          <p:spTgt spid="5"/>
-                                        </p:tgtEl>
-                                        <p:attrNameLst>
-                                          <p:attrName>style.visibility</p:attrName>
-                                        </p:attrNameLst>
-                                      </p:cBhvr>
-                                      <p:to>
-                                        <p:strVal val="visible"/>
-                                      </p:to>
-                                    </p:set>
-                                  </p:childTnLst>
-                                </p:cTn>
-                              </p:par>
-                              <p:par>
-                                <p:cTn id="7" presetID="1" presetClass="entr" presetSubtype="0" fill="hold" nodeType="withEffect">
-                                  <p:stCondLst>
-                                    <p:cond delay="0"/>
-                                  </p:stCondLst>
-                                  <p:childTnLst>
-                                    <p:set>
-                                      <p:cBhvr>
-                                        <p:cTn id="8" dur="1" fill="hold">
-                                          <p:stCondLst>
-                                            <p:cond delay="0"/>
-                                          </p:stCondLst>
-                                        </p:cTn>
-                                        <p:tgtEl>
-                                          <p:spTgt spid="6"/>
-                                        </p:tgtEl>
-                                        <p:attrNameLst>
-                                          <p:attrName>style.visibility</p:attrName>
-                                        </p:attrNameLst>
-                                      </p:cBhvr>
-                                      <p:to>
-                                        <p:strVal val="visible"/>
-                                      </p:to>
-                                    </p:set>
-                                  </p:childTnLst>
-                                </p:cTn>
-                              </p:par>
-                            </p:childTnLst>
-                          </p:cTn>
-                        </p:par>
-                      </p:childTnLst>
-                    </p:cTn>
-                  </p:par>
-                  <p:par>
-                    <p:cTn id="9" fill="hold">
-                      <p:stCondLst>
-                        <p:cond delay="indefinite"/>
-                      </p:stCondLst>
-                      <p:childTnLst>
-                        <p:par>
-                          <p:cTn id="10" fill="hold">
-                            <p:stCondLst>
-                              <p:cond delay="0"/>
-                            </p:stCondLst>
-                            <p:childTnLst>
-                              <p:par>
-                                <p:cTn id="11" presetID="1" presetClass="entr" presetSubtype="0" fill="hold" grpId="0" nodeType="clickEffect">
-                                  <p:stCondLst>
-                                    <p:cond delay="0"/>
-                                  </p:stCondLst>
-                                  <p:childTnLst>
-                                    <p:set>
-                                      <p:cBhvr>
-                                        <p:cTn id="12" dur="1" fill="hold">
-                                          <p:stCondLst>
-                                            <p:cond delay="0"/>
-                                          </p:stCondLst>
-                                        </p:cTn>
-                                        <p:tgtEl>
-                                          <p:spTgt spid="10"/>
-                                        </p:tgtEl>
-                                        <p:attrNameLst>
-                                          <p:attrName>style.visibility</p:attrName>
-                                        </p:attrNameLst>
-                                      </p:cBhvr>
-                                      <p:to>
-                                        <p:strVal val="visible"/>
-                                      </p:to>
-                                    </p:set>
-                                  </p:childTnLst>
-                                </p:cTn>
-                              </p:par>
-                              <p:par>
-                                <p:cTn id="13" presetID="1" presetClass="entr" presetSubtype="0" fill="hold" nodeType="withEffect">
-                                  <p:stCondLst>
-                                    <p:cond delay="0"/>
-                                  </p:stCondLst>
-                                  <p:childTnLst>
-                                    <p:set>
-                                      <p:cBhvr>
-                                        <p:cTn id="14" dur="1" fill="hold">
-                                          <p:stCondLst>
-                                            <p:cond delay="0"/>
-                                          </p:stCondLst>
-                                        </p:cTn>
-                                        <p:tgtEl>
-                                          <p:spTgt spid="11"/>
-                                        </p:tgtEl>
-                                        <p:attrNameLst>
-                                          <p:attrName>style.visibility</p:attrName>
-                                        </p:attrNameLst>
-                                      </p:cBhvr>
-                                      <p:to>
-                                        <p:strVal val="visible"/>
-                                      </p:to>
-                                    </p:set>
-                                  </p:childTnLst>
-                                </p:cTn>
-                              </p:par>
-                            </p:childTnLst>
-                          </p:cTn>
-                        </p:par>
-                      </p:childTnLst>
-                    </p:cTn>
-                  </p:par>
-                  <p:par>
-                    <p:cTn id="15" fill="hold">
-                      <p:stCondLst>
-                        <p:cond delay="indefinite"/>
-                      </p:stCondLst>
-                      <p:childTnLst>
-                        <p:par>
-                          <p:cTn id="16" fill="hold">
-                            <p:stCondLst>
-                              <p:cond delay="0"/>
-                            </p:stCondLst>
-                            <p:childTnLst>
-                              <p:par>
-                                <p:cTn id="17" presetID="1" presetClass="entr" presetSubtype="0" fill="hold" grpId="0" nodeType="clickEffect">
-                                  <p:stCondLst>
-                                    <p:cond delay="0"/>
-                                  </p:stCondLst>
-                                  <p:childTnLst>
-                                    <p:set>
-                                      <p:cBhvr>
-                                        <p:cTn id="18" dur="1" fill="hold">
-                                          <p:stCondLst>
-                                            <p:cond delay="0"/>
-                                          </p:stCondLst>
-                                        </p:cTn>
-                                        <p:tgtEl>
-                                          <p:spTgt spid="20"/>
-                                        </p:tgtEl>
-                                        <p:attrNameLst>
-                                          <p:attrName>style.visibility</p:attrName>
-                                        </p:attrNameLst>
-                                      </p:cBhvr>
-                                      <p:to>
-                                        <p:strVal val="visible"/>
-                                      </p:to>
-                                    </p:set>
-                                  </p:childTnLst>
-                                </p:cTn>
-                              </p:par>
-                              <p:par>
-                                <p:cTn id="19" presetID="1" presetClass="entr" presetSubtype="0" fill="hold" nodeType="withEffect">
-                                  <p:stCondLst>
-                                    <p:cond delay="0"/>
-                                  </p:stCondLst>
-                                  <p:childTnLst>
-                                    <p:set>
-                                      <p:cBhvr>
-                                        <p:cTn id="20" dur="1" fill="hold">
-                                          <p:stCondLst>
-                                            <p:cond delay="0"/>
-                                          </p:stCondLst>
-                                        </p:cTn>
-                                        <p:tgtEl>
-                                          <p:spTgt spid="21"/>
-                                        </p:tgtEl>
-                                        <p:attrNameLst>
-                                          <p:attrName>style.visibility</p:attrName>
-                                        </p:attrNameLst>
-                                      </p:cBhvr>
-                                      <p:to>
-                                        <p:strVal val="visible"/>
-                                      </p:to>
-                                    </p:set>
-                                  </p:childTnLst>
-                                </p:cTn>
-                              </p:par>
-                            </p:childTnLst>
-                          </p:cTn>
-                        </p:par>
-                      </p:childTnLst>
-                    </p:cTn>
-                  </p:par>
-                  <p:par>
-                    <p:cTn id="21" fill="hold">
-                      <p:stCondLst>
-                        <p:cond delay="indefinite"/>
-                      </p:stCondLst>
-                      <p:childTnLst>
-                        <p:par>
-                          <p:cTn id="22" fill="hold">
-                            <p:stCondLst>
-                              <p:cond delay="0"/>
-                            </p:stCondLst>
-                            <p:childTnLst>
-                              <p:par>
-                                <p:cTn id="23" presetID="1" presetClass="entr" presetSubtype="0" fill="hold" grpId="0" nodeType="clickEffect">
-                                  <p:stCondLst>
-                                    <p:cond delay="0"/>
-                                  </p:stCondLst>
-                                  <p:childTnLst>
-                                    <p:set>
-                                      <p:cBhvr>
-                                        <p:cTn id="24" dur="1" fill="hold">
-                                          <p:stCondLst>
-                                            <p:cond delay="0"/>
-                                          </p:stCondLst>
-                                        </p:cTn>
-                                        <p:tgtEl>
-                                          <p:spTgt spid="23"/>
-                                        </p:tgtEl>
-                                        <p:attrNameLst>
-                                          <p:attrName>style.visibility</p:attrName>
-                                        </p:attrNameLst>
-                                      </p:cBhvr>
-                                      <p:to>
-                                        <p:strVal val="visible"/>
-                                      </p:to>
-                                    </p:set>
-                                  </p:childTnLst>
-                                </p:cTn>
-                              </p:par>
-                              <p:par>
-                                <p:cTn id="25" presetID="1" presetClass="entr" presetSubtype="0" fill="hold" nodeType="withEffect">
-                                  <p:stCondLst>
-                                    <p:cond delay="0"/>
-                                  </p:stCondLst>
-                                  <p:childTnLst>
-                                    <p:set>
-                                      <p:cBhvr>
-                                        <p:cTn id="26" dur="1" fill="hold">
-                                          <p:stCondLst>
-                                            <p:cond delay="0"/>
-                                          </p:stCondLst>
-                                        </p:cTn>
-                                        <p:tgtEl>
-                                          <p:spTgt spid="24"/>
-                                        </p:tgtEl>
-                                        <p:attrNameLst>
-                                          <p:attrName>style.visibility</p:attrName>
-                                        </p:attrNameLst>
-                                      </p:cBhvr>
-                                      <p:to>
-                                        <p:strVal val="visible"/>
-                                      </p:to>
-                                    </p:set>
-                                  </p:childTnLst>
-                                </p:cTn>
-                              </p:par>
-                            </p:childTnLst>
-                          </p:cTn>
-                        </p:par>
-                      </p:childTnLst>
-                    </p:cTn>
-                  </p:par>
-                  <p:par>
-                    <p:cTn id="27" fill="hold">
-                      <p:stCondLst>
-                        <p:cond delay="indefinite"/>
-                      </p:stCondLst>
-                      <p:childTnLst>
-                        <p:par>
-                          <p:cTn id="28" fill="hold">
-                            <p:stCondLst>
-                              <p:cond delay="0"/>
-                            </p:stCondLst>
-                            <p:childTnLst>
-                              <p:par>
-                                <p:cTn id="29" presetID="1" presetClass="entr" presetSubtype="0" fill="hold" grpId="0" nodeType="clickEffect">
-                                  <p:stCondLst>
-                                    <p:cond delay="0"/>
-                                  </p:stCondLst>
-                                  <p:childTnLst>
-                                    <p:set>
-                                      <p:cBhvr>
-                                        <p:cTn id="30" dur="1" fill="hold">
-                                          <p:stCondLst>
-                                            <p:cond delay="0"/>
-                                          </p:stCondLst>
-                                        </p:cTn>
-                                        <p:tgtEl>
-                                          <p:spTgt spid="31"/>
-                                        </p:tgtEl>
-                                        <p:attrNameLst>
-                                          <p:attrName>style.visibility</p:attrName>
-                                        </p:attrNameLst>
-                                      </p:cBhvr>
-                                      <p:to>
-                                        <p:strVal val="visible"/>
-                                      </p:to>
-                                    </p:set>
-                                  </p:childTnLst>
-                                </p:cTn>
-                              </p:par>
-                              <p:par>
-                                <p:cTn id="31" presetID="1" presetClass="entr" presetSubtype="0" fill="hold" nodeType="withEffect">
-                                  <p:stCondLst>
-                                    <p:cond delay="0"/>
-                                  </p:stCondLst>
-                                  <p:childTnLst>
-                                    <p:set>
-                                      <p:cBhvr>
-                                        <p:cTn id="32" dur="1" fill="hold">
-                                          <p:stCondLst>
-                                            <p:cond delay="0"/>
-                                          </p:stCondLst>
-                                        </p:cTn>
-                                        <p:tgtEl>
-                                          <p:spTgt spid="32"/>
-                                        </p:tgtEl>
-                                        <p:attrNameLst>
-                                          <p:attrName>style.visibility</p:attrName>
-                                        </p:attrNameLst>
-                                      </p:cBhvr>
-                                      <p:to>
-                                        <p:strVal val="visible"/>
-                                      </p:to>
-                                    </p:set>
-                                  </p:childTnLst>
-                                </p:cTn>
-                              </p:par>
-                            </p:childTnLst>
-                          </p:cTn>
-                        </p:par>
-                      </p:childTnLst>
-                    </p:cTn>
-                  </p:par>
-                </p:childTnLst>
-              </p:cTn>
-              <p:prevCondLst>
-                <p:cond evt="onPrev" delay="0">
-                  <p:tgtEl>
-                    <p:sldTgt/>
-                  </p:tgtEl>
-                </p:cond>
-              </p:prevCondLst>
-              <p:nextCondLst>
-                <p:cond evt="onNext" delay="0">
-                  <p:tgtEl>
-                    <p:sldTgt/>
-                  </p:tgtEl>
-                </p:cond>
-              </p:nextCondLst>
-            </p:seq>
-          </p:childTnLst>
-        </p:cTn>
+        <p:cTn id="1" dur="indefinite" restart="never" nodeType="tmRoot"/>
       </p:par>
     </p:tnLst>
-    <p:bldLst>
-      <p:bldP spid="5" grpId="0"/>
-      <p:bldP spid="10" grpId="0"/>
-      <p:bldP spid="20" grpId="0"/>
-      <p:bldP spid="23" grpId="0"/>
-      <p:bldP spid="31" grpId="0"/>
-    </p:bldLst>
   </p:timing>
 </p:sld>
 </file>
 
-<file path=ppt/slides/slide16.xml><?xml version="1.0" encoding="utf-8"?>
+<file path=ppt/slides/slide15.xml><?xml version="1.0" encoding="utf-8"?>
 <p:sld xmlns:a="http://schemas.openxmlformats.org/drawingml/2006/main" xmlns:r="http://schemas.openxmlformats.org/officeDocument/2006/relationships" xmlns:p="http://schemas.openxmlformats.org/presentationml/2006/main">
   <p:cSld>
     <p:spTree>
@@ -11993,15 +9243,7 @@
             </a:r>
             <a:r>
               <a:rPr lang="it-IT" sz="2400" i="1" dirty="0" smtClean="0"/>
-              <a:t>la comprensione della documentazione e del  </a:t>
-            </a:r>
-            <a:r>
-              <a:rPr lang="it-IT" sz="2400" i="1" dirty="0" smtClean="0"/>
-              <a:t>funzionamento </a:t>
-            </a:r>
-            <a:r>
-              <a:rPr lang="it-IT" sz="2400" i="1" dirty="0" smtClean="0"/>
-              <a:t>del sistema stesso;</a:t>
+              <a:t>la comprensione della documentazione e del  funzionamento del sistema stesso;</a:t>
             </a:r>
             <a:r>
               <a:rPr lang="it-IT" dirty="0" smtClean="0"/>
@@ -12043,7 +9285,7 @@
             <a:fld id="{F89AEA99-3E91-4C58-9AD4-045DB5619AC3}" type="slidenum">
               <a:rPr lang="it-IT" smtClean="0"/>
               <a:pPr/>
-              <a:t>16</a:t>
+              <a:t>15</a:t>
             </a:fld>
             <a:endParaRPr lang="it-IT"/>
           </a:p>
@@ -12257,15 +9499,7 @@
             <a:pPr marL="365760" lvl="1" indent="0"/>
             <a:r>
               <a:rPr lang="it-IT" sz="2400" i="1" dirty="0" smtClean="0"/>
-              <a:t> </a:t>
-            </a:r>
-            <a:r>
-              <a:rPr lang="it-IT" sz="2400" i="1" dirty="0" smtClean="0"/>
-              <a:t>funzionalità </a:t>
-            </a:r>
-            <a:r>
-              <a:rPr lang="it-IT" sz="2400" i="1" dirty="0" smtClean="0"/>
-              <a:t>non implementate o non coerenti con la documentazione	</a:t>
+              <a:t> funzionalità non implementate o non coerenti con la documentazione	</a:t>
             </a:r>
             <a:r>
               <a:rPr lang="it-IT" dirty="0" smtClean="0"/>
@@ -12495,7 +9729,7 @@
 </p:sld>
 </file>
 
-<file path=ppt/slides/slide17.xml><?xml version="1.0" encoding="utf-8"?>
+<file path=ppt/slides/slide16.xml><?xml version="1.0" encoding="utf-8"?>
 <p:sld xmlns:a="http://schemas.openxmlformats.org/drawingml/2006/main" xmlns:r="http://schemas.openxmlformats.org/officeDocument/2006/relationships" xmlns:p="http://schemas.openxmlformats.org/presentationml/2006/main">
   <p:cSld>
     <p:spTree>
@@ -12530,7 +9764,7 @@
             <a:fld id="{F89AEA99-3E91-4C58-9AD4-045DB5619AC3}" type="slidenum">
               <a:rPr lang="it-IT" smtClean="0"/>
               <a:pPr/>
-              <a:t>17</a:t>
+              <a:t>16</a:t>
             </a:fld>
             <a:endParaRPr lang="it-IT"/>
           </a:p>
@@ -12790,19 +10024,7 @@
             <a:pPr marL="0" indent="0"/>
             <a:r>
               <a:rPr lang="it-IT" dirty="0" smtClean="0"/>
-              <a:t> </a:t>
-            </a:r>
-            <a:r>
-              <a:rPr lang="it-IT" dirty="0" smtClean="0"/>
-              <a:t>Sottosistema </a:t>
-            </a:r>
-            <a:r>
-              <a:rPr lang="it-IT" dirty="0" smtClean="0"/>
-              <a:t>non </a:t>
-            </a:r>
-            <a:r>
-              <a:rPr lang="it-IT" dirty="0" smtClean="0"/>
-              <a:t>implementato: </a:t>
+              <a:t> Sottosistema non implementato: </a:t>
             </a:r>
           </a:p>
           <a:p>
@@ -12811,11 +10033,7 @@
             </a:pPr>
             <a:r>
               <a:rPr lang="it-IT" i="1" dirty="0" smtClean="0"/>
-              <a:t>bassa </a:t>
-            </a:r>
-            <a:r>
-              <a:rPr lang="it-IT" i="1" dirty="0" smtClean="0"/>
-              <a:t>priorità e tempo scarso</a:t>
+              <a:t>bassa priorità e tempo scarso</a:t>
             </a:r>
           </a:p>
           <a:p>
@@ -13035,11 +10253,7 @@
             <a:pPr marL="0" indent="0"/>
             <a:r>
               <a:rPr lang="it-IT" dirty="0" smtClean="0"/>
-              <a:t> </a:t>
-            </a:r>
-            <a:r>
-              <a:rPr lang="it-IT" dirty="0" smtClean="0"/>
-              <a:t>Varie difficoltà incontrate durante il progetto</a:t>
+              <a:t> Varie difficoltà incontrate durante il progetto</a:t>
             </a:r>
             <a:endParaRPr lang="it-IT" i="1" dirty="0" smtClean="0"/>
           </a:p>
@@ -13322,7 +10536,7 @@
 </p:sld>
 </file>
 
-<file path=ppt/slides/slide18.xml><?xml version="1.0" encoding="utf-8"?>
+<file path=ppt/slides/slide17.xml><?xml version="1.0" encoding="utf-8"?>
 <p:sld xmlns:a="http://schemas.openxmlformats.org/drawingml/2006/main" xmlns:r="http://schemas.openxmlformats.org/officeDocument/2006/relationships" xmlns:p="http://schemas.openxmlformats.org/presentationml/2006/main">
   <p:cSld>
     <p:spTree>
@@ -13383,7 +10597,7 @@
             <a:fld id="{F89AEA99-3E91-4C58-9AD4-045DB5619AC3}" type="slidenum">
               <a:rPr lang="it-IT" smtClean="0"/>
               <a:pPr/>
-              <a:t>18</a:t>
+              <a:t>17</a:t>
             </a:fld>
             <a:endParaRPr lang="it-IT"/>
           </a:p>
@@ -14088,17 +11302,12 @@
             </a:r>
             <a:r>
               <a:rPr lang="it-IT" dirty="0" smtClean="0"/>
-              <a:t> e </a:t>
-            </a:r>
-            <a:r>
-              <a:rPr lang="it-IT" dirty="0" smtClean="0"/>
-              <a:t>chiare </a:t>
+              <a:t> e chiare </a:t>
             </a:r>
             <a:r>
               <a:rPr lang="it-IT" i="1" dirty="0" smtClean="0"/>
               <a:t>robustezza ai cambiamenti</a:t>
             </a:r>
-            <a:endParaRPr lang="it-IT" i="1" dirty="0" smtClean="0"/>
           </a:p>
           <a:p>
             <a:pPr marL="0" indent="0">
@@ -14432,7 +11641,7 @@
 </p:sld>
 </file>
 
-<file path=ppt/slides/slide19.xml><?xml version="1.0" encoding="utf-8"?>
+<file path=ppt/slides/slide18.xml><?xml version="1.0" encoding="utf-8"?>
 <p:sld xmlns:a="http://schemas.openxmlformats.org/drawingml/2006/main" xmlns:r="http://schemas.openxmlformats.org/officeDocument/2006/relationships" xmlns:p="http://schemas.openxmlformats.org/presentationml/2006/main">
   <p:cSld>
     <p:spTree>
@@ -14493,7 +11702,7 @@
             <a:fld id="{F89AEA99-3E91-4C58-9AD4-045DB5619AC3}" type="slidenum">
               <a:rPr lang="it-IT" smtClean="0"/>
               <a:pPr/>
-              <a:t>19</a:t>
+              <a:t>18</a:t>
             </a:fld>
             <a:endParaRPr lang="it-IT"/>
           </a:p>
@@ -14565,21 +11774,8 @@
                   <a:schemeClr val="accent5"/>
                 </a:solidFill>
               </a:rPr>
-              <a:t>Cosa </a:t>
-            </a:r>
-            <a:r>
-              <a:rPr lang="it-IT" sz="3200" b="1" i="1" dirty="0" smtClean="0">
-                <a:solidFill>
-                  <a:schemeClr val="accent5"/>
-                </a:solidFill>
-              </a:rPr>
-              <a:t>abbiamo imparato</a:t>
-            </a:r>
-            <a:endParaRPr lang="it-IT" sz="3200" b="1" i="1" dirty="0" smtClean="0">
-              <a:solidFill>
-                <a:schemeClr val="accent5"/>
-              </a:solidFill>
-            </a:endParaRPr>
+              <a:t>Cosa abbiamo imparato</a:t>
+            </a:r>
           </a:p>
         </p:txBody>
       </p:sp>
@@ -14773,11 +11969,7 @@
             <a:pPr marL="0" indent="0"/>
             <a:r>
               <a:rPr lang="it-IT" dirty="0" smtClean="0"/>
-              <a:t> Ciclo di vita del </a:t>
-            </a:r>
-            <a:r>
-              <a:rPr lang="it-IT" dirty="0" smtClean="0"/>
-              <a:t>software</a:t>
+              <a:t> Ciclo di vita del software</a:t>
             </a:r>
           </a:p>
           <a:p>
@@ -14796,20 +11988,15 @@
             <a:pPr marL="0" indent="0"/>
             <a:r>
               <a:rPr lang="it-IT" dirty="0" smtClean="0"/>
-              <a:t> Rispetto delle </a:t>
-            </a:r>
+              <a:t> Rispetto delle scadenze</a:t>
+            </a:r>
+          </a:p>
+          <a:p>
+            <a:pPr marL="0" indent="0"/>
             <a:r>
               <a:rPr lang="it-IT" dirty="0" smtClean="0"/>
-              <a:t>scadenze</a:t>
-            </a:r>
-          </a:p>
-          <a:p>
-            <a:pPr marL="0" indent="0"/>
-            <a:r>
-              <a:rPr lang="it-IT" dirty="0" smtClean="0"/>
-              <a:t>Lavoro di squadra</a:t>
-            </a:r>
-            <a:endParaRPr lang="it-IT" dirty="0" smtClean="0"/>
+              <a:t> Lavoro di squadra</a:t>
+            </a:r>
           </a:p>
           <a:p>
             <a:pPr marL="0" indent="0"/>
@@ -15037,6 +12224,174 @@
       <p:bldP spid="4" grpId="0"/>
       <p:bldP spid="10" grpId="0"/>
     </p:bldLst>
+  </p:timing>
+</p:sld>
+</file>
+
+<file path=ppt/slides/slide19.xml><?xml version="1.0" encoding="utf-8"?>
+<p:sld xmlns:a="http://schemas.openxmlformats.org/drawingml/2006/main" xmlns:r="http://schemas.openxmlformats.org/officeDocument/2006/relationships" xmlns:p="http://schemas.openxmlformats.org/presentationml/2006/main">
+  <p:cSld>
+    <p:spTree>
+      <p:nvGrpSpPr>
+        <p:cNvPr id="1" name=""/>
+        <p:cNvGrpSpPr/>
+        <p:nvPr/>
+      </p:nvGrpSpPr>
+      <p:grpSpPr>
+        <a:xfrm>
+          <a:off x="0" y="0"/>
+          <a:ext cx="0" cy="0"/>
+          <a:chOff x="0" y="0"/>
+          <a:chExt cx="0" cy="0"/>
+        </a:xfrm>
+      </p:grpSpPr>
+      <p:pic>
+        <p:nvPicPr>
+          <p:cNvPr id="43010" name="Picture 2" descr="http://www.carsharingpalermo.it/abbonamenti/omini-incontro.jpg"/>
+          <p:cNvPicPr>
+            <a:picLocks noChangeAspect="1" noChangeArrowheads="1"/>
+          </p:cNvPicPr>
+          <p:nvPr/>
+        </p:nvPicPr>
+        <p:blipFill>
+          <a:blip r:embed="rId2" cstate="print"/>
+          <a:srcRect/>
+          <a:stretch>
+            <a:fillRect/>
+          </a:stretch>
+        </p:blipFill>
+        <p:spPr bwMode="auto">
+          <a:xfrm>
+            <a:off x="5508104" y="2852936"/>
+            <a:ext cx="3178639" cy="2781309"/>
+          </a:xfrm>
+          <a:prstGeom prst="rect">
+            <a:avLst/>
+          </a:prstGeom>
+          <a:noFill/>
+        </p:spPr>
+      </p:pic>
+      <p:sp>
+        <p:nvSpPr>
+          <p:cNvPr id="2" name="Segnaposto numero diapositiva 1"/>
+          <p:cNvSpPr>
+            <a:spLocks noGrp="1"/>
+          </p:cNvSpPr>
+          <p:nvPr>
+            <p:ph type="sldNum" sz="quarter" idx="12"/>
+          </p:nvPr>
+        </p:nvSpPr>
+        <p:spPr/>
+        <p:txBody>
+          <a:bodyPr/>
+          <a:lstStyle/>
+          <a:p>
+            <a:fld id="{F89AEA99-3E91-4C58-9AD4-045DB5619AC3}" type="slidenum">
+              <a:rPr lang="it-IT" smtClean="0"/>
+              <a:pPr/>
+              <a:t>19</a:t>
+            </a:fld>
+            <a:endParaRPr lang="it-IT"/>
+          </a:p>
+        </p:txBody>
+      </p:sp>
+      <p:pic>
+        <p:nvPicPr>
+          <p:cNvPr id="3" name="Picture 3" descr="C:\linda\uni\esami_da_svolgere\gps\progetto_gps\Atsilo\documenti_comuni\loghi\logo.png"/>
+          <p:cNvPicPr>
+            <a:picLocks noChangeAspect="1" noChangeArrowheads="1"/>
+          </p:cNvPicPr>
+          <p:nvPr/>
+        </p:nvPicPr>
+        <p:blipFill>
+          <a:blip r:embed="rId3" cstate="print">
+            <a:extLst>
+              <a:ext uri="{28A0092B-C50C-407E-A947-70E740481C1C}">
+                <a14:useLocalDpi xmlns="" xmlns:a14="http://schemas.microsoft.com/office/drawing/2010/main" val="0"/>
+              </a:ext>
+            </a:extLst>
+          </a:blip>
+          <a:srcRect/>
+          <a:stretch>
+            <a:fillRect/>
+          </a:stretch>
+        </p:blipFill>
+        <p:spPr bwMode="auto">
+          <a:xfrm>
+            <a:off x="1475655" y="1268760"/>
+            <a:ext cx="3471657" cy="2161611"/>
+          </a:xfrm>
+          <a:prstGeom prst="rect">
+            <a:avLst/>
+          </a:prstGeom>
+          <a:noFill/>
+          <a:extLst>
+            <a:ext uri="{909E8E84-426E-40DD-AFC4-6F175D3DCCD1}">
+              <a14:hiddenFill xmlns="" xmlns:a14="http://schemas.microsoft.com/office/drawing/2010/main">
+                <a:solidFill>
+                  <a:srgbClr val="FFFFFF"/>
+                </a:solidFill>
+              </a14:hiddenFill>
+            </a:ext>
+          </a:extLst>
+        </p:spPr>
+      </p:pic>
+      <p:sp>
+        <p:nvSpPr>
+          <p:cNvPr id="5" name="Rettangolo 4"/>
+          <p:cNvSpPr/>
+          <p:nvPr/>
+        </p:nvSpPr>
+        <p:spPr>
+          <a:xfrm>
+            <a:off x="796043" y="3933056"/>
+            <a:ext cx="4568045" cy="677108"/>
+          </a:xfrm>
+          <a:prstGeom prst="rect">
+            <a:avLst/>
+          </a:prstGeom>
+        </p:spPr>
+        <p:txBody>
+          <a:bodyPr wrap="none">
+            <a:spAutoFit/>
+          </a:bodyPr>
+          <a:lstStyle/>
+          <a:p>
+            <a:r>
+              <a:rPr lang="it-IT" sz="3800" b="1" i="1" dirty="0" smtClean="0">
+                <a:effectLst>
+                  <a:outerShdw blurRad="38100" dist="38100" dir="2700000" algn="tl">
+                    <a:srgbClr val="000000">
+                      <a:alpha val="43137"/>
+                    </a:srgbClr>
+                  </a:outerShdw>
+                </a:effectLst>
+              </a:rPr>
+              <a:t>Grazie dell’attenzione</a:t>
+            </a:r>
+            <a:endParaRPr lang="it-IT" sz="3800" i="1" dirty="0">
+              <a:effectLst>
+                <a:outerShdw blurRad="38100" dist="38100" dir="2700000" algn="tl">
+                  <a:srgbClr val="000000">
+                    <a:alpha val="43137"/>
+                  </a:srgbClr>
+                </a:outerShdw>
+              </a:effectLst>
+            </a:endParaRPr>
+          </a:p>
+        </p:txBody>
+      </p:sp>
+    </p:spTree>
+  </p:cSld>
+  <p:clrMapOvr>
+    <a:masterClrMapping/>
+  </p:clrMapOvr>
+  <p:timing>
+    <p:tnLst>
+      <p:par>
+        <p:cTn id="1" dur="indefinite" restart="never" nodeType="tmRoot"/>
+      </p:par>
+    </p:tnLst>
   </p:timing>
 </p:sld>
 </file>
@@ -15418,174 +12773,6 @@
 </p:sld>
 </file>
 
-<file path=ppt/slides/slide20.xml><?xml version="1.0" encoding="utf-8"?>
-<p:sld xmlns:a="http://schemas.openxmlformats.org/drawingml/2006/main" xmlns:r="http://schemas.openxmlformats.org/officeDocument/2006/relationships" xmlns:p="http://schemas.openxmlformats.org/presentationml/2006/main">
-  <p:cSld>
-    <p:spTree>
-      <p:nvGrpSpPr>
-        <p:cNvPr id="1" name=""/>
-        <p:cNvGrpSpPr/>
-        <p:nvPr/>
-      </p:nvGrpSpPr>
-      <p:grpSpPr>
-        <a:xfrm>
-          <a:off x="0" y="0"/>
-          <a:ext cx="0" cy="0"/>
-          <a:chOff x="0" y="0"/>
-          <a:chExt cx="0" cy="0"/>
-        </a:xfrm>
-      </p:grpSpPr>
-      <p:pic>
-        <p:nvPicPr>
-          <p:cNvPr id="43010" name="Picture 2" descr="http://www.carsharingpalermo.it/abbonamenti/omini-incontro.jpg"/>
-          <p:cNvPicPr>
-            <a:picLocks noChangeAspect="1" noChangeArrowheads="1"/>
-          </p:cNvPicPr>
-          <p:nvPr/>
-        </p:nvPicPr>
-        <p:blipFill>
-          <a:blip r:embed="rId2" cstate="print"/>
-          <a:srcRect/>
-          <a:stretch>
-            <a:fillRect/>
-          </a:stretch>
-        </p:blipFill>
-        <p:spPr bwMode="auto">
-          <a:xfrm>
-            <a:off x="5508104" y="2852936"/>
-            <a:ext cx="3178639" cy="2781309"/>
-          </a:xfrm>
-          <a:prstGeom prst="rect">
-            <a:avLst/>
-          </a:prstGeom>
-          <a:noFill/>
-        </p:spPr>
-      </p:pic>
-      <p:sp>
-        <p:nvSpPr>
-          <p:cNvPr id="2" name="Segnaposto numero diapositiva 1"/>
-          <p:cNvSpPr>
-            <a:spLocks noGrp="1"/>
-          </p:cNvSpPr>
-          <p:nvPr>
-            <p:ph type="sldNum" sz="quarter" idx="12"/>
-          </p:nvPr>
-        </p:nvSpPr>
-        <p:spPr/>
-        <p:txBody>
-          <a:bodyPr/>
-          <a:lstStyle/>
-          <a:p>
-            <a:fld id="{F89AEA99-3E91-4C58-9AD4-045DB5619AC3}" type="slidenum">
-              <a:rPr lang="it-IT" smtClean="0"/>
-              <a:pPr/>
-              <a:t>20</a:t>
-            </a:fld>
-            <a:endParaRPr lang="it-IT"/>
-          </a:p>
-        </p:txBody>
-      </p:sp>
-      <p:pic>
-        <p:nvPicPr>
-          <p:cNvPr id="3" name="Picture 3" descr="C:\linda\uni\esami_da_svolgere\gps\progetto_gps\Atsilo\documenti_comuni\loghi\logo.png"/>
-          <p:cNvPicPr>
-            <a:picLocks noChangeAspect="1" noChangeArrowheads="1"/>
-          </p:cNvPicPr>
-          <p:nvPr/>
-        </p:nvPicPr>
-        <p:blipFill>
-          <a:blip r:embed="rId3" cstate="print">
-            <a:extLst>
-              <a:ext uri="{28A0092B-C50C-407E-A947-70E740481C1C}">
-                <a14:useLocalDpi xmlns="" xmlns:a14="http://schemas.microsoft.com/office/drawing/2010/main" val="0"/>
-              </a:ext>
-            </a:extLst>
-          </a:blip>
-          <a:srcRect/>
-          <a:stretch>
-            <a:fillRect/>
-          </a:stretch>
-        </p:blipFill>
-        <p:spPr bwMode="auto">
-          <a:xfrm>
-            <a:off x="1475655" y="1268760"/>
-            <a:ext cx="3471657" cy="2161611"/>
-          </a:xfrm>
-          <a:prstGeom prst="rect">
-            <a:avLst/>
-          </a:prstGeom>
-          <a:noFill/>
-          <a:extLst>
-            <a:ext uri="{909E8E84-426E-40DD-AFC4-6F175D3DCCD1}">
-              <a14:hiddenFill xmlns="" xmlns:a14="http://schemas.microsoft.com/office/drawing/2010/main">
-                <a:solidFill>
-                  <a:srgbClr val="FFFFFF"/>
-                </a:solidFill>
-              </a14:hiddenFill>
-            </a:ext>
-          </a:extLst>
-        </p:spPr>
-      </p:pic>
-      <p:sp>
-        <p:nvSpPr>
-          <p:cNvPr id="5" name="Rettangolo 4"/>
-          <p:cNvSpPr/>
-          <p:nvPr/>
-        </p:nvSpPr>
-        <p:spPr>
-          <a:xfrm>
-            <a:off x="796043" y="3933056"/>
-            <a:ext cx="4568045" cy="677108"/>
-          </a:xfrm>
-          <a:prstGeom prst="rect">
-            <a:avLst/>
-          </a:prstGeom>
-        </p:spPr>
-        <p:txBody>
-          <a:bodyPr wrap="none">
-            <a:spAutoFit/>
-          </a:bodyPr>
-          <a:lstStyle/>
-          <a:p>
-            <a:r>
-              <a:rPr lang="it-IT" sz="3800" b="1" i="1" dirty="0" smtClean="0">
-                <a:effectLst>
-                  <a:outerShdw blurRad="38100" dist="38100" dir="2700000" algn="tl">
-                    <a:srgbClr val="000000">
-                      <a:alpha val="43137"/>
-                    </a:srgbClr>
-                  </a:outerShdw>
-                </a:effectLst>
-              </a:rPr>
-              <a:t>Grazie dell’attenzione</a:t>
-            </a:r>
-            <a:endParaRPr lang="it-IT" sz="3800" i="1" dirty="0">
-              <a:effectLst>
-                <a:outerShdw blurRad="38100" dist="38100" dir="2700000" algn="tl">
-                  <a:srgbClr val="000000">
-                    <a:alpha val="43137"/>
-                  </a:srgbClr>
-                </a:outerShdw>
-              </a:effectLst>
-            </a:endParaRPr>
-          </a:p>
-        </p:txBody>
-      </p:sp>
-    </p:spTree>
-  </p:cSld>
-  <p:clrMapOvr>
-    <a:masterClrMapping/>
-  </p:clrMapOvr>
-  <p:timing>
-    <p:tnLst>
-      <p:par>
-        <p:cTn id="1" dur="indefinite" restart="never" nodeType="tmRoot"/>
-      </p:par>
-    </p:tnLst>
-  </p:timing>
-</p:sld>
-</file>
-
 <file path=ppt/slides/slide3.xml><?xml version="1.0" encoding="utf-8"?>
 <p:sld xmlns:a="http://schemas.openxmlformats.org/drawingml/2006/main" xmlns:r="http://schemas.openxmlformats.org/officeDocument/2006/relationships" xmlns:p="http://schemas.openxmlformats.org/presentationml/2006/main">
   <p:cSld>
@@ -15929,15 +13116,7 @@
             </a:pPr>
             <a:r>
               <a:rPr lang="it-IT" sz="2800" dirty="0" smtClean="0"/>
-              <a:t>La </a:t>
-            </a:r>
-            <a:r>
-              <a:rPr lang="it-IT" sz="2800" dirty="0" smtClean="0"/>
-              <a:t>decomposizione prevista </a:t>
-            </a:r>
-            <a:r>
-              <a:rPr lang="it-IT" sz="2800" dirty="0" smtClean="0"/>
-              <a:t>per il sistema è composta da </a:t>
+              <a:t>La decomposizione prevista per il sistema è composta da </a:t>
             </a:r>
             <a:r>
               <a:rPr lang="it-IT" sz="2800" i="1" dirty="0" smtClean="0"/>
@@ -18434,6 +15613,38 @@
           </a:p>
         </p:txBody>
       </p:sp>
+      <p:pic>
+        <p:nvPicPr>
+          <p:cNvPr id="6" name="Picture 2"/>
+          <p:cNvPicPr>
+            <a:picLocks noChangeAspect="1" noChangeArrowheads="1"/>
+          </p:cNvPicPr>
+          <p:nvPr/>
+        </p:nvPicPr>
+        <p:blipFill>
+          <a:blip r:embed="rId2" cstate="print"/>
+          <a:srcRect/>
+          <a:stretch>
+            <a:fillRect/>
+          </a:stretch>
+        </p:blipFill>
+        <p:spPr bwMode="auto">
+          <a:xfrm>
+            <a:off x="1769170" y="1368152"/>
+            <a:ext cx="5467126" cy="5085184"/>
+          </a:xfrm>
+          <a:prstGeom prst="rect">
+            <a:avLst/>
+          </a:prstGeom>
+          <a:noFill/>
+          <a:ln w="9525">
+            <a:noFill/>
+            <a:miter lim="800000"/>
+            <a:headEnd/>
+            <a:tailEnd/>
+          </a:ln>
+        </p:spPr>
+      </p:pic>
     </p:spTree>
     <p:extLst>
       <p:ext uri="{BB962C8B-B14F-4D97-AF65-F5344CB8AC3E}">
@@ -18569,365 +15780,56 @@
                       </p:childTnLst>
                     </p:cTn>
                   </p:par>
-                </p:childTnLst>
-              </p:cTn>
-              <p:prevCondLst>
-                <p:cond evt="onPrev" delay="0">
-                  <p:tgtEl>
-                    <p:sldTgt/>
-                  </p:tgtEl>
-                </p:cond>
-              </p:prevCondLst>
-              <p:nextCondLst>
-                <p:cond evt="onNext" delay="0">
-                  <p:tgtEl>
-                    <p:sldTgt/>
-                  </p:tgtEl>
-                </p:cond>
-              </p:nextCondLst>
-            </p:seq>
-          </p:childTnLst>
-        </p:cTn>
-      </p:par>
-    </p:tnLst>
-    <p:bldLst>
-      <p:bldP spid="4" grpId="0"/>
-      <p:bldP spid="3" grpId="0"/>
-    </p:bldLst>
-  </p:timing>
-</p:sld>
-</file>
-
-<file path=ppt/slides/slide6.xml><?xml version="1.0" encoding="utf-8"?>
-<p:sld xmlns:a="http://schemas.openxmlformats.org/drawingml/2006/main" xmlns:r="http://schemas.openxmlformats.org/officeDocument/2006/relationships" xmlns:p="http://schemas.openxmlformats.org/presentationml/2006/main">
-  <p:cSld>
-    <p:spTree>
-      <p:nvGrpSpPr>
-        <p:cNvPr id="1" name=""/>
-        <p:cNvGrpSpPr/>
-        <p:nvPr/>
-      </p:nvGrpSpPr>
-      <p:grpSpPr>
-        <a:xfrm>
-          <a:off x="0" y="0"/>
-          <a:ext cx="0" cy="0"/>
-          <a:chOff x="0" y="0"/>
-          <a:chExt cx="0" cy="0"/>
-        </a:xfrm>
-      </p:grpSpPr>
-      <p:sp>
-        <p:nvSpPr>
-          <p:cNvPr id="4" name="Content Placeholder 3"/>
-          <p:cNvSpPr txBox="1">
-            <a:spLocks/>
-          </p:cNvSpPr>
-          <p:nvPr/>
-        </p:nvSpPr>
-        <p:spPr>
-          <a:xfrm>
-            <a:off x="467544" y="836712"/>
-            <a:ext cx="6552728" cy="576064"/>
-          </a:xfrm>
-          <a:prstGeom prst="rect">
-            <a:avLst/>
-          </a:prstGeom>
-        </p:spPr>
-        <p:txBody>
-          <a:bodyPr tIns="0"/>
-          <a:lstStyle>
-            <a:lvl1pPr marL="274320" indent="-274320" algn="l" rtl="0" eaLnBrk="1" latinLnBrk="0" hangingPunct="1">
-              <a:spcBef>
-                <a:spcPct val="20000"/>
-              </a:spcBef>
-              <a:buClrTx/>
-              <a:buSzPct val="95000"/>
-              <a:buFont typeface="Wingdings" pitchFamily="2" charset="2"/>
-              <a:buChar char="v"/>
-              <a:defRPr kumimoji="0" sz="2800" kern="1200">
-                <a:solidFill>
-                  <a:schemeClr val="tx1"/>
-                </a:solidFill>
-                <a:latin typeface="+mn-lt"/>
-                <a:ea typeface="+mn-ea"/>
-                <a:cs typeface="+mn-cs"/>
-              </a:defRPr>
-            </a:lvl1pPr>
-            <a:lvl2pPr marL="640080" indent="-246888" algn="l" rtl="0" eaLnBrk="1" latinLnBrk="0" hangingPunct="1">
-              <a:spcBef>
-                <a:spcPct val="20000"/>
-              </a:spcBef>
-              <a:buClrTx/>
-              <a:buSzPct val="85000"/>
-              <a:buFont typeface="Courier New" pitchFamily="49" charset="0"/>
-              <a:buChar char="o"/>
-              <a:defRPr kumimoji="0" sz="2600" kern="1200">
-                <a:solidFill>
-                  <a:schemeClr val="tx1"/>
-                </a:solidFill>
-                <a:latin typeface="+mn-lt"/>
-                <a:ea typeface="+mn-ea"/>
-                <a:cs typeface="+mn-cs"/>
-              </a:defRPr>
-            </a:lvl2pPr>
-            <a:lvl3pPr marL="914400" indent="-246888" algn="l" rtl="0" eaLnBrk="1" latinLnBrk="0" hangingPunct="1">
-              <a:spcBef>
-                <a:spcPct val="20000"/>
-              </a:spcBef>
-              <a:buClrTx/>
-              <a:buSzPct val="70000"/>
-              <a:buFont typeface="Wingdings 2"/>
-              <a:buChar char=""/>
-              <a:defRPr kumimoji="0" sz="2400" kern="1200">
-                <a:solidFill>
-                  <a:schemeClr val="tx1"/>
-                </a:solidFill>
-                <a:latin typeface="+mn-lt"/>
-                <a:ea typeface="+mn-ea"/>
-                <a:cs typeface="+mn-cs"/>
-              </a:defRPr>
-            </a:lvl3pPr>
-            <a:lvl4pPr marL="1188720" indent="-210312" algn="l" rtl="0" eaLnBrk="1" latinLnBrk="0" hangingPunct="1">
-              <a:spcBef>
-                <a:spcPct val="20000"/>
-              </a:spcBef>
-              <a:buClrTx/>
-              <a:buSzPct val="65000"/>
-              <a:buFont typeface="Wingdings 2"/>
-              <a:buChar char=""/>
-              <a:defRPr kumimoji="0" sz="2000" kern="1200">
-                <a:solidFill>
-                  <a:schemeClr val="tx1"/>
-                </a:solidFill>
-                <a:latin typeface="+mn-lt"/>
-                <a:ea typeface="+mn-ea"/>
-                <a:cs typeface="+mn-cs"/>
-              </a:defRPr>
-            </a:lvl4pPr>
-            <a:lvl5pPr marL="1463040" indent="-210312" algn="l" rtl="0" eaLnBrk="1" latinLnBrk="0" hangingPunct="1">
-              <a:spcBef>
-                <a:spcPct val="20000"/>
-              </a:spcBef>
-              <a:buClrTx/>
-              <a:buSzPct val="65000"/>
-              <a:buFont typeface="Wingdings 2"/>
-              <a:buChar char=""/>
-              <a:defRPr kumimoji="0" sz="1800" kern="1200">
-                <a:solidFill>
-                  <a:schemeClr val="tx1"/>
-                </a:solidFill>
-                <a:latin typeface="+mn-lt"/>
-                <a:ea typeface="+mn-ea"/>
-                <a:cs typeface="+mn-cs"/>
-              </a:defRPr>
-            </a:lvl5pPr>
-            <a:lvl6pPr marL="1737360" indent="-210312" algn="l" rtl="0" eaLnBrk="1" latinLnBrk="0" hangingPunct="1">
-              <a:spcBef>
-                <a:spcPct val="20000"/>
-              </a:spcBef>
-              <a:buClr>
-                <a:schemeClr val="accent5"/>
-              </a:buClr>
-              <a:buSzPct val="80000"/>
-              <a:buFont typeface="Wingdings 2"/>
-              <a:buChar char=""/>
-              <a:defRPr kumimoji="0" sz="1800" kern="1200">
-                <a:solidFill>
-                  <a:schemeClr val="tx1"/>
-                </a:solidFill>
-                <a:latin typeface="+mn-lt"/>
-                <a:ea typeface="+mn-ea"/>
-                <a:cs typeface="+mn-cs"/>
-              </a:defRPr>
-            </a:lvl6pPr>
-            <a:lvl7pPr marL="1920240" indent="-182880" algn="l" rtl="0" eaLnBrk="1" latinLnBrk="0" hangingPunct="1">
-              <a:spcBef>
-                <a:spcPct val="20000"/>
-              </a:spcBef>
-              <a:buClr>
-                <a:schemeClr val="accent6"/>
-              </a:buClr>
-              <a:buSzPct val="80000"/>
-              <a:buFont typeface="Wingdings 2"/>
-              <a:buChar char=""/>
-              <a:defRPr kumimoji="0" sz="1600" kern="1200" baseline="0">
-                <a:solidFill>
-                  <a:schemeClr val="tx1"/>
-                </a:solidFill>
-                <a:latin typeface="+mn-lt"/>
-                <a:ea typeface="+mn-ea"/>
-                <a:cs typeface="+mn-cs"/>
-              </a:defRPr>
-            </a:lvl7pPr>
-            <a:lvl8pPr marL="2194560" indent="-182880" algn="l" rtl="0" eaLnBrk="1" latinLnBrk="0" hangingPunct="1">
-              <a:spcBef>
-                <a:spcPct val="20000"/>
-              </a:spcBef>
-              <a:buClr>
-                <a:schemeClr val="tx2"/>
-              </a:buClr>
-              <a:buChar char="•"/>
-              <a:defRPr kumimoji="0" sz="1600" kern="1200">
-                <a:solidFill>
-                  <a:schemeClr val="tx1"/>
-                </a:solidFill>
-                <a:latin typeface="+mn-lt"/>
-                <a:ea typeface="+mn-ea"/>
-                <a:cs typeface="+mn-cs"/>
-              </a:defRPr>
-            </a:lvl8pPr>
-            <a:lvl9pPr marL="2468880" indent="-182880" algn="l" rtl="0" eaLnBrk="1" latinLnBrk="0" hangingPunct="1">
-              <a:spcBef>
-                <a:spcPct val="20000"/>
-              </a:spcBef>
-              <a:buClr>
-                <a:schemeClr val="tx2"/>
-              </a:buClr>
-              <a:buFontTx/>
-              <a:buChar char="•"/>
-              <a:defRPr kumimoji="0" sz="1400" kern="1200" baseline="0">
-                <a:solidFill>
-                  <a:schemeClr val="tx1"/>
-                </a:solidFill>
-                <a:latin typeface="+mn-lt"/>
-                <a:ea typeface="+mn-ea"/>
-                <a:cs typeface="+mn-cs"/>
-              </a:defRPr>
-            </a:lvl9pPr>
-          </a:lstStyle>
-          <a:p>
-            <a:pPr marL="0" indent="0">
-              <a:buNone/>
-            </a:pPr>
-            <a:r>
-              <a:rPr lang="en-US" b="1" dirty="0" smtClean="0"/>
-              <a:t>PRIMA VERSIONE -  Team Management</a:t>
-            </a:r>
-          </a:p>
-          <a:p>
-            <a:pPr marL="0" indent="0">
-              <a:buNone/>
-            </a:pPr>
-            <a:endParaRPr lang="en-US" dirty="0" smtClean="0"/>
-          </a:p>
-          <a:p>
-            <a:endParaRPr lang="en-US" dirty="0" smtClean="0"/>
-          </a:p>
-          <a:p>
-            <a:pPr marL="0" indent="0">
-              <a:buNone/>
-            </a:pPr>
-            <a:endParaRPr lang="en-US" dirty="0" smtClean="0"/>
-          </a:p>
-        </p:txBody>
-      </p:sp>
-      <p:pic>
-        <p:nvPicPr>
-          <p:cNvPr id="4098" name="Picture 2"/>
-          <p:cNvPicPr>
-            <a:picLocks noChangeAspect="1" noChangeArrowheads="1"/>
-          </p:cNvPicPr>
-          <p:nvPr/>
-        </p:nvPicPr>
-        <p:blipFill>
-          <a:blip r:embed="rId2" cstate="print"/>
-          <a:srcRect/>
-          <a:stretch>
-            <a:fillRect/>
-          </a:stretch>
-        </p:blipFill>
-        <p:spPr bwMode="auto">
-          <a:xfrm>
-            <a:off x="1697162" y="1368152"/>
-            <a:ext cx="5467126" cy="5085184"/>
-          </a:xfrm>
-          <a:prstGeom prst="rect">
-            <a:avLst/>
-          </a:prstGeom>
-          <a:noFill/>
-          <a:ln w="9525">
-            <a:noFill/>
-            <a:miter lim="800000"/>
-            <a:headEnd/>
-            <a:tailEnd/>
-          </a:ln>
-        </p:spPr>
-      </p:pic>
-      <p:sp>
-        <p:nvSpPr>
-          <p:cNvPr id="5" name="Segnaposto numero diapositiva 4"/>
-          <p:cNvSpPr>
-            <a:spLocks noGrp="1"/>
-          </p:cNvSpPr>
-          <p:nvPr>
-            <p:ph type="sldNum" sz="quarter" idx="12"/>
-          </p:nvPr>
-        </p:nvSpPr>
-        <p:spPr/>
-        <p:txBody>
-          <a:bodyPr/>
-          <a:lstStyle/>
-          <a:p>
-            <a:fld id="{F89AEA99-3E91-4C58-9AD4-045DB5619AC3}" type="slidenum">
-              <a:rPr lang="it-IT" smtClean="0"/>
-              <a:pPr/>
-              <a:t>6</a:t>
-            </a:fld>
-            <a:endParaRPr lang="it-IT"/>
-          </a:p>
-        </p:txBody>
-      </p:sp>
-    </p:spTree>
-    <p:extLst>
-      <p:ext uri="{BB962C8B-B14F-4D97-AF65-F5344CB8AC3E}">
-        <p14:creationId xmlns="" xmlns:p14="http://schemas.microsoft.com/office/powerpoint/2010/main" val="155874689"/>
-      </p:ext>
-    </p:extLst>
-  </p:cSld>
-  <p:clrMapOvr>
-    <a:masterClrMapping/>
-  </p:clrMapOvr>
-  <mc:AlternateContent xmlns:mc="http://schemas.openxmlformats.org/markup-compatibility/2006">
-    <mc:Choice xmlns="" xmlns:p14="http://schemas.microsoft.com/office/powerpoint/2010/main" Requires="p14">
-      <p:transition spd="slow" p14:dur="2000"/>
-    </mc:Choice>
-    <mc:Fallback>
-      <p:transition spd="slow"/>
-    </mc:Fallback>
-  </mc:AlternateContent>
-  <p:timing>
-    <p:tnLst>
-      <p:par>
-        <p:cTn id="1" dur="indefinite" restart="never" nodeType="tmRoot">
-          <p:childTnLst>
-            <p:seq concurrent="1" nextAc="seek">
-              <p:cTn id="2" dur="indefinite" nodeType="mainSeq">
-                <p:childTnLst>
                   <p:par>
-                    <p:cTn id="3" fill="hold">
+                    <p:cTn id="13" fill="hold">
                       <p:stCondLst>
                         <p:cond delay="indefinite"/>
-                        <p:cond evt="onBegin" delay="0">
-                          <p:tn val="2"/>
-                        </p:cond>
                       </p:stCondLst>
                       <p:childTnLst>
                         <p:par>
-                          <p:cTn id="4" fill="hold">
+                          <p:cTn id="14" fill="hold">
                             <p:stCondLst>
                               <p:cond delay="0"/>
                             </p:stCondLst>
                             <p:childTnLst>
                               <p:par>
-                                <p:cTn id="5" presetID="6" presetClass="emph" presetSubtype="0" fill="hold" nodeType="afterEffect">
+                                <p:cTn id="15" presetID="1" presetClass="entr" presetSubtype="0" fill="hold" nodeType="clickEffect">
+                                  <p:stCondLst>
+                                    <p:cond delay="0"/>
+                                  </p:stCondLst>
+                                  <p:childTnLst>
+                                    <p:set>
+                                      <p:cBhvr>
+                                        <p:cTn id="16" dur="1" fill="hold">
+                                          <p:stCondLst>
+                                            <p:cond delay="0"/>
+                                          </p:stCondLst>
+                                        </p:cTn>
+                                        <p:tgtEl>
+                                          <p:spTgt spid="6"/>
+                                        </p:tgtEl>
+                                        <p:attrNameLst>
+                                          <p:attrName>style.visibility</p:attrName>
+                                        </p:attrNameLst>
+                                      </p:cBhvr>
+                                      <p:to>
+                                        <p:strVal val="visible"/>
+                                      </p:to>
+                                    </p:set>
+                                  </p:childTnLst>
+                                </p:cTn>
+                              </p:par>
+                              <p:par>
+                                <p:cTn id="17" presetID="6" presetClass="emph" presetSubtype="0" fill="hold" nodeType="withEffect">
                                   <p:stCondLst>
                                     <p:cond delay="0"/>
                                   </p:stCondLst>
                                   <p:childTnLst>
                                     <p:animScale>
                                       <p:cBhvr>
-                                        <p:cTn id="6" dur="2000" fill="hold"/>
+                                        <p:cTn id="18" dur="2000" fill="hold"/>
                                         <p:tgtEl>
-                                          <p:spTgt spid="4098"/>
+                                          <p:spTgt spid="6"/>
                                         </p:tgtEl>
                                       </p:cBhvr>
                                       <p:by x="150000" y="150000"/>
@@ -18962,11 +15864,15 @@
         </p:cTn>
       </p:par>
     </p:tnLst>
+    <p:bldLst>
+      <p:bldP spid="4" grpId="0"/>
+      <p:bldP spid="3" grpId="0"/>
+    </p:bldLst>
   </p:timing>
 </p:sld>
 </file>
 
-<file path=ppt/slides/slide7.xml><?xml version="1.0" encoding="utf-8"?>
+<file path=ppt/slides/slide6.xml><?xml version="1.0" encoding="utf-8"?>
 <p:sld xmlns:a="http://schemas.openxmlformats.org/drawingml/2006/main" xmlns:r="http://schemas.openxmlformats.org/officeDocument/2006/relationships" xmlns:p="http://schemas.openxmlformats.org/presentationml/2006/main">
   <p:cSld>
     <p:spTree>
@@ -19038,32 +15944,6 @@
           </a:p>
         </p:txBody>
       </p:sp>
-      <p:pic>
-        <p:nvPicPr>
-          <p:cNvPr id="6148" name="Picture 4" descr="http://3.bp.blogspot.com/-mOfiMsC5kiU/TpYM3Oma-aI/AAAAAAAAAQw/YCAh3hWDChU/s1600/Errore.png"/>
-          <p:cNvPicPr>
-            <a:picLocks noChangeAspect="1" noChangeArrowheads="1"/>
-          </p:cNvPicPr>
-          <p:nvPr/>
-        </p:nvPicPr>
-        <p:blipFill>
-          <a:blip r:embed="rId3" cstate="print"/>
-          <a:srcRect/>
-          <a:stretch>
-            <a:fillRect/>
-          </a:stretch>
-        </p:blipFill>
-        <p:spPr bwMode="auto">
-          <a:xfrm>
-            <a:off x="5364088" y="908720"/>
-            <a:ext cx="648072" cy="648072"/>
-          </a:xfrm>
-          <a:prstGeom prst="rect">
-            <a:avLst/>
-          </a:prstGeom>
-          <a:noFill/>
-        </p:spPr>
-      </p:pic>
       <p:sp>
         <p:nvSpPr>
           <p:cNvPr id="6" name="Content Placeholder 3"/>
@@ -19459,7 +16339,6 @@
               <a:rPr lang="it-IT" sz="2800" dirty="0" smtClean="0"/>
               <a:t>Bassa coesione nella suddivisione </a:t>
             </a:r>
-            <a:endParaRPr lang="it-IT" sz="2800" dirty="0" smtClean="0"/>
           </a:p>
           <a:p>
             <a:pPr marL="274320" lvl="1" indent="-274320">
@@ -19468,19 +16347,7 @@
             </a:pPr>
             <a:r>
               <a:rPr lang="it-IT" sz="2800" dirty="0" smtClean="0"/>
-              <a:t> </a:t>
-            </a:r>
-            <a:r>
-              <a:rPr lang="it-IT" sz="2800" dirty="0" smtClean="0"/>
-              <a:t>     </a:t>
-            </a:r>
-            <a:r>
-              <a:rPr lang="it-IT" sz="2800" dirty="0" smtClean="0"/>
-              <a:t>di </a:t>
-            </a:r>
-            <a:r>
-              <a:rPr lang="it-IT" sz="2800" dirty="0" smtClean="0"/>
-              <a:t>primo livello</a:t>
+              <a:t>      di primo livello</a:t>
             </a:r>
           </a:p>
         </p:txBody>
@@ -19503,7 +16370,7 @@
             <a:fld id="{F89AEA99-3E91-4C58-9AD4-045DB5619AC3}" type="slidenum">
               <a:rPr lang="it-IT" smtClean="0"/>
               <a:pPr/>
-              <a:t>7</a:t>
+              <a:t>6</a:t>
             </a:fld>
             <a:endParaRPr lang="it-IT"/>
           </a:p>
@@ -19704,7 +16571,7 @@
 </p:sld>
 </file>
 
-<file path=ppt/slides/slide8.xml><?xml version="1.0" encoding="utf-8"?>
+<file path=ppt/slides/slide7.xml><?xml version="1.0" encoding="utf-8"?>
 <p:sld xmlns:a="http://schemas.openxmlformats.org/drawingml/2006/main" xmlns:r="http://schemas.openxmlformats.org/officeDocument/2006/relationships" xmlns:p="http://schemas.openxmlformats.org/presentationml/2006/main">
   <p:cSld>
     <p:spTree>
@@ -20024,7 +16891,7 @@
             <a:fld id="{F89AEA99-3E91-4C58-9AD4-045DB5619AC3}" type="slidenum">
               <a:rPr lang="it-IT" smtClean="0"/>
               <a:pPr/>
-              <a:t>8</a:t>
+              <a:t>7</a:t>
             </a:fld>
             <a:endParaRPr lang="it-IT"/>
           </a:p>
@@ -20707,7 +17574,7 @@
 </p:sld>
 </file>
 
-<file path=ppt/slides/slide9.xml><?xml version="1.0" encoding="utf-8"?>
+<file path=ppt/slides/slide8.xml><?xml version="1.0" encoding="utf-8"?>
 <p:sld xmlns:a="http://schemas.openxmlformats.org/drawingml/2006/main" xmlns:r="http://schemas.openxmlformats.org/officeDocument/2006/relationships" xmlns:p="http://schemas.openxmlformats.org/presentationml/2006/main">
   <p:cSld>
     <p:spTree>
@@ -20779,37 +17646,6 @@
           </a:p>
         </p:txBody>
       </p:sp>
-      <p:pic>
-        <p:nvPicPr>
-          <p:cNvPr id="4" name="Picture 2" descr="http://whywedoit.files.wordpress.com/2009/04/smile.jpg"/>
-          <p:cNvPicPr>
-            <a:picLocks noChangeAspect="1" noChangeArrowheads="1"/>
-          </p:cNvPicPr>
-          <p:nvPr/>
-        </p:nvPicPr>
-        <p:blipFill>
-          <a:blip r:embed="rId3" cstate="print"/>
-          <a:srcRect/>
-          <a:stretch>
-            <a:fillRect/>
-          </a:stretch>
-        </p:blipFill>
-        <p:spPr bwMode="auto">
-          <a:xfrm>
-            <a:off x="7308304" y="973888"/>
-            <a:ext cx="969227" cy="726920"/>
-          </a:xfrm>
-          <a:prstGeom prst="rect">
-            <a:avLst/>
-          </a:prstGeom>
-          <a:ln>
-            <a:noFill/>
-          </a:ln>
-          <a:effectLst>
-            <a:softEdge rad="112500"/>
-          </a:effectLst>
-        </p:spPr>
-      </p:pic>
       <p:sp>
         <p:nvSpPr>
           <p:cNvPr id="6" name="Content Placeholder 3"/>
@@ -21070,7 +17906,7 @@
             <a:fld id="{F89AEA99-3E91-4C58-9AD4-045DB5619AC3}" type="slidenum">
               <a:rPr lang="it-IT" smtClean="0"/>
               <a:pPr/>
-              <a:t>9</a:t>
+              <a:t>8</a:t>
             </a:fld>
             <a:endParaRPr lang="it-IT"/>
           </a:p>
@@ -21234,6 +18070,1406 @@
     </p:tnLst>
     <p:bldLst>
       <p:bldP spid="6" grpId="0"/>
+    </p:bldLst>
+  </p:timing>
+</p:sld>
+</file>
+
+<file path=ppt/slides/slide9.xml><?xml version="1.0" encoding="utf-8"?>
+<p:sld xmlns:a="http://schemas.openxmlformats.org/drawingml/2006/main" xmlns:r="http://schemas.openxmlformats.org/officeDocument/2006/relationships" xmlns:p="http://schemas.openxmlformats.org/presentationml/2006/main">
+  <p:cSld>
+    <p:spTree>
+      <p:nvGrpSpPr>
+        <p:cNvPr id="1" name=""/>
+        <p:cNvGrpSpPr/>
+        <p:nvPr/>
+      </p:nvGrpSpPr>
+      <p:grpSpPr>
+        <a:xfrm>
+          <a:off x="0" y="0"/>
+          <a:ext cx="0" cy="0"/>
+          <a:chOff x="0" y="0"/>
+          <a:chExt cx="0" cy="0"/>
+        </a:xfrm>
+      </p:grpSpPr>
+      <p:pic>
+        <p:nvPicPr>
+          <p:cNvPr id="1026" name="Picture 2"/>
+          <p:cNvPicPr>
+            <a:picLocks noChangeAspect="1" noChangeArrowheads="1"/>
+          </p:cNvPicPr>
+          <p:nvPr/>
+        </p:nvPicPr>
+        <p:blipFill>
+          <a:blip r:embed="rId2" cstate="print"/>
+          <a:srcRect/>
+          <a:stretch>
+            <a:fillRect/>
+          </a:stretch>
+        </p:blipFill>
+        <p:spPr bwMode="auto">
+          <a:xfrm>
+            <a:off x="3491880" y="726736"/>
+            <a:ext cx="5472608" cy="5870616"/>
+          </a:xfrm>
+          <a:prstGeom prst="rect">
+            <a:avLst/>
+          </a:prstGeom>
+          <a:noFill/>
+          <a:ln w="9525">
+            <a:noFill/>
+            <a:miter lim="800000"/>
+            <a:headEnd/>
+            <a:tailEnd/>
+          </a:ln>
+        </p:spPr>
+      </p:pic>
+      <p:sp>
+        <p:nvSpPr>
+          <p:cNvPr id="7" name="Content Placeholder 3"/>
+          <p:cNvSpPr txBox="1">
+            <a:spLocks/>
+          </p:cNvSpPr>
+          <p:nvPr/>
+        </p:nvSpPr>
+        <p:spPr>
+          <a:xfrm>
+            <a:off x="539552" y="692696"/>
+            <a:ext cx="3528392" cy="936104"/>
+          </a:xfrm>
+          <a:prstGeom prst="rect">
+            <a:avLst/>
+          </a:prstGeom>
+        </p:spPr>
+        <p:txBody>
+          <a:bodyPr tIns="0"/>
+          <a:lstStyle>
+            <a:lvl1pPr marL="274320" indent="-274320" algn="l" rtl="0" eaLnBrk="1" latinLnBrk="0" hangingPunct="1">
+              <a:spcBef>
+                <a:spcPct val="20000"/>
+              </a:spcBef>
+              <a:buClrTx/>
+              <a:buSzPct val="95000"/>
+              <a:buFont typeface="Wingdings" pitchFamily="2" charset="2"/>
+              <a:buChar char="v"/>
+              <a:defRPr kumimoji="0" sz="2800" kern="1200">
+                <a:solidFill>
+                  <a:schemeClr val="tx1"/>
+                </a:solidFill>
+                <a:latin typeface="+mn-lt"/>
+                <a:ea typeface="+mn-ea"/>
+                <a:cs typeface="+mn-cs"/>
+              </a:defRPr>
+            </a:lvl1pPr>
+            <a:lvl2pPr marL="640080" indent="-246888" algn="l" rtl="0" eaLnBrk="1" latinLnBrk="0" hangingPunct="1">
+              <a:spcBef>
+                <a:spcPct val="20000"/>
+              </a:spcBef>
+              <a:buClrTx/>
+              <a:buSzPct val="85000"/>
+              <a:buFont typeface="Courier New" pitchFamily="49" charset="0"/>
+              <a:buChar char="o"/>
+              <a:defRPr kumimoji="0" sz="2600" kern="1200">
+                <a:solidFill>
+                  <a:schemeClr val="tx1"/>
+                </a:solidFill>
+                <a:latin typeface="+mn-lt"/>
+                <a:ea typeface="+mn-ea"/>
+                <a:cs typeface="+mn-cs"/>
+              </a:defRPr>
+            </a:lvl2pPr>
+            <a:lvl3pPr marL="914400" indent="-246888" algn="l" rtl="0" eaLnBrk="1" latinLnBrk="0" hangingPunct="1">
+              <a:spcBef>
+                <a:spcPct val="20000"/>
+              </a:spcBef>
+              <a:buClrTx/>
+              <a:buSzPct val="70000"/>
+              <a:buFont typeface="Wingdings 2"/>
+              <a:buChar char=""/>
+              <a:defRPr kumimoji="0" sz="2400" kern="1200">
+                <a:solidFill>
+                  <a:schemeClr val="tx1"/>
+                </a:solidFill>
+                <a:latin typeface="+mn-lt"/>
+                <a:ea typeface="+mn-ea"/>
+                <a:cs typeface="+mn-cs"/>
+              </a:defRPr>
+            </a:lvl3pPr>
+            <a:lvl4pPr marL="1188720" indent="-210312" algn="l" rtl="0" eaLnBrk="1" latinLnBrk="0" hangingPunct="1">
+              <a:spcBef>
+                <a:spcPct val="20000"/>
+              </a:spcBef>
+              <a:buClrTx/>
+              <a:buSzPct val="65000"/>
+              <a:buFont typeface="Wingdings 2"/>
+              <a:buChar char=""/>
+              <a:defRPr kumimoji="0" sz="2000" kern="1200">
+                <a:solidFill>
+                  <a:schemeClr val="tx1"/>
+                </a:solidFill>
+                <a:latin typeface="+mn-lt"/>
+                <a:ea typeface="+mn-ea"/>
+                <a:cs typeface="+mn-cs"/>
+              </a:defRPr>
+            </a:lvl4pPr>
+            <a:lvl5pPr marL="1463040" indent="-210312" algn="l" rtl="0" eaLnBrk="1" latinLnBrk="0" hangingPunct="1">
+              <a:spcBef>
+                <a:spcPct val="20000"/>
+              </a:spcBef>
+              <a:buClrTx/>
+              <a:buSzPct val="65000"/>
+              <a:buFont typeface="Wingdings 2"/>
+              <a:buChar char=""/>
+              <a:defRPr kumimoji="0" sz="1800" kern="1200">
+                <a:solidFill>
+                  <a:schemeClr val="tx1"/>
+                </a:solidFill>
+                <a:latin typeface="+mn-lt"/>
+                <a:ea typeface="+mn-ea"/>
+                <a:cs typeface="+mn-cs"/>
+              </a:defRPr>
+            </a:lvl5pPr>
+            <a:lvl6pPr marL="1737360" indent="-210312" algn="l" rtl="0" eaLnBrk="1" latinLnBrk="0" hangingPunct="1">
+              <a:spcBef>
+                <a:spcPct val="20000"/>
+              </a:spcBef>
+              <a:buClr>
+                <a:schemeClr val="accent5"/>
+              </a:buClr>
+              <a:buSzPct val="80000"/>
+              <a:buFont typeface="Wingdings 2"/>
+              <a:buChar char=""/>
+              <a:defRPr kumimoji="0" sz="1800" kern="1200">
+                <a:solidFill>
+                  <a:schemeClr val="tx1"/>
+                </a:solidFill>
+                <a:latin typeface="+mn-lt"/>
+                <a:ea typeface="+mn-ea"/>
+                <a:cs typeface="+mn-cs"/>
+              </a:defRPr>
+            </a:lvl6pPr>
+            <a:lvl7pPr marL="1920240" indent="-182880" algn="l" rtl="0" eaLnBrk="1" latinLnBrk="0" hangingPunct="1">
+              <a:spcBef>
+                <a:spcPct val="20000"/>
+              </a:spcBef>
+              <a:buClr>
+                <a:schemeClr val="accent6"/>
+              </a:buClr>
+              <a:buSzPct val="80000"/>
+              <a:buFont typeface="Wingdings 2"/>
+              <a:buChar char=""/>
+              <a:defRPr kumimoji="0" sz="1600" kern="1200" baseline="0">
+                <a:solidFill>
+                  <a:schemeClr val="tx1"/>
+                </a:solidFill>
+                <a:latin typeface="+mn-lt"/>
+                <a:ea typeface="+mn-ea"/>
+                <a:cs typeface="+mn-cs"/>
+              </a:defRPr>
+            </a:lvl7pPr>
+            <a:lvl8pPr marL="2194560" indent="-182880" algn="l" rtl="0" eaLnBrk="1" latinLnBrk="0" hangingPunct="1">
+              <a:spcBef>
+                <a:spcPct val="20000"/>
+              </a:spcBef>
+              <a:buClr>
+                <a:schemeClr val="tx2"/>
+              </a:buClr>
+              <a:buChar char="•"/>
+              <a:defRPr kumimoji="0" sz="1600" kern="1200">
+                <a:solidFill>
+                  <a:schemeClr val="tx1"/>
+                </a:solidFill>
+                <a:latin typeface="+mn-lt"/>
+                <a:ea typeface="+mn-ea"/>
+                <a:cs typeface="+mn-cs"/>
+              </a:defRPr>
+            </a:lvl8pPr>
+            <a:lvl9pPr marL="2468880" indent="-182880" algn="l" rtl="0" eaLnBrk="1" latinLnBrk="0" hangingPunct="1">
+              <a:spcBef>
+                <a:spcPct val="20000"/>
+              </a:spcBef>
+              <a:buClr>
+                <a:schemeClr val="tx2"/>
+              </a:buClr>
+              <a:buFontTx/>
+              <a:buChar char="•"/>
+              <a:defRPr kumimoji="0" sz="1400" kern="1200" baseline="0">
+                <a:solidFill>
+                  <a:schemeClr val="tx1"/>
+                </a:solidFill>
+                <a:latin typeface="+mn-lt"/>
+                <a:ea typeface="+mn-ea"/>
+                <a:cs typeface="+mn-cs"/>
+              </a:defRPr>
+            </a:lvl9pPr>
+          </a:lstStyle>
+          <a:p>
+            <a:pPr marL="0" indent="0">
+              <a:buNone/>
+            </a:pPr>
+            <a:r>
+              <a:rPr lang="it-IT" b="1" dirty="0" smtClean="0"/>
+              <a:t>TERZA VERSIONE</a:t>
+            </a:r>
+          </a:p>
+          <a:p>
+            <a:pPr marL="0" indent="0">
+              <a:buNone/>
+            </a:pPr>
+            <a:r>
+              <a:rPr lang="it-IT" sz="2600" b="1" i="1" dirty="0" smtClean="0"/>
+              <a:t>definitiva</a:t>
+            </a:r>
+          </a:p>
+          <a:p>
+            <a:pPr marL="0" indent="0">
+              <a:buNone/>
+            </a:pPr>
+            <a:r>
+              <a:rPr lang="it-IT" sz="1000" b="1" dirty="0" smtClean="0"/>
+              <a:t> </a:t>
+            </a:r>
+            <a:endParaRPr lang="it-IT" dirty="0" smtClean="0"/>
+          </a:p>
+          <a:p>
+            <a:pPr marL="0" indent="0">
+              <a:buNone/>
+            </a:pPr>
+            <a:r>
+              <a:rPr lang="it-IT" sz="500" dirty="0" smtClean="0"/>
+              <a:t> </a:t>
+            </a:r>
+          </a:p>
+          <a:p>
+            <a:pPr marL="0" indent="0">
+              <a:buNone/>
+            </a:pPr>
+            <a:endParaRPr lang="it-IT" sz="2600" dirty="0"/>
+          </a:p>
+        </p:txBody>
+      </p:sp>
+      <p:sp>
+        <p:nvSpPr>
+          <p:cNvPr id="12" name="Rettangolo 11"/>
+          <p:cNvSpPr/>
+          <p:nvPr/>
+        </p:nvSpPr>
+        <p:spPr>
+          <a:xfrm>
+            <a:off x="4644008" y="3717032"/>
+            <a:ext cx="3744416" cy="720080"/>
+          </a:xfrm>
+          <a:prstGeom prst="rect">
+            <a:avLst/>
+          </a:prstGeom>
+          <a:noFill/>
+        </p:spPr>
+        <p:style>
+          <a:lnRef idx="2">
+            <a:schemeClr val="accent4"/>
+          </a:lnRef>
+          <a:fillRef idx="1">
+            <a:schemeClr val="lt1"/>
+          </a:fillRef>
+          <a:effectRef idx="0">
+            <a:schemeClr val="accent4"/>
+          </a:effectRef>
+          <a:fontRef idx="minor">
+            <a:schemeClr val="dk1"/>
+          </a:fontRef>
+        </p:style>
+        <p:txBody>
+          <a:bodyPr rtlCol="0" anchor="ctr"/>
+          <a:lstStyle/>
+          <a:p>
+            <a:pPr algn="ctr"/>
+            <a:endParaRPr lang="it-IT"/>
+          </a:p>
+        </p:txBody>
+      </p:sp>
+      <p:sp>
+        <p:nvSpPr>
+          <p:cNvPr id="13" name="Content Placeholder 3"/>
+          <p:cNvSpPr txBox="1">
+            <a:spLocks/>
+          </p:cNvSpPr>
+          <p:nvPr/>
+        </p:nvSpPr>
+        <p:spPr>
+          <a:xfrm>
+            <a:off x="251520" y="1916832"/>
+            <a:ext cx="3528392" cy="1296144"/>
+          </a:xfrm>
+          <a:prstGeom prst="rect">
+            <a:avLst/>
+          </a:prstGeom>
+        </p:spPr>
+        <p:txBody>
+          <a:bodyPr tIns="0"/>
+          <a:lstStyle>
+            <a:lvl1pPr marL="274320" indent="-274320" algn="l" rtl="0" eaLnBrk="1" latinLnBrk="0" hangingPunct="1">
+              <a:spcBef>
+                <a:spcPct val="20000"/>
+              </a:spcBef>
+              <a:buClrTx/>
+              <a:buSzPct val="95000"/>
+              <a:buFont typeface="Wingdings" pitchFamily="2" charset="2"/>
+              <a:buChar char="v"/>
+              <a:defRPr kumimoji="0" sz="2800" kern="1200">
+                <a:solidFill>
+                  <a:schemeClr val="tx1"/>
+                </a:solidFill>
+                <a:latin typeface="+mn-lt"/>
+                <a:ea typeface="+mn-ea"/>
+                <a:cs typeface="+mn-cs"/>
+              </a:defRPr>
+            </a:lvl1pPr>
+            <a:lvl2pPr marL="640080" indent="-246888" algn="l" rtl="0" eaLnBrk="1" latinLnBrk="0" hangingPunct="1">
+              <a:spcBef>
+                <a:spcPct val="20000"/>
+              </a:spcBef>
+              <a:buClrTx/>
+              <a:buSzPct val="85000"/>
+              <a:buFont typeface="Courier New" pitchFamily="49" charset="0"/>
+              <a:buChar char="o"/>
+              <a:defRPr kumimoji="0" sz="2600" kern="1200">
+                <a:solidFill>
+                  <a:schemeClr val="tx1"/>
+                </a:solidFill>
+                <a:latin typeface="+mn-lt"/>
+                <a:ea typeface="+mn-ea"/>
+                <a:cs typeface="+mn-cs"/>
+              </a:defRPr>
+            </a:lvl2pPr>
+            <a:lvl3pPr marL="914400" indent="-246888" algn="l" rtl="0" eaLnBrk="1" latinLnBrk="0" hangingPunct="1">
+              <a:spcBef>
+                <a:spcPct val="20000"/>
+              </a:spcBef>
+              <a:buClrTx/>
+              <a:buSzPct val="70000"/>
+              <a:buFont typeface="Wingdings 2"/>
+              <a:buChar char=""/>
+              <a:defRPr kumimoji="0" sz="2400" kern="1200">
+                <a:solidFill>
+                  <a:schemeClr val="tx1"/>
+                </a:solidFill>
+                <a:latin typeface="+mn-lt"/>
+                <a:ea typeface="+mn-ea"/>
+                <a:cs typeface="+mn-cs"/>
+              </a:defRPr>
+            </a:lvl3pPr>
+            <a:lvl4pPr marL="1188720" indent="-210312" algn="l" rtl="0" eaLnBrk="1" latinLnBrk="0" hangingPunct="1">
+              <a:spcBef>
+                <a:spcPct val="20000"/>
+              </a:spcBef>
+              <a:buClrTx/>
+              <a:buSzPct val="65000"/>
+              <a:buFont typeface="Wingdings 2"/>
+              <a:buChar char=""/>
+              <a:defRPr kumimoji="0" sz="2000" kern="1200">
+                <a:solidFill>
+                  <a:schemeClr val="tx1"/>
+                </a:solidFill>
+                <a:latin typeface="+mn-lt"/>
+                <a:ea typeface="+mn-ea"/>
+                <a:cs typeface="+mn-cs"/>
+              </a:defRPr>
+            </a:lvl4pPr>
+            <a:lvl5pPr marL="1463040" indent="-210312" algn="l" rtl="0" eaLnBrk="1" latinLnBrk="0" hangingPunct="1">
+              <a:spcBef>
+                <a:spcPct val="20000"/>
+              </a:spcBef>
+              <a:buClrTx/>
+              <a:buSzPct val="65000"/>
+              <a:buFont typeface="Wingdings 2"/>
+              <a:buChar char=""/>
+              <a:defRPr kumimoji="0" sz="1800" kern="1200">
+                <a:solidFill>
+                  <a:schemeClr val="tx1"/>
+                </a:solidFill>
+                <a:latin typeface="+mn-lt"/>
+                <a:ea typeface="+mn-ea"/>
+                <a:cs typeface="+mn-cs"/>
+              </a:defRPr>
+            </a:lvl5pPr>
+            <a:lvl6pPr marL="1737360" indent="-210312" algn="l" rtl="0" eaLnBrk="1" latinLnBrk="0" hangingPunct="1">
+              <a:spcBef>
+                <a:spcPct val="20000"/>
+              </a:spcBef>
+              <a:buClr>
+                <a:schemeClr val="accent5"/>
+              </a:buClr>
+              <a:buSzPct val="80000"/>
+              <a:buFont typeface="Wingdings 2"/>
+              <a:buChar char=""/>
+              <a:defRPr kumimoji="0" sz="1800" kern="1200">
+                <a:solidFill>
+                  <a:schemeClr val="tx1"/>
+                </a:solidFill>
+                <a:latin typeface="+mn-lt"/>
+                <a:ea typeface="+mn-ea"/>
+                <a:cs typeface="+mn-cs"/>
+              </a:defRPr>
+            </a:lvl6pPr>
+            <a:lvl7pPr marL="1920240" indent="-182880" algn="l" rtl="0" eaLnBrk="1" latinLnBrk="0" hangingPunct="1">
+              <a:spcBef>
+                <a:spcPct val="20000"/>
+              </a:spcBef>
+              <a:buClr>
+                <a:schemeClr val="accent6"/>
+              </a:buClr>
+              <a:buSzPct val="80000"/>
+              <a:buFont typeface="Wingdings 2"/>
+              <a:buChar char=""/>
+              <a:defRPr kumimoji="0" sz="1600" kern="1200" baseline="0">
+                <a:solidFill>
+                  <a:schemeClr val="tx1"/>
+                </a:solidFill>
+                <a:latin typeface="+mn-lt"/>
+                <a:ea typeface="+mn-ea"/>
+                <a:cs typeface="+mn-cs"/>
+              </a:defRPr>
+            </a:lvl7pPr>
+            <a:lvl8pPr marL="2194560" indent="-182880" algn="l" rtl="0" eaLnBrk="1" latinLnBrk="0" hangingPunct="1">
+              <a:spcBef>
+                <a:spcPct val="20000"/>
+              </a:spcBef>
+              <a:buClr>
+                <a:schemeClr val="tx2"/>
+              </a:buClr>
+              <a:buChar char="•"/>
+              <a:defRPr kumimoji="0" sz="1600" kern="1200">
+                <a:solidFill>
+                  <a:schemeClr val="tx1"/>
+                </a:solidFill>
+                <a:latin typeface="+mn-lt"/>
+                <a:ea typeface="+mn-ea"/>
+                <a:cs typeface="+mn-cs"/>
+              </a:defRPr>
+            </a:lvl8pPr>
+            <a:lvl9pPr marL="2468880" indent="-182880" algn="l" rtl="0" eaLnBrk="1" latinLnBrk="0" hangingPunct="1">
+              <a:spcBef>
+                <a:spcPct val="20000"/>
+              </a:spcBef>
+              <a:buClr>
+                <a:schemeClr val="tx2"/>
+              </a:buClr>
+              <a:buFontTx/>
+              <a:buChar char="•"/>
+              <a:defRPr kumimoji="0" sz="1400" kern="1200" baseline="0">
+                <a:solidFill>
+                  <a:schemeClr val="tx1"/>
+                </a:solidFill>
+                <a:latin typeface="+mn-lt"/>
+                <a:ea typeface="+mn-ea"/>
+                <a:cs typeface="+mn-cs"/>
+              </a:defRPr>
+            </a:lvl9pPr>
+          </a:lstStyle>
+          <a:p>
+            <a:pPr marL="0" indent="0"/>
+            <a:r>
+              <a:rPr lang="it-IT" dirty="0" smtClean="0"/>
+              <a:t> Necessaria con l’aggiunta di nuovi requisiti funzionali</a:t>
+            </a:r>
+            <a:endParaRPr lang="it-IT" sz="2400" i="1" dirty="0" smtClean="0">
+              <a:solidFill>
+                <a:schemeClr val="accent5"/>
+              </a:solidFill>
+            </a:endParaRPr>
+          </a:p>
+          <a:p>
+            <a:pPr marL="365760" lvl="1" indent="0"/>
+            <a:endParaRPr lang="it-IT" dirty="0" smtClean="0"/>
+          </a:p>
+          <a:p>
+            <a:pPr marL="0" indent="0">
+              <a:buNone/>
+            </a:pPr>
+            <a:r>
+              <a:rPr lang="it-IT" sz="500" dirty="0" smtClean="0"/>
+              <a:t> </a:t>
+            </a:r>
+          </a:p>
+          <a:p>
+            <a:pPr marL="0" indent="0">
+              <a:buNone/>
+            </a:pPr>
+            <a:endParaRPr lang="it-IT" sz="2600" dirty="0"/>
+          </a:p>
+        </p:txBody>
+      </p:sp>
+      <p:sp>
+        <p:nvSpPr>
+          <p:cNvPr id="14" name="Freccia a destra 13"/>
+          <p:cNvSpPr/>
+          <p:nvPr/>
+        </p:nvSpPr>
+        <p:spPr>
+          <a:xfrm>
+            <a:off x="683568" y="5949280"/>
+            <a:ext cx="432048" cy="288032"/>
+          </a:xfrm>
+          <a:prstGeom prst="rightArrow">
+            <a:avLst>
+              <a:gd name="adj1" fmla="val 57648"/>
+              <a:gd name="adj2" fmla="val 65299"/>
+            </a:avLst>
+          </a:prstGeom>
+        </p:spPr>
+        <p:style>
+          <a:lnRef idx="1">
+            <a:schemeClr val="accent2"/>
+          </a:lnRef>
+          <a:fillRef idx="3">
+            <a:schemeClr val="accent2"/>
+          </a:fillRef>
+          <a:effectRef idx="2">
+            <a:schemeClr val="accent2"/>
+          </a:effectRef>
+          <a:fontRef idx="minor">
+            <a:schemeClr val="lt1"/>
+          </a:fontRef>
+        </p:style>
+        <p:txBody>
+          <a:bodyPr rtlCol="0" anchor="ctr"/>
+          <a:lstStyle/>
+          <a:p>
+            <a:pPr algn="ctr"/>
+            <a:endParaRPr lang="it-IT"/>
+          </a:p>
+        </p:txBody>
+      </p:sp>
+      <p:sp>
+        <p:nvSpPr>
+          <p:cNvPr id="8" name="Content Placeholder 3"/>
+          <p:cNvSpPr txBox="1">
+            <a:spLocks/>
+          </p:cNvSpPr>
+          <p:nvPr/>
+        </p:nvSpPr>
+        <p:spPr>
+          <a:xfrm>
+            <a:off x="1115616" y="5877272"/>
+            <a:ext cx="2376264" cy="504056"/>
+          </a:xfrm>
+          <a:prstGeom prst="rect">
+            <a:avLst/>
+          </a:prstGeom>
+        </p:spPr>
+        <p:txBody>
+          <a:bodyPr tIns="0"/>
+          <a:lstStyle>
+            <a:lvl1pPr marL="274320" indent="-274320" algn="l" rtl="0" eaLnBrk="1" latinLnBrk="0" hangingPunct="1">
+              <a:spcBef>
+                <a:spcPct val="20000"/>
+              </a:spcBef>
+              <a:buClrTx/>
+              <a:buSzPct val="95000"/>
+              <a:buFont typeface="Wingdings" pitchFamily="2" charset="2"/>
+              <a:buChar char="v"/>
+              <a:defRPr kumimoji="0" sz="2800" kern="1200">
+                <a:solidFill>
+                  <a:schemeClr val="tx1"/>
+                </a:solidFill>
+                <a:latin typeface="+mn-lt"/>
+                <a:ea typeface="+mn-ea"/>
+                <a:cs typeface="+mn-cs"/>
+              </a:defRPr>
+            </a:lvl1pPr>
+            <a:lvl2pPr marL="640080" indent="-246888" algn="l" rtl="0" eaLnBrk="1" latinLnBrk="0" hangingPunct="1">
+              <a:spcBef>
+                <a:spcPct val="20000"/>
+              </a:spcBef>
+              <a:buClrTx/>
+              <a:buSzPct val="85000"/>
+              <a:buFont typeface="Courier New" pitchFamily="49" charset="0"/>
+              <a:buChar char="o"/>
+              <a:defRPr kumimoji="0" sz="2600" kern="1200">
+                <a:solidFill>
+                  <a:schemeClr val="tx1"/>
+                </a:solidFill>
+                <a:latin typeface="+mn-lt"/>
+                <a:ea typeface="+mn-ea"/>
+                <a:cs typeface="+mn-cs"/>
+              </a:defRPr>
+            </a:lvl2pPr>
+            <a:lvl3pPr marL="914400" indent="-246888" algn="l" rtl="0" eaLnBrk="1" latinLnBrk="0" hangingPunct="1">
+              <a:spcBef>
+                <a:spcPct val="20000"/>
+              </a:spcBef>
+              <a:buClrTx/>
+              <a:buSzPct val="70000"/>
+              <a:buFont typeface="Wingdings 2"/>
+              <a:buChar char=""/>
+              <a:defRPr kumimoji="0" sz="2400" kern="1200">
+                <a:solidFill>
+                  <a:schemeClr val="tx1"/>
+                </a:solidFill>
+                <a:latin typeface="+mn-lt"/>
+                <a:ea typeface="+mn-ea"/>
+                <a:cs typeface="+mn-cs"/>
+              </a:defRPr>
+            </a:lvl3pPr>
+            <a:lvl4pPr marL="1188720" indent="-210312" algn="l" rtl="0" eaLnBrk="1" latinLnBrk="0" hangingPunct="1">
+              <a:spcBef>
+                <a:spcPct val="20000"/>
+              </a:spcBef>
+              <a:buClrTx/>
+              <a:buSzPct val="65000"/>
+              <a:buFont typeface="Wingdings 2"/>
+              <a:buChar char=""/>
+              <a:defRPr kumimoji="0" sz="2000" kern="1200">
+                <a:solidFill>
+                  <a:schemeClr val="tx1"/>
+                </a:solidFill>
+                <a:latin typeface="+mn-lt"/>
+                <a:ea typeface="+mn-ea"/>
+                <a:cs typeface="+mn-cs"/>
+              </a:defRPr>
+            </a:lvl4pPr>
+            <a:lvl5pPr marL="1463040" indent="-210312" algn="l" rtl="0" eaLnBrk="1" latinLnBrk="0" hangingPunct="1">
+              <a:spcBef>
+                <a:spcPct val="20000"/>
+              </a:spcBef>
+              <a:buClrTx/>
+              <a:buSzPct val="65000"/>
+              <a:buFont typeface="Wingdings 2"/>
+              <a:buChar char=""/>
+              <a:defRPr kumimoji="0" sz="1800" kern="1200">
+                <a:solidFill>
+                  <a:schemeClr val="tx1"/>
+                </a:solidFill>
+                <a:latin typeface="+mn-lt"/>
+                <a:ea typeface="+mn-ea"/>
+                <a:cs typeface="+mn-cs"/>
+              </a:defRPr>
+            </a:lvl5pPr>
+            <a:lvl6pPr marL="1737360" indent="-210312" algn="l" rtl="0" eaLnBrk="1" latinLnBrk="0" hangingPunct="1">
+              <a:spcBef>
+                <a:spcPct val="20000"/>
+              </a:spcBef>
+              <a:buClr>
+                <a:schemeClr val="accent5"/>
+              </a:buClr>
+              <a:buSzPct val="80000"/>
+              <a:buFont typeface="Wingdings 2"/>
+              <a:buChar char=""/>
+              <a:defRPr kumimoji="0" sz="1800" kern="1200">
+                <a:solidFill>
+                  <a:schemeClr val="tx1"/>
+                </a:solidFill>
+                <a:latin typeface="+mn-lt"/>
+                <a:ea typeface="+mn-ea"/>
+                <a:cs typeface="+mn-cs"/>
+              </a:defRPr>
+            </a:lvl6pPr>
+            <a:lvl7pPr marL="1920240" indent="-182880" algn="l" rtl="0" eaLnBrk="1" latinLnBrk="0" hangingPunct="1">
+              <a:spcBef>
+                <a:spcPct val="20000"/>
+              </a:spcBef>
+              <a:buClr>
+                <a:schemeClr val="accent6"/>
+              </a:buClr>
+              <a:buSzPct val="80000"/>
+              <a:buFont typeface="Wingdings 2"/>
+              <a:buChar char=""/>
+              <a:defRPr kumimoji="0" sz="1600" kern="1200" baseline="0">
+                <a:solidFill>
+                  <a:schemeClr val="tx1"/>
+                </a:solidFill>
+                <a:latin typeface="+mn-lt"/>
+                <a:ea typeface="+mn-ea"/>
+                <a:cs typeface="+mn-cs"/>
+              </a:defRPr>
+            </a:lvl7pPr>
+            <a:lvl8pPr marL="2194560" indent="-182880" algn="l" rtl="0" eaLnBrk="1" latinLnBrk="0" hangingPunct="1">
+              <a:spcBef>
+                <a:spcPct val="20000"/>
+              </a:spcBef>
+              <a:buClr>
+                <a:schemeClr val="tx2"/>
+              </a:buClr>
+              <a:buChar char="•"/>
+              <a:defRPr kumimoji="0" sz="1600" kern="1200">
+                <a:solidFill>
+                  <a:schemeClr val="tx1"/>
+                </a:solidFill>
+                <a:latin typeface="+mn-lt"/>
+                <a:ea typeface="+mn-ea"/>
+                <a:cs typeface="+mn-cs"/>
+              </a:defRPr>
+            </a:lvl8pPr>
+            <a:lvl9pPr marL="2468880" indent="-182880" algn="l" rtl="0" eaLnBrk="1" latinLnBrk="0" hangingPunct="1">
+              <a:spcBef>
+                <a:spcPct val="20000"/>
+              </a:spcBef>
+              <a:buClr>
+                <a:schemeClr val="tx2"/>
+              </a:buClr>
+              <a:buFontTx/>
+              <a:buChar char="•"/>
+              <a:defRPr kumimoji="0" sz="1400" kern="1200" baseline="0">
+                <a:solidFill>
+                  <a:schemeClr val="tx1"/>
+                </a:solidFill>
+                <a:latin typeface="+mn-lt"/>
+                <a:ea typeface="+mn-ea"/>
+                <a:cs typeface="+mn-cs"/>
+              </a:defRPr>
+            </a:lvl9pPr>
+          </a:lstStyle>
+          <a:p>
+            <a:pPr marL="0" indent="0">
+              <a:buNone/>
+            </a:pPr>
+            <a:r>
+              <a:rPr lang="it-IT" dirty="0" smtClean="0"/>
+              <a:t>9 sottosistemi</a:t>
+            </a:r>
+            <a:endParaRPr lang="it-IT" sz="2400" i="1" dirty="0" smtClean="0">
+              <a:solidFill>
+                <a:schemeClr val="accent5"/>
+              </a:solidFill>
+            </a:endParaRPr>
+          </a:p>
+          <a:p>
+            <a:pPr marL="365760" lvl="1" indent="0">
+              <a:buNone/>
+            </a:pPr>
+            <a:endParaRPr lang="it-IT" sz="2400" i="1" dirty="0" smtClean="0">
+              <a:solidFill>
+                <a:schemeClr val="accent5"/>
+              </a:solidFill>
+            </a:endParaRPr>
+          </a:p>
+          <a:p>
+            <a:pPr marL="365760" lvl="1" indent="0"/>
+            <a:endParaRPr lang="it-IT" dirty="0" smtClean="0"/>
+          </a:p>
+          <a:p>
+            <a:pPr marL="0" indent="0">
+              <a:buNone/>
+            </a:pPr>
+            <a:r>
+              <a:rPr lang="it-IT" sz="500" dirty="0" smtClean="0"/>
+              <a:t> </a:t>
+            </a:r>
+          </a:p>
+          <a:p>
+            <a:pPr marL="0" indent="0">
+              <a:buNone/>
+            </a:pPr>
+            <a:endParaRPr lang="it-IT" sz="2600" dirty="0"/>
+          </a:p>
+        </p:txBody>
+      </p:sp>
+      <p:sp>
+        <p:nvSpPr>
+          <p:cNvPr id="9" name="Segnaposto numero diapositiva 8"/>
+          <p:cNvSpPr>
+            <a:spLocks noGrp="1"/>
+          </p:cNvSpPr>
+          <p:nvPr>
+            <p:ph type="sldNum" sz="quarter" idx="12"/>
+          </p:nvPr>
+        </p:nvSpPr>
+        <p:spPr/>
+        <p:txBody>
+          <a:bodyPr/>
+          <a:lstStyle/>
+          <a:p>
+            <a:fld id="{F89AEA99-3E91-4C58-9AD4-045DB5619AC3}" type="slidenum">
+              <a:rPr lang="it-IT" smtClean="0"/>
+              <a:pPr/>
+              <a:t>9</a:t>
+            </a:fld>
+            <a:endParaRPr lang="it-IT"/>
+          </a:p>
+        </p:txBody>
+      </p:sp>
+      <p:sp>
+        <p:nvSpPr>
+          <p:cNvPr id="10" name="Content Placeholder 3"/>
+          <p:cNvSpPr txBox="1">
+            <a:spLocks/>
+          </p:cNvSpPr>
+          <p:nvPr/>
+        </p:nvSpPr>
+        <p:spPr>
+          <a:xfrm>
+            <a:off x="251520" y="3501008"/>
+            <a:ext cx="3528392" cy="2304256"/>
+          </a:xfrm>
+          <a:prstGeom prst="rect">
+            <a:avLst/>
+          </a:prstGeom>
+        </p:spPr>
+        <p:txBody>
+          <a:bodyPr tIns="0"/>
+          <a:lstStyle>
+            <a:lvl1pPr marL="274320" indent="-274320" algn="l" rtl="0" eaLnBrk="1" latinLnBrk="0" hangingPunct="1">
+              <a:spcBef>
+                <a:spcPct val="20000"/>
+              </a:spcBef>
+              <a:buClrTx/>
+              <a:buSzPct val="95000"/>
+              <a:buFont typeface="Wingdings" pitchFamily="2" charset="2"/>
+              <a:buChar char="v"/>
+              <a:defRPr kumimoji="0" sz="2800" kern="1200">
+                <a:solidFill>
+                  <a:schemeClr val="tx1"/>
+                </a:solidFill>
+                <a:latin typeface="+mn-lt"/>
+                <a:ea typeface="+mn-ea"/>
+                <a:cs typeface="+mn-cs"/>
+              </a:defRPr>
+            </a:lvl1pPr>
+            <a:lvl2pPr marL="640080" indent="-246888" algn="l" rtl="0" eaLnBrk="1" latinLnBrk="0" hangingPunct="1">
+              <a:spcBef>
+                <a:spcPct val="20000"/>
+              </a:spcBef>
+              <a:buClrTx/>
+              <a:buSzPct val="85000"/>
+              <a:buFont typeface="Courier New" pitchFamily="49" charset="0"/>
+              <a:buChar char="o"/>
+              <a:defRPr kumimoji="0" sz="2600" kern="1200">
+                <a:solidFill>
+                  <a:schemeClr val="tx1"/>
+                </a:solidFill>
+                <a:latin typeface="+mn-lt"/>
+                <a:ea typeface="+mn-ea"/>
+                <a:cs typeface="+mn-cs"/>
+              </a:defRPr>
+            </a:lvl2pPr>
+            <a:lvl3pPr marL="914400" indent="-246888" algn="l" rtl="0" eaLnBrk="1" latinLnBrk="0" hangingPunct="1">
+              <a:spcBef>
+                <a:spcPct val="20000"/>
+              </a:spcBef>
+              <a:buClrTx/>
+              <a:buSzPct val="70000"/>
+              <a:buFont typeface="Wingdings 2"/>
+              <a:buChar char=""/>
+              <a:defRPr kumimoji="0" sz="2400" kern="1200">
+                <a:solidFill>
+                  <a:schemeClr val="tx1"/>
+                </a:solidFill>
+                <a:latin typeface="+mn-lt"/>
+                <a:ea typeface="+mn-ea"/>
+                <a:cs typeface="+mn-cs"/>
+              </a:defRPr>
+            </a:lvl3pPr>
+            <a:lvl4pPr marL="1188720" indent="-210312" algn="l" rtl="0" eaLnBrk="1" latinLnBrk="0" hangingPunct="1">
+              <a:spcBef>
+                <a:spcPct val="20000"/>
+              </a:spcBef>
+              <a:buClrTx/>
+              <a:buSzPct val="65000"/>
+              <a:buFont typeface="Wingdings 2"/>
+              <a:buChar char=""/>
+              <a:defRPr kumimoji="0" sz="2000" kern="1200">
+                <a:solidFill>
+                  <a:schemeClr val="tx1"/>
+                </a:solidFill>
+                <a:latin typeface="+mn-lt"/>
+                <a:ea typeface="+mn-ea"/>
+                <a:cs typeface="+mn-cs"/>
+              </a:defRPr>
+            </a:lvl4pPr>
+            <a:lvl5pPr marL="1463040" indent="-210312" algn="l" rtl="0" eaLnBrk="1" latinLnBrk="0" hangingPunct="1">
+              <a:spcBef>
+                <a:spcPct val="20000"/>
+              </a:spcBef>
+              <a:buClrTx/>
+              <a:buSzPct val="65000"/>
+              <a:buFont typeface="Wingdings 2"/>
+              <a:buChar char=""/>
+              <a:defRPr kumimoji="0" sz="1800" kern="1200">
+                <a:solidFill>
+                  <a:schemeClr val="tx1"/>
+                </a:solidFill>
+                <a:latin typeface="+mn-lt"/>
+                <a:ea typeface="+mn-ea"/>
+                <a:cs typeface="+mn-cs"/>
+              </a:defRPr>
+            </a:lvl5pPr>
+            <a:lvl6pPr marL="1737360" indent="-210312" algn="l" rtl="0" eaLnBrk="1" latinLnBrk="0" hangingPunct="1">
+              <a:spcBef>
+                <a:spcPct val="20000"/>
+              </a:spcBef>
+              <a:buClr>
+                <a:schemeClr val="accent5"/>
+              </a:buClr>
+              <a:buSzPct val="80000"/>
+              <a:buFont typeface="Wingdings 2"/>
+              <a:buChar char=""/>
+              <a:defRPr kumimoji="0" sz="1800" kern="1200">
+                <a:solidFill>
+                  <a:schemeClr val="tx1"/>
+                </a:solidFill>
+                <a:latin typeface="+mn-lt"/>
+                <a:ea typeface="+mn-ea"/>
+                <a:cs typeface="+mn-cs"/>
+              </a:defRPr>
+            </a:lvl6pPr>
+            <a:lvl7pPr marL="1920240" indent="-182880" algn="l" rtl="0" eaLnBrk="1" latinLnBrk="0" hangingPunct="1">
+              <a:spcBef>
+                <a:spcPct val="20000"/>
+              </a:spcBef>
+              <a:buClr>
+                <a:schemeClr val="accent6"/>
+              </a:buClr>
+              <a:buSzPct val="80000"/>
+              <a:buFont typeface="Wingdings 2"/>
+              <a:buChar char=""/>
+              <a:defRPr kumimoji="0" sz="1600" kern="1200" baseline="0">
+                <a:solidFill>
+                  <a:schemeClr val="tx1"/>
+                </a:solidFill>
+                <a:latin typeface="+mn-lt"/>
+                <a:ea typeface="+mn-ea"/>
+                <a:cs typeface="+mn-cs"/>
+              </a:defRPr>
+            </a:lvl7pPr>
+            <a:lvl8pPr marL="2194560" indent="-182880" algn="l" rtl="0" eaLnBrk="1" latinLnBrk="0" hangingPunct="1">
+              <a:spcBef>
+                <a:spcPct val="20000"/>
+              </a:spcBef>
+              <a:buClr>
+                <a:schemeClr val="tx2"/>
+              </a:buClr>
+              <a:buChar char="•"/>
+              <a:defRPr kumimoji="0" sz="1600" kern="1200">
+                <a:solidFill>
+                  <a:schemeClr val="tx1"/>
+                </a:solidFill>
+                <a:latin typeface="+mn-lt"/>
+                <a:ea typeface="+mn-ea"/>
+                <a:cs typeface="+mn-cs"/>
+              </a:defRPr>
+            </a:lvl8pPr>
+            <a:lvl9pPr marL="2468880" indent="-182880" algn="l" rtl="0" eaLnBrk="1" latinLnBrk="0" hangingPunct="1">
+              <a:spcBef>
+                <a:spcPct val="20000"/>
+              </a:spcBef>
+              <a:buClr>
+                <a:schemeClr val="tx2"/>
+              </a:buClr>
+              <a:buFontTx/>
+              <a:buChar char="•"/>
+              <a:defRPr kumimoji="0" sz="1400" kern="1200" baseline="0">
+                <a:solidFill>
+                  <a:schemeClr val="tx1"/>
+                </a:solidFill>
+                <a:latin typeface="+mn-lt"/>
+                <a:ea typeface="+mn-ea"/>
+                <a:cs typeface="+mn-cs"/>
+              </a:defRPr>
+            </a:lvl9pPr>
+          </a:lstStyle>
+          <a:p>
+            <a:pPr marL="0" indent="0"/>
+            <a:r>
+              <a:rPr lang="it-IT" dirty="0" smtClean="0"/>
+              <a:t>Rispetta l’euristica:</a:t>
+            </a:r>
+          </a:p>
+          <a:p>
+            <a:pPr marL="365760" lvl="1" indent="0">
+              <a:buNone/>
+            </a:pPr>
+            <a:r>
+              <a:rPr lang="it-IT" sz="2400" i="1" dirty="0" smtClean="0">
+                <a:solidFill>
+                  <a:schemeClr val="accent5"/>
+                </a:solidFill>
+              </a:rPr>
+              <a:t>“ gli sviluppatori possono trattare ad ogni livello di astrazione un numero di concetti pari a 7±2”</a:t>
+            </a:r>
+          </a:p>
+          <a:p>
+            <a:pPr marL="365760" lvl="1" indent="0">
+              <a:buNone/>
+            </a:pPr>
+            <a:endParaRPr lang="it-IT" sz="2400" i="1" dirty="0" smtClean="0">
+              <a:solidFill>
+                <a:schemeClr val="accent5"/>
+              </a:solidFill>
+            </a:endParaRPr>
+          </a:p>
+          <a:p>
+            <a:pPr marL="365760" lvl="1" indent="0">
+              <a:buNone/>
+            </a:pPr>
+            <a:endParaRPr lang="it-IT" dirty="0" smtClean="0"/>
+          </a:p>
+          <a:p>
+            <a:pPr marL="0" indent="0">
+              <a:buNone/>
+            </a:pPr>
+            <a:r>
+              <a:rPr lang="it-IT" sz="500" dirty="0" smtClean="0"/>
+              <a:t> </a:t>
+            </a:r>
+          </a:p>
+          <a:p>
+            <a:pPr marL="0" indent="0">
+              <a:buNone/>
+            </a:pPr>
+            <a:endParaRPr lang="it-IT" sz="2600" dirty="0"/>
+          </a:p>
+        </p:txBody>
+      </p:sp>
+    </p:spTree>
+    <p:extLst>
+      <p:ext uri="{BB962C8B-B14F-4D97-AF65-F5344CB8AC3E}">
+        <p14:creationId xmlns="" xmlns:p14="http://schemas.microsoft.com/office/powerpoint/2010/main" val="155874689"/>
+      </p:ext>
+    </p:extLst>
+  </p:cSld>
+  <p:clrMapOvr>
+    <a:masterClrMapping/>
+  </p:clrMapOvr>
+  <mc:AlternateContent xmlns:mc="http://schemas.openxmlformats.org/markup-compatibility/2006">
+    <mc:Choice xmlns="" xmlns:p14="http://schemas.microsoft.com/office/powerpoint/2010/main" Requires="p14">
+      <p:transition spd="slow" p14:dur="2000"/>
+    </mc:Choice>
+    <mc:Fallback>
+      <p:transition spd="slow"/>
+    </mc:Fallback>
+  </mc:AlternateContent>
+  <p:timing>
+    <p:tnLst>
+      <p:par>
+        <p:cTn id="1" dur="indefinite" restart="never" nodeType="tmRoot">
+          <p:childTnLst>
+            <p:seq concurrent="1" nextAc="seek">
+              <p:cTn id="2" dur="indefinite" nodeType="mainSeq">
+                <p:childTnLst>
+                  <p:par>
+                    <p:cTn id="3" fill="hold">
+                      <p:stCondLst>
+                        <p:cond delay="indefinite"/>
+                        <p:cond evt="onBegin" delay="0">
+                          <p:tn val="2"/>
+                        </p:cond>
+                      </p:stCondLst>
+                      <p:childTnLst>
+                        <p:par>
+                          <p:cTn id="4" fill="hold">
+                            <p:stCondLst>
+                              <p:cond delay="0"/>
+                            </p:stCondLst>
+                            <p:childTnLst>
+                              <p:par>
+                                <p:cTn id="5" presetID="1" presetClass="entr" presetSubtype="0" fill="hold" grpId="0" nodeType="afterEffect">
+                                  <p:stCondLst>
+                                    <p:cond delay="0"/>
+                                  </p:stCondLst>
+                                  <p:childTnLst>
+                                    <p:set>
+                                      <p:cBhvr>
+                                        <p:cTn id="6" dur="1" fill="hold">
+                                          <p:stCondLst>
+                                            <p:cond delay="0"/>
+                                          </p:stCondLst>
+                                        </p:cTn>
+                                        <p:tgtEl>
+                                          <p:spTgt spid="7"/>
+                                        </p:tgtEl>
+                                        <p:attrNameLst>
+                                          <p:attrName>style.visibility</p:attrName>
+                                        </p:attrNameLst>
+                                      </p:cBhvr>
+                                      <p:to>
+                                        <p:strVal val="visible"/>
+                                      </p:to>
+                                    </p:set>
+                                  </p:childTnLst>
+                                </p:cTn>
+                              </p:par>
+                            </p:childTnLst>
+                          </p:cTn>
+                        </p:par>
+                        <p:par>
+                          <p:cTn id="7" fill="hold">
+                            <p:stCondLst>
+                              <p:cond delay="0"/>
+                            </p:stCondLst>
+                            <p:childTnLst>
+                              <p:par>
+                                <p:cTn id="8" presetID="10" presetClass="entr" presetSubtype="0" fill="hold" nodeType="afterEffect">
+                                  <p:stCondLst>
+                                    <p:cond delay="0"/>
+                                  </p:stCondLst>
+                                  <p:childTnLst>
+                                    <p:set>
+                                      <p:cBhvr>
+                                        <p:cTn id="9" dur="1" fill="hold">
+                                          <p:stCondLst>
+                                            <p:cond delay="0"/>
+                                          </p:stCondLst>
+                                        </p:cTn>
+                                        <p:tgtEl>
+                                          <p:spTgt spid="1026"/>
+                                        </p:tgtEl>
+                                        <p:attrNameLst>
+                                          <p:attrName>style.visibility</p:attrName>
+                                        </p:attrNameLst>
+                                      </p:cBhvr>
+                                      <p:to>
+                                        <p:strVal val="visible"/>
+                                      </p:to>
+                                    </p:set>
+                                    <p:animEffect transition="in" filter="fade">
+                                      <p:cBhvr>
+                                        <p:cTn id="10" dur="500"/>
+                                        <p:tgtEl>
+                                          <p:spTgt spid="1026"/>
+                                        </p:tgtEl>
+                                      </p:cBhvr>
+                                    </p:animEffect>
+                                  </p:childTnLst>
+                                </p:cTn>
+                              </p:par>
+                            </p:childTnLst>
+                          </p:cTn>
+                        </p:par>
+                      </p:childTnLst>
+                    </p:cTn>
+                  </p:par>
+                  <p:par>
+                    <p:cTn id="11" fill="hold">
+                      <p:stCondLst>
+                        <p:cond delay="indefinite"/>
+                      </p:stCondLst>
+                      <p:childTnLst>
+                        <p:par>
+                          <p:cTn id="12" fill="hold">
+                            <p:stCondLst>
+                              <p:cond delay="0"/>
+                            </p:stCondLst>
+                            <p:childTnLst>
+                              <p:par>
+                                <p:cTn id="13" presetID="1" presetClass="entr" presetSubtype="0" fill="hold" grpId="0" nodeType="clickEffect">
+                                  <p:stCondLst>
+                                    <p:cond delay="0"/>
+                                  </p:stCondLst>
+                                  <p:childTnLst>
+                                    <p:set>
+                                      <p:cBhvr>
+                                        <p:cTn id="14" dur="1" fill="hold">
+                                          <p:stCondLst>
+                                            <p:cond delay="0"/>
+                                          </p:stCondLst>
+                                        </p:cTn>
+                                        <p:tgtEl>
+                                          <p:spTgt spid="13"/>
+                                        </p:tgtEl>
+                                        <p:attrNameLst>
+                                          <p:attrName>style.visibility</p:attrName>
+                                        </p:attrNameLst>
+                                      </p:cBhvr>
+                                      <p:to>
+                                        <p:strVal val="visible"/>
+                                      </p:to>
+                                    </p:set>
+                                  </p:childTnLst>
+                                </p:cTn>
+                              </p:par>
+                            </p:childTnLst>
+                          </p:cTn>
+                        </p:par>
+                        <p:par>
+                          <p:cTn id="15" fill="hold">
+                            <p:stCondLst>
+                              <p:cond delay="0"/>
+                            </p:stCondLst>
+                            <p:childTnLst>
+                              <p:par>
+                                <p:cTn id="16" presetID="20" presetClass="entr" presetSubtype="0" fill="hold" grpId="0" nodeType="afterEffect">
+                                  <p:stCondLst>
+                                    <p:cond delay="0"/>
+                                  </p:stCondLst>
+                                  <p:childTnLst>
+                                    <p:set>
+                                      <p:cBhvr>
+                                        <p:cTn id="17" dur="1" fill="hold">
+                                          <p:stCondLst>
+                                            <p:cond delay="0"/>
+                                          </p:stCondLst>
+                                        </p:cTn>
+                                        <p:tgtEl>
+                                          <p:spTgt spid="12"/>
+                                        </p:tgtEl>
+                                        <p:attrNameLst>
+                                          <p:attrName>style.visibility</p:attrName>
+                                        </p:attrNameLst>
+                                      </p:cBhvr>
+                                      <p:to>
+                                        <p:strVal val="visible"/>
+                                      </p:to>
+                                    </p:set>
+                                    <p:animEffect transition="in" filter="wedge">
+                                      <p:cBhvr>
+                                        <p:cTn id="18" dur="2000"/>
+                                        <p:tgtEl>
+                                          <p:spTgt spid="12"/>
+                                        </p:tgtEl>
+                                      </p:cBhvr>
+                                    </p:animEffect>
+                                  </p:childTnLst>
+                                </p:cTn>
+                              </p:par>
+                            </p:childTnLst>
+                          </p:cTn>
+                        </p:par>
+                      </p:childTnLst>
+                    </p:cTn>
+                  </p:par>
+                  <p:par>
+                    <p:cTn id="19" fill="hold">
+                      <p:stCondLst>
+                        <p:cond delay="indefinite"/>
+                      </p:stCondLst>
+                      <p:childTnLst>
+                        <p:par>
+                          <p:cTn id="20" fill="hold">
+                            <p:stCondLst>
+                              <p:cond delay="0"/>
+                            </p:stCondLst>
+                            <p:childTnLst>
+                              <p:par>
+                                <p:cTn id="21" presetID="13" presetClass="entr" presetSubtype="16" fill="hold" grpId="0" nodeType="clickEffect">
+                                  <p:stCondLst>
+                                    <p:cond delay="0"/>
+                                  </p:stCondLst>
+                                  <p:childTnLst>
+                                    <p:set>
+                                      <p:cBhvr>
+                                        <p:cTn id="22" dur="1" fill="hold">
+                                          <p:stCondLst>
+                                            <p:cond delay="0"/>
+                                          </p:stCondLst>
+                                        </p:cTn>
+                                        <p:tgtEl>
+                                          <p:spTgt spid="10"/>
+                                        </p:tgtEl>
+                                        <p:attrNameLst>
+                                          <p:attrName>style.visibility</p:attrName>
+                                        </p:attrNameLst>
+                                      </p:cBhvr>
+                                      <p:to>
+                                        <p:strVal val="visible"/>
+                                      </p:to>
+                                    </p:set>
+                                    <p:animEffect transition="in" filter="plus(in)">
+                                      <p:cBhvr>
+                                        <p:cTn id="23" dur="1000"/>
+                                        <p:tgtEl>
+                                          <p:spTgt spid="10"/>
+                                        </p:tgtEl>
+                                      </p:cBhvr>
+                                    </p:animEffect>
+                                  </p:childTnLst>
+                                </p:cTn>
+                              </p:par>
+                              <p:par>
+                                <p:cTn id="24" presetID="1" presetClass="entr" presetSubtype="0" fill="hold" grpId="0" nodeType="withEffect">
+                                  <p:stCondLst>
+                                    <p:cond delay="0"/>
+                                  </p:stCondLst>
+                                  <p:childTnLst>
+                                    <p:set>
+                                      <p:cBhvr>
+                                        <p:cTn id="25" dur="1" fill="hold">
+                                          <p:stCondLst>
+                                            <p:cond delay="0"/>
+                                          </p:stCondLst>
+                                        </p:cTn>
+                                        <p:tgtEl>
+                                          <p:spTgt spid="14"/>
+                                        </p:tgtEl>
+                                        <p:attrNameLst>
+                                          <p:attrName>style.visibility</p:attrName>
+                                        </p:attrNameLst>
+                                      </p:cBhvr>
+                                      <p:to>
+                                        <p:strVal val="visible"/>
+                                      </p:to>
+                                    </p:set>
+                                  </p:childTnLst>
+                                </p:cTn>
+                              </p:par>
+                              <p:par>
+                                <p:cTn id="26" presetID="13" presetClass="entr" presetSubtype="16" fill="hold" grpId="0" nodeType="withEffect">
+                                  <p:stCondLst>
+                                    <p:cond delay="0"/>
+                                  </p:stCondLst>
+                                  <p:childTnLst>
+                                    <p:set>
+                                      <p:cBhvr>
+                                        <p:cTn id="27" dur="1" fill="hold">
+                                          <p:stCondLst>
+                                            <p:cond delay="0"/>
+                                          </p:stCondLst>
+                                        </p:cTn>
+                                        <p:tgtEl>
+                                          <p:spTgt spid="8"/>
+                                        </p:tgtEl>
+                                        <p:attrNameLst>
+                                          <p:attrName>style.visibility</p:attrName>
+                                        </p:attrNameLst>
+                                      </p:cBhvr>
+                                      <p:to>
+                                        <p:strVal val="visible"/>
+                                      </p:to>
+                                    </p:set>
+                                    <p:animEffect transition="in" filter="plus(in)">
+                                      <p:cBhvr>
+                                        <p:cTn id="28" dur="1000"/>
+                                        <p:tgtEl>
+                                          <p:spTgt spid="8"/>
+                                        </p:tgtEl>
+                                      </p:cBhvr>
+                                    </p:animEffect>
+                                  </p:childTnLst>
+                                </p:cTn>
+                              </p:par>
+                            </p:childTnLst>
+                          </p:cTn>
+                        </p:par>
+                      </p:childTnLst>
+                    </p:cTn>
+                  </p:par>
+                </p:childTnLst>
+              </p:cTn>
+              <p:prevCondLst>
+                <p:cond evt="onPrev" delay="0">
+                  <p:tgtEl>
+                    <p:sldTgt/>
+                  </p:tgtEl>
+                </p:cond>
+              </p:prevCondLst>
+              <p:nextCondLst>
+                <p:cond evt="onNext" delay="0">
+                  <p:tgtEl>
+                    <p:sldTgt/>
+                  </p:tgtEl>
+                </p:cond>
+              </p:nextCondLst>
+            </p:seq>
+          </p:childTnLst>
+        </p:cTn>
+      </p:par>
+    </p:tnLst>
+    <p:bldLst>
+      <p:bldP spid="7" grpId="0"/>
+      <p:bldP spid="12" grpId="0" animBg="1"/>
+      <p:bldP spid="13" grpId="0"/>
+      <p:bldP spid="14" grpId="0" animBg="1"/>
+      <p:bldP spid="8" grpId="0"/>
+      <p:bldP spid="10" grpId="0"/>
     </p:bldLst>
   </p:timing>
 </p:sld>

--- a/trunk/Presentazione/Atsilo2/Ferrara/Ferrara_M_PresentazioneFinale.pptx
+++ b/trunk/Presentazione/Atsilo2/Ferrara/Ferrara_M_PresentazioneFinale.pptx
@@ -5,10 +5,10 @@
     <p:sldMasterId id="2147483684" r:id="rId1"/>
   </p:sldMasterIdLst>
   <p:notesMasterIdLst>
-    <p:notesMasterId r:id="rId21"/>
+    <p:notesMasterId r:id="rId19"/>
   </p:notesMasterIdLst>
   <p:handoutMasterIdLst>
-    <p:handoutMasterId r:id="rId22"/>
+    <p:handoutMasterId r:id="rId20"/>
   </p:handoutMasterIdLst>
   <p:sldIdLst>
     <p:sldId id="256" r:id="rId2"/>
@@ -19,17 +19,15 @@
     <p:sldId id="266" r:id="rId7"/>
     <p:sldId id="262" r:id="rId8"/>
     <p:sldId id="261" r:id="rId9"/>
-    <p:sldId id="259" r:id="rId10"/>
-    <p:sldId id="267" r:id="rId11"/>
-    <p:sldId id="271" r:id="rId12"/>
-    <p:sldId id="268" r:id="rId13"/>
-    <p:sldId id="269" r:id="rId14"/>
-    <p:sldId id="273" r:id="rId15"/>
-    <p:sldId id="270" r:id="rId16"/>
-    <p:sldId id="275" r:id="rId17"/>
-    <p:sldId id="274" r:id="rId18"/>
-    <p:sldId id="277" r:id="rId19"/>
-    <p:sldId id="276" r:id="rId20"/>
+    <p:sldId id="267" r:id="rId10"/>
+    <p:sldId id="271" r:id="rId11"/>
+    <p:sldId id="269" r:id="rId12"/>
+    <p:sldId id="273" r:id="rId13"/>
+    <p:sldId id="270" r:id="rId14"/>
+    <p:sldId id="275" r:id="rId15"/>
+    <p:sldId id="274" r:id="rId16"/>
+    <p:sldId id="277" r:id="rId17"/>
+    <p:sldId id="276" r:id="rId18"/>
   </p:sldIdLst>
   <p:sldSz cx="9144000" cy="6858000" type="screen4x3"/>
   <p:notesSz cx="6858000" cy="9144000"/>
@@ -859,7 +857,7 @@
             <a:fld id="{D70604CA-7593-4640-8FA1-5523937B8510}" type="slidenum">
               <a:rPr lang="it-IT" smtClean="0"/>
               <a:pPr/>
-              <a:t>18</a:t>
+              <a:t>16</a:t>
             </a:fld>
             <a:endParaRPr lang="it-IT"/>
           </a:p>
@@ -1456,7 +1454,7 @@
             <a:fld id="{D70604CA-7593-4640-8FA1-5523937B8510}" type="slidenum">
               <a:rPr lang="it-IT" smtClean="0"/>
               <a:pPr/>
-              <a:t>10</a:t>
+              <a:t>9</a:t>
             </a:fld>
             <a:endParaRPr lang="it-IT"/>
           </a:p>
@@ -1626,34 +1624,10 @@
             </a:r>
           </a:p>
           <a:p>
-            <a:pPr marL="0" marR="0" indent="0" algn="l" defTabSz="914400" rtl="0" eaLnBrk="1" fontAlgn="auto" latinLnBrk="0" hangingPunct="1">
-              <a:lnSpc>
-                <a:spcPct val="100000"/>
-              </a:lnSpc>
-              <a:spcBef>
-                <a:spcPts val="0"/>
-              </a:spcBef>
-              <a:spcAft>
-                <a:spcPts val="0"/>
-              </a:spcAft>
-              <a:buClrTx/>
-              <a:buSzTx/>
-              <a:buFontTx/>
-              <a:buNone/>
-              <a:tabLst/>
-              <a:defRPr/>
+            <a:pPr>
+              <a:buFont typeface="Wingdings" pitchFamily="2" charset="2"/>
+              <a:buChar char="v"/>
             </a:pPr>
-            <a:endParaRPr lang="it-IT" dirty="0" smtClean="0"/>
-          </a:p>
-          <a:p>
-            <a:r>
-              <a:rPr lang="it-IT" sz="1200" b="1" dirty="0" smtClean="0"/>
-              <a:t>SOLUTION</a:t>
-            </a:r>
-            <a:r>
-              <a:rPr lang="it-IT" sz="1100" b="1" dirty="0" smtClean="0"/>
-              <a:t>: </a:t>
-            </a:r>
             <a:r>
               <a:rPr lang="it-IT" sz="1200" dirty="0" smtClean="0"/>
               <a:t>Per ogni </a:t>
@@ -1672,27 +1646,21 @@
             </a:r>
             <a:r>
               <a:rPr lang="it-IT" sz="1200" dirty="0" smtClean="0"/>
-              <a:t>, basandosi su </a:t>
-            </a:r>
-            <a:r>
-              <a:rPr lang="it-IT" sz="1200" dirty="0" err="1" smtClean="0"/>
-              <a:t>Boundary</a:t>
+              <a:t>, realizzati seguendo il criterio di copertura debole (</a:t>
+            </a:r>
+            <a:r>
+              <a:rPr lang="it-IT" sz="1200" b="1" dirty="0" smtClean="0"/>
+              <a:t>WECT</a:t>
             </a:r>
             <a:r>
               <a:rPr lang="it-IT" sz="1200" dirty="0" smtClean="0"/>
-              <a:t> </a:t>
-            </a:r>
-            <a:r>
-              <a:rPr lang="it-IT" sz="1200" dirty="0" err="1" smtClean="0"/>
-              <a:t>Testing</a:t>
-            </a:r>
-            <a:r>
-              <a:rPr lang="it-IT" sz="1200" dirty="0" smtClean="0"/>
-              <a:t> per individuare input errati.</a:t>
-            </a:r>
-          </a:p>
-          <a:p>
-            <a:endParaRPr lang="it-IT" dirty="0"/>
+              <a:t>): </a:t>
+            </a:r>
+            <a:r>
+              <a:rPr lang="it-IT" sz="1200" i="1" dirty="0" smtClean="0"/>
+              <a:t>un input non valido per volta, tutti gli altri input corretti.</a:t>
+            </a:r>
+            <a:endParaRPr lang="it-IT" sz="1200" dirty="0"/>
           </a:p>
         </p:txBody>
       </p:sp>
@@ -1733,7 +1701,7 @@
             <a:fld id="{D70604CA-7593-4640-8FA1-5523937B8510}" type="slidenum">
               <a:rPr lang="it-IT" smtClean="0"/>
               <a:pPr/>
-              <a:t>12</a:t>
+              <a:t>10</a:t>
             </a:fld>
             <a:endParaRPr lang="it-IT"/>
           </a:p>
@@ -1850,7 +1818,7 @@
             <a:fld id="{D70604CA-7593-4640-8FA1-5523937B8510}" type="slidenum">
               <a:rPr lang="it-IT" smtClean="0"/>
               <a:pPr/>
-              <a:t>15</a:t>
+              <a:t>13</a:t>
             </a:fld>
             <a:endParaRPr lang="it-IT"/>
           </a:p>
@@ -2011,7 +1979,7 @@
             <a:fld id="{D70604CA-7593-4640-8FA1-5523937B8510}" type="slidenum">
               <a:rPr lang="it-IT" smtClean="0"/>
               <a:pPr/>
-              <a:t>16</a:t>
+              <a:t>14</a:t>
             </a:fld>
             <a:endParaRPr lang="it-IT"/>
           </a:p>
@@ -2175,7 +2143,7 @@
             <a:fld id="{D70604CA-7593-4640-8FA1-5523937B8510}" type="slidenum">
               <a:rPr lang="it-IT" smtClean="0"/>
               <a:pPr/>
-              <a:t>17</a:t>
+              <a:t>15</a:t>
             </a:fld>
             <a:endParaRPr lang="it-IT"/>
           </a:p>
@@ -6418,1092 +6386,6 @@
       </p:grpSpPr>
       <p:sp>
         <p:nvSpPr>
-          <p:cNvPr id="2" name="CasellaDiTesto 1"/>
-          <p:cNvSpPr txBox="1"/>
-          <p:nvPr/>
-        </p:nvSpPr>
-        <p:spPr>
-          <a:xfrm>
-            <a:off x="2728673" y="476672"/>
-            <a:ext cx="4001609" cy="1538883"/>
-          </a:xfrm>
-          <a:prstGeom prst="rect">
-            <a:avLst/>
-          </a:prstGeom>
-          <a:noFill/>
-        </p:spPr>
-        <p:txBody>
-          <a:bodyPr wrap="none" rtlCol="0">
-            <a:spAutoFit/>
-          </a:bodyPr>
-          <a:lstStyle/>
-          <a:p>
-            <a:pPr algn="ctr"/>
-            <a:r>
-              <a:rPr lang="it-IT" sz="4800" b="1" dirty="0" err="1" smtClean="0">
-                <a:latin typeface="+mj-lt"/>
-              </a:rPr>
-              <a:t>Testing</a:t>
-            </a:r>
-            <a:endParaRPr lang="it-IT" sz="4800" b="1" dirty="0" smtClean="0">
-              <a:latin typeface="+mj-lt"/>
-            </a:endParaRPr>
-          </a:p>
-          <a:p>
-            <a:pPr algn="ctr"/>
-            <a:r>
-              <a:rPr lang="it-IT" sz="2800" b="1" dirty="0" err="1" smtClean="0">
-                <a:latin typeface="+mj-lt"/>
-              </a:rPr>
-              <a:t>Testing</a:t>
-            </a:r>
-            <a:r>
-              <a:rPr lang="it-IT" sz="2800" b="1" dirty="0" smtClean="0">
-                <a:latin typeface="+mj-lt"/>
-              </a:rPr>
-              <a:t> effettuato su KIDS</a:t>
-            </a:r>
-          </a:p>
-          <a:p>
-            <a:pPr algn="ctr"/>
-            <a:endParaRPr lang="it-IT" dirty="0">
-              <a:latin typeface="+mj-lt"/>
-            </a:endParaRPr>
-          </a:p>
-        </p:txBody>
-      </p:sp>
-      <p:sp>
-        <p:nvSpPr>
-          <p:cNvPr id="10" name="Content Placeholder 3"/>
-          <p:cNvSpPr txBox="1">
-            <a:spLocks/>
-          </p:cNvSpPr>
-          <p:nvPr/>
-        </p:nvSpPr>
-        <p:spPr>
-          <a:xfrm>
-            <a:off x="3563888" y="3789040"/>
-            <a:ext cx="4968552" cy="2376264"/>
-          </a:xfrm>
-          <a:prstGeom prst="rect">
-            <a:avLst/>
-          </a:prstGeom>
-        </p:spPr>
-        <p:txBody>
-          <a:bodyPr tIns="0"/>
-          <a:lstStyle>
-            <a:lvl1pPr marL="274320" indent="-274320" algn="l" rtl="0" eaLnBrk="1" latinLnBrk="0" hangingPunct="1">
-              <a:spcBef>
-                <a:spcPct val="20000"/>
-              </a:spcBef>
-              <a:buClrTx/>
-              <a:buSzPct val="95000"/>
-              <a:buFont typeface="Wingdings" pitchFamily="2" charset="2"/>
-              <a:buChar char="v"/>
-              <a:defRPr kumimoji="0" sz="2800" kern="1200">
-                <a:solidFill>
-                  <a:schemeClr val="tx1"/>
-                </a:solidFill>
-                <a:latin typeface="+mn-lt"/>
-                <a:ea typeface="+mn-ea"/>
-                <a:cs typeface="+mn-cs"/>
-              </a:defRPr>
-            </a:lvl1pPr>
-            <a:lvl2pPr marL="640080" indent="-246888" algn="l" rtl="0" eaLnBrk="1" latinLnBrk="0" hangingPunct="1">
-              <a:spcBef>
-                <a:spcPct val="20000"/>
-              </a:spcBef>
-              <a:buClrTx/>
-              <a:buSzPct val="85000"/>
-              <a:buFont typeface="Courier New" pitchFamily="49" charset="0"/>
-              <a:buChar char="o"/>
-              <a:defRPr kumimoji="0" sz="2600" kern="1200">
-                <a:solidFill>
-                  <a:schemeClr val="tx1"/>
-                </a:solidFill>
-                <a:latin typeface="+mn-lt"/>
-                <a:ea typeface="+mn-ea"/>
-                <a:cs typeface="+mn-cs"/>
-              </a:defRPr>
-            </a:lvl2pPr>
-            <a:lvl3pPr marL="914400" indent="-246888" algn="l" rtl="0" eaLnBrk="1" latinLnBrk="0" hangingPunct="1">
-              <a:spcBef>
-                <a:spcPct val="20000"/>
-              </a:spcBef>
-              <a:buClrTx/>
-              <a:buSzPct val="70000"/>
-              <a:buFont typeface="Wingdings 2"/>
-              <a:buChar char=""/>
-              <a:defRPr kumimoji="0" sz="2400" kern="1200">
-                <a:solidFill>
-                  <a:schemeClr val="tx1"/>
-                </a:solidFill>
-                <a:latin typeface="+mn-lt"/>
-                <a:ea typeface="+mn-ea"/>
-                <a:cs typeface="+mn-cs"/>
-              </a:defRPr>
-            </a:lvl3pPr>
-            <a:lvl4pPr marL="1188720" indent="-210312" algn="l" rtl="0" eaLnBrk="1" latinLnBrk="0" hangingPunct="1">
-              <a:spcBef>
-                <a:spcPct val="20000"/>
-              </a:spcBef>
-              <a:buClrTx/>
-              <a:buSzPct val="65000"/>
-              <a:buFont typeface="Wingdings 2"/>
-              <a:buChar char=""/>
-              <a:defRPr kumimoji="0" sz="2000" kern="1200">
-                <a:solidFill>
-                  <a:schemeClr val="tx1"/>
-                </a:solidFill>
-                <a:latin typeface="+mn-lt"/>
-                <a:ea typeface="+mn-ea"/>
-                <a:cs typeface="+mn-cs"/>
-              </a:defRPr>
-            </a:lvl4pPr>
-            <a:lvl5pPr marL="1463040" indent="-210312" algn="l" rtl="0" eaLnBrk="1" latinLnBrk="0" hangingPunct="1">
-              <a:spcBef>
-                <a:spcPct val="20000"/>
-              </a:spcBef>
-              <a:buClrTx/>
-              <a:buSzPct val="65000"/>
-              <a:buFont typeface="Wingdings 2"/>
-              <a:buChar char=""/>
-              <a:defRPr kumimoji="0" sz="1800" kern="1200">
-                <a:solidFill>
-                  <a:schemeClr val="tx1"/>
-                </a:solidFill>
-                <a:latin typeface="+mn-lt"/>
-                <a:ea typeface="+mn-ea"/>
-                <a:cs typeface="+mn-cs"/>
-              </a:defRPr>
-            </a:lvl5pPr>
-            <a:lvl6pPr marL="1737360" indent="-210312" algn="l" rtl="0" eaLnBrk="1" latinLnBrk="0" hangingPunct="1">
-              <a:spcBef>
-                <a:spcPct val="20000"/>
-              </a:spcBef>
-              <a:buClr>
-                <a:schemeClr val="accent5"/>
-              </a:buClr>
-              <a:buSzPct val="80000"/>
-              <a:buFont typeface="Wingdings 2"/>
-              <a:buChar char=""/>
-              <a:defRPr kumimoji="0" sz="1800" kern="1200">
-                <a:solidFill>
-                  <a:schemeClr val="tx1"/>
-                </a:solidFill>
-                <a:latin typeface="+mn-lt"/>
-                <a:ea typeface="+mn-ea"/>
-                <a:cs typeface="+mn-cs"/>
-              </a:defRPr>
-            </a:lvl6pPr>
-            <a:lvl7pPr marL="1920240" indent="-182880" algn="l" rtl="0" eaLnBrk="1" latinLnBrk="0" hangingPunct="1">
-              <a:spcBef>
-                <a:spcPct val="20000"/>
-              </a:spcBef>
-              <a:buClr>
-                <a:schemeClr val="accent6"/>
-              </a:buClr>
-              <a:buSzPct val="80000"/>
-              <a:buFont typeface="Wingdings 2"/>
-              <a:buChar char=""/>
-              <a:defRPr kumimoji="0" sz="1600" kern="1200" baseline="0">
-                <a:solidFill>
-                  <a:schemeClr val="tx1"/>
-                </a:solidFill>
-                <a:latin typeface="+mn-lt"/>
-                <a:ea typeface="+mn-ea"/>
-                <a:cs typeface="+mn-cs"/>
-              </a:defRPr>
-            </a:lvl7pPr>
-            <a:lvl8pPr marL="2194560" indent="-182880" algn="l" rtl="0" eaLnBrk="1" latinLnBrk="0" hangingPunct="1">
-              <a:spcBef>
-                <a:spcPct val="20000"/>
-              </a:spcBef>
-              <a:buClr>
-                <a:schemeClr val="tx2"/>
-              </a:buClr>
-              <a:buChar char="•"/>
-              <a:defRPr kumimoji="0" sz="1600" kern="1200">
-                <a:solidFill>
-                  <a:schemeClr val="tx1"/>
-                </a:solidFill>
-                <a:latin typeface="+mn-lt"/>
-                <a:ea typeface="+mn-ea"/>
-                <a:cs typeface="+mn-cs"/>
-              </a:defRPr>
-            </a:lvl8pPr>
-            <a:lvl9pPr marL="2468880" indent="-182880" algn="l" rtl="0" eaLnBrk="1" latinLnBrk="0" hangingPunct="1">
-              <a:spcBef>
-                <a:spcPct val="20000"/>
-              </a:spcBef>
-              <a:buClr>
-                <a:schemeClr val="tx2"/>
-              </a:buClr>
-              <a:buFontTx/>
-              <a:buChar char="•"/>
-              <a:defRPr kumimoji="0" sz="1400" kern="1200" baseline="0">
-                <a:solidFill>
-                  <a:schemeClr val="tx1"/>
-                </a:solidFill>
-                <a:latin typeface="+mn-lt"/>
-                <a:ea typeface="+mn-ea"/>
-                <a:cs typeface="+mn-cs"/>
-              </a:defRPr>
-            </a:lvl9pPr>
-          </a:lstStyle>
-          <a:p>
-            <a:pPr marL="0" indent="0">
-              <a:buNone/>
-            </a:pPr>
-            <a:r>
-              <a:rPr lang="en-US" sz="2600" b="1" dirty="0" err="1" smtClean="0"/>
-              <a:t>Obiettivo</a:t>
-            </a:r>
-            <a:r>
-              <a:rPr lang="en-US" sz="2600" b="1" dirty="0" smtClean="0"/>
-              <a:t> del </a:t>
-            </a:r>
-            <a:r>
-              <a:rPr lang="en-US" sz="2600" b="1" u="sng" dirty="0" err="1" smtClean="0"/>
-              <a:t>nostro</a:t>
-            </a:r>
-            <a:r>
-              <a:rPr lang="en-US" sz="2600" b="1" dirty="0" smtClean="0"/>
-              <a:t> testing</a:t>
-            </a:r>
-            <a:r>
-              <a:rPr lang="en-US" sz="2600" dirty="0" smtClean="0"/>
-              <a:t>: </a:t>
-            </a:r>
-            <a:r>
-              <a:rPr lang="en-US" sz="2600" dirty="0" err="1" smtClean="0"/>
-              <a:t>verificare</a:t>
-            </a:r>
-            <a:r>
-              <a:rPr lang="en-US" sz="2600" dirty="0" smtClean="0"/>
-              <a:t> </a:t>
-            </a:r>
-            <a:r>
-              <a:rPr lang="en-US" sz="2600" dirty="0" err="1" smtClean="0"/>
-              <a:t>l’affidabilità</a:t>
-            </a:r>
-            <a:r>
-              <a:rPr lang="en-US" sz="2600" dirty="0" smtClean="0"/>
-              <a:t> del </a:t>
-            </a:r>
-            <a:r>
-              <a:rPr lang="en-US" sz="2600" dirty="0" err="1" smtClean="0"/>
-              <a:t>sistema</a:t>
-            </a:r>
-            <a:r>
-              <a:rPr lang="en-US" sz="2600" dirty="0" smtClean="0"/>
-              <a:t> Kids, </a:t>
-            </a:r>
-            <a:r>
-              <a:rPr lang="en-US" sz="2600" dirty="0" err="1" smtClean="0"/>
-              <a:t>cioè</a:t>
-            </a:r>
-            <a:r>
-              <a:rPr lang="en-US" sz="2600" dirty="0" smtClean="0"/>
-              <a:t> la </a:t>
-            </a:r>
-            <a:r>
-              <a:rPr lang="en-US" sz="2600" dirty="0" err="1" smtClean="0"/>
-              <a:t>sua</a:t>
-            </a:r>
-            <a:r>
-              <a:rPr lang="en-US" sz="2600" dirty="0" smtClean="0"/>
-              <a:t> </a:t>
-            </a:r>
-            <a:r>
-              <a:rPr lang="en-US" sz="2600" dirty="0" err="1" smtClean="0"/>
-              <a:t>corretta</a:t>
-            </a:r>
-            <a:r>
-              <a:rPr lang="en-US" sz="2600" dirty="0" smtClean="0"/>
-              <a:t> </a:t>
-            </a:r>
-            <a:r>
-              <a:rPr lang="en-US" sz="2600" dirty="0" err="1" smtClean="0"/>
-              <a:t>funzionalità</a:t>
-            </a:r>
-            <a:r>
-              <a:rPr lang="en-US" sz="2600" dirty="0" smtClean="0"/>
-              <a:t> </a:t>
-            </a:r>
-            <a:r>
-              <a:rPr lang="en-US" sz="2600" dirty="0" err="1" smtClean="0"/>
-              <a:t>nella</a:t>
-            </a:r>
-            <a:r>
-              <a:rPr lang="en-US" sz="2600" dirty="0" smtClean="0"/>
-              <a:t> </a:t>
-            </a:r>
-            <a:r>
-              <a:rPr lang="en-US" sz="2600" dirty="0" err="1" smtClean="0"/>
-              <a:t>gestione</a:t>
-            </a:r>
-            <a:r>
-              <a:rPr lang="en-US" sz="2600" dirty="0" smtClean="0"/>
-              <a:t> </a:t>
-            </a:r>
-            <a:r>
-              <a:rPr lang="en-US" sz="2600" dirty="0" err="1" smtClean="0"/>
-              <a:t>degli</a:t>
-            </a:r>
-            <a:r>
-              <a:rPr lang="en-US" sz="2600" dirty="0" smtClean="0"/>
-              <a:t> input</a:t>
-            </a:r>
-            <a:endParaRPr lang="en-US" sz="2600" dirty="0"/>
-          </a:p>
-        </p:txBody>
-      </p:sp>
-      <p:sp>
-        <p:nvSpPr>
-          <p:cNvPr id="5" name="Content Placeholder 3"/>
-          <p:cNvSpPr txBox="1">
-            <a:spLocks/>
-          </p:cNvSpPr>
-          <p:nvPr/>
-        </p:nvSpPr>
-        <p:spPr>
-          <a:xfrm>
-            <a:off x="539552" y="1988840"/>
-            <a:ext cx="8424936" cy="1296144"/>
-          </a:xfrm>
-          <a:prstGeom prst="rect">
-            <a:avLst/>
-          </a:prstGeom>
-        </p:spPr>
-        <p:txBody>
-          <a:bodyPr tIns="0"/>
-          <a:lstStyle>
-            <a:lvl1pPr marL="274320" indent="-274320" algn="l" rtl="0" eaLnBrk="1" latinLnBrk="0" hangingPunct="1">
-              <a:spcBef>
-                <a:spcPct val="20000"/>
-              </a:spcBef>
-              <a:buClrTx/>
-              <a:buSzPct val="95000"/>
-              <a:buFont typeface="Wingdings" pitchFamily="2" charset="2"/>
-              <a:buChar char="v"/>
-              <a:defRPr kumimoji="0" sz="2800" kern="1200">
-                <a:solidFill>
-                  <a:schemeClr val="tx1"/>
-                </a:solidFill>
-                <a:latin typeface="+mn-lt"/>
-                <a:ea typeface="+mn-ea"/>
-                <a:cs typeface="+mn-cs"/>
-              </a:defRPr>
-            </a:lvl1pPr>
-            <a:lvl2pPr marL="640080" indent="-246888" algn="l" rtl="0" eaLnBrk="1" latinLnBrk="0" hangingPunct="1">
-              <a:spcBef>
-                <a:spcPct val="20000"/>
-              </a:spcBef>
-              <a:buClrTx/>
-              <a:buSzPct val="85000"/>
-              <a:buFont typeface="Courier New" pitchFamily="49" charset="0"/>
-              <a:buChar char="o"/>
-              <a:defRPr kumimoji="0" sz="2600" kern="1200">
-                <a:solidFill>
-                  <a:schemeClr val="tx1"/>
-                </a:solidFill>
-                <a:latin typeface="+mn-lt"/>
-                <a:ea typeface="+mn-ea"/>
-                <a:cs typeface="+mn-cs"/>
-              </a:defRPr>
-            </a:lvl2pPr>
-            <a:lvl3pPr marL="914400" indent="-246888" algn="l" rtl="0" eaLnBrk="1" latinLnBrk="0" hangingPunct="1">
-              <a:spcBef>
-                <a:spcPct val="20000"/>
-              </a:spcBef>
-              <a:buClrTx/>
-              <a:buSzPct val="70000"/>
-              <a:buFont typeface="Wingdings 2"/>
-              <a:buChar char=""/>
-              <a:defRPr kumimoji="0" sz="2400" kern="1200">
-                <a:solidFill>
-                  <a:schemeClr val="tx1"/>
-                </a:solidFill>
-                <a:latin typeface="+mn-lt"/>
-                <a:ea typeface="+mn-ea"/>
-                <a:cs typeface="+mn-cs"/>
-              </a:defRPr>
-            </a:lvl3pPr>
-            <a:lvl4pPr marL="1188720" indent="-210312" algn="l" rtl="0" eaLnBrk="1" latinLnBrk="0" hangingPunct="1">
-              <a:spcBef>
-                <a:spcPct val="20000"/>
-              </a:spcBef>
-              <a:buClrTx/>
-              <a:buSzPct val="65000"/>
-              <a:buFont typeface="Wingdings 2"/>
-              <a:buChar char=""/>
-              <a:defRPr kumimoji="0" sz="2000" kern="1200">
-                <a:solidFill>
-                  <a:schemeClr val="tx1"/>
-                </a:solidFill>
-                <a:latin typeface="+mn-lt"/>
-                <a:ea typeface="+mn-ea"/>
-                <a:cs typeface="+mn-cs"/>
-              </a:defRPr>
-            </a:lvl4pPr>
-            <a:lvl5pPr marL="1463040" indent="-210312" algn="l" rtl="0" eaLnBrk="1" latinLnBrk="0" hangingPunct="1">
-              <a:spcBef>
-                <a:spcPct val="20000"/>
-              </a:spcBef>
-              <a:buClrTx/>
-              <a:buSzPct val="65000"/>
-              <a:buFont typeface="Wingdings 2"/>
-              <a:buChar char=""/>
-              <a:defRPr kumimoji="0" sz="1800" kern="1200">
-                <a:solidFill>
-                  <a:schemeClr val="tx1"/>
-                </a:solidFill>
-                <a:latin typeface="+mn-lt"/>
-                <a:ea typeface="+mn-ea"/>
-                <a:cs typeface="+mn-cs"/>
-              </a:defRPr>
-            </a:lvl5pPr>
-            <a:lvl6pPr marL="1737360" indent="-210312" algn="l" rtl="0" eaLnBrk="1" latinLnBrk="0" hangingPunct="1">
-              <a:spcBef>
-                <a:spcPct val="20000"/>
-              </a:spcBef>
-              <a:buClr>
-                <a:schemeClr val="accent5"/>
-              </a:buClr>
-              <a:buSzPct val="80000"/>
-              <a:buFont typeface="Wingdings 2"/>
-              <a:buChar char=""/>
-              <a:defRPr kumimoji="0" sz="1800" kern="1200">
-                <a:solidFill>
-                  <a:schemeClr val="tx1"/>
-                </a:solidFill>
-                <a:latin typeface="+mn-lt"/>
-                <a:ea typeface="+mn-ea"/>
-                <a:cs typeface="+mn-cs"/>
-              </a:defRPr>
-            </a:lvl6pPr>
-            <a:lvl7pPr marL="1920240" indent="-182880" algn="l" rtl="0" eaLnBrk="1" latinLnBrk="0" hangingPunct="1">
-              <a:spcBef>
-                <a:spcPct val="20000"/>
-              </a:spcBef>
-              <a:buClr>
-                <a:schemeClr val="accent6"/>
-              </a:buClr>
-              <a:buSzPct val="80000"/>
-              <a:buFont typeface="Wingdings 2"/>
-              <a:buChar char=""/>
-              <a:defRPr kumimoji="0" sz="1600" kern="1200" baseline="0">
-                <a:solidFill>
-                  <a:schemeClr val="tx1"/>
-                </a:solidFill>
-                <a:latin typeface="+mn-lt"/>
-                <a:ea typeface="+mn-ea"/>
-                <a:cs typeface="+mn-cs"/>
-              </a:defRPr>
-            </a:lvl7pPr>
-            <a:lvl8pPr marL="2194560" indent="-182880" algn="l" rtl="0" eaLnBrk="1" latinLnBrk="0" hangingPunct="1">
-              <a:spcBef>
-                <a:spcPct val="20000"/>
-              </a:spcBef>
-              <a:buClr>
-                <a:schemeClr val="tx2"/>
-              </a:buClr>
-              <a:buChar char="•"/>
-              <a:defRPr kumimoji="0" sz="1600" kern="1200">
-                <a:solidFill>
-                  <a:schemeClr val="tx1"/>
-                </a:solidFill>
-                <a:latin typeface="+mn-lt"/>
-                <a:ea typeface="+mn-ea"/>
-                <a:cs typeface="+mn-cs"/>
-              </a:defRPr>
-            </a:lvl8pPr>
-            <a:lvl9pPr marL="2468880" indent="-182880" algn="l" rtl="0" eaLnBrk="1" latinLnBrk="0" hangingPunct="1">
-              <a:spcBef>
-                <a:spcPct val="20000"/>
-              </a:spcBef>
-              <a:buClr>
-                <a:schemeClr val="tx2"/>
-              </a:buClr>
-              <a:buFontTx/>
-              <a:buChar char="•"/>
-              <a:defRPr kumimoji="0" sz="1400" kern="1200" baseline="0">
-                <a:solidFill>
-                  <a:schemeClr val="tx1"/>
-                </a:solidFill>
-                <a:latin typeface="+mn-lt"/>
-                <a:ea typeface="+mn-ea"/>
-                <a:cs typeface="+mn-cs"/>
-              </a:defRPr>
-            </a:lvl9pPr>
-          </a:lstStyle>
-          <a:p>
-            <a:pPr marL="0" indent="0">
-              <a:buNone/>
-            </a:pPr>
-            <a:r>
-              <a:rPr lang="en-US" b="1" dirty="0" smtClean="0"/>
-              <a:t>OBIETTIVO:</a:t>
-            </a:r>
-            <a:r>
-              <a:rPr lang="it-IT" dirty="0" smtClean="0"/>
-              <a:t> </a:t>
-            </a:r>
-            <a:r>
-              <a:rPr lang="it-IT" sz="2700" dirty="0" smtClean="0"/>
-              <a:t>trovare le differenze tra il comportamento atteso specificato attraverso il modello del sistema e il comportamento osservato dal sistema implementato.</a:t>
-            </a:r>
-            <a:endParaRPr lang="en-US" sz="2700" dirty="0"/>
-          </a:p>
-        </p:txBody>
-      </p:sp>
-      <p:pic>
-        <p:nvPicPr>
-          <p:cNvPr id="5122" name="Picture 2" descr="http://www.competence.co.in/images/software-testing.jpg"/>
-          <p:cNvPicPr>
-            <a:picLocks noChangeAspect="1" noChangeArrowheads="1"/>
-          </p:cNvPicPr>
-          <p:nvPr/>
-        </p:nvPicPr>
-        <p:blipFill>
-          <a:blip r:embed="rId3" cstate="print"/>
-          <a:srcRect/>
-          <a:stretch>
-            <a:fillRect/>
-          </a:stretch>
-        </p:blipFill>
-        <p:spPr bwMode="auto">
-          <a:xfrm>
-            <a:off x="490364" y="3212976"/>
-            <a:ext cx="2857500" cy="3267075"/>
-          </a:xfrm>
-          <a:prstGeom prst="rect">
-            <a:avLst/>
-          </a:prstGeom>
-          <a:noFill/>
-        </p:spPr>
-      </p:pic>
-      <p:sp>
-        <p:nvSpPr>
-          <p:cNvPr id="6" name="Segnaposto numero diapositiva 5"/>
-          <p:cNvSpPr>
-            <a:spLocks noGrp="1"/>
-          </p:cNvSpPr>
-          <p:nvPr>
-            <p:ph type="sldNum" sz="quarter" idx="12"/>
-          </p:nvPr>
-        </p:nvSpPr>
-        <p:spPr/>
-        <p:txBody>
-          <a:bodyPr/>
-          <a:lstStyle/>
-          <a:p>
-            <a:fld id="{F89AEA99-3E91-4C58-9AD4-045DB5619AC3}" type="slidenum">
-              <a:rPr lang="it-IT" smtClean="0"/>
-              <a:pPr/>
-              <a:t>10</a:t>
-            </a:fld>
-            <a:endParaRPr lang="it-IT"/>
-          </a:p>
-        </p:txBody>
-      </p:sp>
-      <p:sp>
-        <p:nvSpPr>
-          <p:cNvPr id="7" name="Gallone 6">
-            <a:hlinkClick r:id="rId4" action="ppaction://hlinksldjump"/>
-          </p:cNvPr>
-          <p:cNvSpPr/>
-          <p:nvPr/>
-        </p:nvSpPr>
-        <p:spPr>
-          <a:xfrm>
-            <a:off x="7884368" y="6021288"/>
-            <a:ext cx="432048" cy="360040"/>
-          </a:xfrm>
-          <a:prstGeom prst="chevron">
-            <a:avLst>
-              <a:gd name="adj" fmla="val 40820"/>
-            </a:avLst>
-          </a:prstGeom>
-        </p:spPr>
-        <p:style>
-          <a:lnRef idx="0">
-            <a:schemeClr val="accent5"/>
-          </a:lnRef>
-          <a:fillRef idx="3">
-            <a:schemeClr val="accent5"/>
-          </a:fillRef>
-          <a:effectRef idx="3">
-            <a:schemeClr val="accent5"/>
-          </a:effectRef>
-          <a:fontRef idx="minor">
-            <a:schemeClr val="lt1"/>
-          </a:fontRef>
-        </p:style>
-        <p:txBody>
-          <a:bodyPr rtlCol="0" anchor="ctr"/>
-          <a:lstStyle/>
-          <a:p>
-            <a:pPr algn="ctr"/>
-            <a:endParaRPr lang="it-IT"/>
-          </a:p>
-        </p:txBody>
-      </p:sp>
-    </p:spTree>
-    <p:extLst>
-      <p:ext uri="{BB962C8B-B14F-4D97-AF65-F5344CB8AC3E}">
-        <p14:creationId xmlns="" xmlns:p14="http://schemas.microsoft.com/office/powerpoint/2010/main" val="155874689"/>
-      </p:ext>
-    </p:extLst>
-  </p:cSld>
-  <p:clrMapOvr>
-    <a:masterClrMapping/>
-  </p:clrMapOvr>
-  <mc:AlternateContent xmlns:mc="http://schemas.openxmlformats.org/markup-compatibility/2006">
-    <mc:Choice xmlns="" xmlns:p14="http://schemas.microsoft.com/office/powerpoint/2010/main" Requires="p14">
-      <p:transition spd="slow" p14:dur="2000"/>
-    </mc:Choice>
-    <mc:Fallback>
-      <p:transition spd="slow"/>
-    </mc:Fallback>
-  </mc:AlternateContent>
-  <p:timing>
-    <p:tnLst>
-      <p:par>
-        <p:cTn id="1" dur="indefinite" restart="never" nodeType="tmRoot">
-          <p:childTnLst>
-            <p:seq concurrent="1" nextAc="seek">
-              <p:cTn id="2" dur="indefinite" nodeType="mainSeq">
-                <p:childTnLst>
-                  <p:par>
-                    <p:cTn id="3" fill="hold">
-                      <p:stCondLst>
-                        <p:cond delay="indefinite"/>
-                        <p:cond evt="onBegin" delay="0">
-                          <p:tn val="2"/>
-                        </p:cond>
-                      </p:stCondLst>
-                      <p:childTnLst>
-                        <p:par>
-                          <p:cTn id="4" fill="hold">
-                            <p:stCondLst>
-                              <p:cond delay="0"/>
-                            </p:stCondLst>
-                            <p:childTnLst>
-                              <p:par>
-                                <p:cTn id="5" presetID="10" presetClass="entr" presetSubtype="0" fill="hold" grpId="0" nodeType="afterEffect">
-                                  <p:stCondLst>
-                                    <p:cond delay="0"/>
-                                  </p:stCondLst>
-                                  <p:childTnLst>
-                                    <p:set>
-                                      <p:cBhvr>
-                                        <p:cTn id="6" dur="1" fill="hold">
-                                          <p:stCondLst>
-                                            <p:cond delay="0"/>
-                                          </p:stCondLst>
-                                        </p:cTn>
-                                        <p:tgtEl>
-                                          <p:spTgt spid="2"/>
-                                        </p:tgtEl>
-                                        <p:attrNameLst>
-                                          <p:attrName>style.visibility</p:attrName>
-                                        </p:attrNameLst>
-                                      </p:cBhvr>
-                                      <p:to>
-                                        <p:strVal val="visible"/>
-                                      </p:to>
-                                    </p:set>
-                                    <p:animEffect transition="in" filter="fade">
-                                      <p:cBhvr>
-                                        <p:cTn id="7" dur="2000"/>
-                                        <p:tgtEl>
-                                          <p:spTgt spid="2"/>
-                                        </p:tgtEl>
-                                      </p:cBhvr>
-                                    </p:animEffect>
-                                  </p:childTnLst>
-                                </p:cTn>
-                              </p:par>
-                            </p:childTnLst>
-                          </p:cTn>
-                        </p:par>
-                        <p:par>
-                          <p:cTn id="8" fill="hold">
-                            <p:stCondLst>
-                              <p:cond delay="2000"/>
-                            </p:stCondLst>
-                            <p:childTnLst>
-                              <p:par>
-                                <p:cTn id="9" presetID="10" presetClass="entr" presetSubtype="0" fill="hold" grpId="0" nodeType="afterEffect">
-                                  <p:stCondLst>
-                                    <p:cond delay="0"/>
-                                  </p:stCondLst>
-                                  <p:childTnLst>
-                                    <p:set>
-                                      <p:cBhvr>
-                                        <p:cTn id="10" dur="1" fill="hold">
-                                          <p:stCondLst>
-                                            <p:cond delay="0"/>
-                                          </p:stCondLst>
-                                        </p:cTn>
-                                        <p:tgtEl>
-                                          <p:spTgt spid="7"/>
-                                        </p:tgtEl>
-                                        <p:attrNameLst>
-                                          <p:attrName>style.visibility</p:attrName>
-                                        </p:attrNameLst>
-                                      </p:cBhvr>
-                                      <p:to>
-                                        <p:strVal val="visible"/>
-                                      </p:to>
-                                    </p:set>
-                                    <p:animEffect transition="in" filter="fade">
-                                      <p:cBhvr>
-                                        <p:cTn id="11" dur="500"/>
-                                        <p:tgtEl>
-                                          <p:spTgt spid="7"/>
-                                        </p:tgtEl>
-                                      </p:cBhvr>
-                                    </p:animEffect>
-                                  </p:childTnLst>
-                                </p:cTn>
-                              </p:par>
-                            </p:childTnLst>
-                          </p:cTn>
-                        </p:par>
-                      </p:childTnLst>
-                    </p:cTn>
-                  </p:par>
-                  <p:par>
-                    <p:cTn id="12" fill="hold">
-                      <p:stCondLst>
-                        <p:cond delay="indefinite"/>
-                      </p:stCondLst>
-                      <p:childTnLst>
-                        <p:par>
-                          <p:cTn id="13" fill="hold">
-                            <p:stCondLst>
-                              <p:cond delay="0"/>
-                            </p:stCondLst>
-                            <p:childTnLst>
-                              <p:par>
-                                <p:cTn id="14" presetID="39" presetClass="entr" presetSubtype="0" accel="100000" fill="hold" grpId="0" nodeType="clickEffect">
-                                  <p:stCondLst>
-                                    <p:cond delay="0"/>
-                                  </p:stCondLst>
-                                  <p:childTnLst>
-                                    <p:set>
-                                      <p:cBhvr>
-                                        <p:cTn id="15" dur="1" fill="hold">
-                                          <p:stCondLst>
-                                            <p:cond delay="0"/>
-                                          </p:stCondLst>
-                                        </p:cTn>
-                                        <p:tgtEl>
-                                          <p:spTgt spid="5"/>
-                                        </p:tgtEl>
-                                        <p:attrNameLst>
-                                          <p:attrName>style.visibility</p:attrName>
-                                        </p:attrNameLst>
-                                      </p:cBhvr>
-                                      <p:to>
-                                        <p:strVal val="visible"/>
-                                      </p:to>
-                                    </p:set>
-                                    <p:anim calcmode="lin" valueType="num">
-                                      <p:cBhvr>
-                                        <p:cTn id="16" dur="500" fill="hold"/>
-                                        <p:tgtEl>
-                                          <p:spTgt spid="5"/>
-                                        </p:tgtEl>
-                                        <p:attrNameLst>
-                                          <p:attrName>ppt_h</p:attrName>
-                                        </p:attrNameLst>
-                                      </p:cBhvr>
-                                      <p:tavLst>
-                                        <p:tav tm="0">
-                                          <p:val>
-                                            <p:strVal val="#ppt_h/20"/>
-                                          </p:val>
-                                        </p:tav>
-                                        <p:tav tm="50000">
-                                          <p:val>
-                                            <p:strVal val="#ppt_h/20"/>
-                                          </p:val>
-                                        </p:tav>
-                                        <p:tav tm="100000">
-                                          <p:val>
-                                            <p:strVal val="#ppt_h"/>
-                                          </p:val>
-                                        </p:tav>
-                                      </p:tavLst>
-                                    </p:anim>
-                                    <p:anim calcmode="lin" valueType="num">
-                                      <p:cBhvr>
-                                        <p:cTn id="17" dur="500" fill="hold"/>
-                                        <p:tgtEl>
-                                          <p:spTgt spid="5"/>
-                                        </p:tgtEl>
-                                        <p:attrNameLst>
-                                          <p:attrName>ppt_w</p:attrName>
-                                        </p:attrNameLst>
-                                      </p:cBhvr>
-                                      <p:tavLst>
-                                        <p:tav tm="0">
-                                          <p:val>
-                                            <p:strVal val="#ppt_w+.3"/>
-                                          </p:val>
-                                        </p:tav>
-                                        <p:tav tm="50000">
-                                          <p:val>
-                                            <p:strVal val="#ppt_w+.3"/>
-                                          </p:val>
-                                        </p:tav>
-                                        <p:tav tm="100000">
-                                          <p:val>
-                                            <p:strVal val="#ppt_w"/>
-                                          </p:val>
-                                        </p:tav>
-                                      </p:tavLst>
-                                    </p:anim>
-                                    <p:anim calcmode="lin" valueType="num">
-                                      <p:cBhvr>
-                                        <p:cTn id="18" dur="500" fill="hold"/>
-                                        <p:tgtEl>
-                                          <p:spTgt spid="5"/>
-                                        </p:tgtEl>
-                                        <p:attrNameLst>
-                                          <p:attrName>ppt_x</p:attrName>
-                                        </p:attrNameLst>
-                                      </p:cBhvr>
-                                      <p:tavLst>
-                                        <p:tav tm="0">
-                                          <p:val>
-                                            <p:strVal val="#ppt_x-.3"/>
-                                          </p:val>
-                                        </p:tav>
-                                        <p:tav tm="50000">
-                                          <p:val>
-                                            <p:strVal val="#ppt_x"/>
-                                          </p:val>
-                                        </p:tav>
-                                        <p:tav tm="100000">
-                                          <p:val>
-                                            <p:strVal val="#ppt_x"/>
-                                          </p:val>
-                                        </p:tav>
-                                      </p:tavLst>
-                                    </p:anim>
-                                    <p:anim calcmode="lin" valueType="num">
-                                      <p:cBhvr>
-                                        <p:cTn id="19" dur="500" fill="hold"/>
-                                        <p:tgtEl>
-                                          <p:spTgt spid="5"/>
-                                        </p:tgtEl>
-                                        <p:attrNameLst>
-                                          <p:attrName>ppt_y</p:attrName>
-                                        </p:attrNameLst>
-                                      </p:cBhvr>
-                                      <p:tavLst>
-                                        <p:tav tm="0">
-                                          <p:val>
-                                            <p:strVal val="#ppt_y"/>
-                                          </p:val>
-                                        </p:tav>
-                                        <p:tav tm="100000">
-                                          <p:val>
-                                            <p:strVal val="#ppt_y"/>
-                                          </p:val>
-                                        </p:tav>
-                                      </p:tavLst>
-                                    </p:anim>
-                                  </p:childTnLst>
-                                </p:cTn>
-                              </p:par>
-                            </p:childTnLst>
-                          </p:cTn>
-                        </p:par>
-                      </p:childTnLst>
-                    </p:cTn>
-                  </p:par>
-                  <p:par>
-                    <p:cTn id="20" fill="hold">
-                      <p:stCondLst>
-                        <p:cond delay="indefinite"/>
-                      </p:stCondLst>
-                      <p:childTnLst>
-                        <p:par>
-                          <p:cTn id="21" fill="hold">
-                            <p:stCondLst>
-                              <p:cond delay="0"/>
-                            </p:stCondLst>
-                            <p:childTnLst>
-                              <p:par>
-                                <p:cTn id="22" presetID="6" presetClass="entr" presetSubtype="16" fill="hold" grpId="1" nodeType="clickEffect">
-                                  <p:stCondLst>
-                                    <p:cond delay="0"/>
-                                  </p:stCondLst>
-                                  <p:childTnLst>
-                                    <p:set>
-                                      <p:cBhvr>
-                                        <p:cTn id="23" dur="1" fill="hold">
-                                          <p:stCondLst>
-                                            <p:cond delay="0"/>
-                                          </p:stCondLst>
-                                        </p:cTn>
-                                        <p:tgtEl>
-                                          <p:spTgt spid="10"/>
-                                        </p:tgtEl>
-                                        <p:attrNameLst>
-                                          <p:attrName>style.visibility</p:attrName>
-                                        </p:attrNameLst>
-                                      </p:cBhvr>
-                                      <p:to>
-                                        <p:strVal val="visible"/>
-                                      </p:to>
-                                    </p:set>
-                                    <p:animEffect transition="in" filter="circle(in)">
-                                      <p:cBhvr>
-                                        <p:cTn id="24" dur="2000"/>
-                                        <p:tgtEl>
-                                          <p:spTgt spid="10"/>
-                                        </p:tgtEl>
-                                      </p:cBhvr>
-                                    </p:animEffect>
-                                  </p:childTnLst>
-                                </p:cTn>
-                              </p:par>
-                              <p:par>
-                                <p:cTn id="25" presetID="23" presetClass="entr" presetSubtype="16" fill="hold" nodeType="withEffect">
-                                  <p:stCondLst>
-                                    <p:cond delay="0"/>
-                                  </p:stCondLst>
-                                  <p:childTnLst>
-                                    <p:set>
-                                      <p:cBhvr>
-                                        <p:cTn id="26" dur="1" fill="hold">
-                                          <p:stCondLst>
-                                            <p:cond delay="0"/>
-                                          </p:stCondLst>
-                                        </p:cTn>
-                                        <p:tgtEl>
-                                          <p:spTgt spid="5122"/>
-                                        </p:tgtEl>
-                                        <p:attrNameLst>
-                                          <p:attrName>style.visibility</p:attrName>
-                                        </p:attrNameLst>
-                                      </p:cBhvr>
-                                      <p:to>
-                                        <p:strVal val="visible"/>
-                                      </p:to>
-                                    </p:set>
-                                    <p:anim calcmode="lin" valueType="num">
-                                      <p:cBhvr>
-                                        <p:cTn id="27" dur="1000" fill="hold"/>
-                                        <p:tgtEl>
-                                          <p:spTgt spid="5122"/>
-                                        </p:tgtEl>
-                                        <p:attrNameLst>
-                                          <p:attrName>ppt_w</p:attrName>
-                                        </p:attrNameLst>
-                                      </p:cBhvr>
-                                      <p:tavLst>
-                                        <p:tav tm="0">
-                                          <p:val>
-                                            <p:fltVal val="0"/>
-                                          </p:val>
-                                        </p:tav>
-                                        <p:tav tm="100000">
-                                          <p:val>
-                                            <p:strVal val="#ppt_w"/>
-                                          </p:val>
-                                        </p:tav>
-                                      </p:tavLst>
-                                    </p:anim>
-                                    <p:anim calcmode="lin" valueType="num">
-                                      <p:cBhvr>
-                                        <p:cTn id="28" dur="1000" fill="hold"/>
-                                        <p:tgtEl>
-                                          <p:spTgt spid="5122"/>
-                                        </p:tgtEl>
-                                        <p:attrNameLst>
-                                          <p:attrName>ppt_h</p:attrName>
-                                        </p:attrNameLst>
-                                      </p:cBhvr>
-                                      <p:tavLst>
-                                        <p:tav tm="0">
-                                          <p:val>
-                                            <p:fltVal val="0"/>
-                                          </p:val>
-                                        </p:tav>
-                                        <p:tav tm="100000">
-                                          <p:val>
-                                            <p:strVal val="#ppt_h"/>
-                                          </p:val>
-                                        </p:tav>
-                                      </p:tavLst>
-                                    </p:anim>
-                                  </p:childTnLst>
-                                </p:cTn>
-                              </p:par>
-                            </p:childTnLst>
-                          </p:cTn>
-                        </p:par>
-                      </p:childTnLst>
-                    </p:cTn>
-                  </p:par>
-                </p:childTnLst>
-              </p:cTn>
-              <p:prevCondLst>
-                <p:cond evt="onPrev" delay="0">
-                  <p:tgtEl>
-                    <p:sldTgt/>
-                  </p:tgtEl>
-                </p:cond>
-              </p:prevCondLst>
-              <p:nextCondLst>
-                <p:cond evt="onNext" delay="0">
-                  <p:tgtEl>
-                    <p:sldTgt/>
-                  </p:tgtEl>
-                </p:cond>
-              </p:nextCondLst>
-            </p:seq>
-          </p:childTnLst>
-        </p:cTn>
-      </p:par>
-    </p:tnLst>
-    <p:bldLst>
-      <p:bldP spid="2" grpId="0"/>
-      <p:bldP spid="10" grpId="1"/>
-      <p:bldP spid="5" grpId="0"/>
-      <p:bldP spid="7" grpId="0" animBg="1"/>
-    </p:bldLst>
-  </p:timing>
-</p:sld>
-</file>
-
-<file path=ppt/slides/slide11.xml><?xml version="1.0" encoding="utf-8"?>
-<p:sld xmlns:a="http://schemas.openxmlformats.org/drawingml/2006/main" xmlns:r="http://schemas.openxmlformats.org/officeDocument/2006/relationships" xmlns:p="http://schemas.openxmlformats.org/presentationml/2006/main">
-  <p:cSld>
-    <p:spTree>
-      <p:nvGrpSpPr>
-        <p:cNvPr id="1" name=""/>
-        <p:cNvGrpSpPr/>
-        <p:nvPr/>
-      </p:nvGrpSpPr>
-      <p:grpSpPr>
-        <a:xfrm>
-          <a:off x="0" y="0"/>
-          <a:ext cx="0" cy="0"/>
-          <a:chOff x="0" y="0"/>
-          <a:chExt cx="0" cy="0"/>
-        </a:xfrm>
-      </p:grpSpPr>
-      <p:sp>
-        <p:nvSpPr>
           <p:cNvPr id="2" name="Content Placeholder 3"/>
           <p:cNvSpPr txBox="1">
             <a:spLocks/>
@@ -7512,7 +6394,7 @@
         </p:nvSpPr>
         <p:spPr>
           <a:xfrm>
-            <a:off x="755576" y="1628800"/>
+            <a:off x="539552" y="1556792"/>
             <a:ext cx="7488832" cy="1296144"/>
           </a:xfrm>
           <a:prstGeom prst="rect">
@@ -7803,76 +6685,6 @@
                 <a:schemeClr val="bg1"/>
               </a:solidFill>
             </a:endParaRPr>
-          </a:p>
-        </p:txBody>
-      </p:sp>
-      <p:sp>
-        <p:nvSpPr>
-          <p:cNvPr id="3" name="CasellaDiTesto 2"/>
-          <p:cNvSpPr txBox="1"/>
-          <p:nvPr/>
-        </p:nvSpPr>
-        <p:spPr>
-          <a:xfrm>
-            <a:off x="7236296" y="620688"/>
-            <a:ext cx="1506631" cy="630942"/>
-          </a:xfrm>
-          <a:prstGeom prst="rect">
-            <a:avLst/>
-          </a:prstGeom>
-          <a:noFill/>
-        </p:spPr>
-        <p:txBody>
-          <a:bodyPr wrap="none" rtlCol="0">
-            <a:spAutoFit/>
-          </a:bodyPr>
-          <a:lstStyle/>
-          <a:p>
-            <a:pPr algn="ctr"/>
-            <a:r>
-              <a:rPr lang="it-IT" sz="3500" b="1" i="1" dirty="0" err="1" smtClean="0">
-                <a:latin typeface="+mj-lt"/>
-              </a:rPr>
-              <a:t>Testing</a:t>
-            </a:r>
-            <a:endParaRPr lang="it-IT" sz="3500" b="1" i="1" dirty="0" smtClean="0">
-              <a:latin typeface="+mj-lt"/>
-            </a:endParaRPr>
-          </a:p>
-        </p:txBody>
-      </p:sp>
-      <p:sp>
-        <p:nvSpPr>
-          <p:cNvPr id="4" name="Rettangolo 3"/>
-          <p:cNvSpPr/>
-          <p:nvPr/>
-        </p:nvSpPr>
-        <p:spPr>
-          <a:xfrm>
-            <a:off x="971600" y="3212976"/>
-            <a:ext cx="6912768" cy="1107996"/>
-          </a:xfrm>
-          <a:prstGeom prst="rect">
-            <a:avLst/>
-          </a:prstGeom>
-        </p:spPr>
-        <p:txBody>
-          <a:bodyPr wrap="square">
-            <a:spAutoFit/>
-          </a:bodyPr>
-          <a:lstStyle/>
-          <a:p>
-            <a:r>
-              <a:rPr lang="it-IT" sz="2400" i="1" dirty="0" smtClean="0">
-                <a:solidFill>
-                  <a:schemeClr val="accent5"/>
-                </a:solidFill>
-              </a:rPr>
-              <a:t>“Si focalizza sul comportamento I/O. Non si preoccupa della struttura interna della componente”</a:t>
-            </a:r>
-          </a:p>
-          <a:p>
-            <a:endParaRPr lang="it-IT" dirty="0"/>
           </a:p>
         </p:txBody>
       </p:sp>
@@ -7894,7 +6706,7 @@
             <a:fld id="{F89AEA99-3E91-4C58-9AD4-045DB5619AC3}" type="slidenum">
               <a:rPr lang="it-IT" smtClean="0"/>
               <a:pPr/>
-              <a:t>11</a:t>
+              <a:t>10</a:t>
             </a:fld>
             <a:endParaRPr lang="it-IT"/>
           </a:p>
@@ -7909,7 +6721,7 @@
           <p:nvPr/>
         </p:nvPicPr>
         <p:blipFill>
-          <a:blip r:embed="rId2" cstate="print"/>
+          <a:blip r:embed="rId3" cstate="print"/>
           <a:srcRect/>
           <a:stretch>
             <a:fillRect/>
@@ -7917,8 +6729,8 @@
         </p:blipFill>
         <p:spPr bwMode="auto">
           <a:xfrm>
-            <a:off x="2411759" y="4221088"/>
-            <a:ext cx="3944001" cy="2091359"/>
+            <a:off x="3779912" y="4149080"/>
+            <a:ext cx="3400814" cy="1803327"/>
           </a:xfrm>
           <a:prstGeom prst="rect">
             <a:avLst/>
@@ -7926,6 +6738,104 @@
           <a:noFill/>
         </p:spPr>
       </p:pic>
+      <p:sp>
+        <p:nvSpPr>
+          <p:cNvPr id="7" name="CasellaDiTesto 6"/>
+          <p:cNvSpPr txBox="1"/>
+          <p:nvPr/>
+        </p:nvSpPr>
+        <p:spPr>
+          <a:xfrm>
+            <a:off x="539552" y="620688"/>
+            <a:ext cx="5860835" cy="600164"/>
+          </a:xfrm>
+          <a:prstGeom prst="rect">
+            <a:avLst/>
+          </a:prstGeom>
+          <a:noFill/>
+        </p:spPr>
+        <p:txBody>
+          <a:bodyPr wrap="none" rtlCol="0">
+            <a:spAutoFit/>
+          </a:bodyPr>
+          <a:lstStyle/>
+          <a:p>
+            <a:pPr algn="ctr"/>
+            <a:r>
+              <a:rPr lang="it-IT" sz="3300" b="1" dirty="0" smtClean="0">
+                <a:latin typeface="+mj-lt"/>
+              </a:rPr>
+              <a:t>Come è stato realizzato il </a:t>
+            </a:r>
+            <a:r>
+              <a:rPr lang="it-IT" sz="3300" b="1" dirty="0" err="1" smtClean="0">
+                <a:latin typeface="+mj-lt"/>
+              </a:rPr>
+              <a:t>testing</a:t>
+            </a:r>
+            <a:endParaRPr lang="it-IT" sz="3300" b="1" dirty="0" smtClean="0">
+              <a:latin typeface="+mj-lt"/>
+            </a:endParaRPr>
+          </a:p>
+        </p:txBody>
+      </p:sp>
+      <p:sp>
+        <p:nvSpPr>
+          <p:cNvPr id="8" name="Rettangolo 7"/>
+          <p:cNvSpPr/>
+          <p:nvPr/>
+        </p:nvSpPr>
+        <p:spPr>
+          <a:xfrm>
+            <a:off x="539552" y="3140968"/>
+            <a:ext cx="7992888" cy="1246495"/>
+          </a:xfrm>
+          <a:prstGeom prst="rect">
+            <a:avLst/>
+          </a:prstGeom>
+        </p:spPr>
+        <p:txBody>
+          <a:bodyPr wrap="square">
+            <a:spAutoFit/>
+          </a:bodyPr>
+          <a:lstStyle/>
+          <a:p>
+            <a:pPr>
+              <a:buFont typeface="Wingdings" pitchFamily="2" charset="2"/>
+              <a:buChar char="v"/>
+            </a:pPr>
+            <a:r>
+              <a:rPr lang="it-IT" sz="2500" dirty="0" smtClean="0"/>
+              <a:t>Test </a:t>
+            </a:r>
+            <a:r>
+              <a:rPr lang="it-IT" sz="2500" dirty="0" err="1" smtClean="0"/>
+              <a:t>cases</a:t>
+            </a:r>
+            <a:r>
+              <a:rPr lang="it-IT" sz="2500" dirty="0" smtClean="0"/>
+              <a:t> realizzati </a:t>
+            </a:r>
+            <a:r>
+              <a:rPr lang="it-IT" sz="2500" dirty="0" smtClean="0"/>
+              <a:t>seguendo il criterio di copertura debole (</a:t>
+            </a:r>
+            <a:r>
+              <a:rPr lang="it-IT" sz="2500" b="1" dirty="0" smtClean="0"/>
+              <a:t>WECT</a:t>
+            </a:r>
+            <a:r>
+              <a:rPr lang="it-IT" sz="2500" dirty="0" smtClean="0"/>
+              <a:t>): </a:t>
+            </a:r>
+            <a:r>
+              <a:rPr lang="it-IT" sz="2500" i="1" dirty="0" smtClean="0"/>
+              <a:t>un input non valido per volta, tutti gli altri input corretti.</a:t>
+            </a:r>
+            <a:endParaRPr lang="it-IT" sz="2600" dirty="0"/>
+          </a:p>
+        </p:txBody>
+      </p:sp>
     </p:spTree>
   </p:cSld>
   <p:clrMapOvr>
@@ -7989,106 +6899,15 @@
                                   </p:childTnLst>
                                 </p:cTn>
                               </p:par>
-                            </p:childTnLst>
-                          </p:cTn>
-                        </p:par>
-                      </p:childTnLst>
-                    </p:cTn>
-                  </p:par>
-                  <p:par>
-                    <p:cTn id="8" fill="hold">
-                      <p:stCondLst>
-                        <p:cond delay="indefinite"/>
-                      </p:stCondLst>
-                      <p:childTnLst>
-                        <p:par>
-                          <p:cTn id="9" fill="hold">
-                            <p:stCondLst>
-                              <p:cond delay="0"/>
-                            </p:stCondLst>
-                            <p:childTnLst>
                               <p:par>
-                                <p:cTn id="10" presetID="23" presetClass="entr" presetSubtype="16" fill="hold" grpId="0" nodeType="clickEffect">
+                                <p:cTn id="8" presetID="10" presetClass="entr" presetSubtype="0" fill="hold" nodeType="withEffect">
                                   <p:stCondLst>
                                     <p:cond delay="0"/>
                                   </p:stCondLst>
                                   <p:childTnLst>
                                     <p:set>
                                       <p:cBhvr>
-                                        <p:cTn id="11" dur="1" fill="hold">
-                                          <p:stCondLst>
-                                            <p:cond delay="0"/>
-                                          </p:stCondLst>
-                                        </p:cTn>
-                                        <p:tgtEl>
-                                          <p:spTgt spid="4"/>
-                                        </p:tgtEl>
-                                        <p:attrNameLst>
-                                          <p:attrName>style.visibility</p:attrName>
-                                        </p:attrNameLst>
-                                      </p:cBhvr>
-                                      <p:to>
-                                        <p:strVal val="visible"/>
-                                      </p:to>
-                                    </p:set>
-                                    <p:anim calcmode="lin" valueType="num">
-                                      <p:cBhvr>
-                                        <p:cTn id="12" dur="500" fill="hold"/>
-                                        <p:tgtEl>
-                                          <p:spTgt spid="4"/>
-                                        </p:tgtEl>
-                                        <p:attrNameLst>
-                                          <p:attrName>ppt_w</p:attrName>
-                                        </p:attrNameLst>
-                                      </p:cBhvr>
-                                      <p:tavLst>
-                                        <p:tav tm="0">
-                                          <p:val>
-                                            <p:fltVal val="0"/>
-                                          </p:val>
-                                        </p:tav>
-                                        <p:tav tm="100000">
-                                          <p:val>
-                                            <p:strVal val="#ppt_w"/>
-                                          </p:val>
-                                        </p:tav>
-                                      </p:tavLst>
-                                    </p:anim>
-                                    <p:anim calcmode="lin" valueType="num">
-                                      <p:cBhvr>
-                                        <p:cTn id="13" dur="500" fill="hold"/>
-                                        <p:tgtEl>
-                                          <p:spTgt spid="4"/>
-                                        </p:tgtEl>
-                                        <p:attrNameLst>
-                                          <p:attrName>ppt_h</p:attrName>
-                                        </p:attrNameLst>
-                                      </p:cBhvr>
-                                      <p:tavLst>
-                                        <p:tav tm="0">
-                                          <p:val>
-                                            <p:fltVal val="0"/>
-                                          </p:val>
-                                        </p:tav>
-                                        <p:tav tm="100000">
-                                          <p:val>
-                                            <p:strVal val="#ppt_h"/>
-                                          </p:val>
-                                        </p:tav>
-                                      </p:tavLst>
-                                    </p:anim>
-                                  </p:childTnLst>
-                                </p:cTn>
-                              </p:par>
-                              <p:par>
-                                <p:cTn id="14" presetID="10" presetClass="entr" presetSubtype="0" fill="hold" nodeType="withEffect">
-                                  <p:stCondLst>
-                                    <p:cond delay="0"/>
-                                  </p:stCondLst>
-                                  <p:childTnLst>
-                                    <p:set>
-                                      <p:cBhvr>
-                                        <p:cTn id="15" dur="1" fill="hold">
+                                        <p:cTn id="9" dur="1" fill="hold">
                                           <p:stCondLst>
                                             <p:cond delay="0"/>
                                           </p:stCondLst>
@@ -8106,543 +6925,12 @@
                                     </p:set>
                                     <p:animEffect transition="in" filter="fade">
                                       <p:cBhvr>
-                                        <p:cTn id="16" dur="2000"/>
+                                        <p:cTn id="10" dur="2000"/>
                                         <p:tgtEl>
                                           <p:spTgt spid="13314"/>
                                         </p:tgtEl>
                                       </p:cBhvr>
                                     </p:animEffect>
-                                  </p:childTnLst>
-                                </p:cTn>
-                              </p:par>
-                            </p:childTnLst>
-                          </p:cTn>
-                        </p:par>
-                      </p:childTnLst>
-                    </p:cTn>
-                  </p:par>
-                </p:childTnLst>
-              </p:cTn>
-              <p:prevCondLst>
-                <p:cond evt="onPrev" delay="0">
-                  <p:tgtEl>
-                    <p:sldTgt/>
-                  </p:tgtEl>
-                </p:cond>
-              </p:prevCondLst>
-              <p:nextCondLst>
-                <p:cond evt="onNext" delay="0">
-                  <p:tgtEl>
-                    <p:sldTgt/>
-                  </p:tgtEl>
-                </p:cond>
-              </p:nextCondLst>
-            </p:seq>
-          </p:childTnLst>
-        </p:cTn>
-      </p:par>
-    </p:tnLst>
-    <p:bldLst>
-      <p:bldP spid="2" grpId="0"/>
-      <p:bldP spid="4" grpId="0"/>
-    </p:bldLst>
-  </p:timing>
-</p:sld>
-</file>
-
-<file path=ppt/slides/slide12.xml><?xml version="1.0" encoding="utf-8"?>
-<p:sld xmlns:a="http://schemas.openxmlformats.org/drawingml/2006/main" xmlns:r="http://schemas.openxmlformats.org/officeDocument/2006/relationships" xmlns:p="http://schemas.openxmlformats.org/presentationml/2006/main">
-  <p:cSld>
-    <p:spTree>
-      <p:nvGrpSpPr>
-        <p:cNvPr id="1" name=""/>
-        <p:cNvGrpSpPr/>
-        <p:nvPr/>
-      </p:nvGrpSpPr>
-      <p:grpSpPr>
-        <a:xfrm>
-          <a:off x="0" y="0"/>
-          <a:ext cx="0" cy="0"/>
-          <a:chOff x="0" y="0"/>
-          <a:chExt cx="0" cy="0"/>
-        </a:xfrm>
-      </p:grpSpPr>
-      <p:sp>
-        <p:nvSpPr>
-          <p:cNvPr id="3" name="Content Placeholder 3"/>
-          <p:cNvSpPr txBox="1">
-            <a:spLocks/>
-          </p:cNvSpPr>
-          <p:nvPr/>
-        </p:nvSpPr>
-        <p:spPr>
-          <a:xfrm>
-            <a:off x="467544" y="1772816"/>
-            <a:ext cx="8676456" cy="1656184"/>
-          </a:xfrm>
-          <a:prstGeom prst="rect">
-            <a:avLst/>
-          </a:prstGeom>
-        </p:spPr>
-        <p:txBody>
-          <a:bodyPr tIns="0"/>
-          <a:lstStyle>
-            <a:lvl1pPr marL="274320" indent="-274320" algn="l" rtl="0" eaLnBrk="1" latinLnBrk="0" hangingPunct="1">
-              <a:spcBef>
-                <a:spcPct val="20000"/>
-              </a:spcBef>
-              <a:buClrTx/>
-              <a:buSzPct val="95000"/>
-              <a:buFont typeface="Wingdings" pitchFamily="2" charset="2"/>
-              <a:buChar char="v"/>
-              <a:defRPr kumimoji="0" sz="2800" kern="1200">
-                <a:solidFill>
-                  <a:schemeClr val="tx1"/>
-                </a:solidFill>
-                <a:latin typeface="+mn-lt"/>
-                <a:ea typeface="+mn-ea"/>
-                <a:cs typeface="+mn-cs"/>
-              </a:defRPr>
-            </a:lvl1pPr>
-            <a:lvl2pPr marL="640080" indent="-246888" algn="l" rtl="0" eaLnBrk="1" latinLnBrk="0" hangingPunct="1">
-              <a:spcBef>
-                <a:spcPct val="20000"/>
-              </a:spcBef>
-              <a:buClrTx/>
-              <a:buSzPct val="85000"/>
-              <a:buFont typeface="Courier New" pitchFamily="49" charset="0"/>
-              <a:buChar char="o"/>
-              <a:defRPr kumimoji="0" sz="2600" kern="1200">
-                <a:solidFill>
-                  <a:schemeClr val="tx1"/>
-                </a:solidFill>
-                <a:latin typeface="+mn-lt"/>
-                <a:ea typeface="+mn-ea"/>
-                <a:cs typeface="+mn-cs"/>
-              </a:defRPr>
-            </a:lvl2pPr>
-            <a:lvl3pPr marL="914400" indent="-246888" algn="l" rtl="0" eaLnBrk="1" latinLnBrk="0" hangingPunct="1">
-              <a:spcBef>
-                <a:spcPct val="20000"/>
-              </a:spcBef>
-              <a:buClrTx/>
-              <a:buSzPct val="70000"/>
-              <a:buFont typeface="Wingdings 2"/>
-              <a:buChar char=""/>
-              <a:defRPr kumimoji="0" sz="2400" kern="1200">
-                <a:solidFill>
-                  <a:schemeClr val="tx1"/>
-                </a:solidFill>
-                <a:latin typeface="+mn-lt"/>
-                <a:ea typeface="+mn-ea"/>
-                <a:cs typeface="+mn-cs"/>
-              </a:defRPr>
-            </a:lvl3pPr>
-            <a:lvl4pPr marL="1188720" indent="-210312" algn="l" rtl="0" eaLnBrk="1" latinLnBrk="0" hangingPunct="1">
-              <a:spcBef>
-                <a:spcPct val="20000"/>
-              </a:spcBef>
-              <a:buClrTx/>
-              <a:buSzPct val="65000"/>
-              <a:buFont typeface="Wingdings 2"/>
-              <a:buChar char=""/>
-              <a:defRPr kumimoji="0" sz="2000" kern="1200">
-                <a:solidFill>
-                  <a:schemeClr val="tx1"/>
-                </a:solidFill>
-                <a:latin typeface="+mn-lt"/>
-                <a:ea typeface="+mn-ea"/>
-                <a:cs typeface="+mn-cs"/>
-              </a:defRPr>
-            </a:lvl4pPr>
-            <a:lvl5pPr marL="1463040" indent="-210312" algn="l" rtl="0" eaLnBrk="1" latinLnBrk="0" hangingPunct="1">
-              <a:spcBef>
-                <a:spcPct val="20000"/>
-              </a:spcBef>
-              <a:buClrTx/>
-              <a:buSzPct val="65000"/>
-              <a:buFont typeface="Wingdings 2"/>
-              <a:buChar char=""/>
-              <a:defRPr kumimoji="0" sz="1800" kern="1200">
-                <a:solidFill>
-                  <a:schemeClr val="tx1"/>
-                </a:solidFill>
-                <a:latin typeface="+mn-lt"/>
-                <a:ea typeface="+mn-ea"/>
-                <a:cs typeface="+mn-cs"/>
-              </a:defRPr>
-            </a:lvl5pPr>
-            <a:lvl6pPr marL="1737360" indent="-210312" algn="l" rtl="0" eaLnBrk="1" latinLnBrk="0" hangingPunct="1">
-              <a:spcBef>
-                <a:spcPct val="20000"/>
-              </a:spcBef>
-              <a:buClr>
-                <a:schemeClr val="accent5"/>
-              </a:buClr>
-              <a:buSzPct val="80000"/>
-              <a:buFont typeface="Wingdings 2"/>
-              <a:buChar char=""/>
-              <a:defRPr kumimoji="0" sz="1800" kern="1200">
-                <a:solidFill>
-                  <a:schemeClr val="tx1"/>
-                </a:solidFill>
-                <a:latin typeface="+mn-lt"/>
-                <a:ea typeface="+mn-ea"/>
-                <a:cs typeface="+mn-cs"/>
-              </a:defRPr>
-            </a:lvl6pPr>
-            <a:lvl7pPr marL="1920240" indent="-182880" algn="l" rtl="0" eaLnBrk="1" latinLnBrk="0" hangingPunct="1">
-              <a:spcBef>
-                <a:spcPct val="20000"/>
-              </a:spcBef>
-              <a:buClr>
-                <a:schemeClr val="accent6"/>
-              </a:buClr>
-              <a:buSzPct val="80000"/>
-              <a:buFont typeface="Wingdings 2"/>
-              <a:buChar char=""/>
-              <a:defRPr kumimoji="0" sz="1600" kern="1200" baseline="0">
-                <a:solidFill>
-                  <a:schemeClr val="tx1"/>
-                </a:solidFill>
-                <a:latin typeface="+mn-lt"/>
-                <a:ea typeface="+mn-ea"/>
-                <a:cs typeface="+mn-cs"/>
-              </a:defRPr>
-            </a:lvl7pPr>
-            <a:lvl8pPr marL="2194560" indent="-182880" algn="l" rtl="0" eaLnBrk="1" latinLnBrk="0" hangingPunct="1">
-              <a:spcBef>
-                <a:spcPct val="20000"/>
-              </a:spcBef>
-              <a:buClr>
-                <a:schemeClr val="tx2"/>
-              </a:buClr>
-              <a:buChar char="•"/>
-              <a:defRPr kumimoji="0" sz="1600" kern="1200">
-                <a:solidFill>
-                  <a:schemeClr val="tx1"/>
-                </a:solidFill>
-                <a:latin typeface="+mn-lt"/>
-                <a:ea typeface="+mn-ea"/>
-                <a:cs typeface="+mn-cs"/>
-              </a:defRPr>
-            </a:lvl8pPr>
-            <a:lvl9pPr marL="2468880" indent="-182880" algn="l" rtl="0" eaLnBrk="1" latinLnBrk="0" hangingPunct="1">
-              <a:spcBef>
-                <a:spcPct val="20000"/>
-              </a:spcBef>
-              <a:buClr>
-                <a:schemeClr val="tx2"/>
-              </a:buClr>
-              <a:buFontTx/>
-              <a:buChar char="•"/>
-              <a:defRPr kumimoji="0" sz="1400" kern="1200" baseline="0">
-                <a:solidFill>
-                  <a:schemeClr val="tx1"/>
-                </a:solidFill>
-                <a:latin typeface="+mn-lt"/>
-                <a:ea typeface="+mn-ea"/>
-                <a:cs typeface="+mn-cs"/>
-              </a:defRPr>
-            </a:lvl9pPr>
-          </a:lstStyle>
-          <a:p>
-            <a:pPr marL="0" indent="0">
-              <a:buNone/>
-            </a:pPr>
-            <a:r>
-              <a:rPr lang="it-IT" sz="2700" b="1" dirty="0" smtClean="0"/>
-              <a:t>PROBLEM</a:t>
-            </a:r>
-            <a:r>
-              <a:rPr lang="it-IT" sz="2700" dirty="0" smtClean="0"/>
-              <a:t>:</a:t>
-            </a:r>
-          </a:p>
-          <a:p>
-            <a:pPr marL="0" indent="0"/>
-            <a:r>
-              <a:rPr lang="it-IT" sz="2700" dirty="0" smtClean="0"/>
-              <a:t> Poco tempo a disposizione</a:t>
-            </a:r>
-          </a:p>
-          <a:p>
-            <a:pPr marL="0" indent="0"/>
-            <a:r>
-              <a:rPr lang="it-IT" sz="2700" dirty="0" smtClean="0"/>
-              <a:t> Versione incompleta del sistema</a:t>
-            </a:r>
-          </a:p>
-          <a:p>
-            <a:pPr marL="0" indent="0">
-              <a:buNone/>
-            </a:pPr>
-            <a:endParaRPr lang="it-IT" sz="2700" dirty="0" smtClean="0"/>
-          </a:p>
-        </p:txBody>
-      </p:sp>
-      <p:sp>
-        <p:nvSpPr>
-          <p:cNvPr id="4" name="CasellaDiTesto 3"/>
-          <p:cNvSpPr txBox="1"/>
-          <p:nvPr/>
-        </p:nvSpPr>
-        <p:spPr>
-          <a:xfrm>
-            <a:off x="539552" y="620688"/>
-            <a:ext cx="5860835" cy="600164"/>
-          </a:xfrm>
-          <a:prstGeom prst="rect">
-            <a:avLst/>
-          </a:prstGeom>
-          <a:noFill/>
-        </p:spPr>
-        <p:txBody>
-          <a:bodyPr wrap="none" rtlCol="0">
-            <a:spAutoFit/>
-          </a:bodyPr>
-          <a:lstStyle/>
-          <a:p>
-            <a:pPr algn="ctr"/>
-            <a:r>
-              <a:rPr lang="it-IT" sz="3300" b="1" dirty="0" smtClean="0">
-                <a:latin typeface="+mj-lt"/>
-              </a:rPr>
-              <a:t>Come è stato realizzato il </a:t>
-            </a:r>
-            <a:r>
-              <a:rPr lang="it-IT" sz="3300" b="1" dirty="0" err="1" smtClean="0">
-                <a:latin typeface="+mj-lt"/>
-              </a:rPr>
-              <a:t>testing</a:t>
-            </a:r>
-            <a:endParaRPr lang="it-IT" sz="3300" b="1" dirty="0" smtClean="0">
-              <a:latin typeface="+mj-lt"/>
-            </a:endParaRPr>
-          </a:p>
-        </p:txBody>
-      </p:sp>
-      <p:sp>
-        <p:nvSpPr>
-          <p:cNvPr id="5" name="Segnaposto numero diapositiva 4"/>
-          <p:cNvSpPr>
-            <a:spLocks noGrp="1"/>
-          </p:cNvSpPr>
-          <p:nvPr>
-            <p:ph type="sldNum" sz="quarter" idx="12"/>
-          </p:nvPr>
-        </p:nvSpPr>
-        <p:spPr/>
-        <p:txBody>
-          <a:bodyPr/>
-          <a:lstStyle/>
-          <a:p>
-            <a:fld id="{F89AEA99-3E91-4C58-9AD4-045DB5619AC3}" type="slidenum">
-              <a:rPr lang="it-IT" smtClean="0"/>
-              <a:pPr/>
-              <a:t>12</a:t>
-            </a:fld>
-            <a:endParaRPr lang="it-IT"/>
-          </a:p>
-        </p:txBody>
-      </p:sp>
-      <p:sp>
-        <p:nvSpPr>
-          <p:cNvPr id="8" name="Rettangolo 7"/>
-          <p:cNvSpPr/>
-          <p:nvPr/>
-        </p:nvSpPr>
-        <p:spPr>
-          <a:xfrm>
-            <a:off x="395536" y="3645024"/>
-            <a:ext cx="8208912" cy="2046714"/>
-          </a:xfrm>
-          <a:prstGeom prst="rect">
-            <a:avLst/>
-          </a:prstGeom>
-        </p:spPr>
-        <p:txBody>
-          <a:bodyPr wrap="square">
-            <a:spAutoFit/>
-          </a:bodyPr>
-          <a:lstStyle/>
-          <a:p>
-            <a:r>
-              <a:rPr lang="it-IT" sz="2700" b="1" dirty="0" smtClean="0"/>
-              <a:t>SOLUTION</a:t>
-            </a:r>
-            <a:r>
-              <a:rPr lang="it-IT" sz="2400" b="1" dirty="0" smtClean="0"/>
-              <a:t>:</a:t>
-            </a:r>
-          </a:p>
-          <a:p>
-            <a:r>
-              <a:rPr lang="it-IT" sz="2500" dirty="0" smtClean="0"/>
-              <a:t>Per ogni </a:t>
-            </a:r>
-            <a:r>
-              <a:rPr lang="it-IT" sz="2500" dirty="0" err="1" smtClean="0"/>
-              <a:t>use</a:t>
-            </a:r>
-            <a:r>
-              <a:rPr lang="it-IT" sz="2500" dirty="0" smtClean="0"/>
-              <a:t> case ad alta priorità sono stati realizzati diversi test </a:t>
-            </a:r>
-            <a:r>
-              <a:rPr lang="it-IT" sz="2500" dirty="0" err="1" smtClean="0"/>
-              <a:t>cases</a:t>
-            </a:r>
-            <a:r>
-              <a:rPr lang="it-IT" sz="2500" dirty="0" smtClean="0"/>
-              <a:t>, realizzati seguendo il criterio di copertura debole (</a:t>
-            </a:r>
-            <a:r>
-              <a:rPr lang="it-IT" sz="2500" b="1" dirty="0" smtClean="0"/>
-              <a:t>WECT</a:t>
-            </a:r>
-            <a:r>
-              <a:rPr lang="it-IT" sz="2500" dirty="0" smtClean="0"/>
-              <a:t>): </a:t>
-            </a:r>
-            <a:r>
-              <a:rPr lang="it-IT" sz="2500" i="1" dirty="0" smtClean="0"/>
-              <a:t>un input non valido per volta, tutti gli altri input corretti.</a:t>
-            </a:r>
-            <a:endParaRPr lang="it-IT" sz="2600" dirty="0"/>
-          </a:p>
-        </p:txBody>
-      </p:sp>
-    </p:spTree>
-  </p:cSld>
-  <p:clrMapOvr>
-    <a:masterClrMapping/>
-  </p:clrMapOvr>
-  <p:timing>
-    <p:tnLst>
-      <p:par>
-        <p:cTn id="1" dur="indefinite" restart="never" nodeType="tmRoot">
-          <p:childTnLst>
-            <p:seq concurrent="1" nextAc="seek">
-              <p:cTn id="2" dur="indefinite" nodeType="mainSeq">
-                <p:childTnLst>
-                  <p:par>
-                    <p:cTn id="3" fill="hold">
-                      <p:stCondLst>
-                        <p:cond delay="indefinite"/>
-                      </p:stCondLst>
-                      <p:childTnLst>
-                        <p:par>
-                          <p:cTn id="4" fill="hold">
-                            <p:stCondLst>
-                              <p:cond delay="0"/>
-                            </p:stCondLst>
-                            <p:childTnLst>
-                              <p:par>
-                                <p:cTn id="5" presetID="37" presetClass="entr" presetSubtype="0" fill="hold" grpId="0" nodeType="clickEffect">
-                                  <p:stCondLst>
-                                    <p:cond delay="0"/>
-                                  </p:stCondLst>
-                                  <p:childTnLst>
-                                    <p:set>
-                                      <p:cBhvr>
-                                        <p:cTn id="6" dur="1" fill="hold">
-                                          <p:stCondLst>
-                                            <p:cond delay="0"/>
-                                          </p:stCondLst>
-                                        </p:cTn>
-                                        <p:tgtEl>
-                                          <p:spTgt spid="3"/>
-                                        </p:tgtEl>
-                                        <p:attrNameLst>
-                                          <p:attrName>style.visibility</p:attrName>
-                                        </p:attrNameLst>
-                                      </p:cBhvr>
-                                      <p:to>
-                                        <p:strVal val="visible"/>
-                                      </p:to>
-                                    </p:set>
-                                    <p:animEffect transition="in" filter="fade">
-                                      <p:cBhvr>
-                                        <p:cTn id="7" dur="1000"/>
-                                        <p:tgtEl>
-                                          <p:spTgt spid="3"/>
-                                        </p:tgtEl>
-                                      </p:cBhvr>
-                                    </p:animEffect>
-                                    <p:anim calcmode="lin" valueType="num">
-                                      <p:cBhvr>
-                                        <p:cTn id="8" dur="1000" fill="hold"/>
-                                        <p:tgtEl>
-                                          <p:spTgt spid="3"/>
-                                        </p:tgtEl>
-                                        <p:attrNameLst>
-                                          <p:attrName>ppt_x</p:attrName>
-                                        </p:attrNameLst>
-                                      </p:cBhvr>
-                                      <p:tavLst>
-                                        <p:tav tm="0">
-                                          <p:val>
-                                            <p:strVal val="#ppt_x"/>
-                                          </p:val>
-                                        </p:tav>
-                                        <p:tav tm="100000">
-                                          <p:val>
-                                            <p:strVal val="#ppt_x"/>
-                                          </p:val>
-                                        </p:tav>
-                                      </p:tavLst>
-                                    </p:anim>
-                                    <p:anim calcmode="lin" valueType="num">
-                                      <p:cBhvr>
-                                        <p:cTn id="9" dur="900" decel="100000" fill="hold"/>
-                                        <p:tgtEl>
-                                          <p:spTgt spid="3"/>
-                                        </p:tgtEl>
-                                        <p:attrNameLst>
-                                          <p:attrName>ppt_y</p:attrName>
-                                        </p:attrNameLst>
-                                      </p:cBhvr>
-                                      <p:tavLst>
-                                        <p:tav tm="0">
-                                          <p:val>
-                                            <p:strVal val="#ppt_y+1"/>
-                                          </p:val>
-                                        </p:tav>
-                                        <p:tav tm="100000">
-                                          <p:val>
-                                            <p:strVal val="#ppt_y-.03"/>
-                                          </p:val>
-                                        </p:tav>
-                                      </p:tavLst>
-                                    </p:anim>
-                                    <p:anim calcmode="lin" valueType="num">
-                                      <p:cBhvr>
-                                        <p:cTn id="10" dur="100" accel="100000" fill="hold">
-                                          <p:stCondLst>
-                                            <p:cond delay="900"/>
-                                          </p:stCondLst>
-                                        </p:cTn>
-                                        <p:tgtEl>
-                                          <p:spTgt spid="3"/>
-                                        </p:tgtEl>
-                                        <p:attrNameLst>
-                                          <p:attrName>ppt_y</p:attrName>
-                                        </p:attrNameLst>
-                                      </p:cBhvr>
-                                      <p:tavLst>
-                                        <p:tav tm="0">
-                                          <p:val>
-                                            <p:strVal val="#ppt_y-.03"/>
-                                          </p:val>
-                                        </p:tav>
-                                        <p:tav tm="100000">
-                                          <p:val>
-                                            <p:strVal val="#ppt_y"/>
-                                          </p:val>
-                                        </p:tav>
-                                      </p:tavLst>
-                                    </p:anim>
                                   </p:childTnLst>
                                 </p:cTn>
                               </p:par>
@@ -8800,14 +7088,14 @@
       </p:par>
     </p:tnLst>
     <p:bldLst>
-      <p:bldP spid="3" grpId="0"/>
+      <p:bldP spid="2" grpId="0"/>
       <p:bldP spid="8" grpId="0"/>
     </p:bldLst>
   </p:timing>
 </p:sld>
 </file>
 
-<file path=ppt/slides/slide13.xml><?xml version="1.0" encoding="utf-8"?>
+<file path=ppt/slides/slide11.xml><?xml version="1.0" encoding="utf-8"?>
 <p:sld xmlns:a="http://schemas.openxmlformats.org/drawingml/2006/main" xmlns:r="http://schemas.openxmlformats.org/officeDocument/2006/relationships" xmlns:p="http://schemas.openxmlformats.org/presentationml/2006/main">
   <p:cSld>
     <p:spTree>
@@ -8868,7 +7156,7 @@
             <a:fld id="{F89AEA99-3E91-4C58-9AD4-045DB5619AC3}" type="slidenum">
               <a:rPr lang="it-IT" smtClean="0"/>
               <a:pPr/>
-              <a:t>13</a:t>
+              <a:t>11</a:t>
             </a:fld>
             <a:endParaRPr lang="it-IT"/>
           </a:p>
@@ -8889,7 +7177,7 @@
 </p:sld>
 </file>
 
-<file path=ppt/slides/slide14.xml><?xml version="1.0" encoding="utf-8"?>
+<file path=ppt/slides/slide12.xml><?xml version="1.0" encoding="utf-8"?>
 <p:sld xmlns:a="http://schemas.openxmlformats.org/drawingml/2006/main" xmlns:r="http://schemas.openxmlformats.org/officeDocument/2006/relationships" xmlns:p="http://schemas.openxmlformats.org/presentationml/2006/main">
   <p:cSld>
     <p:spTree>
@@ -8923,7 +7211,7 @@
         </p:blipFill>
         <p:spPr bwMode="auto">
           <a:xfrm>
-            <a:off x="2278644" y="908720"/>
+            <a:off x="2278644" y="692696"/>
             <a:ext cx="5821748" cy="5373216"/>
           </a:xfrm>
           <a:prstGeom prst="rect">
@@ -8950,7 +7238,7 @@
             <a:fld id="{F89AEA99-3E91-4C58-9AD4-045DB5619AC3}" type="slidenum">
               <a:rPr lang="it-IT" smtClean="0"/>
               <a:pPr/>
-              <a:t>14</a:t>
+              <a:t>12</a:t>
             </a:fld>
             <a:endParaRPr lang="it-IT"/>
           </a:p>
@@ -8961,6 +7249,9 @@
   <p:clrMapOvr>
     <a:masterClrMapping/>
   </p:clrMapOvr>
+  <p:transition>
+    <p:fade/>
+  </p:transition>
   <p:timing>
     <p:tnLst>
       <p:par>
@@ -8971,7 +7262,7 @@
 </p:sld>
 </file>
 
-<file path=ppt/slides/slide15.xml><?xml version="1.0" encoding="utf-8"?>
+<file path=ppt/slides/slide13.xml><?xml version="1.0" encoding="utf-8"?>
 <p:sld xmlns:a="http://schemas.openxmlformats.org/drawingml/2006/main" xmlns:r="http://schemas.openxmlformats.org/officeDocument/2006/relationships" xmlns:p="http://schemas.openxmlformats.org/presentationml/2006/main">
   <p:cSld>
     <p:spTree>
@@ -8988,6 +7279,32 @@
           <a:chExt cx="0" cy="0"/>
         </a:xfrm>
       </p:grpSpPr>
+      <p:pic>
+        <p:nvPicPr>
+          <p:cNvPr id="8194" name="Picture 2" descr="http://www.koinecoopsociale.it/upload/ssnbslyv0xlaf1gfiyvi1a0la344201104281452omino.jpg"/>
+          <p:cNvPicPr>
+            <a:picLocks noChangeAspect="1" noChangeArrowheads="1"/>
+          </p:cNvPicPr>
+          <p:nvPr/>
+        </p:nvPicPr>
+        <p:blipFill>
+          <a:blip r:embed="rId3" cstate="print"/>
+          <a:srcRect/>
+          <a:stretch>
+            <a:fillRect/>
+          </a:stretch>
+        </p:blipFill>
+        <p:spPr bwMode="auto">
+          <a:xfrm>
+            <a:off x="7380312" y="2852936"/>
+            <a:ext cx="1429993" cy="2011686"/>
+          </a:xfrm>
+          <a:prstGeom prst="rect">
+            <a:avLst/>
+          </a:prstGeom>
+          <a:noFill/>
+        </p:spPr>
+      </p:pic>
       <p:sp>
         <p:nvSpPr>
           <p:cNvPr id="2" name="Rettangolo 1"/>
@@ -9205,16 +7522,25 @@
             <a:pPr marL="0" indent="0"/>
             <a:r>
               <a:rPr lang="it-IT" dirty="0" smtClean="0"/>
-              <a:t> Diverse </a:t>
-            </a:r>
-            <a:r>
-              <a:rPr lang="it-IT" u="sng" dirty="0" smtClean="0"/>
-              <a:t>incongruenze</a:t>
-            </a:r>
-            <a:r>
-              <a:rPr lang="it-IT" dirty="0" smtClean="0"/>
-              <a:t> tra documentazione fornita e sistema implementato hanno reso difficile:</a:t>
-            </a:r>
+              <a:t> </a:t>
+            </a:r>
+            <a:r>
+              <a:rPr lang="it-IT" sz="2600" u="sng" dirty="0" smtClean="0"/>
+              <a:t>Incongruenze</a:t>
+            </a:r>
+            <a:r>
+              <a:rPr lang="it-IT" sz="2600" dirty="0" smtClean="0"/>
+              <a:t> tra </a:t>
+            </a:r>
+            <a:r>
+              <a:rPr lang="it-IT" sz="2600" dirty="0" smtClean="0"/>
+              <a:t>documentazione fornita e sistema </a:t>
+            </a:r>
+            <a:r>
+              <a:rPr lang="it-IT" sz="2600" dirty="0" smtClean="0"/>
+              <a:t>implementato</a:t>
+            </a:r>
+            <a:endParaRPr lang="it-IT" sz="2600" dirty="0" smtClean="0"/>
           </a:p>
           <a:p>
             <a:pPr marL="365760" lvl="1" indent="0"/>
@@ -9223,27 +7549,32 @@
               <a:t> </a:t>
             </a:r>
             <a:r>
-              <a:rPr lang="it-IT" sz="2400" i="1" dirty="0" smtClean="0"/>
-              <a:t>l’organizzazione della fase di </a:t>
-            </a:r>
-            <a:r>
-              <a:rPr lang="it-IT" sz="2400" i="1" dirty="0" err="1" smtClean="0"/>
+              <a:rPr lang="it-IT" sz="2200" i="1" dirty="0" smtClean="0"/>
+              <a:t>difficoltà nell’organizzazione della </a:t>
+            </a:r>
+            <a:r>
+              <a:rPr lang="it-IT" sz="2200" i="1" dirty="0" smtClean="0"/>
+              <a:t>fase di </a:t>
+            </a:r>
+            <a:r>
+              <a:rPr lang="it-IT" sz="2200" i="1" dirty="0" err="1" smtClean="0"/>
               <a:t>testing</a:t>
             </a:r>
             <a:r>
-              <a:rPr lang="it-IT" sz="2400" i="1" dirty="0" smtClean="0"/>
-              <a:t>;</a:t>
-            </a:r>
-          </a:p>
-          <a:p>
-            <a:pPr marL="365760" lvl="1" indent="0"/>
-            <a:r>
-              <a:rPr lang="it-IT" sz="2400" dirty="0" smtClean="0"/>
-              <a:t> </a:t>
-            </a:r>
-            <a:r>
-              <a:rPr lang="it-IT" sz="2400" i="1" dirty="0" smtClean="0"/>
-              <a:t>la comprensione della documentazione e del  funzionamento del sistema stesso;</a:t>
+              <a:rPr lang="it-IT" sz="2200" i="1" dirty="0" smtClean="0"/>
+              <a:t> e nella </a:t>
+            </a:r>
+            <a:r>
+              <a:rPr lang="it-IT" sz="2200" i="1" dirty="0" smtClean="0"/>
+              <a:t>comprensione della documentazione e del </a:t>
+            </a:r>
+            <a:r>
+              <a:rPr lang="it-IT" sz="2200" i="1" dirty="0" smtClean="0"/>
+              <a:t>funzionamento </a:t>
+            </a:r>
+            <a:r>
+              <a:rPr lang="it-IT" sz="2200" i="1" dirty="0" smtClean="0"/>
+              <a:t>del sistema stesso;</a:t>
             </a:r>
             <a:r>
               <a:rPr lang="it-IT" dirty="0" smtClean="0"/>
@@ -9285,7 +7616,7 @@
             <a:fld id="{F89AEA99-3E91-4C58-9AD4-045DB5619AC3}" type="slidenum">
               <a:rPr lang="it-IT" smtClean="0"/>
               <a:pPr/>
-              <a:t>15</a:t>
+              <a:t>13</a:t>
             </a:fld>
             <a:endParaRPr lang="it-IT"/>
           </a:p>
@@ -9301,7 +7632,7 @@
         </p:nvSpPr>
         <p:spPr>
           <a:xfrm>
-            <a:off x="395536" y="4365104"/>
+            <a:off x="395536" y="4077072"/>
             <a:ext cx="8208912" cy="1800200"/>
           </a:xfrm>
           <a:prstGeom prst="rect">
@@ -9508,32 +7839,6 @@
           </a:p>
         </p:txBody>
       </p:sp>
-      <p:pic>
-        <p:nvPicPr>
-          <p:cNvPr id="8194" name="Picture 2" descr="http://www.koinecoopsociale.it/upload/ssnbslyv0xlaf1gfiyvi1a0la344201104281452omino.jpg"/>
-          <p:cNvPicPr>
-            <a:picLocks noChangeAspect="1" noChangeArrowheads="1"/>
-          </p:cNvPicPr>
-          <p:nvPr/>
-        </p:nvPicPr>
-        <p:blipFill>
-          <a:blip r:embed="rId3" cstate="print"/>
-          <a:srcRect/>
-          <a:stretch>
-            <a:fillRect/>
-          </a:stretch>
-        </p:blipFill>
-        <p:spPr bwMode="auto">
-          <a:xfrm>
-            <a:off x="6876256" y="2420888"/>
-            <a:ext cx="1429993" cy="2011686"/>
-          </a:xfrm>
-          <a:prstGeom prst="rect">
-            <a:avLst/>
-          </a:prstGeom>
-          <a:noFill/>
-        </p:spPr>
-      </p:pic>
     </p:spTree>
   </p:cSld>
   <p:clrMapOvr>
@@ -9729,7 +8034,7 @@
 </p:sld>
 </file>
 
-<file path=ppt/slides/slide16.xml><?xml version="1.0" encoding="utf-8"?>
+<file path=ppt/slides/slide14.xml><?xml version="1.0" encoding="utf-8"?>
 <p:sld xmlns:a="http://schemas.openxmlformats.org/drawingml/2006/main" xmlns:r="http://schemas.openxmlformats.org/officeDocument/2006/relationships" xmlns:p="http://schemas.openxmlformats.org/presentationml/2006/main">
   <p:cSld>
     <p:spTree>
@@ -9764,7 +8069,7 @@
             <a:fld id="{F89AEA99-3E91-4C58-9AD4-045DB5619AC3}" type="slidenum">
               <a:rPr lang="it-IT" smtClean="0"/>
               <a:pPr/>
-              <a:t>16</a:t>
+              <a:t>14</a:t>
             </a:fld>
             <a:endParaRPr lang="it-IT"/>
           </a:p>
@@ -10536,7 +8841,7 @@
 </p:sld>
 </file>
 
-<file path=ppt/slides/slide17.xml><?xml version="1.0" encoding="utf-8"?>
+<file path=ppt/slides/slide15.xml><?xml version="1.0" encoding="utf-8"?>
 <p:sld xmlns:a="http://schemas.openxmlformats.org/drawingml/2006/main" xmlns:r="http://schemas.openxmlformats.org/officeDocument/2006/relationships" xmlns:p="http://schemas.openxmlformats.org/presentationml/2006/main">
   <p:cSld>
     <p:spTree>
@@ -10597,7 +8902,7 @@
             <a:fld id="{F89AEA99-3E91-4C58-9AD4-045DB5619AC3}" type="slidenum">
               <a:rPr lang="it-IT" smtClean="0"/>
               <a:pPr/>
-              <a:t>17</a:t>
+              <a:t>15</a:t>
             </a:fld>
             <a:endParaRPr lang="it-IT"/>
           </a:p>
@@ -11641,7 +9946,7 @@
 </p:sld>
 </file>
 
-<file path=ppt/slides/slide18.xml><?xml version="1.0" encoding="utf-8"?>
+<file path=ppt/slides/slide16.xml><?xml version="1.0" encoding="utf-8"?>
 <p:sld xmlns:a="http://schemas.openxmlformats.org/drawingml/2006/main" xmlns:r="http://schemas.openxmlformats.org/officeDocument/2006/relationships" xmlns:p="http://schemas.openxmlformats.org/presentationml/2006/main">
   <p:cSld>
     <p:spTree>
@@ -11702,7 +10007,7 @@
             <a:fld id="{F89AEA99-3E91-4C58-9AD4-045DB5619AC3}" type="slidenum">
               <a:rPr lang="it-IT" smtClean="0"/>
               <a:pPr/>
-              <a:t>18</a:t>
+              <a:t>16</a:t>
             </a:fld>
             <a:endParaRPr lang="it-IT"/>
           </a:p>
@@ -12157,15 +10462,33 @@
                                   </p:childTnLst>
                                 </p:cTn>
                               </p:par>
+                            </p:childTnLst>
+                          </p:cTn>
+                        </p:par>
+                      </p:childTnLst>
+                    </p:cTn>
+                  </p:par>
+                  <p:par>
+                    <p:cTn id="15" fill="hold">
+                      <p:stCondLst>
+                        <p:cond delay="indefinite"/>
+                      </p:stCondLst>
+                      <p:childTnLst>
+                        <p:par>
+                          <p:cTn id="16" fill="hold">
+                            <p:stCondLst>
+                              <p:cond delay="0"/>
+                            </p:stCondLst>
+                            <p:childTnLst>
                               <p:par>
-                                <p:cTn id="15" presetID="10" presetClass="entr" presetSubtype="0" fill="hold" nodeType="withEffect">
+                                <p:cTn id="17" presetID="10" presetClass="entr" presetSubtype="0" fill="hold" nodeType="clickEffect">
                                   <p:stCondLst>
                                     <p:cond delay="0"/>
                                   </p:stCondLst>
                                   <p:childTnLst>
                                     <p:set>
                                       <p:cBhvr>
-                                        <p:cTn id="16" dur="1" fill="hold">
+                                        <p:cTn id="18" dur="1" fill="hold">
                                           <p:stCondLst>
                                             <p:cond delay="0"/>
                                           </p:stCondLst>
@@ -12183,7 +10506,7 @@
                                     </p:set>
                                     <p:animEffect transition="in" filter="fade">
                                       <p:cBhvr>
-                                        <p:cTn id="17" dur="1000"/>
+                                        <p:cTn id="19" dur="1000"/>
                                         <p:tgtEl>
                                           <p:spTgt spid="45058"/>
                                         </p:tgtEl>
@@ -12228,7 +10551,7 @@
 </p:sld>
 </file>
 
-<file path=ppt/slides/slide19.xml><?xml version="1.0" encoding="utf-8"?>
+<file path=ppt/slides/slide17.xml><?xml version="1.0" encoding="utf-8"?>
 <p:sld xmlns:a="http://schemas.openxmlformats.org/drawingml/2006/main" xmlns:r="http://schemas.openxmlformats.org/officeDocument/2006/relationships" xmlns:p="http://schemas.openxmlformats.org/presentationml/2006/main">
   <p:cSld>
     <p:spTree>
@@ -12289,7 +10612,7 @@
             <a:fld id="{F89AEA99-3E91-4C58-9AD4-045DB5619AC3}" type="slidenum">
               <a:rPr lang="it-IT" smtClean="0"/>
               <a:pPr/>
-              <a:t>19</a:t>
+              <a:t>17</a:t>
             </a:fld>
             <a:endParaRPr lang="it-IT"/>
           </a:p>
@@ -12386,12 +10709,140 @@
   <p:clrMapOvr>
     <a:masterClrMapping/>
   </p:clrMapOvr>
+  <p:transition spd="med">
+    <p:split orient="vert"/>
+  </p:transition>
   <p:timing>
     <p:tnLst>
       <p:par>
-        <p:cTn id="1" dur="indefinite" restart="never" nodeType="tmRoot"/>
+        <p:cTn id="1" dur="indefinite" restart="never" nodeType="tmRoot">
+          <p:childTnLst>
+            <p:seq concurrent="1" nextAc="seek">
+              <p:cTn id="2" dur="indefinite" nodeType="mainSeq">
+                <p:childTnLst>
+                  <p:par>
+                    <p:cTn id="3" fill="hold">
+                      <p:stCondLst>
+                        <p:cond delay="indefinite"/>
+                      </p:stCondLst>
+                      <p:childTnLst>
+                        <p:par>
+                          <p:cTn id="4" fill="hold">
+                            <p:stCondLst>
+                              <p:cond delay="0"/>
+                            </p:stCondLst>
+                            <p:childTnLst>
+                              <p:par>
+                                <p:cTn id="5" presetID="53" presetClass="entr" presetSubtype="0" fill="hold" grpId="0" nodeType="clickEffect">
+                                  <p:stCondLst>
+                                    <p:cond delay="0"/>
+                                  </p:stCondLst>
+                                  <p:childTnLst>
+                                    <p:set>
+                                      <p:cBhvr>
+                                        <p:cTn id="6" dur="1" fill="hold">
+                                          <p:stCondLst>
+                                            <p:cond delay="0"/>
+                                          </p:stCondLst>
+                                        </p:cTn>
+                                        <p:tgtEl>
+                                          <p:spTgt spid="5"/>
+                                        </p:tgtEl>
+                                        <p:attrNameLst>
+                                          <p:attrName>style.visibility</p:attrName>
+                                        </p:attrNameLst>
+                                      </p:cBhvr>
+                                      <p:to>
+                                        <p:strVal val="visible"/>
+                                      </p:to>
+                                    </p:set>
+                                    <p:anim calcmode="lin" valueType="num">
+                                      <p:cBhvr>
+                                        <p:cTn id="7" dur="500" fill="hold"/>
+                                        <p:tgtEl>
+                                          <p:spTgt spid="5"/>
+                                        </p:tgtEl>
+                                        <p:attrNameLst>
+                                          <p:attrName>ppt_w</p:attrName>
+                                        </p:attrNameLst>
+                                      </p:cBhvr>
+                                      <p:tavLst>
+                                        <p:tav tm="0">
+                                          <p:val>
+                                            <p:fltVal val="0"/>
+                                          </p:val>
+                                        </p:tav>
+                                        <p:tav tm="100000">
+                                          <p:val>
+                                            <p:strVal val="#ppt_w"/>
+                                          </p:val>
+                                        </p:tav>
+                                      </p:tavLst>
+                                    </p:anim>
+                                    <p:anim calcmode="lin" valueType="num">
+                                      <p:cBhvr>
+                                        <p:cTn id="8" dur="500" fill="hold"/>
+                                        <p:tgtEl>
+                                          <p:spTgt spid="5"/>
+                                        </p:tgtEl>
+                                        <p:attrNameLst>
+                                          <p:attrName>ppt_h</p:attrName>
+                                        </p:attrNameLst>
+                                      </p:cBhvr>
+                                      <p:tavLst>
+                                        <p:tav tm="0">
+                                          <p:val>
+                                            <p:fltVal val="0"/>
+                                          </p:val>
+                                        </p:tav>
+                                        <p:tav tm="100000">
+                                          <p:val>
+                                            <p:strVal val="#ppt_h"/>
+                                          </p:val>
+                                        </p:tav>
+                                      </p:tavLst>
+                                    </p:anim>
+                                    <p:animEffect transition="in" filter="fade">
+                                      <p:cBhvr>
+                                        <p:cTn id="9" dur="500"/>
+                                        <p:tgtEl>
+                                          <p:spTgt spid="5"/>
+                                        </p:tgtEl>
+                                      </p:cBhvr>
+                                    </p:animEffect>
+                                  </p:childTnLst>
+                                </p:cTn>
+                              </p:par>
+                            </p:childTnLst>
+                          </p:cTn>
+                        </p:par>
+                      </p:childTnLst>
+                    </p:cTn>
+                  </p:par>
+                </p:childTnLst>
+              </p:cTn>
+              <p:prevCondLst>
+                <p:cond evt="onPrev" delay="0">
+                  <p:tgtEl>
+                    <p:sldTgt/>
+                  </p:tgtEl>
+                </p:cond>
+              </p:prevCondLst>
+              <p:nextCondLst>
+                <p:cond evt="onNext" delay="0">
+                  <p:tgtEl>
+                    <p:sldTgt/>
+                  </p:tgtEl>
+                </p:cond>
+              </p:nextCondLst>
+            </p:seq>
+          </p:childTnLst>
+        </p:cTn>
       </p:par>
     </p:tnLst>
+    <p:bldLst>
+      <p:bldP spid="5" grpId="0"/>
+    </p:bldLst>
   </p:timing>
 </p:sld>
 </file>
@@ -16605,40 +15056,8 @@
         </p:blipFill>
         <p:spPr bwMode="auto">
           <a:xfrm>
-            <a:off x="35496" y="917004"/>
+            <a:off x="3635896" y="844996"/>
             <a:ext cx="5184020" cy="5536332"/>
-          </a:xfrm>
-          <a:prstGeom prst="rect">
-            <a:avLst/>
-          </a:prstGeom>
-          <a:noFill/>
-          <a:ln w="9525">
-            <a:noFill/>
-            <a:miter lim="800000"/>
-            <a:headEnd/>
-            <a:tailEnd/>
-          </a:ln>
-        </p:spPr>
-      </p:pic>
-      <p:pic>
-        <p:nvPicPr>
-          <p:cNvPr id="3074" name="Picture 2"/>
-          <p:cNvPicPr>
-            <a:picLocks noChangeAspect="1" noChangeArrowheads="1"/>
-          </p:cNvPicPr>
-          <p:nvPr/>
-        </p:nvPicPr>
-        <p:blipFill>
-          <a:blip r:embed="rId4" cstate="print"/>
-          <a:srcRect/>
-          <a:stretch>
-            <a:fillRect/>
-          </a:stretch>
-        </p:blipFill>
-        <p:spPr bwMode="auto">
-          <a:xfrm>
-            <a:off x="235729" y="980728"/>
-            <a:ext cx="4912335" cy="5544616"/>
           </a:xfrm>
           <a:prstGeom prst="rect">
             <a:avLst/>
@@ -16654,227 +15073,6 @@
       </p:pic>
       <p:sp>
         <p:nvSpPr>
-          <p:cNvPr id="10" name="Content Placeholder 3"/>
-          <p:cNvSpPr txBox="1">
-            <a:spLocks/>
-          </p:cNvSpPr>
-          <p:nvPr/>
-        </p:nvSpPr>
-        <p:spPr>
-          <a:xfrm>
-            <a:off x="5292080" y="1052736"/>
-            <a:ext cx="3779912" cy="1800200"/>
-          </a:xfrm>
-          <a:prstGeom prst="rect">
-            <a:avLst/>
-          </a:prstGeom>
-        </p:spPr>
-        <p:txBody>
-          <a:bodyPr tIns="0"/>
-          <a:lstStyle>
-            <a:lvl1pPr marL="274320" indent="-274320" algn="l" rtl="0" eaLnBrk="1" latinLnBrk="0" hangingPunct="1">
-              <a:spcBef>
-                <a:spcPct val="20000"/>
-              </a:spcBef>
-              <a:buClrTx/>
-              <a:buSzPct val="95000"/>
-              <a:buFont typeface="Wingdings" pitchFamily="2" charset="2"/>
-              <a:buChar char="v"/>
-              <a:defRPr kumimoji="0" sz="2800" kern="1200">
-                <a:solidFill>
-                  <a:schemeClr val="tx1"/>
-                </a:solidFill>
-                <a:latin typeface="+mn-lt"/>
-                <a:ea typeface="+mn-ea"/>
-                <a:cs typeface="+mn-cs"/>
-              </a:defRPr>
-            </a:lvl1pPr>
-            <a:lvl2pPr marL="640080" indent="-246888" algn="l" rtl="0" eaLnBrk="1" latinLnBrk="0" hangingPunct="1">
-              <a:spcBef>
-                <a:spcPct val="20000"/>
-              </a:spcBef>
-              <a:buClrTx/>
-              <a:buSzPct val="85000"/>
-              <a:buFont typeface="Courier New" pitchFamily="49" charset="0"/>
-              <a:buChar char="o"/>
-              <a:defRPr kumimoji="0" sz="2600" kern="1200">
-                <a:solidFill>
-                  <a:schemeClr val="tx1"/>
-                </a:solidFill>
-                <a:latin typeface="+mn-lt"/>
-                <a:ea typeface="+mn-ea"/>
-                <a:cs typeface="+mn-cs"/>
-              </a:defRPr>
-            </a:lvl2pPr>
-            <a:lvl3pPr marL="914400" indent="-246888" algn="l" rtl="0" eaLnBrk="1" latinLnBrk="0" hangingPunct="1">
-              <a:spcBef>
-                <a:spcPct val="20000"/>
-              </a:spcBef>
-              <a:buClrTx/>
-              <a:buSzPct val="70000"/>
-              <a:buFont typeface="Wingdings 2"/>
-              <a:buChar char=""/>
-              <a:defRPr kumimoji="0" sz="2400" kern="1200">
-                <a:solidFill>
-                  <a:schemeClr val="tx1"/>
-                </a:solidFill>
-                <a:latin typeface="+mn-lt"/>
-                <a:ea typeface="+mn-ea"/>
-                <a:cs typeface="+mn-cs"/>
-              </a:defRPr>
-            </a:lvl3pPr>
-            <a:lvl4pPr marL="1188720" indent="-210312" algn="l" rtl="0" eaLnBrk="1" latinLnBrk="0" hangingPunct="1">
-              <a:spcBef>
-                <a:spcPct val="20000"/>
-              </a:spcBef>
-              <a:buClrTx/>
-              <a:buSzPct val="65000"/>
-              <a:buFont typeface="Wingdings 2"/>
-              <a:buChar char=""/>
-              <a:defRPr kumimoji="0" sz="2000" kern="1200">
-                <a:solidFill>
-                  <a:schemeClr val="tx1"/>
-                </a:solidFill>
-                <a:latin typeface="+mn-lt"/>
-                <a:ea typeface="+mn-ea"/>
-                <a:cs typeface="+mn-cs"/>
-              </a:defRPr>
-            </a:lvl4pPr>
-            <a:lvl5pPr marL="1463040" indent="-210312" algn="l" rtl="0" eaLnBrk="1" latinLnBrk="0" hangingPunct="1">
-              <a:spcBef>
-                <a:spcPct val="20000"/>
-              </a:spcBef>
-              <a:buClrTx/>
-              <a:buSzPct val="65000"/>
-              <a:buFont typeface="Wingdings 2"/>
-              <a:buChar char=""/>
-              <a:defRPr kumimoji="0" sz="1800" kern="1200">
-                <a:solidFill>
-                  <a:schemeClr val="tx1"/>
-                </a:solidFill>
-                <a:latin typeface="+mn-lt"/>
-                <a:ea typeface="+mn-ea"/>
-                <a:cs typeface="+mn-cs"/>
-              </a:defRPr>
-            </a:lvl5pPr>
-            <a:lvl6pPr marL="1737360" indent="-210312" algn="l" rtl="0" eaLnBrk="1" latinLnBrk="0" hangingPunct="1">
-              <a:spcBef>
-                <a:spcPct val="20000"/>
-              </a:spcBef>
-              <a:buClr>
-                <a:schemeClr val="accent5"/>
-              </a:buClr>
-              <a:buSzPct val="80000"/>
-              <a:buFont typeface="Wingdings 2"/>
-              <a:buChar char=""/>
-              <a:defRPr kumimoji="0" sz="1800" kern="1200">
-                <a:solidFill>
-                  <a:schemeClr val="tx1"/>
-                </a:solidFill>
-                <a:latin typeface="+mn-lt"/>
-                <a:ea typeface="+mn-ea"/>
-                <a:cs typeface="+mn-cs"/>
-              </a:defRPr>
-            </a:lvl6pPr>
-            <a:lvl7pPr marL="1920240" indent="-182880" algn="l" rtl="0" eaLnBrk="1" latinLnBrk="0" hangingPunct="1">
-              <a:spcBef>
-                <a:spcPct val="20000"/>
-              </a:spcBef>
-              <a:buClr>
-                <a:schemeClr val="accent6"/>
-              </a:buClr>
-              <a:buSzPct val="80000"/>
-              <a:buFont typeface="Wingdings 2"/>
-              <a:buChar char=""/>
-              <a:defRPr kumimoji="0" sz="1600" kern="1200" baseline="0">
-                <a:solidFill>
-                  <a:schemeClr val="tx1"/>
-                </a:solidFill>
-                <a:latin typeface="+mn-lt"/>
-                <a:ea typeface="+mn-ea"/>
-                <a:cs typeface="+mn-cs"/>
-              </a:defRPr>
-            </a:lvl7pPr>
-            <a:lvl8pPr marL="2194560" indent="-182880" algn="l" rtl="0" eaLnBrk="1" latinLnBrk="0" hangingPunct="1">
-              <a:spcBef>
-                <a:spcPct val="20000"/>
-              </a:spcBef>
-              <a:buClr>
-                <a:schemeClr val="tx2"/>
-              </a:buClr>
-              <a:buChar char="•"/>
-              <a:defRPr kumimoji="0" sz="1600" kern="1200">
-                <a:solidFill>
-                  <a:schemeClr val="tx1"/>
-                </a:solidFill>
-                <a:latin typeface="+mn-lt"/>
-                <a:ea typeface="+mn-ea"/>
-                <a:cs typeface="+mn-cs"/>
-              </a:defRPr>
-            </a:lvl8pPr>
-            <a:lvl9pPr marL="2468880" indent="-182880" algn="l" rtl="0" eaLnBrk="1" latinLnBrk="0" hangingPunct="1">
-              <a:spcBef>
-                <a:spcPct val="20000"/>
-              </a:spcBef>
-              <a:buClr>
-                <a:schemeClr val="tx2"/>
-              </a:buClr>
-              <a:buFontTx/>
-              <a:buChar char="•"/>
-              <a:defRPr kumimoji="0" sz="1400" kern="1200" baseline="0">
-                <a:solidFill>
-                  <a:schemeClr val="tx1"/>
-                </a:solidFill>
-                <a:latin typeface="+mn-lt"/>
-                <a:ea typeface="+mn-ea"/>
-                <a:cs typeface="+mn-cs"/>
-              </a:defRPr>
-            </a:lvl9pPr>
-          </a:lstStyle>
-          <a:p>
-            <a:pPr marL="0" indent="0">
-              <a:buNone/>
-            </a:pPr>
-            <a:r>
-              <a:rPr lang="it-IT" b="1" dirty="0" smtClean="0"/>
-              <a:t>SECONDA VERSIONE</a:t>
-            </a:r>
-          </a:p>
-          <a:p>
-            <a:pPr marL="0" indent="0">
-              <a:buNone/>
-            </a:pPr>
-            <a:r>
-              <a:rPr lang="it-IT" sz="1000" b="1" dirty="0" smtClean="0"/>
-              <a:t> </a:t>
-            </a:r>
-          </a:p>
-          <a:p>
-            <a:pPr marL="0" indent="0"/>
-            <a:r>
-              <a:rPr lang="it-IT" dirty="0" smtClean="0"/>
-              <a:t> Scompare la divisione su due livelli</a:t>
-            </a:r>
-          </a:p>
-          <a:p>
-            <a:pPr marL="0" indent="0">
-              <a:buNone/>
-            </a:pPr>
-            <a:r>
-              <a:rPr lang="it-IT" sz="500" dirty="0" smtClean="0"/>
-              <a:t> </a:t>
-            </a:r>
-          </a:p>
-          <a:p>
-            <a:pPr marL="0" indent="0">
-              <a:buNone/>
-            </a:pPr>
-            <a:endParaRPr lang="it-IT" sz="2600" dirty="0"/>
-          </a:p>
-        </p:txBody>
-      </p:sp>
-      <p:sp>
-        <p:nvSpPr>
           <p:cNvPr id="5" name="Segnaposto numero diapositiva 4"/>
           <p:cNvSpPr>
             <a:spLocks noGrp="1"/>
@@ -16897,87 +15095,41 @@
           </a:p>
         </p:txBody>
       </p:sp>
-      <p:sp>
-        <p:nvSpPr>
-          <p:cNvPr id="6" name="Rettangolo 5"/>
-          <p:cNvSpPr/>
+      <p:pic>
+        <p:nvPicPr>
+          <p:cNvPr id="9" name="Picture 2"/>
+          <p:cNvPicPr>
+            <a:picLocks noChangeAspect="1" noChangeArrowheads="1"/>
+          </p:cNvPicPr>
           <p:nvPr/>
-        </p:nvSpPr>
-        <p:spPr>
+        </p:nvPicPr>
+        <p:blipFill>
+          <a:blip r:embed="rId4" cstate="print"/>
+          <a:srcRect/>
+          <a:stretch>
+            <a:fillRect/>
+          </a:stretch>
+        </p:blipFill>
+        <p:spPr bwMode="auto">
           <a:xfrm>
-            <a:off x="1259632" y="3284984"/>
-            <a:ext cx="1080120" cy="576064"/>
+            <a:off x="3491880" y="836712"/>
+            <a:ext cx="5220072" cy="5599714"/>
           </a:xfrm>
           <a:prstGeom prst="rect">
             <a:avLst/>
           </a:prstGeom>
           <a:noFill/>
+          <a:ln w="9525">
+            <a:noFill/>
+            <a:miter lim="800000"/>
+            <a:headEnd/>
+            <a:tailEnd/>
+          </a:ln>
         </p:spPr>
-        <p:style>
-          <a:lnRef idx="2">
-            <a:schemeClr val="accent4"/>
-          </a:lnRef>
-          <a:fillRef idx="1">
-            <a:schemeClr val="lt1"/>
-          </a:fillRef>
-          <a:effectRef idx="0">
-            <a:schemeClr val="accent4"/>
-          </a:effectRef>
-          <a:fontRef idx="minor">
-            <a:schemeClr val="dk1"/>
-          </a:fontRef>
-        </p:style>
-        <p:txBody>
-          <a:bodyPr rtlCol="0" anchor="ctr"/>
-          <a:lstStyle/>
-          <a:p>
-            <a:pPr algn="ctr"/>
-            <a:endParaRPr lang="it-IT"/>
-          </a:p>
-        </p:txBody>
-      </p:sp>
+      </p:pic>
       <p:sp>
         <p:nvSpPr>
-          <p:cNvPr id="7" name="Rettangolo 6"/>
-          <p:cNvSpPr/>
-          <p:nvPr/>
-        </p:nvSpPr>
-        <p:spPr>
-          <a:xfrm>
-            <a:off x="2411760" y="2636912"/>
-            <a:ext cx="1080120" cy="576064"/>
-          </a:xfrm>
-          <a:prstGeom prst="rect">
-            <a:avLst/>
-          </a:prstGeom>
-          <a:noFill/>
-        </p:spPr>
-        <p:style>
-          <a:lnRef idx="2">
-            <a:schemeClr val="accent4"/>
-          </a:lnRef>
-          <a:fillRef idx="1">
-            <a:schemeClr val="lt1"/>
-          </a:fillRef>
-          <a:effectRef idx="0">
-            <a:schemeClr val="accent4"/>
-          </a:effectRef>
-          <a:fontRef idx="minor">
-            <a:schemeClr val="dk1"/>
-          </a:fontRef>
-        </p:style>
-        <p:txBody>
-          <a:bodyPr rtlCol="0" anchor="ctr"/>
-          <a:lstStyle/>
-          <a:p>
-            <a:pPr algn="ctr"/>
-            <a:endParaRPr lang="it-IT"/>
-          </a:p>
-        </p:txBody>
-      </p:sp>
-      <p:sp>
-        <p:nvSpPr>
-          <p:cNvPr id="8" name="Content Placeholder 3"/>
+          <p:cNvPr id="11" name="Content Placeholder 3"/>
           <p:cNvSpPr txBox="1">
             <a:spLocks/>
           </p:cNvSpPr>
@@ -16985,8 +15137,8 @@
         </p:nvSpPr>
         <p:spPr>
           <a:xfrm>
-            <a:off x="5364088" y="2996952"/>
-            <a:ext cx="3779912" cy="3312368"/>
+            <a:off x="179512" y="2564904"/>
+            <a:ext cx="3240360" cy="4464496"/>
           </a:xfrm>
           <a:prstGeom prst="rect">
             <a:avLst/>
@@ -17157,81 +15309,339 @@
           <a:p>
             <a:pPr marL="0" indent="0"/>
             <a:r>
-              <a:rPr lang="it-IT" dirty="0" smtClean="0"/>
-              <a:t>I sottosistemi da 3 diventano6:</a:t>
-            </a:r>
-          </a:p>
-          <a:p>
-            <a:pPr marL="365760" lvl="1" indent="0"/>
-            <a:r>
-              <a:rPr lang="it-IT" sz="2200" dirty="0" smtClean="0"/>
-              <a:t> Gestione </a:t>
-            </a:r>
-            <a:r>
-              <a:rPr lang="it-IT" sz="2200" dirty="0" err="1" smtClean="0"/>
-              <a:t>Utenze&amp;Accessi</a:t>
-            </a:r>
-            <a:endParaRPr lang="it-IT" sz="2200" dirty="0" smtClean="0"/>
-          </a:p>
-          <a:p>
-            <a:pPr marL="365760" lvl="1" indent="0"/>
+              <a:rPr lang="it-IT" sz="2500" dirty="0" smtClean="0"/>
+              <a:t>I sottosistemi da 3 diventano 9:</a:t>
+            </a:r>
+          </a:p>
+          <a:p>
+            <a:pPr marL="365760" lvl="1" indent="0">
+              <a:buFont typeface="Arial" pitchFamily="34" charset="0"/>
+              <a:buChar char="•"/>
+            </a:pPr>
             <a:r>
               <a:rPr lang="it-IT" sz="2200" dirty="0" smtClean="0"/>
               <a:t> </a:t>
             </a:r>
             <a:r>
-              <a:rPr lang="it-IT" sz="2200" dirty="0" err="1" smtClean="0"/>
-              <a:t>GestioneServizi</a:t>
-            </a:r>
-            <a:endParaRPr lang="it-IT" sz="2200" dirty="0" smtClean="0"/>
-          </a:p>
-          <a:p>
-            <a:pPr marL="365760" lvl="1" indent="0"/>
-            <a:r>
-              <a:rPr lang="it-IT" sz="2200" dirty="0" smtClean="0"/>
+              <a:rPr lang="it-IT" sz="1700" dirty="0" smtClean="0"/>
+              <a:t>Gestione </a:t>
+            </a:r>
+            <a:r>
+              <a:rPr lang="it-IT" sz="1700" dirty="0" err="1" smtClean="0"/>
+              <a:t>Utenze&amp;Accessi</a:t>
+            </a:r>
+            <a:endParaRPr lang="it-IT" sz="1700" dirty="0" smtClean="0"/>
+          </a:p>
+          <a:p>
+            <a:pPr marL="365760" lvl="1" indent="0">
+              <a:buFont typeface="Arial" pitchFamily="34" charset="0"/>
+              <a:buChar char="•"/>
+            </a:pPr>
+            <a:r>
+              <a:rPr lang="it-IT" sz="1700" dirty="0" smtClean="0"/>
+              <a:t> Gestione Servizi</a:t>
+            </a:r>
+          </a:p>
+          <a:p>
+            <a:pPr marL="365760" lvl="1" indent="0">
+              <a:buFont typeface="Arial" pitchFamily="34" charset="0"/>
+              <a:buChar char="•"/>
+            </a:pPr>
+            <a:r>
+              <a:rPr lang="it-IT" sz="1700" dirty="0" smtClean="0"/>
+              <a:t> Gestione Ricerca</a:t>
+            </a:r>
+          </a:p>
+          <a:p>
+            <a:pPr marL="365760" lvl="1" indent="0">
+              <a:buFont typeface="Arial" pitchFamily="34" charset="0"/>
+              <a:buChar char="•"/>
+            </a:pPr>
+            <a:r>
+              <a:rPr lang="it-IT" sz="1700" dirty="0" smtClean="0"/>
               <a:t> </a:t>
             </a:r>
             <a:r>
-              <a:rPr lang="it-IT" sz="2200" dirty="0" err="1" smtClean="0"/>
-              <a:t>GestioneRicerca</a:t>
-            </a:r>
-            <a:endParaRPr lang="it-IT" sz="2200" dirty="0" smtClean="0"/>
-          </a:p>
-          <a:p>
-            <a:pPr marL="365760" lvl="1" indent="0"/>
-            <a:r>
-              <a:rPr lang="it-IT" sz="2200" dirty="0" smtClean="0"/>
+              <a:rPr lang="it-IT" sz="1700" dirty="0" smtClean="0"/>
+              <a:t>Gestione Tirocinanti</a:t>
+            </a:r>
+            <a:endParaRPr lang="it-IT" sz="1700" dirty="0" smtClean="0"/>
+          </a:p>
+          <a:p>
+            <a:pPr marL="365760" lvl="1" indent="0">
+              <a:buFont typeface="Arial" pitchFamily="34" charset="0"/>
+              <a:buChar char="•"/>
+            </a:pPr>
+            <a:r>
+              <a:rPr lang="it-IT" sz="1700" dirty="0" smtClean="0"/>
               <a:t> </a:t>
             </a:r>
             <a:r>
-              <a:rPr lang="it-IT" sz="2200" dirty="0" err="1" smtClean="0"/>
-              <a:t>GestioneTirocinanti</a:t>
-            </a:r>
-            <a:endParaRPr lang="it-IT" sz="2200" dirty="0" smtClean="0"/>
-          </a:p>
-          <a:p>
-            <a:pPr marL="365760" lvl="1" indent="0"/>
-            <a:r>
-              <a:rPr lang="it-IT" sz="2200" dirty="0" smtClean="0"/>
+              <a:rPr lang="it-IT" sz="1700" dirty="0" smtClean="0"/>
+              <a:t>Gestione Registro</a:t>
+            </a:r>
+            <a:endParaRPr lang="it-IT" sz="1700" dirty="0" smtClean="0"/>
+          </a:p>
+          <a:p>
+            <a:pPr marL="365760" lvl="1" indent="0">
+              <a:buFont typeface="Arial" pitchFamily="34" charset="0"/>
+              <a:buChar char="•"/>
+            </a:pPr>
+            <a:r>
+              <a:rPr lang="it-IT" sz="1700" dirty="0" smtClean="0"/>
               <a:t> </a:t>
             </a:r>
             <a:r>
-              <a:rPr lang="it-IT" sz="2200" dirty="0" err="1" smtClean="0"/>
-              <a:t>GestioneRegistro</a:t>
-            </a:r>
-            <a:endParaRPr lang="it-IT" sz="2200" dirty="0" smtClean="0"/>
-          </a:p>
-          <a:p>
-            <a:pPr marL="365760" lvl="1" indent="0"/>
-            <a:r>
-              <a:rPr lang="it-IT" sz="2200" dirty="0" smtClean="0"/>
+              <a:rPr lang="it-IT" sz="1700" dirty="0" smtClean="0"/>
+              <a:t>Gestione Questionari</a:t>
+            </a:r>
+            <a:endParaRPr lang="it-IT" sz="1700" dirty="0" smtClean="0"/>
+          </a:p>
+          <a:p>
+            <a:pPr marL="365760" lvl="1" indent="0">
+              <a:buFont typeface="Arial" pitchFamily="34" charset="0"/>
+              <a:buChar char="•"/>
+            </a:pPr>
+            <a:r>
+              <a:rPr lang="it-IT" sz="1700" dirty="0" smtClean="0"/>
+              <a:t> Gestione Eventi</a:t>
+            </a:r>
+          </a:p>
+          <a:p>
+            <a:pPr marL="365760" lvl="1" indent="0">
+              <a:buFont typeface="Arial" pitchFamily="34" charset="0"/>
+              <a:buChar char="•"/>
+            </a:pPr>
+            <a:r>
+              <a:rPr lang="it-IT" sz="1700" dirty="0" smtClean="0"/>
+              <a:t> Gestione Programma Educativo Annuale</a:t>
+            </a:r>
+          </a:p>
+          <a:p>
+            <a:pPr marL="365760" lvl="1" indent="0">
+              <a:buFont typeface="Arial" pitchFamily="34" charset="0"/>
+              <a:buChar char="•"/>
+            </a:pPr>
+            <a:r>
+              <a:rPr lang="it-IT" sz="1700" dirty="0" smtClean="0"/>
+              <a:t> Gestione Notifiche</a:t>
+            </a:r>
+          </a:p>
+          <a:p>
+            <a:pPr marL="0" indent="0">
+              <a:buNone/>
+            </a:pPr>
+            <a:endParaRPr lang="it-IT" sz="2600" dirty="0"/>
+          </a:p>
+        </p:txBody>
+      </p:sp>
+      <p:sp>
+        <p:nvSpPr>
+          <p:cNvPr id="10" name="Content Placeholder 3"/>
+          <p:cNvSpPr txBox="1">
+            <a:spLocks/>
+          </p:cNvSpPr>
+          <p:nvPr/>
+        </p:nvSpPr>
+        <p:spPr>
+          <a:xfrm>
+            <a:off x="179512" y="764704"/>
+            <a:ext cx="3779912" cy="1800200"/>
+          </a:xfrm>
+          <a:prstGeom prst="rect">
+            <a:avLst/>
+          </a:prstGeom>
+        </p:spPr>
+        <p:txBody>
+          <a:bodyPr tIns="0"/>
+          <a:lstStyle>
+            <a:lvl1pPr marL="274320" indent="-274320" algn="l" rtl="0" eaLnBrk="1" latinLnBrk="0" hangingPunct="1">
+              <a:spcBef>
+                <a:spcPct val="20000"/>
+              </a:spcBef>
+              <a:buClrTx/>
+              <a:buSzPct val="95000"/>
+              <a:buFont typeface="Wingdings" pitchFamily="2" charset="2"/>
+              <a:buChar char="v"/>
+              <a:defRPr kumimoji="0" sz="2800" kern="1200">
+                <a:solidFill>
+                  <a:schemeClr val="tx1"/>
+                </a:solidFill>
+                <a:latin typeface="+mn-lt"/>
+                <a:ea typeface="+mn-ea"/>
+                <a:cs typeface="+mn-cs"/>
+              </a:defRPr>
+            </a:lvl1pPr>
+            <a:lvl2pPr marL="640080" indent="-246888" algn="l" rtl="0" eaLnBrk="1" latinLnBrk="0" hangingPunct="1">
+              <a:spcBef>
+                <a:spcPct val="20000"/>
+              </a:spcBef>
+              <a:buClrTx/>
+              <a:buSzPct val="85000"/>
+              <a:buFont typeface="Courier New" pitchFamily="49" charset="0"/>
+              <a:buChar char="o"/>
+              <a:defRPr kumimoji="0" sz="2600" kern="1200">
+                <a:solidFill>
+                  <a:schemeClr val="tx1"/>
+                </a:solidFill>
+                <a:latin typeface="+mn-lt"/>
+                <a:ea typeface="+mn-ea"/>
+                <a:cs typeface="+mn-cs"/>
+              </a:defRPr>
+            </a:lvl2pPr>
+            <a:lvl3pPr marL="914400" indent="-246888" algn="l" rtl="0" eaLnBrk="1" latinLnBrk="0" hangingPunct="1">
+              <a:spcBef>
+                <a:spcPct val="20000"/>
+              </a:spcBef>
+              <a:buClrTx/>
+              <a:buSzPct val="70000"/>
+              <a:buFont typeface="Wingdings 2"/>
+              <a:buChar char=""/>
+              <a:defRPr kumimoji="0" sz="2400" kern="1200">
+                <a:solidFill>
+                  <a:schemeClr val="tx1"/>
+                </a:solidFill>
+                <a:latin typeface="+mn-lt"/>
+                <a:ea typeface="+mn-ea"/>
+                <a:cs typeface="+mn-cs"/>
+              </a:defRPr>
+            </a:lvl3pPr>
+            <a:lvl4pPr marL="1188720" indent="-210312" algn="l" rtl="0" eaLnBrk="1" latinLnBrk="0" hangingPunct="1">
+              <a:spcBef>
+                <a:spcPct val="20000"/>
+              </a:spcBef>
+              <a:buClrTx/>
+              <a:buSzPct val="65000"/>
+              <a:buFont typeface="Wingdings 2"/>
+              <a:buChar char=""/>
+              <a:defRPr kumimoji="0" sz="2000" kern="1200">
+                <a:solidFill>
+                  <a:schemeClr val="tx1"/>
+                </a:solidFill>
+                <a:latin typeface="+mn-lt"/>
+                <a:ea typeface="+mn-ea"/>
+                <a:cs typeface="+mn-cs"/>
+              </a:defRPr>
+            </a:lvl4pPr>
+            <a:lvl5pPr marL="1463040" indent="-210312" algn="l" rtl="0" eaLnBrk="1" latinLnBrk="0" hangingPunct="1">
+              <a:spcBef>
+                <a:spcPct val="20000"/>
+              </a:spcBef>
+              <a:buClrTx/>
+              <a:buSzPct val="65000"/>
+              <a:buFont typeface="Wingdings 2"/>
+              <a:buChar char=""/>
+              <a:defRPr kumimoji="0" sz="1800" kern="1200">
+                <a:solidFill>
+                  <a:schemeClr val="tx1"/>
+                </a:solidFill>
+                <a:latin typeface="+mn-lt"/>
+                <a:ea typeface="+mn-ea"/>
+                <a:cs typeface="+mn-cs"/>
+              </a:defRPr>
+            </a:lvl5pPr>
+            <a:lvl6pPr marL="1737360" indent="-210312" algn="l" rtl="0" eaLnBrk="1" latinLnBrk="0" hangingPunct="1">
+              <a:spcBef>
+                <a:spcPct val="20000"/>
+              </a:spcBef>
+              <a:buClr>
+                <a:schemeClr val="accent5"/>
+              </a:buClr>
+              <a:buSzPct val="80000"/>
+              <a:buFont typeface="Wingdings 2"/>
+              <a:buChar char=""/>
+              <a:defRPr kumimoji="0" sz="1800" kern="1200">
+                <a:solidFill>
+                  <a:schemeClr val="tx1"/>
+                </a:solidFill>
+                <a:latin typeface="+mn-lt"/>
+                <a:ea typeface="+mn-ea"/>
+                <a:cs typeface="+mn-cs"/>
+              </a:defRPr>
+            </a:lvl6pPr>
+            <a:lvl7pPr marL="1920240" indent="-182880" algn="l" rtl="0" eaLnBrk="1" latinLnBrk="0" hangingPunct="1">
+              <a:spcBef>
+                <a:spcPct val="20000"/>
+              </a:spcBef>
+              <a:buClr>
+                <a:schemeClr val="accent6"/>
+              </a:buClr>
+              <a:buSzPct val="80000"/>
+              <a:buFont typeface="Wingdings 2"/>
+              <a:buChar char=""/>
+              <a:defRPr kumimoji="0" sz="1600" kern="1200" baseline="0">
+                <a:solidFill>
+                  <a:schemeClr val="tx1"/>
+                </a:solidFill>
+                <a:latin typeface="+mn-lt"/>
+                <a:ea typeface="+mn-ea"/>
+                <a:cs typeface="+mn-cs"/>
+              </a:defRPr>
+            </a:lvl7pPr>
+            <a:lvl8pPr marL="2194560" indent="-182880" algn="l" rtl="0" eaLnBrk="1" latinLnBrk="0" hangingPunct="1">
+              <a:spcBef>
+                <a:spcPct val="20000"/>
+              </a:spcBef>
+              <a:buClr>
+                <a:schemeClr val="tx2"/>
+              </a:buClr>
+              <a:buChar char="•"/>
+              <a:defRPr kumimoji="0" sz="1600" kern="1200">
+                <a:solidFill>
+                  <a:schemeClr val="tx1"/>
+                </a:solidFill>
+                <a:latin typeface="+mn-lt"/>
+                <a:ea typeface="+mn-ea"/>
+                <a:cs typeface="+mn-cs"/>
+              </a:defRPr>
+            </a:lvl8pPr>
+            <a:lvl9pPr marL="2468880" indent="-182880" algn="l" rtl="0" eaLnBrk="1" latinLnBrk="0" hangingPunct="1">
+              <a:spcBef>
+                <a:spcPct val="20000"/>
+              </a:spcBef>
+              <a:buClr>
+                <a:schemeClr val="tx2"/>
+              </a:buClr>
+              <a:buFontTx/>
+              <a:buChar char="•"/>
+              <a:defRPr kumimoji="0" sz="1400" kern="1200" baseline="0">
+                <a:solidFill>
+                  <a:schemeClr val="tx1"/>
+                </a:solidFill>
+                <a:latin typeface="+mn-lt"/>
+                <a:ea typeface="+mn-ea"/>
+                <a:cs typeface="+mn-cs"/>
+              </a:defRPr>
+            </a:lvl9pPr>
+          </a:lstStyle>
+          <a:p>
+            <a:pPr marL="0" indent="0">
+              <a:buNone/>
+            </a:pPr>
+            <a:r>
+              <a:rPr lang="it-IT" b="1" dirty="0" smtClean="0"/>
+              <a:t>VERSIONE DEFINITIVA</a:t>
+            </a:r>
+          </a:p>
+          <a:p>
+            <a:pPr marL="0" indent="0">
+              <a:buNone/>
+            </a:pPr>
+            <a:r>
+              <a:rPr lang="it-IT" sz="1000" b="1" dirty="0" smtClean="0"/>
               <a:t> </a:t>
             </a:r>
-            <a:r>
-              <a:rPr lang="it-IT" sz="2200" dirty="0" err="1" smtClean="0"/>
-              <a:t>GestioneQuestionari</a:t>
-            </a:r>
-            <a:endParaRPr lang="it-IT" sz="2200" dirty="0" smtClean="0"/>
+          </a:p>
+          <a:p>
+            <a:pPr marL="0" indent="0"/>
+            <a:r>
+              <a:rPr lang="it-IT" dirty="0" smtClean="0"/>
+              <a:t> </a:t>
+            </a:r>
+            <a:r>
+              <a:rPr lang="it-IT" sz="2700" dirty="0" smtClean="0"/>
+              <a:t>Scompare la divisione su due livelli </a:t>
+            </a:r>
           </a:p>
           <a:p>
             <a:pPr marL="0" indent="0">
@@ -17317,24 +15727,15 @@
                                   </p:childTnLst>
                                 </p:cTn>
                               </p:par>
-                            </p:childTnLst>
-                          </p:cTn>
-                        </p:par>
-                        <p:par>
-                          <p:cTn id="8" fill="hold">
-                            <p:stCondLst>
-                              <p:cond delay="2000"/>
-                            </p:stCondLst>
-                            <p:childTnLst>
                               <p:par>
-                                <p:cTn id="9" presetID="10" presetClass="entr" presetSubtype="0" fill="hold" nodeType="afterEffect">
+                                <p:cTn id="8" presetID="10" presetClass="entr" presetSubtype="0" fill="hold" nodeType="withEffect">
                                   <p:stCondLst>
                                     <p:cond delay="0"/>
                                   </p:stCondLst>
                                   <p:childTnLst>
                                     <p:set>
                                       <p:cBhvr>
-                                        <p:cTn id="10" dur="1" fill="hold">
+                                        <p:cTn id="9" dur="1" fill="hold">
                                           <p:stCondLst>
                                             <p:cond delay="0"/>
                                           </p:stCondLst>
@@ -17352,7 +15753,7 @@
                                     </p:set>
                                     <p:animEffect transition="in" filter="fade">
                                       <p:cBhvr>
-                                        <p:cTn id="11" dur="2000"/>
+                                        <p:cTn id="10" dur="2000"/>
                                         <p:tgtEl>
                                           <p:spTgt spid="4"/>
                                         </p:tgtEl>
@@ -17368,32 +15769,32 @@
                     </p:cTn>
                   </p:par>
                   <p:par>
-                    <p:cTn id="12" fill="hold">
+                    <p:cTn id="11" fill="hold">
                       <p:stCondLst>
                         <p:cond delay="indefinite"/>
                       </p:stCondLst>
                       <p:childTnLst>
                         <p:par>
-                          <p:cTn id="13" fill="hold">
+                          <p:cTn id="12" fill="hold">
                             <p:stCondLst>
                               <p:cond delay="0"/>
                             </p:stCondLst>
                             <p:childTnLst>
                               <p:par>
-                                <p:cTn id="14" presetID="10" presetClass="entr" presetSubtype="0" fill="hold" nodeType="clickEffect">
+                                <p:cTn id="13" presetID="10" presetClass="entr" presetSubtype="0" fill="hold" nodeType="clickEffect">
                                   <p:stCondLst>
                                     <p:cond delay="0"/>
                                   </p:stCondLst>
                                   <p:childTnLst>
                                     <p:set>
                                       <p:cBhvr>
-                                        <p:cTn id="15" dur="1" fill="hold">
+                                        <p:cTn id="14" dur="1" fill="hold">
                                           <p:stCondLst>
                                             <p:cond delay="0"/>
                                           </p:stCondLst>
                                         </p:cTn>
                                         <p:tgtEl>
-                                          <p:spTgt spid="3074"/>
+                                          <p:spTgt spid="9"/>
                                         </p:tgtEl>
                                         <p:attrNameLst>
                                           <p:attrName>style.visibility</p:attrName>
@@ -17405,9 +15806,9 @@
                                     </p:set>
                                     <p:animEffect transition="in" filter="fade">
                                       <p:cBhvr>
-                                        <p:cTn id="16" dur="2000"/>
+                                        <p:cTn id="15" dur="2000"/>
                                         <p:tgtEl>
-                                          <p:spTgt spid="3074"/>
+                                          <p:spTgt spid="9"/>
                                         </p:tgtEl>
                                       </p:cBhvr>
                                     </p:animEffect>
@@ -17415,20 +15816,20 @@
                                 </p:cTn>
                               </p:par>
                               <p:par>
-                                <p:cTn id="17" presetID="10" presetClass="entr" presetSubtype="0" fill="hold" grpId="0" nodeType="withEffect">
+                                <p:cTn id="16" presetID="10" presetClass="entr" presetSubtype="0" fill="hold" grpId="0" nodeType="withEffect">
                                   <p:stCondLst>
                                     <p:cond delay="0"/>
                                   </p:stCondLst>
                                   <p:childTnLst>
                                     <p:set>
                                       <p:cBhvr>
-                                        <p:cTn id="18" dur="1" fill="hold">
+                                        <p:cTn id="17" dur="1" fill="hold">
                                           <p:stCondLst>
                                             <p:cond delay="0"/>
                                           </p:stCondLst>
                                         </p:cTn>
                                         <p:tgtEl>
-                                          <p:spTgt spid="8"/>
+                                          <p:spTgt spid="11"/>
                                         </p:tgtEl>
                                         <p:attrNameLst>
                                           <p:attrName>style.visibility</p:attrName>
@@ -17440,97 +15841,9 @@
                                     </p:set>
                                     <p:animEffect transition="in" filter="fade">
                                       <p:cBhvr>
-                                        <p:cTn id="19" dur="2000"/>
+                                        <p:cTn id="18" dur="2000"/>
                                         <p:tgtEl>
-                                          <p:spTgt spid="8"/>
-                                        </p:tgtEl>
-                                      </p:cBhvr>
-                                    </p:animEffect>
-                                  </p:childTnLst>
-                                </p:cTn>
-                              </p:par>
-                            </p:childTnLst>
-                          </p:cTn>
-                        </p:par>
-                      </p:childTnLst>
-                    </p:cTn>
-                  </p:par>
-                  <p:par>
-                    <p:cTn id="20" fill="hold">
-                      <p:stCondLst>
-                        <p:cond delay="indefinite"/>
-                      </p:stCondLst>
-                      <p:childTnLst>
-                        <p:par>
-                          <p:cTn id="21" fill="hold">
-                            <p:stCondLst>
-                              <p:cond delay="0"/>
-                            </p:stCondLst>
-                            <p:childTnLst>
-                              <p:par>
-                                <p:cTn id="22" presetID="20" presetClass="entr" presetSubtype="0" fill="hold" grpId="0" nodeType="clickEffect">
-                                  <p:stCondLst>
-                                    <p:cond delay="0"/>
-                                  </p:stCondLst>
-                                  <p:childTnLst>
-                                    <p:set>
-                                      <p:cBhvr>
-                                        <p:cTn id="23" dur="1" fill="hold">
-                                          <p:stCondLst>
-                                            <p:cond delay="0"/>
-                                          </p:stCondLst>
-                                        </p:cTn>
-                                        <p:tgtEl>
-                                          <p:spTgt spid="7"/>
-                                        </p:tgtEl>
-                                        <p:attrNameLst>
-                                          <p:attrName>style.visibility</p:attrName>
-                                        </p:attrNameLst>
-                                      </p:cBhvr>
-                                      <p:to>
-                                        <p:strVal val="visible"/>
-                                      </p:to>
-                                    </p:set>
-                                    <p:animEffect transition="in" filter="wedge">
-                                      <p:cBhvr>
-                                        <p:cTn id="24" dur="1000"/>
-                                        <p:tgtEl>
-                                          <p:spTgt spid="7"/>
-                                        </p:tgtEl>
-                                      </p:cBhvr>
-                                    </p:animEffect>
-                                  </p:childTnLst>
-                                </p:cTn>
-                              </p:par>
-                              <p:par>
-                                <p:cTn id="25" presetID="20" presetClass="entr" presetSubtype="0" fill="hold" grpId="0" nodeType="withEffect">
-                                  <p:stCondLst>
-                                    <p:cond delay="0"/>
-                                  </p:stCondLst>
-                                  <p:childTnLst>
-                                    <p:set>
-                                      <p:cBhvr>
-                                        <p:cTn id="26" dur="1" fill="hold">
-                                          <p:stCondLst>
-                                            <p:cond delay="0"/>
-                                          </p:stCondLst>
-                                        </p:cTn>
-                                        <p:tgtEl>
-                                          <p:spTgt spid="6"/>
-                                        </p:tgtEl>
-                                        <p:attrNameLst>
-                                          <p:attrName>style.visibility</p:attrName>
-                                        </p:attrNameLst>
-                                      </p:cBhvr>
-                                      <p:to>
-                                        <p:strVal val="visible"/>
-                                      </p:to>
-                                    </p:set>
-                                    <p:animEffect transition="in" filter="wedge">
-                                      <p:cBhvr>
-                                        <p:cTn id="27" dur="1000"/>
-                                        <p:tgtEl>
-                                          <p:spTgt spid="6"/>
+                                          <p:spTgt spid="11"/>
                                         </p:tgtEl>
                                       </p:cBhvr>
                                     </p:animEffect>
@@ -17565,10 +15878,8 @@
       </p:par>
     </p:tnLst>
     <p:bldLst>
+      <p:bldP spid="11" grpId="0"/>
       <p:bldP spid="10" grpId="0"/>
-      <p:bldP spid="6" grpId="0" animBg="1"/>
-      <p:bldP spid="7" grpId="0" animBg="1"/>
-      <p:bldP spid="8" grpId="0"/>
     </p:bldLst>
   </p:timing>
 </p:sld>
@@ -17608,7 +15919,7 @@
         </p:blipFill>
         <p:spPr bwMode="auto">
           <a:xfrm>
-            <a:off x="6588225" y="4221088"/>
+            <a:off x="6948264" y="3717032"/>
             <a:ext cx="2013760" cy="2129433"/>
           </a:xfrm>
           <a:prstGeom prst="rect">
@@ -17625,8 +15936,8 @@
         </p:nvSpPr>
         <p:spPr>
           <a:xfrm>
-            <a:off x="323528" y="1052736"/>
-            <a:ext cx="7200800" cy="569387"/>
+            <a:off x="323528" y="692696"/>
+            <a:ext cx="6768752" cy="569387"/>
           </a:xfrm>
           <a:prstGeom prst="rect">
             <a:avLst/>
@@ -17641,7 +15952,7 @@
             <a:pPr algn="ctr"/>
             <a:r>
               <a:rPr lang="it-IT" sz="3100" b="1" dirty="0" smtClean="0"/>
-              <a:t>Risultati ottenuti con la seconda versione</a:t>
+              <a:t>Risultati ottenuti con questa versione</a:t>
             </a:r>
           </a:p>
         </p:txBody>
@@ -17656,7 +15967,7 @@
         </p:nvSpPr>
         <p:spPr>
           <a:xfrm>
-            <a:off x="539552" y="2204864"/>
+            <a:off x="539552" y="1628800"/>
             <a:ext cx="7344816" cy="2880320"/>
           </a:xfrm>
           <a:prstGeom prst="rect">
@@ -17836,8 +16147,8 @@
               <a:buNone/>
             </a:pPr>
             <a:r>
-              <a:rPr lang="it-IT" sz="1600" dirty="0" smtClean="0"/>
-              <a:t>  </a:t>
+              <a:rPr lang="it-IT" sz="1100" dirty="0" smtClean="0"/>
+              <a:t>   </a:t>
             </a:r>
           </a:p>
           <a:p>
@@ -17852,8 +16163,9 @@
             </a:pPr>
             <a:r>
               <a:rPr lang="it-IT" sz="1000" i="1" dirty="0" smtClean="0"/>
-              <a:t> </a:t>
-            </a:r>
+              <a:t>  </a:t>
+            </a:r>
+            <a:endParaRPr lang="it-IT" sz="800" i="1" dirty="0" smtClean="0"/>
           </a:p>
           <a:p>
             <a:pPr lvl="1"/>
@@ -17909,6 +16221,503 @@
               <a:t>8</a:t>
             </a:fld>
             <a:endParaRPr lang="it-IT"/>
+          </a:p>
+        </p:txBody>
+      </p:sp>
+      <p:sp>
+        <p:nvSpPr>
+          <p:cNvPr id="7" name="Freccia a destra 6"/>
+          <p:cNvSpPr/>
+          <p:nvPr/>
+        </p:nvSpPr>
+        <p:spPr>
+          <a:xfrm>
+            <a:off x="2051720" y="6021288"/>
+            <a:ext cx="740654" cy="288032"/>
+          </a:xfrm>
+          <a:prstGeom prst="rightArrow">
+            <a:avLst>
+              <a:gd name="adj1" fmla="val 57648"/>
+              <a:gd name="adj2" fmla="val 65299"/>
+            </a:avLst>
+          </a:prstGeom>
+        </p:spPr>
+        <p:style>
+          <a:lnRef idx="1">
+            <a:schemeClr val="accent2"/>
+          </a:lnRef>
+          <a:fillRef idx="3">
+            <a:schemeClr val="accent2"/>
+          </a:fillRef>
+          <a:effectRef idx="2">
+            <a:schemeClr val="accent2"/>
+          </a:effectRef>
+          <a:fontRef idx="minor">
+            <a:schemeClr val="lt1"/>
+          </a:fontRef>
+        </p:style>
+        <p:txBody>
+          <a:bodyPr rtlCol="0" anchor="ctr"/>
+          <a:lstStyle/>
+          <a:p>
+            <a:pPr algn="ctr"/>
+            <a:endParaRPr lang="it-IT"/>
+          </a:p>
+        </p:txBody>
+      </p:sp>
+      <p:sp>
+        <p:nvSpPr>
+          <p:cNvPr id="8" name="Content Placeholder 3"/>
+          <p:cNvSpPr txBox="1">
+            <a:spLocks/>
+          </p:cNvSpPr>
+          <p:nvPr/>
+        </p:nvSpPr>
+        <p:spPr>
+          <a:xfrm>
+            <a:off x="2771801" y="5949280"/>
+            <a:ext cx="2376264" cy="504056"/>
+          </a:xfrm>
+          <a:prstGeom prst="rect">
+            <a:avLst/>
+          </a:prstGeom>
+        </p:spPr>
+        <p:txBody>
+          <a:bodyPr tIns="0"/>
+          <a:lstStyle>
+            <a:lvl1pPr marL="274320" indent="-274320" algn="l" rtl="0" eaLnBrk="1" latinLnBrk="0" hangingPunct="1">
+              <a:spcBef>
+                <a:spcPct val="20000"/>
+              </a:spcBef>
+              <a:buClrTx/>
+              <a:buSzPct val="95000"/>
+              <a:buFont typeface="Wingdings" pitchFamily="2" charset="2"/>
+              <a:buChar char="v"/>
+              <a:defRPr kumimoji="0" sz="2800" kern="1200">
+                <a:solidFill>
+                  <a:schemeClr val="tx1"/>
+                </a:solidFill>
+                <a:latin typeface="+mn-lt"/>
+                <a:ea typeface="+mn-ea"/>
+                <a:cs typeface="+mn-cs"/>
+              </a:defRPr>
+            </a:lvl1pPr>
+            <a:lvl2pPr marL="640080" indent="-246888" algn="l" rtl="0" eaLnBrk="1" latinLnBrk="0" hangingPunct="1">
+              <a:spcBef>
+                <a:spcPct val="20000"/>
+              </a:spcBef>
+              <a:buClrTx/>
+              <a:buSzPct val="85000"/>
+              <a:buFont typeface="Courier New" pitchFamily="49" charset="0"/>
+              <a:buChar char="o"/>
+              <a:defRPr kumimoji="0" sz="2600" kern="1200">
+                <a:solidFill>
+                  <a:schemeClr val="tx1"/>
+                </a:solidFill>
+                <a:latin typeface="+mn-lt"/>
+                <a:ea typeface="+mn-ea"/>
+                <a:cs typeface="+mn-cs"/>
+              </a:defRPr>
+            </a:lvl2pPr>
+            <a:lvl3pPr marL="914400" indent="-246888" algn="l" rtl="0" eaLnBrk="1" latinLnBrk="0" hangingPunct="1">
+              <a:spcBef>
+                <a:spcPct val="20000"/>
+              </a:spcBef>
+              <a:buClrTx/>
+              <a:buSzPct val="70000"/>
+              <a:buFont typeface="Wingdings 2"/>
+              <a:buChar char=""/>
+              <a:defRPr kumimoji="0" sz="2400" kern="1200">
+                <a:solidFill>
+                  <a:schemeClr val="tx1"/>
+                </a:solidFill>
+                <a:latin typeface="+mn-lt"/>
+                <a:ea typeface="+mn-ea"/>
+                <a:cs typeface="+mn-cs"/>
+              </a:defRPr>
+            </a:lvl3pPr>
+            <a:lvl4pPr marL="1188720" indent="-210312" algn="l" rtl="0" eaLnBrk="1" latinLnBrk="0" hangingPunct="1">
+              <a:spcBef>
+                <a:spcPct val="20000"/>
+              </a:spcBef>
+              <a:buClrTx/>
+              <a:buSzPct val="65000"/>
+              <a:buFont typeface="Wingdings 2"/>
+              <a:buChar char=""/>
+              <a:defRPr kumimoji="0" sz="2000" kern="1200">
+                <a:solidFill>
+                  <a:schemeClr val="tx1"/>
+                </a:solidFill>
+                <a:latin typeface="+mn-lt"/>
+                <a:ea typeface="+mn-ea"/>
+                <a:cs typeface="+mn-cs"/>
+              </a:defRPr>
+            </a:lvl4pPr>
+            <a:lvl5pPr marL="1463040" indent="-210312" algn="l" rtl="0" eaLnBrk="1" latinLnBrk="0" hangingPunct="1">
+              <a:spcBef>
+                <a:spcPct val="20000"/>
+              </a:spcBef>
+              <a:buClrTx/>
+              <a:buSzPct val="65000"/>
+              <a:buFont typeface="Wingdings 2"/>
+              <a:buChar char=""/>
+              <a:defRPr kumimoji="0" sz="1800" kern="1200">
+                <a:solidFill>
+                  <a:schemeClr val="tx1"/>
+                </a:solidFill>
+                <a:latin typeface="+mn-lt"/>
+                <a:ea typeface="+mn-ea"/>
+                <a:cs typeface="+mn-cs"/>
+              </a:defRPr>
+            </a:lvl5pPr>
+            <a:lvl6pPr marL="1737360" indent="-210312" algn="l" rtl="0" eaLnBrk="1" latinLnBrk="0" hangingPunct="1">
+              <a:spcBef>
+                <a:spcPct val="20000"/>
+              </a:spcBef>
+              <a:buClr>
+                <a:schemeClr val="accent5"/>
+              </a:buClr>
+              <a:buSzPct val="80000"/>
+              <a:buFont typeface="Wingdings 2"/>
+              <a:buChar char=""/>
+              <a:defRPr kumimoji="0" sz="1800" kern="1200">
+                <a:solidFill>
+                  <a:schemeClr val="tx1"/>
+                </a:solidFill>
+                <a:latin typeface="+mn-lt"/>
+                <a:ea typeface="+mn-ea"/>
+                <a:cs typeface="+mn-cs"/>
+              </a:defRPr>
+            </a:lvl6pPr>
+            <a:lvl7pPr marL="1920240" indent="-182880" algn="l" rtl="0" eaLnBrk="1" latinLnBrk="0" hangingPunct="1">
+              <a:spcBef>
+                <a:spcPct val="20000"/>
+              </a:spcBef>
+              <a:buClr>
+                <a:schemeClr val="accent6"/>
+              </a:buClr>
+              <a:buSzPct val="80000"/>
+              <a:buFont typeface="Wingdings 2"/>
+              <a:buChar char=""/>
+              <a:defRPr kumimoji="0" sz="1600" kern="1200" baseline="0">
+                <a:solidFill>
+                  <a:schemeClr val="tx1"/>
+                </a:solidFill>
+                <a:latin typeface="+mn-lt"/>
+                <a:ea typeface="+mn-ea"/>
+                <a:cs typeface="+mn-cs"/>
+              </a:defRPr>
+            </a:lvl7pPr>
+            <a:lvl8pPr marL="2194560" indent="-182880" algn="l" rtl="0" eaLnBrk="1" latinLnBrk="0" hangingPunct="1">
+              <a:spcBef>
+                <a:spcPct val="20000"/>
+              </a:spcBef>
+              <a:buClr>
+                <a:schemeClr val="tx2"/>
+              </a:buClr>
+              <a:buChar char="•"/>
+              <a:defRPr kumimoji="0" sz="1600" kern="1200">
+                <a:solidFill>
+                  <a:schemeClr val="tx1"/>
+                </a:solidFill>
+                <a:latin typeface="+mn-lt"/>
+                <a:ea typeface="+mn-ea"/>
+                <a:cs typeface="+mn-cs"/>
+              </a:defRPr>
+            </a:lvl8pPr>
+            <a:lvl9pPr marL="2468880" indent="-182880" algn="l" rtl="0" eaLnBrk="1" latinLnBrk="0" hangingPunct="1">
+              <a:spcBef>
+                <a:spcPct val="20000"/>
+              </a:spcBef>
+              <a:buClr>
+                <a:schemeClr val="tx2"/>
+              </a:buClr>
+              <a:buFontTx/>
+              <a:buChar char="•"/>
+              <a:defRPr kumimoji="0" sz="1400" kern="1200" baseline="0">
+                <a:solidFill>
+                  <a:schemeClr val="tx1"/>
+                </a:solidFill>
+                <a:latin typeface="+mn-lt"/>
+                <a:ea typeface="+mn-ea"/>
+                <a:cs typeface="+mn-cs"/>
+              </a:defRPr>
+            </a:lvl9pPr>
+          </a:lstStyle>
+          <a:p>
+            <a:pPr marL="0" indent="0">
+              <a:buNone/>
+            </a:pPr>
+            <a:r>
+              <a:rPr lang="it-IT" sz="2600" dirty="0" smtClean="0"/>
+              <a:t>9 sottosistemi</a:t>
+            </a:r>
+            <a:endParaRPr lang="it-IT" sz="2600" i="1" dirty="0" smtClean="0">
+              <a:solidFill>
+                <a:schemeClr val="accent5"/>
+              </a:solidFill>
+            </a:endParaRPr>
+          </a:p>
+          <a:p>
+            <a:pPr marL="365760" lvl="1" indent="0">
+              <a:buNone/>
+            </a:pPr>
+            <a:endParaRPr lang="it-IT" sz="2400" i="1" dirty="0" smtClean="0">
+              <a:solidFill>
+                <a:schemeClr val="accent5"/>
+              </a:solidFill>
+            </a:endParaRPr>
+          </a:p>
+          <a:p>
+            <a:pPr marL="365760" lvl="1" indent="0"/>
+            <a:endParaRPr lang="it-IT" dirty="0" smtClean="0"/>
+          </a:p>
+          <a:p>
+            <a:pPr marL="0" indent="0">
+              <a:buNone/>
+            </a:pPr>
+            <a:r>
+              <a:rPr lang="it-IT" sz="500" dirty="0" smtClean="0"/>
+              <a:t> </a:t>
+            </a:r>
+          </a:p>
+          <a:p>
+            <a:pPr marL="0" indent="0">
+              <a:buNone/>
+            </a:pPr>
+            <a:endParaRPr lang="it-IT" sz="2600" dirty="0"/>
+          </a:p>
+        </p:txBody>
+      </p:sp>
+      <p:sp>
+        <p:nvSpPr>
+          <p:cNvPr id="9" name="Content Placeholder 3"/>
+          <p:cNvSpPr txBox="1">
+            <a:spLocks/>
+          </p:cNvSpPr>
+          <p:nvPr/>
+        </p:nvSpPr>
+        <p:spPr>
+          <a:xfrm>
+            <a:off x="539552" y="4725144"/>
+            <a:ext cx="6336704" cy="1296144"/>
+          </a:xfrm>
+          <a:prstGeom prst="rect">
+            <a:avLst/>
+          </a:prstGeom>
+        </p:spPr>
+        <p:txBody>
+          <a:bodyPr tIns="0"/>
+          <a:lstStyle>
+            <a:lvl1pPr marL="274320" indent="-274320" algn="l" rtl="0" eaLnBrk="1" latinLnBrk="0" hangingPunct="1">
+              <a:spcBef>
+                <a:spcPct val="20000"/>
+              </a:spcBef>
+              <a:buClrTx/>
+              <a:buSzPct val="95000"/>
+              <a:buFont typeface="Wingdings" pitchFamily="2" charset="2"/>
+              <a:buChar char="v"/>
+              <a:defRPr kumimoji="0" sz="2800" kern="1200">
+                <a:solidFill>
+                  <a:schemeClr val="tx1"/>
+                </a:solidFill>
+                <a:latin typeface="+mn-lt"/>
+                <a:ea typeface="+mn-ea"/>
+                <a:cs typeface="+mn-cs"/>
+              </a:defRPr>
+            </a:lvl1pPr>
+            <a:lvl2pPr marL="640080" indent="-246888" algn="l" rtl="0" eaLnBrk="1" latinLnBrk="0" hangingPunct="1">
+              <a:spcBef>
+                <a:spcPct val="20000"/>
+              </a:spcBef>
+              <a:buClrTx/>
+              <a:buSzPct val="85000"/>
+              <a:buFont typeface="Courier New" pitchFamily="49" charset="0"/>
+              <a:buChar char="o"/>
+              <a:defRPr kumimoji="0" sz="2600" kern="1200">
+                <a:solidFill>
+                  <a:schemeClr val="tx1"/>
+                </a:solidFill>
+                <a:latin typeface="+mn-lt"/>
+                <a:ea typeface="+mn-ea"/>
+                <a:cs typeface="+mn-cs"/>
+              </a:defRPr>
+            </a:lvl2pPr>
+            <a:lvl3pPr marL="914400" indent="-246888" algn="l" rtl="0" eaLnBrk="1" latinLnBrk="0" hangingPunct="1">
+              <a:spcBef>
+                <a:spcPct val="20000"/>
+              </a:spcBef>
+              <a:buClrTx/>
+              <a:buSzPct val="70000"/>
+              <a:buFont typeface="Wingdings 2"/>
+              <a:buChar char=""/>
+              <a:defRPr kumimoji="0" sz="2400" kern="1200">
+                <a:solidFill>
+                  <a:schemeClr val="tx1"/>
+                </a:solidFill>
+                <a:latin typeface="+mn-lt"/>
+                <a:ea typeface="+mn-ea"/>
+                <a:cs typeface="+mn-cs"/>
+              </a:defRPr>
+            </a:lvl3pPr>
+            <a:lvl4pPr marL="1188720" indent="-210312" algn="l" rtl="0" eaLnBrk="1" latinLnBrk="0" hangingPunct="1">
+              <a:spcBef>
+                <a:spcPct val="20000"/>
+              </a:spcBef>
+              <a:buClrTx/>
+              <a:buSzPct val="65000"/>
+              <a:buFont typeface="Wingdings 2"/>
+              <a:buChar char=""/>
+              <a:defRPr kumimoji="0" sz="2000" kern="1200">
+                <a:solidFill>
+                  <a:schemeClr val="tx1"/>
+                </a:solidFill>
+                <a:latin typeface="+mn-lt"/>
+                <a:ea typeface="+mn-ea"/>
+                <a:cs typeface="+mn-cs"/>
+              </a:defRPr>
+            </a:lvl4pPr>
+            <a:lvl5pPr marL="1463040" indent="-210312" algn="l" rtl="0" eaLnBrk="1" latinLnBrk="0" hangingPunct="1">
+              <a:spcBef>
+                <a:spcPct val="20000"/>
+              </a:spcBef>
+              <a:buClrTx/>
+              <a:buSzPct val="65000"/>
+              <a:buFont typeface="Wingdings 2"/>
+              <a:buChar char=""/>
+              <a:defRPr kumimoji="0" sz="1800" kern="1200">
+                <a:solidFill>
+                  <a:schemeClr val="tx1"/>
+                </a:solidFill>
+                <a:latin typeface="+mn-lt"/>
+                <a:ea typeface="+mn-ea"/>
+                <a:cs typeface="+mn-cs"/>
+              </a:defRPr>
+            </a:lvl5pPr>
+            <a:lvl6pPr marL="1737360" indent="-210312" algn="l" rtl="0" eaLnBrk="1" latinLnBrk="0" hangingPunct="1">
+              <a:spcBef>
+                <a:spcPct val="20000"/>
+              </a:spcBef>
+              <a:buClr>
+                <a:schemeClr val="accent5"/>
+              </a:buClr>
+              <a:buSzPct val="80000"/>
+              <a:buFont typeface="Wingdings 2"/>
+              <a:buChar char=""/>
+              <a:defRPr kumimoji="0" sz="1800" kern="1200">
+                <a:solidFill>
+                  <a:schemeClr val="tx1"/>
+                </a:solidFill>
+                <a:latin typeface="+mn-lt"/>
+                <a:ea typeface="+mn-ea"/>
+                <a:cs typeface="+mn-cs"/>
+              </a:defRPr>
+            </a:lvl6pPr>
+            <a:lvl7pPr marL="1920240" indent="-182880" algn="l" rtl="0" eaLnBrk="1" latinLnBrk="0" hangingPunct="1">
+              <a:spcBef>
+                <a:spcPct val="20000"/>
+              </a:spcBef>
+              <a:buClr>
+                <a:schemeClr val="accent6"/>
+              </a:buClr>
+              <a:buSzPct val="80000"/>
+              <a:buFont typeface="Wingdings 2"/>
+              <a:buChar char=""/>
+              <a:defRPr kumimoji="0" sz="1600" kern="1200" baseline="0">
+                <a:solidFill>
+                  <a:schemeClr val="tx1"/>
+                </a:solidFill>
+                <a:latin typeface="+mn-lt"/>
+                <a:ea typeface="+mn-ea"/>
+                <a:cs typeface="+mn-cs"/>
+              </a:defRPr>
+            </a:lvl7pPr>
+            <a:lvl8pPr marL="2194560" indent="-182880" algn="l" rtl="0" eaLnBrk="1" latinLnBrk="0" hangingPunct="1">
+              <a:spcBef>
+                <a:spcPct val="20000"/>
+              </a:spcBef>
+              <a:buClr>
+                <a:schemeClr val="tx2"/>
+              </a:buClr>
+              <a:buChar char="•"/>
+              <a:defRPr kumimoji="0" sz="1600" kern="1200">
+                <a:solidFill>
+                  <a:schemeClr val="tx1"/>
+                </a:solidFill>
+                <a:latin typeface="+mn-lt"/>
+                <a:ea typeface="+mn-ea"/>
+                <a:cs typeface="+mn-cs"/>
+              </a:defRPr>
+            </a:lvl8pPr>
+            <a:lvl9pPr marL="2468880" indent="-182880" algn="l" rtl="0" eaLnBrk="1" latinLnBrk="0" hangingPunct="1">
+              <a:spcBef>
+                <a:spcPct val="20000"/>
+              </a:spcBef>
+              <a:buClr>
+                <a:schemeClr val="tx2"/>
+              </a:buClr>
+              <a:buFontTx/>
+              <a:buChar char="•"/>
+              <a:defRPr kumimoji="0" sz="1400" kern="1200" baseline="0">
+                <a:solidFill>
+                  <a:schemeClr val="tx1"/>
+                </a:solidFill>
+                <a:latin typeface="+mn-lt"/>
+                <a:ea typeface="+mn-ea"/>
+                <a:cs typeface="+mn-cs"/>
+              </a:defRPr>
+            </a:lvl9pPr>
+          </a:lstStyle>
+          <a:p>
+            <a:pPr marL="0" indent="0"/>
+            <a:r>
+              <a:rPr lang="it-IT" dirty="0" smtClean="0"/>
+              <a:t> Rispetta l’euristica:</a:t>
+            </a:r>
+          </a:p>
+          <a:p>
+            <a:pPr marL="365760" lvl="1" indent="0">
+              <a:buNone/>
+            </a:pPr>
+            <a:r>
+              <a:rPr lang="it-IT" sz="2400" i="1" dirty="0" smtClean="0">
+                <a:solidFill>
+                  <a:schemeClr val="accent5"/>
+                </a:solidFill>
+              </a:rPr>
+              <a:t>“ gli sviluppatori possono trattare ad ogni livello di astrazione un numero di concetti pari a 7±2”</a:t>
+            </a:r>
+          </a:p>
+          <a:p>
+            <a:pPr marL="365760" lvl="1" indent="0">
+              <a:buNone/>
+            </a:pPr>
+            <a:endParaRPr lang="it-IT" sz="2400" i="1" dirty="0" smtClean="0">
+              <a:solidFill>
+                <a:schemeClr val="accent5"/>
+              </a:solidFill>
+            </a:endParaRPr>
+          </a:p>
+          <a:p>
+            <a:pPr marL="365760" lvl="1" indent="0">
+              <a:buNone/>
+            </a:pPr>
+            <a:endParaRPr lang="it-IT" dirty="0" smtClean="0"/>
+          </a:p>
+          <a:p>
+            <a:pPr marL="0" indent="0">
+              <a:buNone/>
+            </a:pPr>
+            <a:r>
+              <a:rPr lang="it-IT" sz="500" dirty="0" smtClean="0"/>
+              <a:t> </a:t>
+            </a:r>
+          </a:p>
+          <a:p>
+            <a:pPr marL="0" indent="0">
+              <a:buNone/>
+            </a:pPr>
+            <a:endParaRPr lang="it-IT" sz="2600" dirty="0"/>
           </a:p>
         </p:txBody>
       </p:sp>
@@ -18047,6 +16856,121 @@
                       </p:childTnLst>
                     </p:cTn>
                   </p:par>
+                  <p:par>
+                    <p:cTn id="13" fill="hold">
+                      <p:stCondLst>
+                        <p:cond delay="indefinite"/>
+                      </p:stCondLst>
+                      <p:childTnLst>
+                        <p:par>
+                          <p:cTn id="14" fill="hold">
+                            <p:stCondLst>
+                              <p:cond delay="0"/>
+                            </p:stCondLst>
+                            <p:childTnLst>
+                              <p:par>
+                                <p:cTn id="15" presetID="13" presetClass="entr" presetSubtype="16" fill="hold" grpId="0" nodeType="clickEffect">
+                                  <p:stCondLst>
+                                    <p:cond delay="0"/>
+                                  </p:stCondLst>
+                                  <p:childTnLst>
+                                    <p:set>
+                                      <p:cBhvr>
+                                        <p:cTn id="16" dur="1" fill="hold">
+                                          <p:stCondLst>
+                                            <p:cond delay="0"/>
+                                          </p:stCondLst>
+                                        </p:cTn>
+                                        <p:tgtEl>
+                                          <p:spTgt spid="9"/>
+                                        </p:tgtEl>
+                                        <p:attrNameLst>
+                                          <p:attrName>style.visibility</p:attrName>
+                                        </p:attrNameLst>
+                                      </p:cBhvr>
+                                      <p:to>
+                                        <p:strVal val="visible"/>
+                                      </p:to>
+                                    </p:set>
+                                    <p:animEffect transition="in" filter="plus(in)">
+                                      <p:cBhvr>
+                                        <p:cTn id="17" dur="1000"/>
+                                        <p:tgtEl>
+                                          <p:spTgt spid="9"/>
+                                        </p:tgtEl>
+                                      </p:cBhvr>
+                                    </p:animEffect>
+                                  </p:childTnLst>
+                                </p:cTn>
+                              </p:par>
+                              <p:par>
+                                <p:cTn id="18" presetID="1" presetClass="entr" presetSubtype="0" fill="hold" grpId="0" nodeType="withEffect">
+                                  <p:stCondLst>
+                                    <p:cond delay="0"/>
+                                  </p:stCondLst>
+                                  <p:childTnLst>
+                                    <p:set>
+                                      <p:cBhvr>
+                                        <p:cTn id="19" dur="1" fill="hold">
+                                          <p:stCondLst>
+                                            <p:cond delay="0"/>
+                                          </p:stCondLst>
+                                        </p:cTn>
+                                        <p:tgtEl>
+                                          <p:spTgt spid="7"/>
+                                        </p:tgtEl>
+                                        <p:attrNameLst>
+                                          <p:attrName>style.visibility</p:attrName>
+                                        </p:attrNameLst>
+                                      </p:cBhvr>
+                                      <p:to>
+                                        <p:strVal val="visible"/>
+                                      </p:to>
+                                    </p:set>
+                                  </p:childTnLst>
+                                </p:cTn>
+                              </p:par>
+                              <p:par>
+                                <p:cTn id="20" presetID="13" presetClass="entr" presetSubtype="16" fill="hold" grpId="0" nodeType="withEffect">
+                                  <p:stCondLst>
+                                    <p:cond delay="0"/>
+                                  </p:stCondLst>
+                                  <p:childTnLst>
+                                    <p:set>
+                                      <p:cBhvr>
+                                        <p:cTn id="21" dur="1" fill="hold">
+                                          <p:stCondLst>
+                                            <p:cond delay="0"/>
+                                          </p:stCondLst>
+                                        </p:cTn>
+                                        <p:tgtEl>
+                                          <p:spTgt spid="8"/>
+                                        </p:tgtEl>
+                                        <p:attrNameLst>
+                                          <p:attrName>style.visibility</p:attrName>
+                                        </p:attrNameLst>
+                                      </p:cBhvr>
+                                      <p:to>
+                                        <p:strVal val="visible"/>
+                                      </p:to>
+                                    </p:set>
+                                    <p:animEffect transition="in" filter="plus(in)">
+                                      <p:cBhvr>
+                                        <p:cTn id="22" dur="1000"/>
+                                        <p:tgtEl>
+                                          <p:spTgt spid="8"/>
+                                        </p:tgtEl>
+                                      </p:cBhvr>
+                                    </p:animEffect>
+                                  </p:childTnLst>
+                                </p:cTn>
+                              </p:par>
+                            </p:childTnLst>
+                          </p:cTn>
+                        </p:par>
+                      </p:childTnLst>
+                    </p:cTn>
+                  </p:par>
                 </p:childTnLst>
               </p:cTn>
               <p:prevCondLst>
@@ -18070,6 +16994,9 @@
     </p:tnLst>
     <p:bldLst>
       <p:bldP spid="6" grpId="0"/>
+      <p:bldP spid="7" grpId="0" animBg="1"/>
+      <p:bldP spid="8" grpId="0"/>
+      <p:bldP spid="9" grpId="0"/>
     </p:bldLst>
   </p:timing>
 </p:sld>
@@ -18092,799 +17019,59 @@
           <a:chExt cx="0" cy="0"/>
         </a:xfrm>
       </p:grpSpPr>
-      <p:pic>
-        <p:nvPicPr>
-          <p:cNvPr id="1026" name="Picture 2"/>
-          <p:cNvPicPr>
-            <a:picLocks noChangeAspect="1" noChangeArrowheads="1"/>
-          </p:cNvPicPr>
-          <p:nvPr/>
-        </p:nvPicPr>
-        <p:blipFill>
-          <a:blip r:embed="rId2" cstate="print"/>
-          <a:srcRect/>
-          <a:stretch>
-            <a:fillRect/>
-          </a:stretch>
-        </p:blipFill>
-        <p:spPr bwMode="auto">
-          <a:xfrm>
-            <a:off x="3491880" y="726736"/>
-            <a:ext cx="5472608" cy="5870616"/>
-          </a:xfrm>
-          <a:prstGeom prst="rect">
-            <a:avLst/>
-          </a:prstGeom>
-          <a:noFill/>
-          <a:ln w="9525">
-            <a:noFill/>
-            <a:miter lim="800000"/>
-            <a:headEnd/>
-            <a:tailEnd/>
-          </a:ln>
-        </p:spPr>
-      </p:pic>
       <p:sp>
         <p:nvSpPr>
-          <p:cNvPr id="7" name="Content Placeholder 3"/>
-          <p:cNvSpPr txBox="1">
-            <a:spLocks/>
-          </p:cNvSpPr>
+          <p:cNvPr id="2" name="CasellaDiTesto 1"/>
+          <p:cNvSpPr txBox="1"/>
           <p:nvPr/>
         </p:nvSpPr>
         <p:spPr>
           <a:xfrm>
-            <a:off x="539552" y="692696"/>
-            <a:ext cx="3528392" cy="936104"/>
-          </a:xfrm>
-          <a:prstGeom prst="rect">
-            <a:avLst/>
-          </a:prstGeom>
-        </p:spPr>
-        <p:txBody>
-          <a:bodyPr tIns="0"/>
-          <a:lstStyle>
-            <a:lvl1pPr marL="274320" indent="-274320" algn="l" rtl="0" eaLnBrk="1" latinLnBrk="0" hangingPunct="1">
-              <a:spcBef>
-                <a:spcPct val="20000"/>
-              </a:spcBef>
-              <a:buClrTx/>
-              <a:buSzPct val="95000"/>
-              <a:buFont typeface="Wingdings" pitchFamily="2" charset="2"/>
-              <a:buChar char="v"/>
-              <a:defRPr kumimoji="0" sz="2800" kern="1200">
-                <a:solidFill>
-                  <a:schemeClr val="tx1"/>
-                </a:solidFill>
-                <a:latin typeface="+mn-lt"/>
-                <a:ea typeface="+mn-ea"/>
-                <a:cs typeface="+mn-cs"/>
-              </a:defRPr>
-            </a:lvl1pPr>
-            <a:lvl2pPr marL="640080" indent="-246888" algn="l" rtl="0" eaLnBrk="1" latinLnBrk="0" hangingPunct="1">
-              <a:spcBef>
-                <a:spcPct val="20000"/>
-              </a:spcBef>
-              <a:buClrTx/>
-              <a:buSzPct val="85000"/>
-              <a:buFont typeface="Courier New" pitchFamily="49" charset="0"/>
-              <a:buChar char="o"/>
-              <a:defRPr kumimoji="0" sz="2600" kern="1200">
-                <a:solidFill>
-                  <a:schemeClr val="tx1"/>
-                </a:solidFill>
-                <a:latin typeface="+mn-lt"/>
-                <a:ea typeface="+mn-ea"/>
-                <a:cs typeface="+mn-cs"/>
-              </a:defRPr>
-            </a:lvl2pPr>
-            <a:lvl3pPr marL="914400" indent="-246888" algn="l" rtl="0" eaLnBrk="1" latinLnBrk="0" hangingPunct="1">
-              <a:spcBef>
-                <a:spcPct val="20000"/>
-              </a:spcBef>
-              <a:buClrTx/>
-              <a:buSzPct val="70000"/>
-              <a:buFont typeface="Wingdings 2"/>
-              <a:buChar char=""/>
-              <a:defRPr kumimoji="0" sz="2400" kern="1200">
-                <a:solidFill>
-                  <a:schemeClr val="tx1"/>
-                </a:solidFill>
-                <a:latin typeface="+mn-lt"/>
-                <a:ea typeface="+mn-ea"/>
-                <a:cs typeface="+mn-cs"/>
-              </a:defRPr>
-            </a:lvl3pPr>
-            <a:lvl4pPr marL="1188720" indent="-210312" algn="l" rtl="0" eaLnBrk="1" latinLnBrk="0" hangingPunct="1">
-              <a:spcBef>
-                <a:spcPct val="20000"/>
-              </a:spcBef>
-              <a:buClrTx/>
-              <a:buSzPct val="65000"/>
-              <a:buFont typeface="Wingdings 2"/>
-              <a:buChar char=""/>
-              <a:defRPr kumimoji="0" sz="2000" kern="1200">
-                <a:solidFill>
-                  <a:schemeClr val="tx1"/>
-                </a:solidFill>
-                <a:latin typeface="+mn-lt"/>
-                <a:ea typeface="+mn-ea"/>
-                <a:cs typeface="+mn-cs"/>
-              </a:defRPr>
-            </a:lvl4pPr>
-            <a:lvl5pPr marL="1463040" indent="-210312" algn="l" rtl="0" eaLnBrk="1" latinLnBrk="0" hangingPunct="1">
-              <a:spcBef>
-                <a:spcPct val="20000"/>
-              </a:spcBef>
-              <a:buClrTx/>
-              <a:buSzPct val="65000"/>
-              <a:buFont typeface="Wingdings 2"/>
-              <a:buChar char=""/>
-              <a:defRPr kumimoji="0" sz="1800" kern="1200">
-                <a:solidFill>
-                  <a:schemeClr val="tx1"/>
-                </a:solidFill>
-                <a:latin typeface="+mn-lt"/>
-                <a:ea typeface="+mn-ea"/>
-                <a:cs typeface="+mn-cs"/>
-              </a:defRPr>
-            </a:lvl5pPr>
-            <a:lvl6pPr marL="1737360" indent="-210312" algn="l" rtl="0" eaLnBrk="1" latinLnBrk="0" hangingPunct="1">
-              <a:spcBef>
-                <a:spcPct val="20000"/>
-              </a:spcBef>
-              <a:buClr>
-                <a:schemeClr val="accent5"/>
-              </a:buClr>
-              <a:buSzPct val="80000"/>
-              <a:buFont typeface="Wingdings 2"/>
-              <a:buChar char=""/>
-              <a:defRPr kumimoji="0" sz="1800" kern="1200">
-                <a:solidFill>
-                  <a:schemeClr val="tx1"/>
-                </a:solidFill>
-                <a:latin typeface="+mn-lt"/>
-                <a:ea typeface="+mn-ea"/>
-                <a:cs typeface="+mn-cs"/>
-              </a:defRPr>
-            </a:lvl6pPr>
-            <a:lvl7pPr marL="1920240" indent="-182880" algn="l" rtl="0" eaLnBrk="1" latinLnBrk="0" hangingPunct="1">
-              <a:spcBef>
-                <a:spcPct val="20000"/>
-              </a:spcBef>
-              <a:buClr>
-                <a:schemeClr val="accent6"/>
-              </a:buClr>
-              <a:buSzPct val="80000"/>
-              <a:buFont typeface="Wingdings 2"/>
-              <a:buChar char=""/>
-              <a:defRPr kumimoji="0" sz="1600" kern="1200" baseline="0">
-                <a:solidFill>
-                  <a:schemeClr val="tx1"/>
-                </a:solidFill>
-                <a:latin typeface="+mn-lt"/>
-                <a:ea typeface="+mn-ea"/>
-                <a:cs typeface="+mn-cs"/>
-              </a:defRPr>
-            </a:lvl7pPr>
-            <a:lvl8pPr marL="2194560" indent="-182880" algn="l" rtl="0" eaLnBrk="1" latinLnBrk="0" hangingPunct="1">
-              <a:spcBef>
-                <a:spcPct val="20000"/>
-              </a:spcBef>
-              <a:buClr>
-                <a:schemeClr val="tx2"/>
-              </a:buClr>
-              <a:buChar char="•"/>
-              <a:defRPr kumimoji="0" sz="1600" kern="1200">
-                <a:solidFill>
-                  <a:schemeClr val="tx1"/>
-                </a:solidFill>
-                <a:latin typeface="+mn-lt"/>
-                <a:ea typeface="+mn-ea"/>
-                <a:cs typeface="+mn-cs"/>
-              </a:defRPr>
-            </a:lvl8pPr>
-            <a:lvl9pPr marL="2468880" indent="-182880" algn="l" rtl="0" eaLnBrk="1" latinLnBrk="0" hangingPunct="1">
-              <a:spcBef>
-                <a:spcPct val="20000"/>
-              </a:spcBef>
-              <a:buClr>
-                <a:schemeClr val="tx2"/>
-              </a:buClr>
-              <a:buFontTx/>
-              <a:buChar char="•"/>
-              <a:defRPr kumimoji="0" sz="1400" kern="1200" baseline="0">
-                <a:solidFill>
-                  <a:schemeClr val="tx1"/>
-                </a:solidFill>
-                <a:latin typeface="+mn-lt"/>
-                <a:ea typeface="+mn-ea"/>
-                <a:cs typeface="+mn-cs"/>
-              </a:defRPr>
-            </a:lvl9pPr>
-          </a:lstStyle>
-          <a:p>
-            <a:pPr marL="0" indent="0">
-              <a:buNone/>
-            </a:pPr>
-            <a:r>
-              <a:rPr lang="it-IT" b="1" dirty="0" smtClean="0"/>
-              <a:t>TERZA VERSIONE</a:t>
-            </a:r>
-          </a:p>
-          <a:p>
-            <a:pPr marL="0" indent="0">
-              <a:buNone/>
-            </a:pPr>
-            <a:r>
-              <a:rPr lang="it-IT" sz="2600" b="1" i="1" dirty="0" smtClean="0"/>
-              <a:t>definitiva</a:t>
-            </a:r>
-          </a:p>
-          <a:p>
-            <a:pPr marL="0" indent="0">
-              <a:buNone/>
-            </a:pPr>
-            <a:r>
-              <a:rPr lang="it-IT" sz="1000" b="1" dirty="0" smtClean="0"/>
-              <a:t> </a:t>
-            </a:r>
-            <a:endParaRPr lang="it-IT" dirty="0" smtClean="0"/>
-          </a:p>
-          <a:p>
-            <a:pPr marL="0" indent="0">
-              <a:buNone/>
-            </a:pPr>
-            <a:r>
-              <a:rPr lang="it-IT" sz="500" dirty="0" smtClean="0"/>
-              <a:t> </a:t>
-            </a:r>
-          </a:p>
-          <a:p>
-            <a:pPr marL="0" indent="0">
-              <a:buNone/>
-            </a:pPr>
-            <a:endParaRPr lang="it-IT" sz="2600" dirty="0"/>
-          </a:p>
-        </p:txBody>
-      </p:sp>
-      <p:sp>
-        <p:nvSpPr>
-          <p:cNvPr id="12" name="Rettangolo 11"/>
-          <p:cNvSpPr/>
-          <p:nvPr/>
-        </p:nvSpPr>
-        <p:spPr>
-          <a:xfrm>
-            <a:off x="4644008" y="3717032"/>
-            <a:ext cx="3744416" cy="720080"/>
+            <a:off x="2728673" y="476672"/>
+            <a:ext cx="4001609" cy="1538883"/>
           </a:xfrm>
           <a:prstGeom prst="rect">
             <a:avLst/>
           </a:prstGeom>
           <a:noFill/>
         </p:spPr>
-        <p:style>
-          <a:lnRef idx="2">
-            <a:schemeClr val="accent4"/>
-          </a:lnRef>
-          <a:fillRef idx="1">
-            <a:schemeClr val="lt1"/>
-          </a:fillRef>
-          <a:effectRef idx="0">
-            <a:schemeClr val="accent4"/>
-          </a:effectRef>
-          <a:fontRef idx="minor">
-            <a:schemeClr val="dk1"/>
-          </a:fontRef>
-        </p:style>
         <p:txBody>
-          <a:bodyPr rtlCol="0" anchor="ctr"/>
+          <a:bodyPr wrap="none" rtlCol="0">
+            <a:spAutoFit/>
+          </a:bodyPr>
           <a:lstStyle/>
           <a:p>
             <a:pPr algn="ctr"/>
-            <a:endParaRPr lang="it-IT"/>
-          </a:p>
-        </p:txBody>
-      </p:sp>
-      <p:sp>
-        <p:nvSpPr>
-          <p:cNvPr id="13" name="Content Placeholder 3"/>
-          <p:cNvSpPr txBox="1">
-            <a:spLocks/>
-          </p:cNvSpPr>
-          <p:nvPr/>
-        </p:nvSpPr>
-        <p:spPr>
-          <a:xfrm>
-            <a:off x="251520" y="1916832"/>
-            <a:ext cx="3528392" cy="1296144"/>
-          </a:xfrm>
-          <a:prstGeom prst="rect">
-            <a:avLst/>
-          </a:prstGeom>
-        </p:spPr>
-        <p:txBody>
-          <a:bodyPr tIns="0"/>
-          <a:lstStyle>
-            <a:lvl1pPr marL="274320" indent="-274320" algn="l" rtl="0" eaLnBrk="1" latinLnBrk="0" hangingPunct="1">
-              <a:spcBef>
-                <a:spcPct val="20000"/>
-              </a:spcBef>
-              <a:buClrTx/>
-              <a:buSzPct val="95000"/>
-              <a:buFont typeface="Wingdings" pitchFamily="2" charset="2"/>
-              <a:buChar char="v"/>
-              <a:defRPr kumimoji="0" sz="2800" kern="1200">
-                <a:solidFill>
-                  <a:schemeClr val="tx1"/>
-                </a:solidFill>
-                <a:latin typeface="+mn-lt"/>
-                <a:ea typeface="+mn-ea"/>
-                <a:cs typeface="+mn-cs"/>
-              </a:defRPr>
-            </a:lvl1pPr>
-            <a:lvl2pPr marL="640080" indent="-246888" algn="l" rtl="0" eaLnBrk="1" latinLnBrk="0" hangingPunct="1">
-              <a:spcBef>
-                <a:spcPct val="20000"/>
-              </a:spcBef>
-              <a:buClrTx/>
-              <a:buSzPct val="85000"/>
-              <a:buFont typeface="Courier New" pitchFamily="49" charset="0"/>
-              <a:buChar char="o"/>
-              <a:defRPr kumimoji="0" sz="2600" kern="1200">
-                <a:solidFill>
-                  <a:schemeClr val="tx1"/>
-                </a:solidFill>
-                <a:latin typeface="+mn-lt"/>
-                <a:ea typeface="+mn-ea"/>
-                <a:cs typeface="+mn-cs"/>
-              </a:defRPr>
-            </a:lvl2pPr>
-            <a:lvl3pPr marL="914400" indent="-246888" algn="l" rtl="0" eaLnBrk="1" latinLnBrk="0" hangingPunct="1">
-              <a:spcBef>
-                <a:spcPct val="20000"/>
-              </a:spcBef>
-              <a:buClrTx/>
-              <a:buSzPct val="70000"/>
-              <a:buFont typeface="Wingdings 2"/>
-              <a:buChar char=""/>
-              <a:defRPr kumimoji="0" sz="2400" kern="1200">
-                <a:solidFill>
-                  <a:schemeClr val="tx1"/>
-                </a:solidFill>
-                <a:latin typeface="+mn-lt"/>
-                <a:ea typeface="+mn-ea"/>
-                <a:cs typeface="+mn-cs"/>
-              </a:defRPr>
-            </a:lvl3pPr>
-            <a:lvl4pPr marL="1188720" indent="-210312" algn="l" rtl="0" eaLnBrk="1" latinLnBrk="0" hangingPunct="1">
-              <a:spcBef>
-                <a:spcPct val="20000"/>
-              </a:spcBef>
-              <a:buClrTx/>
-              <a:buSzPct val="65000"/>
-              <a:buFont typeface="Wingdings 2"/>
-              <a:buChar char=""/>
-              <a:defRPr kumimoji="0" sz="2000" kern="1200">
-                <a:solidFill>
-                  <a:schemeClr val="tx1"/>
-                </a:solidFill>
-                <a:latin typeface="+mn-lt"/>
-                <a:ea typeface="+mn-ea"/>
-                <a:cs typeface="+mn-cs"/>
-              </a:defRPr>
-            </a:lvl4pPr>
-            <a:lvl5pPr marL="1463040" indent="-210312" algn="l" rtl="0" eaLnBrk="1" latinLnBrk="0" hangingPunct="1">
-              <a:spcBef>
-                <a:spcPct val="20000"/>
-              </a:spcBef>
-              <a:buClrTx/>
-              <a:buSzPct val="65000"/>
-              <a:buFont typeface="Wingdings 2"/>
-              <a:buChar char=""/>
-              <a:defRPr kumimoji="0" sz="1800" kern="1200">
-                <a:solidFill>
-                  <a:schemeClr val="tx1"/>
-                </a:solidFill>
-                <a:latin typeface="+mn-lt"/>
-                <a:ea typeface="+mn-ea"/>
-                <a:cs typeface="+mn-cs"/>
-              </a:defRPr>
-            </a:lvl5pPr>
-            <a:lvl6pPr marL="1737360" indent="-210312" algn="l" rtl="0" eaLnBrk="1" latinLnBrk="0" hangingPunct="1">
-              <a:spcBef>
-                <a:spcPct val="20000"/>
-              </a:spcBef>
-              <a:buClr>
-                <a:schemeClr val="accent5"/>
-              </a:buClr>
-              <a:buSzPct val="80000"/>
-              <a:buFont typeface="Wingdings 2"/>
-              <a:buChar char=""/>
-              <a:defRPr kumimoji="0" sz="1800" kern="1200">
-                <a:solidFill>
-                  <a:schemeClr val="tx1"/>
-                </a:solidFill>
-                <a:latin typeface="+mn-lt"/>
-                <a:ea typeface="+mn-ea"/>
-                <a:cs typeface="+mn-cs"/>
-              </a:defRPr>
-            </a:lvl6pPr>
-            <a:lvl7pPr marL="1920240" indent="-182880" algn="l" rtl="0" eaLnBrk="1" latinLnBrk="0" hangingPunct="1">
-              <a:spcBef>
-                <a:spcPct val="20000"/>
-              </a:spcBef>
-              <a:buClr>
-                <a:schemeClr val="accent6"/>
-              </a:buClr>
-              <a:buSzPct val="80000"/>
-              <a:buFont typeface="Wingdings 2"/>
-              <a:buChar char=""/>
-              <a:defRPr kumimoji="0" sz="1600" kern="1200" baseline="0">
-                <a:solidFill>
-                  <a:schemeClr val="tx1"/>
-                </a:solidFill>
-                <a:latin typeface="+mn-lt"/>
-                <a:ea typeface="+mn-ea"/>
-                <a:cs typeface="+mn-cs"/>
-              </a:defRPr>
-            </a:lvl7pPr>
-            <a:lvl8pPr marL="2194560" indent="-182880" algn="l" rtl="0" eaLnBrk="1" latinLnBrk="0" hangingPunct="1">
-              <a:spcBef>
-                <a:spcPct val="20000"/>
-              </a:spcBef>
-              <a:buClr>
-                <a:schemeClr val="tx2"/>
-              </a:buClr>
-              <a:buChar char="•"/>
-              <a:defRPr kumimoji="0" sz="1600" kern="1200">
-                <a:solidFill>
-                  <a:schemeClr val="tx1"/>
-                </a:solidFill>
-                <a:latin typeface="+mn-lt"/>
-                <a:ea typeface="+mn-ea"/>
-                <a:cs typeface="+mn-cs"/>
-              </a:defRPr>
-            </a:lvl8pPr>
-            <a:lvl9pPr marL="2468880" indent="-182880" algn="l" rtl="0" eaLnBrk="1" latinLnBrk="0" hangingPunct="1">
-              <a:spcBef>
-                <a:spcPct val="20000"/>
-              </a:spcBef>
-              <a:buClr>
-                <a:schemeClr val="tx2"/>
-              </a:buClr>
-              <a:buFontTx/>
-              <a:buChar char="•"/>
-              <a:defRPr kumimoji="0" sz="1400" kern="1200" baseline="0">
-                <a:solidFill>
-                  <a:schemeClr val="tx1"/>
-                </a:solidFill>
-                <a:latin typeface="+mn-lt"/>
-                <a:ea typeface="+mn-ea"/>
-                <a:cs typeface="+mn-cs"/>
-              </a:defRPr>
-            </a:lvl9pPr>
-          </a:lstStyle>
-          <a:p>
-            <a:pPr marL="0" indent="0"/>
-            <a:r>
-              <a:rPr lang="it-IT" dirty="0" smtClean="0"/>
-              <a:t> Necessaria con l’aggiunta di nuovi requisiti funzionali</a:t>
-            </a:r>
-            <a:endParaRPr lang="it-IT" sz="2400" i="1" dirty="0" smtClean="0">
-              <a:solidFill>
-                <a:schemeClr val="accent5"/>
-              </a:solidFill>
+            <a:r>
+              <a:rPr lang="it-IT" sz="4800" b="1" dirty="0" err="1" smtClean="0">
+                <a:latin typeface="+mj-lt"/>
+              </a:rPr>
+              <a:t>Testing</a:t>
+            </a:r>
+            <a:endParaRPr lang="it-IT" sz="4800" b="1" dirty="0" smtClean="0">
+              <a:latin typeface="+mj-lt"/>
             </a:endParaRPr>
           </a:p>
           <a:p>
-            <a:pPr marL="365760" lvl="1" indent="0"/>
-            <a:endParaRPr lang="it-IT" dirty="0" smtClean="0"/>
-          </a:p>
-          <a:p>
-            <a:pPr marL="0" indent="0">
-              <a:buNone/>
-            </a:pPr>
-            <a:r>
-              <a:rPr lang="it-IT" sz="500" dirty="0" smtClean="0"/>
-              <a:t> </a:t>
-            </a:r>
-          </a:p>
-          <a:p>
-            <a:pPr marL="0" indent="0">
-              <a:buNone/>
-            </a:pPr>
-            <a:endParaRPr lang="it-IT" sz="2600" dirty="0"/>
-          </a:p>
-        </p:txBody>
-      </p:sp>
-      <p:sp>
-        <p:nvSpPr>
-          <p:cNvPr id="14" name="Freccia a destra 13"/>
-          <p:cNvSpPr/>
-          <p:nvPr/>
-        </p:nvSpPr>
-        <p:spPr>
-          <a:xfrm>
-            <a:off x="683568" y="5949280"/>
-            <a:ext cx="432048" cy="288032"/>
-          </a:xfrm>
-          <a:prstGeom prst="rightArrow">
-            <a:avLst>
-              <a:gd name="adj1" fmla="val 57648"/>
-              <a:gd name="adj2" fmla="val 65299"/>
-            </a:avLst>
-          </a:prstGeom>
-        </p:spPr>
-        <p:style>
-          <a:lnRef idx="1">
-            <a:schemeClr val="accent2"/>
-          </a:lnRef>
-          <a:fillRef idx="3">
-            <a:schemeClr val="accent2"/>
-          </a:fillRef>
-          <a:effectRef idx="2">
-            <a:schemeClr val="accent2"/>
-          </a:effectRef>
-          <a:fontRef idx="minor">
-            <a:schemeClr val="lt1"/>
-          </a:fontRef>
-        </p:style>
-        <p:txBody>
-          <a:bodyPr rtlCol="0" anchor="ctr"/>
-          <a:lstStyle/>
-          <a:p>
             <a:pPr algn="ctr"/>
-            <a:endParaRPr lang="it-IT"/>
-          </a:p>
-        </p:txBody>
-      </p:sp>
-      <p:sp>
-        <p:nvSpPr>
-          <p:cNvPr id="8" name="Content Placeholder 3"/>
-          <p:cNvSpPr txBox="1">
-            <a:spLocks/>
-          </p:cNvSpPr>
-          <p:nvPr/>
-        </p:nvSpPr>
-        <p:spPr>
-          <a:xfrm>
-            <a:off x="1115616" y="5877272"/>
-            <a:ext cx="2376264" cy="504056"/>
-          </a:xfrm>
-          <a:prstGeom prst="rect">
-            <a:avLst/>
-          </a:prstGeom>
-        </p:spPr>
-        <p:txBody>
-          <a:bodyPr tIns="0"/>
-          <a:lstStyle>
-            <a:lvl1pPr marL="274320" indent="-274320" algn="l" rtl="0" eaLnBrk="1" latinLnBrk="0" hangingPunct="1">
-              <a:spcBef>
-                <a:spcPct val="20000"/>
-              </a:spcBef>
-              <a:buClrTx/>
-              <a:buSzPct val="95000"/>
-              <a:buFont typeface="Wingdings" pitchFamily="2" charset="2"/>
-              <a:buChar char="v"/>
-              <a:defRPr kumimoji="0" sz="2800" kern="1200">
-                <a:solidFill>
-                  <a:schemeClr val="tx1"/>
-                </a:solidFill>
-                <a:latin typeface="+mn-lt"/>
-                <a:ea typeface="+mn-ea"/>
-                <a:cs typeface="+mn-cs"/>
-              </a:defRPr>
-            </a:lvl1pPr>
-            <a:lvl2pPr marL="640080" indent="-246888" algn="l" rtl="0" eaLnBrk="1" latinLnBrk="0" hangingPunct="1">
-              <a:spcBef>
-                <a:spcPct val="20000"/>
-              </a:spcBef>
-              <a:buClrTx/>
-              <a:buSzPct val="85000"/>
-              <a:buFont typeface="Courier New" pitchFamily="49" charset="0"/>
-              <a:buChar char="o"/>
-              <a:defRPr kumimoji="0" sz="2600" kern="1200">
-                <a:solidFill>
-                  <a:schemeClr val="tx1"/>
-                </a:solidFill>
-                <a:latin typeface="+mn-lt"/>
-                <a:ea typeface="+mn-ea"/>
-                <a:cs typeface="+mn-cs"/>
-              </a:defRPr>
-            </a:lvl2pPr>
-            <a:lvl3pPr marL="914400" indent="-246888" algn="l" rtl="0" eaLnBrk="1" latinLnBrk="0" hangingPunct="1">
-              <a:spcBef>
-                <a:spcPct val="20000"/>
-              </a:spcBef>
-              <a:buClrTx/>
-              <a:buSzPct val="70000"/>
-              <a:buFont typeface="Wingdings 2"/>
-              <a:buChar char=""/>
-              <a:defRPr kumimoji="0" sz="2400" kern="1200">
-                <a:solidFill>
-                  <a:schemeClr val="tx1"/>
-                </a:solidFill>
-                <a:latin typeface="+mn-lt"/>
-                <a:ea typeface="+mn-ea"/>
-                <a:cs typeface="+mn-cs"/>
-              </a:defRPr>
-            </a:lvl3pPr>
-            <a:lvl4pPr marL="1188720" indent="-210312" algn="l" rtl="0" eaLnBrk="1" latinLnBrk="0" hangingPunct="1">
-              <a:spcBef>
-                <a:spcPct val="20000"/>
-              </a:spcBef>
-              <a:buClrTx/>
-              <a:buSzPct val="65000"/>
-              <a:buFont typeface="Wingdings 2"/>
-              <a:buChar char=""/>
-              <a:defRPr kumimoji="0" sz="2000" kern="1200">
-                <a:solidFill>
-                  <a:schemeClr val="tx1"/>
-                </a:solidFill>
-                <a:latin typeface="+mn-lt"/>
-                <a:ea typeface="+mn-ea"/>
-                <a:cs typeface="+mn-cs"/>
-              </a:defRPr>
-            </a:lvl4pPr>
-            <a:lvl5pPr marL="1463040" indent="-210312" algn="l" rtl="0" eaLnBrk="1" latinLnBrk="0" hangingPunct="1">
-              <a:spcBef>
-                <a:spcPct val="20000"/>
-              </a:spcBef>
-              <a:buClrTx/>
-              <a:buSzPct val="65000"/>
-              <a:buFont typeface="Wingdings 2"/>
-              <a:buChar char=""/>
-              <a:defRPr kumimoji="0" sz="1800" kern="1200">
-                <a:solidFill>
-                  <a:schemeClr val="tx1"/>
-                </a:solidFill>
-                <a:latin typeface="+mn-lt"/>
-                <a:ea typeface="+mn-ea"/>
-                <a:cs typeface="+mn-cs"/>
-              </a:defRPr>
-            </a:lvl5pPr>
-            <a:lvl6pPr marL="1737360" indent="-210312" algn="l" rtl="0" eaLnBrk="1" latinLnBrk="0" hangingPunct="1">
-              <a:spcBef>
-                <a:spcPct val="20000"/>
-              </a:spcBef>
-              <a:buClr>
-                <a:schemeClr val="accent5"/>
-              </a:buClr>
-              <a:buSzPct val="80000"/>
-              <a:buFont typeface="Wingdings 2"/>
-              <a:buChar char=""/>
-              <a:defRPr kumimoji="0" sz="1800" kern="1200">
-                <a:solidFill>
-                  <a:schemeClr val="tx1"/>
-                </a:solidFill>
-                <a:latin typeface="+mn-lt"/>
-                <a:ea typeface="+mn-ea"/>
-                <a:cs typeface="+mn-cs"/>
-              </a:defRPr>
-            </a:lvl6pPr>
-            <a:lvl7pPr marL="1920240" indent="-182880" algn="l" rtl="0" eaLnBrk="1" latinLnBrk="0" hangingPunct="1">
-              <a:spcBef>
-                <a:spcPct val="20000"/>
-              </a:spcBef>
-              <a:buClr>
-                <a:schemeClr val="accent6"/>
-              </a:buClr>
-              <a:buSzPct val="80000"/>
-              <a:buFont typeface="Wingdings 2"/>
-              <a:buChar char=""/>
-              <a:defRPr kumimoji="0" sz="1600" kern="1200" baseline="0">
-                <a:solidFill>
-                  <a:schemeClr val="tx1"/>
-                </a:solidFill>
-                <a:latin typeface="+mn-lt"/>
-                <a:ea typeface="+mn-ea"/>
-                <a:cs typeface="+mn-cs"/>
-              </a:defRPr>
-            </a:lvl7pPr>
-            <a:lvl8pPr marL="2194560" indent="-182880" algn="l" rtl="0" eaLnBrk="1" latinLnBrk="0" hangingPunct="1">
-              <a:spcBef>
-                <a:spcPct val="20000"/>
-              </a:spcBef>
-              <a:buClr>
-                <a:schemeClr val="tx2"/>
-              </a:buClr>
-              <a:buChar char="•"/>
-              <a:defRPr kumimoji="0" sz="1600" kern="1200">
-                <a:solidFill>
-                  <a:schemeClr val="tx1"/>
-                </a:solidFill>
-                <a:latin typeface="+mn-lt"/>
-                <a:ea typeface="+mn-ea"/>
-                <a:cs typeface="+mn-cs"/>
-              </a:defRPr>
-            </a:lvl8pPr>
-            <a:lvl9pPr marL="2468880" indent="-182880" algn="l" rtl="0" eaLnBrk="1" latinLnBrk="0" hangingPunct="1">
-              <a:spcBef>
-                <a:spcPct val="20000"/>
-              </a:spcBef>
-              <a:buClr>
-                <a:schemeClr val="tx2"/>
-              </a:buClr>
-              <a:buFontTx/>
-              <a:buChar char="•"/>
-              <a:defRPr kumimoji="0" sz="1400" kern="1200" baseline="0">
-                <a:solidFill>
-                  <a:schemeClr val="tx1"/>
-                </a:solidFill>
-                <a:latin typeface="+mn-lt"/>
-                <a:ea typeface="+mn-ea"/>
-                <a:cs typeface="+mn-cs"/>
-              </a:defRPr>
-            </a:lvl9pPr>
-          </a:lstStyle>
-          <a:p>
-            <a:pPr marL="0" indent="0">
-              <a:buNone/>
-            </a:pPr>
-            <a:r>
-              <a:rPr lang="it-IT" dirty="0" smtClean="0"/>
-              <a:t>9 sottosistemi</a:t>
-            </a:r>
-            <a:endParaRPr lang="it-IT" sz="2400" i="1" dirty="0" smtClean="0">
-              <a:solidFill>
-                <a:schemeClr val="accent5"/>
-              </a:solidFill>
+            <a:r>
+              <a:rPr lang="it-IT" sz="2800" b="1" dirty="0" err="1" smtClean="0">
+                <a:latin typeface="+mj-lt"/>
+              </a:rPr>
+              <a:t>Testing</a:t>
+            </a:r>
+            <a:r>
+              <a:rPr lang="it-IT" sz="2800" b="1" dirty="0" smtClean="0">
+                <a:latin typeface="+mj-lt"/>
+              </a:rPr>
+              <a:t> effettuato su KIDS</a:t>
+            </a:r>
+          </a:p>
+          <a:p>
+            <a:pPr algn="ctr"/>
+            <a:endParaRPr lang="it-IT" dirty="0">
+              <a:latin typeface="+mj-lt"/>
             </a:endParaRPr>
-          </a:p>
-          <a:p>
-            <a:pPr marL="365760" lvl="1" indent="0">
-              <a:buNone/>
-            </a:pPr>
-            <a:endParaRPr lang="it-IT" sz="2400" i="1" dirty="0" smtClean="0">
-              <a:solidFill>
-                <a:schemeClr val="accent5"/>
-              </a:solidFill>
-            </a:endParaRPr>
-          </a:p>
-          <a:p>
-            <a:pPr marL="365760" lvl="1" indent="0"/>
-            <a:endParaRPr lang="it-IT" dirty="0" smtClean="0"/>
-          </a:p>
-          <a:p>
-            <a:pPr marL="0" indent="0">
-              <a:buNone/>
-            </a:pPr>
-            <a:r>
-              <a:rPr lang="it-IT" sz="500" dirty="0" smtClean="0"/>
-              <a:t> </a:t>
-            </a:r>
-          </a:p>
-          <a:p>
-            <a:pPr marL="0" indent="0">
-              <a:buNone/>
-            </a:pPr>
-            <a:endParaRPr lang="it-IT" sz="2600" dirty="0"/>
-          </a:p>
-        </p:txBody>
-      </p:sp>
-      <p:sp>
-        <p:nvSpPr>
-          <p:cNvPr id="9" name="Segnaposto numero diapositiva 8"/>
-          <p:cNvSpPr>
-            <a:spLocks noGrp="1"/>
-          </p:cNvSpPr>
-          <p:nvPr>
-            <p:ph type="sldNum" sz="quarter" idx="12"/>
-          </p:nvPr>
-        </p:nvSpPr>
-        <p:spPr/>
-        <p:txBody>
-          <a:bodyPr/>
-          <a:lstStyle/>
-          <a:p>
-            <a:fld id="{F89AEA99-3E91-4C58-9AD4-045DB5619AC3}" type="slidenum">
-              <a:rPr lang="it-IT" smtClean="0"/>
-              <a:pPr/>
-              <a:t>9</a:t>
-            </a:fld>
-            <a:endParaRPr lang="it-IT"/>
           </a:p>
         </p:txBody>
       </p:sp>
@@ -18898,8 +17085,8 @@
         </p:nvSpPr>
         <p:spPr>
           <a:xfrm>
-            <a:off x="251520" y="3501008"/>
-            <a:ext cx="3528392" cy="2304256"/>
+            <a:off x="3563888" y="3789040"/>
+            <a:ext cx="4968552" cy="2376264"/>
           </a:xfrm>
           <a:prstGeom prst="rect">
             <a:avLst/>
@@ -19068,55 +17255,401 @@
             </a:lvl9pPr>
           </a:lstStyle>
           <a:p>
-            <a:pPr marL="0" indent="0"/>
-            <a:r>
-              <a:rPr lang="it-IT" dirty="0" smtClean="0"/>
-              <a:t>Rispetta l’euristica:</a:t>
-            </a:r>
-          </a:p>
-          <a:p>
-            <a:pPr marL="365760" lvl="1" indent="0">
-              <a:buNone/>
-            </a:pPr>
-            <a:r>
-              <a:rPr lang="it-IT" sz="2400" i="1" dirty="0" smtClean="0">
-                <a:solidFill>
-                  <a:schemeClr val="accent5"/>
-                </a:solidFill>
-              </a:rPr>
-              <a:t>“ gli sviluppatori possono trattare ad ogni livello di astrazione un numero di concetti pari a 7±2”</a:t>
-            </a:r>
-          </a:p>
-          <a:p>
-            <a:pPr marL="365760" lvl="1" indent="0">
-              <a:buNone/>
-            </a:pPr>
-            <a:endParaRPr lang="it-IT" sz="2400" i="1" dirty="0" smtClean="0">
-              <a:solidFill>
-                <a:schemeClr val="accent5"/>
-              </a:solidFill>
-            </a:endParaRPr>
-          </a:p>
-          <a:p>
-            <a:pPr marL="365760" lvl="1" indent="0">
-              <a:buNone/>
-            </a:pPr>
-            <a:endParaRPr lang="it-IT" dirty="0" smtClean="0"/>
-          </a:p>
-          <a:p>
             <a:pPr marL="0" indent="0">
               <a:buNone/>
             </a:pPr>
             <a:r>
-              <a:rPr lang="it-IT" sz="500" dirty="0" smtClean="0"/>
+              <a:rPr lang="en-US" sz="2600" b="1" dirty="0" err="1" smtClean="0"/>
+              <a:t>Obiettivo</a:t>
+            </a:r>
+            <a:r>
+              <a:rPr lang="en-US" sz="2600" b="1" dirty="0" smtClean="0"/>
+              <a:t> del </a:t>
+            </a:r>
+            <a:r>
+              <a:rPr lang="en-US" sz="2600" b="1" u="sng" dirty="0" err="1" smtClean="0"/>
+              <a:t>nostro</a:t>
+            </a:r>
+            <a:r>
+              <a:rPr lang="en-US" sz="2600" b="1" dirty="0" smtClean="0"/>
+              <a:t> testing</a:t>
+            </a:r>
+            <a:r>
+              <a:rPr lang="en-US" sz="2600" dirty="0" smtClean="0"/>
+              <a:t>: </a:t>
+            </a:r>
+            <a:r>
+              <a:rPr lang="en-US" sz="2600" dirty="0" err="1" smtClean="0"/>
+              <a:t>verificare</a:t>
+            </a:r>
+            <a:r>
+              <a:rPr lang="en-US" sz="2600" dirty="0" smtClean="0"/>
               <a:t> </a:t>
             </a:r>
-          </a:p>
+            <a:r>
+              <a:rPr lang="en-US" sz="2600" dirty="0" err="1" smtClean="0"/>
+              <a:t>l’affidabilità</a:t>
+            </a:r>
+            <a:r>
+              <a:rPr lang="en-US" sz="2600" dirty="0" smtClean="0"/>
+              <a:t> del </a:t>
+            </a:r>
+            <a:r>
+              <a:rPr lang="en-US" sz="2600" dirty="0" err="1" smtClean="0"/>
+              <a:t>sistema</a:t>
+            </a:r>
+            <a:r>
+              <a:rPr lang="en-US" sz="2600" dirty="0" smtClean="0"/>
+              <a:t> Kids, </a:t>
+            </a:r>
+            <a:r>
+              <a:rPr lang="en-US" sz="2600" dirty="0" err="1" smtClean="0"/>
+              <a:t>cioè</a:t>
+            </a:r>
+            <a:r>
+              <a:rPr lang="en-US" sz="2600" dirty="0" smtClean="0"/>
+              <a:t> la </a:t>
+            </a:r>
+            <a:r>
+              <a:rPr lang="en-US" sz="2600" dirty="0" err="1" smtClean="0"/>
+              <a:t>sua</a:t>
+            </a:r>
+            <a:r>
+              <a:rPr lang="en-US" sz="2600" dirty="0" smtClean="0"/>
+              <a:t> </a:t>
+            </a:r>
+            <a:r>
+              <a:rPr lang="en-US" sz="2600" dirty="0" err="1" smtClean="0"/>
+              <a:t>corretta</a:t>
+            </a:r>
+            <a:r>
+              <a:rPr lang="en-US" sz="2600" dirty="0" smtClean="0"/>
+              <a:t> </a:t>
+            </a:r>
+            <a:r>
+              <a:rPr lang="en-US" sz="2600" dirty="0" err="1" smtClean="0"/>
+              <a:t>funzionalità</a:t>
+            </a:r>
+            <a:r>
+              <a:rPr lang="en-US" sz="2600" dirty="0" smtClean="0"/>
+              <a:t> </a:t>
+            </a:r>
+            <a:r>
+              <a:rPr lang="en-US" sz="2600" dirty="0" err="1" smtClean="0"/>
+              <a:t>nella</a:t>
+            </a:r>
+            <a:r>
+              <a:rPr lang="en-US" sz="2600" dirty="0" smtClean="0"/>
+              <a:t> </a:t>
+            </a:r>
+            <a:r>
+              <a:rPr lang="en-US" sz="2600" dirty="0" err="1" smtClean="0"/>
+              <a:t>gestione</a:t>
+            </a:r>
+            <a:r>
+              <a:rPr lang="en-US" sz="2600" dirty="0" smtClean="0"/>
+              <a:t> </a:t>
+            </a:r>
+            <a:r>
+              <a:rPr lang="en-US" sz="2600" dirty="0" err="1" smtClean="0"/>
+              <a:t>degli</a:t>
+            </a:r>
+            <a:r>
+              <a:rPr lang="en-US" sz="2600" dirty="0" smtClean="0"/>
+              <a:t> input</a:t>
+            </a:r>
+            <a:endParaRPr lang="en-US" sz="2600" dirty="0"/>
+          </a:p>
+        </p:txBody>
+      </p:sp>
+      <p:sp>
+        <p:nvSpPr>
+          <p:cNvPr id="5" name="Content Placeholder 3"/>
+          <p:cNvSpPr txBox="1">
+            <a:spLocks/>
+          </p:cNvSpPr>
+          <p:nvPr/>
+        </p:nvSpPr>
+        <p:spPr>
+          <a:xfrm>
+            <a:off x="539552" y="1988840"/>
+            <a:ext cx="8424936" cy="1296144"/>
+          </a:xfrm>
+          <a:prstGeom prst="rect">
+            <a:avLst/>
+          </a:prstGeom>
+        </p:spPr>
+        <p:txBody>
+          <a:bodyPr tIns="0"/>
+          <a:lstStyle>
+            <a:lvl1pPr marL="274320" indent="-274320" algn="l" rtl="0" eaLnBrk="1" latinLnBrk="0" hangingPunct="1">
+              <a:spcBef>
+                <a:spcPct val="20000"/>
+              </a:spcBef>
+              <a:buClrTx/>
+              <a:buSzPct val="95000"/>
+              <a:buFont typeface="Wingdings" pitchFamily="2" charset="2"/>
+              <a:buChar char="v"/>
+              <a:defRPr kumimoji="0" sz="2800" kern="1200">
+                <a:solidFill>
+                  <a:schemeClr val="tx1"/>
+                </a:solidFill>
+                <a:latin typeface="+mn-lt"/>
+                <a:ea typeface="+mn-ea"/>
+                <a:cs typeface="+mn-cs"/>
+              </a:defRPr>
+            </a:lvl1pPr>
+            <a:lvl2pPr marL="640080" indent="-246888" algn="l" rtl="0" eaLnBrk="1" latinLnBrk="0" hangingPunct="1">
+              <a:spcBef>
+                <a:spcPct val="20000"/>
+              </a:spcBef>
+              <a:buClrTx/>
+              <a:buSzPct val="85000"/>
+              <a:buFont typeface="Courier New" pitchFamily="49" charset="0"/>
+              <a:buChar char="o"/>
+              <a:defRPr kumimoji="0" sz="2600" kern="1200">
+                <a:solidFill>
+                  <a:schemeClr val="tx1"/>
+                </a:solidFill>
+                <a:latin typeface="+mn-lt"/>
+                <a:ea typeface="+mn-ea"/>
+                <a:cs typeface="+mn-cs"/>
+              </a:defRPr>
+            </a:lvl2pPr>
+            <a:lvl3pPr marL="914400" indent="-246888" algn="l" rtl="0" eaLnBrk="1" latinLnBrk="0" hangingPunct="1">
+              <a:spcBef>
+                <a:spcPct val="20000"/>
+              </a:spcBef>
+              <a:buClrTx/>
+              <a:buSzPct val="70000"/>
+              <a:buFont typeface="Wingdings 2"/>
+              <a:buChar char=""/>
+              <a:defRPr kumimoji="0" sz="2400" kern="1200">
+                <a:solidFill>
+                  <a:schemeClr val="tx1"/>
+                </a:solidFill>
+                <a:latin typeface="+mn-lt"/>
+                <a:ea typeface="+mn-ea"/>
+                <a:cs typeface="+mn-cs"/>
+              </a:defRPr>
+            </a:lvl3pPr>
+            <a:lvl4pPr marL="1188720" indent="-210312" algn="l" rtl="0" eaLnBrk="1" latinLnBrk="0" hangingPunct="1">
+              <a:spcBef>
+                <a:spcPct val="20000"/>
+              </a:spcBef>
+              <a:buClrTx/>
+              <a:buSzPct val="65000"/>
+              <a:buFont typeface="Wingdings 2"/>
+              <a:buChar char=""/>
+              <a:defRPr kumimoji="0" sz="2000" kern="1200">
+                <a:solidFill>
+                  <a:schemeClr val="tx1"/>
+                </a:solidFill>
+                <a:latin typeface="+mn-lt"/>
+                <a:ea typeface="+mn-ea"/>
+                <a:cs typeface="+mn-cs"/>
+              </a:defRPr>
+            </a:lvl4pPr>
+            <a:lvl5pPr marL="1463040" indent="-210312" algn="l" rtl="0" eaLnBrk="1" latinLnBrk="0" hangingPunct="1">
+              <a:spcBef>
+                <a:spcPct val="20000"/>
+              </a:spcBef>
+              <a:buClrTx/>
+              <a:buSzPct val="65000"/>
+              <a:buFont typeface="Wingdings 2"/>
+              <a:buChar char=""/>
+              <a:defRPr kumimoji="0" sz="1800" kern="1200">
+                <a:solidFill>
+                  <a:schemeClr val="tx1"/>
+                </a:solidFill>
+                <a:latin typeface="+mn-lt"/>
+                <a:ea typeface="+mn-ea"/>
+                <a:cs typeface="+mn-cs"/>
+              </a:defRPr>
+            </a:lvl5pPr>
+            <a:lvl6pPr marL="1737360" indent="-210312" algn="l" rtl="0" eaLnBrk="1" latinLnBrk="0" hangingPunct="1">
+              <a:spcBef>
+                <a:spcPct val="20000"/>
+              </a:spcBef>
+              <a:buClr>
+                <a:schemeClr val="accent5"/>
+              </a:buClr>
+              <a:buSzPct val="80000"/>
+              <a:buFont typeface="Wingdings 2"/>
+              <a:buChar char=""/>
+              <a:defRPr kumimoji="0" sz="1800" kern="1200">
+                <a:solidFill>
+                  <a:schemeClr val="tx1"/>
+                </a:solidFill>
+                <a:latin typeface="+mn-lt"/>
+                <a:ea typeface="+mn-ea"/>
+                <a:cs typeface="+mn-cs"/>
+              </a:defRPr>
+            </a:lvl6pPr>
+            <a:lvl7pPr marL="1920240" indent="-182880" algn="l" rtl="0" eaLnBrk="1" latinLnBrk="0" hangingPunct="1">
+              <a:spcBef>
+                <a:spcPct val="20000"/>
+              </a:spcBef>
+              <a:buClr>
+                <a:schemeClr val="accent6"/>
+              </a:buClr>
+              <a:buSzPct val="80000"/>
+              <a:buFont typeface="Wingdings 2"/>
+              <a:buChar char=""/>
+              <a:defRPr kumimoji="0" sz="1600" kern="1200" baseline="0">
+                <a:solidFill>
+                  <a:schemeClr val="tx1"/>
+                </a:solidFill>
+                <a:latin typeface="+mn-lt"/>
+                <a:ea typeface="+mn-ea"/>
+                <a:cs typeface="+mn-cs"/>
+              </a:defRPr>
+            </a:lvl7pPr>
+            <a:lvl8pPr marL="2194560" indent="-182880" algn="l" rtl="0" eaLnBrk="1" latinLnBrk="0" hangingPunct="1">
+              <a:spcBef>
+                <a:spcPct val="20000"/>
+              </a:spcBef>
+              <a:buClr>
+                <a:schemeClr val="tx2"/>
+              </a:buClr>
+              <a:buChar char="•"/>
+              <a:defRPr kumimoji="0" sz="1600" kern="1200">
+                <a:solidFill>
+                  <a:schemeClr val="tx1"/>
+                </a:solidFill>
+                <a:latin typeface="+mn-lt"/>
+                <a:ea typeface="+mn-ea"/>
+                <a:cs typeface="+mn-cs"/>
+              </a:defRPr>
+            </a:lvl8pPr>
+            <a:lvl9pPr marL="2468880" indent="-182880" algn="l" rtl="0" eaLnBrk="1" latinLnBrk="0" hangingPunct="1">
+              <a:spcBef>
+                <a:spcPct val="20000"/>
+              </a:spcBef>
+              <a:buClr>
+                <a:schemeClr val="tx2"/>
+              </a:buClr>
+              <a:buFontTx/>
+              <a:buChar char="•"/>
+              <a:defRPr kumimoji="0" sz="1400" kern="1200" baseline="0">
+                <a:solidFill>
+                  <a:schemeClr val="tx1"/>
+                </a:solidFill>
+                <a:latin typeface="+mn-lt"/>
+                <a:ea typeface="+mn-ea"/>
+                <a:cs typeface="+mn-cs"/>
+              </a:defRPr>
+            </a:lvl9pPr>
+          </a:lstStyle>
           <a:p>
             <a:pPr marL="0" indent="0">
               <a:buNone/>
             </a:pPr>
-            <a:endParaRPr lang="it-IT" sz="2600" dirty="0"/>
+            <a:r>
+              <a:rPr lang="en-US" b="1" dirty="0" smtClean="0"/>
+              <a:t>OBIETTIVO:</a:t>
+            </a:r>
+            <a:r>
+              <a:rPr lang="it-IT" dirty="0" smtClean="0"/>
+              <a:t> </a:t>
+            </a:r>
+            <a:r>
+              <a:rPr lang="it-IT" sz="2700" dirty="0" smtClean="0"/>
+              <a:t>trovare le differenze tra il comportamento atteso specificato attraverso il modello del sistema e il comportamento osservato dal sistema implementato.</a:t>
+            </a:r>
+            <a:endParaRPr lang="en-US" sz="2700" dirty="0"/>
+          </a:p>
+        </p:txBody>
+      </p:sp>
+      <p:pic>
+        <p:nvPicPr>
+          <p:cNvPr id="5122" name="Picture 2" descr="http://www.competence.co.in/images/software-testing.jpg"/>
+          <p:cNvPicPr>
+            <a:picLocks noChangeAspect="1" noChangeArrowheads="1"/>
+          </p:cNvPicPr>
+          <p:nvPr/>
+        </p:nvPicPr>
+        <p:blipFill>
+          <a:blip r:embed="rId3" cstate="print"/>
+          <a:srcRect/>
+          <a:stretch>
+            <a:fillRect/>
+          </a:stretch>
+        </p:blipFill>
+        <p:spPr bwMode="auto">
+          <a:xfrm>
+            <a:off x="490364" y="3212976"/>
+            <a:ext cx="2857500" cy="3267075"/>
+          </a:xfrm>
+          <a:prstGeom prst="rect">
+            <a:avLst/>
+          </a:prstGeom>
+          <a:noFill/>
+        </p:spPr>
+      </p:pic>
+      <p:sp>
+        <p:nvSpPr>
+          <p:cNvPr id="6" name="Segnaposto numero diapositiva 5"/>
+          <p:cNvSpPr>
+            <a:spLocks noGrp="1"/>
+          </p:cNvSpPr>
+          <p:nvPr>
+            <p:ph type="sldNum" sz="quarter" idx="12"/>
+          </p:nvPr>
+        </p:nvSpPr>
+        <p:spPr/>
+        <p:txBody>
+          <a:bodyPr/>
+          <a:lstStyle/>
+          <a:p>
+            <a:fld id="{F89AEA99-3E91-4C58-9AD4-045DB5619AC3}" type="slidenum">
+              <a:rPr lang="it-IT" smtClean="0"/>
+              <a:pPr/>
+              <a:t>9</a:t>
+            </a:fld>
+            <a:endParaRPr lang="it-IT"/>
+          </a:p>
+        </p:txBody>
+      </p:sp>
+      <p:sp>
+        <p:nvSpPr>
+          <p:cNvPr id="7" name="Gallone 6">
+            <a:hlinkClick r:id="rId4" action="ppaction://hlinksldjump"/>
+          </p:cNvPr>
+          <p:cNvSpPr/>
+          <p:nvPr/>
+        </p:nvSpPr>
+        <p:spPr>
+          <a:xfrm>
+            <a:off x="7884368" y="6021288"/>
+            <a:ext cx="432048" cy="360040"/>
+          </a:xfrm>
+          <a:prstGeom prst="chevron">
+            <a:avLst>
+              <a:gd name="adj" fmla="val 40820"/>
+            </a:avLst>
+          </a:prstGeom>
+        </p:spPr>
+        <p:style>
+          <a:lnRef idx="0">
+            <a:schemeClr val="accent5"/>
+          </a:lnRef>
+          <a:fillRef idx="3">
+            <a:schemeClr val="accent5"/>
+          </a:fillRef>
+          <a:effectRef idx="3">
+            <a:schemeClr val="accent5"/>
+          </a:effectRef>
+          <a:fontRef idx="minor">
+            <a:schemeClr val="lt1"/>
+          </a:fontRef>
+        </p:style>
+        <p:txBody>
+          <a:bodyPr rtlCol="0" anchor="ctr"/>
+          <a:lstStyle/>
+          <a:p>
+            <a:pPr algn="ctr"/>
+            <a:endParaRPr lang="it-IT"/>
           </a:p>
         </p:txBody>
       </p:sp>
@@ -19162,7 +17695,7 @@
                             </p:stCondLst>
                             <p:childTnLst>
                               <p:par>
-                                <p:cTn id="5" presetID="1" presetClass="entr" presetSubtype="0" fill="hold" grpId="0" nodeType="afterEffect">
+                                <p:cTn id="5" presetID="10" presetClass="entr" presetSubtype="0" fill="hold" grpId="0" nodeType="afterEffect">
                                   <p:stCondLst>
                                     <p:cond delay="0"/>
                                   </p:stCondLst>
@@ -19170,6 +17703,50 @@
                                     <p:set>
                                       <p:cBhvr>
                                         <p:cTn id="6" dur="1" fill="hold">
+                                          <p:stCondLst>
+                                            <p:cond delay="0"/>
+                                          </p:stCondLst>
+                                        </p:cTn>
+                                        <p:tgtEl>
+                                          <p:spTgt spid="2"/>
+                                        </p:tgtEl>
+                                        <p:attrNameLst>
+                                          <p:attrName>style.visibility</p:attrName>
+                                        </p:attrNameLst>
+                                      </p:cBhvr>
+                                      <p:to>
+                                        <p:strVal val="visible"/>
+                                      </p:to>
+                                    </p:set>
+                                    <p:animEffect transition="in" filter="fade">
+                                      <p:cBhvr>
+                                        <p:cTn id="7" dur="2000"/>
+                                        <p:tgtEl>
+                                          <p:spTgt spid="2"/>
+                                        </p:tgtEl>
+                                      </p:cBhvr>
+                                    </p:animEffect>
+                                  </p:childTnLst>
+                                </p:cTn>
+                              </p:par>
+                            </p:childTnLst>
+                          </p:cTn>
+                        </p:par>
+                        <p:par>
+                          <p:cTn id="8" fill="hold">
+                            <p:stCondLst>
+                              <p:cond delay="2000"/>
+                            </p:stCondLst>
+                            <p:childTnLst>
+                              <p:par>
+                                <p:cTn id="9" presetID="10" presetClass="entr" presetSubtype="0" fill="hold" grpId="0" nodeType="afterEffect">
+                                  <p:stCondLst>
+                                    <p:cond delay="0"/>
+                                  </p:stCondLst>
+                                  <p:childTnLst>
+                                    <p:set>
+                                      <p:cBhvr>
+                                        <p:cTn id="10" dur="1" fill="hold">
                                           <p:stCondLst>
                                             <p:cond delay="0"/>
                                           </p:stCondLst>
@@ -19185,47 +17762,11 @@
                                         <p:strVal val="visible"/>
                                       </p:to>
                                     </p:set>
-                                  </p:childTnLst>
-                                </p:cTn>
-                              </p:par>
-                            </p:childTnLst>
-                          </p:cTn>
-                        </p:par>
-                        <p:par>
-                          <p:cTn id="7" fill="hold">
-                            <p:stCondLst>
-                              <p:cond delay="0"/>
-                            </p:stCondLst>
-                            <p:childTnLst>
-                              <p:par>
-                                <p:cTn id="8" presetID="10" presetClass="entr" presetSubtype="0" fill="hold" nodeType="afterEffect">
-                                  <p:stCondLst>
-                                    <p:cond delay="0"/>
-                                  </p:stCondLst>
-                                  <p:childTnLst>
-                                    <p:set>
-                                      <p:cBhvr>
-                                        <p:cTn id="9" dur="1" fill="hold">
-                                          <p:stCondLst>
-                                            <p:cond delay="0"/>
-                                          </p:stCondLst>
-                                        </p:cTn>
-                                        <p:tgtEl>
-                                          <p:spTgt spid="1026"/>
-                                        </p:tgtEl>
-                                        <p:attrNameLst>
-                                          <p:attrName>style.visibility</p:attrName>
-                                        </p:attrNameLst>
-                                      </p:cBhvr>
-                                      <p:to>
-                                        <p:strVal val="visible"/>
-                                      </p:to>
-                                    </p:set>
                                     <p:animEffect transition="in" filter="fade">
                                       <p:cBhvr>
-                                        <p:cTn id="10" dur="500"/>
+                                        <p:cTn id="11" dur="500"/>
                                         <p:tgtEl>
-                                          <p:spTgt spid="1026"/>
+                                          <p:spTgt spid="7"/>
                                         </p:tgtEl>
                                       </p:cBhvr>
                                     </p:animEffect>
@@ -19239,32 +17780,32 @@
                     </p:cTn>
                   </p:par>
                   <p:par>
-                    <p:cTn id="11" fill="hold">
+                    <p:cTn id="12" fill="hold">
                       <p:stCondLst>
                         <p:cond delay="indefinite"/>
                       </p:stCondLst>
                       <p:childTnLst>
                         <p:par>
-                          <p:cTn id="12" fill="hold">
+                          <p:cTn id="13" fill="hold">
                             <p:stCondLst>
                               <p:cond delay="0"/>
                             </p:stCondLst>
                             <p:childTnLst>
                               <p:par>
-                                <p:cTn id="13" presetID="1" presetClass="entr" presetSubtype="0" fill="hold" grpId="0" nodeType="clickEffect">
+                                <p:cTn id="14" presetID="39" presetClass="entr" presetSubtype="0" accel="100000" fill="hold" grpId="0" nodeType="clickEffect">
                                   <p:stCondLst>
                                     <p:cond delay="0"/>
                                   </p:stCondLst>
                                   <p:childTnLst>
                                     <p:set>
                                       <p:cBhvr>
-                                        <p:cTn id="14" dur="1" fill="hold">
+                                        <p:cTn id="15" dur="1" fill="hold">
                                           <p:stCondLst>
                                             <p:cond delay="0"/>
                                           </p:stCondLst>
                                         </p:cTn>
                                         <p:tgtEl>
-                                          <p:spTgt spid="13"/>
+                                          <p:spTgt spid="5"/>
                                         </p:tgtEl>
                                         <p:attrNameLst>
                                           <p:attrName>style.visibility</p:attrName>
@@ -19274,50 +17815,113 @@
                                         <p:strVal val="visible"/>
                                       </p:to>
                                     </p:set>
-                                  </p:childTnLst>
-                                </p:cTn>
-                              </p:par>
-                            </p:childTnLst>
-                          </p:cTn>
-                        </p:par>
-                        <p:par>
-                          <p:cTn id="15" fill="hold">
-                            <p:stCondLst>
-                              <p:cond delay="0"/>
-                            </p:stCondLst>
-                            <p:childTnLst>
-                              <p:par>
-                                <p:cTn id="16" presetID="20" presetClass="entr" presetSubtype="0" fill="hold" grpId="0" nodeType="afterEffect">
-                                  <p:stCondLst>
-                                    <p:cond delay="0"/>
-                                  </p:stCondLst>
-                                  <p:childTnLst>
-                                    <p:set>
+                                    <p:anim calcmode="lin" valueType="num">
                                       <p:cBhvr>
-                                        <p:cTn id="17" dur="1" fill="hold">
-                                          <p:stCondLst>
-                                            <p:cond delay="0"/>
-                                          </p:stCondLst>
-                                        </p:cTn>
+                                        <p:cTn id="16" dur="500" fill="hold"/>
                                         <p:tgtEl>
-                                          <p:spTgt spid="12"/>
+                                          <p:spTgt spid="5"/>
                                         </p:tgtEl>
                                         <p:attrNameLst>
-                                          <p:attrName>style.visibility</p:attrName>
+                                          <p:attrName>ppt_h</p:attrName>
                                         </p:attrNameLst>
                                       </p:cBhvr>
-                                      <p:to>
-                                        <p:strVal val="visible"/>
-                                      </p:to>
-                                    </p:set>
-                                    <p:animEffect transition="in" filter="wedge">
+                                      <p:tavLst>
+                                        <p:tav tm="0">
+                                          <p:val>
+                                            <p:strVal val="#ppt_h/20"/>
+                                          </p:val>
+                                        </p:tav>
+                                        <p:tav tm="50000">
+                                          <p:val>
+                                            <p:strVal val="#ppt_h/20"/>
+                                          </p:val>
+                                        </p:tav>
+                                        <p:tav tm="100000">
+                                          <p:val>
+                                            <p:strVal val="#ppt_h"/>
+                                          </p:val>
+                                        </p:tav>
+                                      </p:tavLst>
+                                    </p:anim>
+                                    <p:anim calcmode="lin" valueType="num">
                                       <p:cBhvr>
-                                        <p:cTn id="18" dur="2000"/>
+                                        <p:cTn id="17" dur="500" fill="hold"/>
                                         <p:tgtEl>
-                                          <p:spTgt spid="12"/>
+                                          <p:spTgt spid="5"/>
                                         </p:tgtEl>
+                                        <p:attrNameLst>
+                                          <p:attrName>ppt_w</p:attrName>
+                                        </p:attrNameLst>
                                       </p:cBhvr>
-                                    </p:animEffect>
+                                      <p:tavLst>
+                                        <p:tav tm="0">
+                                          <p:val>
+                                            <p:strVal val="#ppt_w+.3"/>
+                                          </p:val>
+                                        </p:tav>
+                                        <p:tav tm="50000">
+                                          <p:val>
+                                            <p:strVal val="#ppt_w+.3"/>
+                                          </p:val>
+                                        </p:tav>
+                                        <p:tav tm="100000">
+                                          <p:val>
+                                            <p:strVal val="#ppt_w"/>
+                                          </p:val>
+                                        </p:tav>
+                                      </p:tavLst>
+                                    </p:anim>
+                                    <p:anim calcmode="lin" valueType="num">
+                                      <p:cBhvr>
+                                        <p:cTn id="18" dur="500" fill="hold"/>
+                                        <p:tgtEl>
+                                          <p:spTgt spid="5"/>
+                                        </p:tgtEl>
+                                        <p:attrNameLst>
+                                          <p:attrName>ppt_x</p:attrName>
+                                        </p:attrNameLst>
+                                      </p:cBhvr>
+                                      <p:tavLst>
+                                        <p:tav tm="0">
+                                          <p:val>
+                                            <p:strVal val="#ppt_x-.3"/>
+                                          </p:val>
+                                        </p:tav>
+                                        <p:tav tm="50000">
+                                          <p:val>
+                                            <p:strVal val="#ppt_x"/>
+                                          </p:val>
+                                        </p:tav>
+                                        <p:tav tm="100000">
+                                          <p:val>
+                                            <p:strVal val="#ppt_x"/>
+                                          </p:val>
+                                        </p:tav>
+                                      </p:tavLst>
+                                    </p:anim>
+                                    <p:anim calcmode="lin" valueType="num">
+                                      <p:cBhvr>
+                                        <p:cTn id="19" dur="500" fill="hold"/>
+                                        <p:tgtEl>
+                                          <p:spTgt spid="5"/>
+                                        </p:tgtEl>
+                                        <p:attrNameLst>
+                                          <p:attrName>ppt_y</p:attrName>
+                                        </p:attrNameLst>
+                                      </p:cBhvr>
+                                      <p:tavLst>
+                                        <p:tav tm="0">
+                                          <p:val>
+                                            <p:strVal val="#ppt_y"/>
+                                          </p:val>
+                                        </p:tav>
+                                        <p:tav tm="100000">
+                                          <p:val>
+                                            <p:strVal val="#ppt_y"/>
+                                          </p:val>
+                                        </p:tav>
+                                      </p:tavLst>
+                                    </p:anim>
                                   </p:childTnLst>
                                 </p:cTn>
                               </p:par>
@@ -19328,26 +17932,26 @@
                     </p:cTn>
                   </p:par>
                   <p:par>
-                    <p:cTn id="19" fill="hold">
+                    <p:cTn id="20" fill="hold">
                       <p:stCondLst>
                         <p:cond delay="indefinite"/>
                       </p:stCondLst>
                       <p:childTnLst>
                         <p:par>
-                          <p:cTn id="20" fill="hold">
+                          <p:cTn id="21" fill="hold">
                             <p:stCondLst>
                               <p:cond delay="0"/>
                             </p:stCondLst>
                             <p:childTnLst>
                               <p:par>
-                                <p:cTn id="21" presetID="13" presetClass="entr" presetSubtype="16" fill="hold" grpId="0" nodeType="clickEffect">
+                                <p:cTn id="22" presetID="6" presetClass="entr" presetSubtype="16" fill="hold" grpId="1" nodeType="clickEffect">
                                   <p:stCondLst>
                                     <p:cond delay="0"/>
                                   </p:stCondLst>
                                   <p:childTnLst>
                                     <p:set>
                                       <p:cBhvr>
-                                        <p:cTn id="22" dur="1" fill="hold">
+                                        <p:cTn id="23" dur="1" fill="hold">
                                           <p:stCondLst>
                                             <p:cond delay="0"/>
                                           </p:stCondLst>
@@ -19363,9 +17967,9 @@
                                         <p:strVal val="visible"/>
                                       </p:to>
                                     </p:set>
-                                    <p:animEffect transition="in" filter="plus(in)">
+                                    <p:animEffect transition="in" filter="circle(in)">
                                       <p:cBhvr>
-                                        <p:cTn id="23" dur="1000"/>
+                                        <p:cTn id="24" dur="2000"/>
                                         <p:tgtEl>
                                           <p:spTgt spid="10"/>
                                         </p:tgtEl>
@@ -19375,20 +17979,20 @@
                                 </p:cTn>
                               </p:par>
                               <p:par>
-                                <p:cTn id="24" presetID="1" presetClass="entr" presetSubtype="0" fill="hold" grpId="0" nodeType="withEffect">
+                                <p:cTn id="25" presetID="23" presetClass="entr" presetSubtype="16" fill="hold" nodeType="withEffect">
                                   <p:stCondLst>
                                     <p:cond delay="0"/>
                                   </p:stCondLst>
                                   <p:childTnLst>
                                     <p:set>
                                       <p:cBhvr>
-                                        <p:cTn id="25" dur="1" fill="hold">
+                                        <p:cTn id="26" dur="1" fill="hold">
                                           <p:stCondLst>
                                             <p:cond delay="0"/>
                                           </p:stCondLst>
                                         </p:cTn>
                                         <p:tgtEl>
-                                          <p:spTgt spid="14"/>
+                                          <p:spTgt spid="5122"/>
                                         </p:tgtEl>
                                         <p:attrNameLst>
                                           <p:attrName>style.visibility</p:attrName>
@@ -19398,41 +18002,52 @@
                                         <p:strVal val="visible"/>
                                       </p:to>
                                     </p:set>
-                                  </p:childTnLst>
-                                </p:cTn>
-                              </p:par>
-                              <p:par>
-                                <p:cTn id="26" presetID="13" presetClass="entr" presetSubtype="16" fill="hold" grpId="0" nodeType="withEffect">
-                                  <p:stCondLst>
-                                    <p:cond delay="0"/>
-                                  </p:stCondLst>
-                                  <p:childTnLst>
-                                    <p:set>
+                                    <p:anim calcmode="lin" valueType="num">
                                       <p:cBhvr>
-                                        <p:cTn id="27" dur="1" fill="hold">
-                                          <p:stCondLst>
-                                            <p:cond delay="0"/>
-                                          </p:stCondLst>
-                                        </p:cTn>
+                                        <p:cTn id="27" dur="1000" fill="hold"/>
                                         <p:tgtEl>
-                                          <p:spTgt spid="8"/>
+                                          <p:spTgt spid="5122"/>
                                         </p:tgtEl>
                                         <p:attrNameLst>
-                                          <p:attrName>style.visibility</p:attrName>
+                                          <p:attrName>ppt_w</p:attrName>
                                         </p:attrNameLst>
                                       </p:cBhvr>
-                                      <p:to>
-                                        <p:strVal val="visible"/>
-                                      </p:to>
-                                    </p:set>
-                                    <p:animEffect transition="in" filter="plus(in)">
+                                      <p:tavLst>
+                                        <p:tav tm="0">
+                                          <p:val>
+                                            <p:fltVal val="0"/>
+                                          </p:val>
+                                        </p:tav>
+                                        <p:tav tm="100000">
+                                          <p:val>
+                                            <p:strVal val="#ppt_w"/>
+                                          </p:val>
+                                        </p:tav>
+                                      </p:tavLst>
+                                    </p:anim>
+                                    <p:anim calcmode="lin" valueType="num">
                                       <p:cBhvr>
-                                        <p:cTn id="28" dur="1000"/>
+                                        <p:cTn id="28" dur="1000" fill="hold"/>
                                         <p:tgtEl>
-                                          <p:spTgt spid="8"/>
+                                          <p:spTgt spid="5122"/>
                                         </p:tgtEl>
+                                        <p:attrNameLst>
+                                          <p:attrName>ppt_h</p:attrName>
+                                        </p:attrNameLst>
                                       </p:cBhvr>
-                                    </p:animEffect>
+                                      <p:tavLst>
+                                        <p:tav tm="0">
+                                          <p:val>
+                                            <p:fltVal val="0"/>
+                                          </p:val>
+                                        </p:tav>
+                                        <p:tav tm="100000">
+                                          <p:val>
+                                            <p:strVal val="#ppt_h"/>
+                                          </p:val>
+                                        </p:tav>
+                                      </p:tavLst>
+                                    </p:anim>
                                   </p:childTnLst>
                                 </p:cTn>
                               </p:par>
@@ -19464,12 +18079,10 @@
       </p:par>
     </p:tnLst>
     <p:bldLst>
-      <p:bldP spid="7" grpId="0"/>
-      <p:bldP spid="12" grpId="0" animBg="1"/>
-      <p:bldP spid="13" grpId="0"/>
-      <p:bldP spid="14" grpId="0" animBg="1"/>
-      <p:bldP spid="8" grpId="0"/>
-      <p:bldP spid="10" grpId="0"/>
+      <p:bldP spid="2" grpId="0"/>
+      <p:bldP spid="10" grpId="1"/>
+      <p:bldP spid="5" grpId="0"/>
+      <p:bldP spid="7" grpId="0" animBg="1"/>
     </p:bldLst>
   </p:timing>
 </p:sld>
